--- a/Основы системного анализа/lab1/lab1.pptx
+++ b/Основы системного анализа/lab1/lab1.pptx
@@ -6,26 +6,19 @@
   </p:sldMasterIdLst>
   <p:sldIdLst>
     <p:sldId id="256" r:id="rId2"/>
-    <p:sldId id="257" r:id="rId3"/>
-    <p:sldId id="258" r:id="rId4"/>
-    <p:sldId id="259" r:id="rId5"/>
-    <p:sldId id="260" r:id="rId6"/>
-    <p:sldId id="261" r:id="rId7"/>
-    <p:sldId id="263" r:id="rId8"/>
-    <p:sldId id="265" r:id="rId9"/>
-    <p:sldId id="266" r:id="rId10"/>
-    <p:sldId id="267" r:id="rId11"/>
-    <p:sldId id="268" r:id="rId12"/>
-    <p:sldId id="269" r:id="rId13"/>
-    <p:sldId id="270" r:id="rId14"/>
-    <p:sldId id="271" r:id="rId15"/>
-    <p:sldId id="272" r:id="rId16"/>
-    <p:sldId id="273" r:id="rId17"/>
-    <p:sldId id="274" r:id="rId18"/>
-    <p:sldId id="275" r:id="rId19"/>
+    <p:sldId id="258" r:id="rId3"/>
+    <p:sldId id="259" r:id="rId4"/>
+    <p:sldId id="261" r:id="rId5"/>
+    <p:sldId id="265" r:id="rId6"/>
+    <p:sldId id="276" r:id="rId7"/>
+    <p:sldId id="269" r:id="rId8"/>
+    <p:sldId id="270" r:id="rId9"/>
+    <p:sldId id="272" r:id="rId10"/>
+    <p:sldId id="274" r:id="rId11"/>
+    <p:sldId id="275" r:id="rId12"/>
   </p:sldIdLst>
   <p:sldSz cx="12192000" cy="6858000"/>
-  <p:notesSz cx="6858000" cy="9144000"/>
+  <p:notesSz cx="6858000" cy="9945688"/>
   <p:defaultTextStyle>
     <a:defPPr>
       <a:defRPr lang="ru-RU"/>
@@ -121,6 +114,11 @@
       </a:defRPr>
     </a:lvl9pPr>
   </p:defaultTextStyle>
+  <p:extLst>
+    <p:ext uri="{EFAFB233-063F-42B5-8137-9DF3F51BA10A}">
+      <p15:sldGuideLst xmlns:p15="http://schemas.microsoft.com/office/powerpoint/2012/main"/>
+    </p:ext>
+  </p:extLst>
 </p:presentation>
 </file>
 
@@ -147,65 +145,11 @@
       <inkml:brushProperty name="height" value="0.035" units="cm"/>
     </inkml:brush>
   </inkml:definitions>
-  <inkml:trace contextRef="#ctx0" brushRef="#br0">0 3928 21198,'4223'-3928'0</inkml:trace>
+  <inkml:trace contextRef="#ctx0" brushRef="#br0">0 1964 21198,'2112'-1964'0</inkml:trace>
 </inkml:ink>
 </file>
 
 <file path=ppt/ink/ink2.xml><?xml version="1.0" encoding="utf-8"?>
-<inkml:ink xmlns:inkml="http://www.w3.org/2003/InkML">
-  <inkml:definitions>
-    <inkml:context xml:id="ctx0">
-      <inkml:inkSource xml:id="inkSrc0">
-        <inkml:traceFormat>
-          <inkml:channel name="X" type="integer" min="-2.14748E9" max="2.14748E9" units="cm"/>
-          <inkml:channel name="Y" type="integer" min="-2.14748E9" max="2.14748E9" units="cm"/>
-          <inkml:channel name="F" type="integer" max="32767" units="dev"/>
-        </inkml:traceFormat>
-        <inkml:channelProperties>
-          <inkml:channelProperty channel="X" name="resolution" value="1000" units="1/cm"/>
-          <inkml:channelProperty channel="Y" name="resolution" value="1000" units="1/cm"/>
-          <inkml:channelProperty channel="F" name="resolution" value="0" units="1/dev"/>
-        </inkml:channelProperties>
-      </inkml:inkSource>
-      <inkml:timestamp xml:id="ts0" timeString="2025-10-07T12:35:03.059"/>
-    </inkml:context>
-    <inkml:brush xml:id="br0">
-      <inkml:brushProperty name="width" value="0.035" units="cm"/>
-      <inkml:brushProperty name="height" value="0.035" units="cm"/>
-    </inkml:brush>
-  </inkml:definitions>
-  <inkml:trace contextRef="#ctx0" brushRef="#br0">4726 3767 23761,'-4725'-3766'0</inkml:trace>
-</inkml:ink>
-</file>
-
-<file path=ppt/ink/ink3.xml><?xml version="1.0" encoding="utf-8"?>
-<inkml:ink xmlns:inkml="http://www.w3.org/2003/InkML">
-  <inkml:definitions>
-    <inkml:context xml:id="ctx0">
-      <inkml:inkSource xml:id="inkSrc0">
-        <inkml:traceFormat>
-          <inkml:channel name="X" type="integer" min="-2.14748E9" max="2.14748E9" units="cm"/>
-          <inkml:channel name="Y" type="integer" min="-2.14748E9" max="2.14748E9" units="cm"/>
-          <inkml:channel name="F" type="integer" max="32767" units="dev"/>
-        </inkml:traceFormat>
-        <inkml:channelProperties>
-          <inkml:channelProperty channel="X" name="resolution" value="1000" units="1/cm"/>
-          <inkml:channelProperty channel="Y" name="resolution" value="1000" units="1/cm"/>
-          <inkml:channelProperty channel="F" name="resolution" value="0" units="1/dev"/>
-        </inkml:channelProperties>
-      </inkml:inkSource>
-      <inkml:timestamp xml:id="ts0" timeString="2025-10-07T12:34:47.956"/>
-    </inkml:context>
-    <inkml:brush xml:id="br0">
-      <inkml:brushProperty name="width" value="0.035" units="cm"/>
-      <inkml:brushProperty name="height" value="0.035" units="cm"/>
-    </inkml:brush>
-  </inkml:definitions>
-  <inkml:trace contextRef="#ctx0" brushRef="#br0">0 1964 21198,'2112'-1964'0</inkml:trace>
-</inkml:ink>
-</file>
-
-<file path=ppt/ink/ink4.xml><?xml version="1.0" encoding="utf-8"?>
 <inkml:ink xmlns:inkml="http://www.w3.org/2003/InkML">
   <inkml:definitions>
     <inkml:context xml:id="ctx0">
@@ -379,7 +323,7 @@
           <a:p>
             <a:fld id="{3B5EFCB3-9442-4C86-9E12-FBE42B58C3A5}" type="datetimeFigureOut">
               <a:rPr lang="ru-RU" smtClean="0"/>
-              <a:t>07.10.2025</a:t>
+              <a:t>09.10.2025</a:t>
             </a:fld>
             <a:endParaRPr lang="ru-RU"/>
           </a:p>
@@ -577,7 +521,7 @@
           <a:p>
             <a:fld id="{3B5EFCB3-9442-4C86-9E12-FBE42B58C3A5}" type="datetimeFigureOut">
               <a:rPr lang="ru-RU" smtClean="0"/>
-              <a:t>07.10.2025</a:t>
+              <a:t>09.10.2025</a:t>
             </a:fld>
             <a:endParaRPr lang="ru-RU"/>
           </a:p>
@@ -785,7 +729,7 @@
           <a:p>
             <a:fld id="{3B5EFCB3-9442-4C86-9E12-FBE42B58C3A5}" type="datetimeFigureOut">
               <a:rPr lang="ru-RU" smtClean="0"/>
-              <a:t>07.10.2025</a:t>
+              <a:t>09.10.2025</a:t>
             </a:fld>
             <a:endParaRPr lang="ru-RU"/>
           </a:p>
@@ -983,7 +927,7 @@
           <a:p>
             <a:fld id="{3B5EFCB3-9442-4C86-9E12-FBE42B58C3A5}" type="datetimeFigureOut">
               <a:rPr lang="ru-RU" smtClean="0"/>
-              <a:t>07.10.2025</a:t>
+              <a:t>09.10.2025</a:t>
             </a:fld>
             <a:endParaRPr lang="ru-RU"/>
           </a:p>
@@ -1258,7 +1202,7 @@
           <a:p>
             <a:fld id="{3B5EFCB3-9442-4C86-9E12-FBE42B58C3A5}" type="datetimeFigureOut">
               <a:rPr lang="ru-RU" smtClean="0"/>
-              <a:t>07.10.2025</a:t>
+              <a:t>09.10.2025</a:t>
             </a:fld>
             <a:endParaRPr lang="ru-RU"/>
           </a:p>
@@ -1523,7 +1467,7 @@
           <a:p>
             <a:fld id="{3B5EFCB3-9442-4C86-9E12-FBE42B58C3A5}" type="datetimeFigureOut">
               <a:rPr lang="ru-RU" smtClean="0"/>
-              <a:t>07.10.2025</a:t>
+              <a:t>09.10.2025</a:t>
             </a:fld>
             <a:endParaRPr lang="ru-RU"/>
           </a:p>
@@ -1935,7 +1879,7 @@
           <a:p>
             <a:fld id="{3B5EFCB3-9442-4C86-9E12-FBE42B58C3A5}" type="datetimeFigureOut">
               <a:rPr lang="ru-RU" smtClean="0"/>
-              <a:t>07.10.2025</a:t>
+              <a:t>09.10.2025</a:t>
             </a:fld>
             <a:endParaRPr lang="ru-RU"/>
           </a:p>
@@ -2076,7 +2020,7 @@
           <a:p>
             <a:fld id="{3B5EFCB3-9442-4C86-9E12-FBE42B58C3A5}" type="datetimeFigureOut">
               <a:rPr lang="ru-RU" smtClean="0"/>
-              <a:t>07.10.2025</a:t>
+              <a:t>09.10.2025</a:t>
             </a:fld>
             <a:endParaRPr lang="ru-RU"/>
           </a:p>
@@ -2189,7 +2133,7 @@
           <a:p>
             <a:fld id="{3B5EFCB3-9442-4C86-9E12-FBE42B58C3A5}" type="datetimeFigureOut">
               <a:rPr lang="ru-RU" smtClean="0"/>
-              <a:t>07.10.2025</a:t>
+              <a:t>09.10.2025</a:t>
             </a:fld>
             <a:endParaRPr lang="ru-RU"/>
           </a:p>
@@ -2500,7 +2444,7 @@
           <a:p>
             <a:fld id="{3B5EFCB3-9442-4C86-9E12-FBE42B58C3A5}" type="datetimeFigureOut">
               <a:rPr lang="ru-RU" smtClean="0"/>
-              <a:t>07.10.2025</a:t>
+              <a:t>09.10.2025</a:t>
             </a:fld>
             <a:endParaRPr lang="ru-RU"/>
           </a:p>
@@ -2788,7 +2732,7 @@
           <a:p>
             <a:fld id="{3B5EFCB3-9442-4C86-9E12-FBE42B58C3A5}" type="datetimeFigureOut">
               <a:rPr lang="ru-RU" smtClean="0"/>
-              <a:t>07.10.2025</a:t>
+              <a:t>09.10.2025</a:t>
             </a:fld>
             <a:endParaRPr lang="ru-RU"/>
           </a:p>
@@ -3029,7 +2973,7 @@
           <a:p>
             <a:fld id="{3B5EFCB3-9442-4C86-9E12-FBE42B58C3A5}" type="datetimeFigureOut">
               <a:rPr lang="ru-RU" smtClean="0"/>
-              <a:t>07.10.2025</a:t>
+              <a:t>09.10.2025</a:t>
             </a:fld>
             <a:endParaRPr lang="ru-RU"/>
           </a:p>
@@ -3464,7 +3408,9 @@
         </p:nvSpPr>
         <p:spPr/>
         <p:txBody>
-          <a:bodyPr/>
+          <a:bodyPr>
+            <a:normAutofit fontScale="90000"/>
+          </a:bodyPr>
           <a:lstStyle/>
           <a:p>
             <a:r>
@@ -3527,1692 +3473,6 @@
 </file>
 
 <file path=ppt/slides/slide10.xml><?xml version="1.0" encoding="utf-8"?>
-<p:sld xmlns:a="http://schemas.openxmlformats.org/drawingml/2006/main" xmlns:r="http://schemas.openxmlformats.org/officeDocument/2006/relationships" xmlns:p="http://schemas.openxmlformats.org/presentationml/2006/main">
-  <p:cSld>
-    <p:spTree>
-      <p:nvGrpSpPr>
-        <p:cNvPr id="1" name="">
-          <a:extLst>
-            <a:ext uri="{FF2B5EF4-FFF2-40B4-BE49-F238E27FC236}">
-              <a16:creationId xmlns:a16="http://schemas.microsoft.com/office/drawing/2014/main" id="{9251083E-5612-FAA7-48B2-3EF2F79E9338}"/>
-            </a:ext>
-          </a:extLst>
-        </p:cNvPr>
-        <p:cNvGrpSpPr/>
-        <p:nvPr/>
-      </p:nvGrpSpPr>
-      <p:grpSpPr>
-        <a:xfrm>
-          <a:off x="0" y="0"/>
-          <a:ext cx="0" cy="0"/>
-          <a:chOff x="0" y="0"/>
-          <a:chExt cx="0" cy="0"/>
-        </a:xfrm>
-      </p:grpSpPr>
-      <p:sp>
-        <p:nvSpPr>
-          <p:cNvPr id="4" name="Прямоугольник: скругленные углы 3">
-            <a:extLst>
-              <a:ext uri="{FF2B5EF4-FFF2-40B4-BE49-F238E27FC236}">
-                <a16:creationId xmlns:a16="http://schemas.microsoft.com/office/drawing/2014/main" id="{7101D8C7-3B41-2BDC-ED22-9B46209FE1AB}"/>
-              </a:ext>
-            </a:extLst>
-          </p:cNvPr>
-          <p:cNvSpPr/>
-          <p:nvPr/>
-        </p:nvSpPr>
-        <p:spPr>
-          <a:xfrm>
-            <a:off x="779721" y="740735"/>
-            <a:ext cx="10632558" cy="1194391"/>
-          </a:xfrm>
-          <a:prstGeom prst="roundRect">
-            <a:avLst/>
-          </a:prstGeom>
-        </p:spPr>
-        <p:style>
-          <a:lnRef idx="2">
-            <a:schemeClr val="accent6"/>
-          </a:lnRef>
-          <a:fillRef idx="1">
-            <a:schemeClr val="lt1"/>
-          </a:fillRef>
-          <a:effectRef idx="0">
-            <a:schemeClr val="accent6"/>
-          </a:effectRef>
-          <a:fontRef idx="minor">
-            <a:schemeClr val="dk1"/>
-          </a:fontRef>
-        </p:style>
-        <p:txBody>
-          <a:bodyPr rtlCol="0" anchor="ctr"/>
-          <a:lstStyle/>
-          <a:p>
-            <a:pPr>
-              <a:spcBef>
-                <a:spcPct val="50000"/>
-              </a:spcBef>
-            </a:pPr>
-            <a:r>
-              <a:rPr lang="ru-RU" altLang="ru-RU" sz="2800" b="1" dirty="0">
-                <a:latin typeface="Montserrat" panose="020F0502020204030204" pitchFamily="2" charset="-52"/>
-              </a:rPr>
-              <a:t>Эмпирический анализ</a:t>
-            </a:r>
-            <a:r>
-              <a:rPr lang="ru-RU" altLang="ru-RU" sz="2800" dirty="0">
-                <a:latin typeface="Montserrat" panose="020F0502020204030204" pitchFamily="2" charset="-52"/>
-              </a:rPr>
-              <a:t> -  то, что наполняет компоненту «как получают знания».</a:t>
-            </a:r>
-          </a:p>
-        </p:txBody>
-      </p:sp>
-      <p:sp>
-        <p:nvSpPr>
-          <p:cNvPr id="5" name="Прямоугольник: скругленные углы 4">
-            <a:extLst>
-              <a:ext uri="{FF2B5EF4-FFF2-40B4-BE49-F238E27FC236}">
-                <a16:creationId xmlns:a16="http://schemas.microsoft.com/office/drawing/2014/main" id="{8B5A2E47-BBCA-1462-9625-C3B75EB04C37}"/>
-              </a:ext>
-            </a:extLst>
-          </p:cNvPr>
-          <p:cNvSpPr/>
-          <p:nvPr/>
-        </p:nvSpPr>
-        <p:spPr>
-          <a:xfrm>
-            <a:off x="779721" y="2190308"/>
-            <a:ext cx="10632558" cy="3310270"/>
-          </a:xfrm>
-          <a:prstGeom prst="roundRect">
-            <a:avLst/>
-          </a:prstGeom>
-        </p:spPr>
-        <p:style>
-          <a:lnRef idx="2">
-            <a:schemeClr val="accent6"/>
-          </a:lnRef>
-          <a:fillRef idx="1">
-            <a:schemeClr val="lt1"/>
-          </a:fillRef>
-          <a:effectRef idx="0">
-            <a:schemeClr val="accent6"/>
-          </a:effectRef>
-          <a:fontRef idx="minor">
-            <a:schemeClr val="dk1"/>
-          </a:fontRef>
-        </p:style>
-        <p:txBody>
-          <a:bodyPr rtlCol="0" anchor="ctr"/>
-          <a:lstStyle/>
-          <a:p>
-            <a:pPr>
-              <a:spcBef>
-                <a:spcPct val="50000"/>
-              </a:spcBef>
-            </a:pPr>
-            <a:r>
-              <a:rPr lang="ru-RU" altLang="ru-RU" sz="2800" dirty="0">
-                <a:latin typeface="Montserrat" panose="020F0502020204030204" pitchFamily="2" charset="-52"/>
-              </a:rPr>
-              <a:t>Выделяется 3 основных разновидности эмпирического анализа:</a:t>
-            </a:r>
-          </a:p>
-          <a:p>
-            <a:pPr>
-              <a:spcBef>
-                <a:spcPct val="50000"/>
-              </a:spcBef>
-              <a:buFontTx/>
-              <a:buAutoNum type="arabicParenR"/>
-            </a:pPr>
-            <a:r>
-              <a:rPr lang="ru-RU" altLang="ru-RU" sz="2800" dirty="0">
-                <a:latin typeface="Montserrat" panose="020F0502020204030204" pitchFamily="2" charset="-52"/>
-              </a:rPr>
-              <a:t>классический анализ;</a:t>
-            </a:r>
-          </a:p>
-          <a:p>
-            <a:pPr>
-              <a:spcBef>
-                <a:spcPct val="50000"/>
-              </a:spcBef>
-              <a:buFontTx/>
-              <a:buAutoNum type="arabicParenR"/>
-            </a:pPr>
-            <a:r>
-              <a:rPr lang="ru-RU" altLang="ru-RU" sz="2800" dirty="0">
-                <a:latin typeface="Montserrat" panose="020F0502020204030204" pitchFamily="2" charset="-52"/>
-              </a:rPr>
-              <a:t>традиционный подход к организации исследования;</a:t>
-            </a:r>
-          </a:p>
-          <a:p>
-            <a:pPr>
-              <a:spcBef>
-                <a:spcPct val="50000"/>
-              </a:spcBef>
-              <a:buFontTx/>
-              <a:buAutoNum type="arabicParenR"/>
-            </a:pPr>
-            <a:r>
-              <a:rPr lang="ru-RU" altLang="ru-RU" sz="2800" dirty="0">
-                <a:latin typeface="Montserrat" panose="020F0502020204030204" pitchFamily="2" charset="-52"/>
-              </a:rPr>
-              <a:t>системный подход к описанию функционирования объектов (систем).</a:t>
-            </a:r>
-          </a:p>
-        </p:txBody>
-      </p:sp>
-      <p:sp>
-        <p:nvSpPr>
-          <p:cNvPr id="2" name="TextBox 1">
-            <a:extLst>
-              <a:ext uri="{FF2B5EF4-FFF2-40B4-BE49-F238E27FC236}">
-                <a16:creationId xmlns:a16="http://schemas.microsoft.com/office/drawing/2014/main" id="{68E797D5-1F20-F127-D57B-1BDF6C0BC1AC}"/>
-              </a:ext>
-            </a:extLst>
-          </p:cNvPr>
-          <p:cNvSpPr txBox="1"/>
-          <p:nvPr/>
-        </p:nvSpPr>
-        <p:spPr>
-          <a:xfrm>
-            <a:off x="988828" y="5656521"/>
-            <a:ext cx="10207256" cy="477054"/>
-          </a:xfrm>
-          <a:prstGeom prst="rect">
-            <a:avLst/>
-          </a:prstGeom>
-          <a:noFill/>
-        </p:spPr>
-        <p:txBody>
-          <a:bodyPr wrap="square" rtlCol="0">
-            <a:spAutoFit/>
-          </a:bodyPr>
-          <a:lstStyle/>
-          <a:p>
-            <a:r>
-              <a:rPr lang="ru-RU" sz="2500" dirty="0"/>
-              <a:t>(Их три по применимости)</a:t>
-            </a:r>
-          </a:p>
-        </p:txBody>
-      </p:sp>
-    </p:spTree>
-    <p:extLst>
-      <p:ext uri="{BB962C8B-B14F-4D97-AF65-F5344CB8AC3E}">
-        <p14:creationId xmlns:p14="http://schemas.microsoft.com/office/powerpoint/2010/main" val="3962701166"/>
-      </p:ext>
-    </p:extLst>
-  </p:cSld>
-  <p:clrMapOvr>
-    <a:masterClrMapping/>
-  </p:clrMapOvr>
-</p:sld>
-</file>
-
-<file path=ppt/slides/slide11.xml><?xml version="1.0" encoding="utf-8"?>
-<p:sld xmlns:a="http://schemas.openxmlformats.org/drawingml/2006/main" xmlns:r="http://schemas.openxmlformats.org/officeDocument/2006/relationships" xmlns:p="http://schemas.openxmlformats.org/presentationml/2006/main">
-  <p:cSld>
-    <p:spTree>
-      <p:nvGrpSpPr>
-        <p:cNvPr id="1" name="">
-          <a:extLst>
-            <a:ext uri="{FF2B5EF4-FFF2-40B4-BE49-F238E27FC236}">
-              <a16:creationId xmlns:a16="http://schemas.microsoft.com/office/drawing/2014/main" id="{910DB73B-EB1A-7C51-794B-7AA1EA6E7DA5}"/>
-            </a:ext>
-          </a:extLst>
-        </p:cNvPr>
-        <p:cNvGrpSpPr/>
-        <p:nvPr/>
-      </p:nvGrpSpPr>
-      <p:grpSpPr>
-        <a:xfrm>
-          <a:off x="0" y="0"/>
-          <a:ext cx="0" cy="0"/>
-          <a:chOff x="0" y="0"/>
-          <a:chExt cx="0" cy="0"/>
-        </a:xfrm>
-      </p:grpSpPr>
-      <p:sp>
-        <p:nvSpPr>
-          <p:cNvPr id="4" name="Прямоугольник: скругленные углы 3">
-            <a:extLst>
-              <a:ext uri="{FF2B5EF4-FFF2-40B4-BE49-F238E27FC236}">
-                <a16:creationId xmlns:a16="http://schemas.microsoft.com/office/drawing/2014/main" id="{5F99A3C9-0707-CFC9-4C07-7D939F6022ED}"/>
-              </a:ext>
-            </a:extLst>
-          </p:cNvPr>
-          <p:cNvSpPr/>
-          <p:nvPr/>
-        </p:nvSpPr>
-        <p:spPr>
-          <a:xfrm>
-            <a:off x="779721" y="318977"/>
-            <a:ext cx="10632558" cy="1708299"/>
-          </a:xfrm>
-          <a:prstGeom prst="roundRect">
-            <a:avLst/>
-          </a:prstGeom>
-        </p:spPr>
-        <p:style>
-          <a:lnRef idx="2">
-            <a:schemeClr val="accent6"/>
-          </a:lnRef>
-          <a:fillRef idx="1">
-            <a:schemeClr val="lt1"/>
-          </a:fillRef>
-          <a:effectRef idx="0">
-            <a:schemeClr val="accent6"/>
-          </a:effectRef>
-          <a:fontRef idx="minor">
-            <a:schemeClr val="dk1"/>
-          </a:fontRef>
-        </p:style>
-        <p:txBody>
-          <a:bodyPr rtlCol="0" anchor="ctr"/>
-          <a:lstStyle/>
-          <a:p>
-            <a:r>
-              <a:rPr lang="ru-RU" sz="2800" dirty="0"/>
-              <a:t>Результат эмпирического анализа – разработанный метод получения знания об объекте исследования. </a:t>
-            </a:r>
-          </a:p>
-        </p:txBody>
-      </p:sp>
-      <p:sp>
-        <p:nvSpPr>
-          <p:cNvPr id="5" name="Прямоугольник: скругленные углы 4">
-            <a:extLst>
-              <a:ext uri="{FF2B5EF4-FFF2-40B4-BE49-F238E27FC236}">
-                <a16:creationId xmlns:a16="http://schemas.microsoft.com/office/drawing/2014/main" id="{C5FD444E-EAB2-DD05-98E3-C3CE6C627287}"/>
-              </a:ext>
-            </a:extLst>
-          </p:cNvPr>
-          <p:cNvSpPr/>
-          <p:nvPr/>
-        </p:nvSpPr>
-        <p:spPr>
-          <a:xfrm>
-            <a:off x="779721" y="2424223"/>
-            <a:ext cx="10632558" cy="1286540"/>
-          </a:xfrm>
-          <a:prstGeom prst="roundRect">
-            <a:avLst/>
-          </a:prstGeom>
-        </p:spPr>
-        <p:style>
-          <a:lnRef idx="2">
-            <a:schemeClr val="accent6"/>
-          </a:lnRef>
-          <a:fillRef idx="1">
-            <a:schemeClr val="lt1"/>
-          </a:fillRef>
-          <a:effectRef idx="0">
-            <a:schemeClr val="accent6"/>
-          </a:effectRef>
-          <a:fontRef idx="minor">
-            <a:schemeClr val="dk1"/>
-          </a:fontRef>
-        </p:style>
-        <p:txBody>
-          <a:bodyPr rtlCol="0" anchor="ctr"/>
-          <a:lstStyle/>
-          <a:p>
-            <a:pPr>
-              <a:spcBef>
-                <a:spcPct val="50000"/>
-              </a:spcBef>
-            </a:pPr>
-            <a:r>
-              <a:rPr lang="ru-RU" altLang="ru-RU" sz="2800" dirty="0">
-                <a:latin typeface="Montserrat" panose="020F0502020204030204" pitchFamily="2" charset="-52"/>
-              </a:rPr>
-              <a:t>Эмпирический анализ гарантирует получение достоверных знаний.</a:t>
-            </a:r>
-          </a:p>
-        </p:txBody>
-      </p:sp>
-      <p:sp>
-        <p:nvSpPr>
-          <p:cNvPr id="2" name="Прямоугольник: скругленные углы 1">
-            <a:extLst>
-              <a:ext uri="{FF2B5EF4-FFF2-40B4-BE49-F238E27FC236}">
-                <a16:creationId xmlns:a16="http://schemas.microsoft.com/office/drawing/2014/main" id="{809E9F01-2BAA-7991-3CBD-40A2499DCA3C}"/>
-              </a:ext>
-            </a:extLst>
-          </p:cNvPr>
-          <p:cNvSpPr/>
-          <p:nvPr/>
-        </p:nvSpPr>
-        <p:spPr>
-          <a:xfrm>
-            <a:off x="779721" y="4274290"/>
-            <a:ext cx="10632558" cy="1286540"/>
-          </a:xfrm>
-          <a:prstGeom prst="roundRect">
-            <a:avLst/>
-          </a:prstGeom>
-        </p:spPr>
-        <p:style>
-          <a:lnRef idx="2">
-            <a:schemeClr val="accent6"/>
-          </a:lnRef>
-          <a:fillRef idx="1">
-            <a:schemeClr val="lt1"/>
-          </a:fillRef>
-          <a:effectRef idx="0">
-            <a:schemeClr val="accent6"/>
-          </a:effectRef>
-          <a:fontRef idx="minor">
-            <a:schemeClr val="dk1"/>
-          </a:fontRef>
-        </p:style>
-        <p:txBody>
-          <a:bodyPr rtlCol="0" anchor="ctr"/>
-          <a:lstStyle/>
-          <a:p>
-            <a:pPr>
-              <a:spcBef>
-                <a:spcPct val="50000"/>
-              </a:spcBef>
-            </a:pPr>
-            <a:r>
-              <a:rPr lang="ru-RU" altLang="ru-RU" sz="2800" dirty="0">
-                <a:latin typeface="Montserrat" panose="020F0502020204030204" pitchFamily="2" charset="-52"/>
-              </a:rPr>
-              <a:t>Цель эмпирического анализа – узнать, как функционирует объект</a:t>
-            </a:r>
-          </a:p>
-        </p:txBody>
-      </p:sp>
-    </p:spTree>
-    <p:extLst>
-      <p:ext uri="{BB962C8B-B14F-4D97-AF65-F5344CB8AC3E}">
-        <p14:creationId xmlns:p14="http://schemas.microsoft.com/office/powerpoint/2010/main" val="1360451553"/>
-      </p:ext>
-    </p:extLst>
-  </p:cSld>
-  <p:clrMapOvr>
-    <a:masterClrMapping/>
-  </p:clrMapOvr>
-</p:sld>
-</file>
-
-<file path=ppt/slides/slide12.xml><?xml version="1.0" encoding="utf-8"?>
-<p:sld xmlns:a="http://schemas.openxmlformats.org/drawingml/2006/main" xmlns:r="http://schemas.openxmlformats.org/officeDocument/2006/relationships" xmlns:p="http://schemas.openxmlformats.org/presentationml/2006/main">
-  <p:cSld>
-    <p:spTree>
-      <p:nvGrpSpPr>
-        <p:cNvPr id="1" name="">
-          <a:extLst>
-            <a:ext uri="{FF2B5EF4-FFF2-40B4-BE49-F238E27FC236}">
-              <a16:creationId xmlns:a16="http://schemas.microsoft.com/office/drawing/2014/main" id="{725F97FC-6408-674E-4FC3-ED52B7A85A1A}"/>
-            </a:ext>
-          </a:extLst>
-        </p:cNvPr>
-        <p:cNvGrpSpPr/>
-        <p:nvPr/>
-      </p:nvGrpSpPr>
-      <p:grpSpPr>
-        <a:xfrm>
-          <a:off x="0" y="0"/>
-          <a:ext cx="0" cy="0"/>
-          <a:chOff x="0" y="0"/>
-          <a:chExt cx="0" cy="0"/>
-        </a:xfrm>
-      </p:grpSpPr>
-      <p:sp>
-        <p:nvSpPr>
-          <p:cNvPr id="4" name="Прямоугольник: скругленные углы 3">
-            <a:extLst>
-              <a:ext uri="{FF2B5EF4-FFF2-40B4-BE49-F238E27FC236}">
-                <a16:creationId xmlns:a16="http://schemas.microsoft.com/office/drawing/2014/main" id="{8F9A2C53-9E80-8272-0EE2-4C3179F66F46}"/>
-              </a:ext>
-            </a:extLst>
-          </p:cNvPr>
-          <p:cNvSpPr/>
-          <p:nvPr/>
-        </p:nvSpPr>
-        <p:spPr>
-          <a:xfrm>
-            <a:off x="779721" y="414670"/>
-            <a:ext cx="10632558" cy="5635256"/>
-          </a:xfrm>
-          <a:prstGeom prst="roundRect">
-            <a:avLst/>
-          </a:prstGeom>
-        </p:spPr>
-        <p:style>
-          <a:lnRef idx="2">
-            <a:schemeClr val="accent6"/>
-          </a:lnRef>
-          <a:fillRef idx="1">
-            <a:schemeClr val="lt1"/>
-          </a:fillRef>
-          <a:effectRef idx="0">
-            <a:schemeClr val="accent6"/>
-          </a:effectRef>
-          <a:fontRef idx="minor">
-            <a:schemeClr val="dk1"/>
-          </a:fontRef>
-        </p:style>
-        <p:txBody>
-          <a:bodyPr rtlCol="0" anchor="ctr"/>
-          <a:lstStyle/>
-          <a:p>
-            <a:pPr>
-              <a:spcBef>
-                <a:spcPct val="50000"/>
-              </a:spcBef>
-            </a:pPr>
-            <a:r>
-              <a:rPr lang="ru-RU" altLang="ru-RU" sz="2800" dirty="0">
-                <a:latin typeface="Montserrat" panose="020F0502020204030204" pitchFamily="2" charset="-52"/>
-              </a:rPr>
-              <a:t>В </a:t>
-            </a:r>
-            <a:r>
-              <a:rPr lang="ru-RU" altLang="ru-RU" sz="2800" b="1" dirty="0">
-                <a:latin typeface="Montserrat" panose="020F0502020204030204" pitchFamily="2" charset="-52"/>
-              </a:rPr>
-              <a:t>классическом анализе</a:t>
-            </a:r>
-            <a:r>
-              <a:rPr lang="ru-RU" altLang="ru-RU" sz="2800" dirty="0">
-                <a:latin typeface="Montserrat" panose="020F0502020204030204" pitchFamily="2" charset="-52"/>
-              </a:rPr>
-              <a:t> проводится разбиение объекта и исследование его частей произвольного </a:t>
-            </a:r>
-            <a:r>
-              <a:rPr lang="ru-RU" altLang="ru-RU" sz="2800" dirty="0" err="1">
-                <a:latin typeface="Montserrat" panose="020F0502020204030204" pitchFamily="2" charset="-52"/>
-              </a:rPr>
-              <a:t>целеназначения</a:t>
-            </a:r>
-            <a:r>
-              <a:rPr lang="ru-RU" altLang="ru-RU" sz="2800" dirty="0">
-                <a:latin typeface="Montserrat" panose="020F0502020204030204" pitchFamily="2" charset="-52"/>
-              </a:rPr>
-              <a:t>. Несмотря на всю широту этой классической схемы анализа исследования с произвольным </a:t>
-            </a:r>
-            <a:r>
-              <a:rPr lang="ru-RU" altLang="ru-RU" sz="2800" dirty="0" err="1">
-                <a:latin typeface="Montserrat" panose="020F0502020204030204" pitchFamily="2" charset="-52"/>
-              </a:rPr>
-              <a:t>целеназначением</a:t>
-            </a:r>
-            <a:r>
-              <a:rPr lang="ru-RU" altLang="ru-RU" sz="2800" dirty="0">
-                <a:latin typeface="Montserrat" panose="020F0502020204030204" pitchFamily="2" charset="-52"/>
-              </a:rPr>
-              <a:t>, в ней отсутствует императив проведения заключительного объектно-ориентированного вывода. Это связывает умозаключение о поведении объекта не столько с объективными обстоятельствами, сколько с субъективными представлениями исследователя.</a:t>
-            </a:r>
-          </a:p>
-        </p:txBody>
-      </p:sp>
-    </p:spTree>
-    <p:extLst>
-      <p:ext uri="{BB962C8B-B14F-4D97-AF65-F5344CB8AC3E}">
-        <p14:creationId xmlns:p14="http://schemas.microsoft.com/office/powerpoint/2010/main" val="2533332886"/>
-      </p:ext>
-    </p:extLst>
-  </p:cSld>
-  <p:clrMapOvr>
-    <a:masterClrMapping/>
-  </p:clrMapOvr>
-</p:sld>
-</file>
-
-<file path=ppt/slides/slide13.xml><?xml version="1.0" encoding="utf-8"?>
-<p:sld xmlns:a="http://schemas.openxmlformats.org/drawingml/2006/main" xmlns:r="http://schemas.openxmlformats.org/officeDocument/2006/relationships" xmlns:p="http://schemas.openxmlformats.org/presentationml/2006/main">
-  <p:cSld>
-    <p:spTree>
-      <p:nvGrpSpPr>
-        <p:cNvPr id="1" name="">
-          <a:extLst>
-            <a:ext uri="{FF2B5EF4-FFF2-40B4-BE49-F238E27FC236}">
-              <a16:creationId xmlns:a16="http://schemas.microsoft.com/office/drawing/2014/main" id="{0E871CF8-A131-ECE0-571A-A51C6D3D674D}"/>
-            </a:ext>
-          </a:extLst>
-        </p:cNvPr>
-        <p:cNvGrpSpPr/>
-        <p:nvPr/>
-      </p:nvGrpSpPr>
-      <p:grpSpPr>
-        <a:xfrm>
-          <a:off x="0" y="0"/>
-          <a:ext cx="0" cy="0"/>
-          <a:chOff x="0" y="0"/>
-          <a:chExt cx="0" cy="0"/>
-        </a:xfrm>
-      </p:grpSpPr>
-      <p:sp>
-        <p:nvSpPr>
-          <p:cNvPr id="3" name="TextBox 2">
-            <a:extLst>
-              <a:ext uri="{FF2B5EF4-FFF2-40B4-BE49-F238E27FC236}">
-                <a16:creationId xmlns:a16="http://schemas.microsoft.com/office/drawing/2014/main" id="{7E194C5C-1BA2-0A1F-4BDA-01C6A1F228F1}"/>
-              </a:ext>
-            </a:extLst>
-          </p:cNvPr>
-          <p:cNvSpPr txBox="1"/>
-          <p:nvPr/>
-        </p:nvSpPr>
-        <p:spPr>
-          <a:xfrm>
-            <a:off x="996802" y="384879"/>
-            <a:ext cx="5180714" cy="487694"/>
-          </a:xfrm>
-          <a:prstGeom prst="rect">
-            <a:avLst/>
-          </a:prstGeom>
-          <a:noFill/>
-        </p:spPr>
-        <p:txBody>
-          <a:bodyPr wrap="square">
-            <a:spAutoFit/>
-          </a:bodyPr>
-          <a:lstStyle/>
-          <a:p>
-            <a:r>
-              <a:rPr lang="ru-RU" altLang="ru-RU" sz="2500" dirty="0">
-                <a:latin typeface="Montserrat" panose="020F0502020204030204" pitchFamily="2" charset="-52"/>
-              </a:rPr>
-              <a:t>Классическая схема исследования:</a:t>
-            </a:r>
-            <a:endParaRPr lang="ru-RU" sz="2500" dirty="0"/>
-          </a:p>
-        </p:txBody>
-      </p:sp>
-      <p:sp>
-        <p:nvSpPr>
-          <p:cNvPr id="6" name="Прямоугольник 5">
-            <a:extLst>
-              <a:ext uri="{FF2B5EF4-FFF2-40B4-BE49-F238E27FC236}">
-                <a16:creationId xmlns:a16="http://schemas.microsoft.com/office/drawing/2014/main" id="{3D6C4062-F208-0BA1-E790-A1D36FBB36F1}"/>
-              </a:ext>
-            </a:extLst>
-          </p:cNvPr>
-          <p:cNvSpPr/>
-          <p:nvPr/>
-        </p:nvSpPr>
-        <p:spPr>
-          <a:xfrm>
-            <a:off x="1996263" y="1028970"/>
-            <a:ext cx="5077932" cy="1098245"/>
-          </a:xfrm>
-          <a:prstGeom prst="rect">
-            <a:avLst/>
-          </a:prstGeom>
-        </p:spPr>
-        <p:style>
-          <a:lnRef idx="2">
-            <a:schemeClr val="dk1"/>
-          </a:lnRef>
-          <a:fillRef idx="1">
-            <a:schemeClr val="lt1"/>
-          </a:fillRef>
-          <a:effectRef idx="0">
-            <a:schemeClr val="dk1"/>
-          </a:effectRef>
-          <a:fontRef idx="minor">
-            <a:schemeClr val="dk1"/>
-          </a:fontRef>
-        </p:style>
-        <p:txBody>
-          <a:bodyPr rtlCol="0" anchor="ctr"/>
-          <a:lstStyle/>
-          <a:p>
-            <a:pPr>
-              <a:spcBef>
-                <a:spcPct val="50000"/>
-              </a:spcBef>
-            </a:pPr>
-            <a:r>
-              <a:rPr lang="ru-RU" altLang="ru-RU" sz="2800" dirty="0">
-                <a:latin typeface="Montserrat" panose="020F0502020204030204" pitchFamily="2" charset="-52"/>
-              </a:rPr>
-              <a:t>1. Разбиение объекта на части</a:t>
-            </a:r>
-            <a:endParaRPr lang="ru-RU" dirty="0"/>
-          </a:p>
-        </p:txBody>
-      </p:sp>
-      <p:sp>
-        <p:nvSpPr>
-          <p:cNvPr id="7" name="Прямоугольник 6">
-            <a:extLst>
-              <a:ext uri="{FF2B5EF4-FFF2-40B4-BE49-F238E27FC236}">
-                <a16:creationId xmlns:a16="http://schemas.microsoft.com/office/drawing/2014/main" id="{0CE0DD76-9D41-A78C-C8E4-78F7859AA5C1}"/>
-              </a:ext>
-            </a:extLst>
-          </p:cNvPr>
-          <p:cNvSpPr/>
-          <p:nvPr/>
-        </p:nvSpPr>
-        <p:spPr>
-          <a:xfrm>
-            <a:off x="1996263" y="2457277"/>
-            <a:ext cx="5077932" cy="1615696"/>
-          </a:xfrm>
-          <a:prstGeom prst="rect">
-            <a:avLst/>
-          </a:prstGeom>
-        </p:spPr>
-        <p:style>
-          <a:lnRef idx="2">
-            <a:schemeClr val="dk1"/>
-          </a:lnRef>
-          <a:fillRef idx="1">
-            <a:schemeClr val="lt1"/>
-          </a:fillRef>
-          <a:effectRef idx="0">
-            <a:schemeClr val="dk1"/>
-          </a:effectRef>
-          <a:fontRef idx="minor">
-            <a:schemeClr val="dk1"/>
-          </a:fontRef>
-        </p:style>
-        <p:txBody>
-          <a:bodyPr rtlCol="0" anchor="ctr"/>
-          <a:lstStyle/>
-          <a:p>
-            <a:pPr>
-              <a:spcBef>
-                <a:spcPct val="50000"/>
-              </a:spcBef>
-            </a:pPr>
-            <a:r>
-              <a:rPr lang="ru-RU" altLang="ru-RU" sz="2800" dirty="0">
-                <a:latin typeface="Montserrat" panose="020F0502020204030204" pitchFamily="2" charset="-52"/>
-              </a:rPr>
-              <a:t>2. Формулирование цели исследования для каждой части</a:t>
-            </a:r>
-          </a:p>
-        </p:txBody>
-      </p:sp>
-      <p:cxnSp>
-        <p:nvCxnSpPr>
-          <p:cNvPr id="11" name="Прямая соединительная линия 10">
-            <a:extLst>
-              <a:ext uri="{FF2B5EF4-FFF2-40B4-BE49-F238E27FC236}">
-                <a16:creationId xmlns:a16="http://schemas.microsoft.com/office/drawing/2014/main" id="{EB048DCE-D85F-BFB5-87E1-95BDBD714382}"/>
-              </a:ext>
-            </a:extLst>
-          </p:cNvPr>
-          <p:cNvCxnSpPr>
-            <a:cxnSpLocks/>
-          </p:cNvCxnSpPr>
-          <p:nvPr/>
-        </p:nvCxnSpPr>
-        <p:spPr>
-          <a:xfrm>
-            <a:off x="1265274" y="872573"/>
-            <a:ext cx="0" cy="5570757"/>
-          </a:xfrm>
-          <a:prstGeom prst="line">
-            <a:avLst/>
-          </a:prstGeom>
-        </p:spPr>
-        <p:style>
-          <a:lnRef idx="2">
-            <a:schemeClr val="dk1"/>
-          </a:lnRef>
-          <a:fillRef idx="0">
-            <a:schemeClr val="dk1"/>
-          </a:fillRef>
-          <a:effectRef idx="1">
-            <a:schemeClr val="dk1"/>
-          </a:effectRef>
-          <a:fontRef idx="minor">
-            <a:schemeClr val="tx1"/>
-          </a:fontRef>
-        </p:style>
-      </p:cxnSp>
-      <p:cxnSp>
-        <p:nvCxnSpPr>
-          <p:cNvPr id="13" name="Прямая соединительная линия 12">
-            <a:extLst>
-              <a:ext uri="{FF2B5EF4-FFF2-40B4-BE49-F238E27FC236}">
-                <a16:creationId xmlns:a16="http://schemas.microsoft.com/office/drawing/2014/main" id="{34E8FD3C-2651-CE25-0D4B-2F98F4D6A88F}"/>
-              </a:ext>
-            </a:extLst>
-          </p:cNvPr>
-          <p:cNvCxnSpPr>
-            <a:cxnSpLocks/>
-            <a:stCxn id="6" idx="1"/>
-          </p:cNvCxnSpPr>
-          <p:nvPr/>
-        </p:nvCxnSpPr>
-        <p:spPr>
-          <a:xfrm flipH="1" flipV="1">
-            <a:off x="1265274" y="1574321"/>
-            <a:ext cx="730989" cy="3772"/>
-          </a:xfrm>
-          <a:prstGeom prst="line">
-            <a:avLst/>
-          </a:prstGeom>
-        </p:spPr>
-        <p:style>
-          <a:lnRef idx="2">
-            <a:schemeClr val="dk1"/>
-          </a:lnRef>
-          <a:fillRef idx="0">
-            <a:schemeClr val="dk1"/>
-          </a:fillRef>
-          <a:effectRef idx="1">
-            <a:schemeClr val="dk1"/>
-          </a:effectRef>
-          <a:fontRef idx="minor">
-            <a:schemeClr val="tx1"/>
-          </a:fontRef>
-        </p:style>
-      </p:cxnSp>
-      <p:cxnSp>
-        <p:nvCxnSpPr>
-          <p:cNvPr id="14" name="Прямая соединительная линия 13">
-            <a:extLst>
-              <a:ext uri="{FF2B5EF4-FFF2-40B4-BE49-F238E27FC236}">
-                <a16:creationId xmlns:a16="http://schemas.microsoft.com/office/drawing/2014/main" id="{4A6D9FD3-9308-1695-F253-C872E4963771}"/>
-              </a:ext>
-            </a:extLst>
-          </p:cNvPr>
-          <p:cNvCxnSpPr>
-            <a:cxnSpLocks/>
-          </p:cNvCxnSpPr>
-          <p:nvPr/>
-        </p:nvCxnSpPr>
-        <p:spPr>
-          <a:xfrm flipH="1">
-            <a:off x="1265274" y="3450968"/>
-            <a:ext cx="730989" cy="0"/>
-          </a:xfrm>
-          <a:prstGeom prst="line">
-            <a:avLst/>
-          </a:prstGeom>
-        </p:spPr>
-        <p:style>
-          <a:lnRef idx="2">
-            <a:schemeClr val="dk1"/>
-          </a:lnRef>
-          <a:fillRef idx="0">
-            <a:schemeClr val="dk1"/>
-          </a:fillRef>
-          <a:effectRef idx="1">
-            <a:schemeClr val="dk1"/>
-          </a:effectRef>
-          <a:fontRef idx="minor">
-            <a:schemeClr val="tx1"/>
-          </a:fontRef>
-        </p:style>
-      </p:cxnSp>
-      <p:sp>
-        <p:nvSpPr>
-          <p:cNvPr id="4" name="Прямоугольник 3">
-            <a:extLst>
-              <a:ext uri="{FF2B5EF4-FFF2-40B4-BE49-F238E27FC236}">
-                <a16:creationId xmlns:a16="http://schemas.microsoft.com/office/drawing/2014/main" id="{3F1751EE-80BE-1350-3077-24ACFEAE6DCD}"/>
-              </a:ext>
-            </a:extLst>
-          </p:cNvPr>
-          <p:cNvSpPr/>
-          <p:nvPr/>
-        </p:nvSpPr>
-        <p:spPr>
-          <a:xfrm>
-            <a:off x="1996263" y="4330152"/>
-            <a:ext cx="5077932" cy="1615696"/>
-          </a:xfrm>
-          <a:prstGeom prst="rect">
-            <a:avLst/>
-          </a:prstGeom>
-        </p:spPr>
-        <p:style>
-          <a:lnRef idx="2">
-            <a:schemeClr val="dk1"/>
-          </a:lnRef>
-          <a:fillRef idx="1">
-            <a:schemeClr val="lt1"/>
-          </a:fillRef>
-          <a:effectRef idx="0">
-            <a:schemeClr val="dk1"/>
-          </a:effectRef>
-          <a:fontRef idx="minor">
-            <a:schemeClr val="dk1"/>
-          </a:fontRef>
-        </p:style>
-        <p:txBody>
-          <a:bodyPr rtlCol="0" anchor="ctr"/>
-          <a:lstStyle/>
-          <a:p>
-            <a:pPr>
-              <a:spcBef>
-                <a:spcPct val="50000"/>
-              </a:spcBef>
-            </a:pPr>
-            <a:r>
-              <a:rPr lang="ru-RU" altLang="ru-RU" sz="2800" dirty="0">
-                <a:latin typeface="Montserrat" panose="020F0502020204030204" pitchFamily="2" charset="-52"/>
-              </a:rPr>
-              <a:t>3. Исследование каждой части в соответствии с целью исследования каждой части</a:t>
-            </a:r>
-          </a:p>
-        </p:txBody>
-      </p:sp>
-      <p:cxnSp>
-        <p:nvCxnSpPr>
-          <p:cNvPr id="8" name="Прямая соединительная линия 7">
-            <a:extLst>
-              <a:ext uri="{FF2B5EF4-FFF2-40B4-BE49-F238E27FC236}">
-                <a16:creationId xmlns:a16="http://schemas.microsoft.com/office/drawing/2014/main" id="{0B86E09D-9500-5BBD-B8A4-9A6BAA930B2A}"/>
-              </a:ext>
-            </a:extLst>
-          </p:cNvPr>
-          <p:cNvCxnSpPr>
-            <a:cxnSpLocks/>
-          </p:cNvCxnSpPr>
-          <p:nvPr/>
-        </p:nvCxnSpPr>
-        <p:spPr>
-          <a:xfrm flipH="1">
-            <a:off x="1265274" y="5138000"/>
-            <a:ext cx="730989" cy="0"/>
-          </a:xfrm>
-          <a:prstGeom prst="line">
-            <a:avLst/>
-          </a:prstGeom>
-        </p:spPr>
-        <p:style>
-          <a:lnRef idx="2">
-            <a:schemeClr val="dk1"/>
-          </a:lnRef>
-          <a:fillRef idx="0">
-            <a:schemeClr val="dk1"/>
-          </a:fillRef>
-          <a:effectRef idx="1">
-            <a:schemeClr val="dk1"/>
-          </a:effectRef>
-          <a:fontRef idx="minor">
-            <a:schemeClr val="tx1"/>
-          </a:fontRef>
-        </p:style>
-      </p:cxnSp>
-      <p:sp>
-        <p:nvSpPr>
-          <p:cNvPr id="9" name="Прямоугольник 8">
-            <a:extLst>
-              <a:ext uri="{FF2B5EF4-FFF2-40B4-BE49-F238E27FC236}">
-                <a16:creationId xmlns:a16="http://schemas.microsoft.com/office/drawing/2014/main" id="{EF99B8D3-44D1-4978-A027-05A1F3558A8E}"/>
-              </a:ext>
-            </a:extLst>
-          </p:cNvPr>
-          <p:cNvSpPr/>
-          <p:nvPr/>
-        </p:nvSpPr>
-        <p:spPr>
-          <a:xfrm>
-            <a:off x="7550002" y="1028970"/>
-            <a:ext cx="4241500" cy="4916878"/>
-          </a:xfrm>
-          <a:prstGeom prst="rect">
-            <a:avLst/>
-          </a:prstGeom>
-        </p:spPr>
-        <p:style>
-          <a:lnRef idx="2">
-            <a:schemeClr val="dk1"/>
-          </a:lnRef>
-          <a:fillRef idx="1">
-            <a:schemeClr val="lt1"/>
-          </a:fillRef>
-          <a:effectRef idx="0">
-            <a:schemeClr val="dk1"/>
-          </a:effectRef>
-          <a:fontRef idx="minor">
-            <a:schemeClr val="dk1"/>
-          </a:fontRef>
-        </p:style>
-        <p:txBody>
-          <a:bodyPr rtlCol="0" anchor="ctr"/>
-          <a:lstStyle/>
-          <a:p>
-            <a:pPr>
-              <a:spcBef>
-                <a:spcPct val="50000"/>
-              </a:spcBef>
-            </a:pPr>
-            <a:r>
-              <a:rPr lang="ru-RU" altLang="ru-RU" sz="2800" dirty="0">
-                <a:latin typeface="Montserrat" panose="020F0502020204030204" pitchFamily="2" charset="-52"/>
-              </a:rPr>
-              <a:t>4. Описание функционирования объекта исследования</a:t>
-            </a:r>
-          </a:p>
-        </p:txBody>
-      </p:sp>
-      <p:cxnSp>
-        <p:nvCxnSpPr>
-          <p:cNvPr id="15" name="Прямая соединительная линия 14">
-            <a:extLst>
-              <a:ext uri="{FF2B5EF4-FFF2-40B4-BE49-F238E27FC236}">
-                <a16:creationId xmlns:a16="http://schemas.microsoft.com/office/drawing/2014/main" id="{264A90AE-6F8D-C57F-F7AD-EB98D5C0D7DF}"/>
-              </a:ext>
-            </a:extLst>
-          </p:cNvPr>
-          <p:cNvCxnSpPr/>
-          <p:nvPr/>
-        </p:nvCxnSpPr>
-        <p:spPr>
-          <a:xfrm flipH="1">
-            <a:off x="1265274" y="6443330"/>
-            <a:ext cx="8405478" cy="0"/>
-          </a:xfrm>
-          <a:prstGeom prst="line">
-            <a:avLst/>
-          </a:prstGeom>
-        </p:spPr>
-        <p:style>
-          <a:lnRef idx="2">
-            <a:schemeClr val="dk1"/>
-          </a:lnRef>
-          <a:fillRef idx="0">
-            <a:schemeClr val="dk1"/>
-          </a:fillRef>
-          <a:effectRef idx="1">
-            <a:schemeClr val="dk1"/>
-          </a:effectRef>
-          <a:fontRef idx="minor">
-            <a:schemeClr val="tx1"/>
-          </a:fontRef>
-        </p:style>
-      </p:cxnSp>
-      <p:cxnSp>
-        <p:nvCxnSpPr>
-          <p:cNvPr id="16" name="Прямая соединительная линия 15">
-            <a:extLst>
-              <a:ext uri="{FF2B5EF4-FFF2-40B4-BE49-F238E27FC236}">
-                <a16:creationId xmlns:a16="http://schemas.microsoft.com/office/drawing/2014/main" id="{3186F114-1FAD-B9DE-7EFE-8F4B4CBBE5D2}"/>
-              </a:ext>
-            </a:extLst>
-          </p:cNvPr>
-          <p:cNvCxnSpPr>
-            <a:cxnSpLocks/>
-            <a:stCxn id="9" idx="2"/>
-          </p:cNvCxnSpPr>
-          <p:nvPr/>
-        </p:nvCxnSpPr>
-        <p:spPr>
-          <a:xfrm>
-            <a:off x="9670752" y="5945848"/>
-            <a:ext cx="0" cy="497482"/>
-          </a:xfrm>
-          <a:prstGeom prst="line">
-            <a:avLst/>
-          </a:prstGeom>
-        </p:spPr>
-        <p:style>
-          <a:lnRef idx="2">
-            <a:schemeClr val="dk1"/>
-          </a:lnRef>
-          <a:fillRef idx="0">
-            <a:schemeClr val="dk1"/>
-          </a:fillRef>
-          <a:effectRef idx="1">
-            <a:schemeClr val="dk1"/>
-          </a:effectRef>
-          <a:fontRef idx="minor">
-            <a:schemeClr val="tx1"/>
-          </a:fontRef>
-        </p:style>
-      </p:cxnSp>
-    </p:spTree>
-    <p:extLst>
-      <p:ext uri="{BB962C8B-B14F-4D97-AF65-F5344CB8AC3E}">
-        <p14:creationId xmlns:p14="http://schemas.microsoft.com/office/powerpoint/2010/main" val="2064620587"/>
-      </p:ext>
-    </p:extLst>
-  </p:cSld>
-  <p:clrMapOvr>
-    <a:masterClrMapping/>
-  </p:clrMapOvr>
-</p:sld>
-</file>
-
-<file path=ppt/slides/slide14.xml><?xml version="1.0" encoding="utf-8"?>
-<p:sld xmlns:a="http://schemas.openxmlformats.org/drawingml/2006/main" xmlns:r="http://schemas.openxmlformats.org/officeDocument/2006/relationships" xmlns:p="http://schemas.openxmlformats.org/presentationml/2006/main">
-  <p:cSld>
-    <p:spTree>
-      <p:nvGrpSpPr>
-        <p:cNvPr id="1" name="">
-          <a:extLst>
-            <a:ext uri="{FF2B5EF4-FFF2-40B4-BE49-F238E27FC236}">
-              <a16:creationId xmlns:a16="http://schemas.microsoft.com/office/drawing/2014/main" id="{19C63484-21E1-F20F-AD8C-60E9D365A109}"/>
-            </a:ext>
-          </a:extLst>
-        </p:cNvPr>
-        <p:cNvGrpSpPr/>
-        <p:nvPr/>
-      </p:nvGrpSpPr>
-      <p:grpSpPr>
-        <a:xfrm>
-          <a:off x="0" y="0"/>
-          <a:ext cx="0" cy="0"/>
-          <a:chOff x="0" y="0"/>
-          <a:chExt cx="0" cy="0"/>
-        </a:xfrm>
-      </p:grpSpPr>
-      <p:sp>
-        <p:nvSpPr>
-          <p:cNvPr id="3" name="TextBox 2">
-            <a:extLst>
-              <a:ext uri="{FF2B5EF4-FFF2-40B4-BE49-F238E27FC236}">
-                <a16:creationId xmlns:a16="http://schemas.microsoft.com/office/drawing/2014/main" id="{057077FF-BA1A-7096-68A7-DB03DFFDF4D1}"/>
-              </a:ext>
-            </a:extLst>
-          </p:cNvPr>
-          <p:cNvSpPr txBox="1"/>
-          <p:nvPr/>
-        </p:nvSpPr>
-        <p:spPr>
-          <a:xfrm>
-            <a:off x="3208374" y="597530"/>
-            <a:ext cx="5180714" cy="487694"/>
-          </a:xfrm>
-          <a:prstGeom prst="rect">
-            <a:avLst/>
-          </a:prstGeom>
-          <a:noFill/>
-        </p:spPr>
-        <p:txBody>
-          <a:bodyPr wrap="square">
-            <a:spAutoFit/>
-          </a:bodyPr>
-          <a:lstStyle/>
-          <a:p>
-            <a:r>
-              <a:rPr lang="ru-RU" altLang="ru-RU" sz="2500" dirty="0">
-                <a:latin typeface="Montserrat" panose="020F0502020204030204" pitchFamily="2" charset="-52"/>
-              </a:rPr>
-              <a:t>Проблемы классического анализа</a:t>
-            </a:r>
-            <a:endParaRPr lang="ru-RU" sz="2500" dirty="0"/>
-          </a:p>
-        </p:txBody>
-      </p:sp>
-      <p:sp>
-        <p:nvSpPr>
-          <p:cNvPr id="6" name="Прямоугольник 5">
-            <a:extLst>
-              <a:ext uri="{FF2B5EF4-FFF2-40B4-BE49-F238E27FC236}">
-                <a16:creationId xmlns:a16="http://schemas.microsoft.com/office/drawing/2014/main" id="{C0011410-E68B-471D-BDEB-FE0AEACD44DB}"/>
-              </a:ext>
-            </a:extLst>
-          </p:cNvPr>
-          <p:cNvSpPr/>
-          <p:nvPr/>
-        </p:nvSpPr>
-        <p:spPr>
-          <a:xfrm>
-            <a:off x="4207835" y="1241621"/>
-            <a:ext cx="5077932" cy="1098245"/>
-          </a:xfrm>
-          <a:prstGeom prst="rect">
-            <a:avLst/>
-          </a:prstGeom>
-        </p:spPr>
-        <p:style>
-          <a:lnRef idx="2">
-            <a:schemeClr val="dk1"/>
-          </a:lnRef>
-          <a:fillRef idx="1">
-            <a:schemeClr val="lt1"/>
-          </a:fillRef>
-          <a:effectRef idx="0">
-            <a:schemeClr val="dk1"/>
-          </a:effectRef>
-          <a:fontRef idx="minor">
-            <a:schemeClr val="dk1"/>
-          </a:fontRef>
-        </p:style>
-        <p:txBody>
-          <a:bodyPr rtlCol="0" anchor="ctr"/>
-          <a:lstStyle/>
-          <a:p>
-            <a:pPr>
-              <a:spcBef>
-                <a:spcPct val="50000"/>
-              </a:spcBef>
-            </a:pPr>
-            <a:r>
-              <a:rPr lang="ru-RU" altLang="ru-RU" sz="2800" dirty="0">
-                <a:latin typeface="Montserrat" panose="020F0502020204030204" pitchFamily="2" charset="-52"/>
-              </a:rPr>
-              <a:t>1. Проблема разбиения объекта на части</a:t>
-            </a:r>
-            <a:endParaRPr lang="ru-RU" dirty="0"/>
-          </a:p>
-        </p:txBody>
-      </p:sp>
-      <p:sp>
-        <p:nvSpPr>
-          <p:cNvPr id="7" name="Прямоугольник 6">
-            <a:extLst>
-              <a:ext uri="{FF2B5EF4-FFF2-40B4-BE49-F238E27FC236}">
-                <a16:creationId xmlns:a16="http://schemas.microsoft.com/office/drawing/2014/main" id="{46E02E05-BDAC-C749-0F88-89C63023F48E}"/>
-              </a:ext>
-            </a:extLst>
-          </p:cNvPr>
-          <p:cNvSpPr/>
-          <p:nvPr/>
-        </p:nvSpPr>
-        <p:spPr>
-          <a:xfrm>
-            <a:off x="4207835" y="2669928"/>
-            <a:ext cx="5077932" cy="1615696"/>
-          </a:xfrm>
-          <a:prstGeom prst="rect">
-            <a:avLst/>
-          </a:prstGeom>
-        </p:spPr>
-        <p:style>
-          <a:lnRef idx="2">
-            <a:schemeClr val="dk1"/>
-          </a:lnRef>
-          <a:fillRef idx="1">
-            <a:schemeClr val="lt1"/>
-          </a:fillRef>
-          <a:effectRef idx="0">
-            <a:schemeClr val="dk1"/>
-          </a:effectRef>
-          <a:fontRef idx="minor">
-            <a:schemeClr val="dk1"/>
-          </a:fontRef>
-        </p:style>
-        <p:txBody>
-          <a:bodyPr rtlCol="0" anchor="ctr"/>
-          <a:lstStyle/>
-          <a:p>
-            <a:pPr>
-              <a:spcBef>
-                <a:spcPct val="50000"/>
-              </a:spcBef>
-            </a:pPr>
-            <a:r>
-              <a:rPr lang="ru-RU" altLang="ru-RU" sz="2800" dirty="0">
-                <a:latin typeface="Montserrat" panose="020F0502020204030204" pitchFamily="2" charset="-52"/>
-              </a:rPr>
-              <a:t>2. Проблема формулирования цели исследования для каждой части</a:t>
-            </a:r>
-          </a:p>
-        </p:txBody>
-      </p:sp>
-      <p:cxnSp>
-        <p:nvCxnSpPr>
-          <p:cNvPr id="11" name="Прямая соединительная линия 10">
-            <a:extLst>
-              <a:ext uri="{FF2B5EF4-FFF2-40B4-BE49-F238E27FC236}">
-                <a16:creationId xmlns:a16="http://schemas.microsoft.com/office/drawing/2014/main" id="{52AAF0A2-EC4B-860F-5538-D509563C3F0C}"/>
-              </a:ext>
-            </a:extLst>
-          </p:cNvPr>
-          <p:cNvCxnSpPr>
-            <a:cxnSpLocks/>
-          </p:cNvCxnSpPr>
-          <p:nvPr/>
-        </p:nvCxnSpPr>
-        <p:spPr>
-          <a:xfrm>
-            <a:off x="3476846" y="1085224"/>
-            <a:ext cx="0" cy="4265427"/>
-          </a:xfrm>
-          <a:prstGeom prst="line">
-            <a:avLst/>
-          </a:prstGeom>
-        </p:spPr>
-        <p:style>
-          <a:lnRef idx="2">
-            <a:schemeClr val="dk1"/>
-          </a:lnRef>
-          <a:fillRef idx="0">
-            <a:schemeClr val="dk1"/>
-          </a:fillRef>
-          <a:effectRef idx="1">
-            <a:schemeClr val="dk1"/>
-          </a:effectRef>
-          <a:fontRef idx="minor">
-            <a:schemeClr val="tx1"/>
-          </a:fontRef>
-        </p:style>
-      </p:cxnSp>
-      <p:cxnSp>
-        <p:nvCxnSpPr>
-          <p:cNvPr id="13" name="Прямая соединительная линия 12">
-            <a:extLst>
-              <a:ext uri="{FF2B5EF4-FFF2-40B4-BE49-F238E27FC236}">
-                <a16:creationId xmlns:a16="http://schemas.microsoft.com/office/drawing/2014/main" id="{26E81E4F-B3B4-B90B-56E0-4FCBE0D991CD}"/>
-              </a:ext>
-            </a:extLst>
-          </p:cNvPr>
-          <p:cNvCxnSpPr>
-            <a:cxnSpLocks/>
-            <a:stCxn id="6" idx="1"/>
-          </p:cNvCxnSpPr>
-          <p:nvPr/>
-        </p:nvCxnSpPr>
-        <p:spPr>
-          <a:xfrm flipH="1" flipV="1">
-            <a:off x="3476846" y="1786972"/>
-            <a:ext cx="730989" cy="3772"/>
-          </a:xfrm>
-          <a:prstGeom prst="line">
-            <a:avLst/>
-          </a:prstGeom>
-        </p:spPr>
-        <p:style>
-          <a:lnRef idx="2">
-            <a:schemeClr val="dk1"/>
-          </a:lnRef>
-          <a:fillRef idx="0">
-            <a:schemeClr val="dk1"/>
-          </a:fillRef>
-          <a:effectRef idx="1">
-            <a:schemeClr val="dk1"/>
-          </a:effectRef>
-          <a:fontRef idx="minor">
-            <a:schemeClr val="tx1"/>
-          </a:fontRef>
-        </p:style>
-      </p:cxnSp>
-      <p:cxnSp>
-        <p:nvCxnSpPr>
-          <p:cNvPr id="14" name="Прямая соединительная линия 13">
-            <a:extLst>
-              <a:ext uri="{FF2B5EF4-FFF2-40B4-BE49-F238E27FC236}">
-                <a16:creationId xmlns:a16="http://schemas.microsoft.com/office/drawing/2014/main" id="{DA80E67A-0496-64DA-EC79-B954DDB5D0F7}"/>
-              </a:ext>
-            </a:extLst>
-          </p:cNvPr>
-          <p:cNvCxnSpPr>
-            <a:cxnSpLocks/>
-          </p:cNvCxnSpPr>
-          <p:nvPr/>
-        </p:nvCxnSpPr>
-        <p:spPr>
-          <a:xfrm flipH="1">
-            <a:off x="3476846" y="3663619"/>
-            <a:ext cx="730989" cy="0"/>
-          </a:xfrm>
-          <a:prstGeom prst="line">
-            <a:avLst/>
-          </a:prstGeom>
-        </p:spPr>
-        <p:style>
-          <a:lnRef idx="2">
-            <a:schemeClr val="dk1"/>
-          </a:lnRef>
-          <a:fillRef idx="0">
-            <a:schemeClr val="dk1"/>
-          </a:fillRef>
-          <a:effectRef idx="1">
-            <a:schemeClr val="dk1"/>
-          </a:effectRef>
-          <a:fontRef idx="minor">
-            <a:schemeClr val="tx1"/>
-          </a:fontRef>
-        </p:style>
-      </p:cxnSp>
-      <p:sp>
-        <p:nvSpPr>
-          <p:cNvPr id="4" name="Прямоугольник 3">
-            <a:extLst>
-              <a:ext uri="{FF2B5EF4-FFF2-40B4-BE49-F238E27FC236}">
-                <a16:creationId xmlns:a16="http://schemas.microsoft.com/office/drawing/2014/main" id="{D4DA5E50-69D2-6792-BE8B-3D55AA921CE6}"/>
-              </a:ext>
-            </a:extLst>
-          </p:cNvPr>
-          <p:cNvSpPr/>
-          <p:nvPr/>
-        </p:nvSpPr>
-        <p:spPr>
-          <a:xfrm>
-            <a:off x="4207835" y="4542803"/>
-            <a:ext cx="5077932" cy="1615696"/>
-          </a:xfrm>
-          <a:prstGeom prst="rect">
-            <a:avLst/>
-          </a:prstGeom>
-        </p:spPr>
-        <p:style>
-          <a:lnRef idx="2">
-            <a:schemeClr val="dk1"/>
-          </a:lnRef>
-          <a:fillRef idx="1">
-            <a:schemeClr val="lt1"/>
-          </a:fillRef>
-          <a:effectRef idx="0">
-            <a:schemeClr val="dk1"/>
-          </a:effectRef>
-          <a:fontRef idx="minor">
-            <a:schemeClr val="dk1"/>
-          </a:fontRef>
-        </p:style>
-        <p:txBody>
-          <a:bodyPr rtlCol="0" anchor="ctr"/>
-          <a:lstStyle/>
-          <a:p>
-            <a:pPr>
-              <a:spcBef>
-                <a:spcPct val="50000"/>
-              </a:spcBef>
-            </a:pPr>
-            <a:r>
-              <a:rPr lang="ru-RU" altLang="ru-RU" sz="2800" dirty="0">
-                <a:latin typeface="Montserrat" panose="020F0502020204030204" pitchFamily="2" charset="-52"/>
-              </a:rPr>
-              <a:t>3. Проблема формулирования описания функционирования объекта</a:t>
-            </a:r>
-          </a:p>
-        </p:txBody>
-      </p:sp>
-      <p:cxnSp>
-        <p:nvCxnSpPr>
-          <p:cNvPr id="8" name="Прямая соединительная линия 7">
-            <a:extLst>
-              <a:ext uri="{FF2B5EF4-FFF2-40B4-BE49-F238E27FC236}">
-                <a16:creationId xmlns:a16="http://schemas.microsoft.com/office/drawing/2014/main" id="{623A6B91-38EF-A85F-CDC1-260E37C2EECB}"/>
-              </a:ext>
-            </a:extLst>
-          </p:cNvPr>
-          <p:cNvCxnSpPr>
-            <a:cxnSpLocks/>
-          </p:cNvCxnSpPr>
-          <p:nvPr/>
-        </p:nvCxnSpPr>
-        <p:spPr>
-          <a:xfrm flipH="1">
-            <a:off x="3476846" y="5350651"/>
-            <a:ext cx="730989" cy="0"/>
-          </a:xfrm>
-          <a:prstGeom prst="line">
-            <a:avLst/>
-          </a:prstGeom>
-        </p:spPr>
-        <p:style>
-          <a:lnRef idx="2">
-            <a:schemeClr val="dk1"/>
-          </a:lnRef>
-          <a:fillRef idx="0">
-            <a:schemeClr val="dk1"/>
-          </a:fillRef>
-          <a:effectRef idx="1">
-            <a:schemeClr val="dk1"/>
-          </a:effectRef>
-          <a:fontRef idx="minor">
-            <a:schemeClr val="tx1"/>
-          </a:fontRef>
-        </p:style>
-      </p:cxnSp>
-    </p:spTree>
-    <p:extLst>
-      <p:ext uri="{BB962C8B-B14F-4D97-AF65-F5344CB8AC3E}">
-        <p14:creationId xmlns:p14="http://schemas.microsoft.com/office/powerpoint/2010/main" val="3758947111"/>
-      </p:ext>
-    </p:extLst>
-  </p:cSld>
-  <p:clrMapOvr>
-    <a:masterClrMapping/>
-  </p:clrMapOvr>
-</p:sld>
-</file>
-
-<file path=ppt/slides/slide15.xml><?xml version="1.0" encoding="utf-8"?>
-<p:sld xmlns:a="http://schemas.openxmlformats.org/drawingml/2006/main" xmlns:r="http://schemas.openxmlformats.org/officeDocument/2006/relationships" xmlns:p="http://schemas.openxmlformats.org/presentationml/2006/main">
-  <p:cSld>
-    <p:spTree>
-      <p:nvGrpSpPr>
-        <p:cNvPr id="1" name="">
-          <a:extLst>
-            <a:ext uri="{FF2B5EF4-FFF2-40B4-BE49-F238E27FC236}">
-              <a16:creationId xmlns:a16="http://schemas.microsoft.com/office/drawing/2014/main" id="{A9448C64-DA04-D0BC-80ED-6D56B2D518E7}"/>
-            </a:ext>
-          </a:extLst>
-        </p:cNvPr>
-        <p:cNvGrpSpPr/>
-        <p:nvPr/>
-      </p:nvGrpSpPr>
-      <p:grpSpPr>
-        <a:xfrm>
-          <a:off x="0" y="0"/>
-          <a:ext cx="0" cy="0"/>
-          <a:chOff x="0" y="0"/>
-          <a:chExt cx="0" cy="0"/>
-        </a:xfrm>
-      </p:grpSpPr>
-      <p:sp>
-        <p:nvSpPr>
-          <p:cNvPr id="4" name="Прямоугольник: скругленные углы 3">
-            <a:extLst>
-              <a:ext uri="{FF2B5EF4-FFF2-40B4-BE49-F238E27FC236}">
-                <a16:creationId xmlns:a16="http://schemas.microsoft.com/office/drawing/2014/main" id="{12A29E3F-9B0F-F5FE-4DC7-A935D13E1828}"/>
-              </a:ext>
-            </a:extLst>
-          </p:cNvPr>
-          <p:cNvSpPr/>
-          <p:nvPr/>
-        </p:nvSpPr>
-        <p:spPr>
-          <a:xfrm>
-            <a:off x="779721" y="414670"/>
-            <a:ext cx="10632558" cy="3014330"/>
-          </a:xfrm>
-          <a:prstGeom prst="roundRect">
-            <a:avLst/>
-          </a:prstGeom>
-        </p:spPr>
-        <p:style>
-          <a:lnRef idx="2">
-            <a:schemeClr val="accent6"/>
-          </a:lnRef>
-          <a:fillRef idx="1">
-            <a:schemeClr val="lt1"/>
-          </a:fillRef>
-          <a:effectRef idx="0">
-            <a:schemeClr val="accent6"/>
-          </a:effectRef>
-          <a:fontRef idx="minor">
-            <a:schemeClr val="dk1"/>
-          </a:fontRef>
-        </p:style>
-        <p:txBody>
-          <a:bodyPr rtlCol="0" anchor="ctr"/>
-          <a:lstStyle/>
-          <a:p>
-            <a:pPr>
-              <a:spcBef>
-                <a:spcPct val="50000"/>
-              </a:spcBef>
-            </a:pPr>
-            <a:r>
-              <a:rPr lang="ru-RU" altLang="ru-RU" sz="2800" b="1" dirty="0">
-                <a:latin typeface="Montserrat" panose="020F0502020204030204" pitchFamily="2" charset="-52"/>
-              </a:rPr>
-              <a:t>Традиционный подход к организации исследования</a:t>
-            </a:r>
-            <a:r>
-              <a:rPr lang="ru-RU" altLang="ru-RU" sz="2800" dirty="0">
-                <a:latin typeface="Montserrat" panose="020F0502020204030204" pitchFamily="2" charset="-52"/>
-              </a:rPr>
-              <a:t> как сужение классической схемы анализа. Предусматривает, как и в классическом анализе расчленение исследуемого объекта на составные части, но требует определить поведение сложного объекта, как результат объединения свойств входящих в него компонентов.</a:t>
-            </a:r>
-          </a:p>
-        </p:txBody>
-      </p:sp>
-      <p:sp>
-        <p:nvSpPr>
-          <p:cNvPr id="2" name="Прямоугольник: скругленные углы 1">
-            <a:extLst>
-              <a:ext uri="{FF2B5EF4-FFF2-40B4-BE49-F238E27FC236}">
-                <a16:creationId xmlns:a16="http://schemas.microsoft.com/office/drawing/2014/main" id="{19A89651-AE26-37B4-2A16-FBA062176DA2}"/>
-              </a:ext>
-            </a:extLst>
-          </p:cNvPr>
-          <p:cNvSpPr/>
-          <p:nvPr/>
-        </p:nvSpPr>
-        <p:spPr>
-          <a:xfrm>
-            <a:off x="779721" y="3843670"/>
-            <a:ext cx="10632558" cy="1536404"/>
-          </a:xfrm>
-          <a:prstGeom prst="roundRect">
-            <a:avLst/>
-          </a:prstGeom>
-        </p:spPr>
-        <p:style>
-          <a:lnRef idx="2">
-            <a:schemeClr val="accent6"/>
-          </a:lnRef>
-          <a:fillRef idx="1">
-            <a:schemeClr val="lt1"/>
-          </a:fillRef>
-          <a:effectRef idx="0">
-            <a:schemeClr val="accent6"/>
-          </a:effectRef>
-          <a:fontRef idx="minor">
-            <a:schemeClr val="dk1"/>
-          </a:fontRef>
-        </p:style>
-        <p:txBody>
-          <a:bodyPr rtlCol="0" anchor="ctr"/>
-          <a:lstStyle/>
-          <a:p>
-            <a:pPr>
-              <a:spcBef>
-                <a:spcPct val="50000"/>
-              </a:spcBef>
-            </a:pPr>
-            <a:r>
-              <a:rPr lang="ru-RU" altLang="ru-RU" sz="2800" b="1" dirty="0">
-                <a:latin typeface="Montserrat" panose="020F0502020204030204" pitchFamily="2" charset="-52"/>
-              </a:rPr>
-              <a:t>Свойство исследуемого объекта </a:t>
-            </a:r>
-            <a:r>
-              <a:rPr lang="ru-RU" altLang="ru-RU" sz="2800" dirty="0">
-                <a:latin typeface="Montserrat" panose="020F0502020204030204" pitchFamily="2" charset="-52"/>
-              </a:rPr>
-              <a:t>– это то, как объект функционирует при взаимодействии с другим объектом.</a:t>
-            </a:r>
-          </a:p>
-        </p:txBody>
-      </p:sp>
-    </p:spTree>
-    <p:extLst>
-      <p:ext uri="{BB962C8B-B14F-4D97-AF65-F5344CB8AC3E}">
-        <p14:creationId xmlns:p14="http://schemas.microsoft.com/office/powerpoint/2010/main" val="3505633698"/>
-      </p:ext>
-    </p:extLst>
-  </p:cSld>
-  <p:clrMapOvr>
-    <a:masterClrMapping/>
-  </p:clrMapOvr>
-</p:sld>
-</file>
-
-<file path=ppt/slides/slide16.xml><?xml version="1.0" encoding="utf-8"?>
-<p:sld xmlns:a="http://schemas.openxmlformats.org/drawingml/2006/main" xmlns:r="http://schemas.openxmlformats.org/officeDocument/2006/relationships" xmlns:p="http://schemas.openxmlformats.org/presentationml/2006/main">
-  <p:cSld>
-    <p:spTree>
-      <p:nvGrpSpPr>
-        <p:cNvPr id="1" name="">
-          <a:extLst>
-            <a:ext uri="{FF2B5EF4-FFF2-40B4-BE49-F238E27FC236}">
-              <a16:creationId xmlns:a16="http://schemas.microsoft.com/office/drawing/2014/main" id="{2C6D2EC4-C825-A365-4E40-D2D58B9FC6DD}"/>
-            </a:ext>
-          </a:extLst>
-        </p:cNvPr>
-        <p:cNvGrpSpPr/>
-        <p:nvPr/>
-      </p:nvGrpSpPr>
-      <p:grpSpPr>
-        <a:xfrm>
-          <a:off x="0" y="0"/>
-          <a:ext cx="0" cy="0"/>
-          <a:chOff x="0" y="0"/>
-          <a:chExt cx="0" cy="0"/>
-        </a:xfrm>
-      </p:grpSpPr>
-      <p:sp>
-        <p:nvSpPr>
-          <p:cNvPr id="4" name="Прямоугольник: скругленные углы 3">
-            <a:extLst>
-              <a:ext uri="{FF2B5EF4-FFF2-40B4-BE49-F238E27FC236}">
-                <a16:creationId xmlns:a16="http://schemas.microsoft.com/office/drawing/2014/main" id="{5979F090-C1D1-AB48-CB01-AA41C1F7C313}"/>
-              </a:ext>
-            </a:extLst>
-          </p:cNvPr>
-          <p:cNvSpPr/>
-          <p:nvPr/>
-        </p:nvSpPr>
-        <p:spPr>
-          <a:xfrm>
-            <a:off x="779721" y="1921835"/>
-            <a:ext cx="10632558" cy="3014330"/>
-          </a:xfrm>
-          <a:prstGeom prst="roundRect">
-            <a:avLst/>
-          </a:prstGeom>
-        </p:spPr>
-        <p:style>
-          <a:lnRef idx="2">
-            <a:schemeClr val="accent6"/>
-          </a:lnRef>
-          <a:fillRef idx="1">
-            <a:schemeClr val="lt1"/>
-          </a:fillRef>
-          <a:effectRef idx="0">
-            <a:schemeClr val="accent6"/>
-          </a:effectRef>
-          <a:fontRef idx="minor">
-            <a:schemeClr val="dk1"/>
-          </a:fontRef>
-        </p:style>
-        <p:txBody>
-          <a:bodyPr rtlCol="0" anchor="ctr"/>
-          <a:lstStyle/>
-          <a:p>
-            <a:pPr>
-              <a:spcBef>
-                <a:spcPct val="50000"/>
-              </a:spcBef>
-            </a:pPr>
-            <a:r>
-              <a:rPr lang="ru-RU" altLang="ru-RU" sz="2800" dirty="0">
-                <a:latin typeface="Montserrat" panose="020F0502020204030204" pitchFamily="2" charset="-52"/>
-              </a:rPr>
-              <a:t>Однако, использование традиционного подхода может исключить из рассмотрения широкий класс свойств объекта, присущих ему, как целому и отсутствующих у его частей, что может не способствовать полноценному формированию представлений о поведении исследуемого объекта.</a:t>
-            </a:r>
-          </a:p>
-        </p:txBody>
-      </p:sp>
-    </p:spTree>
-    <p:extLst>
-      <p:ext uri="{BB962C8B-B14F-4D97-AF65-F5344CB8AC3E}">
-        <p14:creationId xmlns:p14="http://schemas.microsoft.com/office/powerpoint/2010/main" val="2168259899"/>
-      </p:ext>
-    </p:extLst>
-  </p:cSld>
-  <p:clrMapOvr>
-    <a:masterClrMapping/>
-  </p:clrMapOvr>
-</p:sld>
-</file>
-
-<file path=ppt/slides/slide17.xml><?xml version="1.0" encoding="utf-8"?>
 <p:sld xmlns:a="http://schemas.openxmlformats.org/drawingml/2006/main" xmlns:r="http://schemas.openxmlformats.org/officeDocument/2006/relationships" xmlns:p="http://schemas.openxmlformats.org/presentationml/2006/main">
   <p:cSld>
     <p:spTree>
@@ -5373,8 +3633,8 @@
           </a:p>
         </p:txBody>
       </p:sp>
-      <mc:AlternateContent xmlns:mc="http://schemas.openxmlformats.org/markup-compatibility/2006">
-        <mc:Choice xmlns:p14="http://schemas.microsoft.com/office/powerpoint/2010/main" Requires="p14">
+      <mc:AlternateContent xmlns:mc="http://schemas.openxmlformats.org/markup-compatibility/2006" xmlns:p14="http://schemas.microsoft.com/office/powerpoint/2010/main">
+        <mc:Choice Requires="p14">
           <p:contentPart p14:bwMode="auto" r:id="rId2">
             <p14:nvContentPartPr>
               <p14:cNvPr id="15" name="Рукописный ввод 14">
@@ -5393,7 +3653,7 @@
             </p14:xfrm>
           </p:contentPart>
         </mc:Choice>
-        <mc:Fallback>
+        <mc:Fallback xmlns="">
           <p:pic>
             <p:nvPicPr>
               <p:cNvPr id="15" name="Рукописный ввод 14">
@@ -5424,8 +3684,8 @@
           </p:pic>
         </mc:Fallback>
       </mc:AlternateContent>
-      <mc:AlternateContent xmlns:mc="http://schemas.openxmlformats.org/markup-compatibility/2006">
-        <mc:Choice xmlns:p14="http://schemas.microsoft.com/office/powerpoint/2010/main" Requires="p14">
+      <mc:AlternateContent xmlns:mc="http://schemas.openxmlformats.org/markup-compatibility/2006" xmlns:p14="http://schemas.microsoft.com/office/powerpoint/2010/main">
+        <mc:Choice Requires="p14">
           <p:contentPart p14:bwMode="auto" r:id="rId4">
             <p14:nvContentPartPr>
               <p14:cNvPr id="19" name="Рукописный ввод 18">
@@ -5444,7 +3704,7 @@
             </p14:xfrm>
           </p:contentPart>
         </mc:Choice>
-        <mc:Fallback>
+        <mc:Fallback xmlns="">
           <p:pic>
             <p:nvPicPr>
               <p:cNvPr id="19" name="Рукописный ввод 18">
@@ -5627,7 +3887,7 @@
 </p:sld>
 </file>
 
-<file path=ppt/slides/slide18.xml><?xml version="1.0" encoding="utf-8"?>
+<file path=ppt/slides/slide11.xml><?xml version="1.0" encoding="utf-8"?>
 <p:sld xmlns:a="http://schemas.openxmlformats.org/drawingml/2006/main" xmlns:r="http://schemas.openxmlformats.org/officeDocument/2006/relationships" xmlns:p="http://schemas.openxmlformats.org/presentationml/2006/main">
   <p:cSld>
     <p:spTree>
@@ -5942,10 +4202,48 @@
       </p:grpSpPr>
       <p:sp>
         <p:nvSpPr>
-          <p:cNvPr id="12" name="Прямоугольник 11">
-            <a:extLst>
-              <a:ext uri="{FF2B5EF4-FFF2-40B4-BE49-F238E27FC236}">
-                <a16:creationId xmlns:a16="http://schemas.microsoft.com/office/drawing/2014/main" id="{FF79F43E-EFA9-54FB-04C1-BF62D97D2294}"/>
+          <p:cNvPr id="3" name="TextBox 2">
+            <a:extLst>
+              <a:ext uri="{FF2B5EF4-FFF2-40B4-BE49-F238E27FC236}">
+                <a16:creationId xmlns:a16="http://schemas.microsoft.com/office/drawing/2014/main" id="{7064D9D4-A393-4D09-9D09-E5FCE78AC9D1}"/>
+              </a:ext>
+            </a:extLst>
+          </p:cNvPr>
+          <p:cNvSpPr txBox="1"/>
+          <p:nvPr/>
+        </p:nvSpPr>
+        <p:spPr>
+          <a:xfrm>
+            <a:off x="996802" y="384879"/>
+            <a:ext cx="5180714" cy="487694"/>
+          </a:xfrm>
+          <a:prstGeom prst="rect">
+            <a:avLst/>
+          </a:prstGeom>
+          <a:noFill/>
+        </p:spPr>
+        <p:txBody>
+          <a:bodyPr wrap="square">
+            <a:spAutoFit/>
+          </a:bodyPr>
+          <a:lstStyle/>
+          <a:p>
+            <a:r>
+              <a:rPr lang="ru-RU" altLang="ru-RU" sz="2500" dirty="0">
+                <a:latin typeface="Montserrat" panose="020F0502020204030204" pitchFamily="2" charset="-52"/>
+              </a:rPr>
+              <a:t>Для чего нужно понимать явление:</a:t>
+            </a:r>
+            <a:endParaRPr lang="ru-RU" sz="2500" dirty="0"/>
+          </a:p>
+        </p:txBody>
+      </p:sp>
+      <p:sp>
+        <p:nvSpPr>
+          <p:cNvPr id="6" name="Прямоугольник 5">
+            <a:extLst>
+              <a:ext uri="{FF2B5EF4-FFF2-40B4-BE49-F238E27FC236}">
+                <a16:creationId xmlns:a16="http://schemas.microsoft.com/office/drawing/2014/main" id="{1F808796-CEC4-4F26-B9FE-991BBAA98789}"/>
               </a:ext>
             </a:extLst>
           </p:cNvPr>
@@ -5954,8 +4252,8 @@
         </p:nvSpPr>
         <p:spPr>
           <a:xfrm>
-            <a:off x="741621" y="4196769"/>
-            <a:ext cx="4861738" cy="1488558"/>
+            <a:off x="1996263" y="1028970"/>
+            <a:ext cx="5077932" cy="1098245"/>
           </a:xfrm>
           <a:prstGeom prst="rect">
             <a:avLst/>
@@ -5979,37 +4277,246 @@
           <a:bodyPr rtlCol="0" anchor="ctr"/>
           <a:lstStyle/>
           <a:p>
-            <a:pPr marL="0" marR="0" lvl="0" indent="0" algn="l" defTabSz="914400" rtl="0" eaLnBrk="1" fontAlgn="auto" latinLnBrk="0" hangingPunct="1">
-              <a:lnSpc>
-                <a:spcPct val="100000"/>
-              </a:lnSpc>
+            <a:pPr>
               <a:spcBef>
-                <a:spcPts val="0"/>
+                <a:spcPct val="50000"/>
               </a:spcBef>
-              <a:spcAft>
-                <a:spcPts val="0"/>
-              </a:spcAft>
-              <a:buClrTx/>
-              <a:buSzTx/>
-              <a:tabLst/>
-              <a:defRPr/>
             </a:pPr>
+            <a:r>
+              <a:rPr lang="ru-RU" altLang="ru-RU" sz="2800" dirty="0">
+                <a:latin typeface="Montserrat" panose="020F0502020204030204" pitchFamily="2" charset="-52"/>
+              </a:rPr>
+              <a:t>понимать, опасно ли воздействие этого явления;</a:t>
+            </a:r>
+          </a:p>
+          <a:p>
+            <a:pPr algn="ctr"/>
+            <a:endParaRPr lang="ru-RU" dirty="0"/>
+          </a:p>
+        </p:txBody>
+      </p:sp>
+      <p:sp>
+        <p:nvSpPr>
+          <p:cNvPr id="7" name="Прямоугольник 6">
+            <a:extLst>
+              <a:ext uri="{FF2B5EF4-FFF2-40B4-BE49-F238E27FC236}">
+                <a16:creationId xmlns:a16="http://schemas.microsoft.com/office/drawing/2014/main" id="{421C77CB-7DE4-3BB7-C7CD-412EBE333CEF}"/>
+              </a:ext>
+            </a:extLst>
+          </p:cNvPr>
+          <p:cNvSpPr/>
+          <p:nvPr/>
+        </p:nvSpPr>
+        <p:spPr>
+          <a:xfrm>
+            <a:off x="1996263" y="2457277"/>
+            <a:ext cx="5077932" cy="1615696"/>
+          </a:xfrm>
+          <a:prstGeom prst="rect">
+            <a:avLst/>
+          </a:prstGeom>
+        </p:spPr>
+        <p:style>
+          <a:lnRef idx="2">
+            <a:schemeClr val="dk1"/>
+          </a:lnRef>
+          <a:fillRef idx="1">
+            <a:schemeClr val="lt1"/>
+          </a:fillRef>
+          <a:effectRef idx="0">
+            <a:schemeClr val="dk1"/>
+          </a:effectRef>
+          <a:fontRef idx="minor">
+            <a:schemeClr val="dk1"/>
+          </a:fontRef>
+        </p:style>
+        <p:txBody>
+          <a:bodyPr rtlCol="0" anchor="ctr"/>
+          <a:lstStyle/>
+          <a:p>
+            <a:pPr>
+              <a:spcBef>
+                <a:spcPct val="50000"/>
+              </a:spcBef>
+            </a:pPr>
+            <a:r>
+              <a:rPr lang="ru-RU" altLang="ru-RU" sz="2800" dirty="0">
+                <a:latin typeface="Montserrat" panose="020F0502020204030204" pitchFamily="2" charset="-52"/>
+              </a:rPr>
+              <a:t>понимать, чтобы оценить это явление для улучшения своей жизнедеятельности.</a:t>
+            </a:r>
+          </a:p>
+        </p:txBody>
+      </p:sp>
+      <p:cxnSp>
+        <p:nvCxnSpPr>
+          <p:cNvPr id="11" name="Прямая соединительная линия 10">
+            <a:extLst>
+              <a:ext uri="{FF2B5EF4-FFF2-40B4-BE49-F238E27FC236}">
+                <a16:creationId xmlns:a16="http://schemas.microsoft.com/office/drawing/2014/main" id="{DE673FB0-F632-E2BC-96A4-6E5B88940BBF}"/>
+              </a:ext>
+            </a:extLst>
+          </p:cNvPr>
+          <p:cNvCxnSpPr/>
+          <p:nvPr/>
+        </p:nvCxnSpPr>
+        <p:spPr>
+          <a:xfrm>
+            <a:off x="1265274" y="872573"/>
+            <a:ext cx="0" cy="2578395"/>
+          </a:xfrm>
+          <a:prstGeom prst="line">
+            <a:avLst/>
+          </a:prstGeom>
+        </p:spPr>
+        <p:style>
+          <a:lnRef idx="2">
+            <a:schemeClr val="dk1"/>
+          </a:lnRef>
+          <a:fillRef idx="0">
+            <a:schemeClr val="dk1"/>
+          </a:fillRef>
+          <a:effectRef idx="1">
+            <a:schemeClr val="dk1"/>
+          </a:effectRef>
+          <a:fontRef idx="minor">
+            <a:schemeClr val="tx1"/>
+          </a:fontRef>
+        </p:style>
+      </p:cxnSp>
+      <p:cxnSp>
+        <p:nvCxnSpPr>
+          <p:cNvPr id="13" name="Прямая соединительная линия 12">
+            <a:extLst>
+              <a:ext uri="{FF2B5EF4-FFF2-40B4-BE49-F238E27FC236}">
+                <a16:creationId xmlns:a16="http://schemas.microsoft.com/office/drawing/2014/main" id="{3D456C5F-8DD7-658E-F91D-C48DC864A4CD}"/>
+              </a:ext>
+            </a:extLst>
+          </p:cNvPr>
+          <p:cNvCxnSpPr>
+            <a:cxnSpLocks/>
+            <a:stCxn id="6" idx="1"/>
+          </p:cNvCxnSpPr>
+          <p:nvPr/>
+        </p:nvCxnSpPr>
+        <p:spPr>
+          <a:xfrm flipH="1" flipV="1">
+            <a:off x="1265274" y="1574321"/>
+            <a:ext cx="730989" cy="3772"/>
+          </a:xfrm>
+          <a:prstGeom prst="line">
+            <a:avLst/>
+          </a:prstGeom>
+        </p:spPr>
+        <p:style>
+          <a:lnRef idx="2">
+            <a:schemeClr val="dk1"/>
+          </a:lnRef>
+          <a:fillRef idx="0">
+            <a:schemeClr val="dk1"/>
+          </a:fillRef>
+          <a:effectRef idx="1">
+            <a:schemeClr val="dk1"/>
+          </a:effectRef>
+          <a:fontRef idx="minor">
+            <a:schemeClr val="tx1"/>
+          </a:fontRef>
+        </p:style>
+      </p:cxnSp>
+      <p:cxnSp>
+        <p:nvCxnSpPr>
+          <p:cNvPr id="14" name="Прямая соединительная линия 13">
+            <a:extLst>
+              <a:ext uri="{FF2B5EF4-FFF2-40B4-BE49-F238E27FC236}">
+                <a16:creationId xmlns:a16="http://schemas.microsoft.com/office/drawing/2014/main" id="{B2DE5BB8-A592-3879-7088-6615FF0F7821}"/>
+              </a:ext>
+            </a:extLst>
+          </p:cNvPr>
+          <p:cNvCxnSpPr>
+            <a:cxnSpLocks/>
+          </p:cNvCxnSpPr>
+          <p:nvPr/>
+        </p:nvCxnSpPr>
+        <p:spPr>
+          <a:xfrm flipH="1">
+            <a:off x="1265274" y="3450968"/>
+            <a:ext cx="730989" cy="0"/>
+          </a:xfrm>
+          <a:prstGeom prst="line">
+            <a:avLst/>
+          </a:prstGeom>
+        </p:spPr>
+        <p:style>
+          <a:lnRef idx="2">
+            <a:schemeClr val="dk1"/>
+          </a:lnRef>
+          <a:fillRef idx="0">
+            <a:schemeClr val="dk1"/>
+          </a:fillRef>
+          <a:effectRef idx="1">
+            <a:schemeClr val="dk1"/>
+          </a:effectRef>
+          <a:fontRef idx="minor">
+            <a:schemeClr val="tx1"/>
+          </a:fontRef>
+        </p:style>
+      </p:cxnSp>
+      <p:sp>
+        <p:nvSpPr>
+          <p:cNvPr id="17" name="Прямоугольник: скругленные углы 16">
+            <a:extLst>
+              <a:ext uri="{FF2B5EF4-FFF2-40B4-BE49-F238E27FC236}">
+                <a16:creationId xmlns:a16="http://schemas.microsoft.com/office/drawing/2014/main" id="{589C9805-FE37-8975-5783-D68B873DF8CE}"/>
+              </a:ext>
+            </a:extLst>
+          </p:cNvPr>
+          <p:cNvSpPr/>
+          <p:nvPr/>
+        </p:nvSpPr>
+        <p:spPr>
+          <a:xfrm>
+            <a:off x="1533303" y="4699592"/>
+            <a:ext cx="9125393" cy="1529682"/>
+          </a:xfrm>
+          <a:prstGeom prst="roundRect">
+            <a:avLst/>
+          </a:prstGeom>
+        </p:spPr>
+        <p:style>
+          <a:lnRef idx="2">
+            <a:schemeClr val="accent6"/>
+          </a:lnRef>
+          <a:fillRef idx="1">
+            <a:schemeClr val="lt1"/>
+          </a:fillRef>
+          <a:effectRef idx="0">
+            <a:schemeClr val="accent6"/>
+          </a:effectRef>
+          <a:fontRef idx="minor">
+            <a:schemeClr val="dk1"/>
+          </a:fontRef>
+        </p:style>
+        <p:txBody>
+          <a:bodyPr rtlCol="0" anchor="ctr"/>
+          <a:lstStyle/>
+          <a:p>
+            <a:pPr algn="ctr"/>
             <a:r>
               <a:rPr kumimoji="0" lang="ru-RU" altLang="ru-RU" sz="2800" b="1" i="0" u="none" strike="noStrike" kern="1200" cap="none" spc="0" normalizeH="0" baseline="0" noProof="0" dirty="0">
                 <a:ln>
                   <a:noFill/>
                 </a:ln>
                 <a:solidFill>
-                  <a:prstClr val="black"/>
+                  <a:srgbClr val="000000"/>
                 </a:solidFill>
                 <a:effectLst/>
                 <a:uLnTx/>
                 <a:uFillTx/>
                 <a:latin typeface="Montserrat" panose="020F0502020204030204" pitchFamily="2" charset="-52"/>
                 <a:ea typeface="+mn-ea"/>
-                <a:cs typeface="+mn-cs"/>
+                <a:cs typeface="Arial" panose="020B0604020202020204" pitchFamily="34" charset="0"/>
               </a:rPr>
-              <a:t>процессы</a:t>
+              <a:t>Знание</a:t>
             </a:r>
             <a:r>
               <a:rPr kumimoji="0" lang="ru-RU" altLang="ru-RU" sz="2800" b="0" i="0" u="none" strike="noStrike" kern="1200" cap="none" spc="0" normalizeH="0" baseline="0" noProof="0" dirty="0">
@@ -6017,241 +4524,25 @@
                   <a:noFill/>
                 </a:ln>
                 <a:solidFill>
-                  <a:prstClr val="black"/>
+                  <a:srgbClr val="000000"/>
                 </a:solidFill>
                 <a:effectLst/>
                 <a:uLnTx/>
                 <a:uFillTx/>
                 <a:latin typeface="Montserrat" panose="020F0502020204030204" pitchFamily="2" charset="-52"/>
                 <a:ea typeface="+mn-ea"/>
-                <a:cs typeface="+mn-cs"/>
+                <a:cs typeface="Arial" panose="020B0604020202020204" pitchFamily="34" charset="0"/>
               </a:rPr>
-              <a:t> (по какой-либо координате движение бесконечно);</a:t>
-            </a:r>
-          </a:p>
-          <a:p>
-            <a:pPr algn="ctr"/>
-            <a:endParaRPr lang="ru-RU" dirty="0"/>
-          </a:p>
-        </p:txBody>
-      </p:sp>
-      <p:sp>
-        <p:nvSpPr>
-          <p:cNvPr id="13" name="Прямоугольник 12">
-            <a:extLst>
-              <a:ext uri="{FF2B5EF4-FFF2-40B4-BE49-F238E27FC236}">
-                <a16:creationId xmlns:a16="http://schemas.microsoft.com/office/drawing/2014/main" id="{B352BAD0-3E40-1997-DFB4-3F846176D42C}"/>
-              </a:ext>
-            </a:extLst>
-          </p:cNvPr>
-          <p:cNvSpPr/>
-          <p:nvPr/>
-        </p:nvSpPr>
-        <p:spPr>
-          <a:xfrm>
-            <a:off x="6504466" y="4196769"/>
-            <a:ext cx="4861738" cy="1488558"/>
-          </a:xfrm>
-          <a:prstGeom prst="rect">
-            <a:avLst/>
-          </a:prstGeom>
-        </p:spPr>
-        <p:style>
-          <a:lnRef idx="2">
-            <a:schemeClr val="dk1"/>
-          </a:lnRef>
-          <a:fillRef idx="1">
-            <a:schemeClr val="lt1"/>
-          </a:fillRef>
-          <a:effectRef idx="0">
-            <a:schemeClr val="dk1"/>
-          </a:effectRef>
-          <a:fontRef idx="minor">
-            <a:schemeClr val="dk1"/>
-          </a:fontRef>
-        </p:style>
-        <p:txBody>
-          <a:bodyPr rtlCol="0" anchor="ctr"/>
-          <a:lstStyle/>
-          <a:p>
-            <a:pPr lvl="0">
-              <a:defRPr/>
-            </a:pPr>
-            <a:r>
-              <a:rPr lang="ru-RU" altLang="ru-RU" sz="2800" b="1" dirty="0">
-                <a:solidFill>
-                  <a:prstClr val="black"/>
-                </a:solidFill>
-                <a:latin typeface="Montserrat" panose="020F0502020204030204" pitchFamily="2" charset="-52"/>
-              </a:rPr>
-              <a:t>объекты</a:t>
-            </a:r>
-            <a:r>
-              <a:rPr lang="ru-RU" altLang="ru-RU" sz="2800" dirty="0">
-                <a:solidFill>
-                  <a:prstClr val="black"/>
-                </a:solidFill>
-                <a:latin typeface="Montserrat" panose="020F0502020204030204" pitchFamily="2" charset="-52"/>
-              </a:rPr>
-              <a:t> (нечто законченное).</a:t>
-            </a:r>
-          </a:p>
-        </p:txBody>
-      </p:sp>
-      <mc:AlternateContent xmlns:mc="http://schemas.openxmlformats.org/markup-compatibility/2006">
-        <mc:Choice xmlns:p14="http://schemas.microsoft.com/office/powerpoint/2010/main" Requires="p14">
-          <p:contentPart p14:bwMode="auto" r:id="rId2">
-            <p14:nvContentPartPr>
-              <p14:cNvPr id="15" name="Рукописный ввод 14">
-                <a:extLst>
-                  <a:ext uri="{FF2B5EF4-FFF2-40B4-BE49-F238E27FC236}">
-                    <a16:creationId xmlns:a16="http://schemas.microsoft.com/office/drawing/2014/main" id="{16CC2A06-EF05-1073-28FA-A8EB785E7EAC}"/>
-                  </a:ext>
-                </a:extLst>
-              </p14:cNvPr>
-              <p14:cNvContentPartPr/>
-              <p14:nvPr/>
-            </p14:nvContentPartPr>
-            <p14:xfrm>
-              <a:off x="2900916" y="2470097"/>
-              <a:ext cx="1520640" cy="1414440"/>
-            </p14:xfrm>
-          </p:contentPart>
-        </mc:Choice>
-        <mc:Fallback>
-          <p:pic>
-            <p:nvPicPr>
-              <p:cNvPr id="15" name="Рукописный ввод 14">
-                <a:extLst>
-                  <a:ext uri="{FF2B5EF4-FFF2-40B4-BE49-F238E27FC236}">
-                    <a16:creationId xmlns:a16="http://schemas.microsoft.com/office/drawing/2014/main" id="{16CC2A06-EF05-1073-28FA-A8EB785E7EAC}"/>
-                  </a:ext>
-                </a:extLst>
-              </p:cNvPr>
-              <p:cNvPicPr/>
-              <p:nvPr/>
-            </p:nvPicPr>
-            <p:blipFill>
-              <a:blip r:embed="rId3"/>
-              <a:stretch>
-                <a:fillRect/>
-              </a:stretch>
-            </p:blipFill>
-            <p:spPr>
-              <a:xfrm>
-                <a:off x="2894796" y="2463977"/>
-                <a:ext cx="1532880" cy="1426680"/>
-              </a:xfrm>
-              <a:prstGeom prst="rect">
-                <a:avLst/>
-              </a:prstGeom>
-            </p:spPr>
-          </p:pic>
-        </mc:Fallback>
-      </mc:AlternateContent>
-      <mc:AlternateContent xmlns:mc="http://schemas.openxmlformats.org/markup-compatibility/2006">
-        <mc:Choice xmlns:p14="http://schemas.microsoft.com/office/powerpoint/2010/main" Requires="p14">
-          <p:contentPart p14:bwMode="auto" r:id="rId4">
-            <p14:nvContentPartPr>
-              <p14:cNvPr id="19" name="Рукописный ввод 18">
-                <a:extLst>
-                  <a:ext uri="{FF2B5EF4-FFF2-40B4-BE49-F238E27FC236}">
-                    <a16:creationId xmlns:a16="http://schemas.microsoft.com/office/drawing/2014/main" id="{ECCE4907-4C68-DF6A-2A13-4AAF1F5661A4}"/>
-                  </a:ext>
-                </a:extLst>
-              </p14:cNvPr>
-              <p14:cNvContentPartPr/>
-              <p14:nvPr/>
-            </p14:nvContentPartPr>
-            <p14:xfrm>
-              <a:off x="7234100" y="2470097"/>
-              <a:ext cx="1701235" cy="1356124"/>
-            </p14:xfrm>
-          </p:contentPart>
-        </mc:Choice>
-        <mc:Fallback>
-          <p:pic>
-            <p:nvPicPr>
-              <p:cNvPr id="19" name="Рукописный ввод 18">
-                <a:extLst>
-                  <a:ext uri="{FF2B5EF4-FFF2-40B4-BE49-F238E27FC236}">
-                    <a16:creationId xmlns:a16="http://schemas.microsoft.com/office/drawing/2014/main" id="{ECCE4907-4C68-DF6A-2A13-4AAF1F5661A4}"/>
-                  </a:ext>
-                </a:extLst>
-              </p:cNvPr>
-              <p:cNvPicPr/>
-              <p:nvPr/>
-            </p:nvPicPr>
-            <p:blipFill>
-              <a:blip r:embed="rId5"/>
-              <a:stretch>
-                <a:fillRect/>
-              </a:stretch>
-            </p:blipFill>
-            <p:spPr>
-              <a:xfrm>
-                <a:off x="7227980" y="2463977"/>
-                <a:ext cx="1713474" cy="1368364"/>
-              </a:xfrm>
-              <a:prstGeom prst="rect">
-                <a:avLst/>
-              </a:prstGeom>
-            </p:spPr>
-          </p:pic>
-        </mc:Fallback>
-      </mc:AlternateContent>
-      <p:sp>
-        <p:nvSpPr>
-          <p:cNvPr id="21" name="Прямоугольник 20">
-            <a:extLst>
-              <a:ext uri="{FF2B5EF4-FFF2-40B4-BE49-F238E27FC236}">
-                <a16:creationId xmlns:a16="http://schemas.microsoft.com/office/drawing/2014/main" id="{3D59BD6D-D7DB-3C0F-A120-DFE20DA9771B}"/>
-              </a:ext>
-            </a:extLst>
-          </p:cNvPr>
-          <p:cNvSpPr/>
-          <p:nvPr/>
-        </p:nvSpPr>
-        <p:spPr>
-          <a:xfrm>
-            <a:off x="2900916" y="342223"/>
-            <a:ext cx="6390168" cy="1815643"/>
-          </a:xfrm>
-          <a:prstGeom prst="rect">
-            <a:avLst/>
-          </a:prstGeom>
-        </p:spPr>
-        <p:style>
-          <a:lnRef idx="2">
-            <a:schemeClr val="dk1"/>
-          </a:lnRef>
-          <a:fillRef idx="1">
-            <a:schemeClr val="lt1"/>
-          </a:fillRef>
-          <a:effectRef idx="0">
-            <a:schemeClr val="dk1"/>
-          </a:effectRef>
-          <a:fontRef idx="minor">
-            <a:schemeClr val="dk1"/>
-          </a:fontRef>
-        </p:style>
-        <p:txBody>
-          <a:bodyPr rtlCol="0" anchor="ctr"/>
-          <a:lstStyle/>
-          <a:p>
-            <a:r>
-              <a:rPr lang="ru-RU" altLang="ru-RU" sz="2800" dirty="0">
-                <a:latin typeface="Montserrat" panose="020F0502020204030204" pitchFamily="2" charset="-52"/>
-              </a:rPr>
-              <a:t>Анализ слова люди придумали, чтобы понимать  явления природы. Они выступают в двух вариантах:</a:t>
-            </a:r>
+              <a:t> – лингвистическое описание функционирования объекта</a:t>
+            </a:r>
+            <a:endParaRPr lang="ru-RU" sz="2800" dirty="0"/>
           </a:p>
         </p:txBody>
       </p:sp>
     </p:spTree>
     <p:extLst>
       <p:ext uri="{BB962C8B-B14F-4D97-AF65-F5344CB8AC3E}">
-        <p14:creationId xmlns:p14="http://schemas.microsoft.com/office/powerpoint/2010/main" val="1599524535"/>
+        <p14:creationId xmlns:p14="http://schemas.microsoft.com/office/powerpoint/2010/main" val="2302544062"/>
       </p:ext>
     </p:extLst>
   </p:cSld>
@@ -6280,48 +4571,10 @@
       </p:grpSpPr>
       <p:sp>
         <p:nvSpPr>
-          <p:cNvPr id="3" name="TextBox 2">
-            <a:extLst>
-              <a:ext uri="{FF2B5EF4-FFF2-40B4-BE49-F238E27FC236}">
-                <a16:creationId xmlns:a16="http://schemas.microsoft.com/office/drawing/2014/main" id="{7064D9D4-A393-4D09-9D09-E5FCE78AC9D1}"/>
-              </a:ext>
-            </a:extLst>
-          </p:cNvPr>
-          <p:cNvSpPr txBox="1"/>
-          <p:nvPr/>
-        </p:nvSpPr>
-        <p:spPr>
-          <a:xfrm>
-            <a:off x="996802" y="384879"/>
-            <a:ext cx="5180714" cy="487694"/>
-          </a:xfrm>
-          <a:prstGeom prst="rect">
-            <a:avLst/>
-          </a:prstGeom>
-          <a:noFill/>
-        </p:spPr>
-        <p:txBody>
-          <a:bodyPr wrap="square">
-            <a:spAutoFit/>
-          </a:bodyPr>
-          <a:lstStyle/>
-          <a:p>
-            <a:r>
-              <a:rPr lang="ru-RU" altLang="ru-RU" sz="2500" dirty="0">
-                <a:latin typeface="Montserrat" panose="020F0502020204030204" pitchFamily="2" charset="-52"/>
-              </a:rPr>
-              <a:t>Для чего нужно понимать явление:</a:t>
-            </a:r>
-            <a:endParaRPr lang="ru-RU" sz="2500" dirty="0"/>
-          </a:p>
-        </p:txBody>
-      </p:sp>
-      <p:sp>
-        <p:nvSpPr>
-          <p:cNvPr id="6" name="Прямоугольник 5">
-            <a:extLst>
-              <a:ext uri="{FF2B5EF4-FFF2-40B4-BE49-F238E27FC236}">
-                <a16:creationId xmlns:a16="http://schemas.microsoft.com/office/drawing/2014/main" id="{1F808796-CEC4-4F26-B9FE-991BBAA98789}"/>
+          <p:cNvPr id="4" name="Прямоугольник: скругленные углы 3">
+            <a:extLst>
+              <a:ext uri="{FF2B5EF4-FFF2-40B4-BE49-F238E27FC236}">
+                <a16:creationId xmlns:a16="http://schemas.microsoft.com/office/drawing/2014/main" id="{1E219869-4F98-543F-4C0D-4A22412614BB}"/>
               </a:ext>
             </a:extLst>
           </p:cNvPr>
@@ -6330,231 +4583,8 @@
         </p:nvSpPr>
         <p:spPr>
           <a:xfrm>
-            <a:off x="1996263" y="1028970"/>
-            <a:ext cx="5077932" cy="1098245"/>
-          </a:xfrm>
-          <a:prstGeom prst="rect">
-            <a:avLst/>
-          </a:prstGeom>
-        </p:spPr>
-        <p:style>
-          <a:lnRef idx="2">
-            <a:schemeClr val="dk1"/>
-          </a:lnRef>
-          <a:fillRef idx="1">
-            <a:schemeClr val="lt1"/>
-          </a:fillRef>
-          <a:effectRef idx="0">
-            <a:schemeClr val="dk1"/>
-          </a:effectRef>
-          <a:fontRef idx="minor">
-            <a:schemeClr val="dk1"/>
-          </a:fontRef>
-        </p:style>
-        <p:txBody>
-          <a:bodyPr rtlCol="0" anchor="ctr"/>
-          <a:lstStyle/>
-          <a:p>
-            <a:pPr>
-              <a:spcBef>
-                <a:spcPct val="50000"/>
-              </a:spcBef>
-            </a:pPr>
-            <a:r>
-              <a:rPr lang="ru-RU" altLang="ru-RU" sz="2800" dirty="0">
-                <a:latin typeface="Montserrat" panose="020F0502020204030204" pitchFamily="2" charset="-52"/>
-              </a:rPr>
-              <a:t>понимать, опасно ли воздействие этого явления;</a:t>
-            </a:r>
-          </a:p>
-          <a:p>
-            <a:pPr algn="ctr"/>
-            <a:endParaRPr lang="ru-RU" dirty="0"/>
-          </a:p>
-        </p:txBody>
-      </p:sp>
-      <p:sp>
-        <p:nvSpPr>
-          <p:cNvPr id="7" name="Прямоугольник 6">
-            <a:extLst>
-              <a:ext uri="{FF2B5EF4-FFF2-40B4-BE49-F238E27FC236}">
-                <a16:creationId xmlns:a16="http://schemas.microsoft.com/office/drawing/2014/main" id="{421C77CB-7DE4-3BB7-C7CD-412EBE333CEF}"/>
-              </a:ext>
-            </a:extLst>
-          </p:cNvPr>
-          <p:cNvSpPr/>
-          <p:nvPr/>
-        </p:nvSpPr>
-        <p:spPr>
-          <a:xfrm>
-            <a:off x="1996263" y="2457277"/>
-            <a:ext cx="5077932" cy="1615696"/>
-          </a:xfrm>
-          <a:prstGeom prst="rect">
-            <a:avLst/>
-          </a:prstGeom>
-        </p:spPr>
-        <p:style>
-          <a:lnRef idx="2">
-            <a:schemeClr val="dk1"/>
-          </a:lnRef>
-          <a:fillRef idx="1">
-            <a:schemeClr val="lt1"/>
-          </a:fillRef>
-          <a:effectRef idx="0">
-            <a:schemeClr val="dk1"/>
-          </a:effectRef>
-          <a:fontRef idx="minor">
-            <a:schemeClr val="dk1"/>
-          </a:fontRef>
-        </p:style>
-        <p:txBody>
-          <a:bodyPr rtlCol="0" anchor="ctr"/>
-          <a:lstStyle/>
-          <a:p>
-            <a:pPr>
-              <a:spcBef>
-                <a:spcPct val="50000"/>
-              </a:spcBef>
-            </a:pPr>
-            <a:r>
-              <a:rPr lang="ru-RU" altLang="ru-RU" sz="2800" dirty="0">
-                <a:latin typeface="Montserrat" panose="020F0502020204030204" pitchFamily="2" charset="-52"/>
-              </a:rPr>
-              <a:t>понимать, чтобы оценить это явление для улучшения своей жизнедеятельности.</a:t>
-            </a:r>
-          </a:p>
-        </p:txBody>
-      </p:sp>
-      <p:cxnSp>
-        <p:nvCxnSpPr>
-          <p:cNvPr id="11" name="Прямая соединительная линия 10">
-            <a:extLst>
-              <a:ext uri="{FF2B5EF4-FFF2-40B4-BE49-F238E27FC236}">
-                <a16:creationId xmlns:a16="http://schemas.microsoft.com/office/drawing/2014/main" id="{DE673FB0-F632-E2BC-96A4-6E5B88940BBF}"/>
-              </a:ext>
-            </a:extLst>
-          </p:cNvPr>
-          <p:cNvCxnSpPr/>
-          <p:nvPr/>
-        </p:nvCxnSpPr>
-        <p:spPr>
-          <a:xfrm>
-            <a:off x="1265274" y="872573"/>
-            <a:ext cx="0" cy="2578395"/>
-          </a:xfrm>
-          <a:prstGeom prst="line">
-            <a:avLst/>
-          </a:prstGeom>
-        </p:spPr>
-        <p:style>
-          <a:lnRef idx="2">
-            <a:schemeClr val="dk1"/>
-          </a:lnRef>
-          <a:fillRef idx="0">
-            <a:schemeClr val="dk1"/>
-          </a:fillRef>
-          <a:effectRef idx="1">
-            <a:schemeClr val="dk1"/>
-          </a:effectRef>
-          <a:fontRef idx="minor">
-            <a:schemeClr val="tx1"/>
-          </a:fontRef>
-        </p:style>
-      </p:cxnSp>
-      <p:cxnSp>
-        <p:nvCxnSpPr>
-          <p:cNvPr id="13" name="Прямая соединительная линия 12">
-            <a:extLst>
-              <a:ext uri="{FF2B5EF4-FFF2-40B4-BE49-F238E27FC236}">
-                <a16:creationId xmlns:a16="http://schemas.microsoft.com/office/drawing/2014/main" id="{3D456C5F-8DD7-658E-F91D-C48DC864A4CD}"/>
-              </a:ext>
-            </a:extLst>
-          </p:cNvPr>
-          <p:cNvCxnSpPr>
-            <a:cxnSpLocks/>
-            <a:stCxn id="6" idx="1"/>
-          </p:cNvCxnSpPr>
-          <p:nvPr/>
-        </p:nvCxnSpPr>
-        <p:spPr>
-          <a:xfrm flipH="1" flipV="1">
-            <a:off x="1265274" y="1574321"/>
-            <a:ext cx="730989" cy="3772"/>
-          </a:xfrm>
-          <a:prstGeom prst="line">
-            <a:avLst/>
-          </a:prstGeom>
-        </p:spPr>
-        <p:style>
-          <a:lnRef idx="2">
-            <a:schemeClr val="dk1"/>
-          </a:lnRef>
-          <a:fillRef idx="0">
-            <a:schemeClr val="dk1"/>
-          </a:fillRef>
-          <a:effectRef idx="1">
-            <a:schemeClr val="dk1"/>
-          </a:effectRef>
-          <a:fontRef idx="minor">
-            <a:schemeClr val="tx1"/>
-          </a:fontRef>
-        </p:style>
-      </p:cxnSp>
-      <p:cxnSp>
-        <p:nvCxnSpPr>
-          <p:cNvPr id="14" name="Прямая соединительная линия 13">
-            <a:extLst>
-              <a:ext uri="{FF2B5EF4-FFF2-40B4-BE49-F238E27FC236}">
-                <a16:creationId xmlns:a16="http://schemas.microsoft.com/office/drawing/2014/main" id="{B2DE5BB8-A592-3879-7088-6615FF0F7821}"/>
-              </a:ext>
-            </a:extLst>
-          </p:cNvPr>
-          <p:cNvCxnSpPr>
-            <a:cxnSpLocks/>
-          </p:cNvCxnSpPr>
-          <p:nvPr/>
-        </p:nvCxnSpPr>
-        <p:spPr>
-          <a:xfrm flipH="1">
-            <a:off x="1265274" y="3450968"/>
-            <a:ext cx="730989" cy="0"/>
-          </a:xfrm>
-          <a:prstGeom prst="line">
-            <a:avLst/>
-          </a:prstGeom>
-        </p:spPr>
-        <p:style>
-          <a:lnRef idx="2">
-            <a:schemeClr val="dk1"/>
-          </a:lnRef>
-          <a:fillRef idx="0">
-            <a:schemeClr val="dk1"/>
-          </a:fillRef>
-          <a:effectRef idx="1">
-            <a:schemeClr val="dk1"/>
-          </a:effectRef>
-          <a:fontRef idx="minor">
-            <a:schemeClr val="tx1"/>
-          </a:fontRef>
-        </p:style>
-      </p:cxnSp>
-      <p:sp>
-        <p:nvSpPr>
-          <p:cNvPr id="17" name="Прямоугольник: скругленные углы 16">
-            <a:extLst>
-              <a:ext uri="{FF2B5EF4-FFF2-40B4-BE49-F238E27FC236}">
-                <a16:creationId xmlns:a16="http://schemas.microsoft.com/office/drawing/2014/main" id="{589C9805-FE37-8975-5783-D68B873DF8CE}"/>
-              </a:ext>
-            </a:extLst>
-          </p:cNvPr>
-          <p:cNvSpPr/>
-          <p:nvPr/>
-        </p:nvSpPr>
-        <p:spPr>
-          <a:xfrm>
-            <a:off x="1533303" y="4699592"/>
-            <a:ext cx="9125393" cy="1529682"/>
+            <a:off x="779721" y="558210"/>
+            <a:ext cx="10632558" cy="1288175"/>
           </a:xfrm>
           <a:prstGeom prst="roundRect">
             <a:avLst/>
@@ -6578,49 +4608,216 @@
           <a:bodyPr rtlCol="0" anchor="ctr"/>
           <a:lstStyle/>
           <a:p>
-            <a:pPr algn="ctr"/>
-            <a:r>
-              <a:rPr kumimoji="0" lang="ru-RU" altLang="ru-RU" sz="2800" b="1" i="0" u="none" strike="noStrike" kern="1200" cap="none" spc="0" normalizeH="0" baseline="0" noProof="0" dirty="0">
-                <a:ln>
-                  <a:noFill/>
-                </a:ln>
-                <a:solidFill>
-                  <a:srgbClr val="000000"/>
-                </a:solidFill>
-                <a:effectLst/>
-                <a:uLnTx/>
-                <a:uFillTx/>
+            <a:pPr>
+              <a:spcBef>
+                <a:spcPct val="50000"/>
+              </a:spcBef>
+            </a:pPr>
+            <a:r>
+              <a:rPr lang="ru-RU" altLang="ru-RU" sz="2000" b="1" dirty="0">
                 <a:latin typeface="Montserrat" panose="020F0502020204030204" pitchFamily="2" charset="-52"/>
-                <a:ea typeface="+mn-ea"/>
-                <a:cs typeface="Arial" panose="020B0604020202020204" pitchFamily="34" charset="0"/>
               </a:rPr>
-              <a:t>Знание</a:t>
-            </a:r>
-            <a:r>
-              <a:rPr kumimoji="0" lang="ru-RU" altLang="ru-RU" sz="2800" b="0" i="0" u="none" strike="noStrike" kern="1200" cap="none" spc="0" normalizeH="0" baseline="0" noProof="0" dirty="0">
-                <a:ln>
-                  <a:noFill/>
-                </a:ln>
-                <a:solidFill>
-                  <a:srgbClr val="000000"/>
-                </a:solidFill>
-                <a:effectLst/>
-                <a:uLnTx/>
-                <a:uFillTx/>
+              <a:t>Понимание явления</a:t>
+            </a:r>
+            <a:r>
+              <a:rPr lang="ru-RU" altLang="ru-RU" sz="2000" dirty="0">
                 <a:latin typeface="Montserrat" panose="020F0502020204030204" pitchFamily="2" charset="-52"/>
-                <a:ea typeface="+mn-ea"/>
-                <a:cs typeface="Arial" panose="020B0604020202020204" pitchFamily="34" charset="0"/>
               </a:rPr>
-              <a:t> – лингвистическое описание функционирования объекта</a:t>
-            </a:r>
-            <a:endParaRPr lang="ru-RU" sz="2800" dirty="0"/>
+              <a:t> – фактически, представление того, как объект функционирует или представление того, как процесс влияет на свою среду во всём многообразии своего проявления. Результатом анализа является, вообще говоря, понимание явления. </a:t>
+            </a:r>
+          </a:p>
+        </p:txBody>
+      </p:sp>
+      <p:sp>
+        <p:nvSpPr>
+          <p:cNvPr id="5" name="Прямоугольник: скругленные углы 4">
+            <a:extLst>
+              <a:ext uri="{FF2B5EF4-FFF2-40B4-BE49-F238E27FC236}">
+                <a16:creationId xmlns:a16="http://schemas.microsoft.com/office/drawing/2014/main" id="{6332F805-2EB0-7BC5-C94E-2D760588DCF9}"/>
+              </a:ext>
+            </a:extLst>
+          </p:cNvPr>
+          <p:cNvSpPr/>
+          <p:nvPr/>
+        </p:nvSpPr>
+        <p:spPr>
+          <a:xfrm>
+            <a:off x="779721" y="2021413"/>
+            <a:ext cx="10632558" cy="774541"/>
+          </a:xfrm>
+          <a:prstGeom prst="roundRect">
+            <a:avLst/>
+          </a:prstGeom>
+        </p:spPr>
+        <p:style>
+          <a:lnRef idx="2">
+            <a:schemeClr val="accent6"/>
+          </a:lnRef>
+          <a:fillRef idx="1">
+            <a:schemeClr val="lt1"/>
+          </a:fillRef>
+          <a:effectRef idx="0">
+            <a:schemeClr val="accent6"/>
+          </a:effectRef>
+          <a:fontRef idx="minor">
+            <a:schemeClr val="dk1"/>
+          </a:fontRef>
+        </p:style>
+        <p:txBody>
+          <a:bodyPr rtlCol="0" anchor="ctr"/>
+          <a:lstStyle/>
+          <a:p>
+            <a:pPr>
+              <a:spcBef>
+                <a:spcPct val="50000"/>
+              </a:spcBef>
+            </a:pPr>
+            <a:r>
+              <a:rPr lang="ru-RU" altLang="ru-RU" sz="2000" b="1" dirty="0">
+                <a:latin typeface="Montserrat" panose="020F0502020204030204" pitchFamily="2" charset="-52"/>
+              </a:rPr>
+              <a:t>Исследование – </a:t>
+            </a:r>
+            <a:r>
+              <a:rPr lang="ru-RU" altLang="ru-RU" sz="2000" dirty="0">
+                <a:latin typeface="Montserrat" panose="020F0502020204030204" pitchFamily="2" charset="-52"/>
+              </a:rPr>
+              <a:t>процесс формирования понимания явления</a:t>
+            </a:r>
+          </a:p>
+        </p:txBody>
+      </p:sp>
+      <p:sp>
+        <p:nvSpPr>
+          <p:cNvPr id="6" name="Прямоугольник: скругленные углы 3">
+            <a:extLst>
+              <a:ext uri="{FF2B5EF4-FFF2-40B4-BE49-F238E27FC236}">
+                <a16:creationId xmlns:a16="http://schemas.microsoft.com/office/drawing/2014/main" id="{7B63D288-1D72-7F33-230E-D88E06E09A40}"/>
+              </a:ext>
+            </a:extLst>
+          </p:cNvPr>
+          <p:cNvSpPr/>
+          <p:nvPr/>
+        </p:nvSpPr>
+        <p:spPr>
+          <a:xfrm>
+            <a:off x="779721" y="2970982"/>
+            <a:ext cx="10632558" cy="1711023"/>
+          </a:xfrm>
+          <a:prstGeom prst="roundRect">
+            <a:avLst/>
+          </a:prstGeom>
+        </p:spPr>
+        <p:style>
+          <a:lnRef idx="2">
+            <a:schemeClr val="accent6"/>
+          </a:lnRef>
+          <a:fillRef idx="1">
+            <a:schemeClr val="lt1"/>
+          </a:fillRef>
+          <a:effectRef idx="0">
+            <a:schemeClr val="accent6"/>
+          </a:effectRef>
+          <a:fontRef idx="minor">
+            <a:schemeClr val="dk1"/>
+          </a:fontRef>
+        </p:style>
+        <p:txBody>
+          <a:bodyPr rtlCol="0" anchor="ctr"/>
+          <a:lstStyle/>
+          <a:p>
+            <a:pPr>
+              <a:spcBef>
+                <a:spcPct val="50000"/>
+              </a:spcBef>
+            </a:pPr>
+            <a:r>
+              <a:rPr lang="ru-RU" altLang="ru-RU" sz="2000" b="1" dirty="0">
+                <a:latin typeface="Montserrat" panose="020F0502020204030204" pitchFamily="2" charset="-52"/>
+              </a:rPr>
+              <a:t>Анализ</a:t>
+            </a:r>
+            <a:r>
+              <a:rPr lang="ru-RU" altLang="ru-RU" sz="2000" dirty="0">
+                <a:latin typeface="Montserrat" panose="020F0502020204030204" pitchFamily="2" charset="-52"/>
+              </a:rPr>
+              <a:t> – то, что даст понимание явления. </a:t>
+            </a:r>
+            <a:r>
+              <a:rPr lang="ru-RU" altLang="ru-RU" sz="2000" dirty="0" smtClean="0">
+                <a:latin typeface="Montserrat" panose="020F0502020204030204" pitchFamily="2" charset="-52"/>
+              </a:rPr>
+              <a:t>Последовательное формирование представления об исследуемом явлении, которое оформляется лингвистически.</a:t>
+            </a:r>
+            <a:endParaRPr lang="ru-RU" altLang="ru-RU" sz="2000" dirty="0">
+              <a:latin typeface="Montserrat" panose="020F0502020204030204" pitchFamily="2" charset="-52"/>
+            </a:endParaRPr>
+          </a:p>
+        </p:txBody>
+      </p:sp>
+      <p:sp>
+        <p:nvSpPr>
+          <p:cNvPr id="7" name="Прямоугольник: скругленные углы 4">
+            <a:extLst>
+              <a:ext uri="{FF2B5EF4-FFF2-40B4-BE49-F238E27FC236}">
+                <a16:creationId xmlns:a16="http://schemas.microsoft.com/office/drawing/2014/main" id="{CF313A24-2286-F889-0862-6A9E2D828213}"/>
+              </a:ext>
+            </a:extLst>
+          </p:cNvPr>
+          <p:cNvSpPr/>
+          <p:nvPr/>
+        </p:nvSpPr>
+        <p:spPr>
+          <a:xfrm>
+            <a:off x="779721" y="4857033"/>
+            <a:ext cx="10632558" cy="708498"/>
+          </a:xfrm>
+          <a:prstGeom prst="roundRect">
+            <a:avLst/>
+          </a:prstGeom>
+        </p:spPr>
+        <p:style>
+          <a:lnRef idx="2">
+            <a:schemeClr val="accent6"/>
+          </a:lnRef>
+          <a:fillRef idx="1">
+            <a:schemeClr val="lt1"/>
+          </a:fillRef>
+          <a:effectRef idx="0">
+            <a:schemeClr val="accent6"/>
+          </a:effectRef>
+          <a:fontRef idx="minor">
+            <a:schemeClr val="dk1"/>
+          </a:fontRef>
+        </p:style>
+        <p:txBody>
+          <a:bodyPr rtlCol="0" anchor="ctr"/>
+          <a:lstStyle/>
+          <a:p>
+            <a:pPr>
+              <a:spcBef>
+                <a:spcPct val="50000"/>
+              </a:spcBef>
+            </a:pPr>
+            <a:r>
+              <a:rPr lang="ru-RU" altLang="ru-RU" sz="2000" b="1" dirty="0">
+                <a:latin typeface="Montserrat" panose="020F0502020204030204" pitchFamily="2" charset="-52"/>
+              </a:rPr>
+              <a:t>Анализ</a:t>
+            </a:r>
+            <a:r>
+              <a:rPr lang="ru-RU" altLang="ru-RU" sz="2000" dirty="0">
+                <a:latin typeface="Montserrat" panose="020F0502020204030204" pitchFamily="2" charset="-52"/>
+              </a:rPr>
+              <a:t> является инструментом исследования</a:t>
+            </a:r>
           </a:p>
         </p:txBody>
       </p:sp>
     </p:spTree>
     <p:extLst>
       <p:ext uri="{BB962C8B-B14F-4D97-AF65-F5344CB8AC3E}">
-        <p14:creationId xmlns:p14="http://schemas.microsoft.com/office/powerpoint/2010/main" val="2302544062"/>
+        <p14:creationId xmlns:p14="http://schemas.microsoft.com/office/powerpoint/2010/main" val="3971829545"/>
       </p:ext>
     </p:extLst>
   </p:cSld>
@@ -6649,10 +4846,10 @@
       </p:grpSpPr>
       <p:sp>
         <p:nvSpPr>
-          <p:cNvPr id="4" name="Прямоугольник: скругленные углы 3">
-            <a:extLst>
-              <a:ext uri="{FF2B5EF4-FFF2-40B4-BE49-F238E27FC236}">
-                <a16:creationId xmlns:a16="http://schemas.microsoft.com/office/drawing/2014/main" id="{1E219869-4F98-543F-4C0D-4A22412614BB}"/>
+          <p:cNvPr id="2" name="Прямоугольник 1">
+            <a:extLst>
+              <a:ext uri="{FF2B5EF4-FFF2-40B4-BE49-F238E27FC236}">
+                <a16:creationId xmlns:a16="http://schemas.microsoft.com/office/drawing/2014/main" id="{E1DA07ED-AF20-445D-E835-3C6C5C8DCDC4}"/>
               </a:ext>
             </a:extLst>
           </p:cNvPr>
@@ -6661,22 +4858,22 @@
         </p:nvSpPr>
         <p:spPr>
           <a:xfrm>
-            <a:off x="779721" y="558210"/>
-            <a:ext cx="10632558" cy="3088758"/>
-          </a:xfrm>
-          <a:prstGeom prst="roundRect">
+            <a:off x="2985976" y="544242"/>
+            <a:ext cx="6390168" cy="1603535"/>
+          </a:xfrm>
+          <a:prstGeom prst="rect">
             <a:avLst/>
           </a:prstGeom>
         </p:spPr>
         <p:style>
           <a:lnRef idx="2">
-            <a:schemeClr val="accent6"/>
+            <a:schemeClr val="dk1"/>
           </a:lnRef>
           <a:fillRef idx="1">
             <a:schemeClr val="lt1"/>
           </a:fillRef>
           <a:effectRef idx="0">
-            <a:schemeClr val="accent6"/>
+            <a:schemeClr val="dk1"/>
           </a:effectRef>
           <a:fontRef idx="minor">
             <a:schemeClr val="dk1"/>
@@ -6686,32 +4883,21 @@
           <a:bodyPr rtlCol="0" anchor="ctr"/>
           <a:lstStyle/>
           <a:p>
-            <a:pPr>
-              <a:spcBef>
-                <a:spcPct val="50000"/>
-              </a:spcBef>
-            </a:pPr>
-            <a:r>
-              <a:rPr lang="ru-RU" altLang="ru-RU" sz="2800" b="1" dirty="0">
-                <a:latin typeface="Montserrat" panose="020F0502020204030204" pitchFamily="2" charset="-52"/>
-              </a:rPr>
-              <a:t>Понимание явления</a:t>
-            </a:r>
             <a:r>
               <a:rPr lang="ru-RU" altLang="ru-RU" sz="2800" dirty="0">
                 <a:latin typeface="Montserrat" panose="020F0502020204030204" pitchFamily="2" charset="-52"/>
               </a:rPr>
-              <a:t> – фактически, представление того, как объект функционирует или представление того, как процесс влияет на свою среду во всём многообразии своего проявления. Результатом анализа является, вообще говоря, понимание явления. </a:t>
-            </a:r>
-          </a:p>
-        </p:txBody>
-      </p:sp>
-      <p:sp>
-        <p:nvSpPr>
-          <p:cNvPr id="5" name="Прямоугольник: скругленные углы 4">
-            <a:extLst>
-              <a:ext uri="{FF2B5EF4-FFF2-40B4-BE49-F238E27FC236}">
-                <a16:creationId xmlns:a16="http://schemas.microsoft.com/office/drawing/2014/main" id="{6332F805-2EB0-7BC5-C94E-2D760588DCF9}"/>
+              <a:t>Процесс исследования распадается на 2 компонента</a:t>
+            </a:r>
+          </a:p>
+        </p:txBody>
+      </p:sp>
+      <p:sp>
+        <p:nvSpPr>
+          <p:cNvPr id="3" name="Прямоугольник 2">
+            <a:extLst>
+              <a:ext uri="{FF2B5EF4-FFF2-40B4-BE49-F238E27FC236}">
+                <a16:creationId xmlns:a16="http://schemas.microsoft.com/office/drawing/2014/main" id="{924B15BA-CBEA-C0BF-F788-7221E2A13567}"/>
               </a:ext>
             </a:extLst>
           </p:cNvPr>
@@ -6720,22 +4906,22 @@
         </p:nvSpPr>
         <p:spPr>
           <a:xfrm>
-            <a:off x="779721" y="4465674"/>
-            <a:ext cx="10632558" cy="1651591"/>
-          </a:xfrm>
-          <a:prstGeom prst="roundRect">
+            <a:off x="1373372" y="3429000"/>
+            <a:ext cx="3677093" cy="1603535"/>
+          </a:xfrm>
+          <a:prstGeom prst="rect">
             <a:avLst/>
           </a:prstGeom>
         </p:spPr>
         <p:style>
           <a:lnRef idx="2">
-            <a:schemeClr val="accent6"/>
+            <a:schemeClr val="dk1"/>
           </a:lnRef>
           <a:fillRef idx="1">
             <a:schemeClr val="lt1"/>
           </a:fillRef>
           <a:effectRef idx="0">
-            <a:schemeClr val="accent6"/>
+            <a:schemeClr val="dk1"/>
           </a:effectRef>
           <a:fontRef idx="minor">
             <a:schemeClr val="dk1"/>
@@ -6745,22 +4931,203 @@
           <a:bodyPr rtlCol="0" anchor="ctr"/>
           <a:lstStyle/>
           <a:p>
-            <a:pPr>
-              <a:spcBef>
-                <a:spcPct val="50000"/>
-              </a:spcBef>
-            </a:pPr>
-            <a:r>
-              <a:rPr lang="ru-RU" altLang="ru-RU" sz="2800" b="1" dirty="0">
-                <a:latin typeface="Montserrat" panose="020F0502020204030204" pitchFamily="2" charset="-52"/>
-              </a:rPr>
-              <a:t>Исследование – </a:t>
-            </a:r>
             <a:r>
               <a:rPr lang="ru-RU" altLang="ru-RU" sz="2800" dirty="0">
                 <a:latin typeface="Montserrat" panose="020F0502020204030204" pitchFamily="2" charset="-52"/>
               </a:rPr>
-              <a:t>процесс формирования понимания явления</a:t>
+              <a:t>Как получают знание</a:t>
+            </a:r>
+          </a:p>
+        </p:txBody>
+      </p:sp>
+      <p:sp>
+        <p:nvSpPr>
+          <p:cNvPr id="4" name="Прямоугольник 3">
+            <a:extLst>
+              <a:ext uri="{FF2B5EF4-FFF2-40B4-BE49-F238E27FC236}">
+                <a16:creationId xmlns:a16="http://schemas.microsoft.com/office/drawing/2014/main" id="{A70013D0-B207-E91E-A117-BB407A8BBEC1}"/>
+              </a:ext>
+            </a:extLst>
+          </p:cNvPr>
+          <p:cNvSpPr/>
+          <p:nvPr/>
+        </p:nvSpPr>
+        <p:spPr>
+          <a:xfrm>
+            <a:off x="6671930" y="3428999"/>
+            <a:ext cx="3677093" cy="1603535"/>
+          </a:xfrm>
+          <a:prstGeom prst="rect">
+            <a:avLst/>
+          </a:prstGeom>
+        </p:spPr>
+        <p:style>
+          <a:lnRef idx="2">
+            <a:schemeClr val="dk1"/>
+          </a:lnRef>
+          <a:fillRef idx="1">
+            <a:schemeClr val="lt1"/>
+          </a:fillRef>
+          <a:effectRef idx="0">
+            <a:schemeClr val="dk1"/>
+          </a:effectRef>
+          <a:fontRef idx="minor">
+            <a:schemeClr val="dk1"/>
+          </a:fontRef>
+        </p:style>
+        <p:txBody>
+          <a:bodyPr rtlCol="0" anchor="ctr"/>
+          <a:lstStyle/>
+          <a:p>
+            <a:r>
+              <a:rPr lang="ru-RU" altLang="ru-RU" sz="2800" dirty="0">
+                <a:latin typeface="Montserrat" panose="020F0502020204030204" pitchFamily="2" charset="-52"/>
+              </a:rPr>
+              <a:t>Как следует использовать полученное знание</a:t>
+            </a:r>
+          </a:p>
+        </p:txBody>
+      </p:sp>
+      <p:cxnSp>
+        <p:nvCxnSpPr>
+          <p:cNvPr id="8" name="Прямая соединительная линия 7">
+            <a:extLst>
+              <a:ext uri="{FF2B5EF4-FFF2-40B4-BE49-F238E27FC236}">
+                <a16:creationId xmlns:a16="http://schemas.microsoft.com/office/drawing/2014/main" id="{C1071F69-8059-F32B-873B-F8C2548AE56A}"/>
+              </a:ext>
+            </a:extLst>
+          </p:cNvPr>
+          <p:cNvCxnSpPr/>
+          <p:nvPr/>
+        </p:nvCxnSpPr>
+        <p:spPr>
+          <a:xfrm flipV="1">
+            <a:off x="3987209" y="2147777"/>
+            <a:ext cx="893135" cy="1281222"/>
+          </a:xfrm>
+          <a:prstGeom prst="line">
+            <a:avLst/>
+          </a:prstGeom>
+        </p:spPr>
+        <p:style>
+          <a:lnRef idx="2">
+            <a:schemeClr val="dk1"/>
+          </a:lnRef>
+          <a:fillRef idx="0">
+            <a:schemeClr val="dk1"/>
+          </a:fillRef>
+          <a:effectRef idx="1">
+            <a:schemeClr val="dk1"/>
+          </a:effectRef>
+          <a:fontRef idx="minor">
+            <a:schemeClr val="tx1"/>
+          </a:fontRef>
+        </p:style>
+      </p:cxnSp>
+      <p:cxnSp>
+        <p:nvCxnSpPr>
+          <p:cNvPr id="9" name="Прямая соединительная линия 8">
+            <a:extLst>
+              <a:ext uri="{FF2B5EF4-FFF2-40B4-BE49-F238E27FC236}">
+                <a16:creationId xmlns:a16="http://schemas.microsoft.com/office/drawing/2014/main" id="{ECD4F06A-5ECC-A9DB-30F9-FE6C9739EFF8}"/>
+              </a:ext>
+            </a:extLst>
+          </p:cNvPr>
+          <p:cNvCxnSpPr>
+            <a:cxnSpLocks/>
+          </p:cNvCxnSpPr>
+          <p:nvPr/>
+        </p:nvCxnSpPr>
+        <p:spPr>
+          <a:xfrm flipH="1" flipV="1">
+            <a:off x="7494181" y="2147777"/>
+            <a:ext cx="1469066" cy="1281222"/>
+          </a:xfrm>
+          <a:prstGeom prst="line">
+            <a:avLst/>
+          </a:prstGeom>
+        </p:spPr>
+        <p:style>
+          <a:lnRef idx="2">
+            <a:schemeClr val="dk1"/>
+          </a:lnRef>
+          <a:fillRef idx="0">
+            <a:schemeClr val="dk1"/>
+          </a:fillRef>
+          <a:effectRef idx="1">
+            <a:schemeClr val="dk1"/>
+          </a:effectRef>
+          <a:fontRef idx="minor">
+            <a:schemeClr val="tx1"/>
+          </a:fontRef>
+        </p:style>
+      </p:cxnSp>
+      <p:sp>
+        <p:nvSpPr>
+          <p:cNvPr id="11" name="TextBox 10">
+            <a:extLst>
+              <a:ext uri="{FF2B5EF4-FFF2-40B4-BE49-F238E27FC236}">
+                <a16:creationId xmlns:a16="http://schemas.microsoft.com/office/drawing/2014/main" id="{EC1DA511-F5DE-AE3C-3E89-BC52AAED0F35}"/>
+              </a:ext>
+            </a:extLst>
+          </p:cNvPr>
+          <p:cNvSpPr txBox="1"/>
+          <p:nvPr/>
+        </p:nvSpPr>
+        <p:spPr>
+          <a:xfrm>
+            <a:off x="1373372" y="5326912"/>
+            <a:ext cx="3677093" cy="415498"/>
+          </a:xfrm>
+          <a:prstGeom prst="rect">
+            <a:avLst/>
+          </a:prstGeom>
+          <a:noFill/>
+        </p:spPr>
+        <p:txBody>
+          <a:bodyPr wrap="square" rtlCol="0">
+            <a:spAutoFit/>
+          </a:bodyPr>
+          <a:lstStyle/>
+          <a:p>
+            <a:r>
+              <a:rPr lang="ru-RU" sz="2100" dirty="0"/>
+              <a:t>Вопрос о методе</a:t>
+            </a:r>
+          </a:p>
+        </p:txBody>
+      </p:sp>
+      <p:sp>
+        <p:nvSpPr>
+          <p:cNvPr id="12" name="TextBox 11">
+            <a:extLst>
+              <a:ext uri="{FF2B5EF4-FFF2-40B4-BE49-F238E27FC236}">
+                <a16:creationId xmlns:a16="http://schemas.microsoft.com/office/drawing/2014/main" id="{7F614C82-8BF5-A32F-F7F0-4660D21990EB}"/>
+              </a:ext>
+            </a:extLst>
+          </p:cNvPr>
+          <p:cNvSpPr txBox="1"/>
+          <p:nvPr/>
+        </p:nvSpPr>
+        <p:spPr>
+          <a:xfrm>
+            <a:off x="6746358" y="5326912"/>
+            <a:ext cx="3677093" cy="738664"/>
+          </a:xfrm>
+          <a:prstGeom prst="rect">
+            <a:avLst/>
+          </a:prstGeom>
+          <a:noFill/>
+        </p:spPr>
+        <p:txBody>
+          <a:bodyPr wrap="square" rtlCol="0">
+            <a:spAutoFit/>
+          </a:bodyPr>
+          <a:lstStyle/>
+          <a:p>
+            <a:r>
+              <a:rPr lang="ru-RU" sz="2100" dirty="0"/>
+              <a:t>Вопрос об этике и предпочтении</a:t>
             </a:r>
           </a:p>
         </p:txBody>
@@ -6768,7 +5135,7 @@
     </p:spTree>
     <p:extLst>
       <p:ext uri="{BB962C8B-B14F-4D97-AF65-F5344CB8AC3E}">
-        <p14:creationId xmlns:p14="http://schemas.microsoft.com/office/powerpoint/2010/main" val="3971829545"/>
+        <p14:creationId xmlns:p14="http://schemas.microsoft.com/office/powerpoint/2010/main" val="4208501081"/>
       </p:ext>
     </p:extLst>
   </p:cSld>
@@ -6786,7 +5153,7 @@
         <p:cNvPr id="1" name="">
           <a:extLst>
             <a:ext uri="{FF2B5EF4-FFF2-40B4-BE49-F238E27FC236}">
-              <a16:creationId xmlns:a16="http://schemas.microsoft.com/office/drawing/2014/main" id="{D3534343-E516-AB05-0BDD-F7FD0FB146B0}"/>
+              <a16:creationId xmlns:a16="http://schemas.microsoft.com/office/drawing/2014/main" id="{2EF0A05C-78EC-CC52-05A3-6CCEB5B3E46E}"/>
             </a:ext>
           </a:extLst>
         </p:cNvPr>
@@ -6806,7 +5173,7 @@
           <p:cNvPr id="4" name="Прямоугольник: скругленные углы 3">
             <a:extLst>
               <a:ext uri="{FF2B5EF4-FFF2-40B4-BE49-F238E27FC236}">
-                <a16:creationId xmlns:a16="http://schemas.microsoft.com/office/drawing/2014/main" id="{7B63D288-1D72-7F33-230E-D88E06E09A40}"/>
+                <a16:creationId xmlns:a16="http://schemas.microsoft.com/office/drawing/2014/main" id="{50874CDD-D7E7-A953-6273-0932FDCEDF1A}"/>
               </a:ext>
             </a:extLst>
           </p:cNvPr>
@@ -6815,8 +5182,8 @@
         </p:nvSpPr>
         <p:spPr>
           <a:xfrm>
-            <a:off x="779721" y="451884"/>
-            <a:ext cx="10632558" cy="3163186"/>
+            <a:off x="832475" y="2200531"/>
+            <a:ext cx="10632558" cy="1043831"/>
           </a:xfrm>
           <a:prstGeom prst="roundRect">
             <a:avLst/>
@@ -6840,22 +5207,25 @@
           <a:bodyPr rtlCol="0" anchor="ctr"/>
           <a:lstStyle/>
           <a:p>
-            <a:pPr>
-              <a:spcBef>
-                <a:spcPct val="50000"/>
-              </a:spcBef>
-            </a:pPr>
-            <a:r>
-              <a:rPr lang="ru-RU" altLang="ru-RU" sz="2800" b="1" dirty="0">
+            <a:r>
+              <a:rPr lang="ru-RU" altLang="ru-RU" sz="2000" b="1" dirty="0">
                 <a:latin typeface="Montserrat" panose="020F0502020204030204" pitchFamily="2" charset="-52"/>
               </a:rPr>
-              <a:t>Анализ</a:t>
-            </a:r>
-            <a:r>
-              <a:rPr lang="ru-RU" altLang="ru-RU" sz="2800" dirty="0">
+              <a:t>Язык</a:t>
+            </a:r>
+            <a:r>
+              <a:rPr lang="ru-RU" altLang="ru-RU" sz="2000" dirty="0">
                 <a:latin typeface="Montserrat" panose="020F0502020204030204" pitchFamily="2" charset="-52"/>
               </a:rPr>
-              <a:t> – то, что даст понимание явления. Оно получается в результате исследования. Вся практика человеческой деятельности показала, что основной путь к пониманию – это организация исследования явления, а важнейшим инструментом исследования является анализ в процессе исследования.</a:t>
+              <a:t> – то с помощью чего можно изобразить знания.</a:t>
+            </a:r>
+          </a:p>
+          <a:p>
+            <a:r>
+              <a:rPr lang="ru-RU" altLang="ru-RU" sz="2000" dirty="0">
+                <a:latin typeface="Montserrat" panose="020F0502020204030204" pitchFamily="2" charset="-52"/>
+              </a:rPr>
+              <a:t>Язык нужен, чтобы понимать друг друга, чтобы систематизировать знания для описания предметной (конкретной) реальности.</a:t>
             </a:r>
           </a:p>
         </p:txBody>
@@ -6865,7 +5235,7 @@
           <p:cNvPr id="5" name="Прямоугольник: скругленные углы 4">
             <a:extLst>
               <a:ext uri="{FF2B5EF4-FFF2-40B4-BE49-F238E27FC236}">
-                <a16:creationId xmlns:a16="http://schemas.microsoft.com/office/drawing/2014/main" id="{CF313A24-2286-F889-0862-6A9E2D828213}"/>
+                <a16:creationId xmlns:a16="http://schemas.microsoft.com/office/drawing/2014/main" id="{C22B179D-EA5F-4A76-9945-D61C9FA94B98}"/>
               </a:ext>
             </a:extLst>
           </p:cNvPr>
@@ -6874,8 +5244,8 @@
         </p:nvSpPr>
         <p:spPr>
           <a:xfrm>
-            <a:off x="779721" y="4144926"/>
-            <a:ext cx="10632558" cy="1426534"/>
+            <a:off x="832475" y="3496884"/>
+            <a:ext cx="10632558" cy="987192"/>
           </a:xfrm>
           <a:prstGeom prst="roundRect">
             <a:avLst/>
@@ -6905,16 +5275,134 @@
               </a:spcBef>
             </a:pPr>
             <a:r>
-              <a:rPr lang="ru-RU" altLang="ru-RU" sz="2800" b="1" dirty="0">
+              <a:rPr lang="ru-RU" altLang="ru-RU" sz="2000" b="1" dirty="0">
                 <a:latin typeface="Montserrat" panose="020F0502020204030204" pitchFamily="2" charset="-52"/>
               </a:rPr>
-              <a:t>Анализ</a:t>
-            </a:r>
-            <a:r>
-              <a:rPr lang="ru-RU" altLang="ru-RU" sz="2800" dirty="0">
+              <a:t>Эмпирический анализ</a:t>
+            </a:r>
+            <a:r>
+              <a:rPr lang="ru-RU" altLang="ru-RU" sz="2000" dirty="0">
                 <a:latin typeface="Montserrat" panose="020F0502020204030204" pitchFamily="2" charset="-52"/>
               </a:rPr>
-              <a:t> является инструментом исследования</a:t>
+              <a:t> – это систематизация известных знаний и разработка метода, чтобы знать, как получают знания.</a:t>
+            </a:r>
+          </a:p>
+        </p:txBody>
+      </p:sp>
+      <p:sp>
+        <p:nvSpPr>
+          <p:cNvPr id="2" name="Прямоугольник: скругленные углы 1">
+            <a:extLst>
+              <a:ext uri="{FF2B5EF4-FFF2-40B4-BE49-F238E27FC236}">
+                <a16:creationId xmlns:a16="http://schemas.microsoft.com/office/drawing/2014/main" id="{64D7874C-AF18-AAF4-BD7F-4089C9CBC6DD}"/>
+              </a:ext>
+            </a:extLst>
+          </p:cNvPr>
+          <p:cNvSpPr/>
+          <p:nvPr/>
+        </p:nvSpPr>
+        <p:spPr>
+          <a:xfrm>
+            <a:off x="832475" y="4736598"/>
+            <a:ext cx="10632558" cy="995987"/>
+          </a:xfrm>
+          <a:prstGeom prst="roundRect">
+            <a:avLst/>
+          </a:prstGeom>
+        </p:spPr>
+        <p:style>
+          <a:lnRef idx="2">
+            <a:schemeClr val="accent6"/>
+          </a:lnRef>
+          <a:fillRef idx="1">
+            <a:schemeClr val="lt1"/>
+          </a:fillRef>
+          <a:effectRef idx="0">
+            <a:schemeClr val="accent6"/>
+          </a:effectRef>
+          <a:fontRef idx="minor">
+            <a:schemeClr val="dk1"/>
+          </a:fontRef>
+        </p:style>
+        <p:txBody>
+          <a:bodyPr rtlCol="0" anchor="ctr"/>
+          <a:lstStyle/>
+          <a:p>
+            <a:pPr>
+              <a:spcBef>
+                <a:spcPct val="50000"/>
+              </a:spcBef>
+            </a:pPr>
+            <a:r>
+              <a:rPr lang="ru-RU" altLang="ru-RU" sz="2000" b="1" dirty="0">
+                <a:latin typeface="Montserrat" panose="020F0502020204030204" pitchFamily="2" charset="-52"/>
+              </a:rPr>
+              <a:t>Эмпирический анализ,</a:t>
+            </a:r>
+            <a:r>
+              <a:rPr lang="ru-RU" altLang="ru-RU" sz="2000" dirty="0">
+                <a:latin typeface="Montserrat" panose="020F0502020204030204" pitchFamily="2" charset="-52"/>
+              </a:rPr>
+              <a:t> в конечном счёте – это разработка и использование общего для всех объективного языка для описания предметной (конкретной) реальности.</a:t>
+            </a:r>
+          </a:p>
+        </p:txBody>
+      </p:sp>
+      <p:sp>
+        <p:nvSpPr>
+          <p:cNvPr id="6" name="Прямоугольник: скругленные углы 3">
+            <a:extLst>
+              <a:ext uri="{FF2B5EF4-FFF2-40B4-BE49-F238E27FC236}">
+                <a16:creationId xmlns:a16="http://schemas.microsoft.com/office/drawing/2014/main" id="{FA42E480-F299-E4AD-60F0-409BD57E1999}"/>
+              </a:ext>
+            </a:extLst>
+          </p:cNvPr>
+          <p:cNvSpPr/>
+          <p:nvPr/>
+        </p:nvSpPr>
+        <p:spPr>
+          <a:xfrm>
+            <a:off x="832475" y="703384"/>
+            <a:ext cx="10632558" cy="1244625"/>
+          </a:xfrm>
+          <a:prstGeom prst="roundRect">
+            <a:avLst/>
+          </a:prstGeom>
+        </p:spPr>
+        <p:style>
+          <a:lnRef idx="2">
+            <a:schemeClr val="accent6"/>
+          </a:lnRef>
+          <a:fillRef idx="1">
+            <a:schemeClr val="lt1"/>
+          </a:fillRef>
+          <a:effectRef idx="0">
+            <a:schemeClr val="accent6"/>
+          </a:effectRef>
+          <a:fontRef idx="minor">
+            <a:schemeClr val="dk1"/>
+          </a:fontRef>
+        </p:style>
+        <p:txBody>
+          <a:bodyPr rtlCol="0" anchor="ctr"/>
+          <a:lstStyle/>
+          <a:p>
+            <a:pPr>
+              <a:spcBef>
+                <a:spcPct val="50000"/>
+              </a:spcBef>
+            </a:pPr>
+            <a:r>
+              <a:rPr lang="ru-RU" altLang="ru-RU" sz="2000" b="1" dirty="0">
+                <a:latin typeface="Montserrat" panose="020F0502020204030204" pitchFamily="2" charset="-52"/>
+              </a:rPr>
+              <a:t>Метод</a:t>
+            </a:r>
+            <a:r>
+              <a:rPr lang="ru-RU" altLang="ru-RU" sz="2000" dirty="0">
+                <a:latin typeface="Montserrat" panose="020F0502020204030204" pitchFamily="2" charset="-52"/>
+              </a:rPr>
+              <a:t> – набор мероприятий в определённой последовательности исполнения для достижения поставленной цели.</a:t>
             </a:r>
           </a:p>
         </p:txBody>
@@ -6922,7 +5410,7 @@
     </p:spTree>
     <p:extLst>
       <p:ext uri="{BB962C8B-B14F-4D97-AF65-F5344CB8AC3E}">
-        <p14:creationId xmlns:p14="http://schemas.microsoft.com/office/powerpoint/2010/main" val="2838537994"/>
+        <p14:creationId xmlns:p14="http://schemas.microsoft.com/office/powerpoint/2010/main" val="1106042985"/>
       </p:ext>
     </p:extLst>
   </p:cSld>
@@ -6963,8 +5451,8 @@
         </p:nvSpPr>
         <p:spPr>
           <a:xfrm>
-            <a:off x="2985976" y="544242"/>
-            <a:ext cx="6390168" cy="1603535"/>
+            <a:off x="530060" y="438734"/>
+            <a:ext cx="3769378" cy="1603535"/>
           </a:xfrm>
           <a:prstGeom prst="rect">
             <a:avLst/>
@@ -6988,12 +5476,16 @@
           <a:bodyPr rtlCol="0" anchor="ctr"/>
           <a:lstStyle/>
           <a:p>
-            <a:r>
-              <a:rPr lang="ru-RU" altLang="ru-RU" sz="2800" dirty="0">
+            <a:pPr algn="ctr"/>
+            <a:r>
+              <a:rPr lang="ru-RU" altLang="ru-RU" sz="2800" dirty="0" smtClean="0">
                 <a:latin typeface="Montserrat" panose="020F0502020204030204" pitchFamily="2" charset="-52"/>
               </a:rPr>
-              <a:t>Процесс исследования распадается на 2 компонента</a:t>
-            </a:r>
+              <a:t>Эмпирический анализ</a:t>
+            </a:r>
+            <a:endParaRPr lang="ru-RU" altLang="ru-RU" sz="2800" dirty="0">
+              <a:latin typeface="Montserrat" panose="020F0502020204030204" pitchFamily="2" charset="-52"/>
+            </a:endParaRPr>
           </a:p>
         </p:txBody>
       </p:sp>
@@ -7011,8 +5503,8 @@
         </p:nvSpPr>
         <p:spPr>
           <a:xfrm>
-            <a:off x="1373372" y="3429000"/>
-            <a:ext cx="3677093" cy="1603535"/>
+            <a:off x="777539" y="3921366"/>
+            <a:ext cx="2428859" cy="1603535"/>
           </a:xfrm>
           <a:prstGeom prst="rect">
             <a:avLst/>
@@ -7036,12 +5528,16 @@
           <a:bodyPr rtlCol="0" anchor="ctr"/>
           <a:lstStyle/>
           <a:p>
-            <a:r>
-              <a:rPr lang="ru-RU" altLang="ru-RU" sz="2800" dirty="0">
+            <a:pPr algn="ctr"/>
+            <a:r>
+              <a:rPr lang="ru-RU" altLang="ru-RU" sz="2800" dirty="0" smtClean="0">
                 <a:latin typeface="Montserrat" panose="020F0502020204030204" pitchFamily="2" charset="-52"/>
               </a:rPr>
-              <a:t>Как получают знание</a:t>
-            </a:r>
+              <a:t>Классический анализ</a:t>
+            </a:r>
+            <a:endParaRPr lang="ru-RU" altLang="ru-RU" sz="2800" dirty="0">
+              <a:latin typeface="Montserrat" panose="020F0502020204030204" pitchFamily="2" charset="-52"/>
+            </a:endParaRPr>
           </a:p>
         </p:txBody>
       </p:sp>
@@ -7059,7 +5555,7 @@
         </p:nvSpPr>
         <p:spPr>
           <a:xfrm>
-            <a:off x="6671930" y="3428999"/>
+            <a:off x="3725144" y="3921367"/>
             <a:ext cx="3677093" cy="1603535"/>
           </a:xfrm>
           <a:prstGeom prst="rect">
@@ -7084,12 +5580,16 @@
           <a:bodyPr rtlCol="0" anchor="ctr"/>
           <a:lstStyle/>
           <a:p>
-            <a:r>
-              <a:rPr lang="ru-RU" altLang="ru-RU" sz="2800" dirty="0">
+            <a:pPr algn="ctr"/>
+            <a:r>
+              <a:rPr lang="ru-RU" altLang="ru-RU" sz="2800" dirty="0" smtClean="0">
                 <a:latin typeface="Montserrat" panose="020F0502020204030204" pitchFamily="2" charset="-52"/>
               </a:rPr>
-              <a:t>Как следует использовать полученное знание</a:t>
-            </a:r>
+              <a:t>Традиционный подход к организации исследования</a:t>
+            </a:r>
+            <a:endParaRPr lang="ru-RU" altLang="ru-RU" sz="2800" dirty="0">
+              <a:latin typeface="Montserrat" panose="020F0502020204030204" pitchFamily="2" charset="-52"/>
+            </a:endParaRPr>
           </a:p>
         </p:txBody>
       </p:sp>
@@ -7102,13 +5602,16 @@
               </a:ext>
             </a:extLst>
           </p:cNvPr>
-          <p:cNvCxnSpPr/>
+          <p:cNvCxnSpPr>
+            <a:stCxn id="3" idx="0"/>
+            <a:endCxn id="2" idx="2"/>
+          </p:cNvCxnSpPr>
           <p:nvPr/>
         </p:nvCxnSpPr>
         <p:spPr>
           <a:xfrm flipV="1">
-            <a:off x="3987209" y="2147777"/>
-            <a:ext cx="893135" cy="1281222"/>
+            <a:off x="1991969" y="2042269"/>
+            <a:ext cx="422780" cy="1879097"/>
           </a:xfrm>
           <a:prstGeom prst="line">
             <a:avLst/>
@@ -7140,13 +5643,15 @@
           </p:cNvPr>
           <p:cNvCxnSpPr>
             <a:cxnSpLocks/>
+            <a:stCxn id="10" idx="0"/>
+            <a:endCxn id="2" idx="2"/>
           </p:cNvCxnSpPr>
           <p:nvPr/>
         </p:nvCxnSpPr>
         <p:spPr>
           <a:xfrm flipH="1" flipV="1">
-            <a:off x="7494181" y="2147777"/>
-            <a:ext cx="1469066" cy="1281222"/>
+            <a:off x="2414749" y="2042269"/>
+            <a:ext cx="7493228" cy="1870303"/>
           </a:xfrm>
           <a:prstGeom prst="line">
             <a:avLst/>
@@ -7169,10 +5674,98 @@
       </p:cxnSp>
       <p:sp>
         <p:nvSpPr>
-          <p:cNvPr id="11" name="TextBox 10">
-            <a:extLst>
-              <a:ext uri="{FF2B5EF4-FFF2-40B4-BE49-F238E27FC236}">
-                <a16:creationId xmlns:a16="http://schemas.microsoft.com/office/drawing/2014/main" id="{EC1DA511-F5DE-AE3C-3E89-BC52AAED0F35}"/>
+          <p:cNvPr id="10" name="Прямоугольник 9">
+            <a:extLst>
+              <a:ext uri="{FF2B5EF4-FFF2-40B4-BE49-F238E27FC236}">
+                <a16:creationId xmlns:a16="http://schemas.microsoft.com/office/drawing/2014/main" id="{A70013D0-B207-E91E-A117-BB407A8BBEC1}"/>
+              </a:ext>
+            </a:extLst>
+          </p:cNvPr>
+          <p:cNvSpPr/>
+          <p:nvPr/>
+        </p:nvSpPr>
+        <p:spPr>
+          <a:xfrm>
+            <a:off x="8228714" y="3912572"/>
+            <a:ext cx="3358525" cy="1603535"/>
+          </a:xfrm>
+          <a:prstGeom prst="rect">
+            <a:avLst/>
+          </a:prstGeom>
+        </p:spPr>
+        <p:style>
+          <a:lnRef idx="2">
+            <a:schemeClr val="dk1"/>
+          </a:lnRef>
+          <a:fillRef idx="1">
+            <a:schemeClr val="lt1"/>
+          </a:fillRef>
+          <a:effectRef idx="0">
+            <a:schemeClr val="dk1"/>
+          </a:effectRef>
+          <a:fontRef idx="minor">
+            <a:schemeClr val="dk1"/>
+          </a:fontRef>
+        </p:style>
+        <p:txBody>
+          <a:bodyPr rtlCol="0" anchor="ctr"/>
+          <a:lstStyle/>
+          <a:p>
+            <a:pPr algn="ctr"/>
+            <a:r>
+              <a:rPr lang="ru-RU" altLang="ru-RU" sz="2800" dirty="0">
+                <a:latin typeface="Montserrat" panose="020F0502020204030204" pitchFamily="2" charset="-52"/>
+              </a:rPr>
+              <a:t>системный подход к описанию функционирования объектов</a:t>
+            </a:r>
+          </a:p>
+        </p:txBody>
+      </p:sp>
+      <p:cxnSp>
+        <p:nvCxnSpPr>
+          <p:cNvPr id="13" name="Прямая соединительная линия 12">
+            <a:extLst>
+              <a:ext uri="{FF2B5EF4-FFF2-40B4-BE49-F238E27FC236}">
+                <a16:creationId xmlns:a16="http://schemas.microsoft.com/office/drawing/2014/main" id="{C1071F69-8059-F32B-873B-F8C2548AE56A}"/>
+              </a:ext>
+            </a:extLst>
+          </p:cNvPr>
+          <p:cNvCxnSpPr>
+            <a:stCxn id="4" idx="0"/>
+            <a:endCxn id="2" idx="2"/>
+          </p:cNvCxnSpPr>
+          <p:nvPr/>
+        </p:nvCxnSpPr>
+        <p:spPr>
+          <a:xfrm flipH="1" flipV="1">
+            <a:off x="2414749" y="2042269"/>
+            <a:ext cx="3148942" cy="1879098"/>
+          </a:xfrm>
+          <a:prstGeom prst="line">
+            <a:avLst/>
+          </a:prstGeom>
+        </p:spPr>
+        <p:style>
+          <a:lnRef idx="2">
+            <a:schemeClr val="dk1"/>
+          </a:lnRef>
+          <a:fillRef idx="0">
+            <a:schemeClr val="dk1"/>
+          </a:fillRef>
+          <a:effectRef idx="1">
+            <a:schemeClr val="dk1"/>
+          </a:effectRef>
+          <a:fontRef idx="minor">
+            <a:schemeClr val="tx1"/>
+          </a:fontRef>
+        </p:style>
+      </p:cxnSp>
+      <p:sp>
+        <p:nvSpPr>
+          <p:cNvPr id="20" name="TextBox 19">
+            <a:extLst>
+              <a:ext uri="{FF2B5EF4-FFF2-40B4-BE49-F238E27FC236}">
+                <a16:creationId xmlns:a16="http://schemas.microsoft.com/office/drawing/2014/main" id="{68E797D5-1F20-F127-D57B-1BDF6C0BC1AC}"/>
               </a:ext>
             </a:extLst>
           </p:cNvPr>
@@ -7181,8 +5774,8 @@
         </p:nvSpPr>
         <p:spPr>
           <a:xfrm>
-            <a:off x="1373372" y="5326912"/>
-            <a:ext cx="3677093" cy="415498"/>
+            <a:off x="988828" y="5656521"/>
+            <a:ext cx="10207256" cy="477054"/>
           </a:xfrm>
           <a:prstGeom prst="rect">
             <a:avLst/>
@@ -7196,43 +5789,126 @@
           <a:lstStyle/>
           <a:p>
             <a:r>
-              <a:rPr lang="ru-RU" sz="2100" dirty="0"/>
-              <a:t>Вопрос о методе</a:t>
-            </a:r>
-          </a:p>
-        </p:txBody>
-      </p:sp>
-      <p:sp>
-        <p:nvSpPr>
-          <p:cNvPr id="12" name="TextBox 11">
-            <a:extLst>
-              <a:ext uri="{FF2B5EF4-FFF2-40B4-BE49-F238E27FC236}">
-                <a16:creationId xmlns:a16="http://schemas.microsoft.com/office/drawing/2014/main" id="{7F614C82-8BF5-A32F-F7F0-4660D21990EB}"/>
-              </a:ext>
-            </a:extLst>
-          </p:cNvPr>
-          <p:cNvSpPr txBox="1"/>
+              <a:rPr lang="ru-RU" sz="2500" dirty="0"/>
+              <a:t>(Их три по применимости)</a:t>
+            </a:r>
+          </a:p>
+        </p:txBody>
+      </p:sp>
+      <p:sp>
+        <p:nvSpPr>
+          <p:cNvPr id="27" name="Прямоугольник: скругленные углы 1">
+            <a:extLst>
+              <a:ext uri="{FF2B5EF4-FFF2-40B4-BE49-F238E27FC236}">
+                <a16:creationId xmlns:a16="http://schemas.microsoft.com/office/drawing/2014/main" id="{809E9F01-2BAA-7991-3CBD-40A2499DCA3C}"/>
+              </a:ext>
+            </a:extLst>
+          </p:cNvPr>
+          <p:cNvSpPr/>
           <p:nvPr/>
         </p:nvSpPr>
         <p:spPr>
           <a:xfrm>
-            <a:off x="6746358" y="5326912"/>
-            <a:ext cx="3677093" cy="738664"/>
-          </a:xfrm>
-          <a:prstGeom prst="rect">
+            <a:off x="5073161" y="307114"/>
+            <a:ext cx="6655641" cy="897432"/>
+          </a:xfrm>
+          <a:prstGeom prst="roundRect">
             <a:avLst/>
           </a:prstGeom>
-          <a:noFill/>
-        </p:spPr>
-        <p:txBody>
-          <a:bodyPr wrap="square" rtlCol="0">
-            <a:spAutoFit/>
-          </a:bodyPr>
-          <a:lstStyle/>
-          <a:p>
-            <a:r>
-              <a:rPr lang="ru-RU" sz="2100" dirty="0"/>
-              <a:t>Вопрос об этике и предпочтении</a:t>
+        </p:spPr>
+        <p:style>
+          <a:lnRef idx="2">
+            <a:schemeClr val="accent6"/>
+          </a:lnRef>
+          <a:fillRef idx="1">
+            <a:schemeClr val="lt1"/>
+          </a:fillRef>
+          <a:effectRef idx="0">
+            <a:schemeClr val="accent6"/>
+          </a:effectRef>
+          <a:fontRef idx="minor">
+            <a:schemeClr val="dk1"/>
+          </a:fontRef>
+        </p:style>
+        <p:txBody>
+          <a:bodyPr rtlCol="0" anchor="ctr"/>
+          <a:lstStyle/>
+          <a:p>
+            <a:pPr>
+              <a:spcBef>
+                <a:spcPct val="50000"/>
+              </a:spcBef>
+            </a:pPr>
+            <a:r>
+              <a:rPr lang="ru-RU" altLang="ru-RU" sz="2000" dirty="0" smtClean="0">
+                <a:latin typeface="Montserrat" panose="020F0502020204030204" pitchFamily="2" charset="-52"/>
+              </a:rPr>
+              <a:t>Цель – </a:t>
+            </a:r>
+            <a:r>
+              <a:rPr lang="ru-RU" altLang="ru-RU" sz="2000" dirty="0">
+                <a:latin typeface="Montserrat" panose="020F0502020204030204" pitchFamily="2" charset="-52"/>
+              </a:rPr>
+              <a:t>узнать, как функционирует объект</a:t>
+            </a:r>
+          </a:p>
+        </p:txBody>
+      </p:sp>
+      <p:sp>
+        <p:nvSpPr>
+          <p:cNvPr id="28" name="Прямоугольник: скругленные углы 1">
+            <a:extLst>
+              <a:ext uri="{FF2B5EF4-FFF2-40B4-BE49-F238E27FC236}">
+                <a16:creationId xmlns:a16="http://schemas.microsoft.com/office/drawing/2014/main" id="{809E9F01-2BAA-7991-3CBD-40A2499DCA3C}"/>
+              </a:ext>
+            </a:extLst>
+          </p:cNvPr>
+          <p:cNvSpPr/>
+          <p:nvPr/>
+        </p:nvSpPr>
+        <p:spPr>
+          <a:xfrm>
+            <a:off x="5073160" y="1411605"/>
+            <a:ext cx="6655641" cy="897432"/>
+          </a:xfrm>
+          <a:prstGeom prst="roundRect">
+            <a:avLst/>
+          </a:prstGeom>
+        </p:spPr>
+        <p:style>
+          <a:lnRef idx="2">
+            <a:schemeClr val="accent6"/>
+          </a:lnRef>
+          <a:fillRef idx="1">
+            <a:schemeClr val="lt1"/>
+          </a:fillRef>
+          <a:effectRef idx="0">
+            <a:schemeClr val="accent6"/>
+          </a:effectRef>
+          <a:fontRef idx="minor">
+            <a:schemeClr val="dk1"/>
+          </a:fontRef>
+        </p:style>
+        <p:txBody>
+          <a:bodyPr rtlCol="0" anchor="ctr"/>
+          <a:lstStyle/>
+          <a:p>
+            <a:pPr>
+              <a:spcBef>
+                <a:spcPct val="50000"/>
+              </a:spcBef>
+            </a:pPr>
+            <a:r>
+              <a:rPr lang="ru-RU" altLang="ru-RU" sz="2000" dirty="0" smtClean="0">
+                <a:latin typeface="Montserrat" panose="020F0502020204030204" pitchFamily="2" charset="-52"/>
+              </a:rPr>
+              <a:t>Результат – </a:t>
+            </a:r>
+            <a:r>
+              <a:rPr lang="ru-RU" altLang="ru-RU" sz="2000" dirty="0">
+                <a:latin typeface="Montserrat" panose="020F0502020204030204" pitchFamily="2" charset="-52"/>
+              </a:rPr>
+              <a:t>разработанный метод получения знания об объекте исследования</a:t>
             </a:r>
           </a:p>
         </p:txBody>
@@ -7240,7 +5916,7 @@
     </p:spTree>
     <p:extLst>
       <p:ext uri="{BB962C8B-B14F-4D97-AF65-F5344CB8AC3E}">
-        <p14:creationId xmlns:p14="http://schemas.microsoft.com/office/powerpoint/2010/main" val="4208501081"/>
+        <p14:creationId xmlns:p14="http://schemas.microsoft.com/office/powerpoint/2010/main" val="1216039589"/>
       </p:ext>
     </p:extLst>
   </p:cSld>
@@ -7258,7 +5934,7 @@
         <p:cNvPr id="1" name="">
           <a:extLst>
             <a:ext uri="{FF2B5EF4-FFF2-40B4-BE49-F238E27FC236}">
-              <a16:creationId xmlns:a16="http://schemas.microsoft.com/office/drawing/2014/main" id="{2A9AC961-013E-4D99-25B2-2590961CEFCD}"/>
+              <a16:creationId xmlns:a16="http://schemas.microsoft.com/office/drawing/2014/main" id="{725F97FC-6408-674E-4FC3-ED52B7A85A1A}"/>
             </a:ext>
           </a:extLst>
         </p:cNvPr>
@@ -7278,7 +5954,7 @@
           <p:cNvPr id="4" name="Прямоугольник: скругленные углы 3">
             <a:extLst>
               <a:ext uri="{FF2B5EF4-FFF2-40B4-BE49-F238E27FC236}">
-                <a16:creationId xmlns:a16="http://schemas.microsoft.com/office/drawing/2014/main" id="{FA42E480-F299-E4AD-60F0-409BD57E1999}"/>
+                <a16:creationId xmlns:a16="http://schemas.microsoft.com/office/drawing/2014/main" id="{8F9A2C53-9E80-8272-0EE2-4C3179F66F46}"/>
               </a:ext>
             </a:extLst>
           </p:cNvPr>
@@ -7287,8 +5963,8 @@
         </p:nvSpPr>
         <p:spPr>
           <a:xfrm>
-            <a:off x="779721" y="740735"/>
-            <a:ext cx="10632558" cy="2030819"/>
+            <a:off x="779721" y="414670"/>
+            <a:ext cx="10632558" cy="5635256"/>
           </a:xfrm>
           <a:prstGeom prst="roundRect">
             <a:avLst/>
@@ -7318,75 +5994,46 @@
               </a:spcBef>
             </a:pPr>
             <a:r>
+              <a:rPr lang="ru-RU" altLang="ru-RU" sz="2800" dirty="0">
+                <a:latin typeface="Montserrat" panose="020F0502020204030204" pitchFamily="2" charset="-52"/>
+              </a:rPr>
+              <a:t>В </a:t>
+            </a:r>
+            <a:r>
               <a:rPr lang="ru-RU" altLang="ru-RU" sz="2800" b="1" dirty="0">
                 <a:latin typeface="Montserrat" panose="020F0502020204030204" pitchFamily="2" charset="-52"/>
               </a:rPr>
-              <a:t>Метод</a:t>
+              <a:t>классическом анализе</a:t>
             </a:r>
             <a:r>
               <a:rPr lang="ru-RU" altLang="ru-RU" sz="2800" dirty="0">
                 <a:latin typeface="Montserrat" panose="020F0502020204030204" pitchFamily="2" charset="-52"/>
               </a:rPr>
-              <a:t> – набор мероприятий в определённой последовательности исполнения для достижения поставленной цели.</a:t>
-            </a:r>
-          </a:p>
-        </p:txBody>
-      </p:sp>
-      <p:sp>
-        <p:nvSpPr>
-          <p:cNvPr id="5" name="Прямоугольник: скругленные углы 4">
-            <a:extLst>
-              <a:ext uri="{FF2B5EF4-FFF2-40B4-BE49-F238E27FC236}">
-                <a16:creationId xmlns:a16="http://schemas.microsoft.com/office/drawing/2014/main" id="{CBDA9450-75DF-A651-625D-6A6314A958DC}"/>
-              </a:ext>
-            </a:extLst>
-          </p:cNvPr>
-          <p:cNvSpPr/>
-          <p:nvPr/>
-        </p:nvSpPr>
-        <p:spPr>
-          <a:xfrm>
-            <a:off x="779721" y="3848986"/>
-            <a:ext cx="10632558" cy="1651591"/>
-          </a:xfrm>
-          <a:prstGeom prst="roundRect">
-            <a:avLst/>
-          </a:prstGeom>
-        </p:spPr>
-        <p:style>
-          <a:lnRef idx="2">
-            <a:schemeClr val="accent6"/>
-          </a:lnRef>
-          <a:fillRef idx="1">
-            <a:schemeClr val="lt1"/>
-          </a:fillRef>
-          <a:effectRef idx="0">
-            <a:schemeClr val="accent6"/>
-          </a:effectRef>
-          <a:fontRef idx="minor">
-            <a:schemeClr val="dk1"/>
-          </a:fontRef>
-        </p:style>
-        <p:txBody>
-          <a:bodyPr rtlCol="0" anchor="ctr"/>
-          <a:lstStyle/>
-          <a:p>
-            <a:pPr>
-              <a:spcBef>
-                <a:spcPct val="50000"/>
-              </a:spcBef>
-            </a:pPr>
-            <a:r>
-              <a:rPr lang="ru-RU" altLang="ru-RU" sz="2800" b="1" dirty="0">
+              <a:t> проводится разбиение объекта и исследование его частей произвольного </a:t>
+            </a:r>
+            <a:r>
+              <a:rPr lang="ru-RU" altLang="ru-RU" sz="2800" dirty="0" err="1">
                 <a:latin typeface="Montserrat" panose="020F0502020204030204" pitchFamily="2" charset="-52"/>
               </a:rPr>
-              <a:t>Этика</a:t>
+              <a:t>целеназначения</a:t>
             </a:r>
             <a:r>
               <a:rPr lang="ru-RU" altLang="ru-RU" sz="2800" dirty="0">
                 <a:latin typeface="Montserrat" panose="020F0502020204030204" pitchFamily="2" charset="-52"/>
               </a:rPr>
-              <a:t> – это учение о правилах общения между людьми, о норах человеческого поведения, об обязанностях каждого в отношении других людей.</a:t>
+              <a:t>. Несмотря на всю широту этой классической схемы анализа исследования с произвольным </a:t>
+            </a:r>
+            <a:r>
+              <a:rPr lang="ru-RU" altLang="ru-RU" sz="2800" dirty="0" err="1">
+                <a:latin typeface="Montserrat" panose="020F0502020204030204" pitchFamily="2" charset="-52"/>
+              </a:rPr>
+              <a:t>целеназначением</a:t>
+            </a:r>
+            <a:r>
+              <a:rPr lang="ru-RU" altLang="ru-RU" sz="2800" dirty="0">
+                <a:latin typeface="Montserrat" panose="020F0502020204030204" pitchFamily="2" charset="-52"/>
+              </a:rPr>
+              <a:t>, в ней отсутствует императив проведения заключительного объектно-ориентированного вывода. Это связывает умозаключение о поведении объекта не столько с объективными обстоятельствами, сколько с субъективными представлениями исследователя.</a:t>
             </a:r>
           </a:p>
         </p:txBody>
@@ -7394,7 +6041,7 @@
     </p:spTree>
     <p:extLst>
       <p:ext uri="{BB962C8B-B14F-4D97-AF65-F5344CB8AC3E}">
-        <p14:creationId xmlns:p14="http://schemas.microsoft.com/office/powerpoint/2010/main" val="1484880168"/>
+        <p14:creationId xmlns:p14="http://schemas.microsoft.com/office/powerpoint/2010/main" val="2533332886"/>
       </p:ext>
     </p:extLst>
   </p:cSld>
@@ -7412,7 +6059,7 @@
         <p:cNvPr id="1" name="">
           <a:extLst>
             <a:ext uri="{FF2B5EF4-FFF2-40B4-BE49-F238E27FC236}">
-              <a16:creationId xmlns:a16="http://schemas.microsoft.com/office/drawing/2014/main" id="{2EF0A05C-78EC-CC52-05A3-6CCEB5B3E46E}"/>
+              <a16:creationId xmlns:a16="http://schemas.microsoft.com/office/drawing/2014/main" id="{0E871CF8-A131-ECE0-571A-A51C6D3D674D}"/>
             </a:ext>
           </a:extLst>
         </p:cNvPr>
@@ -7429,10 +6076,48 @@
       </p:grpSpPr>
       <p:sp>
         <p:nvSpPr>
-          <p:cNvPr id="4" name="Прямоугольник: скругленные углы 3">
-            <a:extLst>
-              <a:ext uri="{FF2B5EF4-FFF2-40B4-BE49-F238E27FC236}">
-                <a16:creationId xmlns:a16="http://schemas.microsoft.com/office/drawing/2014/main" id="{50874CDD-D7E7-A953-6273-0932FDCEDF1A}"/>
+          <p:cNvPr id="3" name="TextBox 2">
+            <a:extLst>
+              <a:ext uri="{FF2B5EF4-FFF2-40B4-BE49-F238E27FC236}">
+                <a16:creationId xmlns:a16="http://schemas.microsoft.com/office/drawing/2014/main" id="{7E194C5C-1BA2-0A1F-4BDA-01C6A1F228F1}"/>
+              </a:ext>
+            </a:extLst>
+          </p:cNvPr>
+          <p:cNvSpPr txBox="1"/>
+          <p:nvPr/>
+        </p:nvSpPr>
+        <p:spPr>
+          <a:xfrm>
+            <a:off x="996802" y="384879"/>
+            <a:ext cx="5180714" cy="487694"/>
+          </a:xfrm>
+          <a:prstGeom prst="rect">
+            <a:avLst/>
+          </a:prstGeom>
+          <a:noFill/>
+        </p:spPr>
+        <p:txBody>
+          <a:bodyPr wrap="square">
+            <a:spAutoFit/>
+          </a:bodyPr>
+          <a:lstStyle/>
+          <a:p>
+            <a:r>
+              <a:rPr lang="ru-RU" altLang="ru-RU" sz="2500" dirty="0">
+                <a:latin typeface="Montserrat" panose="020F0502020204030204" pitchFamily="2" charset="-52"/>
+              </a:rPr>
+              <a:t>Классическая схема исследования:</a:t>
+            </a:r>
+            <a:endParaRPr lang="ru-RU" sz="2500" dirty="0"/>
+          </a:p>
+        </p:txBody>
+      </p:sp>
+      <p:sp>
+        <p:nvSpPr>
+          <p:cNvPr id="6" name="Прямоугольник 5">
+            <a:extLst>
+              <a:ext uri="{FF2B5EF4-FFF2-40B4-BE49-F238E27FC236}">
+                <a16:creationId xmlns:a16="http://schemas.microsoft.com/office/drawing/2014/main" id="{3D6C4062-F208-0BA1-E790-A1D36FBB36F1}"/>
               </a:ext>
             </a:extLst>
           </p:cNvPr>
@@ -7441,22 +6126,22 @@
         </p:nvSpPr>
         <p:spPr>
           <a:xfrm>
-            <a:off x="779721" y="318977"/>
-            <a:ext cx="10632558" cy="1708299"/>
-          </a:xfrm>
-          <a:prstGeom prst="roundRect">
+            <a:off x="1996263" y="1028970"/>
+            <a:ext cx="5077932" cy="1098245"/>
+          </a:xfrm>
+          <a:prstGeom prst="rect">
             <a:avLst/>
           </a:prstGeom>
         </p:spPr>
         <p:style>
           <a:lnRef idx="2">
-            <a:schemeClr val="accent6"/>
+            <a:schemeClr val="dk1"/>
           </a:lnRef>
           <a:fillRef idx="1">
             <a:schemeClr val="lt1"/>
           </a:fillRef>
           <a:effectRef idx="0">
-            <a:schemeClr val="accent6"/>
+            <a:schemeClr val="dk1"/>
           </a:effectRef>
           <a:fontRef idx="minor">
             <a:schemeClr val="dk1"/>
@@ -7466,35 +6151,33 @@
           <a:bodyPr rtlCol="0" anchor="ctr"/>
           <a:lstStyle/>
           <a:p>
-            <a:r>
-              <a:rPr lang="ru-RU" altLang="ru-RU" sz="2800" b="1" dirty="0">
-                <a:latin typeface="Montserrat" panose="020F0502020204030204" pitchFamily="2" charset="-52"/>
-              </a:rPr>
-              <a:t>Язык</a:t>
-            </a:r>
+            <a:pPr>
+              <a:spcBef>
+                <a:spcPct val="50000"/>
+              </a:spcBef>
+            </a:pPr>
             <a:r>
               <a:rPr lang="ru-RU" altLang="ru-RU" sz="2800" dirty="0">
                 <a:latin typeface="Montserrat" panose="020F0502020204030204" pitchFamily="2" charset="-52"/>
               </a:rPr>
-              <a:t> – то с помощью чего можно изобразить знания.</a:t>
-            </a:r>
-          </a:p>
-          <a:p>
-            <a:r>
-              <a:rPr lang="ru-RU" altLang="ru-RU" sz="2800" dirty="0">
+              <a:t>1. Разбиение объекта на </a:t>
+            </a:r>
+            <a:r>
+              <a:rPr lang="ru-RU" altLang="ru-RU" sz="2800" dirty="0" smtClean="0">
                 <a:latin typeface="Montserrat" panose="020F0502020204030204" pitchFamily="2" charset="-52"/>
               </a:rPr>
-              <a:t>Язык нужен, чтобы понимать друг друга, чтобы систематизировать знания для описания предметной (конкретной) реальности.</a:t>
-            </a:r>
-          </a:p>
-        </p:txBody>
-      </p:sp>
-      <p:sp>
-        <p:nvSpPr>
-          <p:cNvPr id="5" name="Прямоугольник: скругленные углы 4">
-            <a:extLst>
-              <a:ext uri="{FF2B5EF4-FFF2-40B4-BE49-F238E27FC236}">
-                <a16:creationId xmlns:a16="http://schemas.microsoft.com/office/drawing/2014/main" id="{C22B179D-EA5F-4A76-9945-D61C9FA94B98}"/>
+              <a:t>части (проблема)</a:t>
+            </a:r>
+            <a:endParaRPr lang="ru-RU" dirty="0"/>
+          </a:p>
+        </p:txBody>
+      </p:sp>
+      <p:sp>
+        <p:nvSpPr>
+          <p:cNvPr id="7" name="Прямоугольник 6">
+            <a:extLst>
+              <a:ext uri="{FF2B5EF4-FFF2-40B4-BE49-F238E27FC236}">
+                <a16:creationId xmlns:a16="http://schemas.microsoft.com/office/drawing/2014/main" id="{0CE0DD76-9D41-A78C-C8E4-78F7859AA5C1}"/>
               </a:ext>
             </a:extLst>
           </p:cNvPr>
@@ -7503,22 +6186,22 @@
         </p:nvSpPr>
         <p:spPr>
           <a:xfrm>
-            <a:off x="779721" y="2424223"/>
-            <a:ext cx="10632558" cy="1286540"/>
-          </a:xfrm>
-          <a:prstGeom prst="roundRect">
+            <a:off x="1996263" y="2457277"/>
+            <a:ext cx="5077932" cy="1615696"/>
+          </a:xfrm>
+          <a:prstGeom prst="rect">
             <a:avLst/>
           </a:prstGeom>
         </p:spPr>
         <p:style>
           <a:lnRef idx="2">
-            <a:schemeClr val="accent6"/>
+            <a:schemeClr val="dk1"/>
           </a:lnRef>
           <a:fillRef idx="1">
             <a:schemeClr val="lt1"/>
           </a:fillRef>
           <a:effectRef idx="0">
-            <a:schemeClr val="accent6"/>
+            <a:schemeClr val="dk1"/>
           </a:effectRef>
           <a:fontRef idx="minor">
             <a:schemeClr val="dk1"/>
@@ -7534,26 +6217,144 @@
               </a:spcBef>
             </a:pPr>
             <a:r>
-              <a:rPr lang="ru-RU" altLang="ru-RU" sz="2800" b="1" dirty="0">
-                <a:latin typeface="Montserrat" panose="020F0502020204030204" pitchFamily="2" charset="-52"/>
-              </a:rPr>
-              <a:t>Эмпирический анализ</a:t>
-            </a:r>
-            <a:r>
               <a:rPr lang="ru-RU" altLang="ru-RU" sz="2800" dirty="0">
                 <a:latin typeface="Montserrat" panose="020F0502020204030204" pitchFamily="2" charset="-52"/>
               </a:rPr>
-              <a:t> – это систематизация известных знаний и разработка метода, чтобы знать, как получают знания.</a:t>
-            </a:r>
-          </a:p>
-        </p:txBody>
-      </p:sp>
-      <p:sp>
-        <p:nvSpPr>
-          <p:cNvPr id="2" name="Прямоугольник: скругленные углы 1">
-            <a:extLst>
-              <a:ext uri="{FF2B5EF4-FFF2-40B4-BE49-F238E27FC236}">
-                <a16:creationId xmlns:a16="http://schemas.microsoft.com/office/drawing/2014/main" id="{64D7874C-AF18-AAF4-BD7F-4089C9CBC6DD}"/>
+              <a:t>2. Формулирование цели исследования для каждой </a:t>
+            </a:r>
+            <a:r>
+              <a:rPr lang="ru-RU" altLang="ru-RU" sz="2800" dirty="0" smtClean="0">
+                <a:latin typeface="Montserrat" panose="020F0502020204030204" pitchFamily="2" charset="-52"/>
+              </a:rPr>
+              <a:t>части (проблема)</a:t>
+            </a:r>
+            <a:endParaRPr lang="ru-RU" altLang="ru-RU" sz="2800" dirty="0">
+              <a:latin typeface="Montserrat" panose="020F0502020204030204" pitchFamily="2" charset="-52"/>
+            </a:endParaRPr>
+          </a:p>
+        </p:txBody>
+      </p:sp>
+      <p:cxnSp>
+        <p:nvCxnSpPr>
+          <p:cNvPr id="11" name="Прямая соединительная линия 10">
+            <a:extLst>
+              <a:ext uri="{FF2B5EF4-FFF2-40B4-BE49-F238E27FC236}">
+                <a16:creationId xmlns:a16="http://schemas.microsoft.com/office/drawing/2014/main" id="{EB048DCE-D85F-BFB5-87E1-95BDBD714382}"/>
+              </a:ext>
+            </a:extLst>
+          </p:cNvPr>
+          <p:cNvCxnSpPr>
+            <a:cxnSpLocks/>
+          </p:cNvCxnSpPr>
+          <p:nvPr/>
+        </p:nvCxnSpPr>
+        <p:spPr>
+          <a:xfrm>
+            <a:off x="1265274" y="872573"/>
+            <a:ext cx="0" cy="5570757"/>
+          </a:xfrm>
+          <a:prstGeom prst="line">
+            <a:avLst/>
+          </a:prstGeom>
+        </p:spPr>
+        <p:style>
+          <a:lnRef idx="2">
+            <a:schemeClr val="dk1"/>
+          </a:lnRef>
+          <a:fillRef idx="0">
+            <a:schemeClr val="dk1"/>
+          </a:fillRef>
+          <a:effectRef idx="1">
+            <a:schemeClr val="dk1"/>
+          </a:effectRef>
+          <a:fontRef idx="minor">
+            <a:schemeClr val="tx1"/>
+          </a:fontRef>
+        </p:style>
+      </p:cxnSp>
+      <p:cxnSp>
+        <p:nvCxnSpPr>
+          <p:cNvPr id="13" name="Прямая соединительная линия 12">
+            <a:extLst>
+              <a:ext uri="{FF2B5EF4-FFF2-40B4-BE49-F238E27FC236}">
+                <a16:creationId xmlns:a16="http://schemas.microsoft.com/office/drawing/2014/main" id="{34E8FD3C-2651-CE25-0D4B-2F98F4D6A88F}"/>
+              </a:ext>
+            </a:extLst>
+          </p:cNvPr>
+          <p:cNvCxnSpPr>
+            <a:cxnSpLocks/>
+            <a:stCxn id="6" idx="1"/>
+          </p:cNvCxnSpPr>
+          <p:nvPr/>
+        </p:nvCxnSpPr>
+        <p:spPr>
+          <a:xfrm flipH="1" flipV="1">
+            <a:off x="1265274" y="1574321"/>
+            <a:ext cx="730989" cy="3772"/>
+          </a:xfrm>
+          <a:prstGeom prst="line">
+            <a:avLst/>
+          </a:prstGeom>
+        </p:spPr>
+        <p:style>
+          <a:lnRef idx="2">
+            <a:schemeClr val="dk1"/>
+          </a:lnRef>
+          <a:fillRef idx="0">
+            <a:schemeClr val="dk1"/>
+          </a:fillRef>
+          <a:effectRef idx="1">
+            <a:schemeClr val="dk1"/>
+          </a:effectRef>
+          <a:fontRef idx="minor">
+            <a:schemeClr val="tx1"/>
+          </a:fontRef>
+        </p:style>
+      </p:cxnSp>
+      <p:cxnSp>
+        <p:nvCxnSpPr>
+          <p:cNvPr id="14" name="Прямая соединительная линия 13">
+            <a:extLst>
+              <a:ext uri="{FF2B5EF4-FFF2-40B4-BE49-F238E27FC236}">
+                <a16:creationId xmlns:a16="http://schemas.microsoft.com/office/drawing/2014/main" id="{4A6D9FD3-9308-1695-F253-C872E4963771}"/>
+              </a:ext>
+            </a:extLst>
+          </p:cNvPr>
+          <p:cNvCxnSpPr>
+            <a:cxnSpLocks/>
+          </p:cNvCxnSpPr>
+          <p:nvPr/>
+        </p:nvCxnSpPr>
+        <p:spPr>
+          <a:xfrm flipH="1">
+            <a:off x="1265274" y="3450968"/>
+            <a:ext cx="730989" cy="0"/>
+          </a:xfrm>
+          <a:prstGeom prst="line">
+            <a:avLst/>
+          </a:prstGeom>
+        </p:spPr>
+        <p:style>
+          <a:lnRef idx="2">
+            <a:schemeClr val="dk1"/>
+          </a:lnRef>
+          <a:fillRef idx="0">
+            <a:schemeClr val="dk1"/>
+          </a:fillRef>
+          <a:effectRef idx="1">
+            <a:schemeClr val="dk1"/>
+          </a:effectRef>
+          <a:fontRef idx="minor">
+            <a:schemeClr val="tx1"/>
+          </a:fontRef>
+        </p:style>
+      </p:cxnSp>
+      <p:sp>
+        <p:nvSpPr>
+          <p:cNvPr id="4" name="Прямоугольник 3">
+            <a:extLst>
+              <a:ext uri="{FF2B5EF4-FFF2-40B4-BE49-F238E27FC236}">
+                <a16:creationId xmlns:a16="http://schemas.microsoft.com/office/drawing/2014/main" id="{3F1751EE-80BE-1350-3077-24ACFEAE6DCD}"/>
               </a:ext>
             </a:extLst>
           </p:cNvPr>
@@ -7562,22 +6363,22 @@
         </p:nvSpPr>
         <p:spPr>
           <a:xfrm>
-            <a:off x="779721" y="4433777"/>
-            <a:ext cx="10632558" cy="1683487"/>
-          </a:xfrm>
-          <a:prstGeom prst="roundRect">
+            <a:off x="1996263" y="4330151"/>
+            <a:ext cx="5077932" cy="1824463"/>
+          </a:xfrm>
+          <a:prstGeom prst="rect">
             <a:avLst/>
           </a:prstGeom>
         </p:spPr>
         <p:style>
           <a:lnRef idx="2">
-            <a:schemeClr val="accent6"/>
+            <a:schemeClr val="dk1"/>
           </a:lnRef>
           <a:fillRef idx="1">
             <a:schemeClr val="lt1"/>
           </a:fillRef>
           <a:effectRef idx="0">
-            <a:schemeClr val="accent6"/>
+            <a:schemeClr val="dk1"/>
           </a:effectRef>
           <a:fontRef idx="minor">
             <a:schemeClr val="dk1"/>
@@ -7593,24 +6394,202 @@
               </a:spcBef>
             </a:pPr>
             <a:r>
-              <a:rPr lang="ru-RU" altLang="ru-RU" sz="2800" b="1" dirty="0">
-                <a:latin typeface="Montserrat" panose="020F0502020204030204" pitchFamily="2" charset="-52"/>
-              </a:rPr>
-              <a:t>Эмпирический анализ,</a:t>
-            </a:r>
-            <a:r>
               <a:rPr lang="ru-RU" altLang="ru-RU" sz="2800" dirty="0">
                 <a:latin typeface="Montserrat" panose="020F0502020204030204" pitchFamily="2" charset="-52"/>
               </a:rPr>
-              <a:t> в конечном счёте – это разработка и использование общего для всех объективного языка для описания предметной (конкретной) реальности.</a:t>
-            </a:r>
-          </a:p>
-        </p:txBody>
-      </p:sp>
+              <a:t>3. Исследование каждой части в соответствии с целью исследования каждой </a:t>
+            </a:r>
+            <a:r>
+              <a:rPr lang="ru-RU" altLang="ru-RU" sz="2800" dirty="0" smtClean="0">
+                <a:latin typeface="Montserrat" panose="020F0502020204030204" pitchFamily="2" charset="-52"/>
+              </a:rPr>
+              <a:t>части (свобода)</a:t>
+            </a:r>
+            <a:endParaRPr lang="ru-RU" altLang="ru-RU" sz="2800" dirty="0">
+              <a:latin typeface="Montserrat" panose="020F0502020204030204" pitchFamily="2" charset="-52"/>
+            </a:endParaRPr>
+          </a:p>
+        </p:txBody>
+      </p:sp>
+      <p:cxnSp>
+        <p:nvCxnSpPr>
+          <p:cNvPr id="8" name="Прямая соединительная линия 7">
+            <a:extLst>
+              <a:ext uri="{FF2B5EF4-FFF2-40B4-BE49-F238E27FC236}">
+                <a16:creationId xmlns:a16="http://schemas.microsoft.com/office/drawing/2014/main" id="{0B86E09D-9500-5BBD-B8A4-9A6BAA930B2A}"/>
+              </a:ext>
+            </a:extLst>
+          </p:cNvPr>
+          <p:cNvCxnSpPr>
+            <a:cxnSpLocks/>
+          </p:cNvCxnSpPr>
+          <p:nvPr/>
+        </p:nvCxnSpPr>
+        <p:spPr>
+          <a:xfrm flipH="1">
+            <a:off x="1265274" y="5138000"/>
+            <a:ext cx="730989" cy="0"/>
+          </a:xfrm>
+          <a:prstGeom prst="line">
+            <a:avLst/>
+          </a:prstGeom>
+        </p:spPr>
+        <p:style>
+          <a:lnRef idx="2">
+            <a:schemeClr val="dk1"/>
+          </a:lnRef>
+          <a:fillRef idx="0">
+            <a:schemeClr val="dk1"/>
+          </a:fillRef>
+          <a:effectRef idx="1">
+            <a:schemeClr val="dk1"/>
+          </a:effectRef>
+          <a:fontRef idx="minor">
+            <a:schemeClr val="tx1"/>
+          </a:fontRef>
+        </p:style>
+      </p:cxnSp>
+      <p:sp>
+        <p:nvSpPr>
+          <p:cNvPr id="9" name="Прямоугольник 8">
+            <a:extLst>
+              <a:ext uri="{FF2B5EF4-FFF2-40B4-BE49-F238E27FC236}">
+                <a16:creationId xmlns:a16="http://schemas.microsoft.com/office/drawing/2014/main" id="{EF99B8D3-44D1-4978-A027-05A1F3558A8E}"/>
+              </a:ext>
+            </a:extLst>
+          </p:cNvPr>
+          <p:cNvSpPr/>
+          <p:nvPr/>
+        </p:nvSpPr>
+        <p:spPr>
+          <a:xfrm>
+            <a:off x="7550002" y="1028970"/>
+            <a:ext cx="4241500" cy="5125644"/>
+          </a:xfrm>
+          <a:prstGeom prst="rect">
+            <a:avLst/>
+          </a:prstGeom>
+        </p:spPr>
+        <p:style>
+          <a:lnRef idx="2">
+            <a:schemeClr val="dk1"/>
+          </a:lnRef>
+          <a:fillRef idx="1">
+            <a:schemeClr val="lt1"/>
+          </a:fillRef>
+          <a:effectRef idx="0">
+            <a:schemeClr val="dk1"/>
+          </a:effectRef>
+          <a:fontRef idx="minor">
+            <a:schemeClr val="dk1"/>
+          </a:fontRef>
+        </p:style>
+        <p:txBody>
+          <a:bodyPr rtlCol="0" anchor="ctr"/>
+          <a:lstStyle/>
+          <a:p>
+            <a:pPr>
+              <a:spcBef>
+                <a:spcPct val="50000"/>
+              </a:spcBef>
+            </a:pPr>
+            <a:r>
+              <a:rPr lang="ru-RU" altLang="ru-RU" sz="2800" dirty="0">
+                <a:latin typeface="Montserrat" panose="020F0502020204030204" pitchFamily="2" charset="-52"/>
+              </a:rPr>
+              <a:t>4. Описание функционирования объекта </a:t>
+            </a:r>
+            <a:r>
+              <a:rPr lang="ru-RU" altLang="ru-RU" sz="2800" dirty="0" smtClean="0">
+                <a:latin typeface="Montserrat" panose="020F0502020204030204" pitchFamily="2" charset="-52"/>
+              </a:rPr>
+              <a:t>исследования (проблема)</a:t>
+            </a:r>
+            <a:endParaRPr lang="ru-RU" altLang="ru-RU" sz="2800" dirty="0">
+              <a:latin typeface="Montserrat" panose="020F0502020204030204" pitchFamily="2" charset="-52"/>
+            </a:endParaRPr>
+          </a:p>
+        </p:txBody>
+      </p:sp>
+      <p:cxnSp>
+        <p:nvCxnSpPr>
+          <p:cNvPr id="15" name="Прямая соединительная линия 14">
+            <a:extLst>
+              <a:ext uri="{FF2B5EF4-FFF2-40B4-BE49-F238E27FC236}">
+                <a16:creationId xmlns:a16="http://schemas.microsoft.com/office/drawing/2014/main" id="{264A90AE-6F8D-C57F-F7AD-EB98D5C0D7DF}"/>
+              </a:ext>
+            </a:extLst>
+          </p:cNvPr>
+          <p:cNvCxnSpPr/>
+          <p:nvPr/>
+        </p:nvCxnSpPr>
+        <p:spPr>
+          <a:xfrm flipH="1">
+            <a:off x="1265274" y="6443330"/>
+            <a:ext cx="8405478" cy="0"/>
+          </a:xfrm>
+          <a:prstGeom prst="line">
+            <a:avLst/>
+          </a:prstGeom>
+        </p:spPr>
+        <p:style>
+          <a:lnRef idx="2">
+            <a:schemeClr val="dk1"/>
+          </a:lnRef>
+          <a:fillRef idx="0">
+            <a:schemeClr val="dk1"/>
+          </a:fillRef>
+          <a:effectRef idx="1">
+            <a:schemeClr val="dk1"/>
+          </a:effectRef>
+          <a:fontRef idx="minor">
+            <a:schemeClr val="tx1"/>
+          </a:fontRef>
+        </p:style>
+      </p:cxnSp>
+      <p:cxnSp>
+        <p:nvCxnSpPr>
+          <p:cNvPr id="16" name="Прямая соединительная линия 15">
+            <a:extLst>
+              <a:ext uri="{FF2B5EF4-FFF2-40B4-BE49-F238E27FC236}">
+                <a16:creationId xmlns:a16="http://schemas.microsoft.com/office/drawing/2014/main" id="{3186F114-1FAD-B9DE-7EFE-8F4B4CBBE5D2}"/>
+              </a:ext>
+            </a:extLst>
+          </p:cNvPr>
+          <p:cNvCxnSpPr>
+            <a:cxnSpLocks/>
+            <a:stCxn id="9" idx="2"/>
+          </p:cNvCxnSpPr>
+          <p:nvPr/>
+        </p:nvCxnSpPr>
+        <p:spPr>
+          <a:xfrm>
+            <a:off x="9670752" y="6154614"/>
+            <a:ext cx="0" cy="288716"/>
+          </a:xfrm>
+          <a:prstGeom prst="line">
+            <a:avLst/>
+          </a:prstGeom>
+        </p:spPr>
+        <p:style>
+          <a:lnRef idx="2">
+            <a:schemeClr val="dk1"/>
+          </a:lnRef>
+          <a:fillRef idx="0">
+            <a:schemeClr val="dk1"/>
+          </a:fillRef>
+          <a:effectRef idx="1">
+            <a:schemeClr val="dk1"/>
+          </a:effectRef>
+          <a:fontRef idx="minor">
+            <a:schemeClr val="tx1"/>
+          </a:fontRef>
+        </p:style>
+      </p:cxnSp>
     </p:spTree>
     <p:extLst>
       <p:ext uri="{BB962C8B-B14F-4D97-AF65-F5344CB8AC3E}">
-        <p14:creationId xmlns:p14="http://schemas.microsoft.com/office/powerpoint/2010/main" val="1106042985"/>
+        <p14:creationId xmlns:p14="http://schemas.microsoft.com/office/powerpoint/2010/main" val="2064620587"/>
       </p:ext>
     </p:extLst>
   </p:cSld>
@@ -7628,7 +6607,7 @@
         <p:cNvPr id="1" name="">
           <a:extLst>
             <a:ext uri="{FF2B5EF4-FFF2-40B4-BE49-F238E27FC236}">
-              <a16:creationId xmlns:a16="http://schemas.microsoft.com/office/drawing/2014/main" id="{5F177CF4-DBF9-C73A-E998-62EED0E2F231}"/>
+              <a16:creationId xmlns:a16="http://schemas.microsoft.com/office/drawing/2014/main" id="{A9448C64-DA04-D0BC-80ED-6D56B2D518E7}"/>
             </a:ext>
           </a:extLst>
         </p:cNvPr>
@@ -7648,7 +6627,7 @@
           <p:cNvPr id="4" name="Прямоугольник: скругленные углы 3">
             <a:extLst>
               <a:ext uri="{FF2B5EF4-FFF2-40B4-BE49-F238E27FC236}">
-                <a16:creationId xmlns:a16="http://schemas.microsoft.com/office/drawing/2014/main" id="{E9E1F8E4-63E3-BF8B-5D03-089C5AF3315E}"/>
+                <a16:creationId xmlns:a16="http://schemas.microsoft.com/office/drawing/2014/main" id="{12A29E3F-9B0F-F5FE-4DC7-A935D13E1828}"/>
               </a:ext>
             </a:extLst>
           </p:cNvPr>
@@ -7657,8 +6636,8 @@
         </p:nvSpPr>
         <p:spPr>
           <a:xfrm>
-            <a:off x="779721" y="740735"/>
-            <a:ext cx="10632558" cy="2030819"/>
+            <a:off x="779721" y="414670"/>
+            <a:ext cx="10632558" cy="1625145"/>
           </a:xfrm>
           <a:prstGeom prst="roundRect">
             <a:avLst/>
@@ -7688,26 +6667,26 @@
               </a:spcBef>
             </a:pPr>
             <a:r>
-              <a:rPr lang="ru-RU" altLang="ru-RU" sz="2800" b="1" dirty="0">
+              <a:rPr lang="ru-RU" altLang="ru-RU" sz="2000" b="1" dirty="0">
                 <a:latin typeface="Montserrat" panose="020F0502020204030204" pitchFamily="2" charset="-52"/>
               </a:rPr>
-              <a:t>Объективный язык</a:t>
-            </a:r>
-            <a:r>
-              <a:rPr lang="ru-RU" altLang="ru-RU" sz="2800" dirty="0">
+              <a:t>Традиционный подход к организации исследования</a:t>
+            </a:r>
+            <a:r>
+              <a:rPr lang="ru-RU" altLang="ru-RU" sz="2000" dirty="0">
                 <a:latin typeface="Montserrat" panose="020F0502020204030204" pitchFamily="2" charset="-52"/>
               </a:rPr>
-              <a:t> – это язык, который «полно» описывает конкретное явление, он описывает так, как есть на самом деле, язык как носитель знания.</a:t>
-            </a:r>
-          </a:p>
-        </p:txBody>
-      </p:sp>
-      <p:sp>
-        <p:nvSpPr>
-          <p:cNvPr id="5" name="Прямоугольник: скругленные углы 4">
-            <a:extLst>
-              <a:ext uri="{FF2B5EF4-FFF2-40B4-BE49-F238E27FC236}">
-                <a16:creationId xmlns:a16="http://schemas.microsoft.com/office/drawing/2014/main" id="{03D468CB-5CEB-76FA-BD8D-6534BAF3F86E}"/>
+              <a:t> как сужение классической схемы анализа. Предусматривает, как и в классическом анализе расчленение исследуемого объекта на составные части, но требует определить поведение сложного объекта, как результат объединения свойств входящих в него компонентов.</a:t>
+            </a:r>
+          </a:p>
+        </p:txBody>
+      </p:sp>
+      <p:sp>
+        <p:nvSpPr>
+          <p:cNvPr id="2" name="Прямоугольник: скругленные углы 1">
+            <a:extLst>
+              <a:ext uri="{FF2B5EF4-FFF2-40B4-BE49-F238E27FC236}">
+                <a16:creationId xmlns:a16="http://schemas.microsoft.com/office/drawing/2014/main" id="{19A89651-AE26-37B4-2A16-FBA062176DA2}"/>
               </a:ext>
             </a:extLst>
           </p:cNvPr>
@@ -7716,8 +6695,8 @@
         </p:nvSpPr>
         <p:spPr>
           <a:xfrm>
-            <a:off x="779721" y="3848986"/>
-            <a:ext cx="10632558" cy="1651591"/>
+            <a:off x="779721" y="2599558"/>
+            <a:ext cx="10632558" cy="828336"/>
           </a:xfrm>
           <a:prstGeom prst="roundRect">
             <a:avLst/>
@@ -7747,28 +6726,69 @@
               </a:spcBef>
             </a:pPr>
             <a:r>
-              <a:rPr lang="ru-RU" altLang="ru-RU" sz="2800" b="1" dirty="0">
+              <a:rPr lang="ru-RU" altLang="ru-RU" sz="2000" b="1" dirty="0">
                 <a:latin typeface="Montserrat" panose="020F0502020204030204" pitchFamily="2" charset="-52"/>
               </a:rPr>
-              <a:t>Предметная</a:t>
-            </a:r>
-            <a:r>
-              <a:rPr lang="ru-RU" altLang="ru-RU" sz="2800" dirty="0">
+              <a:t>Свойство исследуемого объекта </a:t>
+            </a:r>
+            <a:r>
+              <a:rPr lang="ru-RU" altLang="ru-RU" sz="2000" dirty="0">
                 <a:latin typeface="Montserrat" panose="020F0502020204030204" pitchFamily="2" charset="-52"/>
               </a:rPr>
-              <a:t> (конкретная) </a:t>
-            </a:r>
-            <a:r>
-              <a:rPr lang="ru-RU" altLang="ru-RU" sz="2800" b="1" dirty="0">
+              <a:t>– это то, как объект функционирует при взаимодействии с другим объектом.</a:t>
+            </a:r>
+          </a:p>
+        </p:txBody>
+      </p:sp>
+      <p:sp>
+        <p:nvSpPr>
+          <p:cNvPr id="5" name="Прямоугольник: скругленные углы 3">
+            <a:extLst>
+              <a:ext uri="{FF2B5EF4-FFF2-40B4-BE49-F238E27FC236}">
+                <a16:creationId xmlns:a16="http://schemas.microsoft.com/office/drawing/2014/main" id="{5979F090-C1D1-AB48-CB01-AA41C1F7C313}"/>
+              </a:ext>
+            </a:extLst>
+          </p:cNvPr>
+          <p:cNvSpPr/>
+          <p:nvPr/>
+        </p:nvSpPr>
+        <p:spPr>
+          <a:xfrm>
+            <a:off x="779721" y="3987638"/>
+            <a:ext cx="10632558" cy="1736154"/>
+          </a:xfrm>
+          <a:prstGeom prst="roundRect">
+            <a:avLst/>
+          </a:prstGeom>
+        </p:spPr>
+        <p:style>
+          <a:lnRef idx="2">
+            <a:schemeClr val="accent6"/>
+          </a:lnRef>
+          <a:fillRef idx="1">
+            <a:schemeClr val="lt1"/>
+          </a:fillRef>
+          <a:effectRef idx="0">
+            <a:schemeClr val="accent6"/>
+          </a:effectRef>
+          <a:fontRef idx="minor">
+            <a:schemeClr val="dk1"/>
+          </a:fontRef>
+        </p:style>
+        <p:txBody>
+          <a:bodyPr rtlCol="0" anchor="ctr"/>
+          <a:lstStyle/>
+          <a:p>
+            <a:pPr>
+              <a:spcBef>
+                <a:spcPct val="50000"/>
+              </a:spcBef>
+            </a:pPr>
+            <a:r>
+              <a:rPr lang="ru-RU" altLang="ru-RU" sz="2000" dirty="0">
                 <a:latin typeface="Montserrat" panose="020F0502020204030204" pitchFamily="2" charset="-52"/>
               </a:rPr>
-              <a:t>реальность </a:t>
-            </a:r>
-            <a:r>
-              <a:rPr lang="ru-RU" altLang="ru-RU" sz="2800" dirty="0">
-                <a:latin typeface="Montserrat" panose="020F0502020204030204" pitchFamily="2" charset="-52"/>
-              </a:rPr>
-              <a:t>– это всё то, что ограничивает или накладывает ограничения на исследуемый объект или формирует требования к исследуемому объекту</a:t>
+              <a:t>Однако, использование традиционного подхода может исключить из рассмотрения широкий класс свойств объекта, присущих ему, как целому и отсутствующих у его частей, что может не способствовать полноценному формированию представлений о поведении исследуемого объекта.</a:t>
             </a:r>
           </a:p>
         </p:txBody>
@@ -7776,7 +6796,7 @@
     </p:spTree>
     <p:extLst>
       <p:ext uri="{BB962C8B-B14F-4D97-AF65-F5344CB8AC3E}">
-        <p14:creationId xmlns:p14="http://schemas.microsoft.com/office/powerpoint/2010/main" val="2276250807"/>
+        <p14:creationId xmlns:p14="http://schemas.microsoft.com/office/powerpoint/2010/main" val="3505633698"/>
       </p:ext>
     </p:extLst>
   </p:cSld>

--- a/Основы системного анализа/lab1/lab1.pptx
+++ b/Основы системного анализа/lab1/lab1.pptx
@@ -6,16 +6,15 @@
   </p:sldMasterIdLst>
   <p:sldIdLst>
     <p:sldId id="256" r:id="rId2"/>
-    <p:sldId id="258" r:id="rId3"/>
-    <p:sldId id="259" r:id="rId4"/>
-    <p:sldId id="261" r:id="rId5"/>
-    <p:sldId id="265" r:id="rId6"/>
-    <p:sldId id="276" r:id="rId7"/>
-    <p:sldId id="269" r:id="rId8"/>
+    <p:sldId id="277" r:id="rId3"/>
+    <p:sldId id="258" r:id="rId4"/>
+    <p:sldId id="278" r:id="rId5"/>
+    <p:sldId id="279" r:id="rId6"/>
+    <p:sldId id="265" r:id="rId7"/>
+    <p:sldId id="276" r:id="rId8"/>
     <p:sldId id="270" r:id="rId9"/>
     <p:sldId id="272" r:id="rId10"/>
     <p:sldId id="274" r:id="rId11"/>
-    <p:sldId id="275" r:id="rId12"/>
   </p:sldIdLst>
   <p:sldSz cx="12192000" cy="6858000"/>
   <p:notesSz cx="6858000" cy="9945688"/>
@@ -323,7 +322,7 @@
           <a:p>
             <a:fld id="{3B5EFCB3-9442-4C86-9E12-FBE42B58C3A5}" type="datetimeFigureOut">
               <a:rPr lang="ru-RU" smtClean="0"/>
-              <a:t>09.10.2025</a:t>
+              <a:t>23.10.2025</a:t>
             </a:fld>
             <a:endParaRPr lang="ru-RU"/>
           </a:p>
@@ -521,7 +520,7 @@
           <a:p>
             <a:fld id="{3B5EFCB3-9442-4C86-9E12-FBE42B58C3A5}" type="datetimeFigureOut">
               <a:rPr lang="ru-RU" smtClean="0"/>
-              <a:t>09.10.2025</a:t>
+              <a:t>23.10.2025</a:t>
             </a:fld>
             <a:endParaRPr lang="ru-RU"/>
           </a:p>
@@ -729,7 +728,7 @@
           <a:p>
             <a:fld id="{3B5EFCB3-9442-4C86-9E12-FBE42B58C3A5}" type="datetimeFigureOut">
               <a:rPr lang="ru-RU" smtClean="0"/>
-              <a:t>09.10.2025</a:t>
+              <a:t>23.10.2025</a:t>
             </a:fld>
             <a:endParaRPr lang="ru-RU"/>
           </a:p>
@@ -927,7 +926,7 @@
           <a:p>
             <a:fld id="{3B5EFCB3-9442-4C86-9E12-FBE42B58C3A5}" type="datetimeFigureOut">
               <a:rPr lang="ru-RU" smtClean="0"/>
-              <a:t>09.10.2025</a:t>
+              <a:t>23.10.2025</a:t>
             </a:fld>
             <a:endParaRPr lang="ru-RU"/>
           </a:p>
@@ -1202,7 +1201,7 @@
           <a:p>
             <a:fld id="{3B5EFCB3-9442-4C86-9E12-FBE42B58C3A5}" type="datetimeFigureOut">
               <a:rPr lang="ru-RU" smtClean="0"/>
-              <a:t>09.10.2025</a:t>
+              <a:t>23.10.2025</a:t>
             </a:fld>
             <a:endParaRPr lang="ru-RU"/>
           </a:p>
@@ -1467,7 +1466,7 @@
           <a:p>
             <a:fld id="{3B5EFCB3-9442-4C86-9E12-FBE42B58C3A5}" type="datetimeFigureOut">
               <a:rPr lang="ru-RU" smtClean="0"/>
-              <a:t>09.10.2025</a:t>
+              <a:t>23.10.2025</a:t>
             </a:fld>
             <a:endParaRPr lang="ru-RU"/>
           </a:p>
@@ -1879,7 +1878,7 @@
           <a:p>
             <a:fld id="{3B5EFCB3-9442-4C86-9E12-FBE42B58C3A5}" type="datetimeFigureOut">
               <a:rPr lang="ru-RU" smtClean="0"/>
-              <a:t>09.10.2025</a:t>
+              <a:t>23.10.2025</a:t>
             </a:fld>
             <a:endParaRPr lang="ru-RU"/>
           </a:p>
@@ -2020,7 +2019,7 @@
           <a:p>
             <a:fld id="{3B5EFCB3-9442-4C86-9E12-FBE42B58C3A5}" type="datetimeFigureOut">
               <a:rPr lang="ru-RU" smtClean="0"/>
-              <a:t>09.10.2025</a:t>
+              <a:t>23.10.2025</a:t>
             </a:fld>
             <a:endParaRPr lang="ru-RU"/>
           </a:p>
@@ -2133,7 +2132,7 @@
           <a:p>
             <a:fld id="{3B5EFCB3-9442-4C86-9E12-FBE42B58C3A5}" type="datetimeFigureOut">
               <a:rPr lang="ru-RU" smtClean="0"/>
-              <a:t>09.10.2025</a:t>
+              <a:t>23.10.2025</a:t>
             </a:fld>
             <a:endParaRPr lang="ru-RU"/>
           </a:p>
@@ -2444,7 +2443,7 @@
           <a:p>
             <a:fld id="{3B5EFCB3-9442-4C86-9E12-FBE42B58C3A5}" type="datetimeFigureOut">
               <a:rPr lang="ru-RU" smtClean="0"/>
-              <a:t>09.10.2025</a:t>
+              <a:t>23.10.2025</a:t>
             </a:fld>
             <a:endParaRPr lang="ru-RU"/>
           </a:p>
@@ -2732,7 +2731,7 @@
           <a:p>
             <a:fld id="{3B5EFCB3-9442-4C86-9E12-FBE42B58C3A5}" type="datetimeFigureOut">
               <a:rPr lang="ru-RU" smtClean="0"/>
-              <a:t>09.10.2025</a:t>
+              <a:t>23.10.2025</a:t>
             </a:fld>
             <a:endParaRPr lang="ru-RU"/>
           </a:p>
@@ -2973,7 +2972,7 @@
           <a:p>
             <a:fld id="{3B5EFCB3-9442-4C86-9E12-FBE42B58C3A5}" type="datetimeFigureOut">
               <a:rPr lang="ru-RU" smtClean="0"/>
-              <a:t>09.10.2025</a:t>
+              <a:t>23.10.2025</a:t>
             </a:fld>
             <a:endParaRPr lang="ru-RU"/>
           </a:p>
@@ -3887,302 +3886,6 @@
 </p:sld>
 </file>
 
-<file path=ppt/slides/slide11.xml><?xml version="1.0" encoding="utf-8"?>
-<p:sld xmlns:a="http://schemas.openxmlformats.org/drawingml/2006/main" xmlns:r="http://schemas.openxmlformats.org/officeDocument/2006/relationships" xmlns:p="http://schemas.openxmlformats.org/presentationml/2006/main">
-  <p:cSld>
-    <p:spTree>
-      <p:nvGrpSpPr>
-        <p:cNvPr id="1" name="">
-          <a:extLst>
-            <a:ext uri="{FF2B5EF4-FFF2-40B4-BE49-F238E27FC236}">
-              <a16:creationId xmlns:a16="http://schemas.microsoft.com/office/drawing/2014/main" id="{4655E7E1-F17D-66D1-8B9F-4A07761789A0}"/>
-            </a:ext>
-          </a:extLst>
-        </p:cNvPr>
-        <p:cNvGrpSpPr/>
-        <p:nvPr/>
-      </p:nvGrpSpPr>
-      <p:grpSpPr>
-        <a:xfrm>
-          <a:off x="0" y="0"/>
-          <a:ext cx="0" cy="0"/>
-          <a:chOff x="0" y="0"/>
-          <a:chExt cx="0" cy="0"/>
-        </a:xfrm>
-      </p:grpSpPr>
-      <p:sp>
-        <p:nvSpPr>
-          <p:cNvPr id="21" name="Прямоугольник 20">
-            <a:extLst>
-              <a:ext uri="{FF2B5EF4-FFF2-40B4-BE49-F238E27FC236}">
-                <a16:creationId xmlns:a16="http://schemas.microsoft.com/office/drawing/2014/main" id="{64B31BC0-3E64-0344-6758-B70CEBDFC6DC}"/>
-              </a:ext>
-            </a:extLst>
-          </p:cNvPr>
-          <p:cNvSpPr/>
-          <p:nvPr/>
-        </p:nvSpPr>
-        <p:spPr>
-          <a:xfrm>
-            <a:off x="1964926" y="363489"/>
-            <a:ext cx="8429847" cy="1488558"/>
-          </a:xfrm>
-          <a:prstGeom prst="rect">
-            <a:avLst/>
-          </a:prstGeom>
-        </p:spPr>
-        <p:style>
-          <a:lnRef idx="2">
-            <a:schemeClr val="dk1"/>
-          </a:lnRef>
-          <a:fillRef idx="1">
-            <a:schemeClr val="lt1"/>
-          </a:fillRef>
-          <a:effectRef idx="0">
-            <a:schemeClr val="dk1"/>
-          </a:effectRef>
-          <a:fontRef idx="minor">
-            <a:schemeClr val="dk1"/>
-          </a:fontRef>
-        </p:style>
-        <p:txBody>
-          <a:bodyPr rtlCol="0" anchor="ctr"/>
-          <a:lstStyle/>
-          <a:p>
-            <a:pPr algn="ctr"/>
-            <a:r>
-              <a:rPr lang="ru-RU" altLang="ru-RU" sz="2800" b="1" dirty="0">
-                <a:latin typeface="Montserrat" panose="020F0502020204030204" pitchFamily="2" charset="-52"/>
-              </a:rPr>
-              <a:t>Системный метод исследования </a:t>
-            </a:r>
-            <a:r>
-              <a:rPr lang="ru-RU" altLang="ru-RU" sz="2800" dirty="0">
-                <a:latin typeface="Montserrat" panose="020F0502020204030204" pitchFamily="2" charset="-52"/>
-              </a:rPr>
-              <a:t>в трактовке профессора Исаева (1972) сводится к использованию мероприятий:</a:t>
-            </a:r>
-          </a:p>
-        </p:txBody>
-      </p:sp>
-      <p:sp>
-        <p:nvSpPr>
-          <p:cNvPr id="3" name="Прямоугольник 2">
-            <a:extLst>
-              <a:ext uri="{FF2B5EF4-FFF2-40B4-BE49-F238E27FC236}">
-                <a16:creationId xmlns:a16="http://schemas.microsoft.com/office/drawing/2014/main" id="{67ACB1ED-6269-8799-D422-5AD134F16EA9}"/>
-              </a:ext>
-            </a:extLst>
-          </p:cNvPr>
-          <p:cNvSpPr/>
-          <p:nvPr/>
-        </p:nvSpPr>
-        <p:spPr>
-          <a:xfrm>
-            <a:off x="465736" y="2115879"/>
-            <a:ext cx="5630264" cy="1642939"/>
-          </a:xfrm>
-          <a:prstGeom prst="rect">
-            <a:avLst/>
-          </a:prstGeom>
-        </p:spPr>
-        <p:style>
-          <a:lnRef idx="2">
-            <a:schemeClr val="dk1"/>
-          </a:lnRef>
-          <a:fillRef idx="1">
-            <a:schemeClr val="lt1"/>
-          </a:fillRef>
-          <a:effectRef idx="0">
-            <a:schemeClr val="dk1"/>
-          </a:effectRef>
-          <a:fontRef idx="minor">
-            <a:schemeClr val="dk1"/>
-          </a:fontRef>
-        </p:style>
-        <p:txBody>
-          <a:bodyPr rtlCol="0" anchor="ctr"/>
-          <a:lstStyle/>
-          <a:p>
-            <a:pPr algn="ctr"/>
-            <a:r>
-              <a:rPr lang="ru-RU" dirty="0"/>
-              <a:t>Формулированию руководящей идеи (принципа) для проведения выбора, организованности (структуры) создаваемой системы посредством интерпретации принципов организованности известной системы</a:t>
-            </a:r>
-            <a:endParaRPr lang="ru-RU" altLang="ru-RU" sz="2800" dirty="0">
-              <a:latin typeface="Montserrat" panose="020F0502020204030204" pitchFamily="2" charset="-52"/>
-            </a:endParaRPr>
-          </a:p>
-        </p:txBody>
-      </p:sp>
-      <p:sp>
-        <p:nvSpPr>
-          <p:cNvPr id="4" name="Прямоугольник 3">
-            <a:extLst>
-              <a:ext uri="{FF2B5EF4-FFF2-40B4-BE49-F238E27FC236}">
-                <a16:creationId xmlns:a16="http://schemas.microsoft.com/office/drawing/2014/main" id="{400BB44C-CB18-5661-C6CE-0112806C8E16}"/>
-              </a:ext>
-            </a:extLst>
-          </p:cNvPr>
-          <p:cNvSpPr/>
-          <p:nvPr/>
-        </p:nvSpPr>
-        <p:spPr>
-          <a:xfrm>
-            <a:off x="465736" y="4070706"/>
-            <a:ext cx="5630264" cy="2423805"/>
-          </a:xfrm>
-          <a:prstGeom prst="rect">
-            <a:avLst/>
-          </a:prstGeom>
-        </p:spPr>
-        <p:style>
-          <a:lnRef idx="2">
-            <a:schemeClr val="dk1"/>
-          </a:lnRef>
-          <a:fillRef idx="1">
-            <a:schemeClr val="lt1"/>
-          </a:fillRef>
-          <a:effectRef idx="0">
-            <a:schemeClr val="dk1"/>
-          </a:effectRef>
-          <a:fontRef idx="minor">
-            <a:schemeClr val="dk1"/>
-          </a:fontRef>
-        </p:style>
-        <p:txBody>
-          <a:bodyPr rtlCol="0" anchor="ctr"/>
-          <a:lstStyle/>
-          <a:p>
-            <a:pPr algn="ctr"/>
-            <a:r>
-              <a:rPr lang="ru-RU" dirty="0"/>
-              <a:t>Осуществлению выбора или формированию той «формы движения материи», которая станет материальным носителем структуры создаваемой системы, будь то вещественная (</a:t>
-            </a:r>
-            <a:r>
-              <a:rPr lang="ru-RU" dirty="0" err="1"/>
-              <a:t>субстанционная</a:t>
-            </a:r>
-            <a:r>
-              <a:rPr lang="ru-RU" dirty="0"/>
-              <a:t>), энергетическая, организационная структурообразующие компоненты или определенная их композиция</a:t>
-            </a:r>
-            <a:endParaRPr lang="ru-RU" altLang="ru-RU" sz="2800" dirty="0">
-              <a:latin typeface="Montserrat" panose="020F0502020204030204" pitchFamily="2" charset="-52"/>
-            </a:endParaRPr>
-          </a:p>
-        </p:txBody>
-      </p:sp>
-      <p:sp>
-        <p:nvSpPr>
-          <p:cNvPr id="6" name="Прямоугольник 5">
-            <a:extLst>
-              <a:ext uri="{FF2B5EF4-FFF2-40B4-BE49-F238E27FC236}">
-                <a16:creationId xmlns:a16="http://schemas.microsoft.com/office/drawing/2014/main" id="{C965C38A-B45C-48CB-AABC-FE7568C0C90B}"/>
-              </a:ext>
-            </a:extLst>
-          </p:cNvPr>
-          <p:cNvSpPr/>
-          <p:nvPr/>
-        </p:nvSpPr>
-        <p:spPr>
-          <a:xfrm>
-            <a:off x="6349085" y="2115878"/>
-            <a:ext cx="5527482" cy="1642939"/>
-          </a:xfrm>
-          <a:prstGeom prst="rect">
-            <a:avLst/>
-          </a:prstGeom>
-        </p:spPr>
-        <p:style>
-          <a:lnRef idx="2">
-            <a:schemeClr val="dk1"/>
-          </a:lnRef>
-          <a:fillRef idx="1">
-            <a:schemeClr val="lt1"/>
-          </a:fillRef>
-          <a:effectRef idx="0">
-            <a:schemeClr val="dk1"/>
-          </a:effectRef>
-          <a:fontRef idx="minor">
-            <a:schemeClr val="dk1"/>
-          </a:fontRef>
-        </p:style>
-        <p:txBody>
-          <a:bodyPr rtlCol="0" anchor="ctr"/>
-          <a:lstStyle/>
-          <a:p>
-            <a:pPr algn="ctr"/>
-            <a:r>
-              <a:rPr lang="ru-RU" dirty="0"/>
-              <a:t>Формулированию решения «проблемы начала», то есть определению первичных или относительно первичных (то есть исходных) элементов, из которых будет формироваться целостная система</a:t>
-            </a:r>
-            <a:endParaRPr lang="ru-RU" altLang="ru-RU" sz="2800" dirty="0">
-              <a:latin typeface="Montserrat" panose="020F0502020204030204" pitchFamily="2" charset="-52"/>
-            </a:endParaRPr>
-          </a:p>
-        </p:txBody>
-      </p:sp>
-      <p:sp>
-        <p:nvSpPr>
-          <p:cNvPr id="7" name="Прямоугольник 6">
-            <a:extLst>
-              <a:ext uri="{FF2B5EF4-FFF2-40B4-BE49-F238E27FC236}">
-                <a16:creationId xmlns:a16="http://schemas.microsoft.com/office/drawing/2014/main" id="{DF0990DE-32C3-F570-08A8-309ABB7FE954}"/>
-              </a:ext>
-            </a:extLst>
-          </p:cNvPr>
-          <p:cNvSpPr/>
-          <p:nvPr/>
-        </p:nvSpPr>
-        <p:spPr>
-          <a:xfrm>
-            <a:off x="6349085" y="4070706"/>
-            <a:ext cx="5527482" cy="2423805"/>
-          </a:xfrm>
-          <a:prstGeom prst="rect">
-            <a:avLst/>
-          </a:prstGeom>
-        </p:spPr>
-        <p:style>
-          <a:lnRef idx="2">
-            <a:schemeClr val="dk1"/>
-          </a:lnRef>
-          <a:fillRef idx="1">
-            <a:schemeClr val="lt1"/>
-          </a:fillRef>
-          <a:effectRef idx="0">
-            <a:schemeClr val="dk1"/>
-          </a:effectRef>
-          <a:fontRef idx="minor">
-            <a:schemeClr val="dk1"/>
-          </a:fontRef>
-        </p:style>
-        <p:txBody>
-          <a:bodyPr rtlCol="0" anchor="ctr"/>
-          <a:lstStyle/>
-          <a:p>
-            <a:pPr lvl="0" algn="ctr"/>
-            <a:r>
-              <a:rPr lang="ru-RU" dirty="0"/>
-              <a:t>Определению границы предметной реальности, то есть той локально организованной среды без учета связей и отношений с которой система теряет свое предназначение</a:t>
-            </a:r>
-          </a:p>
-        </p:txBody>
-      </p:sp>
-    </p:spTree>
-    <p:extLst>
-      <p:ext uri="{BB962C8B-B14F-4D97-AF65-F5344CB8AC3E}">
-        <p14:creationId xmlns:p14="http://schemas.microsoft.com/office/powerpoint/2010/main" val="1338493779"/>
-      </p:ext>
-    </p:extLst>
-  </p:cSld>
-  <p:clrMapOvr>
-    <a:masterClrMapping/>
-  </p:clrMapOvr>
-</p:sld>
-</file>
-
 <file path=ppt/slides/slide2.xml><?xml version="1.0" encoding="utf-8"?>
 <p:sld xmlns:a="http://schemas.openxmlformats.org/drawingml/2006/main" xmlns:r="http://schemas.openxmlformats.org/officeDocument/2006/relationships" xmlns:p="http://schemas.openxmlformats.org/presentationml/2006/main">
   <p:cSld>
@@ -4202,48 +3905,10 @@
       </p:grpSpPr>
       <p:sp>
         <p:nvSpPr>
-          <p:cNvPr id="3" name="TextBox 2">
-            <a:extLst>
-              <a:ext uri="{FF2B5EF4-FFF2-40B4-BE49-F238E27FC236}">
-                <a16:creationId xmlns:a16="http://schemas.microsoft.com/office/drawing/2014/main" id="{7064D9D4-A393-4D09-9D09-E5FCE78AC9D1}"/>
-              </a:ext>
-            </a:extLst>
-          </p:cNvPr>
-          <p:cNvSpPr txBox="1"/>
-          <p:nvPr/>
-        </p:nvSpPr>
-        <p:spPr>
-          <a:xfrm>
-            <a:off x="996802" y="384879"/>
-            <a:ext cx="5180714" cy="487694"/>
-          </a:xfrm>
-          <a:prstGeom prst="rect">
-            <a:avLst/>
-          </a:prstGeom>
-          <a:noFill/>
-        </p:spPr>
-        <p:txBody>
-          <a:bodyPr wrap="square">
-            <a:spAutoFit/>
-          </a:bodyPr>
-          <a:lstStyle/>
-          <a:p>
-            <a:r>
-              <a:rPr lang="ru-RU" altLang="ru-RU" sz="2500" dirty="0">
-                <a:latin typeface="Montserrat" panose="020F0502020204030204" pitchFamily="2" charset="-52"/>
-              </a:rPr>
-              <a:t>Для чего нужно понимать явление:</a:t>
-            </a:r>
-            <a:endParaRPr lang="ru-RU" sz="2500" dirty="0"/>
-          </a:p>
-        </p:txBody>
-      </p:sp>
-      <p:sp>
-        <p:nvSpPr>
-          <p:cNvPr id="6" name="Прямоугольник 5">
-            <a:extLst>
-              <a:ext uri="{FF2B5EF4-FFF2-40B4-BE49-F238E27FC236}">
-                <a16:creationId xmlns:a16="http://schemas.microsoft.com/office/drawing/2014/main" id="{1F808796-CEC4-4F26-B9FE-991BBAA98789}"/>
+          <p:cNvPr id="6" name="Прямоугольник: скругленные углы 3">
+            <a:extLst>
+              <a:ext uri="{FF2B5EF4-FFF2-40B4-BE49-F238E27FC236}">
+                <a16:creationId xmlns:a16="http://schemas.microsoft.com/office/drawing/2014/main" id="{7B63D288-1D72-7F33-230E-D88E06E09A40}"/>
               </a:ext>
             </a:extLst>
           </p:cNvPr>
@@ -4252,231 +3917,8 @@
         </p:nvSpPr>
         <p:spPr>
           <a:xfrm>
-            <a:off x="1996263" y="1028970"/>
-            <a:ext cx="5077932" cy="1098245"/>
-          </a:xfrm>
-          <a:prstGeom prst="rect">
-            <a:avLst/>
-          </a:prstGeom>
-        </p:spPr>
-        <p:style>
-          <a:lnRef idx="2">
-            <a:schemeClr val="dk1"/>
-          </a:lnRef>
-          <a:fillRef idx="1">
-            <a:schemeClr val="lt1"/>
-          </a:fillRef>
-          <a:effectRef idx="0">
-            <a:schemeClr val="dk1"/>
-          </a:effectRef>
-          <a:fontRef idx="minor">
-            <a:schemeClr val="dk1"/>
-          </a:fontRef>
-        </p:style>
-        <p:txBody>
-          <a:bodyPr rtlCol="0" anchor="ctr"/>
-          <a:lstStyle/>
-          <a:p>
-            <a:pPr>
-              <a:spcBef>
-                <a:spcPct val="50000"/>
-              </a:spcBef>
-            </a:pPr>
-            <a:r>
-              <a:rPr lang="ru-RU" altLang="ru-RU" sz="2800" dirty="0">
-                <a:latin typeface="Montserrat" panose="020F0502020204030204" pitchFamily="2" charset="-52"/>
-              </a:rPr>
-              <a:t>понимать, опасно ли воздействие этого явления;</a:t>
-            </a:r>
-          </a:p>
-          <a:p>
-            <a:pPr algn="ctr"/>
-            <a:endParaRPr lang="ru-RU" dirty="0"/>
-          </a:p>
-        </p:txBody>
-      </p:sp>
-      <p:sp>
-        <p:nvSpPr>
-          <p:cNvPr id="7" name="Прямоугольник 6">
-            <a:extLst>
-              <a:ext uri="{FF2B5EF4-FFF2-40B4-BE49-F238E27FC236}">
-                <a16:creationId xmlns:a16="http://schemas.microsoft.com/office/drawing/2014/main" id="{421C77CB-7DE4-3BB7-C7CD-412EBE333CEF}"/>
-              </a:ext>
-            </a:extLst>
-          </p:cNvPr>
-          <p:cNvSpPr/>
-          <p:nvPr/>
-        </p:nvSpPr>
-        <p:spPr>
-          <a:xfrm>
-            <a:off x="1996263" y="2457277"/>
-            <a:ext cx="5077932" cy="1615696"/>
-          </a:xfrm>
-          <a:prstGeom prst="rect">
-            <a:avLst/>
-          </a:prstGeom>
-        </p:spPr>
-        <p:style>
-          <a:lnRef idx="2">
-            <a:schemeClr val="dk1"/>
-          </a:lnRef>
-          <a:fillRef idx="1">
-            <a:schemeClr val="lt1"/>
-          </a:fillRef>
-          <a:effectRef idx="0">
-            <a:schemeClr val="dk1"/>
-          </a:effectRef>
-          <a:fontRef idx="minor">
-            <a:schemeClr val="dk1"/>
-          </a:fontRef>
-        </p:style>
-        <p:txBody>
-          <a:bodyPr rtlCol="0" anchor="ctr"/>
-          <a:lstStyle/>
-          <a:p>
-            <a:pPr>
-              <a:spcBef>
-                <a:spcPct val="50000"/>
-              </a:spcBef>
-            </a:pPr>
-            <a:r>
-              <a:rPr lang="ru-RU" altLang="ru-RU" sz="2800" dirty="0">
-                <a:latin typeface="Montserrat" panose="020F0502020204030204" pitchFamily="2" charset="-52"/>
-              </a:rPr>
-              <a:t>понимать, чтобы оценить это явление для улучшения своей жизнедеятельности.</a:t>
-            </a:r>
-          </a:p>
-        </p:txBody>
-      </p:sp>
-      <p:cxnSp>
-        <p:nvCxnSpPr>
-          <p:cNvPr id="11" name="Прямая соединительная линия 10">
-            <a:extLst>
-              <a:ext uri="{FF2B5EF4-FFF2-40B4-BE49-F238E27FC236}">
-                <a16:creationId xmlns:a16="http://schemas.microsoft.com/office/drawing/2014/main" id="{DE673FB0-F632-E2BC-96A4-6E5B88940BBF}"/>
-              </a:ext>
-            </a:extLst>
-          </p:cNvPr>
-          <p:cNvCxnSpPr/>
-          <p:nvPr/>
-        </p:nvCxnSpPr>
-        <p:spPr>
-          <a:xfrm>
-            <a:off x="1265274" y="872573"/>
-            <a:ext cx="0" cy="2578395"/>
-          </a:xfrm>
-          <a:prstGeom prst="line">
-            <a:avLst/>
-          </a:prstGeom>
-        </p:spPr>
-        <p:style>
-          <a:lnRef idx="2">
-            <a:schemeClr val="dk1"/>
-          </a:lnRef>
-          <a:fillRef idx="0">
-            <a:schemeClr val="dk1"/>
-          </a:fillRef>
-          <a:effectRef idx="1">
-            <a:schemeClr val="dk1"/>
-          </a:effectRef>
-          <a:fontRef idx="minor">
-            <a:schemeClr val="tx1"/>
-          </a:fontRef>
-        </p:style>
-      </p:cxnSp>
-      <p:cxnSp>
-        <p:nvCxnSpPr>
-          <p:cNvPr id="13" name="Прямая соединительная линия 12">
-            <a:extLst>
-              <a:ext uri="{FF2B5EF4-FFF2-40B4-BE49-F238E27FC236}">
-                <a16:creationId xmlns:a16="http://schemas.microsoft.com/office/drawing/2014/main" id="{3D456C5F-8DD7-658E-F91D-C48DC864A4CD}"/>
-              </a:ext>
-            </a:extLst>
-          </p:cNvPr>
-          <p:cNvCxnSpPr>
-            <a:cxnSpLocks/>
-            <a:stCxn id="6" idx="1"/>
-          </p:cNvCxnSpPr>
-          <p:nvPr/>
-        </p:nvCxnSpPr>
-        <p:spPr>
-          <a:xfrm flipH="1" flipV="1">
-            <a:off x="1265274" y="1574321"/>
-            <a:ext cx="730989" cy="3772"/>
-          </a:xfrm>
-          <a:prstGeom prst="line">
-            <a:avLst/>
-          </a:prstGeom>
-        </p:spPr>
-        <p:style>
-          <a:lnRef idx="2">
-            <a:schemeClr val="dk1"/>
-          </a:lnRef>
-          <a:fillRef idx="0">
-            <a:schemeClr val="dk1"/>
-          </a:fillRef>
-          <a:effectRef idx="1">
-            <a:schemeClr val="dk1"/>
-          </a:effectRef>
-          <a:fontRef idx="minor">
-            <a:schemeClr val="tx1"/>
-          </a:fontRef>
-        </p:style>
-      </p:cxnSp>
-      <p:cxnSp>
-        <p:nvCxnSpPr>
-          <p:cNvPr id="14" name="Прямая соединительная линия 13">
-            <a:extLst>
-              <a:ext uri="{FF2B5EF4-FFF2-40B4-BE49-F238E27FC236}">
-                <a16:creationId xmlns:a16="http://schemas.microsoft.com/office/drawing/2014/main" id="{B2DE5BB8-A592-3879-7088-6615FF0F7821}"/>
-              </a:ext>
-            </a:extLst>
-          </p:cNvPr>
-          <p:cNvCxnSpPr>
-            <a:cxnSpLocks/>
-          </p:cNvCxnSpPr>
-          <p:nvPr/>
-        </p:nvCxnSpPr>
-        <p:spPr>
-          <a:xfrm flipH="1">
-            <a:off x="1265274" y="3450968"/>
-            <a:ext cx="730989" cy="0"/>
-          </a:xfrm>
-          <a:prstGeom prst="line">
-            <a:avLst/>
-          </a:prstGeom>
-        </p:spPr>
-        <p:style>
-          <a:lnRef idx="2">
-            <a:schemeClr val="dk1"/>
-          </a:lnRef>
-          <a:fillRef idx="0">
-            <a:schemeClr val="dk1"/>
-          </a:fillRef>
-          <a:effectRef idx="1">
-            <a:schemeClr val="dk1"/>
-          </a:effectRef>
-          <a:fontRef idx="minor">
-            <a:schemeClr val="tx1"/>
-          </a:fontRef>
-        </p:style>
-      </p:cxnSp>
-      <p:sp>
-        <p:nvSpPr>
-          <p:cNvPr id="17" name="Прямоугольник: скругленные углы 16">
-            <a:extLst>
-              <a:ext uri="{FF2B5EF4-FFF2-40B4-BE49-F238E27FC236}">
-                <a16:creationId xmlns:a16="http://schemas.microsoft.com/office/drawing/2014/main" id="{589C9805-FE37-8975-5783-D68B873DF8CE}"/>
-              </a:ext>
-            </a:extLst>
-          </p:cNvPr>
-          <p:cNvSpPr/>
-          <p:nvPr/>
-        </p:nvSpPr>
-        <p:spPr>
-          <a:xfrm>
-            <a:off x="1533303" y="4699592"/>
-            <a:ext cx="9125393" cy="1529682"/>
+            <a:off x="850059" y="482760"/>
+            <a:ext cx="10632558" cy="686618"/>
           </a:xfrm>
           <a:prstGeom prst="roundRect">
             <a:avLst/>
@@ -4500,49 +3942,125 @@
           <a:bodyPr rtlCol="0" anchor="ctr"/>
           <a:lstStyle/>
           <a:p>
-            <a:pPr algn="ctr"/>
-            <a:r>
-              <a:rPr kumimoji="0" lang="ru-RU" altLang="ru-RU" sz="2800" b="1" i="0" u="none" strike="noStrike" kern="1200" cap="none" spc="0" normalizeH="0" baseline="0" noProof="0" dirty="0">
-                <a:ln>
-                  <a:noFill/>
-                </a:ln>
-                <a:solidFill>
-                  <a:srgbClr val="000000"/>
-                </a:solidFill>
-                <a:effectLst/>
-                <a:uLnTx/>
-                <a:uFillTx/>
+            <a:pPr>
+              <a:spcBef>
+                <a:spcPct val="50000"/>
+              </a:spcBef>
+            </a:pPr>
+            <a:r>
+              <a:rPr lang="ru-RU" altLang="ru-RU" sz="2000" b="1" dirty="0">
                 <a:latin typeface="Montserrat" panose="020F0502020204030204" pitchFamily="2" charset="-52"/>
-                <a:ea typeface="+mn-ea"/>
-                <a:cs typeface="Arial" panose="020B0604020202020204" pitchFamily="34" charset="0"/>
               </a:rPr>
-              <a:t>Знание</a:t>
-            </a:r>
-            <a:r>
-              <a:rPr kumimoji="0" lang="ru-RU" altLang="ru-RU" sz="2800" b="0" i="0" u="none" strike="noStrike" kern="1200" cap="none" spc="0" normalizeH="0" baseline="0" noProof="0" dirty="0">
-                <a:ln>
-                  <a:noFill/>
-                </a:ln>
-                <a:solidFill>
-                  <a:srgbClr val="000000"/>
-                </a:solidFill>
-                <a:effectLst/>
-                <a:uLnTx/>
-                <a:uFillTx/>
+              <a:t>Анализ</a:t>
+            </a:r>
+            <a:r>
+              <a:rPr lang="ru-RU" altLang="ru-RU" sz="2000" dirty="0">
                 <a:latin typeface="Montserrat" panose="020F0502020204030204" pitchFamily="2" charset="-52"/>
-                <a:ea typeface="+mn-ea"/>
-                <a:cs typeface="Arial" panose="020B0604020202020204" pitchFamily="34" charset="0"/>
               </a:rPr>
-              <a:t> – лингвистическое описание функционирования объекта</a:t>
-            </a:r>
-            <a:endParaRPr lang="ru-RU" sz="2800" dirty="0"/>
-          </a:p>
-        </p:txBody>
-      </p:sp>
+              <a:t> – </a:t>
+            </a:r>
+            <a:r>
+              <a:rPr lang="ru-RU" altLang="ru-RU" sz="2000" dirty="0" smtClean="0">
+                <a:latin typeface="Montserrat" panose="020F0502020204030204" pitchFamily="2" charset="-52"/>
+              </a:rPr>
+              <a:t>Последовательное формирование понимания исследуемого явления</a:t>
+            </a:r>
+            <a:endParaRPr lang="ru-RU" altLang="ru-RU" sz="2000" dirty="0">
+              <a:latin typeface="Montserrat" panose="020F0502020204030204" pitchFamily="2" charset="-52"/>
+            </a:endParaRPr>
+          </a:p>
+        </p:txBody>
+      </p:sp>
+      <p:sp>
+        <p:nvSpPr>
+          <p:cNvPr id="7" name="Прямоугольник: скругленные углы 4">
+            <a:extLst>
+              <a:ext uri="{FF2B5EF4-FFF2-40B4-BE49-F238E27FC236}">
+                <a16:creationId xmlns:a16="http://schemas.microsoft.com/office/drawing/2014/main" id="{CF313A24-2286-F889-0862-6A9E2D828213}"/>
+              </a:ext>
+            </a:extLst>
+          </p:cNvPr>
+          <p:cNvSpPr/>
+          <p:nvPr/>
+        </p:nvSpPr>
+        <p:spPr>
+          <a:xfrm>
+            <a:off x="850059" y="1445618"/>
+            <a:ext cx="10632558" cy="708498"/>
+          </a:xfrm>
+          <a:prstGeom prst="roundRect">
+            <a:avLst/>
+          </a:prstGeom>
+        </p:spPr>
+        <p:style>
+          <a:lnRef idx="2">
+            <a:schemeClr val="accent6"/>
+          </a:lnRef>
+          <a:fillRef idx="1">
+            <a:schemeClr val="lt1"/>
+          </a:fillRef>
+          <a:effectRef idx="0">
+            <a:schemeClr val="accent6"/>
+          </a:effectRef>
+          <a:fontRef idx="minor">
+            <a:schemeClr val="dk1"/>
+          </a:fontRef>
+        </p:style>
+        <p:txBody>
+          <a:bodyPr rtlCol="0" anchor="ctr"/>
+          <a:lstStyle/>
+          <a:p>
+            <a:pPr>
+              <a:spcBef>
+                <a:spcPct val="50000"/>
+              </a:spcBef>
+            </a:pPr>
+            <a:r>
+              <a:rPr lang="ru-RU" altLang="ru-RU" sz="2000" dirty="0" smtClean="0">
+                <a:latin typeface="Montserrat" panose="020F0502020204030204" pitchFamily="2" charset="-52"/>
+              </a:rPr>
+              <a:t>Процесс понимания явления складывается из отдельных блоков представления об исследуемом явлении</a:t>
+            </a:r>
+            <a:endParaRPr lang="ru-RU" altLang="ru-RU" sz="2000" dirty="0">
+              <a:latin typeface="Montserrat" panose="020F0502020204030204" pitchFamily="2" charset="-52"/>
+            </a:endParaRPr>
+          </a:p>
+        </p:txBody>
+      </p:sp>
+      <p:pic>
+        <p:nvPicPr>
+          <p:cNvPr id="2" name="Рисунок 1"/>
+          <p:cNvPicPr>
+            <a:picLocks noChangeAspect="1"/>
+          </p:cNvPicPr>
+          <p:nvPr/>
+        </p:nvPicPr>
+        <p:blipFill>
+          <a:blip r:embed="rId2">
+            <a:extLst>
+              <a:ext uri="{28A0092B-C50C-407E-A947-70E740481C1C}">
+                <a14:useLocalDpi xmlns:a14="http://schemas.microsoft.com/office/drawing/2010/main" val="0"/>
+              </a:ext>
+            </a:extLst>
+          </a:blip>
+          <a:stretch>
+            <a:fillRect/>
+          </a:stretch>
+        </p:blipFill>
+        <p:spPr>
+          <a:xfrm>
+            <a:off x="850059" y="3514574"/>
+            <a:ext cx="10632558" cy="1944476"/>
+          </a:xfrm>
+          <a:prstGeom prst="rect">
+            <a:avLst/>
+          </a:prstGeom>
+        </p:spPr>
+      </p:pic>
     </p:spTree>
     <p:extLst>
       <p:ext uri="{BB962C8B-B14F-4D97-AF65-F5344CB8AC3E}">
-        <p14:creationId xmlns:p14="http://schemas.microsoft.com/office/powerpoint/2010/main" val="2302544062"/>
+        <p14:creationId xmlns:p14="http://schemas.microsoft.com/office/powerpoint/2010/main" val="2150257831"/>
       </p:ext>
     </p:extLst>
   </p:cSld>
@@ -4571,10 +4089,48 @@
       </p:grpSpPr>
       <p:sp>
         <p:nvSpPr>
-          <p:cNvPr id="4" name="Прямоугольник: скругленные углы 3">
-            <a:extLst>
-              <a:ext uri="{FF2B5EF4-FFF2-40B4-BE49-F238E27FC236}">
-                <a16:creationId xmlns:a16="http://schemas.microsoft.com/office/drawing/2014/main" id="{1E219869-4F98-543F-4C0D-4A22412614BB}"/>
+          <p:cNvPr id="3" name="TextBox 2">
+            <a:extLst>
+              <a:ext uri="{FF2B5EF4-FFF2-40B4-BE49-F238E27FC236}">
+                <a16:creationId xmlns:a16="http://schemas.microsoft.com/office/drawing/2014/main" id="{7064D9D4-A393-4D09-9D09-E5FCE78AC9D1}"/>
+              </a:ext>
+            </a:extLst>
+          </p:cNvPr>
+          <p:cNvSpPr txBox="1"/>
+          <p:nvPr/>
+        </p:nvSpPr>
+        <p:spPr>
+          <a:xfrm>
+            <a:off x="996802" y="384879"/>
+            <a:ext cx="5180714" cy="487694"/>
+          </a:xfrm>
+          <a:prstGeom prst="rect">
+            <a:avLst/>
+          </a:prstGeom>
+          <a:noFill/>
+        </p:spPr>
+        <p:txBody>
+          <a:bodyPr wrap="square">
+            <a:spAutoFit/>
+          </a:bodyPr>
+          <a:lstStyle/>
+          <a:p>
+            <a:r>
+              <a:rPr lang="ru-RU" altLang="ru-RU" sz="2500" dirty="0">
+                <a:latin typeface="Montserrat" panose="020F0502020204030204" pitchFamily="2" charset="-52"/>
+              </a:rPr>
+              <a:t>Для чего нужно понимать явление:</a:t>
+            </a:r>
+            <a:endParaRPr lang="ru-RU" sz="2500" dirty="0"/>
+          </a:p>
+        </p:txBody>
+      </p:sp>
+      <p:sp>
+        <p:nvSpPr>
+          <p:cNvPr id="6" name="Прямоугольник 5">
+            <a:extLst>
+              <a:ext uri="{FF2B5EF4-FFF2-40B4-BE49-F238E27FC236}">
+                <a16:creationId xmlns:a16="http://schemas.microsoft.com/office/drawing/2014/main" id="{1F808796-CEC4-4F26-B9FE-991BBAA98789}"/>
               </a:ext>
             </a:extLst>
           </p:cNvPr>
@@ -4583,8 +4139,231 @@
         </p:nvSpPr>
         <p:spPr>
           <a:xfrm>
-            <a:off x="779721" y="558210"/>
-            <a:ext cx="10632558" cy="1288175"/>
+            <a:off x="1996263" y="1028970"/>
+            <a:ext cx="5077932" cy="1098245"/>
+          </a:xfrm>
+          <a:prstGeom prst="rect">
+            <a:avLst/>
+          </a:prstGeom>
+        </p:spPr>
+        <p:style>
+          <a:lnRef idx="2">
+            <a:schemeClr val="dk1"/>
+          </a:lnRef>
+          <a:fillRef idx="1">
+            <a:schemeClr val="lt1"/>
+          </a:fillRef>
+          <a:effectRef idx="0">
+            <a:schemeClr val="dk1"/>
+          </a:effectRef>
+          <a:fontRef idx="minor">
+            <a:schemeClr val="dk1"/>
+          </a:fontRef>
+        </p:style>
+        <p:txBody>
+          <a:bodyPr rtlCol="0" anchor="ctr"/>
+          <a:lstStyle/>
+          <a:p>
+            <a:pPr>
+              <a:spcBef>
+                <a:spcPct val="50000"/>
+              </a:spcBef>
+            </a:pPr>
+            <a:r>
+              <a:rPr lang="ru-RU" altLang="ru-RU" sz="2800" dirty="0">
+                <a:latin typeface="Montserrat" panose="020F0502020204030204" pitchFamily="2" charset="-52"/>
+              </a:rPr>
+              <a:t>понимать, опасно ли воздействие этого явления;</a:t>
+            </a:r>
+          </a:p>
+          <a:p>
+            <a:pPr algn="ctr"/>
+            <a:endParaRPr lang="ru-RU" dirty="0"/>
+          </a:p>
+        </p:txBody>
+      </p:sp>
+      <p:sp>
+        <p:nvSpPr>
+          <p:cNvPr id="7" name="Прямоугольник 6">
+            <a:extLst>
+              <a:ext uri="{FF2B5EF4-FFF2-40B4-BE49-F238E27FC236}">
+                <a16:creationId xmlns:a16="http://schemas.microsoft.com/office/drawing/2014/main" id="{421C77CB-7DE4-3BB7-C7CD-412EBE333CEF}"/>
+              </a:ext>
+            </a:extLst>
+          </p:cNvPr>
+          <p:cNvSpPr/>
+          <p:nvPr/>
+        </p:nvSpPr>
+        <p:spPr>
+          <a:xfrm>
+            <a:off x="1996263" y="2457277"/>
+            <a:ext cx="5077932" cy="1615696"/>
+          </a:xfrm>
+          <a:prstGeom prst="rect">
+            <a:avLst/>
+          </a:prstGeom>
+        </p:spPr>
+        <p:style>
+          <a:lnRef idx="2">
+            <a:schemeClr val="dk1"/>
+          </a:lnRef>
+          <a:fillRef idx="1">
+            <a:schemeClr val="lt1"/>
+          </a:fillRef>
+          <a:effectRef idx="0">
+            <a:schemeClr val="dk1"/>
+          </a:effectRef>
+          <a:fontRef idx="minor">
+            <a:schemeClr val="dk1"/>
+          </a:fontRef>
+        </p:style>
+        <p:txBody>
+          <a:bodyPr rtlCol="0" anchor="ctr"/>
+          <a:lstStyle/>
+          <a:p>
+            <a:pPr>
+              <a:spcBef>
+                <a:spcPct val="50000"/>
+              </a:spcBef>
+            </a:pPr>
+            <a:r>
+              <a:rPr lang="ru-RU" altLang="ru-RU" sz="2800" dirty="0">
+                <a:latin typeface="Montserrat" panose="020F0502020204030204" pitchFamily="2" charset="-52"/>
+              </a:rPr>
+              <a:t>понимать, чтобы оценить это явление для улучшения своей жизнедеятельности.</a:t>
+            </a:r>
+          </a:p>
+        </p:txBody>
+      </p:sp>
+      <p:cxnSp>
+        <p:nvCxnSpPr>
+          <p:cNvPr id="11" name="Прямая соединительная линия 10">
+            <a:extLst>
+              <a:ext uri="{FF2B5EF4-FFF2-40B4-BE49-F238E27FC236}">
+                <a16:creationId xmlns:a16="http://schemas.microsoft.com/office/drawing/2014/main" id="{DE673FB0-F632-E2BC-96A4-6E5B88940BBF}"/>
+              </a:ext>
+            </a:extLst>
+          </p:cNvPr>
+          <p:cNvCxnSpPr/>
+          <p:nvPr/>
+        </p:nvCxnSpPr>
+        <p:spPr>
+          <a:xfrm>
+            <a:off x="1265274" y="872573"/>
+            <a:ext cx="0" cy="2578395"/>
+          </a:xfrm>
+          <a:prstGeom prst="line">
+            <a:avLst/>
+          </a:prstGeom>
+        </p:spPr>
+        <p:style>
+          <a:lnRef idx="2">
+            <a:schemeClr val="dk1"/>
+          </a:lnRef>
+          <a:fillRef idx="0">
+            <a:schemeClr val="dk1"/>
+          </a:fillRef>
+          <a:effectRef idx="1">
+            <a:schemeClr val="dk1"/>
+          </a:effectRef>
+          <a:fontRef idx="minor">
+            <a:schemeClr val="tx1"/>
+          </a:fontRef>
+        </p:style>
+      </p:cxnSp>
+      <p:cxnSp>
+        <p:nvCxnSpPr>
+          <p:cNvPr id="13" name="Прямая соединительная линия 12">
+            <a:extLst>
+              <a:ext uri="{FF2B5EF4-FFF2-40B4-BE49-F238E27FC236}">
+                <a16:creationId xmlns:a16="http://schemas.microsoft.com/office/drawing/2014/main" id="{3D456C5F-8DD7-658E-F91D-C48DC864A4CD}"/>
+              </a:ext>
+            </a:extLst>
+          </p:cNvPr>
+          <p:cNvCxnSpPr>
+            <a:cxnSpLocks/>
+            <a:stCxn id="6" idx="1"/>
+          </p:cNvCxnSpPr>
+          <p:nvPr/>
+        </p:nvCxnSpPr>
+        <p:spPr>
+          <a:xfrm flipH="1" flipV="1">
+            <a:off x="1265274" y="1574321"/>
+            <a:ext cx="730989" cy="3772"/>
+          </a:xfrm>
+          <a:prstGeom prst="line">
+            <a:avLst/>
+          </a:prstGeom>
+        </p:spPr>
+        <p:style>
+          <a:lnRef idx="2">
+            <a:schemeClr val="dk1"/>
+          </a:lnRef>
+          <a:fillRef idx="0">
+            <a:schemeClr val="dk1"/>
+          </a:fillRef>
+          <a:effectRef idx="1">
+            <a:schemeClr val="dk1"/>
+          </a:effectRef>
+          <a:fontRef idx="minor">
+            <a:schemeClr val="tx1"/>
+          </a:fontRef>
+        </p:style>
+      </p:cxnSp>
+      <p:cxnSp>
+        <p:nvCxnSpPr>
+          <p:cNvPr id="14" name="Прямая соединительная линия 13">
+            <a:extLst>
+              <a:ext uri="{FF2B5EF4-FFF2-40B4-BE49-F238E27FC236}">
+                <a16:creationId xmlns:a16="http://schemas.microsoft.com/office/drawing/2014/main" id="{B2DE5BB8-A592-3879-7088-6615FF0F7821}"/>
+              </a:ext>
+            </a:extLst>
+          </p:cNvPr>
+          <p:cNvCxnSpPr>
+            <a:cxnSpLocks/>
+          </p:cNvCxnSpPr>
+          <p:nvPr/>
+        </p:nvCxnSpPr>
+        <p:spPr>
+          <a:xfrm flipH="1">
+            <a:off x="1265274" y="3450968"/>
+            <a:ext cx="730989" cy="0"/>
+          </a:xfrm>
+          <a:prstGeom prst="line">
+            <a:avLst/>
+          </a:prstGeom>
+        </p:spPr>
+        <p:style>
+          <a:lnRef idx="2">
+            <a:schemeClr val="dk1"/>
+          </a:lnRef>
+          <a:fillRef idx="0">
+            <a:schemeClr val="dk1"/>
+          </a:fillRef>
+          <a:effectRef idx="1">
+            <a:schemeClr val="dk1"/>
+          </a:effectRef>
+          <a:fontRef idx="minor">
+            <a:schemeClr val="tx1"/>
+          </a:fontRef>
+        </p:style>
+      </p:cxnSp>
+      <p:sp>
+        <p:nvSpPr>
+          <p:cNvPr id="17" name="Прямоугольник: скругленные углы 16">
+            <a:extLst>
+              <a:ext uri="{FF2B5EF4-FFF2-40B4-BE49-F238E27FC236}">
+                <a16:creationId xmlns:a16="http://schemas.microsoft.com/office/drawing/2014/main" id="{589C9805-FE37-8975-5783-D68B873DF8CE}"/>
+              </a:ext>
+            </a:extLst>
+          </p:cNvPr>
+          <p:cNvSpPr/>
+          <p:nvPr/>
+        </p:nvSpPr>
+        <p:spPr>
+          <a:xfrm>
+            <a:off x="1533303" y="4699592"/>
+            <a:ext cx="9125393" cy="1529682"/>
           </a:xfrm>
           <a:prstGeom prst="roundRect">
             <a:avLst/>
@@ -4608,216 +4387,49 @@
           <a:bodyPr rtlCol="0" anchor="ctr"/>
           <a:lstStyle/>
           <a:p>
-            <a:pPr>
-              <a:spcBef>
-                <a:spcPct val="50000"/>
-              </a:spcBef>
-            </a:pPr>
-            <a:r>
-              <a:rPr lang="ru-RU" altLang="ru-RU" sz="2000" b="1" dirty="0">
+            <a:pPr algn="ctr"/>
+            <a:r>
+              <a:rPr kumimoji="0" lang="ru-RU" altLang="ru-RU" sz="2800" b="1" i="0" u="none" strike="noStrike" kern="1200" cap="none" spc="0" normalizeH="0" baseline="0" noProof="0" dirty="0">
+                <a:ln>
+                  <a:noFill/>
+                </a:ln>
+                <a:solidFill>
+                  <a:srgbClr val="000000"/>
+                </a:solidFill>
+                <a:effectLst/>
+                <a:uLnTx/>
+                <a:uFillTx/>
                 <a:latin typeface="Montserrat" panose="020F0502020204030204" pitchFamily="2" charset="-52"/>
+                <a:ea typeface="+mn-ea"/>
+                <a:cs typeface="Arial" panose="020B0604020202020204" pitchFamily="34" charset="0"/>
               </a:rPr>
-              <a:t>Понимание явления</a:t>
-            </a:r>
-            <a:r>
-              <a:rPr lang="ru-RU" altLang="ru-RU" sz="2000" dirty="0">
+              <a:t>Знание</a:t>
+            </a:r>
+            <a:r>
+              <a:rPr kumimoji="0" lang="ru-RU" altLang="ru-RU" sz="2800" b="0" i="0" u="none" strike="noStrike" kern="1200" cap="none" spc="0" normalizeH="0" baseline="0" noProof="0" dirty="0">
+                <a:ln>
+                  <a:noFill/>
+                </a:ln>
+                <a:solidFill>
+                  <a:srgbClr val="000000"/>
+                </a:solidFill>
+                <a:effectLst/>
+                <a:uLnTx/>
+                <a:uFillTx/>
                 <a:latin typeface="Montserrat" panose="020F0502020204030204" pitchFamily="2" charset="-52"/>
+                <a:ea typeface="+mn-ea"/>
+                <a:cs typeface="Arial" panose="020B0604020202020204" pitchFamily="34" charset="0"/>
               </a:rPr>
-              <a:t> – фактически, представление того, как объект функционирует или представление того, как процесс влияет на свою среду во всём многообразии своего проявления. Результатом анализа является, вообще говоря, понимание явления. </a:t>
-            </a:r>
-          </a:p>
-        </p:txBody>
-      </p:sp>
-      <p:sp>
-        <p:nvSpPr>
-          <p:cNvPr id="5" name="Прямоугольник: скругленные углы 4">
-            <a:extLst>
-              <a:ext uri="{FF2B5EF4-FFF2-40B4-BE49-F238E27FC236}">
-                <a16:creationId xmlns:a16="http://schemas.microsoft.com/office/drawing/2014/main" id="{6332F805-2EB0-7BC5-C94E-2D760588DCF9}"/>
-              </a:ext>
-            </a:extLst>
-          </p:cNvPr>
-          <p:cNvSpPr/>
-          <p:nvPr/>
-        </p:nvSpPr>
-        <p:spPr>
-          <a:xfrm>
-            <a:off x="779721" y="2021413"/>
-            <a:ext cx="10632558" cy="774541"/>
-          </a:xfrm>
-          <a:prstGeom prst="roundRect">
-            <a:avLst/>
-          </a:prstGeom>
-        </p:spPr>
-        <p:style>
-          <a:lnRef idx="2">
-            <a:schemeClr val="accent6"/>
-          </a:lnRef>
-          <a:fillRef idx="1">
-            <a:schemeClr val="lt1"/>
-          </a:fillRef>
-          <a:effectRef idx="0">
-            <a:schemeClr val="accent6"/>
-          </a:effectRef>
-          <a:fontRef idx="minor">
-            <a:schemeClr val="dk1"/>
-          </a:fontRef>
-        </p:style>
-        <p:txBody>
-          <a:bodyPr rtlCol="0" anchor="ctr"/>
-          <a:lstStyle/>
-          <a:p>
-            <a:pPr>
-              <a:spcBef>
-                <a:spcPct val="50000"/>
-              </a:spcBef>
-            </a:pPr>
-            <a:r>
-              <a:rPr lang="ru-RU" altLang="ru-RU" sz="2000" b="1" dirty="0">
-                <a:latin typeface="Montserrat" panose="020F0502020204030204" pitchFamily="2" charset="-52"/>
-              </a:rPr>
-              <a:t>Исследование – </a:t>
-            </a:r>
-            <a:r>
-              <a:rPr lang="ru-RU" altLang="ru-RU" sz="2000" dirty="0">
-                <a:latin typeface="Montserrat" panose="020F0502020204030204" pitchFamily="2" charset="-52"/>
-              </a:rPr>
-              <a:t>процесс формирования понимания явления</a:t>
-            </a:r>
-          </a:p>
-        </p:txBody>
-      </p:sp>
-      <p:sp>
-        <p:nvSpPr>
-          <p:cNvPr id="6" name="Прямоугольник: скругленные углы 3">
-            <a:extLst>
-              <a:ext uri="{FF2B5EF4-FFF2-40B4-BE49-F238E27FC236}">
-                <a16:creationId xmlns:a16="http://schemas.microsoft.com/office/drawing/2014/main" id="{7B63D288-1D72-7F33-230E-D88E06E09A40}"/>
-              </a:ext>
-            </a:extLst>
-          </p:cNvPr>
-          <p:cNvSpPr/>
-          <p:nvPr/>
-        </p:nvSpPr>
-        <p:spPr>
-          <a:xfrm>
-            <a:off x="779721" y="2970982"/>
-            <a:ext cx="10632558" cy="1711023"/>
-          </a:xfrm>
-          <a:prstGeom prst="roundRect">
-            <a:avLst/>
-          </a:prstGeom>
-        </p:spPr>
-        <p:style>
-          <a:lnRef idx="2">
-            <a:schemeClr val="accent6"/>
-          </a:lnRef>
-          <a:fillRef idx="1">
-            <a:schemeClr val="lt1"/>
-          </a:fillRef>
-          <a:effectRef idx="0">
-            <a:schemeClr val="accent6"/>
-          </a:effectRef>
-          <a:fontRef idx="minor">
-            <a:schemeClr val="dk1"/>
-          </a:fontRef>
-        </p:style>
-        <p:txBody>
-          <a:bodyPr rtlCol="0" anchor="ctr"/>
-          <a:lstStyle/>
-          <a:p>
-            <a:pPr>
-              <a:spcBef>
-                <a:spcPct val="50000"/>
-              </a:spcBef>
-            </a:pPr>
-            <a:r>
-              <a:rPr lang="ru-RU" altLang="ru-RU" sz="2000" b="1" dirty="0">
-                <a:latin typeface="Montserrat" panose="020F0502020204030204" pitchFamily="2" charset="-52"/>
-              </a:rPr>
-              <a:t>Анализ</a:t>
-            </a:r>
-            <a:r>
-              <a:rPr lang="ru-RU" altLang="ru-RU" sz="2000" dirty="0">
-                <a:latin typeface="Montserrat" panose="020F0502020204030204" pitchFamily="2" charset="-52"/>
-              </a:rPr>
-              <a:t> – то, что даст понимание явления. </a:t>
-            </a:r>
-            <a:r>
-              <a:rPr lang="ru-RU" altLang="ru-RU" sz="2000" dirty="0" smtClean="0">
-                <a:latin typeface="Montserrat" panose="020F0502020204030204" pitchFamily="2" charset="-52"/>
-              </a:rPr>
-              <a:t>Последовательное формирование представления об исследуемом явлении, которое оформляется лингвистически.</a:t>
-            </a:r>
-            <a:endParaRPr lang="ru-RU" altLang="ru-RU" sz="2000" dirty="0">
-              <a:latin typeface="Montserrat" panose="020F0502020204030204" pitchFamily="2" charset="-52"/>
-            </a:endParaRPr>
-          </a:p>
-        </p:txBody>
-      </p:sp>
-      <p:sp>
-        <p:nvSpPr>
-          <p:cNvPr id="7" name="Прямоугольник: скругленные углы 4">
-            <a:extLst>
-              <a:ext uri="{FF2B5EF4-FFF2-40B4-BE49-F238E27FC236}">
-                <a16:creationId xmlns:a16="http://schemas.microsoft.com/office/drawing/2014/main" id="{CF313A24-2286-F889-0862-6A9E2D828213}"/>
-              </a:ext>
-            </a:extLst>
-          </p:cNvPr>
-          <p:cNvSpPr/>
-          <p:nvPr/>
-        </p:nvSpPr>
-        <p:spPr>
-          <a:xfrm>
-            <a:off x="779721" y="4857033"/>
-            <a:ext cx="10632558" cy="708498"/>
-          </a:xfrm>
-          <a:prstGeom prst="roundRect">
-            <a:avLst/>
-          </a:prstGeom>
-        </p:spPr>
-        <p:style>
-          <a:lnRef idx="2">
-            <a:schemeClr val="accent6"/>
-          </a:lnRef>
-          <a:fillRef idx="1">
-            <a:schemeClr val="lt1"/>
-          </a:fillRef>
-          <a:effectRef idx="0">
-            <a:schemeClr val="accent6"/>
-          </a:effectRef>
-          <a:fontRef idx="minor">
-            <a:schemeClr val="dk1"/>
-          </a:fontRef>
-        </p:style>
-        <p:txBody>
-          <a:bodyPr rtlCol="0" anchor="ctr"/>
-          <a:lstStyle/>
-          <a:p>
-            <a:pPr>
-              <a:spcBef>
-                <a:spcPct val="50000"/>
-              </a:spcBef>
-            </a:pPr>
-            <a:r>
-              <a:rPr lang="ru-RU" altLang="ru-RU" sz="2000" b="1" dirty="0">
-                <a:latin typeface="Montserrat" panose="020F0502020204030204" pitchFamily="2" charset="-52"/>
-              </a:rPr>
-              <a:t>Анализ</a:t>
-            </a:r>
-            <a:r>
-              <a:rPr lang="ru-RU" altLang="ru-RU" sz="2000" dirty="0">
-                <a:latin typeface="Montserrat" panose="020F0502020204030204" pitchFamily="2" charset="-52"/>
-              </a:rPr>
-              <a:t> является инструментом исследования</a:t>
-            </a:r>
+              <a:t> – лингвистическое описание функционирования объекта</a:t>
+            </a:r>
+            <a:endParaRPr lang="ru-RU" sz="2800" dirty="0"/>
           </a:p>
         </p:txBody>
       </p:sp>
     </p:spTree>
     <p:extLst>
       <p:ext uri="{BB962C8B-B14F-4D97-AF65-F5344CB8AC3E}">
-        <p14:creationId xmlns:p14="http://schemas.microsoft.com/office/powerpoint/2010/main" val="3971829545"/>
+        <p14:creationId xmlns:p14="http://schemas.microsoft.com/office/powerpoint/2010/main" val="2302544062"/>
       </p:ext>
     </p:extLst>
   </p:cSld>
@@ -4846,10 +4458,10 @@
       </p:grpSpPr>
       <p:sp>
         <p:nvSpPr>
-          <p:cNvPr id="2" name="Прямоугольник 1">
-            <a:extLst>
-              <a:ext uri="{FF2B5EF4-FFF2-40B4-BE49-F238E27FC236}">
-                <a16:creationId xmlns:a16="http://schemas.microsoft.com/office/drawing/2014/main" id="{E1DA07ED-AF20-445D-E835-3C6C5C8DCDC4}"/>
+          <p:cNvPr id="6" name="Прямоугольник: скругленные углы 3">
+            <a:extLst>
+              <a:ext uri="{FF2B5EF4-FFF2-40B4-BE49-F238E27FC236}">
+                <a16:creationId xmlns:a16="http://schemas.microsoft.com/office/drawing/2014/main" id="{7B63D288-1D72-7F33-230E-D88E06E09A40}"/>
               </a:ext>
             </a:extLst>
           </p:cNvPr>
@@ -4858,22 +4470,22 @@
         </p:nvSpPr>
         <p:spPr>
           <a:xfrm>
-            <a:off x="2985976" y="544242"/>
-            <a:ext cx="6390168" cy="1603535"/>
-          </a:xfrm>
-          <a:prstGeom prst="rect">
+            <a:off x="850059" y="482760"/>
+            <a:ext cx="10632558" cy="686618"/>
+          </a:xfrm>
+          <a:prstGeom prst="roundRect">
             <a:avLst/>
           </a:prstGeom>
         </p:spPr>
         <p:style>
           <a:lnRef idx="2">
-            <a:schemeClr val="dk1"/>
+            <a:schemeClr val="accent6"/>
           </a:lnRef>
           <a:fillRef idx="1">
             <a:schemeClr val="lt1"/>
           </a:fillRef>
           <a:effectRef idx="0">
-            <a:schemeClr val="dk1"/>
+            <a:schemeClr val="accent6"/>
           </a:effectRef>
           <a:fontRef idx="minor">
             <a:schemeClr val="dk1"/>
@@ -4883,21 +4495,29 @@
           <a:bodyPr rtlCol="0" anchor="ctr"/>
           <a:lstStyle/>
           <a:p>
-            <a:r>
-              <a:rPr lang="ru-RU" altLang="ru-RU" sz="2800" dirty="0">
+            <a:pPr>
+              <a:spcBef>
+                <a:spcPct val="50000"/>
+              </a:spcBef>
+            </a:pPr>
+            <a:r>
+              <a:rPr lang="ru-RU" altLang="ru-RU" sz="2000" b="1" dirty="0" smtClean="0">
                 <a:latin typeface="Montserrat" panose="020F0502020204030204" pitchFamily="2" charset="-52"/>
               </a:rPr>
-              <a:t>Процесс исследования распадается на 2 компонента</a:t>
-            </a:r>
-          </a:p>
-        </p:txBody>
-      </p:sp>
-      <p:sp>
-        <p:nvSpPr>
-          <p:cNvPr id="3" name="Прямоугольник 2">
-            <a:extLst>
-              <a:ext uri="{FF2B5EF4-FFF2-40B4-BE49-F238E27FC236}">
-                <a16:creationId xmlns:a16="http://schemas.microsoft.com/office/drawing/2014/main" id="{924B15BA-CBEA-C0BF-F788-7221E2A13567}"/>
+              <a:t>Почему возникла потребность перейти от анализа к исследованию?</a:t>
+            </a:r>
+            <a:endParaRPr lang="ru-RU" altLang="ru-RU" sz="2000" dirty="0">
+              <a:latin typeface="Montserrat" panose="020F0502020204030204" pitchFamily="2" charset="-52"/>
+            </a:endParaRPr>
+          </a:p>
+        </p:txBody>
+      </p:sp>
+      <p:sp>
+        <p:nvSpPr>
+          <p:cNvPr id="7" name="Прямоугольник: скругленные углы 4">
+            <a:extLst>
+              <a:ext uri="{FF2B5EF4-FFF2-40B4-BE49-F238E27FC236}">
+                <a16:creationId xmlns:a16="http://schemas.microsoft.com/office/drawing/2014/main" id="{CF313A24-2286-F889-0862-6A9E2D828213}"/>
               </a:ext>
             </a:extLst>
           </p:cNvPr>
@@ -4906,22 +4526,22 @@
         </p:nvSpPr>
         <p:spPr>
           <a:xfrm>
-            <a:off x="1373372" y="3429000"/>
-            <a:ext cx="3677093" cy="1603535"/>
-          </a:xfrm>
-          <a:prstGeom prst="rect">
+            <a:off x="850059" y="1445618"/>
+            <a:ext cx="10632558" cy="708498"/>
+          </a:xfrm>
+          <a:prstGeom prst="roundRect">
             <a:avLst/>
           </a:prstGeom>
         </p:spPr>
         <p:style>
           <a:lnRef idx="2">
-            <a:schemeClr val="dk1"/>
+            <a:schemeClr val="accent6"/>
           </a:lnRef>
           <a:fillRef idx="1">
             <a:schemeClr val="lt1"/>
           </a:fillRef>
           <a:effectRef idx="0">
-            <a:schemeClr val="dk1"/>
+            <a:schemeClr val="accent6"/>
           </a:effectRef>
           <a:fontRef idx="minor">
             <a:schemeClr val="dk1"/>
@@ -4931,21 +4551,29 @@
           <a:bodyPr rtlCol="0" anchor="ctr"/>
           <a:lstStyle/>
           <a:p>
-            <a:r>
-              <a:rPr lang="ru-RU" altLang="ru-RU" sz="2800" dirty="0">
+            <a:pPr>
+              <a:spcBef>
+                <a:spcPct val="50000"/>
+              </a:spcBef>
+            </a:pPr>
+            <a:r>
+              <a:rPr lang="ru-RU" altLang="ru-RU" sz="2000" dirty="0" smtClean="0">
                 <a:latin typeface="Montserrat" panose="020F0502020204030204" pitchFamily="2" charset="-52"/>
               </a:rPr>
-              <a:t>Как получают знание</a:t>
-            </a:r>
-          </a:p>
-        </p:txBody>
-      </p:sp>
-      <p:sp>
-        <p:nvSpPr>
-          <p:cNvPr id="4" name="Прямоугольник 3">
-            <a:extLst>
-              <a:ext uri="{FF2B5EF4-FFF2-40B4-BE49-F238E27FC236}">
-                <a16:creationId xmlns:a16="http://schemas.microsoft.com/office/drawing/2014/main" id="{A70013D0-B207-E91E-A117-BB407A8BBEC1}"/>
+              <a:t>В результате анализа понимание явление формируется в соответствии с моделью мира в сознании конкретного субъекта</a:t>
+            </a:r>
+            <a:endParaRPr lang="ru-RU" altLang="ru-RU" sz="2000" dirty="0">
+              <a:latin typeface="Montserrat" panose="020F0502020204030204" pitchFamily="2" charset="-52"/>
+            </a:endParaRPr>
+          </a:p>
+        </p:txBody>
+      </p:sp>
+      <p:sp>
+        <p:nvSpPr>
+          <p:cNvPr id="5" name="Прямоугольник: скругленные углы 4">
+            <a:extLst>
+              <a:ext uri="{FF2B5EF4-FFF2-40B4-BE49-F238E27FC236}">
+                <a16:creationId xmlns:a16="http://schemas.microsoft.com/office/drawing/2014/main" id="{CF313A24-2286-F889-0862-6A9E2D828213}"/>
               </a:ext>
             </a:extLst>
           </p:cNvPr>
@@ -4954,22 +4582,22 @@
         </p:nvSpPr>
         <p:spPr>
           <a:xfrm>
-            <a:off x="6671930" y="3428999"/>
-            <a:ext cx="3677093" cy="1603535"/>
-          </a:xfrm>
-          <a:prstGeom prst="rect">
+            <a:off x="2043430" y="2558693"/>
+            <a:ext cx="8245815" cy="708498"/>
+          </a:xfrm>
+          <a:prstGeom prst="roundRect">
             <a:avLst/>
           </a:prstGeom>
         </p:spPr>
         <p:style>
           <a:lnRef idx="2">
-            <a:schemeClr val="dk1"/>
+            <a:schemeClr val="accent6"/>
           </a:lnRef>
           <a:fillRef idx="1">
             <a:schemeClr val="lt1"/>
           </a:fillRef>
           <a:effectRef idx="0">
-            <a:schemeClr val="dk1"/>
+            <a:schemeClr val="accent6"/>
           </a:effectRef>
           <a:fontRef idx="minor">
             <a:schemeClr val="dk1"/>
@@ -4979,163 +4607,125 @@
           <a:bodyPr rtlCol="0" anchor="ctr"/>
           <a:lstStyle/>
           <a:p>
-            <a:r>
-              <a:rPr lang="ru-RU" altLang="ru-RU" sz="2800" dirty="0">
+            <a:pPr>
+              <a:spcBef>
+                <a:spcPct val="50000"/>
+              </a:spcBef>
+            </a:pPr>
+            <a:r>
+              <a:rPr lang="ru-RU" altLang="ru-RU" sz="2000" dirty="0" smtClean="0">
                 <a:latin typeface="Montserrat" panose="020F0502020204030204" pitchFamily="2" charset="-52"/>
               </a:rPr>
-              <a:t>Как следует использовать полученное знание</a:t>
-            </a:r>
+              <a:t>Понимание одного и того же явления у разных людей будет различаться</a:t>
+            </a:r>
+            <a:endParaRPr lang="ru-RU" altLang="ru-RU" sz="2000" dirty="0">
+              <a:latin typeface="Montserrat" panose="020F0502020204030204" pitchFamily="2" charset="-52"/>
+            </a:endParaRPr>
           </a:p>
         </p:txBody>
       </p:sp>
       <p:cxnSp>
         <p:nvCxnSpPr>
-          <p:cNvPr id="8" name="Прямая соединительная линия 7">
-            <a:extLst>
-              <a:ext uri="{FF2B5EF4-FFF2-40B4-BE49-F238E27FC236}">
-                <a16:creationId xmlns:a16="http://schemas.microsoft.com/office/drawing/2014/main" id="{C1071F69-8059-F32B-873B-F8C2548AE56A}"/>
-              </a:ext>
-            </a:extLst>
-          </p:cNvPr>
-          <p:cNvCxnSpPr/>
+          <p:cNvPr id="4" name="Прямая со стрелкой 3"/>
+          <p:cNvCxnSpPr>
+            <a:stCxn id="7" idx="2"/>
+            <a:endCxn id="5" idx="0"/>
+          </p:cNvCxnSpPr>
           <p:nvPr/>
         </p:nvCxnSpPr>
         <p:spPr>
-          <a:xfrm flipV="1">
-            <a:off x="3987209" y="2147777"/>
-            <a:ext cx="893135" cy="1281222"/>
-          </a:xfrm>
-          <a:prstGeom prst="line">
+          <a:xfrm>
+            <a:off x="6166338" y="2154116"/>
+            <a:ext cx="0" cy="404577"/>
+          </a:xfrm>
+          <a:prstGeom prst="straightConnector1">
             <a:avLst/>
           </a:prstGeom>
+          <a:ln>
+            <a:tailEnd type="triangle"/>
+          </a:ln>
         </p:spPr>
         <p:style>
           <a:lnRef idx="2">
-            <a:schemeClr val="dk1"/>
+            <a:schemeClr val="accent1"/>
           </a:lnRef>
           <a:fillRef idx="0">
-            <a:schemeClr val="dk1"/>
+            <a:schemeClr val="accent1"/>
           </a:fillRef>
           <a:effectRef idx="1">
-            <a:schemeClr val="dk1"/>
+            <a:schemeClr val="accent1"/>
           </a:effectRef>
           <a:fontRef idx="minor">
             <a:schemeClr val="tx1"/>
           </a:fontRef>
         </p:style>
       </p:cxnSp>
-      <p:cxnSp>
-        <p:nvCxnSpPr>
-          <p:cNvPr id="9" name="Прямая соединительная линия 8">
-            <a:extLst>
-              <a:ext uri="{FF2B5EF4-FFF2-40B4-BE49-F238E27FC236}">
-                <a16:creationId xmlns:a16="http://schemas.microsoft.com/office/drawing/2014/main" id="{ECD4F06A-5ECC-A9DB-30F9-FE6C9739EFF8}"/>
-              </a:ext>
-            </a:extLst>
-          </p:cNvPr>
-          <p:cNvCxnSpPr>
-            <a:cxnSpLocks/>
-          </p:cNvCxnSpPr>
+      <p:sp>
+        <p:nvSpPr>
+          <p:cNvPr id="11" name="Прямоугольник: скругленные углы 4">
+            <a:extLst>
+              <a:ext uri="{FF2B5EF4-FFF2-40B4-BE49-F238E27FC236}">
+                <a16:creationId xmlns:a16="http://schemas.microsoft.com/office/drawing/2014/main" id="{CF313A24-2286-F889-0862-6A9E2D828213}"/>
+              </a:ext>
+            </a:extLst>
+          </p:cNvPr>
+          <p:cNvSpPr/>
           <p:nvPr/>
-        </p:nvCxnSpPr>
-        <p:spPr>
-          <a:xfrm flipH="1" flipV="1">
-            <a:off x="7494181" y="2147777"/>
-            <a:ext cx="1469066" cy="1281222"/>
-          </a:xfrm>
-          <a:prstGeom prst="line">
+        </p:nvSpPr>
+        <p:spPr>
+          <a:xfrm>
+            <a:off x="850058" y="4309134"/>
+            <a:ext cx="10632558" cy="1241434"/>
+          </a:xfrm>
+          <a:prstGeom prst="roundRect">
             <a:avLst/>
           </a:prstGeom>
         </p:spPr>
         <p:style>
           <a:lnRef idx="2">
-            <a:schemeClr val="dk1"/>
+            <a:schemeClr val="accent6"/>
           </a:lnRef>
-          <a:fillRef idx="0">
-            <a:schemeClr val="dk1"/>
+          <a:fillRef idx="1">
+            <a:schemeClr val="lt1"/>
           </a:fillRef>
-          <a:effectRef idx="1">
-            <a:schemeClr val="dk1"/>
+          <a:effectRef idx="0">
+            <a:schemeClr val="accent6"/>
           </a:effectRef>
           <a:fontRef idx="minor">
-            <a:schemeClr val="tx1"/>
+            <a:schemeClr val="dk1"/>
           </a:fontRef>
         </p:style>
-      </p:cxnSp>
-      <p:sp>
-        <p:nvSpPr>
-          <p:cNvPr id="11" name="TextBox 10">
-            <a:extLst>
-              <a:ext uri="{FF2B5EF4-FFF2-40B4-BE49-F238E27FC236}">
-                <a16:creationId xmlns:a16="http://schemas.microsoft.com/office/drawing/2014/main" id="{EC1DA511-F5DE-AE3C-3E89-BC52AAED0F35}"/>
-              </a:ext>
-            </a:extLst>
-          </p:cNvPr>
-          <p:cNvSpPr txBox="1"/>
-          <p:nvPr/>
-        </p:nvSpPr>
-        <p:spPr>
-          <a:xfrm>
-            <a:off x="1373372" y="5326912"/>
-            <a:ext cx="3677093" cy="415498"/>
-          </a:xfrm>
-          <a:prstGeom prst="rect">
-            <a:avLst/>
-          </a:prstGeom>
-          <a:noFill/>
-        </p:spPr>
-        <p:txBody>
-          <a:bodyPr wrap="square" rtlCol="0">
-            <a:spAutoFit/>
-          </a:bodyPr>
-          <a:lstStyle/>
-          <a:p>
-            <a:r>
-              <a:rPr lang="ru-RU" sz="2100" dirty="0"/>
-              <a:t>Вопрос о методе</a:t>
-            </a:r>
-          </a:p>
-        </p:txBody>
-      </p:sp>
-      <p:sp>
-        <p:nvSpPr>
-          <p:cNvPr id="12" name="TextBox 11">
-            <a:extLst>
-              <a:ext uri="{FF2B5EF4-FFF2-40B4-BE49-F238E27FC236}">
-                <a16:creationId xmlns:a16="http://schemas.microsoft.com/office/drawing/2014/main" id="{7F614C82-8BF5-A32F-F7F0-4660D21990EB}"/>
-              </a:ext>
-            </a:extLst>
-          </p:cNvPr>
-          <p:cNvSpPr txBox="1"/>
-          <p:nvPr/>
-        </p:nvSpPr>
-        <p:spPr>
-          <a:xfrm>
-            <a:off x="6746358" y="5326912"/>
-            <a:ext cx="3677093" cy="738664"/>
-          </a:xfrm>
-          <a:prstGeom prst="rect">
-            <a:avLst/>
-          </a:prstGeom>
-          <a:noFill/>
-        </p:spPr>
-        <p:txBody>
-          <a:bodyPr wrap="square" rtlCol="0">
-            <a:spAutoFit/>
-          </a:bodyPr>
-          <a:lstStyle/>
-          <a:p>
-            <a:r>
-              <a:rPr lang="ru-RU" sz="2100" dirty="0"/>
-              <a:t>Вопрос об этике и предпочтении</a:t>
-            </a:r>
+        <p:txBody>
+          <a:bodyPr rtlCol="0" anchor="ctr"/>
+          <a:lstStyle/>
+          <a:p>
+            <a:pPr>
+              <a:spcBef>
+                <a:spcPct val="50000"/>
+              </a:spcBef>
+            </a:pPr>
+            <a:r>
+              <a:rPr lang="ru-RU" altLang="ru-RU" sz="2000" b="1" dirty="0" smtClean="0">
+                <a:latin typeface="Montserrat" panose="020F0502020204030204" pitchFamily="2" charset="-52"/>
+              </a:rPr>
+              <a:t>Исследование</a:t>
+            </a:r>
+            <a:r>
+              <a:rPr lang="ru-RU" altLang="ru-RU" sz="2000" dirty="0" smtClean="0">
+                <a:latin typeface="Montserrat" panose="020F0502020204030204" pitchFamily="2" charset="-52"/>
+              </a:rPr>
+              <a:t> необходимо, чтобы фактически проверить и скорректировать сформированное в результате анализа понимание, уточнить его в соответствии с реальностью, и тем самым обогатить свою модель мира</a:t>
+            </a:r>
+            <a:endParaRPr lang="ru-RU" altLang="ru-RU" sz="2000" dirty="0">
+              <a:latin typeface="Montserrat" panose="020F0502020204030204" pitchFamily="2" charset="-52"/>
+            </a:endParaRPr>
           </a:p>
         </p:txBody>
       </p:sp>
     </p:spTree>
     <p:extLst>
       <p:ext uri="{BB962C8B-B14F-4D97-AF65-F5344CB8AC3E}">
-        <p14:creationId xmlns:p14="http://schemas.microsoft.com/office/powerpoint/2010/main" val="4208501081"/>
+        <p14:creationId xmlns:p14="http://schemas.microsoft.com/office/powerpoint/2010/main" val="1484897872"/>
       </p:ext>
     </p:extLst>
   </p:cSld>
@@ -5146,6 +4736,66 @@
 </file>
 
 <file path=ppt/slides/slide5.xml><?xml version="1.0" encoding="utf-8"?>
+<p:sld xmlns:a="http://schemas.openxmlformats.org/drawingml/2006/main" xmlns:r="http://schemas.openxmlformats.org/officeDocument/2006/relationships" xmlns:p="http://schemas.openxmlformats.org/presentationml/2006/main">
+  <p:cSld>
+    <p:spTree>
+      <p:nvGrpSpPr>
+        <p:cNvPr id="1" name=""/>
+        <p:cNvGrpSpPr/>
+        <p:nvPr/>
+      </p:nvGrpSpPr>
+      <p:grpSpPr>
+        <a:xfrm>
+          <a:off x="0" y="0"/>
+          <a:ext cx="0" cy="0"/>
+          <a:chOff x="0" y="0"/>
+          <a:chExt cx="0" cy="0"/>
+        </a:xfrm>
+      </p:grpSpPr>
+      <p:pic>
+        <p:nvPicPr>
+          <p:cNvPr id="2" name="Рисунок 1"/>
+          <p:cNvPicPr>
+            <a:picLocks noChangeAspect="1"/>
+          </p:cNvPicPr>
+          <p:nvPr/>
+        </p:nvPicPr>
+        <p:blipFill>
+          <a:blip r:embed="rId2">
+            <a:extLst>
+              <a:ext uri="{28A0092B-C50C-407E-A947-70E740481C1C}">
+                <a14:useLocalDpi xmlns:a14="http://schemas.microsoft.com/office/drawing/2010/main" val="0"/>
+              </a:ext>
+            </a:extLst>
+          </a:blip>
+          <a:stretch>
+            <a:fillRect/>
+          </a:stretch>
+        </p:blipFill>
+        <p:spPr>
+          <a:xfrm>
+            <a:off x="1130188" y="1155031"/>
+            <a:ext cx="10017799" cy="4219073"/>
+          </a:xfrm>
+          <a:prstGeom prst="rect">
+            <a:avLst/>
+          </a:prstGeom>
+        </p:spPr>
+      </p:pic>
+    </p:spTree>
+    <p:extLst>
+      <p:ext uri="{BB962C8B-B14F-4D97-AF65-F5344CB8AC3E}">
+        <p14:creationId xmlns:p14="http://schemas.microsoft.com/office/powerpoint/2010/main" val="4149103664"/>
+      </p:ext>
+    </p:extLst>
+  </p:cSld>
+  <p:clrMapOvr>
+    <a:masterClrMapping/>
+  </p:clrMapOvr>
+</p:sld>
+</file>
+
+<file path=ppt/slides/slide6.xml><?xml version="1.0" encoding="utf-8"?>
 <p:sld xmlns:a="http://schemas.openxmlformats.org/drawingml/2006/main" xmlns:r="http://schemas.openxmlformats.org/officeDocument/2006/relationships" xmlns:p="http://schemas.openxmlformats.org/presentationml/2006/main">
   <p:cSld>
     <p:spTree>
@@ -5170,10 +4820,10 @@
       </p:grpSpPr>
       <p:sp>
         <p:nvSpPr>
-          <p:cNvPr id="4" name="Прямоугольник: скругленные углы 3">
-            <a:extLst>
-              <a:ext uri="{FF2B5EF4-FFF2-40B4-BE49-F238E27FC236}">
-                <a16:creationId xmlns:a16="http://schemas.microsoft.com/office/drawing/2014/main" id="{50874CDD-D7E7-A953-6273-0932FDCEDF1A}"/>
+          <p:cNvPr id="5" name="Прямоугольник: скругленные углы 4">
+            <a:extLst>
+              <a:ext uri="{FF2B5EF4-FFF2-40B4-BE49-F238E27FC236}">
+                <a16:creationId xmlns:a16="http://schemas.microsoft.com/office/drawing/2014/main" id="{C22B179D-EA5F-4A76-9945-D61C9FA94B98}"/>
               </a:ext>
             </a:extLst>
           </p:cNvPr>
@@ -5182,8 +4832,8 @@
         </p:nvSpPr>
         <p:spPr>
           <a:xfrm>
-            <a:off x="832475" y="2200531"/>
-            <a:ext cx="10632558" cy="1043831"/>
+            <a:off x="784349" y="2887284"/>
+            <a:ext cx="10632558" cy="987192"/>
           </a:xfrm>
           <a:prstGeom prst="roundRect">
             <a:avLst/>
@@ -5207,35 +4857,41 @@
           <a:bodyPr rtlCol="0" anchor="ctr"/>
           <a:lstStyle/>
           <a:p>
+            <a:pPr>
+              <a:spcBef>
+                <a:spcPct val="50000"/>
+              </a:spcBef>
+            </a:pPr>
             <a:r>
               <a:rPr lang="ru-RU" altLang="ru-RU" sz="2000" b="1" dirty="0">
                 <a:latin typeface="Montserrat" panose="020F0502020204030204" pitchFamily="2" charset="-52"/>
               </a:rPr>
-              <a:t>Язык</a:t>
+              <a:t>Эмпирический анализ</a:t>
             </a:r>
             <a:r>
               <a:rPr lang="ru-RU" altLang="ru-RU" sz="2000" dirty="0">
                 <a:latin typeface="Montserrat" panose="020F0502020204030204" pitchFamily="2" charset="-52"/>
               </a:rPr>
-              <a:t> – то с помощью чего можно изобразить знания.</a:t>
-            </a:r>
-          </a:p>
-          <a:p>
-            <a:r>
-              <a:rPr lang="ru-RU" altLang="ru-RU" sz="2000" dirty="0">
+              <a:t> – это </a:t>
+            </a:r>
+            <a:r>
+              <a:rPr lang="ru-RU" altLang="ru-RU" sz="2000" dirty="0" smtClean="0">
                 <a:latin typeface="Montserrat" panose="020F0502020204030204" pitchFamily="2" charset="-52"/>
               </a:rPr>
-              <a:t>Язык нужен, чтобы понимать друг друга, чтобы систематизировать знания для описания предметной (конкретной) реальности.</a:t>
-            </a:r>
-          </a:p>
-        </p:txBody>
-      </p:sp>
-      <p:sp>
-        <p:nvSpPr>
-          <p:cNvPr id="5" name="Прямоугольник: скругленные углы 4">
-            <a:extLst>
-              <a:ext uri="{FF2B5EF4-FFF2-40B4-BE49-F238E27FC236}">
-                <a16:creationId xmlns:a16="http://schemas.microsoft.com/office/drawing/2014/main" id="{C22B179D-EA5F-4A76-9945-D61C9FA94B98}"/>
+              <a:t>наполнение той компоненты исследования, которая отвечает на вопрос «как получают знания?»</a:t>
+            </a:r>
+            <a:endParaRPr lang="ru-RU" altLang="ru-RU" sz="2000" dirty="0">
+              <a:latin typeface="Montserrat" panose="020F0502020204030204" pitchFamily="2" charset="-52"/>
+            </a:endParaRPr>
+          </a:p>
+        </p:txBody>
+      </p:sp>
+      <p:sp>
+        <p:nvSpPr>
+          <p:cNvPr id="2" name="Прямоугольник: скругленные углы 1">
+            <a:extLst>
+              <a:ext uri="{FF2B5EF4-FFF2-40B4-BE49-F238E27FC236}">
+                <a16:creationId xmlns:a16="http://schemas.microsoft.com/office/drawing/2014/main" id="{64D7874C-AF18-AAF4-BD7F-4089C9CBC6DD}"/>
               </a:ext>
             </a:extLst>
           </p:cNvPr>
@@ -5244,8 +4900,8 @@
         </p:nvSpPr>
         <p:spPr>
           <a:xfrm>
-            <a:off x="832475" y="3496884"/>
-            <a:ext cx="10632558" cy="987192"/>
+            <a:off x="784349" y="4412699"/>
+            <a:ext cx="10632558" cy="995987"/>
           </a:xfrm>
           <a:prstGeom prst="roundRect">
             <a:avLst/>
@@ -5275,26 +4931,29 @@
               </a:spcBef>
             </a:pPr>
             <a:r>
-              <a:rPr lang="ru-RU" altLang="ru-RU" sz="2000" b="1" dirty="0">
+              <a:rPr lang="ru-RU" altLang="ru-RU" sz="2000" b="1" dirty="0" smtClean="0">
                 <a:latin typeface="Montserrat" panose="020F0502020204030204" pitchFamily="2" charset="-52"/>
               </a:rPr>
-              <a:t>Эмпирический анализ</a:t>
-            </a:r>
-            <a:r>
-              <a:rPr lang="ru-RU" altLang="ru-RU" sz="2000" dirty="0">
+              <a:t>Результатом эмпирического анализа </a:t>
+            </a:r>
+            <a:r>
+              <a:rPr lang="ru-RU" altLang="ru-RU" sz="2000" dirty="0" smtClean="0">
                 <a:latin typeface="Montserrat" panose="020F0502020204030204" pitchFamily="2" charset="-52"/>
               </a:rPr>
-              <a:t> – это систематизация известных знаний и разработка метода, чтобы знать, как получают знания.</a:t>
-            </a:r>
-          </a:p>
-        </p:txBody>
-      </p:sp>
-      <p:sp>
-        <p:nvSpPr>
-          <p:cNvPr id="2" name="Прямоугольник: скругленные углы 1">
-            <a:extLst>
-              <a:ext uri="{FF2B5EF4-FFF2-40B4-BE49-F238E27FC236}">
-                <a16:creationId xmlns:a16="http://schemas.microsoft.com/office/drawing/2014/main" id="{64D7874C-AF18-AAF4-BD7F-4089C9CBC6DD}"/>
+              <a:t>является разработанный метод получения знаний об объекте исследования</a:t>
+            </a:r>
+            <a:endParaRPr lang="ru-RU" altLang="ru-RU" sz="2000" dirty="0">
+              <a:latin typeface="Montserrat" panose="020F0502020204030204" pitchFamily="2" charset="-52"/>
+            </a:endParaRPr>
+          </a:p>
+        </p:txBody>
+      </p:sp>
+      <p:sp>
+        <p:nvSpPr>
+          <p:cNvPr id="6" name="Прямоугольник: скругленные углы 3">
+            <a:extLst>
+              <a:ext uri="{FF2B5EF4-FFF2-40B4-BE49-F238E27FC236}">
+                <a16:creationId xmlns:a16="http://schemas.microsoft.com/office/drawing/2014/main" id="{FA42E480-F299-E4AD-60F0-409BD57E1999}"/>
               </a:ext>
             </a:extLst>
           </p:cNvPr>
@@ -5303,8 +4962,8 @@
         </p:nvSpPr>
         <p:spPr>
           <a:xfrm>
-            <a:off x="832475" y="4736598"/>
-            <a:ext cx="10632558" cy="995987"/>
+            <a:off x="784349" y="1104436"/>
+            <a:ext cx="10632558" cy="1244625"/>
           </a:xfrm>
           <a:prstGeom prst="roundRect">
             <a:avLst/>
@@ -5337,72 +4996,37 @@
               <a:rPr lang="ru-RU" altLang="ru-RU" sz="2000" b="1" dirty="0">
                 <a:latin typeface="Montserrat" panose="020F0502020204030204" pitchFamily="2" charset="-52"/>
               </a:rPr>
-              <a:t>Эмпирический анализ,</a:t>
+              <a:t>Метод</a:t>
             </a:r>
             <a:r>
               <a:rPr lang="ru-RU" altLang="ru-RU" sz="2000" dirty="0">
                 <a:latin typeface="Montserrat" panose="020F0502020204030204" pitchFamily="2" charset="-52"/>
               </a:rPr>
-              <a:t> в конечном счёте – это разработка и использование общего для всех объективного языка для описания предметной (конкретной) реальности.</a:t>
-            </a:r>
-          </a:p>
-        </p:txBody>
-      </p:sp>
-      <p:sp>
-        <p:nvSpPr>
-          <p:cNvPr id="6" name="Прямоугольник: скругленные углы 3">
-            <a:extLst>
-              <a:ext uri="{FF2B5EF4-FFF2-40B4-BE49-F238E27FC236}">
-                <a16:creationId xmlns:a16="http://schemas.microsoft.com/office/drawing/2014/main" id="{FA42E480-F299-E4AD-60F0-409BD57E1999}"/>
-              </a:ext>
-            </a:extLst>
-          </p:cNvPr>
-          <p:cNvSpPr/>
-          <p:nvPr/>
-        </p:nvSpPr>
-        <p:spPr>
-          <a:xfrm>
-            <a:off x="832475" y="703384"/>
-            <a:ext cx="10632558" cy="1244625"/>
-          </a:xfrm>
-          <a:prstGeom prst="roundRect">
-            <a:avLst/>
-          </a:prstGeom>
-        </p:spPr>
-        <p:style>
-          <a:lnRef idx="2">
-            <a:schemeClr val="accent6"/>
-          </a:lnRef>
-          <a:fillRef idx="1">
-            <a:schemeClr val="lt1"/>
-          </a:fillRef>
-          <a:effectRef idx="0">
-            <a:schemeClr val="accent6"/>
-          </a:effectRef>
-          <a:fontRef idx="minor">
-            <a:schemeClr val="dk1"/>
-          </a:fontRef>
-        </p:style>
-        <p:txBody>
-          <a:bodyPr rtlCol="0" anchor="ctr"/>
-          <a:lstStyle/>
-          <a:p>
-            <a:pPr>
-              <a:spcBef>
-                <a:spcPct val="50000"/>
-              </a:spcBef>
-            </a:pPr>
-            <a:r>
-              <a:rPr lang="ru-RU" altLang="ru-RU" sz="2000" b="1" dirty="0">
+              <a:t> – набор мероприятий в </a:t>
+            </a:r>
+            <a:r>
+              <a:rPr lang="ru-RU" altLang="ru-RU" sz="2000" dirty="0" smtClean="0">
                 <a:latin typeface="Montserrat" panose="020F0502020204030204" pitchFamily="2" charset="-52"/>
               </a:rPr>
-              <a:t>Метод</a:t>
+              <a:t>единой </a:t>
             </a:r>
             <a:r>
               <a:rPr lang="ru-RU" altLang="ru-RU" sz="2000" dirty="0">
                 <a:latin typeface="Montserrat" panose="020F0502020204030204" pitchFamily="2" charset="-52"/>
               </a:rPr>
-              <a:t> – набор мероприятий в определённой последовательности исполнения для достижения поставленной цели.</a:t>
+              <a:t>последовательности </a:t>
+            </a:r>
+            <a:r>
+              <a:rPr lang="ru-RU" altLang="ru-RU" sz="2000" dirty="0" smtClean="0">
+                <a:latin typeface="Montserrat" panose="020F0502020204030204" pitchFamily="2" charset="-52"/>
+              </a:rPr>
+              <a:t>их исполнения </a:t>
+            </a:r>
+            <a:r>
+              <a:rPr lang="ru-RU" altLang="ru-RU" sz="2000" dirty="0">
+                <a:latin typeface="Montserrat" panose="020F0502020204030204" pitchFamily="2" charset="-52"/>
+              </a:rPr>
+              <a:t>для достижения поставленной цели.</a:t>
             </a:r>
           </a:p>
         </p:txBody>
@@ -5420,7 +5044,7 @@
 </p:sld>
 </file>
 
-<file path=ppt/slides/slide6.xml><?xml version="1.0" encoding="utf-8"?>
+<file path=ppt/slides/slide7.xml><?xml version="1.0" encoding="utf-8"?>
 <p:sld xmlns:a="http://schemas.openxmlformats.org/drawingml/2006/main" xmlns:r="http://schemas.openxmlformats.org/officeDocument/2006/relationships" xmlns:p="http://schemas.openxmlformats.org/presentationml/2006/main">
   <p:cSld>
     <p:spTree>
@@ -5716,8 +5340,29 @@
               <a:rPr lang="ru-RU" altLang="ru-RU" sz="2800" dirty="0">
                 <a:latin typeface="Montserrat" panose="020F0502020204030204" pitchFamily="2" charset="-52"/>
               </a:rPr>
-              <a:t>системный подход к описанию функционирования объектов</a:t>
-            </a:r>
+              <a:t>системный подход к </a:t>
+            </a:r>
+            <a:r>
+              <a:rPr lang="ru-RU" altLang="ru-RU" sz="2800" dirty="0" smtClean="0">
+                <a:latin typeface="Montserrat" panose="020F0502020204030204" pitchFamily="2" charset="-52"/>
+              </a:rPr>
+              <a:t>организации </a:t>
+            </a:r>
+            <a:r>
+              <a:rPr lang="ru-RU" altLang="ru-RU" sz="2800" dirty="0">
+                <a:latin typeface="Montserrat" panose="020F0502020204030204" pitchFamily="2" charset="-52"/>
+              </a:rPr>
+              <a:t>функционирования </a:t>
+            </a:r>
+            <a:r>
+              <a:rPr lang="ru-RU" altLang="ru-RU" sz="2800" dirty="0" smtClean="0">
+                <a:latin typeface="Montserrat" panose="020F0502020204030204" pitchFamily="2" charset="-52"/>
+              </a:rPr>
+              <a:t>объектов как систем</a:t>
+            </a:r>
+            <a:endParaRPr lang="ru-RU" altLang="ru-RU" sz="2800" dirty="0">
+              <a:latin typeface="Montserrat" panose="020F0502020204030204" pitchFamily="2" charset="-52"/>
+            </a:endParaRPr>
           </a:p>
         </p:txBody>
       </p:sp>
@@ -5917,131 +5562,6 @@
     <p:extLst>
       <p:ext uri="{BB962C8B-B14F-4D97-AF65-F5344CB8AC3E}">
         <p14:creationId xmlns:p14="http://schemas.microsoft.com/office/powerpoint/2010/main" val="1216039589"/>
-      </p:ext>
-    </p:extLst>
-  </p:cSld>
-  <p:clrMapOvr>
-    <a:masterClrMapping/>
-  </p:clrMapOvr>
-</p:sld>
-</file>
-
-<file path=ppt/slides/slide7.xml><?xml version="1.0" encoding="utf-8"?>
-<p:sld xmlns:a="http://schemas.openxmlformats.org/drawingml/2006/main" xmlns:r="http://schemas.openxmlformats.org/officeDocument/2006/relationships" xmlns:p="http://schemas.openxmlformats.org/presentationml/2006/main">
-  <p:cSld>
-    <p:spTree>
-      <p:nvGrpSpPr>
-        <p:cNvPr id="1" name="">
-          <a:extLst>
-            <a:ext uri="{FF2B5EF4-FFF2-40B4-BE49-F238E27FC236}">
-              <a16:creationId xmlns:a16="http://schemas.microsoft.com/office/drawing/2014/main" id="{725F97FC-6408-674E-4FC3-ED52B7A85A1A}"/>
-            </a:ext>
-          </a:extLst>
-        </p:cNvPr>
-        <p:cNvGrpSpPr/>
-        <p:nvPr/>
-      </p:nvGrpSpPr>
-      <p:grpSpPr>
-        <a:xfrm>
-          <a:off x="0" y="0"/>
-          <a:ext cx="0" cy="0"/>
-          <a:chOff x="0" y="0"/>
-          <a:chExt cx="0" cy="0"/>
-        </a:xfrm>
-      </p:grpSpPr>
-      <p:sp>
-        <p:nvSpPr>
-          <p:cNvPr id="4" name="Прямоугольник: скругленные углы 3">
-            <a:extLst>
-              <a:ext uri="{FF2B5EF4-FFF2-40B4-BE49-F238E27FC236}">
-                <a16:creationId xmlns:a16="http://schemas.microsoft.com/office/drawing/2014/main" id="{8F9A2C53-9E80-8272-0EE2-4C3179F66F46}"/>
-              </a:ext>
-            </a:extLst>
-          </p:cNvPr>
-          <p:cNvSpPr/>
-          <p:nvPr/>
-        </p:nvSpPr>
-        <p:spPr>
-          <a:xfrm>
-            <a:off x="779721" y="414670"/>
-            <a:ext cx="10632558" cy="5635256"/>
-          </a:xfrm>
-          <a:prstGeom prst="roundRect">
-            <a:avLst/>
-          </a:prstGeom>
-        </p:spPr>
-        <p:style>
-          <a:lnRef idx="2">
-            <a:schemeClr val="accent6"/>
-          </a:lnRef>
-          <a:fillRef idx="1">
-            <a:schemeClr val="lt1"/>
-          </a:fillRef>
-          <a:effectRef idx="0">
-            <a:schemeClr val="accent6"/>
-          </a:effectRef>
-          <a:fontRef idx="minor">
-            <a:schemeClr val="dk1"/>
-          </a:fontRef>
-        </p:style>
-        <p:txBody>
-          <a:bodyPr rtlCol="0" anchor="ctr"/>
-          <a:lstStyle/>
-          <a:p>
-            <a:pPr>
-              <a:spcBef>
-                <a:spcPct val="50000"/>
-              </a:spcBef>
-            </a:pPr>
-            <a:r>
-              <a:rPr lang="ru-RU" altLang="ru-RU" sz="2800" dirty="0">
-                <a:latin typeface="Montserrat" panose="020F0502020204030204" pitchFamily="2" charset="-52"/>
-              </a:rPr>
-              <a:t>В </a:t>
-            </a:r>
-            <a:r>
-              <a:rPr lang="ru-RU" altLang="ru-RU" sz="2800" b="1" dirty="0">
-                <a:latin typeface="Montserrat" panose="020F0502020204030204" pitchFamily="2" charset="-52"/>
-              </a:rPr>
-              <a:t>классическом анализе</a:t>
-            </a:r>
-            <a:r>
-              <a:rPr lang="ru-RU" altLang="ru-RU" sz="2800" dirty="0">
-                <a:latin typeface="Montserrat" panose="020F0502020204030204" pitchFamily="2" charset="-52"/>
-              </a:rPr>
-              <a:t> проводится разбиение объекта и исследование его частей произвольного </a:t>
-            </a:r>
-            <a:r>
-              <a:rPr lang="ru-RU" altLang="ru-RU" sz="2800" dirty="0" err="1">
-                <a:latin typeface="Montserrat" panose="020F0502020204030204" pitchFamily="2" charset="-52"/>
-              </a:rPr>
-              <a:t>целеназначения</a:t>
-            </a:r>
-            <a:r>
-              <a:rPr lang="ru-RU" altLang="ru-RU" sz="2800" dirty="0">
-                <a:latin typeface="Montserrat" panose="020F0502020204030204" pitchFamily="2" charset="-52"/>
-              </a:rPr>
-              <a:t>. Несмотря на всю широту этой классической схемы анализа исследования с произвольным </a:t>
-            </a:r>
-            <a:r>
-              <a:rPr lang="ru-RU" altLang="ru-RU" sz="2800" dirty="0" err="1">
-                <a:latin typeface="Montserrat" panose="020F0502020204030204" pitchFamily="2" charset="-52"/>
-              </a:rPr>
-              <a:t>целеназначением</a:t>
-            </a:r>
-            <a:r>
-              <a:rPr lang="ru-RU" altLang="ru-RU" sz="2800" dirty="0">
-                <a:latin typeface="Montserrat" panose="020F0502020204030204" pitchFamily="2" charset="-52"/>
-              </a:rPr>
-              <a:t>, в ней отсутствует императив проведения заключительного объектно-ориентированного вывода. Это связывает умозаключение о поведении объекта не столько с объективными обстоятельствами, сколько с субъективными представлениями исследователя.</a:t>
-            </a:r>
-          </a:p>
-        </p:txBody>
-      </p:sp>
-    </p:spTree>
-    <p:extLst>
-      <p:ext uri="{BB962C8B-B14F-4D97-AF65-F5344CB8AC3E}">
-        <p14:creationId xmlns:p14="http://schemas.microsoft.com/office/powerpoint/2010/main" val="2533332886"/>
       </p:ext>
     </p:extLst>
   </p:cSld>
@@ -6074,27 +5594,50 @@
           <a:chExt cx="0" cy="0"/>
         </a:xfrm>
       </p:grpSpPr>
-      <p:sp>
-        <p:nvSpPr>
-          <p:cNvPr id="3" name="TextBox 2">
-            <a:extLst>
-              <a:ext uri="{FF2B5EF4-FFF2-40B4-BE49-F238E27FC236}">
-                <a16:creationId xmlns:a16="http://schemas.microsoft.com/office/drawing/2014/main" id="{7E194C5C-1BA2-0A1F-4BDA-01C6A1F228F1}"/>
-              </a:ext>
-            </a:extLst>
-          </p:cNvPr>
-          <p:cNvSpPr txBox="1"/>
+      <p:pic>
+        <p:nvPicPr>
+          <p:cNvPr id="5" name="Рисунок 4"/>
+          <p:cNvPicPr>
+            <a:picLocks noChangeAspect="1"/>
+          </p:cNvPicPr>
           <p:nvPr/>
-        </p:nvSpPr>
+        </p:nvPicPr>
+        <p:blipFill>
+          <a:blip r:embed="rId2">
+            <a:extLst>
+              <a:ext uri="{28A0092B-C50C-407E-A947-70E740481C1C}">
+                <a14:useLocalDpi xmlns:a14="http://schemas.microsoft.com/office/drawing/2010/main" val="0"/>
+              </a:ext>
+            </a:extLst>
+          </a:blip>
+          <a:stretch>
+            <a:fillRect/>
+          </a:stretch>
+        </p:blipFill>
         <p:spPr>
           <a:xfrm>
-            <a:off x="996802" y="384879"/>
-            <a:ext cx="5180714" cy="487694"/>
+            <a:off x="7668126" y="467120"/>
+            <a:ext cx="2835693" cy="5820633"/>
           </a:xfrm>
           <a:prstGeom prst="rect">
             <a:avLst/>
           </a:prstGeom>
-          <a:noFill/>
+        </p:spPr>
+      </p:pic>
+      <p:sp>
+        <p:nvSpPr>
+          <p:cNvPr id="12" name="Прямоугольник 11"/>
+          <p:cNvSpPr/>
+          <p:nvPr/>
+        </p:nvSpPr>
+        <p:spPr>
+          <a:xfrm>
+            <a:off x="1427617" y="2777271"/>
+            <a:ext cx="4267331" cy="1200329"/>
+          </a:xfrm>
+          <a:prstGeom prst="rect">
+            <a:avLst/>
+          </a:prstGeom>
         </p:spPr>
         <p:txBody>
           <a:bodyPr wrap="square">
@@ -6103,489 +5646,15 @@
           <a:lstStyle/>
           <a:p>
             <a:r>
-              <a:rPr lang="ru-RU" altLang="ru-RU" sz="2500" dirty="0">
+              <a:rPr lang="ru-RU" altLang="ru-RU" sz="3600" dirty="0" smtClean="0">
                 <a:latin typeface="Montserrat" panose="020F0502020204030204" pitchFamily="2" charset="-52"/>
               </a:rPr>
               <a:t>Классическая схема исследования:</a:t>
             </a:r>
-            <a:endParaRPr lang="ru-RU" sz="2500" dirty="0"/>
-          </a:p>
-        </p:txBody>
-      </p:sp>
-      <p:sp>
-        <p:nvSpPr>
-          <p:cNvPr id="6" name="Прямоугольник 5">
-            <a:extLst>
-              <a:ext uri="{FF2B5EF4-FFF2-40B4-BE49-F238E27FC236}">
-                <a16:creationId xmlns:a16="http://schemas.microsoft.com/office/drawing/2014/main" id="{3D6C4062-F208-0BA1-E790-A1D36FBB36F1}"/>
-              </a:ext>
-            </a:extLst>
-          </p:cNvPr>
-          <p:cNvSpPr/>
-          <p:nvPr/>
-        </p:nvSpPr>
-        <p:spPr>
-          <a:xfrm>
-            <a:off x="1996263" y="1028970"/>
-            <a:ext cx="5077932" cy="1098245"/>
-          </a:xfrm>
-          <a:prstGeom prst="rect">
-            <a:avLst/>
-          </a:prstGeom>
-        </p:spPr>
-        <p:style>
-          <a:lnRef idx="2">
-            <a:schemeClr val="dk1"/>
-          </a:lnRef>
-          <a:fillRef idx="1">
-            <a:schemeClr val="lt1"/>
-          </a:fillRef>
-          <a:effectRef idx="0">
-            <a:schemeClr val="dk1"/>
-          </a:effectRef>
-          <a:fontRef idx="minor">
-            <a:schemeClr val="dk1"/>
-          </a:fontRef>
-        </p:style>
-        <p:txBody>
-          <a:bodyPr rtlCol="0" anchor="ctr"/>
-          <a:lstStyle/>
-          <a:p>
-            <a:pPr>
-              <a:spcBef>
-                <a:spcPct val="50000"/>
-              </a:spcBef>
-            </a:pPr>
-            <a:r>
-              <a:rPr lang="ru-RU" altLang="ru-RU" sz="2800" dirty="0">
-                <a:latin typeface="Montserrat" panose="020F0502020204030204" pitchFamily="2" charset="-52"/>
-              </a:rPr>
-              <a:t>1. Разбиение объекта на </a:t>
-            </a:r>
-            <a:r>
-              <a:rPr lang="ru-RU" altLang="ru-RU" sz="2800" dirty="0" smtClean="0">
-                <a:latin typeface="Montserrat" panose="020F0502020204030204" pitchFamily="2" charset="-52"/>
-              </a:rPr>
-              <a:t>части (проблема)</a:t>
-            </a:r>
-            <a:endParaRPr lang="ru-RU" dirty="0"/>
-          </a:p>
-        </p:txBody>
-      </p:sp>
-      <p:sp>
-        <p:nvSpPr>
-          <p:cNvPr id="7" name="Прямоугольник 6">
-            <a:extLst>
-              <a:ext uri="{FF2B5EF4-FFF2-40B4-BE49-F238E27FC236}">
-                <a16:creationId xmlns:a16="http://schemas.microsoft.com/office/drawing/2014/main" id="{0CE0DD76-9D41-A78C-C8E4-78F7859AA5C1}"/>
-              </a:ext>
-            </a:extLst>
-          </p:cNvPr>
-          <p:cNvSpPr/>
-          <p:nvPr/>
-        </p:nvSpPr>
-        <p:spPr>
-          <a:xfrm>
-            <a:off x="1996263" y="2457277"/>
-            <a:ext cx="5077932" cy="1615696"/>
-          </a:xfrm>
-          <a:prstGeom prst="rect">
-            <a:avLst/>
-          </a:prstGeom>
-        </p:spPr>
-        <p:style>
-          <a:lnRef idx="2">
-            <a:schemeClr val="dk1"/>
-          </a:lnRef>
-          <a:fillRef idx="1">
-            <a:schemeClr val="lt1"/>
-          </a:fillRef>
-          <a:effectRef idx="0">
-            <a:schemeClr val="dk1"/>
-          </a:effectRef>
-          <a:fontRef idx="minor">
-            <a:schemeClr val="dk1"/>
-          </a:fontRef>
-        </p:style>
-        <p:txBody>
-          <a:bodyPr rtlCol="0" anchor="ctr"/>
-          <a:lstStyle/>
-          <a:p>
-            <a:pPr>
-              <a:spcBef>
-                <a:spcPct val="50000"/>
-              </a:spcBef>
-            </a:pPr>
-            <a:r>
-              <a:rPr lang="ru-RU" altLang="ru-RU" sz="2800" dirty="0">
-                <a:latin typeface="Montserrat" panose="020F0502020204030204" pitchFamily="2" charset="-52"/>
-              </a:rPr>
-              <a:t>2. Формулирование цели исследования для каждой </a:t>
-            </a:r>
-            <a:r>
-              <a:rPr lang="ru-RU" altLang="ru-RU" sz="2800" dirty="0" smtClean="0">
-                <a:latin typeface="Montserrat" panose="020F0502020204030204" pitchFamily="2" charset="-52"/>
-              </a:rPr>
-              <a:t>части (проблема)</a:t>
-            </a:r>
-            <a:endParaRPr lang="ru-RU" altLang="ru-RU" sz="2800" dirty="0">
-              <a:latin typeface="Montserrat" panose="020F0502020204030204" pitchFamily="2" charset="-52"/>
-            </a:endParaRPr>
-          </a:p>
-        </p:txBody>
-      </p:sp>
-      <p:cxnSp>
-        <p:nvCxnSpPr>
-          <p:cNvPr id="11" name="Прямая соединительная линия 10">
-            <a:extLst>
-              <a:ext uri="{FF2B5EF4-FFF2-40B4-BE49-F238E27FC236}">
-                <a16:creationId xmlns:a16="http://schemas.microsoft.com/office/drawing/2014/main" id="{EB048DCE-D85F-BFB5-87E1-95BDBD714382}"/>
-              </a:ext>
-            </a:extLst>
-          </p:cNvPr>
-          <p:cNvCxnSpPr>
-            <a:cxnSpLocks/>
-          </p:cNvCxnSpPr>
-          <p:nvPr/>
-        </p:nvCxnSpPr>
-        <p:spPr>
-          <a:xfrm>
-            <a:off x="1265274" y="872573"/>
-            <a:ext cx="0" cy="5570757"/>
-          </a:xfrm>
-          <a:prstGeom prst="line">
-            <a:avLst/>
-          </a:prstGeom>
-        </p:spPr>
-        <p:style>
-          <a:lnRef idx="2">
-            <a:schemeClr val="dk1"/>
-          </a:lnRef>
-          <a:fillRef idx="0">
-            <a:schemeClr val="dk1"/>
-          </a:fillRef>
-          <a:effectRef idx="1">
-            <a:schemeClr val="dk1"/>
-          </a:effectRef>
-          <a:fontRef idx="minor">
-            <a:schemeClr val="tx1"/>
-          </a:fontRef>
-        </p:style>
-      </p:cxnSp>
-      <p:cxnSp>
-        <p:nvCxnSpPr>
-          <p:cNvPr id="13" name="Прямая соединительная линия 12">
-            <a:extLst>
-              <a:ext uri="{FF2B5EF4-FFF2-40B4-BE49-F238E27FC236}">
-                <a16:creationId xmlns:a16="http://schemas.microsoft.com/office/drawing/2014/main" id="{34E8FD3C-2651-CE25-0D4B-2F98F4D6A88F}"/>
-              </a:ext>
-            </a:extLst>
-          </p:cNvPr>
-          <p:cNvCxnSpPr>
-            <a:cxnSpLocks/>
-            <a:stCxn id="6" idx="1"/>
-          </p:cNvCxnSpPr>
-          <p:nvPr/>
-        </p:nvCxnSpPr>
-        <p:spPr>
-          <a:xfrm flipH="1" flipV="1">
-            <a:off x="1265274" y="1574321"/>
-            <a:ext cx="730989" cy="3772"/>
-          </a:xfrm>
-          <a:prstGeom prst="line">
-            <a:avLst/>
-          </a:prstGeom>
-        </p:spPr>
-        <p:style>
-          <a:lnRef idx="2">
-            <a:schemeClr val="dk1"/>
-          </a:lnRef>
-          <a:fillRef idx="0">
-            <a:schemeClr val="dk1"/>
-          </a:fillRef>
-          <a:effectRef idx="1">
-            <a:schemeClr val="dk1"/>
-          </a:effectRef>
-          <a:fontRef idx="minor">
-            <a:schemeClr val="tx1"/>
-          </a:fontRef>
-        </p:style>
-      </p:cxnSp>
-      <p:cxnSp>
-        <p:nvCxnSpPr>
-          <p:cNvPr id="14" name="Прямая соединительная линия 13">
-            <a:extLst>
-              <a:ext uri="{FF2B5EF4-FFF2-40B4-BE49-F238E27FC236}">
-                <a16:creationId xmlns:a16="http://schemas.microsoft.com/office/drawing/2014/main" id="{4A6D9FD3-9308-1695-F253-C872E4963771}"/>
-              </a:ext>
-            </a:extLst>
-          </p:cNvPr>
-          <p:cNvCxnSpPr>
-            <a:cxnSpLocks/>
-          </p:cNvCxnSpPr>
-          <p:nvPr/>
-        </p:nvCxnSpPr>
-        <p:spPr>
-          <a:xfrm flipH="1">
-            <a:off x="1265274" y="3450968"/>
-            <a:ext cx="730989" cy="0"/>
-          </a:xfrm>
-          <a:prstGeom prst="line">
-            <a:avLst/>
-          </a:prstGeom>
-        </p:spPr>
-        <p:style>
-          <a:lnRef idx="2">
-            <a:schemeClr val="dk1"/>
-          </a:lnRef>
-          <a:fillRef idx="0">
-            <a:schemeClr val="dk1"/>
-          </a:fillRef>
-          <a:effectRef idx="1">
-            <a:schemeClr val="dk1"/>
-          </a:effectRef>
-          <a:fontRef idx="minor">
-            <a:schemeClr val="tx1"/>
-          </a:fontRef>
-        </p:style>
-      </p:cxnSp>
-      <p:sp>
-        <p:nvSpPr>
-          <p:cNvPr id="4" name="Прямоугольник 3">
-            <a:extLst>
-              <a:ext uri="{FF2B5EF4-FFF2-40B4-BE49-F238E27FC236}">
-                <a16:creationId xmlns:a16="http://schemas.microsoft.com/office/drawing/2014/main" id="{3F1751EE-80BE-1350-3077-24ACFEAE6DCD}"/>
-              </a:ext>
-            </a:extLst>
-          </p:cNvPr>
-          <p:cNvSpPr/>
-          <p:nvPr/>
-        </p:nvSpPr>
-        <p:spPr>
-          <a:xfrm>
-            <a:off x="1996263" y="4330151"/>
-            <a:ext cx="5077932" cy="1824463"/>
-          </a:xfrm>
-          <a:prstGeom prst="rect">
-            <a:avLst/>
-          </a:prstGeom>
-        </p:spPr>
-        <p:style>
-          <a:lnRef idx="2">
-            <a:schemeClr val="dk1"/>
-          </a:lnRef>
-          <a:fillRef idx="1">
-            <a:schemeClr val="lt1"/>
-          </a:fillRef>
-          <a:effectRef idx="0">
-            <a:schemeClr val="dk1"/>
-          </a:effectRef>
-          <a:fontRef idx="minor">
-            <a:schemeClr val="dk1"/>
-          </a:fontRef>
-        </p:style>
-        <p:txBody>
-          <a:bodyPr rtlCol="0" anchor="ctr"/>
-          <a:lstStyle/>
-          <a:p>
-            <a:pPr>
-              <a:spcBef>
-                <a:spcPct val="50000"/>
-              </a:spcBef>
-            </a:pPr>
-            <a:r>
-              <a:rPr lang="ru-RU" altLang="ru-RU" sz="2800" dirty="0">
-                <a:latin typeface="Montserrat" panose="020F0502020204030204" pitchFamily="2" charset="-52"/>
-              </a:rPr>
-              <a:t>3. Исследование каждой части в соответствии с целью исследования каждой </a:t>
-            </a:r>
-            <a:r>
-              <a:rPr lang="ru-RU" altLang="ru-RU" sz="2800" dirty="0" smtClean="0">
-                <a:latin typeface="Montserrat" panose="020F0502020204030204" pitchFamily="2" charset="-52"/>
-              </a:rPr>
-              <a:t>части (свобода)</a:t>
-            </a:r>
-            <a:endParaRPr lang="ru-RU" altLang="ru-RU" sz="2800" dirty="0">
-              <a:latin typeface="Montserrat" panose="020F0502020204030204" pitchFamily="2" charset="-52"/>
-            </a:endParaRPr>
-          </a:p>
-        </p:txBody>
-      </p:sp>
-      <p:cxnSp>
-        <p:nvCxnSpPr>
-          <p:cNvPr id="8" name="Прямая соединительная линия 7">
-            <a:extLst>
-              <a:ext uri="{FF2B5EF4-FFF2-40B4-BE49-F238E27FC236}">
-                <a16:creationId xmlns:a16="http://schemas.microsoft.com/office/drawing/2014/main" id="{0B86E09D-9500-5BBD-B8A4-9A6BAA930B2A}"/>
-              </a:ext>
-            </a:extLst>
-          </p:cNvPr>
-          <p:cNvCxnSpPr>
-            <a:cxnSpLocks/>
-          </p:cNvCxnSpPr>
-          <p:nvPr/>
-        </p:nvCxnSpPr>
-        <p:spPr>
-          <a:xfrm flipH="1">
-            <a:off x="1265274" y="5138000"/>
-            <a:ext cx="730989" cy="0"/>
-          </a:xfrm>
-          <a:prstGeom prst="line">
-            <a:avLst/>
-          </a:prstGeom>
-        </p:spPr>
-        <p:style>
-          <a:lnRef idx="2">
-            <a:schemeClr val="dk1"/>
-          </a:lnRef>
-          <a:fillRef idx="0">
-            <a:schemeClr val="dk1"/>
-          </a:fillRef>
-          <a:effectRef idx="1">
-            <a:schemeClr val="dk1"/>
-          </a:effectRef>
-          <a:fontRef idx="minor">
-            <a:schemeClr val="tx1"/>
-          </a:fontRef>
-        </p:style>
-      </p:cxnSp>
-      <p:sp>
-        <p:nvSpPr>
-          <p:cNvPr id="9" name="Прямоугольник 8">
-            <a:extLst>
-              <a:ext uri="{FF2B5EF4-FFF2-40B4-BE49-F238E27FC236}">
-                <a16:creationId xmlns:a16="http://schemas.microsoft.com/office/drawing/2014/main" id="{EF99B8D3-44D1-4978-A027-05A1F3558A8E}"/>
-              </a:ext>
-            </a:extLst>
-          </p:cNvPr>
-          <p:cNvSpPr/>
-          <p:nvPr/>
-        </p:nvSpPr>
-        <p:spPr>
-          <a:xfrm>
-            <a:off x="7550002" y="1028970"/>
-            <a:ext cx="4241500" cy="5125644"/>
-          </a:xfrm>
-          <a:prstGeom prst="rect">
-            <a:avLst/>
-          </a:prstGeom>
-        </p:spPr>
-        <p:style>
-          <a:lnRef idx="2">
-            <a:schemeClr val="dk1"/>
-          </a:lnRef>
-          <a:fillRef idx="1">
-            <a:schemeClr val="lt1"/>
-          </a:fillRef>
-          <a:effectRef idx="0">
-            <a:schemeClr val="dk1"/>
-          </a:effectRef>
-          <a:fontRef idx="minor">
-            <a:schemeClr val="dk1"/>
-          </a:fontRef>
-        </p:style>
-        <p:txBody>
-          <a:bodyPr rtlCol="0" anchor="ctr"/>
-          <a:lstStyle/>
-          <a:p>
-            <a:pPr>
-              <a:spcBef>
-                <a:spcPct val="50000"/>
-              </a:spcBef>
-            </a:pPr>
-            <a:r>
-              <a:rPr lang="ru-RU" altLang="ru-RU" sz="2800" dirty="0">
-                <a:latin typeface="Montserrat" panose="020F0502020204030204" pitchFamily="2" charset="-52"/>
-              </a:rPr>
-              <a:t>4. Описание функционирования объекта </a:t>
-            </a:r>
-            <a:r>
-              <a:rPr lang="ru-RU" altLang="ru-RU" sz="2800" dirty="0" smtClean="0">
-                <a:latin typeface="Montserrat" panose="020F0502020204030204" pitchFamily="2" charset="-52"/>
-              </a:rPr>
-              <a:t>исследования (проблема)</a:t>
-            </a:r>
-            <a:endParaRPr lang="ru-RU" altLang="ru-RU" sz="2800" dirty="0">
-              <a:latin typeface="Montserrat" panose="020F0502020204030204" pitchFamily="2" charset="-52"/>
-            </a:endParaRPr>
-          </a:p>
-        </p:txBody>
-      </p:sp>
-      <p:cxnSp>
-        <p:nvCxnSpPr>
-          <p:cNvPr id="15" name="Прямая соединительная линия 14">
-            <a:extLst>
-              <a:ext uri="{FF2B5EF4-FFF2-40B4-BE49-F238E27FC236}">
-                <a16:creationId xmlns:a16="http://schemas.microsoft.com/office/drawing/2014/main" id="{264A90AE-6F8D-C57F-F7AD-EB98D5C0D7DF}"/>
-              </a:ext>
-            </a:extLst>
-          </p:cNvPr>
-          <p:cNvCxnSpPr/>
-          <p:nvPr/>
-        </p:nvCxnSpPr>
-        <p:spPr>
-          <a:xfrm flipH="1">
-            <a:off x="1265274" y="6443330"/>
-            <a:ext cx="8405478" cy="0"/>
-          </a:xfrm>
-          <a:prstGeom prst="line">
-            <a:avLst/>
-          </a:prstGeom>
-        </p:spPr>
-        <p:style>
-          <a:lnRef idx="2">
-            <a:schemeClr val="dk1"/>
-          </a:lnRef>
-          <a:fillRef idx="0">
-            <a:schemeClr val="dk1"/>
-          </a:fillRef>
-          <a:effectRef idx="1">
-            <a:schemeClr val="dk1"/>
-          </a:effectRef>
-          <a:fontRef idx="minor">
-            <a:schemeClr val="tx1"/>
-          </a:fontRef>
-        </p:style>
-      </p:cxnSp>
-      <p:cxnSp>
-        <p:nvCxnSpPr>
-          <p:cNvPr id="16" name="Прямая соединительная линия 15">
-            <a:extLst>
-              <a:ext uri="{FF2B5EF4-FFF2-40B4-BE49-F238E27FC236}">
-                <a16:creationId xmlns:a16="http://schemas.microsoft.com/office/drawing/2014/main" id="{3186F114-1FAD-B9DE-7EFE-8F4B4CBBE5D2}"/>
-              </a:ext>
-            </a:extLst>
-          </p:cNvPr>
-          <p:cNvCxnSpPr>
-            <a:cxnSpLocks/>
-            <a:stCxn id="9" idx="2"/>
-          </p:cNvCxnSpPr>
-          <p:nvPr/>
-        </p:nvCxnSpPr>
-        <p:spPr>
-          <a:xfrm>
-            <a:off x="9670752" y="6154614"/>
-            <a:ext cx="0" cy="288716"/>
-          </a:xfrm>
-          <a:prstGeom prst="line">
-            <a:avLst/>
-          </a:prstGeom>
-        </p:spPr>
-        <p:style>
-          <a:lnRef idx="2">
-            <a:schemeClr val="dk1"/>
-          </a:lnRef>
-          <a:fillRef idx="0">
-            <a:schemeClr val="dk1"/>
-          </a:fillRef>
-          <a:effectRef idx="1">
-            <a:schemeClr val="dk1"/>
-          </a:effectRef>
-          <a:fontRef idx="minor">
-            <a:schemeClr val="tx1"/>
-          </a:fontRef>
-        </p:style>
-      </p:cxnSp>
+            <a:endParaRPr lang="ru-RU" sz="3600" dirty="0"/>
+          </a:p>
+        </p:txBody>
+      </p:sp>
     </p:spTree>
     <p:extLst>
       <p:ext uri="{BB962C8B-B14F-4D97-AF65-F5344CB8AC3E}">

--- a/Основы системного анализа/lab1/lab1.pptx
+++ b/Основы системного анализа/lab1/lab1.pptx
@@ -1,9 +1,12 @@
 
 <file path=ppt/presentation.xml><?xml version="1.0" encoding="utf-8"?>
-<p:presentation xmlns:a="http://schemas.openxmlformats.org/drawingml/2006/main" xmlns:r="http://schemas.openxmlformats.org/officeDocument/2006/relationships" xmlns:p="http://schemas.openxmlformats.org/presentationml/2006/main" saveSubsetFonts="1">
+<p:presentation xmlns:a="http://schemas.openxmlformats.org/drawingml/2006/main" xmlns:r="http://schemas.openxmlformats.org/officeDocument/2006/relationships" xmlns:p="http://schemas.openxmlformats.org/presentationml/2006/main" showSpecialPlsOnTitleSld="0" saveSubsetFonts="1">
   <p:sldMasterIdLst>
     <p:sldMasterId id="2147483648" r:id="rId1"/>
   </p:sldMasterIdLst>
+  <p:notesMasterIdLst>
+    <p:notesMasterId r:id="rId11"/>
+  </p:notesMasterIdLst>
   <p:sldIdLst>
     <p:sldId id="256" r:id="rId2"/>
     <p:sldId id="277" r:id="rId3"/>
@@ -13,8 +16,7 @@
     <p:sldId id="265" r:id="rId7"/>
     <p:sldId id="276" r:id="rId8"/>
     <p:sldId id="270" r:id="rId9"/>
-    <p:sldId id="272" r:id="rId10"/>
-    <p:sldId id="274" r:id="rId11"/>
+    <p:sldId id="274" r:id="rId10"/>
   </p:sldIdLst>
   <p:sldSz cx="12192000" cy="6858000"/>
   <p:notesSz cx="6858000" cy="9945688"/>
@@ -121,58 +123,354 @@
 </p:presentation>
 </file>
 
-<file path=ppt/ink/ink1.xml><?xml version="1.0" encoding="utf-8"?>
-<inkml:ink xmlns:inkml="http://www.w3.org/2003/InkML">
-  <inkml:definitions>
-    <inkml:context xml:id="ctx0">
-      <inkml:inkSource xml:id="inkSrc0">
-        <inkml:traceFormat>
-          <inkml:channel name="X" type="integer" min="-2.14748E9" max="2.14748E9" units="cm"/>
-          <inkml:channel name="Y" type="integer" min="-2.14748E9" max="2.14748E9" units="cm"/>
-          <inkml:channel name="F" type="integer" max="32767" units="dev"/>
-        </inkml:traceFormat>
-        <inkml:channelProperties>
-          <inkml:channelProperty channel="X" name="resolution" value="1000" units="1/cm"/>
-          <inkml:channelProperty channel="Y" name="resolution" value="1000" units="1/cm"/>
-          <inkml:channelProperty channel="F" name="resolution" value="0" units="1/dev"/>
-        </inkml:channelProperties>
-      </inkml:inkSource>
-      <inkml:timestamp xml:id="ts0" timeString="2025-10-07T12:34:47.956"/>
-    </inkml:context>
-    <inkml:brush xml:id="br0">
-      <inkml:brushProperty name="width" value="0.035" units="cm"/>
-      <inkml:brushProperty name="height" value="0.035" units="cm"/>
-    </inkml:brush>
-  </inkml:definitions>
-  <inkml:trace contextRef="#ctx0" brushRef="#br0">0 1964 21198,'2112'-1964'0</inkml:trace>
-</inkml:ink>
-</file>
-
-<file path=ppt/ink/ink2.xml><?xml version="1.0" encoding="utf-8"?>
-<inkml:ink xmlns:inkml="http://www.w3.org/2003/InkML">
-  <inkml:definitions>
-    <inkml:context xml:id="ctx0">
-      <inkml:inkSource xml:id="inkSrc0">
-        <inkml:traceFormat>
-          <inkml:channel name="X" type="integer" min="-2.14748E9" max="2.14748E9" units="cm"/>
-          <inkml:channel name="Y" type="integer" min="-2.14748E9" max="2.14748E9" units="cm"/>
-          <inkml:channel name="F" type="integer" max="32767" units="dev"/>
-        </inkml:traceFormat>
-        <inkml:channelProperties>
-          <inkml:channelProperty channel="X" name="resolution" value="1000" units="1/cm"/>
-          <inkml:channelProperty channel="Y" name="resolution" value="1000" units="1/cm"/>
-          <inkml:channelProperty channel="F" name="resolution" value="0" units="1/dev"/>
-        </inkml:channelProperties>
-      </inkml:inkSource>
-      <inkml:timestamp xml:id="ts0" timeString="2025-10-07T12:35:03.059"/>
-    </inkml:context>
-    <inkml:brush xml:id="br0">
-      <inkml:brushProperty name="width" value="0.035" units="cm"/>
-      <inkml:brushProperty name="height" value="0.035" units="cm"/>
-    </inkml:brush>
-  </inkml:definitions>
-  <inkml:trace contextRef="#ctx0" brushRef="#br0">2465 1965 23761,'-2464'-1964'0</inkml:trace>
-</inkml:ink>
+<file path=ppt/notesMasters/notesMaster1.xml><?xml version="1.0" encoding="utf-8"?>
+<p:notesMaster xmlns:a="http://schemas.openxmlformats.org/drawingml/2006/main" xmlns:r="http://schemas.openxmlformats.org/officeDocument/2006/relationships" xmlns:p="http://schemas.openxmlformats.org/presentationml/2006/main">
+  <p:cSld>
+    <p:bg>
+      <p:bgRef idx="1001">
+        <a:schemeClr val="bg1"/>
+      </p:bgRef>
+    </p:bg>
+    <p:spTree>
+      <p:nvGrpSpPr>
+        <p:cNvPr id="1" name=""/>
+        <p:cNvGrpSpPr/>
+        <p:nvPr/>
+      </p:nvGrpSpPr>
+      <p:grpSpPr>
+        <a:xfrm>
+          <a:off x="0" y="0"/>
+          <a:ext cx="0" cy="0"/>
+          <a:chOff x="0" y="0"/>
+          <a:chExt cx="0" cy="0"/>
+        </a:xfrm>
+      </p:grpSpPr>
+      <p:sp>
+        <p:nvSpPr>
+          <p:cNvPr id="2" name="Верхний колонтитул 1"/>
+          <p:cNvSpPr>
+            <a:spLocks noGrp="1"/>
+          </p:cNvSpPr>
+          <p:nvPr>
+            <p:ph type="hdr" sz="quarter"/>
+          </p:nvPr>
+        </p:nvSpPr>
+        <p:spPr>
+          <a:xfrm>
+            <a:off x="0" y="0"/>
+            <a:ext cx="2971800" cy="498475"/>
+          </a:xfrm>
+          <a:prstGeom prst="rect">
+            <a:avLst/>
+          </a:prstGeom>
+        </p:spPr>
+        <p:txBody>
+          <a:bodyPr vert="horz" lIns="91440" tIns="45720" rIns="91440" bIns="45720" rtlCol="0"/>
+          <a:lstStyle>
+            <a:lvl1pPr algn="l">
+              <a:defRPr sz="1200"/>
+            </a:lvl1pPr>
+          </a:lstStyle>
+          <a:p>
+            <a:endParaRPr lang="ru-RU"/>
+          </a:p>
+        </p:txBody>
+      </p:sp>
+      <p:sp>
+        <p:nvSpPr>
+          <p:cNvPr id="3" name="Дата 2"/>
+          <p:cNvSpPr>
+            <a:spLocks noGrp="1"/>
+          </p:cNvSpPr>
+          <p:nvPr>
+            <p:ph type="dt" idx="1"/>
+          </p:nvPr>
+        </p:nvSpPr>
+        <p:spPr>
+          <a:xfrm>
+            <a:off x="3884613" y="0"/>
+            <a:ext cx="2971800" cy="498475"/>
+          </a:xfrm>
+          <a:prstGeom prst="rect">
+            <a:avLst/>
+          </a:prstGeom>
+        </p:spPr>
+        <p:txBody>
+          <a:bodyPr vert="horz" lIns="91440" tIns="45720" rIns="91440" bIns="45720" rtlCol="0"/>
+          <a:lstStyle>
+            <a:lvl1pPr algn="r">
+              <a:defRPr sz="1200"/>
+            </a:lvl1pPr>
+          </a:lstStyle>
+          <a:p>
+            <a:fld id="{D780223A-92FE-4A5B-BB5B-749048751019}" type="datetimeFigureOut">
+              <a:rPr lang="ru-RU" smtClean="0"/>
+              <a:t>06.11.2025</a:t>
+            </a:fld>
+            <a:endParaRPr lang="ru-RU"/>
+          </a:p>
+        </p:txBody>
+      </p:sp>
+      <p:sp>
+        <p:nvSpPr>
+          <p:cNvPr id="4" name="Образ слайда 3"/>
+          <p:cNvSpPr>
+            <a:spLocks noGrp="1" noRot="1" noChangeAspect="1"/>
+          </p:cNvSpPr>
+          <p:nvPr>
+            <p:ph type="sldImg" idx="2"/>
+          </p:nvPr>
+        </p:nvSpPr>
+        <p:spPr>
+          <a:xfrm>
+            <a:off x="444500" y="1243013"/>
+            <a:ext cx="5969000" cy="3357562"/>
+          </a:xfrm>
+          <a:prstGeom prst="rect">
+            <a:avLst/>
+          </a:prstGeom>
+          <a:noFill/>
+          <a:ln w="12700">
+            <a:solidFill>
+              <a:prstClr val="black"/>
+            </a:solidFill>
+          </a:ln>
+        </p:spPr>
+        <p:txBody>
+          <a:bodyPr vert="horz" lIns="91440" tIns="45720" rIns="91440" bIns="45720" rtlCol="0" anchor="ctr"/>
+          <a:lstStyle/>
+          <a:p>
+            <a:endParaRPr lang="ru-RU"/>
+          </a:p>
+        </p:txBody>
+      </p:sp>
+      <p:sp>
+        <p:nvSpPr>
+          <p:cNvPr id="5" name="Заметки 4"/>
+          <p:cNvSpPr>
+            <a:spLocks noGrp="1"/>
+          </p:cNvSpPr>
+          <p:nvPr>
+            <p:ph type="body" sz="quarter" idx="3"/>
+          </p:nvPr>
+        </p:nvSpPr>
+        <p:spPr>
+          <a:xfrm>
+            <a:off x="685800" y="4786313"/>
+            <a:ext cx="5486400" cy="3916362"/>
+          </a:xfrm>
+          <a:prstGeom prst="rect">
+            <a:avLst/>
+          </a:prstGeom>
+        </p:spPr>
+        <p:txBody>
+          <a:bodyPr vert="horz" lIns="91440" tIns="45720" rIns="91440" bIns="45720" rtlCol="0"/>
+          <a:lstStyle/>
+          <a:p>
+            <a:pPr lvl="0"/>
+            <a:r>
+              <a:rPr lang="ru-RU" smtClean="0"/>
+              <a:t>Образец текста</a:t>
+            </a:r>
+          </a:p>
+          <a:p>
+            <a:pPr lvl="1"/>
+            <a:r>
+              <a:rPr lang="ru-RU" smtClean="0"/>
+              <a:t>Второй уровень</a:t>
+            </a:r>
+          </a:p>
+          <a:p>
+            <a:pPr lvl="2"/>
+            <a:r>
+              <a:rPr lang="ru-RU" smtClean="0"/>
+              <a:t>Третий уровень</a:t>
+            </a:r>
+          </a:p>
+          <a:p>
+            <a:pPr lvl="3"/>
+            <a:r>
+              <a:rPr lang="ru-RU" smtClean="0"/>
+              <a:t>Четвертый уровень</a:t>
+            </a:r>
+          </a:p>
+          <a:p>
+            <a:pPr lvl="4"/>
+            <a:r>
+              <a:rPr lang="ru-RU" smtClean="0"/>
+              <a:t>Пятый уровень</a:t>
+            </a:r>
+            <a:endParaRPr lang="ru-RU"/>
+          </a:p>
+        </p:txBody>
+      </p:sp>
+      <p:sp>
+        <p:nvSpPr>
+          <p:cNvPr id="6" name="Нижний колонтитул 5"/>
+          <p:cNvSpPr>
+            <a:spLocks noGrp="1"/>
+          </p:cNvSpPr>
+          <p:nvPr>
+            <p:ph type="ftr" sz="quarter" idx="4"/>
+          </p:nvPr>
+        </p:nvSpPr>
+        <p:spPr>
+          <a:xfrm>
+            <a:off x="0" y="9447213"/>
+            <a:ext cx="2971800" cy="498475"/>
+          </a:xfrm>
+          <a:prstGeom prst="rect">
+            <a:avLst/>
+          </a:prstGeom>
+        </p:spPr>
+        <p:txBody>
+          <a:bodyPr vert="horz" lIns="91440" tIns="45720" rIns="91440" bIns="45720" rtlCol="0" anchor="b"/>
+          <a:lstStyle>
+            <a:lvl1pPr algn="l">
+              <a:defRPr sz="1200"/>
+            </a:lvl1pPr>
+          </a:lstStyle>
+          <a:p>
+            <a:endParaRPr lang="ru-RU"/>
+          </a:p>
+        </p:txBody>
+      </p:sp>
+      <p:sp>
+        <p:nvSpPr>
+          <p:cNvPr id="7" name="Номер слайда 6"/>
+          <p:cNvSpPr>
+            <a:spLocks noGrp="1"/>
+          </p:cNvSpPr>
+          <p:nvPr>
+            <p:ph type="sldNum" sz="quarter" idx="5"/>
+          </p:nvPr>
+        </p:nvSpPr>
+        <p:spPr>
+          <a:xfrm>
+            <a:off x="3884613" y="9447213"/>
+            <a:ext cx="2971800" cy="498475"/>
+          </a:xfrm>
+          <a:prstGeom prst="rect">
+            <a:avLst/>
+          </a:prstGeom>
+        </p:spPr>
+        <p:txBody>
+          <a:bodyPr vert="horz" lIns="91440" tIns="45720" rIns="91440" bIns="45720" rtlCol="0" anchor="b"/>
+          <a:lstStyle>
+            <a:lvl1pPr algn="r">
+              <a:defRPr sz="1200"/>
+            </a:lvl1pPr>
+          </a:lstStyle>
+          <a:p>
+            <a:fld id="{CB24CF9C-B53B-43BA-BDF3-7B39381E2856}" type="slidenum">
+              <a:rPr lang="ru-RU" smtClean="0"/>
+              <a:t>‹#›</a:t>
+            </a:fld>
+            <a:endParaRPr lang="ru-RU"/>
+          </a:p>
+        </p:txBody>
+      </p:sp>
+    </p:spTree>
+    <p:extLst>
+      <p:ext uri="{BB962C8B-B14F-4D97-AF65-F5344CB8AC3E}">
+        <p14:creationId xmlns:p14="http://schemas.microsoft.com/office/powerpoint/2010/main" val="1711990227"/>
+      </p:ext>
+    </p:extLst>
+  </p:cSld>
+  <p:clrMap bg1="lt1" tx1="dk1" bg2="lt2" tx2="dk2" accent1="accent1" accent2="accent2" accent3="accent3" accent4="accent4" accent5="accent5" accent6="accent6" hlink="hlink" folHlink="folHlink"/>
+  <p:notesStyle>
+    <a:lvl1pPr marL="0" algn="l" defTabSz="914400" rtl="0" eaLnBrk="1" latinLnBrk="0" hangingPunct="1">
+      <a:defRPr sz="1200" kern="1200">
+        <a:solidFill>
+          <a:schemeClr val="tx1"/>
+        </a:solidFill>
+        <a:latin typeface="+mn-lt"/>
+        <a:ea typeface="+mn-ea"/>
+        <a:cs typeface="+mn-cs"/>
+      </a:defRPr>
+    </a:lvl1pPr>
+    <a:lvl2pPr marL="457200" algn="l" defTabSz="914400" rtl="0" eaLnBrk="1" latinLnBrk="0" hangingPunct="1">
+      <a:defRPr sz="1200" kern="1200">
+        <a:solidFill>
+          <a:schemeClr val="tx1"/>
+        </a:solidFill>
+        <a:latin typeface="+mn-lt"/>
+        <a:ea typeface="+mn-ea"/>
+        <a:cs typeface="+mn-cs"/>
+      </a:defRPr>
+    </a:lvl2pPr>
+    <a:lvl3pPr marL="914400" algn="l" defTabSz="914400" rtl="0" eaLnBrk="1" latinLnBrk="0" hangingPunct="1">
+      <a:defRPr sz="1200" kern="1200">
+        <a:solidFill>
+          <a:schemeClr val="tx1"/>
+        </a:solidFill>
+        <a:latin typeface="+mn-lt"/>
+        <a:ea typeface="+mn-ea"/>
+        <a:cs typeface="+mn-cs"/>
+      </a:defRPr>
+    </a:lvl3pPr>
+    <a:lvl4pPr marL="1371600" algn="l" defTabSz="914400" rtl="0" eaLnBrk="1" latinLnBrk="0" hangingPunct="1">
+      <a:defRPr sz="1200" kern="1200">
+        <a:solidFill>
+          <a:schemeClr val="tx1"/>
+        </a:solidFill>
+        <a:latin typeface="+mn-lt"/>
+        <a:ea typeface="+mn-ea"/>
+        <a:cs typeface="+mn-cs"/>
+      </a:defRPr>
+    </a:lvl4pPr>
+    <a:lvl5pPr marL="1828800" algn="l" defTabSz="914400" rtl="0" eaLnBrk="1" latinLnBrk="0" hangingPunct="1">
+      <a:defRPr sz="1200" kern="1200">
+        <a:solidFill>
+          <a:schemeClr val="tx1"/>
+        </a:solidFill>
+        <a:latin typeface="+mn-lt"/>
+        <a:ea typeface="+mn-ea"/>
+        <a:cs typeface="+mn-cs"/>
+      </a:defRPr>
+    </a:lvl5pPr>
+    <a:lvl6pPr marL="2286000" algn="l" defTabSz="914400" rtl="0" eaLnBrk="1" latinLnBrk="0" hangingPunct="1">
+      <a:defRPr sz="1200" kern="1200">
+        <a:solidFill>
+          <a:schemeClr val="tx1"/>
+        </a:solidFill>
+        <a:latin typeface="+mn-lt"/>
+        <a:ea typeface="+mn-ea"/>
+        <a:cs typeface="+mn-cs"/>
+      </a:defRPr>
+    </a:lvl6pPr>
+    <a:lvl7pPr marL="2743200" algn="l" defTabSz="914400" rtl="0" eaLnBrk="1" latinLnBrk="0" hangingPunct="1">
+      <a:defRPr sz="1200" kern="1200">
+        <a:solidFill>
+          <a:schemeClr val="tx1"/>
+        </a:solidFill>
+        <a:latin typeface="+mn-lt"/>
+        <a:ea typeface="+mn-ea"/>
+        <a:cs typeface="+mn-cs"/>
+      </a:defRPr>
+    </a:lvl7pPr>
+    <a:lvl8pPr marL="3200400" algn="l" defTabSz="914400" rtl="0" eaLnBrk="1" latinLnBrk="0" hangingPunct="1">
+      <a:defRPr sz="1200" kern="1200">
+        <a:solidFill>
+          <a:schemeClr val="tx1"/>
+        </a:solidFill>
+        <a:latin typeface="+mn-lt"/>
+        <a:ea typeface="+mn-ea"/>
+        <a:cs typeface="+mn-cs"/>
+      </a:defRPr>
+    </a:lvl8pPr>
+    <a:lvl9pPr marL="3657600" algn="l" defTabSz="914400" rtl="0" eaLnBrk="1" latinLnBrk="0" hangingPunct="1">
+      <a:defRPr sz="1200" kern="1200">
+        <a:solidFill>
+          <a:schemeClr val="tx1"/>
+        </a:solidFill>
+        <a:latin typeface="+mn-lt"/>
+        <a:ea typeface="+mn-ea"/>
+        <a:cs typeface="+mn-cs"/>
+      </a:defRPr>
+    </a:lvl9pPr>
+  </p:notesStyle>
+</p:notesMaster>
 </file>
 
 <file path=ppt/slideLayouts/slideLayout1.xml><?xml version="1.0" encoding="utf-8"?>
@@ -320,9 +618,9 @@
           <a:bodyPr/>
           <a:lstStyle/>
           <a:p>
-            <a:fld id="{3B5EFCB3-9442-4C86-9E12-FBE42B58C3A5}" type="datetimeFigureOut">
+            <a:fld id="{6C3580BC-6B02-4DCF-B19F-0EB9C768A3FE}" type="datetime1">
               <a:rPr lang="ru-RU" smtClean="0"/>
-              <a:t>23.10.2025</a:t>
+              <a:t>06.11.2025</a:t>
             </a:fld>
             <a:endParaRPr lang="ru-RU"/>
           </a:p>
@@ -518,9 +816,9 @@
           <a:bodyPr/>
           <a:lstStyle/>
           <a:p>
-            <a:fld id="{3B5EFCB3-9442-4C86-9E12-FBE42B58C3A5}" type="datetimeFigureOut">
+            <a:fld id="{7710571D-D699-4ACD-A1A7-5EC42B21ACC4}" type="datetime1">
               <a:rPr lang="ru-RU" smtClean="0"/>
-              <a:t>23.10.2025</a:t>
+              <a:t>06.11.2025</a:t>
             </a:fld>
             <a:endParaRPr lang="ru-RU"/>
           </a:p>
@@ -726,9 +1024,9 @@
           <a:bodyPr/>
           <a:lstStyle/>
           <a:p>
-            <a:fld id="{3B5EFCB3-9442-4C86-9E12-FBE42B58C3A5}" type="datetimeFigureOut">
+            <a:fld id="{CC977B4C-FD90-4D07-A416-F62E908158A9}" type="datetime1">
               <a:rPr lang="ru-RU" smtClean="0"/>
-              <a:t>23.10.2025</a:t>
+              <a:t>06.11.2025</a:t>
             </a:fld>
             <a:endParaRPr lang="ru-RU"/>
           </a:p>
@@ -924,9 +1222,9 @@
           <a:bodyPr/>
           <a:lstStyle/>
           <a:p>
-            <a:fld id="{3B5EFCB3-9442-4C86-9E12-FBE42B58C3A5}" type="datetimeFigureOut">
+            <a:fld id="{3F0262AB-E04E-4F06-9A10-68B74A6F831C}" type="datetime1">
               <a:rPr lang="ru-RU" smtClean="0"/>
-              <a:t>23.10.2025</a:t>
+              <a:t>06.11.2025</a:t>
             </a:fld>
             <a:endParaRPr lang="ru-RU"/>
           </a:p>
@@ -1199,9 +1497,9 @@
           <a:bodyPr/>
           <a:lstStyle/>
           <a:p>
-            <a:fld id="{3B5EFCB3-9442-4C86-9E12-FBE42B58C3A5}" type="datetimeFigureOut">
+            <a:fld id="{1460DE69-666D-4487-BC90-69FDB1137A48}" type="datetime1">
               <a:rPr lang="ru-RU" smtClean="0"/>
-              <a:t>23.10.2025</a:t>
+              <a:t>06.11.2025</a:t>
             </a:fld>
             <a:endParaRPr lang="ru-RU"/>
           </a:p>
@@ -1464,9 +1762,9 @@
           <a:bodyPr/>
           <a:lstStyle/>
           <a:p>
-            <a:fld id="{3B5EFCB3-9442-4C86-9E12-FBE42B58C3A5}" type="datetimeFigureOut">
+            <a:fld id="{8B37F689-C7D3-4FBE-8D92-FCDD4B001B08}" type="datetime1">
               <a:rPr lang="ru-RU" smtClean="0"/>
-              <a:t>23.10.2025</a:t>
+              <a:t>06.11.2025</a:t>
             </a:fld>
             <a:endParaRPr lang="ru-RU"/>
           </a:p>
@@ -1876,9 +2174,9 @@
           <a:bodyPr/>
           <a:lstStyle/>
           <a:p>
-            <a:fld id="{3B5EFCB3-9442-4C86-9E12-FBE42B58C3A5}" type="datetimeFigureOut">
+            <a:fld id="{AE88D557-C1B2-4FD9-BB0B-65B6B327D49D}" type="datetime1">
               <a:rPr lang="ru-RU" smtClean="0"/>
-              <a:t>23.10.2025</a:t>
+              <a:t>06.11.2025</a:t>
             </a:fld>
             <a:endParaRPr lang="ru-RU"/>
           </a:p>
@@ -2017,9 +2315,9 @@
           <a:bodyPr/>
           <a:lstStyle/>
           <a:p>
-            <a:fld id="{3B5EFCB3-9442-4C86-9E12-FBE42B58C3A5}" type="datetimeFigureOut">
+            <a:fld id="{2A0144E9-D005-4784-9BEA-CC60C2CCEA11}" type="datetime1">
               <a:rPr lang="ru-RU" smtClean="0"/>
-              <a:t>23.10.2025</a:t>
+              <a:t>06.11.2025</a:t>
             </a:fld>
             <a:endParaRPr lang="ru-RU"/>
           </a:p>
@@ -2130,9 +2428,9 @@
           <a:bodyPr/>
           <a:lstStyle/>
           <a:p>
-            <a:fld id="{3B5EFCB3-9442-4C86-9E12-FBE42B58C3A5}" type="datetimeFigureOut">
+            <a:fld id="{D5AEF033-C872-494D-8C8D-1135967C3271}" type="datetime1">
               <a:rPr lang="ru-RU" smtClean="0"/>
-              <a:t>23.10.2025</a:t>
+              <a:t>06.11.2025</a:t>
             </a:fld>
             <a:endParaRPr lang="ru-RU"/>
           </a:p>
@@ -2441,9 +2739,9 @@
           <a:bodyPr/>
           <a:lstStyle/>
           <a:p>
-            <a:fld id="{3B5EFCB3-9442-4C86-9E12-FBE42B58C3A5}" type="datetimeFigureOut">
+            <a:fld id="{842EC839-69BC-43B6-9B38-60AA6CCA39C5}" type="datetime1">
               <a:rPr lang="ru-RU" smtClean="0"/>
-              <a:t>23.10.2025</a:t>
+              <a:t>06.11.2025</a:t>
             </a:fld>
             <a:endParaRPr lang="ru-RU"/>
           </a:p>
@@ -2729,9 +3027,9 @@
           <a:bodyPr/>
           <a:lstStyle/>
           <a:p>
-            <a:fld id="{3B5EFCB3-9442-4C86-9E12-FBE42B58C3A5}" type="datetimeFigureOut">
+            <a:fld id="{3993203D-F460-4EED-95FB-15ABDABE335A}" type="datetime1">
               <a:rPr lang="ru-RU" smtClean="0"/>
-              <a:t>23.10.2025</a:t>
+              <a:t>06.11.2025</a:t>
             </a:fld>
             <a:endParaRPr lang="ru-RU"/>
           </a:p>
@@ -2970,9 +3268,9 @@
             </a:lvl1pPr>
           </a:lstStyle>
           <a:p>
-            <a:fld id="{3B5EFCB3-9442-4C86-9E12-FBE42B58C3A5}" type="datetimeFigureOut">
+            <a:fld id="{A71AF16D-7B67-40C7-A698-CD17E9078998}" type="datetime1">
               <a:rPr lang="ru-RU" smtClean="0"/>
-              <a:t>23.10.2025</a:t>
+              <a:t>06.11.2025</a:t>
             </a:fld>
             <a:endParaRPr lang="ru-RU"/>
           </a:p>
@@ -3089,6 +3387,7 @@
     <p:sldLayoutId id="2147483658" r:id="rId10"/>
     <p:sldLayoutId id="2147483659" r:id="rId11"/>
   </p:sldLayoutIdLst>
+  <p:hf hdr="0" ftr="0" dt="0"/>
   <p:txStyles>
     <p:titleStyle>
       <a:lvl1pPr algn="l" defTabSz="914400" rtl="0" eaLnBrk="1" latinLnBrk="0" hangingPunct="1">
@@ -3468,421 +3767,13 @@
   <p:clrMapOvr>
     <a:masterClrMapping/>
   </p:clrMapOvr>
-</p:sld>
-</file>
-
-<file path=ppt/slides/slide10.xml><?xml version="1.0" encoding="utf-8"?>
-<p:sld xmlns:a="http://schemas.openxmlformats.org/drawingml/2006/main" xmlns:r="http://schemas.openxmlformats.org/officeDocument/2006/relationships" xmlns:p="http://schemas.openxmlformats.org/presentationml/2006/main">
-  <p:cSld>
-    <p:spTree>
-      <p:nvGrpSpPr>
-        <p:cNvPr id="1" name="">
-          <a:extLst>
-            <a:ext uri="{FF2B5EF4-FFF2-40B4-BE49-F238E27FC236}">
-              <a16:creationId xmlns:a16="http://schemas.microsoft.com/office/drawing/2014/main" id="{67C4C8B0-537D-E651-F25B-FDC4E034A157}"/>
-            </a:ext>
-          </a:extLst>
-        </p:cNvPr>
-        <p:cNvGrpSpPr/>
-        <p:nvPr/>
-      </p:nvGrpSpPr>
-      <p:grpSpPr>
-        <a:xfrm>
-          <a:off x="0" y="0"/>
-          <a:ext cx="0" cy="0"/>
-          <a:chOff x="0" y="0"/>
-          <a:chExt cx="0" cy="0"/>
-        </a:xfrm>
-      </p:grpSpPr>
-      <p:sp>
-        <p:nvSpPr>
-          <p:cNvPr id="12" name="Прямоугольник 11">
-            <a:extLst>
-              <a:ext uri="{FF2B5EF4-FFF2-40B4-BE49-F238E27FC236}">
-                <a16:creationId xmlns:a16="http://schemas.microsoft.com/office/drawing/2014/main" id="{A476D7F8-413A-9C99-5617-D0A7002811F3}"/>
-              </a:ext>
-            </a:extLst>
-          </p:cNvPr>
-          <p:cNvSpPr/>
-          <p:nvPr/>
-        </p:nvSpPr>
-        <p:spPr>
-          <a:xfrm>
-            <a:off x="696656" y="3994947"/>
-            <a:ext cx="3288118" cy="991722"/>
-          </a:xfrm>
-          <a:prstGeom prst="rect">
-            <a:avLst/>
-          </a:prstGeom>
-        </p:spPr>
-        <p:style>
-          <a:lnRef idx="2">
-            <a:schemeClr val="dk1"/>
-          </a:lnRef>
-          <a:fillRef idx="1">
-            <a:schemeClr val="lt1"/>
-          </a:fillRef>
-          <a:effectRef idx="0">
-            <a:schemeClr val="dk1"/>
-          </a:effectRef>
-          <a:fontRef idx="minor">
-            <a:schemeClr val="dk1"/>
-          </a:fontRef>
-        </p:style>
-        <p:txBody>
-          <a:bodyPr rtlCol="0" anchor="ctr"/>
-          <a:lstStyle/>
-          <a:p>
-            <a:pPr marL="0" marR="0" lvl="0" indent="0" algn="ctr" defTabSz="914400" rtl="0" eaLnBrk="1" fontAlgn="auto" latinLnBrk="0" hangingPunct="1">
-              <a:lnSpc>
-                <a:spcPct val="100000"/>
-              </a:lnSpc>
-              <a:spcBef>
-                <a:spcPts val="0"/>
-              </a:spcBef>
-              <a:spcAft>
-                <a:spcPts val="0"/>
-              </a:spcAft>
-              <a:buClrTx/>
-              <a:buSzTx/>
-              <a:tabLst/>
-              <a:defRPr/>
-            </a:pPr>
-            <a:r>
-              <a:rPr lang="ru-RU" altLang="ru-RU" sz="2800" dirty="0">
-                <a:solidFill>
-                  <a:prstClr val="black"/>
-                </a:solidFill>
-                <a:latin typeface="Montserrat" panose="020F0502020204030204" pitchFamily="2" charset="-52"/>
-              </a:rPr>
-              <a:t>Системным</a:t>
-            </a:r>
-            <a:r>
-              <a:rPr kumimoji="0" lang="ru-RU" altLang="ru-RU" sz="2800" i="0" u="none" strike="noStrike" kern="1200" cap="none" spc="0" normalizeH="0" baseline="0" noProof="0" dirty="0">
-                <a:ln>
-                  <a:noFill/>
-                </a:ln>
-                <a:solidFill>
-                  <a:prstClr val="black"/>
-                </a:solidFill>
-                <a:effectLst/>
-                <a:uLnTx/>
-                <a:uFillTx/>
-                <a:latin typeface="Montserrat" panose="020F0502020204030204" pitchFamily="2" charset="-52"/>
-                <a:ea typeface="+mn-ea"/>
-                <a:cs typeface="+mn-cs"/>
-              </a:rPr>
-              <a:t> методом</a:t>
-            </a:r>
-            <a:endParaRPr lang="ru-RU" dirty="0"/>
-          </a:p>
-        </p:txBody>
-      </p:sp>
-      <p:sp>
-        <p:nvSpPr>
-          <p:cNvPr id="13" name="Прямоугольник 12">
-            <a:extLst>
-              <a:ext uri="{FF2B5EF4-FFF2-40B4-BE49-F238E27FC236}">
-                <a16:creationId xmlns:a16="http://schemas.microsoft.com/office/drawing/2014/main" id="{C707DE69-1907-7C33-EEB2-A12E9AC5A554}"/>
-              </a:ext>
-            </a:extLst>
-          </p:cNvPr>
-          <p:cNvSpPr/>
-          <p:nvPr/>
-        </p:nvSpPr>
-        <p:spPr>
-          <a:xfrm>
-            <a:off x="8227164" y="4028470"/>
-            <a:ext cx="3059193" cy="958199"/>
-          </a:xfrm>
-          <a:prstGeom prst="rect">
-            <a:avLst/>
-          </a:prstGeom>
-        </p:spPr>
-        <p:style>
-          <a:lnRef idx="2">
-            <a:schemeClr val="dk1"/>
-          </a:lnRef>
-          <a:fillRef idx="1">
-            <a:schemeClr val="lt1"/>
-          </a:fillRef>
-          <a:effectRef idx="0">
-            <a:schemeClr val="dk1"/>
-          </a:effectRef>
-          <a:fontRef idx="minor">
-            <a:schemeClr val="dk1"/>
-          </a:fontRef>
-        </p:style>
-        <p:txBody>
-          <a:bodyPr rtlCol="0" anchor="ctr"/>
-          <a:lstStyle/>
-          <a:p>
-            <a:pPr lvl="0" algn="ctr">
-              <a:defRPr/>
-            </a:pPr>
-            <a:r>
-              <a:rPr lang="ru-RU" altLang="ru-RU" sz="2800" dirty="0">
-                <a:solidFill>
-                  <a:prstClr val="black"/>
-                </a:solidFill>
-                <a:latin typeface="Montserrat" panose="020F0502020204030204" pitchFamily="2" charset="-52"/>
-              </a:rPr>
-              <a:t>Теорией систем</a:t>
-            </a:r>
-          </a:p>
-        </p:txBody>
-      </p:sp>
-      <mc:AlternateContent xmlns:mc="http://schemas.openxmlformats.org/markup-compatibility/2006" xmlns:p14="http://schemas.microsoft.com/office/powerpoint/2010/main">
-        <mc:Choice Requires="p14">
-          <p:contentPart p14:bwMode="auto" r:id="rId2">
-            <p14:nvContentPartPr>
-              <p14:cNvPr id="15" name="Рукописный ввод 14">
-                <a:extLst>
-                  <a:ext uri="{FF2B5EF4-FFF2-40B4-BE49-F238E27FC236}">
-                    <a16:creationId xmlns:a16="http://schemas.microsoft.com/office/drawing/2014/main" id="{E119272B-FB99-D4FA-9180-E2023FBF141F}"/>
-                  </a:ext>
-                </a:extLst>
-              </p14:cNvPr>
-              <p14:cNvContentPartPr/>
-              <p14:nvPr/>
-            </p14:nvContentPartPr>
-            <p14:xfrm>
-              <a:off x="2914521" y="3198020"/>
-              <a:ext cx="760320" cy="707220"/>
-            </p14:xfrm>
-          </p:contentPart>
-        </mc:Choice>
-        <mc:Fallback xmlns="">
-          <p:pic>
-            <p:nvPicPr>
-              <p:cNvPr id="15" name="Рукописный ввод 14">
-                <a:extLst>
-                  <a:ext uri="{FF2B5EF4-FFF2-40B4-BE49-F238E27FC236}">
-                    <a16:creationId xmlns:a16="http://schemas.microsoft.com/office/drawing/2014/main" id="{E119272B-FB99-D4FA-9180-E2023FBF141F}"/>
-                  </a:ext>
-                </a:extLst>
-              </p:cNvPr>
-              <p:cNvPicPr/>
-              <p:nvPr/>
-            </p:nvPicPr>
-            <p:blipFill>
-              <a:blip r:embed="rId3"/>
-              <a:stretch>
-                <a:fillRect/>
-              </a:stretch>
-            </p:blipFill>
-            <p:spPr>
-              <a:xfrm>
-                <a:off x="2908404" y="3191902"/>
-                <a:ext cx="772554" cy="719457"/>
-              </a:xfrm>
-              <a:prstGeom prst="rect">
-                <a:avLst/>
-              </a:prstGeom>
-            </p:spPr>
-          </p:pic>
-        </mc:Fallback>
-      </mc:AlternateContent>
-      <mc:AlternateContent xmlns:mc="http://schemas.openxmlformats.org/markup-compatibility/2006" xmlns:p14="http://schemas.microsoft.com/office/powerpoint/2010/main">
-        <mc:Choice Requires="p14">
-          <p:contentPart p14:bwMode="auto" r:id="rId4">
-            <p14:nvContentPartPr>
-              <p14:cNvPr id="19" name="Рукописный ввод 18">
-                <a:extLst>
-                  <a:ext uri="{FF2B5EF4-FFF2-40B4-BE49-F238E27FC236}">
-                    <a16:creationId xmlns:a16="http://schemas.microsoft.com/office/drawing/2014/main" id="{3AB9C4AE-6F9C-BCA3-843E-57ABCCE8E54E}"/>
-                  </a:ext>
-                </a:extLst>
-              </p14:cNvPr>
-              <p14:cNvContentPartPr/>
-              <p14:nvPr/>
-            </p14:nvContentPartPr>
-            <p14:xfrm>
-              <a:off x="8411891" y="3198020"/>
-              <a:ext cx="887196" cy="707220"/>
-            </p14:xfrm>
-          </p:contentPart>
-        </mc:Choice>
-        <mc:Fallback xmlns="">
-          <p:pic>
-            <p:nvPicPr>
-              <p:cNvPr id="19" name="Рукописный ввод 18">
-                <a:extLst>
-                  <a:ext uri="{FF2B5EF4-FFF2-40B4-BE49-F238E27FC236}">
-                    <a16:creationId xmlns:a16="http://schemas.microsoft.com/office/drawing/2014/main" id="{3AB9C4AE-6F9C-BCA3-843E-57ABCCE8E54E}"/>
-                  </a:ext>
-                </a:extLst>
-              </p:cNvPr>
-              <p:cNvPicPr/>
-              <p:nvPr/>
-            </p:nvPicPr>
-            <p:blipFill>
-              <a:blip r:embed="rId5"/>
-              <a:stretch>
-                <a:fillRect/>
-              </a:stretch>
-            </p:blipFill>
-            <p:spPr>
-              <a:xfrm>
-                <a:off x="8405772" y="3191902"/>
-                <a:ext cx="899433" cy="719457"/>
-              </a:xfrm>
-              <a:prstGeom prst="rect">
-                <a:avLst/>
-              </a:prstGeom>
-            </p:spPr>
-          </p:pic>
-        </mc:Fallback>
-      </mc:AlternateContent>
-      <p:sp>
-        <p:nvSpPr>
-          <p:cNvPr id="21" name="Прямоугольник 20">
-            <a:extLst>
-              <a:ext uri="{FF2B5EF4-FFF2-40B4-BE49-F238E27FC236}">
-                <a16:creationId xmlns:a16="http://schemas.microsoft.com/office/drawing/2014/main" id="{B00DFF7E-2A82-90A0-F7A7-4429FB5181E5}"/>
-              </a:ext>
-            </a:extLst>
-          </p:cNvPr>
-          <p:cNvSpPr/>
-          <p:nvPr/>
-        </p:nvSpPr>
-        <p:spPr>
-          <a:xfrm>
-            <a:off x="2002687" y="1586232"/>
-            <a:ext cx="8429847" cy="1488558"/>
-          </a:xfrm>
-          <a:prstGeom prst="rect">
-            <a:avLst/>
-          </a:prstGeom>
-        </p:spPr>
-        <p:style>
-          <a:lnRef idx="2">
-            <a:schemeClr val="dk1"/>
-          </a:lnRef>
-          <a:fillRef idx="1">
-            <a:schemeClr val="lt1"/>
-          </a:fillRef>
-          <a:effectRef idx="0">
-            <a:schemeClr val="dk1"/>
-          </a:effectRef>
-          <a:fontRef idx="minor">
-            <a:schemeClr val="dk1"/>
-          </a:fontRef>
-        </p:style>
-        <p:txBody>
-          <a:bodyPr rtlCol="0" anchor="ctr"/>
-          <a:lstStyle/>
-          <a:p>
-            <a:pPr algn="ctr"/>
-            <a:r>
-              <a:rPr lang="ru-RU" altLang="ru-RU" sz="2800" dirty="0">
-                <a:latin typeface="Montserrat" panose="020F0502020204030204" pitchFamily="2" charset="-52"/>
-              </a:rPr>
-              <a:t>Системный подход к организации требуемого функционирования объектов (как систем) (кратко – системный анализ) образуется</a:t>
-            </a:r>
-          </a:p>
-        </p:txBody>
-      </p:sp>
-      <p:sp>
-        <p:nvSpPr>
-          <p:cNvPr id="2" name="Прямоугольник 1">
-            <a:extLst>
-              <a:ext uri="{FF2B5EF4-FFF2-40B4-BE49-F238E27FC236}">
-                <a16:creationId xmlns:a16="http://schemas.microsoft.com/office/drawing/2014/main" id="{CA664889-BE0D-56BF-9F5F-AA44C3349ED1}"/>
-              </a:ext>
-            </a:extLst>
-          </p:cNvPr>
-          <p:cNvSpPr/>
-          <p:nvPr/>
-        </p:nvSpPr>
-        <p:spPr>
-          <a:xfrm>
-            <a:off x="4188118" y="3994947"/>
-            <a:ext cx="3815763" cy="991722"/>
-          </a:xfrm>
-          <a:prstGeom prst="rect">
-            <a:avLst/>
-          </a:prstGeom>
-        </p:spPr>
-        <p:style>
-          <a:lnRef idx="2">
-            <a:schemeClr val="dk1"/>
-          </a:lnRef>
-          <a:fillRef idx="1">
-            <a:schemeClr val="lt1"/>
-          </a:fillRef>
-          <a:effectRef idx="0">
-            <a:schemeClr val="dk1"/>
-          </a:effectRef>
-          <a:fontRef idx="minor">
-            <a:schemeClr val="dk1"/>
-          </a:fontRef>
-        </p:style>
-        <p:txBody>
-          <a:bodyPr rtlCol="0" anchor="ctr"/>
-          <a:lstStyle/>
-          <a:p>
-            <a:pPr lvl="0" algn="ctr">
-              <a:defRPr/>
-            </a:pPr>
-            <a:r>
-              <a:rPr lang="ru-RU" altLang="ru-RU" sz="2800" dirty="0">
-                <a:solidFill>
-                  <a:prstClr val="black"/>
-                </a:solidFill>
-                <a:latin typeface="Montserrat" panose="020F0502020204030204" pitchFamily="2" charset="-52"/>
-              </a:rPr>
-              <a:t>Трансакционным анализом</a:t>
-            </a:r>
-          </a:p>
-        </p:txBody>
-      </p:sp>
-      <p:cxnSp>
-        <p:nvCxnSpPr>
-          <p:cNvPr id="5" name="Прямая соединительная линия 4">
-            <a:extLst>
-              <a:ext uri="{FF2B5EF4-FFF2-40B4-BE49-F238E27FC236}">
-                <a16:creationId xmlns:a16="http://schemas.microsoft.com/office/drawing/2014/main" id="{CDE88897-F9BE-A1C2-BB50-211F16D28271}"/>
-              </a:ext>
-            </a:extLst>
-          </p:cNvPr>
-          <p:cNvCxnSpPr/>
-          <p:nvPr/>
-        </p:nvCxnSpPr>
-        <p:spPr>
-          <a:xfrm>
-            <a:off x="6217611" y="3198020"/>
-            <a:ext cx="0" cy="707220"/>
-          </a:xfrm>
-          <a:prstGeom prst="line">
-            <a:avLst/>
-          </a:prstGeom>
-        </p:spPr>
-        <p:style>
-          <a:lnRef idx="2">
-            <a:schemeClr val="dk1"/>
-          </a:lnRef>
-          <a:fillRef idx="0">
-            <a:schemeClr val="dk1"/>
-          </a:fillRef>
-          <a:effectRef idx="1">
-            <a:schemeClr val="dk1"/>
-          </a:effectRef>
-          <a:fontRef idx="minor">
-            <a:schemeClr val="tx1"/>
-          </a:fontRef>
-        </p:style>
-      </p:cxnSp>
-    </p:spTree>
-    <p:extLst>
-      <p:ext uri="{BB962C8B-B14F-4D97-AF65-F5344CB8AC3E}">
-        <p14:creationId xmlns:p14="http://schemas.microsoft.com/office/powerpoint/2010/main" val="1747430432"/>
-      </p:ext>
-    </p:extLst>
-  </p:cSld>
-  <p:clrMapOvr>
-    <a:masterClrMapping/>
-  </p:clrMapOvr>
+  <p:timing>
+    <p:tnLst>
+      <p:par>
+        <p:cTn id="1" dur="indefinite" restart="never" nodeType="tmRoot"/>
+      </p:par>
+    </p:tnLst>
+  </p:timing>
 </p:sld>
 </file>
 
@@ -4029,7 +3920,7 @@
       </p:sp>
       <p:pic>
         <p:nvPicPr>
-          <p:cNvPr id="2" name="Рисунок 1"/>
+          <p:cNvPr id="5" name="Рисунок 4"/>
           <p:cNvPicPr>
             <a:picLocks noChangeAspect="1"/>
           </p:cNvPicPr>
@@ -4049,14 +3940,37 @@
         </p:blipFill>
         <p:spPr>
           <a:xfrm>
-            <a:off x="850059" y="3514574"/>
-            <a:ext cx="10632558" cy="1944476"/>
+            <a:off x="1124379" y="2430356"/>
+            <a:ext cx="10035092" cy="3787564"/>
           </a:xfrm>
           <a:prstGeom prst="rect">
             <a:avLst/>
           </a:prstGeom>
         </p:spPr>
       </p:pic>
+      <p:sp>
+        <p:nvSpPr>
+          <p:cNvPr id="9" name="Номер слайда 8"/>
+          <p:cNvSpPr>
+            <a:spLocks noGrp="1"/>
+          </p:cNvSpPr>
+          <p:nvPr>
+            <p:ph type="sldNum" sz="quarter" idx="12"/>
+          </p:nvPr>
+        </p:nvSpPr>
+        <p:spPr/>
+        <p:txBody>
+          <a:bodyPr/>
+          <a:lstStyle/>
+          <a:p>
+            <a:fld id="{3FF08AD6-07C1-4267-9B3C-85DF7FE192DE}" type="slidenum">
+              <a:rPr lang="ru-RU" smtClean="0"/>
+              <a:t>2</a:t>
+            </a:fld>
+            <a:endParaRPr lang="ru-RU"/>
+          </a:p>
+        </p:txBody>
+      </p:sp>
     </p:spTree>
     <p:extLst>
       <p:ext uri="{BB962C8B-B14F-4D97-AF65-F5344CB8AC3E}">
@@ -4067,6 +3981,13 @@
   <p:clrMapOvr>
     <a:masterClrMapping/>
   </p:clrMapOvr>
+  <p:timing>
+    <p:tnLst>
+      <p:par>
+        <p:cTn id="1" dur="indefinite" restart="never" nodeType="tmRoot"/>
+      </p:par>
+    </p:tnLst>
+  </p:timing>
 </p:sld>
 </file>
 
@@ -4426,6 +4347,29 @@
           </a:p>
         </p:txBody>
       </p:sp>
+      <p:sp>
+        <p:nvSpPr>
+          <p:cNvPr id="4" name="Номер слайда 3"/>
+          <p:cNvSpPr>
+            <a:spLocks noGrp="1"/>
+          </p:cNvSpPr>
+          <p:nvPr>
+            <p:ph type="sldNum" sz="quarter" idx="12"/>
+          </p:nvPr>
+        </p:nvSpPr>
+        <p:spPr/>
+        <p:txBody>
+          <a:bodyPr/>
+          <a:lstStyle/>
+          <a:p>
+            <a:fld id="{3FF08AD6-07C1-4267-9B3C-85DF7FE192DE}" type="slidenum">
+              <a:rPr lang="ru-RU" smtClean="0"/>
+              <a:t>3</a:t>
+            </a:fld>
+            <a:endParaRPr lang="ru-RU"/>
+          </a:p>
+        </p:txBody>
+      </p:sp>
     </p:spTree>
     <p:extLst>
       <p:ext uri="{BB962C8B-B14F-4D97-AF65-F5344CB8AC3E}">
@@ -4436,6 +4380,13 @@
   <p:clrMapOvr>
     <a:masterClrMapping/>
   </p:clrMapOvr>
+  <p:timing>
+    <p:tnLst>
+      <p:par>
+        <p:cTn id="1" dur="indefinite" restart="never" nodeType="tmRoot"/>
+      </p:par>
+    </p:tnLst>
+  </p:timing>
 </p:sld>
 </file>
 
@@ -4458,10 +4409,10 @@
       </p:grpSpPr>
       <p:sp>
         <p:nvSpPr>
-          <p:cNvPr id="6" name="Прямоугольник: скругленные углы 3">
-            <a:extLst>
-              <a:ext uri="{FF2B5EF4-FFF2-40B4-BE49-F238E27FC236}">
-                <a16:creationId xmlns:a16="http://schemas.microsoft.com/office/drawing/2014/main" id="{7B63D288-1D72-7F33-230E-D88E06E09A40}"/>
+          <p:cNvPr id="7" name="Прямоугольник: скругленные углы 4">
+            <a:extLst>
+              <a:ext uri="{FF2B5EF4-FFF2-40B4-BE49-F238E27FC236}">
+                <a16:creationId xmlns:a16="http://schemas.microsoft.com/office/drawing/2014/main" id="{CF313A24-2286-F889-0862-6A9E2D828213}"/>
               </a:ext>
             </a:extLst>
           </p:cNvPr>
@@ -4470,63 +4421,7 @@
         </p:nvSpPr>
         <p:spPr>
           <a:xfrm>
-            <a:off x="850059" y="482760"/>
-            <a:ext cx="10632558" cy="686618"/>
-          </a:xfrm>
-          <a:prstGeom prst="roundRect">
-            <a:avLst/>
-          </a:prstGeom>
-        </p:spPr>
-        <p:style>
-          <a:lnRef idx="2">
-            <a:schemeClr val="accent6"/>
-          </a:lnRef>
-          <a:fillRef idx="1">
-            <a:schemeClr val="lt1"/>
-          </a:fillRef>
-          <a:effectRef idx="0">
-            <a:schemeClr val="accent6"/>
-          </a:effectRef>
-          <a:fontRef idx="minor">
-            <a:schemeClr val="dk1"/>
-          </a:fontRef>
-        </p:style>
-        <p:txBody>
-          <a:bodyPr rtlCol="0" anchor="ctr"/>
-          <a:lstStyle/>
-          <a:p>
-            <a:pPr>
-              <a:spcBef>
-                <a:spcPct val="50000"/>
-              </a:spcBef>
-            </a:pPr>
-            <a:r>
-              <a:rPr lang="ru-RU" altLang="ru-RU" sz="2000" b="1" dirty="0" smtClean="0">
-                <a:latin typeface="Montserrat" panose="020F0502020204030204" pitchFamily="2" charset="-52"/>
-              </a:rPr>
-              <a:t>Почему возникла потребность перейти от анализа к исследованию?</a:t>
-            </a:r>
-            <a:endParaRPr lang="ru-RU" altLang="ru-RU" sz="2000" dirty="0">
-              <a:latin typeface="Montserrat" panose="020F0502020204030204" pitchFamily="2" charset="-52"/>
-            </a:endParaRPr>
-          </a:p>
-        </p:txBody>
-      </p:sp>
-      <p:sp>
-        <p:nvSpPr>
-          <p:cNvPr id="7" name="Прямоугольник: скругленные углы 4">
-            <a:extLst>
-              <a:ext uri="{FF2B5EF4-FFF2-40B4-BE49-F238E27FC236}">
-                <a16:creationId xmlns:a16="http://schemas.microsoft.com/office/drawing/2014/main" id="{CF313A24-2286-F889-0862-6A9E2D828213}"/>
-              </a:ext>
-            </a:extLst>
-          </p:cNvPr>
-          <p:cNvSpPr/>
-          <p:nvPr/>
-        </p:nvSpPr>
-        <p:spPr>
-          <a:xfrm>
-            <a:off x="850059" y="1445618"/>
+            <a:off x="850058" y="361401"/>
             <a:ext cx="10632558" cy="708498"/>
           </a:xfrm>
           <a:prstGeom prst="roundRect">
@@ -4582,7 +4477,7 @@
         </p:nvSpPr>
         <p:spPr>
           <a:xfrm>
-            <a:off x="2043430" y="2558693"/>
+            <a:off x="2043428" y="1250690"/>
             <a:ext cx="8245815" cy="708498"/>
           </a:xfrm>
           <a:prstGeom prst="roundRect">
@@ -4624,57 +4519,21 @@
           </a:p>
         </p:txBody>
       </p:sp>
-      <p:cxnSp>
-        <p:nvCxnSpPr>
-          <p:cNvPr id="4" name="Прямая со стрелкой 3"/>
-          <p:cNvCxnSpPr>
-            <a:stCxn id="7" idx="2"/>
-            <a:endCxn id="5" idx="0"/>
-          </p:cNvCxnSpPr>
+      <p:sp>
+        <p:nvSpPr>
+          <p:cNvPr id="11" name="Прямоугольник: скругленные углы 4">
+            <a:extLst>
+              <a:ext uri="{FF2B5EF4-FFF2-40B4-BE49-F238E27FC236}">
+                <a16:creationId xmlns:a16="http://schemas.microsoft.com/office/drawing/2014/main" id="{CF313A24-2286-F889-0862-6A9E2D828213}"/>
+              </a:ext>
+            </a:extLst>
+          </p:cNvPr>
+          <p:cNvSpPr/>
           <p:nvPr/>
-        </p:nvCxnSpPr>
+        </p:nvSpPr>
         <p:spPr>
           <a:xfrm>
-            <a:off x="6166338" y="2154116"/>
-            <a:ext cx="0" cy="404577"/>
-          </a:xfrm>
-          <a:prstGeom prst="straightConnector1">
-            <a:avLst/>
-          </a:prstGeom>
-          <a:ln>
-            <a:tailEnd type="triangle"/>
-          </a:ln>
-        </p:spPr>
-        <p:style>
-          <a:lnRef idx="2">
-            <a:schemeClr val="accent1"/>
-          </a:lnRef>
-          <a:fillRef idx="0">
-            <a:schemeClr val="accent1"/>
-          </a:fillRef>
-          <a:effectRef idx="1">
-            <a:schemeClr val="accent1"/>
-          </a:effectRef>
-          <a:fontRef idx="minor">
-            <a:schemeClr val="tx1"/>
-          </a:fontRef>
-        </p:style>
-      </p:cxnSp>
-      <p:sp>
-        <p:nvSpPr>
-          <p:cNvPr id="11" name="Прямоугольник: скругленные углы 4">
-            <a:extLst>
-              <a:ext uri="{FF2B5EF4-FFF2-40B4-BE49-F238E27FC236}">
-                <a16:creationId xmlns:a16="http://schemas.microsoft.com/office/drawing/2014/main" id="{CF313A24-2286-F889-0862-6A9E2D828213}"/>
-              </a:ext>
-            </a:extLst>
-          </p:cNvPr>
-          <p:cNvSpPr/>
-          <p:nvPr/>
-        </p:nvSpPr>
-        <p:spPr>
-          <a:xfrm>
-            <a:off x="850058" y="4309134"/>
+            <a:off x="850057" y="4910026"/>
             <a:ext cx="10632558" cy="1241434"/>
           </a:xfrm>
           <a:prstGeom prst="roundRect">
@@ -4722,6 +4581,59 @@
           </a:p>
         </p:txBody>
       </p:sp>
+      <p:pic>
+        <p:nvPicPr>
+          <p:cNvPr id="12" name="Рисунок 11"/>
+          <p:cNvPicPr>
+            <a:picLocks noChangeAspect="1"/>
+          </p:cNvPicPr>
+          <p:nvPr/>
+        </p:nvPicPr>
+        <p:blipFill>
+          <a:blip r:embed="rId2">
+            <a:extLst>
+              <a:ext uri="{28A0092B-C50C-407E-A947-70E740481C1C}">
+                <a14:useLocalDpi xmlns:a14="http://schemas.microsoft.com/office/drawing/2010/main" val="0"/>
+              </a:ext>
+            </a:extLst>
+          </a:blip>
+          <a:stretch>
+            <a:fillRect/>
+          </a:stretch>
+        </p:blipFill>
+        <p:spPr>
+          <a:xfrm>
+            <a:off x="3670664" y="2089824"/>
+            <a:ext cx="5264331" cy="2689565"/>
+          </a:xfrm>
+          <a:prstGeom prst="rect">
+            <a:avLst/>
+          </a:prstGeom>
+        </p:spPr>
+      </p:pic>
+      <p:sp>
+        <p:nvSpPr>
+          <p:cNvPr id="14" name="Номер слайда 13"/>
+          <p:cNvSpPr>
+            <a:spLocks noGrp="1"/>
+          </p:cNvSpPr>
+          <p:nvPr>
+            <p:ph type="sldNum" sz="quarter" idx="12"/>
+          </p:nvPr>
+        </p:nvSpPr>
+        <p:spPr/>
+        <p:txBody>
+          <a:bodyPr/>
+          <a:lstStyle/>
+          <a:p>
+            <a:fld id="{3FF08AD6-07C1-4267-9B3C-85DF7FE192DE}" type="slidenum">
+              <a:rPr lang="ru-RU" smtClean="0"/>
+              <a:t>4</a:t>
+            </a:fld>
+            <a:endParaRPr lang="ru-RU"/>
+          </a:p>
+        </p:txBody>
+      </p:sp>
     </p:spTree>
     <p:extLst>
       <p:ext uri="{BB962C8B-B14F-4D97-AF65-F5344CB8AC3E}">
@@ -4732,6 +4644,13 @@
   <p:clrMapOvr>
     <a:masterClrMapping/>
   </p:clrMapOvr>
+  <p:timing>
+    <p:tnLst>
+      <p:par>
+        <p:cTn id="1" dur="indefinite" restart="never" nodeType="tmRoot"/>
+      </p:par>
+    </p:tnLst>
+  </p:timing>
 </p:sld>
 </file>
 
@@ -4782,6 +4701,29 @@
           </a:prstGeom>
         </p:spPr>
       </p:pic>
+      <p:sp>
+        <p:nvSpPr>
+          <p:cNvPr id="4" name="Номер слайда 3"/>
+          <p:cNvSpPr>
+            <a:spLocks noGrp="1"/>
+          </p:cNvSpPr>
+          <p:nvPr>
+            <p:ph type="sldNum" sz="quarter" idx="12"/>
+          </p:nvPr>
+        </p:nvSpPr>
+        <p:spPr/>
+        <p:txBody>
+          <a:bodyPr/>
+          <a:lstStyle/>
+          <a:p>
+            <a:fld id="{3FF08AD6-07C1-4267-9B3C-85DF7FE192DE}" type="slidenum">
+              <a:rPr lang="ru-RU" smtClean="0"/>
+              <a:t>5</a:t>
+            </a:fld>
+            <a:endParaRPr lang="ru-RU"/>
+          </a:p>
+        </p:txBody>
+      </p:sp>
     </p:spTree>
     <p:extLst>
       <p:ext uri="{BB962C8B-B14F-4D97-AF65-F5344CB8AC3E}">
@@ -4792,6 +4734,13 @@
   <p:clrMapOvr>
     <a:masterClrMapping/>
   </p:clrMapOvr>
+  <p:timing>
+    <p:tnLst>
+      <p:par>
+        <p:cTn id="1" dur="indefinite" restart="never" nodeType="tmRoot"/>
+      </p:par>
+    </p:tnLst>
+  </p:timing>
 </p:sld>
 </file>
 
@@ -5008,7 +4957,7 @@
               <a:rPr lang="ru-RU" altLang="ru-RU" sz="2000" dirty="0" smtClean="0">
                 <a:latin typeface="Montserrat" panose="020F0502020204030204" pitchFamily="2" charset="-52"/>
               </a:rPr>
-              <a:t>единой </a:t>
+              <a:t>определенной </a:t>
             </a:r>
             <a:r>
               <a:rPr lang="ru-RU" altLang="ru-RU" sz="2000" dirty="0">
@@ -5028,6 +4977,29 @@
               </a:rPr>
               <a:t>для достижения поставленной цели.</a:t>
             </a:r>
+          </a:p>
+        </p:txBody>
+      </p:sp>
+      <p:sp>
+        <p:nvSpPr>
+          <p:cNvPr id="4" name="Номер слайда 3"/>
+          <p:cNvSpPr>
+            <a:spLocks noGrp="1"/>
+          </p:cNvSpPr>
+          <p:nvPr>
+            <p:ph type="sldNum" sz="quarter" idx="12"/>
+          </p:nvPr>
+        </p:nvSpPr>
+        <p:spPr/>
+        <p:txBody>
+          <a:bodyPr/>
+          <a:lstStyle/>
+          <a:p>
+            <a:fld id="{3FF08AD6-07C1-4267-9B3C-85DF7FE192DE}" type="slidenum">
+              <a:rPr lang="ru-RU" smtClean="0"/>
+              <a:t>6</a:t>
+            </a:fld>
+            <a:endParaRPr lang="ru-RU"/>
           </a:p>
         </p:txBody>
       </p:sp>
@@ -5041,6 +5013,13 @@
   <p:clrMapOvr>
     <a:masterClrMapping/>
   </p:clrMapOvr>
+  <p:timing>
+    <p:tnLst>
+      <p:par>
+        <p:cTn id="1" dur="indefinite" restart="never" nodeType="tmRoot"/>
+      </p:par>
+    </p:tnLst>
+  </p:timing>
 </p:sld>
 </file>
 
@@ -5558,6 +5537,29 @@
           </a:p>
         </p:txBody>
       </p:sp>
+      <p:sp>
+        <p:nvSpPr>
+          <p:cNvPr id="6" name="Номер слайда 5"/>
+          <p:cNvSpPr>
+            <a:spLocks noGrp="1"/>
+          </p:cNvSpPr>
+          <p:nvPr>
+            <p:ph type="sldNum" sz="quarter" idx="12"/>
+          </p:nvPr>
+        </p:nvSpPr>
+        <p:spPr/>
+        <p:txBody>
+          <a:bodyPr/>
+          <a:lstStyle/>
+          <a:p>
+            <a:fld id="{3FF08AD6-07C1-4267-9B3C-85DF7FE192DE}" type="slidenum">
+              <a:rPr lang="ru-RU" smtClean="0"/>
+              <a:t>7</a:t>
+            </a:fld>
+            <a:endParaRPr lang="ru-RU"/>
+          </a:p>
+        </p:txBody>
+      </p:sp>
     </p:spTree>
     <p:extLst>
       <p:ext uri="{BB962C8B-B14F-4D97-AF65-F5344CB8AC3E}">
@@ -5568,6 +5570,13 @@
   <p:clrMapOvr>
     <a:masterClrMapping/>
   </p:clrMapOvr>
+  <p:timing>
+    <p:tnLst>
+      <p:par>
+        <p:cTn id="1" dur="indefinite" restart="never" nodeType="tmRoot"/>
+      </p:par>
+    </p:tnLst>
+  </p:timing>
 </p:sld>
 </file>
 
@@ -5655,6 +5664,29 @@
           </a:p>
         </p:txBody>
       </p:sp>
+      <p:sp>
+        <p:nvSpPr>
+          <p:cNvPr id="3" name="Номер слайда 2"/>
+          <p:cNvSpPr>
+            <a:spLocks noGrp="1"/>
+          </p:cNvSpPr>
+          <p:nvPr>
+            <p:ph type="sldNum" sz="quarter" idx="12"/>
+          </p:nvPr>
+        </p:nvSpPr>
+        <p:spPr/>
+        <p:txBody>
+          <a:bodyPr/>
+          <a:lstStyle/>
+          <a:p>
+            <a:fld id="{3FF08AD6-07C1-4267-9B3C-85DF7FE192DE}" type="slidenum">
+              <a:rPr lang="ru-RU" smtClean="0"/>
+              <a:t>8</a:t>
+            </a:fld>
+            <a:endParaRPr lang="ru-RU"/>
+          </a:p>
+        </p:txBody>
+      </p:sp>
     </p:spTree>
     <p:extLst>
       <p:ext uri="{BB962C8B-B14F-4D97-AF65-F5344CB8AC3E}">
@@ -5665,6 +5697,13 @@
   <p:clrMapOvr>
     <a:masterClrMapping/>
   </p:clrMapOvr>
+  <p:timing>
+    <p:tnLst>
+      <p:par>
+        <p:cTn id="1" dur="indefinite" restart="never" nodeType="tmRoot"/>
+      </p:par>
+    </p:tnLst>
+  </p:timing>
 </p:sld>
 </file>
 
@@ -5676,7 +5715,7 @@
         <p:cNvPr id="1" name="">
           <a:extLst>
             <a:ext uri="{FF2B5EF4-FFF2-40B4-BE49-F238E27FC236}">
-              <a16:creationId xmlns:a16="http://schemas.microsoft.com/office/drawing/2014/main" id="{A9448C64-DA04-D0BC-80ED-6D56B2D518E7}"/>
+              <a16:creationId xmlns:a16="http://schemas.microsoft.com/office/drawing/2014/main" id="{67C4C8B0-537D-E651-F25B-FDC4E034A157}"/>
             </a:ext>
           </a:extLst>
         </p:cNvPr>
@@ -5693,10 +5732,10 @@
       </p:grpSpPr>
       <p:sp>
         <p:nvSpPr>
-          <p:cNvPr id="4" name="Прямоугольник: скругленные углы 3">
-            <a:extLst>
-              <a:ext uri="{FF2B5EF4-FFF2-40B4-BE49-F238E27FC236}">
-                <a16:creationId xmlns:a16="http://schemas.microsoft.com/office/drawing/2014/main" id="{12A29E3F-9B0F-F5FE-4DC7-A935D13E1828}"/>
+          <p:cNvPr id="12" name="Прямоугольник 11">
+            <a:extLst>
+              <a:ext uri="{FF2B5EF4-FFF2-40B4-BE49-F238E27FC236}">
+                <a16:creationId xmlns:a16="http://schemas.microsoft.com/office/drawing/2014/main" id="{A476D7F8-413A-9C99-5617-D0A7002811F3}"/>
               </a:ext>
             </a:extLst>
           </p:cNvPr>
@@ -5705,22 +5744,22 @@
         </p:nvSpPr>
         <p:spPr>
           <a:xfrm>
-            <a:off x="779721" y="414670"/>
-            <a:ext cx="10632558" cy="1625145"/>
+            <a:off x="696656" y="3994947"/>
+            <a:ext cx="3288118" cy="991722"/>
           </a:xfrm>
-          <a:prstGeom prst="roundRect">
+          <a:prstGeom prst="rect">
             <a:avLst/>
           </a:prstGeom>
         </p:spPr>
         <p:style>
           <a:lnRef idx="2">
-            <a:schemeClr val="accent6"/>
+            <a:schemeClr val="dk1"/>
           </a:lnRef>
           <a:fillRef idx="1">
             <a:schemeClr val="lt1"/>
           </a:fillRef>
           <a:effectRef idx="0">
-            <a:schemeClr val="accent6"/>
+            <a:schemeClr val="dk1"/>
           </a:effectRef>
           <a:fontRef idx="minor">
             <a:schemeClr val="dk1"/>
@@ -5730,32 +5769,57 @@
           <a:bodyPr rtlCol="0" anchor="ctr"/>
           <a:lstStyle/>
           <a:p>
-            <a:pPr>
+            <a:pPr marL="0" marR="0" lvl="0" indent="0" algn="ctr" defTabSz="914400" rtl="0" eaLnBrk="1" fontAlgn="auto" latinLnBrk="0" hangingPunct="1">
+              <a:lnSpc>
+                <a:spcPct val="100000"/>
+              </a:lnSpc>
               <a:spcBef>
-                <a:spcPct val="50000"/>
+                <a:spcPts val="0"/>
               </a:spcBef>
+              <a:spcAft>
+                <a:spcPts val="0"/>
+              </a:spcAft>
+              <a:buClrTx/>
+              <a:buSzTx/>
+              <a:tabLst/>
+              <a:defRPr/>
             </a:pPr>
             <a:r>
-              <a:rPr lang="ru-RU" altLang="ru-RU" sz="2000" b="1" dirty="0">
+              <a:rPr lang="ru-RU" altLang="ru-RU" sz="2800" dirty="0">
+                <a:solidFill>
+                  <a:prstClr val="black"/>
+                </a:solidFill>
                 <a:latin typeface="Montserrat" panose="020F0502020204030204" pitchFamily="2" charset="-52"/>
               </a:rPr>
-              <a:t>Традиционный подход к организации исследования</a:t>
-            </a:r>
-            <a:r>
-              <a:rPr lang="ru-RU" altLang="ru-RU" sz="2000" dirty="0">
+              <a:t>Системным</a:t>
+            </a:r>
+            <a:r>
+              <a:rPr kumimoji="0" lang="ru-RU" altLang="ru-RU" sz="2800" i="0" u="none" strike="noStrike" kern="1200" cap="none" spc="0" normalizeH="0" baseline="0" noProof="0" dirty="0">
+                <a:ln>
+                  <a:noFill/>
+                </a:ln>
+                <a:solidFill>
+                  <a:prstClr val="black"/>
+                </a:solidFill>
+                <a:effectLst/>
+                <a:uLnTx/>
+                <a:uFillTx/>
                 <a:latin typeface="Montserrat" panose="020F0502020204030204" pitchFamily="2" charset="-52"/>
+                <a:ea typeface="+mn-ea"/>
+                <a:cs typeface="+mn-cs"/>
               </a:rPr>
-              <a:t> как сужение классической схемы анализа. Предусматривает, как и в классическом анализе расчленение исследуемого объекта на составные части, но требует определить поведение сложного объекта, как результат объединения свойств входящих в него компонентов.</a:t>
-            </a:r>
-          </a:p>
-        </p:txBody>
-      </p:sp>
-      <p:sp>
-        <p:nvSpPr>
-          <p:cNvPr id="2" name="Прямоугольник: скругленные углы 1">
-            <a:extLst>
-              <a:ext uri="{FF2B5EF4-FFF2-40B4-BE49-F238E27FC236}">
-                <a16:creationId xmlns:a16="http://schemas.microsoft.com/office/drawing/2014/main" id="{19A89651-AE26-37B4-2A16-FBA062176DA2}"/>
+              <a:t> методом</a:t>
+            </a:r>
+            <a:endParaRPr lang="ru-RU" dirty="0"/>
+          </a:p>
+        </p:txBody>
+      </p:sp>
+      <p:sp>
+        <p:nvSpPr>
+          <p:cNvPr id="13" name="Прямоугольник 12">
+            <a:extLst>
+              <a:ext uri="{FF2B5EF4-FFF2-40B4-BE49-F238E27FC236}">
+                <a16:creationId xmlns:a16="http://schemas.microsoft.com/office/drawing/2014/main" id="{C707DE69-1907-7C33-EEB2-A12E9AC5A554}"/>
               </a:ext>
             </a:extLst>
           </p:cNvPr>
@@ -5764,22 +5828,22 @@
         </p:nvSpPr>
         <p:spPr>
           <a:xfrm>
-            <a:off x="779721" y="2599558"/>
-            <a:ext cx="10632558" cy="828336"/>
+            <a:off x="4688013" y="4028470"/>
+            <a:ext cx="3059193" cy="958199"/>
           </a:xfrm>
-          <a:prstGeom prst="roundRect">
+          <a:prstGeom prst="rect">
             <a:avLst/>
           </a:prstGeom>
         </p:spPr>
         <p:style>
           <a:lnRef idx="2">
-            <a:schemeClr val="accent6"/>
+            <a:schemeClr val="dk1"/>
           </a:lnRef>
           <a:fillRef idx="1">
             <a:schemeClr val="lt1"/>
           </a:fillRef>
           <a:effectRef idx="0">
-            <a:schemeClr val="accent6"/>
+            <a:schemeClr val="dk1"/>
           </a:effectRef>
           <a:fontRef idx="minor">
             <a:schemeClr val="dk1"/>
@@ -5789,32 +5853,27 @@
           <a:bodyPr rtlCol="0" anchor="ctr"/>
           <a:lstStyle/>
           <a:p>
-            <a:pPr>
-              <a:spcBef>
-                <a:spcPct val="50000"/>
-              </a:spcBef>
+            <a:pPr lvl="0" algn="ctr">
+              <a:defRPr/>
             </a:pPr>
             <a:r>
-              <a:rPr lang="ru-RU" altLang="ru-RU" sz="2000" b="1" dirty="0">
+              <a:rPr lang="ru-RU" altLang="ru-RU" sz="2800" dirty="0">
+                <a:solidFill>
+                  <a:prstClr val="black"/>
+                </a:solidFill>
                 <a:latin typeface="Montserrat" panose="020F0502020204030204" pitchFamily="2" charset="-52"/>
               </a:rPr>
-              <a:t>Свойство исследуемого объекта </a:t>
-            </a:r>
-            <a:r>
-              <a:rPr lang="ru-RU" altLang="ru-RU" sz="2000" dirty="0">
-                <a:latin typeface="Montserrat" panose="020F0502020204030204" pitchFamily="2" charset="-52"/>
-              </a:rPr>
-              <a:t>– это то, как объект функционирует при взаимодействии с другим объектом.</a:t>
-            </a:r>
-          </a:p>
-        </p:txBody>
-      </p:sp>
-      <p:sp>
-        <p:nvSpPr>
-          <p:cNvPr id="5" name="Прямоугольник: скругленные углы 3">
-            <a:extLst>
-              <a:ext uri="{FF2B5EF4-FFF2-40B4-BE49-F238E27FC236}">
-                <a16:creationId xmlns:a16="http://schemas.microsoft.com/office/drawing/2014/main" id="{5979F090-C1D1-AB48-CB01-AA41C1F7C313}"/>
+              <a:t>Теорией систем</a:t>
+            </a:r>
+          </a:p>
+        </p:txBody>
+      </p:sp>
+      <p:sp>
+        <p:nvSpPr>
+          <p:cNvPr id="21" name="Прямоугольник 20">
+            <a:extLst>
+              <a:ext uri="{FF2B5EF4-FFF2-40B4-BE49-F238E27FC236}">
+                <a16:creationId xmlns:a16="http://schemas.microsoft.com/office/drawing/2014/main" id="{B00DFF7E-2A82-90A0-F7A7-4429FB5181E5}"/>
               </a:ext>
             </a:extLst>
           </p:cNvPr>
@@ -5823,22 +5882,22 @@
         </p:nvSpPr>
         <p:spPr>
           <a:xfrm>
-            <a:off x="779721" y="3987638"/>
-            <a:ext cx="10632558" cy="1736154"/>
+            <a:off x="2002687" y="1586232"/>
+            <a:ext cx="8429847" cy="1488558"/>
           </a:xfrm>
-          <a:prstGeom prst="roundRect">
+          <a:prstGeom prst="rect">
             <a:avLst/>
           </a:prstGeom>
         </p:spPr>
         <p:style>
           <a:lnRef idx="2">
-            <a:schemeClr val="accent6"/>
+            <a:schemeClr val="dk1"/>
           </a:lnRef>
           <a:fillRef idx="1">
             <a:schemeClr val="lt1"/>
           </a:fillRef>
           <a:effectRef idx="0">
-            <a:schemeClr val="accent6"/>
+            <a:schemeClr val="dk1"/>
           </a:effectRef>
           <a:fontRef idx="minor">
             <a:schemeClr val="dk1"/>
@@ -5848,30 +5907,229 @@
           <a:bodyPr rtlCol="0" anchor="ctr"/>
           <a:lstStyle/>
           <a:p>
-            <a:pPr>
-              <a:spcBef>
-                <a:spcPct val="50000"/>
-              </a:spcBef>
-            </a:pPr>
-            <a:r>
-              <a:rPr lang="ru-RU" altLang="ru-RU" sz="2000" dirty="0">
+            <a:pPr algn="ctr"/>
+            <a:r>
+              <a:rPr lang="ru-RU" altLang="ru-RU" sz="2800" dirty="0">
                 <a:latin typeface="Montserrat" panose="020F0502020204030204" pitchFamily="2" charset="-52"/>
               </a:rPr>
-              <a:t>Однако, использование традиционного подхода может исключить из рассмотрения широкий класс свойств объекта, присущих ему, как целому и отсутствующих у его частей, что может не способствовать полноценному формированию представлений о поведении исследуемого объекта.</a:t>
-            </a:r>
+              <a:t>Системный подход к организации требуемого функционирования объектов (как систем) (кратко – системный анализ</a:t>
+            </a:r>
+            <a:r>
+              <a:rPr lang="ru-RU" altLang="ru-RU" sz="2800" dirty="0" smtClean="0">
+                <a:latin typeface="Montserrat" panose="020F0502020204030204" pitchFamily="2" charset="-52"/>
+              </a:rPr>
+              <a:t>)</a:t>
+            </a:r>
+            <a:endParaRPr lang="ru-RU" altLang="ru-RU" sz="2800" dirty="0">
+              <a:latin typeface="Montserrat" panose="020F0502020204030204" pitchFamily="2" charset="-52"/>
+            </a:endParaRPr>
+          </a:p>
+        </p:txBody>
+      </p:sp>
+      <p:sp>
+        <p:nvSpPr>
+          <p:cNvPr id="2" name="Прямоугольник 1">
+            <a:extLst>
+              <a:ext uri="{FF2B5EF4-FFF2-40B4-BE49-F238E27FC236}">
+                <a16:creationId xmlns:a16="http://schemas.microsoft.com/office/drawing/2014/main" id="{CA664889-BE0D-56BF-9F5F-AA44C3349ED1}"/>
+              </a:ext>
+            </a:extLst>
+          </p:cNvPr>
+          <p:cNvSpPr/>
+          <p:nvPr/>
+        </p:nvSpPr>
+        <p:spPr>
+          <a:xfrm>
+            <a:off x="8450445" y="3994947"/>
+            <a:ext cx="3188561" cy="991722"/>
+          </a:xfrm>
+          <a:prstGeom prst="rect">
+            <a:avLst/>
+          </a:prstGeom>
+        </p:spPr>
+        <p:style>
+          <a:lnRef idx="2">
+            <a:schemeClr val="dk1"/>
+          </a:lnRef>
+          <a:fillRef idx="1">
+            <a:schemeClr val="lt1"/>
+          </a:fillRef>
+          <a:effectRef idx="0">
+            <a:schemeClr val="dk1"/>
+          </a:effectRef>
+          <a:fontRef idx="minor">
+            <a:schemeClr val="dk1"/>
+          </a:fontRef>
+        </p:style>
+        <p:txBody>
+          <a:bodyPr rtlCol="0" anchor="ctr"/>
+          <a:lstStyle/>
+          <a:p>
+            <a:pPr lvl="0" algn="ctr">
+              <a:defRPr/>
+            </a:pPr>
+            <a:r>
+              <a:rPr lang="ru-RU" altLang="ru-RU" sz="2800" dirty="0">
+                <a:solidFill>
+                  <a:prstClr val="black"/>
+                </a:solidFill>
+                <a:latin typeface="Montserrat" panose="020F0502020204030204" pitchFamily="2" charset="-52"/>
+              </a:rPr>
+              <a:t>Трансакционным анализом</a:t>
+            </a:r>
+          </a:p>
+        </p:txBody>
+      </p:sp>
+      <p:cxnSp>
+        <p:nvCxnSpPr>
+          <p:cNvPr id="5" name="Прямая соединительная линия 4">
+            <a:extLst>
+              <a:ext uri="{FF2B5EF4-FFF2-40B4-BE49-F238E27FC236}">
+                <a16:creationId xmlns:a16="http://schemas.microsoft.com/office/drawing/2014/main" id="{CDE88897-F9BE-A1C2-BB50-211F16D28271}"/>
+              </a:ext>
+            </a:extLst>
+          </p:cNvPr>
+          <p:cNvCxnSpPr>
+            <a:endCxn id="13" idx="0"/>
+          </p:cNvCxnSpPr>
+          <p:nvPr/>
+        </p:nvCxnSpPr>
+        <p:spPr>
+          <a:xfrm flipH="1">
+            <a:off x="6217610" y="3074790"/>
+            <a:ext cx="1" cy="953680"/>
+          </a:xfrm>
+          <a:prstGeom prst="line">
+            <a:avLst/>
+          </a:prstGeom>
+        </p:spPr>
+        <p:style>
+          <a:lnRef idx="2">
+            <a:schemeClr val="dk1"/>
+          </a:lnRef>
+          <a:fillRef idx="0">
+            <a:schemeClr val="dk1"/>
+          </a:fillRef>
+          <a:effectRef idx="1">
+            <a:schemeClr val="dk1"/>
+          </a:effectRef>
+          <a:fontRef idx="minor">
+            <a:schemeClr val="tx1"/>
+          </a:fontRef>
+        </p:style>
+      </p:cxnSp>
+      <p:cxnSp>
+        <p:nvCxnSpPr>
+          <p:cNvPr id="9" name="Прямая соединительная линия 8">
+            <a:extLst>
+              <a:ext uri="{FF2B5EF4-FFF2-40B4-BE49-F238E27FC236}">
+                <a16:creationId xmlns:a16="http://schemas.microsoft.com/office/drawing/2014/main" id="{CDE88897-F9BE-A1C2-BB50-211F16D28271}"/>
+              </a:ext>
+            </a:extLst>
+          </p:cNvPr>
+          <p:cNvCxnSpPr/>
+          <p:nvPr/>
+        </p:nvCxnSpPr>
+        <p:spPr>
+          <a:xfrm>
+            <a:off x="9544286" y="3074790"/>
+            <a:ext cx="4663" cy="920157"/>
+          </a:xfrm>
+          <a:prstGeom prst="line">
+            <a:avLst/>
+          </a:prstGeom>
+        </p:spPr>
+        <p:style>
+          <a:lnRef idx="2">
+            <a:schemeClr val="dk1"/>
+          </a:lnRef>
+          <a:fillRef idx="0">
+            <a:schemeClr val="dk1"/>
+          </a:fillRef>
+          <a:effectRef idx="1">
+            <a:schemeClr val="dk1"/>
+          </a:effectRef>
+          <a:fontRef idx="minor">
+            <a:schemeClr val="tx1"/>
+          </a:fontRef>
+        </p:style>
+      </p:cxnSp>
+      <p:cxnSp>
+        <p:nvCxnSpPr>
+          <p:cNvPr id="10" name="Прямая соединительная линия 9">
+            <a:extLst>
+              <a:ext uri="{FF2B5EF4-FFF2-40B4-BE49-F238E27FC236}">
+                <a16:creationId xmlns:a16="http://schemas.microsoft.com/office/drawing/2014/main" id="{CDE88897-F9BE-A1C2-BB50-211F16D28271}"/>
+              </a:ext>
+            </a:extLst>
+          </p:cNvPr>
+          <p:cNvCxnSpPr/>
+          <p:nvPr/>
+        </p:nvCxnSpPr>
+        <p:spPr>
+          <a:xfrm>
+            <a:off x="2869165" y="3074790"/>
+            <a:ext cx="4664" cy="920157"/>
+          </a:xfrm>
+          <a:prstGeom prst="line">
+            <a:avLst/>
+          </a:prstGeom>
+        </p:spPr>
+        <p:style>
+          <a:lnRef idx="2">
+            <a:schemeClr val="dk1"/>
+          </a:lnRef>
+          <a:fillRef idx="0">
+            <a:schemeClr val="dk1"/>
+          </a:fillRef>
+          <a:effectRef idx="1">
+            <a:schemeClr val="dk1"/>
+          </a:effectRef>
+          <a:fontRef idx="minor">
+            <a:schemeClr val="tx1"/>
+          </a:fontRef>
+        </p:style>
+      </p:cxnSp>
+      <p:sp>
+        <p:nvSpPr>
+          <p:cNvPr id="11" name="Номер слайда 10"/>
+          <p:cNvSpPr>
+            <a:spLocks noGrp="1"/>
+          </p:cNvSpPr>
+          <p:nvPr>
+            <p:ph type="sldNum" sz="quarter" idx="12"/>
+          </p:nvPr>
+        </p:nvSpPr>
+        <p:spPr/>
+        <p:txBody>
+          <a:bodyPr/>
+          <a:lstStyle/>
+          <a:p>
+            <a:fld id="{3FF08AD6-07C1-4267-9B3C-85DF7FE192DE}" type="slidenum">
+              <a:rPr lang="ru-RU" smtClean="0"/>
+              <a:t>9</a:t>
+            </a:fld>
+            <a:endParaRPr lang="ru-RU"/>
           </a:p>
         </p:txBody>
       </p:sp>
     </p:spTree>
     <p:extLst>
       <p:ext uri="{BB962C8B-B14F-4D97-AF65-F5344CB8AC3E}">
-        <p14:creationId xmlns:p14="http://schemas.microsoft.com/office/powerpoint/2010/main" val="3505633698"/>
+        <p14:creationId xmlns:p14="http://schemas.microsoft.com/office/powerpoint/2010/main" val="1747430432"/>
       </p:ext>
     </p:extLst>
   </p:cSld>
   <p:clrMapOvr>
     <a:masterClrMapping/>
   </p:clrMapOvr>
+  <p:timing>
+    <p:tnLst>
+      <p:par>
+        <p:cTn id="1" dur="indefinite" restart="never" nodeType="tmRoot"/>
+      </p:par>
+    </p:tnLst>
+  </p:timing>
 </p:sld>
 </file>
 
@@ -6188,4 +6446,265 @@
     </a:ext>
   </a:extLst>
 </a:theme>
+</file>
+
+<file path=ppt/theme/theme2.xml><?xml version="1.0" encoding="utf-8"?>
+<a:theme xmlns:a="http://schemas.openxmlformats.org/drawingml/2006/main" name="Тема Office">
+  <a:themeElements>
+    <a:clrScheme name="Стандартная">
+      <a:dk1>
+        <a:sysClr val="windowText" lastClr="000000"/>
+      </a:dk1>
+      <a:lt1>
+        <a:sysClr val="window" lastClr="FFFFFF"/>
+      </a:lt1>
+      <a:dk2>
+        <a:srgbClr val="44546A"/>
+      </a:dk2>
+      <a:lt2>
+        <a:srgbClr val="E7E6E6"/>
+      </a:lt2>
+      <a:accent1>
+        <a:srgbClr val="5B9BD5"/>
+      </a:accent1>
+      <a:accent2>
+        <a:srgbClr val="ED7D31"/>
+      </a:accent2>
+      <a:accent3>
+        <a:srgbClr val="A5A5A5"/>
+      </a:accent3>
+      <a:accent4>
+        <a:srgbClr val="FFC000"/>
+      </a:accent4>
+      <a:accent5>
+        <a:srgbClr val="4472C4"/>
+      </a:accent5>
+      <a:accent6>
+        <a:srgbClr val="70AD47"/>
+      </a:accent6>
+      <a:hlink>
+        <a:srgbClr val="0563C1"/>
+      </a:hlink>
+      <a:folHlink>
+        <a:srgbClr val="954F72"/>
+      </a:folHlink>
+    </a:clrScheme>
+    <a:fontScheme name="Стандартная">
+      <a:majorFont>
+        <a:latin typeface="Calibri Light" panose="020F0302020204030204"/>
+        <a:ea typeface=""/>
+        <a:cs typeface=""/>
+        <a:font script="Jpan" typeface="游ゴシック Light"/>
+        <a:font script="Hang" typeface="맑은 고딕"/>
+        <a:font script="Hans" typeface="等线 Light"/>
+        <a:font script="Hant" typeface="新細明體"/>
+        <a:font script="Arab" typeface="Times New Roman"/>
+        <a:font script="Hebr" typeface="Times New Roman"/>
+        <a:font script="Thai" typeface="Angsana New"/>
+        <a:font script="Ethi" typeface="Nyala"/>
+        <a:font script="Beng" typeface="Vrinda"/>
+        <a:font script="Gujr" typeface="Shruti"/>
+        <a:font script="Khmr" typeface="MoolBoran"/>
+        <a:font script="Knda" typeface="Tunga"/>
+        <a:font script="Guru" typeface="Raavi"/>
+        <a:font script="Cans" typeface="Euphemia"/>
+        <a:font script="Cher" typeface="Plantagenet Cherokee"/>
+        <a:font script="Yiii" typeface="Microsoft Yi Baiti"/>
+        <a:font script="Tibt" typeface="Microsoft Himalaya"/>
+        <a:font script="Thaa" typeface="MV Boli"/>
+        <a:font script="Deva" typeface="Mangal"/>
+        <a:font script="Telu" typeface="Gautami"/>
+        <a:font script="Taml" typeface="Latha"/>
+        <a:font script="Syrc" typeface="Estrangelo Edessa"/>
+        <a:font script="Orya" typeface="Kalinga"/>
+        <a:font script="Mlym" typeface="Kartika"/>
+        <a:font script="Laoo" typeface="DokChampa"/>
+        <a:font script="Sinh" typeface="Iskoola Pota"/>
+        <a:font script="Mong" typeface="Mongolian Baiti"/>
+        <a:font script="Viet" typeface="Times New Roman"/>
+        <a:font script="Uigh" typeface="Microsoft Uighur"/>
+        <a:font script="Geor" typeface="Sylfaen"/>
+      </a:majorFont>
+      <a:minorFont>
+        <a:latin typeface="Calibri" panose="020F0502020204030204"/>
+        <a:ea typeface=""/>
+        <a:cs typeface=""/>
+        <a:font script="Jpan" typeface="游ゴシック"/>
+        <a:font script="Hang" typeface="맑은 고딕"/>
+        <a:font script="Hans" typeface="等线"/>
+        <a:font script="Hant" typeface="新細明體"/>
+        <a:font script="Arab" typeface="Arial"/>
+        <a:font script="Hebr" typeface="Arial"/>
+        <a:font script="Thai" typeface="Cordia New"/>
+        <a:font script="Ethi" typeface="Nyala"/>
+        <a:font script="Beng" typeface="Vrinda"/>
+        <a:font script="Gujr" typeface="Shruti"/>
+        <a:font script="Khmr" typeface="DaunPenh"/>
+        <a:font script="Knda" typeface="Tunga"/>
+        <a:font script="Guru" typeface="Raavi"/>
+        <a:font script="Cans" typeface="Euphemia"/>
+        <a:font script="Cher" typeface="Plantagenet Cherokee"/>
+        <a:font script="Yiii" typeface="Microsoft Yi Baiti"/>
+        <a:font script="Tibt" typeface="Microsoft Himalaya"/>
+        <a:font script="Thaa" typeface="MV Boli"/>
+        <a:font script="Deva" typeface="Mangal"/>
+        <a:font script="Telu" typeface="Gautami"/>
+        <a:font script="Taml" typeface="Latha"/>
+        <a:font script="Syrc" typeface="Estrangelo Edessa"/>
+        <a:font script="Orya" typeface="Kalinga"/>
+        <a:font script="Mlym" typeface="Kartika"/>
+        <a:font script="Laoo" typeface="DokChampa"/>
+        <a:font script="Sinh" typeface="Iskoola Pota"/>
+        <a:font script="Mong" typeface="Mongolian Baiti"/>
+        <a:font script="Viet" typeface="Arial"/>
+        <a:font script="Uigh" typeface="Microsoft Uighur"/>
+        <a:font script="Geor" typeface="Sylfaen"/>
+      </a:minorFont>
+    </a:fontScheme>
+    <a:fmtScheme name="Стандартная">
+      <a:fillStyleLst>
+        <a:solidFill>
+          <a:schemeClr val="phClr"/>
+        </a:solidFill>
+        <a:gradFill rotWithShape="1">
+          <a:gsLst>
+            <a:gs pos="0">
+              <a:schemeClr val="phClr">
+                <a:lumMod val="110000"/>
+                <a:satMod val="105000"/>
+                <a:tint val="67000"/>
+              </a:schemeClr>
+            </a:gs>
+            <a:gs pos="50000">
+              <a:schemeClr val="phClr">
+                <a:lumMod val="105000"/>
+                <a:satMod val="103000"/>
+                <a:tint val="73000"/>
+              </a:schemeClr>
+            </a:gs>
+            <a:gs pos="100000">
+              <a:schemeClr val="phClr">
+                <a:lumMod val="105000"/>
+                <a:satMod val="109000"/>
+                <a:tint val="81000"/>
+              </a:schemeClr>
+            </a:gs>
+          </a:gsLst>
+          <a:lin ang="5400000" scaled="0"/>
+        </a:gradFill>
+        <a:gradFill rotWithShape="1">
+          <a:gsLst>
+            <a:gs pos="0">
+              <a:schemeClr val="phClr">
+                <a:satMod val="103000"/>
+                <a:lumMod val="102000"/>
+                <a:tint val="94000"/>
+              </a:schemeClr>
+            </a:gs>
+            <a:gs pos="50000">
+              <a:schemeClr val="phClr">
+                <a:satMod val="110000"/>
+                <a:lumMod val="100000"/>
+                <a:shade val="100000"/>
+              </a:schemeClr>
+            </a:gs>
+            <a:gs pos="100000">
+              <a:schemeClr val="phClr">
+                <a:lumMod val="99000"/>
+                <a:satMod val="120000"/>
+                <a:shade val="78000"/>
+              </a:schemeClr>
+            </a:gs>
+          </a:gsLst>
+          <a:lin ang="5400000" scaled="0"/>
+        </a:gradFill>
+      </a:fillStyleLst>
+      <a:lnStyleLst>
+        <a:ln w="6350" cap="flat" cmpd="sng" algn="ctr">
+          <a:solidFill>
+            <a:schemeClr val="phClr"/>
+          </a:solidFill>
+          <a:prstDash val="solid"/>
+          <a:miter lim="800000"/>
+        </a:ln>
+        <a:ln w="12700" cap="flat" cmpd="sng" algn="ctr">
+          <a:solidFill>
+            <a:schemeClr val="phClr"/>
+          </a:solidFill>
+          <a:prstDash val="solid"/>
+          <a:miter lim="800000"/>
+        </a:ln>
+        <a:ln w="19050" cap="flat" cmpd="sng" algn="ctr">
+          <a:solidFill>
+            <a:schemeClr val="phClr"/>
+          </a:solidFill>
+          <a:prstDash val="solid"/>
+          <a:miter lim="800000"/>
+        </a:ln>
+      </a:lnStyleLst>
+      <a:effectStyleLst>
+        <a:effectStyle>
+          <a:effectLst/>
+        </a:effectStyle>
+        <a:effectStyle>
+          <a:effectLst/>
+        </a:effectStyle>
+        <a:effectStyle>
+          <a:effectLst>
+            <a:outerShdw blurRad="57150" dist="19050" dir="5400000" algn="ctr" rotWithShape="0">
+              <a:srgbClr val="000000">
+                <a:alpha val="63000"/>
+              </a:srgbClr>
+            </a:outerShdw>
+          </a:effectLst>
+        </a:effectStyle>
+      </a:effectStyleLst>
+      <a:bgFillStyleLst>
+        <a:solidFill>
+          <a:schemeClr val="phClr"/>
+        </a:solidFill>
+        <a:solidFill>
+          <a:schemeClr val="phClr">
+            <a:tint val="95000"/>
+            <a:satMod val="170000"/>
+          </a:schemeClr>
+        </a:solidFill>
+        <a:gradFill rotWithShape="1">
+          <a:gsLst>
+            <a:gs pos="0">
+              <a:schemeClr val="phClr">
+                <a:tint val="93000"/>
+                <a:satMod val="150000"/>
+                <a:shade val="98000"/>
+                <a:lumMod val="102000"/>
+              </a:schemeClr>
+            </a:gs>
+            <a:gs pos="50000">
+              <a:schemeClr val="phClr">
+                <a:tint val="98000"/>
+                <a:satMod val="130000"/>
+                <a:shade val="90000"/>
+                <a:lumMod val="103000"/>
+              </a:schemeClr>
+            </a:gs>
+            <a:gs pos="100000">
+              <a:schemeClr val="phClr">
+                <a:shade val="63000"/>
+                <a:satMod val="120000"/>
+              </a:schemeClr>
+            </a:gs>
+          </a:gsLst>
+          <a:lin ang="5400000" scaled="0"/>
+        </a:gradFill>
+      </a:bgFillStyleLst>
+    </a:fmtScheme>
+  </a:themeElements>
+  <a:objectDefaults/>
+  <a:extraClrSchemeLst/>
+  <a:extLst>
+    <a:ext uri="{05A4C25C-085E-4340-85A3-A5531E510DB2}">
+      <thm15:themeFamily xmlns:thm15="http://schemas.microsoft.com/office/thememl/2012/main" name="Office Theme" id="{62F939B6-93AF-4DB8-9C6B-D6C7DFDC589F}" vid="{4A3C46E8-61CC-4603-A589-7422A47A8E4A}"/>
+    </a:ext>
+  </a:extLst>
+</a:theme>
 </file>
--- a/Основы системного анализа/lab1/lab1.pptx
+++ b/Основы системного анализа/lab1/lab1.pptx
@@ -5,18 +5,19 @@
     <p:sldMasterId id="2147483648" r:id="rId1"/>
   </p:sldMasterIdLst>
   <p:notesMasterIdLst>
-    <p:notesMasterId r:id="rId11"/>
+    <p:notesMasterId r:id="rId12"/>
   </p:notesMasterIdLst>
   <p:sldIdLst>
-    <p:sldId id="256" r:id="rId2"/>
+    <p:sldId id="283" r:id="rId2"/>
     <p:sldId id="277" r:id="rId3"/>
     <p:sldId id="258" r:id="rId4"/>
     <p:sldId id="278" r:id="rId5"/>
     <p:sldId id="279" r:id="rId6"/>
-    <p:sldId id="265" r:id="rId7"/>
-    <p:sldId id="276" r:id="rId8"/>
-    <p:sldId id="270" r:id="rId9"/>
-    <p:sldId id="274" r:id="rId10"/>
+    <p:sldId id="281" r:id="rId7"/>
+    <p:sldId id="284" r:id="rId8"/>
+    <p:sldId id="285" r:id="rId9"/>
+    <p:sldId id="270" r:id="rId10"/>
+    <p:sldId id="274" r:id="rId11"/>
   </p:sldIdLst>
   <p:sldSz cx="12192000" cy="6858000"/>
   <p:notesSz cx="6858000" cy="9945688"/>
@@ -123,6 +124,4457 @@
 </p:presentation>
 </file>
 
+<file path=ppt/diagrams/colors1.xml><?xml version="1.0" encoding="utf-8"?>
+<dgm:colorsDef xmlns:dgm="http://schemas.openxmlformats.org/drawingml/2006/diagram" xmlns:a="http://schemas.openxmlformats.org/drawingml/2006/main" uniqueId="urn:microsoft.com/office/officeart/2005/8/colors/accent1_1">
+  <dgm:title val=""/>
+  <dgm:desc val=""/>
+  <dgm:catLst>
+    <dgm:cat type="accent1" pri="11100"/>
+  </dgm:catLst>
+  <dgm:styleLbl name="node0">
+    <dgm:fillClrLst meth="repeat">
+      <a:schemeClr val="lt1"/>
+    </dgm:fillClrLst>
+    <dgm:linClrLst meth="repeat">
+      <a:schemeClr val="accent1">
+        <a:shade val="80000"/>
+      </a:schemeClr>
+    </dgm:linClrLst>
+    <dgm:effectClrLst/>
+    <dgm:txLinClrLst/>
+    <dgm:txFillClrLst meth="repeat">
+      <a:schemeClr val="dk1"/>
+    </dgm:txFillClrLst>
+    <dgm:txEffectClrLst/>
+  </dgm:styleLbl>
+  <dgm:styleLbl name="alignNode1">
+    <dgm:fillClrLst meth="repeat">
+      <a:schemeClr val="lt1"/>
+    </dgm:fillClrLst>
+    <dgm:linClrLst meth="repeat">
+      <a:schemeClr val="accent1">
+        <a:shade val="80000"/>
+      </a:schemeClr>
+    </dgm:linClrLst>
+    <dgm:effectClrLst/>
+    <dgm:txLinClrLst/>
+    <dgm:txFillClrLst meth="repeat">
+      <a:schemeClr val="dk1"/>
+    </dgm:txFillClrLst>
+    <dgm:txEffectClrLst/>
+  </dgm:styleLbl>
+  <dgm:styleLbl name="node1">
+    <dgm:fillClrLst meth="repeat">
+      <a:schemeClr val="lt1"/>
+    </dgm:fillClrLst>
+    <dgm:linClrLst meth="repeat">
+      <a:schemeClr val="accent1">
+        <a:shade val="80000"/>
+      </a:schemeClr>
+    </dgm:linClrLst>
+    <dgm:effectClrLst/>
+    <dgm:txLinClrLst/>
+    <dgm:txFillClrLst meth="repeat">
+      <a:schemeClr val="dk1"/>
+    </dgm:txFillClrLst>
+    <dgm:txEffectClrLst/>
+  </dgm:styleLbl>
+  <dgm:styleLbl name="lnNode1">
+    <dgm:fillClrLst meth="repeat">
+      <a:schemeClr val="lt1"/>
+    </dgm:fillClrLst>
+    <dgm:linClrLst meth="repeat">
+      <a:schemeClr val="accent1">
+        <a:shade val="80000"/>
+      </a:schemeClr>
+    </dgm:linClrLst>
+    <dgm:effectClrLst/>
+    <dgm:txLinClrLst/>
+    <dgm:txFillClrLst meth="repeat">
+      <a:schemeClr val="dk1"/>
+    </dgm:txFillClrLst>
+    <dgm:txEffectClrLst/>
+  </dgm:styleLbl>
+  <dgm:styleLbl name="vennNode1">
+    <dgm:fillClrLst meth="repeat">
+      <a:schemeClr val="lt1">
+        <a:alpha val="50000"/>
+      </a:schemeClr>
+    </dgm:fillClrLst>
+    <dgm:linClrLst meth="repeat">
+      <a:schemeClr val="accent1">
+        <a:shade val="80000"/>
+      </a:schemeClr>
+    </dgm:linClrLst>
+    <dgm:effectClrLst/>
+    <dgm:txLinClrLst/>
+    <dgm:txFillClrLst/>
+    <dgm:txEffectClrLst/>
+  </dgm:styleLbl>
+  <dgm:styleLbl name="node2">
+    <dgm:fillClrLst meth="repeat">
+      <a:schemeClr val="lt1"/>
+    </dgm:fillClrLst>
+    <dgm:linClrLst meth="repeat">
+      <a:schemeClr val="accent1">
+        <a:shade val="80000"/>
+      </a:schemeClr>
+    </dgm:linClrLst>
+    <dgm:effectClrLst/>
+    <dgm:txLinClrLst/>
+    <dgm:txFillClrLst meth="repeat">
+      <a:schemeClr val="dk1"/>
+    </dgm:txFillClrLst>
+    <dgm:txEffectClrLst/>
+  </dgm:styleLbl>
+  <dgm:styleLbl name="node3">
+    <dgm:fillClrLst meth="repeat">
+      <a:schemeClr val="lt1"/>
+    </dgm:fillClrLst>
+    <dgm:linClrLst meth="repeat">
+      <a:schemeClr val="accent1">
+        <a:shade val="80000"/>
+      </a:schemeClr>
+    </dgm:linClrLst>
+    <dgm:effectClrLst/>
+    <dgm:txLinClrLst/>
+    <dgm:txFillClrLst meth="repeat">
+      <a:schemeClr val="dk1"/>
+    </dgm:txFillClrLst>
+    <dgm:txEffectClrLst/>
+  </dgm:styleLbl>
+  <dgm:styleLbl name="node4">
+    <dgm:fillClrLst meth="repeat">
+      <a:schemeClr val="lt1"/>
+    </dgm:fillClrLst>
+    <dgm:linClrLst meth="repeat">
+      <a:schemeClr val="accent1">
+        <a:shade val="80000"/>
+      </a:schemeClr>
+    </dgm:linClrLst>
+    <dgm:effectClrLst/>
+    <dgm:txLinClrLst/>
+    <dgm:txFillClrLst meth="repeat">
+      <a:schemeClr val="dk1"/>
+    </dgm:txFillClrLst>
+    <dgm:txEffectClrLst/>
+  </dgm:styleLbl>
+  <dgm:styleLbl name="fgImgPlace1">
+    <dgm:fillClrLst meth="repeat">
+      <a:schemeClr val="accent1">
+        <a:tint val="40000"/>
+      </a:schemeClr>
+    </dgm:fillClrLst>
+    <dgm:linClrLst meth="repeat">
+      <a:schemeClr val="accent1">
+        <a:shade val="80000"/>
+      </a:schemeClr>
+    </dgm:linClrLst>
+    <dgm:effectClrLst/>
+    <dgm:txLinClrLst/>
+    <dgm:txFillClrLst meth="repeat">
+      <a:schemeClr val="lt1"/>
+    </dgm:txFillClrLst>
+    <dgm:txEffectClrLst/>
+  </dgm:styleLbl>
+  <dgm:styleLbl name="alignImgPlace1">
+    <dgm:fillClrLst meth="repeat">
+      <a:schemeClr val="accent1">
+        <a:tint val="40000"/>
+      </a:schemeClr>
+    </dgm:fillClrLst>
+    <dgm:linClrLst meth="repeat">
+      <a:schemeClr val="accent1">
+        <a:shade val="80000"/>
+      </a:schemeClr>
+    </dgm:linClrLst>
+    <dgm:effectClrLst/>
+    <dgm:txLinClrLst/>
+    <dgm:txFillClrLst meth="repeat">
+      <a:schemeClr val="lt1"/>
+    </dgm:txFillClrLst>
+    <dgm:txEffectClrLst/>
+  </dgm:styleLbl>
+  <dgm:styleLbl name="bgImgPlace1">
+    <dgm:fillClrLst meth="repeat">
+      <a:schemeClr val="accent1">
+        <a:tint val="40000"/>
+      </a:schemeClr>
+    </dgm:fillClrLst>
+    <dgm:linClrLst meth="repeat">
+      <a:schemeClr val="accent1">
+        <a:shade val="80000"/>
+      </a:schemeClr>
+    </dgm:linClrLst>
+    <dgm:effectClrLst/>
+    <dgm:txLinClrLst/>
+    <dgm:txFillClrLst meth="repeat">
+      <a:schemeClr val="lt1"/>
+    </dgm:txFillClrLst>
+    <dgm:txEffectClrLst/>
+  </dgm:styleLbl>
+  <dgm:styleLbl name="sibTrans2D1">
+    <dgm:fillClrLst meth="repeat">
+      <a:schemeClr val="accent1">
+        <a:tint val="60000"/>
+      </a:schemeClr>
+    </dgm:fillClrLst>
+    <dgm:linClrLst meth="repeat">
+      <a:schemeClr val="accent1">
+        <a:tint val="60000"/>
+      </a:schemeClr>
+    </dgm:linClrLst>
+    <dgm:effectClrLst/>
+    <dgm:txLinClrLst/>
+    <dgm:txFillClrLst meth="repeat">
+      <a:schemeClr val="dk1"/>
+    </dgm:txFillClrLst>
+    <dgm:txEffectClrLst/>
+  </dgm:styleLbl>
+  <dgm:styleLbl name="fgSibTrans2D1">
+    <dgm:fillClrLst meth="repeat">
+      <a:schemeClr val="accent1">
+        <a:tint val="60000"/>
+      </a:schemeClr>
+    </dgm:fillClrLst>
+    <dgm:linClrLst meth="repeat">
+      <a:schemeClr val="accent1">
+        <a:tint val="60000"/>
+      </a:schemeClr>
+    </dgm:linClrLst>
+    <dgm:effectClrLst/>
+    <dgm:txLinClrLst/>
+    <dgm:txFillClrLst meth="repeat">
+      <a:schemeClr val="dk1"/>
+    </dgm:txFillClrLst>
+    <dgm:txEffectClrLst/>
+  </dgm:styleLbl>
+  <dgm:styleLbl name="bgSibTrans2D1">
+    <dgm:fillClrLst meth="repeat">
+      <a:schemeClr val="accent1">
+        <a:tint val="60000"/>
+      </a:schemeClr>
+    </dgm:fillClrLst>
+    <dgm:linClrLst meth="repeat">
+      <a:schemeClr val="accent1">
+        <a:tint val="60000"/>
+      </a:schemeClr>
+    </dgm:linClrLst>
+    <dgm:effectClrLst/>
+    <dgm:txLinClrLst/>
+    <dgm:txFillClrLst meth="repeat">
+      <a:schemeClr val="dk1"/>
+    </dgm:txFillClrLst>
+    <dgm:txEffectClrLst/>
+  </dgm:styleLbl>
+  <dgm:styleLbl name="sibTrans1D1">
+    <dgm:fillClrLst meth="repeat">
+      <a:schemeClr val="accent1"/>
+    </dgm:fillClrLst>
+    <dgm:linClrLst meth="repeat">
+      <a:schemeClr val="accent1"/>
+    </dgm:linClrLst>
+    <dgm:effectClrLst/>
+    <dgm:txLinClrLst/>
+    <dgm:txFillClrLst meth="repeat">
+      <a:schemeClr val="tx1"/>
+    </dgm:txFillClrLst>
+    <dgm:txEffectClrLst/>
+  </dgm:styleLbl>
+  <dgm:styleLbl name="callout">
+    <dgm:fillClrLst meth="repeat">
+      <a:schemeClr val="accent1"/>
+    </dgm:fillClrLst>
+    <dgm:linClrLst meth="repeat">
+      <a:schemeClr val="accent1"/>
+    </dgm:linClrLst>
+    <dgm:effectClrLst/>
+    <dgm:txLinClrLst/>
+    <dgm:txFillClrLst meth="repeat">
+      <a:schemeClr val="tx1"/>
+    </dgm:txFillClrLst>
+    <dgm:txEffectClrLst/>
+  </dgm:styleLbl>
+  <dgm:styleLbl name="asst0">
+    <dgm:fillClrLst meth="repeat">
+      <a:schemeClr val="lt1"/>
+    </dgm:fillClrLst>
+    <dgm:linClrLst meth="repeat">
+      <a:schemeClr val="accent1">
+        <a:shade val="80000"/>
+      </a:schemeClr>
+    </dgm:linClrLst>
+    <dgm:effectClrLst/>
+    <dgm:txLinClrLst/>
+    <dgm:txFillClrLst meth="repeat">
+      <a:schemeClr val="dk1"/>
+    </dgm:txFillClrLst>
+    <dgm:txEffectClrLst/>
+  </dgm:styleLbl>
+  <dgm:styleLbl name="asst1">
+    <dgm:fillClrLst meth="repeat">
+      <a:schemeClr val="lt1"/>
+    </dgm:fillClrLst>
+    <dgm:linClrLst meth="repeat">
+      <a:schemeClr val="accent1">
+        <a:shade val="80000"/>
+      </a:schemeClr>
+    </dgm:linClrLst>
+    <dgm:effectClrLst/>
+    <dgm:txLinClrLst/>
+    <dgm:txFillClrLst meth="repeat">
+      <a:schemeClr val="dk1"/>
+    </dgm:txFillClrLst>
+    <dgm:txEffectClrLst/>
+  </dgm:styleLbl>
+  <dgm:styleLbl name="asst2">
+    <dgm:fillClrLst meth="repeat">
+      <a:schemeClr val="lt1"/>
+    </dgm:fillClrLst>
+    <dgm:linClrLst meth="repeat">
+      <a:schemeClr val="accent1">
+        <a:shade val="80000"/>
+      </a:schemeClr>
+    </dgm:linClrLst>
+    <dgm:effectClrLst/>
+    <dgm:txLinClrLst/>
+    <dgm:txFillClrLst meth="repeat">
+      <a:schemeClr val="dk1"/>
+    </dgm:txFillClrLst>
+    <dgm:txEffectClrLst/>
+  </dgm:styleLbl>
+  <dgm:styleLbl name="asst3">
+    <dgm:fillClrLst meth="repeat">
+      <a:schemeClr val="lt1"/>
+    </dgm:fillClrLst>
+    <dgm:linClrLst meth="repeat">
+      <a:schemeClr val="accent1">
+        <a:shade val="80000"/>
+      </a:schemeClr>
+    </dgm:linClrLst>
+    <dgm:effectClrLst/>
+    <dgm:txLinClrLst/>
+    <dgm:txFillClrLst meth="repeat">
+      <a:schemeClr val="dk1"/>
+    </dgm:txFillClrLst>
+    <dgm:txEffectClrLst/>
+  </dgm:styleLbl>
+  <dgm:styleLbl name="asst4">
+    <dgm:fillClrLst meth="repeat">
+      <a:schemeClr val="lt1"/>
+    </dgm:fillClrLst>
+    <dgm:linClrLst meth="repeat">
+      <a:schemeClr val="accent1">
+        <a:shade val="80000"/>
+      </a:schemeClr>
+    </dgm:linClrLst>
+    <dgm:effectClrLst/>
+    <dgm:txLinClrLst/>
+    <dgm:txFillClrLst meth="repeat">
+      <a:schemeClr val="dk1"/>
+    </dgm:txFillClrLst>
+    <dgm:txEffectClrLst/>
+  </dgm:styleLbl>
+  <dgm:styleLbl name="parChTrans2D1">
+    <dgm:fillClrLst meth="repeat">
+      <a:schemeClr val="accent1">
+        <a:tint val="60000"/>
+      </a:schemeClr>
+    </dgm:fillClrLst>
+    <dgm:linClrLst meth="repeat">
+      <a:schemeClr val="accent1">
+        <a:tint val="60000"/>
+      </a:schemeClr>
+    </dgm:linClrLst>
+    <dgm:effectClrLst/>
+    <dgm:txLinClrLst/>
+    <dgm:txFillClrLst/>
+    <dgm:txEffectClrLst/>
+  </dgm:styleLbl>
+  <dgm:styleLbl name="parChTrans2D2">
+    <dgm:fillClrLst meth="repeat">
+      <a:schemeClr val="accent1"/>
+    </dgm:fillClrLst>
+    <dgm:linClrLst meth="repeat">
+      <a:schemeClr val="accent1"/>
+    </dgm:linClrLst>
+    <dgm:effectClrLst/>
+    <dgm:txLinClrLst/>
+    <dgm:txFillClrLst/>
+    <dgm:txEffectClrLst/>
+  </dgm:styleLbl>
+  <dgm:styleLbl name="parChTrans2D3">
+    <dgm:fillClrLst meth="repeat">
+      <a:schemeClr val="accent1"/>
+    </dgm:fillClrLst>
+    <dgm:linClrLst meth="repeat">
+      <a:schemeClr val="accent1"/>
+    </dgm:linClrLst>
+    <dgm:effectClrLst/>
+    <dgm:txLinClrLst/>
+    <dgm:txFillClrLst/>
+    <dgm:txEffectClrLst/>
+  </dgm:styleLbl>
+  <dgm:styleLbl name="parChTrans2D4">
+    <dgm:fillClrLst meth="repeat">
+      <a:schemeClr val="accent1"/>
+    </dgm:fillClrLst>
+    <dgm:linClrLst meth="repeat">
+      <a:schemeClr val="accent1"/>
+    </dgm:linClrLst>
+    <dgm:effectClrLst/>
+    <dgm:txLinClrLst/>
+    <dgm:txFillClrLst meth="repeat">
+      <a:schemeClr val="lt1"/>
+    </dgm:txFillClrLst>
+    <dgm:txEffectClrLst/>
+  </dgm:styleLbl>
+  <dgm:styleLbl name="parChTrans1D1">
+    <dgm:fillClrLst meth="repeat">
+      <a:schemeClr val="accent1"/>
+    </dgm:fillClrLst>
+    <dgm:linClrLst meth="repeat">
+      <a:schemeClr val="accent1">
+        <a:shade val="60000"/>
+      </a:schemeClr>
+    </dgm:linClrLst>
+    <dgm:effectClrLst/>
+    <dgm:txLinClrLst/>
+    <dgm:txFillClrLst meth="repeat">
+      <a:schemeClr val="tx1"/>
+    </dgm:txFillClrLst>
+    <dgm:txEffectClrLst/>
+  </dgm:styleLbl>
+  <dgm:styleLbl name="parChTrans1D2">
+    <dgm:fillClrLst meth="repeat">
+      <a:schemeClr val="accent1"/>
+    </dgm:fillClrLst>
+    <dgm:linClrLst meth="repeat">
+      <a:schemeClr val="accent1">
+        <a:shade val="60000"/>
+      </a:schemeClr>
+    </dgm:linClrLst>
+    <dgm:effectClrLst/>
+    <dgm:txLinClrLst/>
+    <dgm:txFillClrLst meth="repeat">
+      <a:schemeClr val="tx1"/>
+    </dgm:txFillClrLst>
+    <dgm:txEffectClrLst/>
+  </dgm:styleLbl>
+  <dgm:styleLbl name="parChTrans1D3">
+    <dgm:fillClrLst meth="repeat">
+      <a:schemeClr val="accent1"/>
+    </dgm:fillClrLst>
+    <dgm:linClrLst meth="repeat">
+      <a:schemeClr val="accent1">
+        <a:shade val="80000"/>
+      </a:schemeClr>
+    </dgm:linClrLst>
+    <dgm:effectClrLst/>
+    <dgm:txLinClrLst/>
+    <dgm:txFillClrLst meth="repeat">
+      <a:schemeClr val="tx1"/>
+    </dgm:txFillClrLst>
+    <dgm:txEffectClrLst/>
+  </dgm:styleLbl>
+  <dgm:styleLbl name="parChTrans1D4">
+    <dgm:fillClrLst meth="repeat">
+      <a:schemeClr val="accent1"/>
+    </dgm:fillClrLst>
+    <dgm:linClrLst meth="repeat">
+      <a:schemeClr val="accent1">
+        <a:shade val="80000"/>
+      </a:schemeClr>
+    </dgm:linClrLst>
+    <dgm:effectClrLst/>
+    <dgm:txLinClrLst/>
+    <dgm:txFillClrLst meth="repeat">
+      <a:schemeClr val="tx1"/>
+    </dgm:txFillClrLst>
+    <dgm:txEffectClrLst/>
+  </dgm:styleLbl>
+  <dgm:styleLbl name="fgAcc1">
+    <dgm:fillClrLst meth="repeat">
+      <a:schemeClr val="accent1">
+        <a:alpha val="90000"/>
+        <a:tint val="40000"/>
+      </a:schemeClr>
+    </dgm:fillClrLst>
+    <dgm:linClrLst meth="repeat">
+      <a:schemeClr val="accent1"/>
+    </dgm:linClrLst>
+    <dgm:effectClrLst/>
+    <dgm:txLinClrLst/>
+    <dgm:txFillClrLst meth="repeat">
+      <a:schemeClr val="dk1"/>
+    </dgm:txFillClrLst>
+    <dgm:txEffectClrLst/>
+  </dgm:styleLbl>
+  <dgm:styleLbl name="conFgAcc1">
+    <dgm:fillClrLst meth="repeat">
+      <a:schemeClr val="accent1">
+        <a:alpha val="90000"/>
+        <a:tint val="40000"/>
+      </a:schemeClr>
+    </dgm:fillClrLst>
+    <dgm:linClrLst meth="repeat">
+      <a:schemeClr val="accent1"/>
+    </dgm:linClrLst>
+    <dgm:effectClrLst/>
+    <dgm:txLinClrLst/>
+    <dgm:txFillClrLst meth="repeat">
+      <a:schemeClr val="dk1"/>
+    </dgm:txFillClrLst>
+    <dgm:txEffectClrLst/>
+  </dgm:styleLbl>
+  <dgm:styleLbl name="alignAcc1">
+    <dgm:fillClrLst meth="repeat">
+      <a:schemeClr val="accent1">
+        <a:alpha val="90000"/>
+        <a:tint val="40000"/>
+      </a:schemeClr>
+    </dgm:fillClrLst>
+    <dgm:linClrLst meth="repeat">
+      <a:schemeClr val="accent1"/>
+    </dgm:linClrLst>
+    <dgm:effectClrLst/>
+    <dgm:txLinClrLst/>
+    <dgm:txFillClrLst meth="repeat">
+      <a:schemeClr val="dk1"/>
+    </dgm:txFillClrLst>
+    <dgm:txEffectClrLst/>
+  </dgm:styleLbl>
+  <dgm:styleLbl name="trAlignAcc1">
+    <dgm:fillClrLst meth="repeat">
+      <a:schemeClr val="accent1">
+        <a:alpha val="40000"/>
+        <a:tint val="40000"/>
+      </a:schemeClr>
+    </dgm:fillClrLst>
+    <dgm:linClrLst meth="repeat">
+      <a:schemeClr val="accent1"/>
+    </dgm:linClrLst>
+    <dgm:effectClrLst/>
+    <dgm:txLinClrLst/>
+    <dgm:txFillClrLst meth="repeat">
+      <a:schemeClr val="dk1"/>
+    </dgm:txFillClrLst>
+    <dgm:txEffectClrLst/>
+  </dgm:styleLbl>
+  <dgm:styleLbl name="bgAcc1">
+    <dgm:fillClrLst meth="repeat">
+      <a:schemeClr val="accent1">
+        <a:alpha val="90000"/>
+        <a:tint val="40000"/>
+      </a:schemeClr>
+    </dgm:fillClrLst>
+    <dgm:linClrLst meth="repeat">
+      <a:schemeClr val="accent1"/>
+    </dgm:linClrLst>
+    <dgm:effectClrLst/>
+    <dgm:txLinClrLst/>
+    <dgm:txFillClrLst meth="repeat">
+      <a:schemeClr val="dk1"/>
+    </dgm:txFillClrLst>
+    <dgm:txEffectClrLst/>
+  </dgm:styleLbl>
+  <dgm:styleLbl name="solidFgAcc1">
+    <dgm:fillClrLst meth="repeat">
+      <a:schemeClr val="lt1"/>
+    </dgm:fillClrLst>
+    <dgm:linClrLst meth="repeat">
+      <a:schemeClr val="accent1"/>
+    </dgm:linClrLst>
+    <dgm:effectClrLst/>
+    <dgm:txLinClrLst/>
+    <dgm:txFillClrLst meth="repeat">
+      <a:schemeClr val="dk1"/>
+    </dgm:txFillClrLst>
+    <dgm:txEffectClrLst/>
+  </dgm:styleLbl>
+  <dgm:styleLbl name="solidAlignAcc1">
+    <dgm:fillClrLst meth="repeat">
+      <a:schemeClr val="lt1"/>
+    </dgm:fillClrLst>
+    <dgm:linClrLst meth="repeat">
+      <a:schemeClr val="accent1"/>
+    </dgm:linClrLst>
+    <dgm:effectClrLst/>
+    <dgm:txLinClrLst/>
+    <dgm:txFillClrLst meth="repeat">
+      <a:schemeClr val="dk1"/>
+    </dgm:txFillClrLst>
+    <dgm:txEffectClrLst/>
+  </dgm:styleLbl>
+  <dgm:styleLbl name="solidBgAcc1">
+    <dgm:fillClrLst meth="repeat">
+      <a:schemeClr val="lt1"/>
+    </dgm:fillClrLst>
+    <dgm:linClrLst meth="repeat">
+      <a:schemeClr val="accent1"/>
+    </dgm:linClrLst>
+    <dgm:effectClrLst/>
+    <dgm:txLinClrLst/>
+    <dgm:txFillClrLst meth="repeat">
+      <a:schemeClr val="dk1"/>
+    </dgm:txFillClrLst>
+    <dgm:txEffectClrLst/>
+  </dgm:styleLbl>
+  <dgm:styleLbl name="fgAccFollowNode1">
+    <dgm:fillClrLst meth="repeat">
+      <a:schemeClr val="lt1">
+        <a:alpha val="90000"/>
+        <a:tint val="40000"/>
+      </a:schemeClr>
+    </dgm:fillClrLst>
+    <dgm:linClrLst meth="repeat">
+      <a:schemeClr val="accent1">
+        <a:alpha val="90000"/>
+      </a:schemeClr>
+    </dgm:linClrLst>
+    <dgm:effectClrLst/>
+    <dgm:txLinClrLst/>
+    <dgm:txFillClrLst meth="repeat">
+      <a:schemeClr val="dk1"/>
+    </dgm:txFillClrLst>
+    <dgm:txEffectClrLst/>
+  </dgm:styleLbl>
+  <dgm:styleLbl name="alignAccFollowNode1">
+    <dgm:fillClrLst meth="repeat">
+      <a:schemeClr val="lt1">
+        <a:alpha val="90000"/>
+        <a:tint val="40000"/>
+      </a:schemeClr>
+    </dgm:fillClrLst>
+    <dgm:linClrLst meth="repeat">
+      <a:schemeClr val="accent1">
+        <a:alpha val="90000"/>
+      </a:schemeClr>
+    </dgm:linClrLst>
+    <dgm:effectClrLst/>
+    <dgm:txLinClrLst/>
+    <dgm:txFillClrLst meth="repeat">
+      <a:schemeClr val="dk1"/>
+    </dgm:txFillClrLst>
+    <dgm:txEffectClrLst/>
+  </dgm:styleLbl>
+  <dgm:styleLbl name="bgAccFollowNode1">
+    <dgm:fillClrLst meth="repeat">
+      <a:schemeClr val="lt1">
+        <a:alpha val="90000"/>
+        <a:tint val="40000"/>
+      </a:schemeClr>
+    </dgm:fillClrLst>
+    <dgm:linClrLst meth="repeat">
+      <a:schemeClr val="accent1">
+        <a:alpha val="90000"/>
+      </a:schemeClr>
+    </dgm:linClrLst>
+    <dgm:effectClrLst/>
+    <dgm:txLinClrLst/>
+    <dgm:txFillClrLst meth="repeat">
+      <a:schemeClr val="dk1"/>
+    </dgm:txFillClrLst>
+    <dgm:txEffectClrLst/>
+  </dgm:styleLbl>
+  <dgm:styleLbl name="fgAcc0">
+    <dgm:fillClrLst meth="repeat">
+      <a:schemeClr val="accent1">
+        <a:alpha val="90000"/>
+        <a:tint val="40000"/>
+      </a:schemeClr>
+    </dgm:fillClrLst>
+    <dgm:linClrLst meth="repeat">
+      <a:schemeClr val="accent1"/>
+    </dgm:linClrLst>
+    <dgm:effectClrLst/>
+    <dgm:txLinClrLst/>
+    <dgm:txFillClrLst meth="repeat">
+      <a:schemeClr val="dk1"/>
+    </dgm:txFillClrLst>
+    <dgm:txEffectClrLst/>
+  </dgm:styleLbl>
+  <dgm:styleLbl name="fgAcc2">
+    <dgm:fillClrLst meth="repeat">
+      <a:schemeClr val="accent1">
+        <a:alpha val="90000"/>
+        <a:tint val="40000"/>
+      </a:schemeClr>
+    </dgm:fillClrLst>
+    <dgm:linClrLst meth="repeat">
+      <a:schemeClr val="accent1"/>
+    </dgm:linClrLst>
+    <dgm:effectClrLst/>
+    <dgm:txLinClrLst/>
+    <dgm:txFillClrLst meth="repeat">
+      <a:schemeClr val="dk1"/>
+    </dgm:txFillClrLst>
+    <dgm:txEffectClrLst/>
+  </dgm:styleLbl>
+  <dgm:styleLbl name="fgAcc3">
+    <dgm:fillClrLst meth="repeat">
+      <a:schemeClr val="accent1">
+        <a:alpha val="90000"/>
+        <a:tint val="40000"/>
+      </a:schemeClr>
+    </dgm:fillClrLst>
+    <dgm:linClrLst meth="repeat">
+      <a:schemeClr val="accent1"/>
+    </dgm:linClrLst>
+    <dgm:effectClrLst/>
+    <dgm:txLinClrLst/>
+    <dgm:txFillClrLst meth="repeat">
+      <a:schemeClr val="dk1"/>
+    </dgm:txFillClrLst>
+    <dgm:txEffectClrLst/>
+  </dgm:styleLbl>
+  <dgm:styleLbl name="fgAcc4">
+    <dgm:fillClrLst meth="repeat">
+      <a:schemeClr val="accent1">
+        <a:alpha val="90000"/>
+        <a:tint val="40000"/>
+      </a:schemeClr>
+    </dgm:fillClrLst>
+    <dgm:linClrLst meth="repeat">
+      <a:schemeClr val="accent1"/>
+    </dgm:linClrLst>
+    <dgm:effectClrLst/>
+    <dgm:txLinClrLst/>
+    <dgm:txFillClrLst meth="repeat">
+      <a:schemeClr val="dk1"/>
+    </dgm:txFillClrLst>
+    <dgm:txEffectClrLst/>
+  </dgm:styleLbl>
+  <dgm:styleLbl name="bgShp">
+    <dgm:fillClrLst meth="repeat">
+      <a:schemeClr val="accent1">
+        <a:tint val="40000"/>
+      </a:schemeClr>
+    </dgm:fillClrLst>
+    <dgm:linClrLst meth="repeat">
+      <a:schemeClr val="accent1"/>
+    </dgm:linClrLst>
+    <dgm:effectClrLst/>
+    <dgm:txLinClrLst/>
+    <dgm:txFillClrLst meth="repeat">
+      <a:schemeClr val="dk1"/>
+    </dgm:txFillClrLst>
+    <dgm:txEffectClrLst/>
+  </dgm:styleLbl>
+  <dgm:styleLbl name="dkBgShp">
+    <dgm:fillClrLst meth="repeat">
+      <a:schemeClr val="accent1">
+        <a:shade val="80000"/>
+      </a:schemeClr>
+    </dgm:fillClrLst>
+    <dgm:linClrLst meth="repeat">
+      <a:schemeClr val="accent1"/>
+    </dgm:linClrLst>
+    <dgm:effectClrLst/>
+    <dgm:txLinClrLst/>
+    <dgm:txFillClrLst meth="repeat">
+      <a:schemeClr val="lt1"/>
+    </dgm:txFillClrLst>
+    <dgm:txEffectClrLst/>
+  </dgm:styleLbl>
+  <dgm:styleLbl name="trBgShp">
+    <dgm:fillClrLst meth="repeat">
+      <a:schemeClr val="accent1">
+        <a:tint val="50000"/>
+        <a:alpha val="40000"/>
+      </a:schemeClr>
+    </dgm:fillClrLst>
+    <dgm:linClrLst meth="repeat">
+      <a:schemeClr val="accent1"/>
+    </dgm:linClrLst>
+    <dgm:effectClrLst/>
+    <dgm:txLinClrLst/>
+    <dgm:txFillClrLst meth="repeat">
+      <a:schemeClr val="lt1"/>
+    </dgm:txFillClrLst>
+    <dgm:txEffectClrLst/>
+  </dgm:styleLbl>
+  <dgm:styleLbl name="fgShp">
+    <dgm:fillClrLst meth="repeat">
+      <a:schemeClr val="accent1">
+        <a:tint val="60000"/>
+      </a:schemeClr>
+    </dgm:fillClrLst>
+    <dgm:linClrLst meth="repeat">
+      <a:schemeClr val="lt1"/>
+    </dgm:linClrLst>
+    <dgm:effectClrLst/>
+    <dgm:txLinClrLst/>
+    <dgm:txFillClrLst meth="repeat">
+      <a:schemeClr val="dk1"/>
+    </dgm:txFillClrLst>
+    <dgm:txEffectClrLst/>
+  </dgm:styleLbl>
+  <dgm:styleLbl name="revTx">
+    <dgm:fillClrLst meth="repeat">
+      <a:schemeClr val="lt1">
+        <a:alpha val="0"/>
+      </a:schemeClr>
+    </dgm:fillClrLst>
+    <dgm:linClrLst meth="repeat">
+      <a:schemeClr val="dk1">
+        <a:alpha val="0"/>
+      </a:schemeClr>
+    </dgm:linClrLst>
+    <dgm:effectClrLst/>
+    <dgm:txLinClrLst/>
+    <dgm:txFillClrLst meth="repeat">
+      <a:schemeClr val="tx1"/>
+    </dgm:txFillClrLst>
+    <dgm:txEffectClrLst/>
+  </dgm:styleLbl>
+</dgm:colorsDef>
+</file>
+
+<file path=ppt/diagrams/data1.xml><?xml version="1.0" encoding="utf-8"?>
+<dgm:dataModel xmlns:dgm="http://schemas.openxmlformats.org/drawingml/2006/diagram" xmlns:a="http://schemas.openxmlformats.org/drawingml/2006/main">
+  <dgm:ptLst>
+    <dgm:pt modelId="{8D2B79C5-AC2B-4363-8344-9AD7DD9A0839}" type="doc">
+      <dgm:prSet loTypeId="urn:microsoft.com/office/officeart/2005/8/layout/orgChart1" loCatId="hierarchy" qsTypeId="urn:microsoft.com/office/officeart/2005/8/quickstyle/3d3" qsCatId="3D" csTypeId="urn:microsoft.com/office/officeart/2005/8/colors/accent1_1" csCatId="accent1" phldr="1"/>
+      <dgm:spPr/>
+      <dgm:t>
+        <a:bodyPr/>
+        <a:lstStyle/>
+        <a:p>
+          <a:endParaRPr lang="ru-RU"/>
+        </a:p>
+      </dgm:t>
+    </dgm:pt>
+    <dgm:pt modelId="{A1C00BFF-1352-478D-B509-CC0949435679}">
+      <dgm:prSet phldrT="[Текст]" custT="1"/>
+      <dgm:spPr>
+        <a:xfrm>
+          <a:off x="1085019" y="0"/>
+          <a:ext cx="7006852" cy="719219"/>
+        </a:xfrm>
+        <a:prstGeom prst="rect">
+          <a:avLst/>
+        </a:prstGeom>
+        <a:solidFill>
+          <a:sysClr val="window" lastClr="FFFFFF">
+            <a:hueOff val="0"/>
+            <a:satOff val="0"/>
+            <a:lumOff val="0"/>
+            <a:alphaOff val="0"/>
+          </a:sysClr>
+        </a:solidFill>
+        <a:ln>
+          <a:noFill/>
+        </a:ln>
+        <a:effectLst/>
+        <a:scene3d>
+          <a:camera prst="orthographicFront">
+            <a:rot lat="0" lon="0" rev="0"/>
+          </a:camera>
+          <a:lightRig rig="contrasting" dir="t">
+            <a:rot lat="0" lon="0" rev="1200000"/>
+          </a:lightRig>
+        </a:scene3d>
+        <a:sp3d contourW="19050" prstMaterial="metal">
+          <a:bevelT w="88900" h="203200"/>
+          <a:bevelB w="165100" h="254000"/>
+        </a:sp3d>
+      </dgm:spPr>
+      <dgm:t>
+        <a:bodyPr/>
+        <a:lstStyle/>
+        <a:p>
+          <a:r>
+            <a:rPr lang="ru-RU" sz="2600" b="1" dirty="0" smtClean="0">
+              <a:solidFill>
+                <a:sysClr val="windowText" lastClr="000000">
+                  <a:hueOff val="0"/>
+                  <a:satOff val="0"/>
+                  <a:lumOff val="0"/>
+                  <a:alphaOff val="0"/>
+                </a:sysClr>
+              </a:solidFill>
+              <a:latin typeface="Calibri" panose="020F0502020204030204"/>
+              <a:ea typeface="+mn-ea"/>
+              <a:cs typeface="+mn-cs"/>
+            </a:rPr>
+            <a:t>Почему ушли от исследования к научному исследованию?</a:t>
+          </a:r>
+          <a:endParaRPr lang="ru-RU" sz="2600" b="1" dirty="0">
+            <a:solidFill>
+              <a:sysClr val="windowText" lastClr="000000">
+                <a:hueOff val="0"/>
+                <a:satOff val="0"/>
+                <a:lumOff val="0"/>
+                <a:alphaOff val="0"/>
+              </a:sysClr>
+            </a:solidFill>
+            <a:latin typeface="Calibri" panose="020F0502020204030204"/>
+            <a:ea typeface="+mn-ea"/>
+            <a:cs typeface="+mn-cs"/>
+          </a:endParaRPr>
+        </a:p>
+      </dgm:t>
+    </dgm:pt>
+    <dgm:pt modelId="{255255AB-D2DF-4AA5-BD84-1B51106DC143}" type="parTrans" cxnId="{0B17993E-EF5F-4ECA-A148-BF57E273D946}">
+      <dgm:prSet/>
+      <dgm:spPr/>
+      <dgm:t>
+        <a:bodyPr/>
+        <a:lstStyle/>
+        <a:p>
+          <a:endParaRPr lang="ru-RU"/>
+        </a:p>
+      </dgm:t>
+    </dgm:pt>
+    <dgm:pt modelId="{A70E84E5-50F8-4B79-A5A2-4D5533196866}" type="sibTrans" cxnId="{0B17993E-EF5F-4ECA-A148-BF57E273D946}">
+      <dgm:prSet/>
+      <dgm:spPr/>
+      <dgm:t>
+        <a:bodyPr/>
+        <a:lstStyle/>
+        <a:p>
+          <a:endParaRPr lang="ru-RU"/>
+        </a:p>
+      </dgm:t>
+    </dgm:pt>
+    <dgm:pt modelId="{6BFE3F00-C82F-4CBD-9FDE-434005F3E2DD}">
+      <dgm:prSet phldrT="[Текст]" custT="1"/>
+      <dgm:spPr>
+        <a:xfrm>
+          <a:off x="2907651" y="1301349"/>
+          <a:ext cx="5340733" cy="987333"/>
+        </a:xfrm>
+        <a:prstGeom prst="rect">
+          <a:avLst/>
+        </a:prstGeom>
+        <a:solidFill>
+          <a:sysClr val="window" lastClr="FFFFFF">
+            <a:hueOff val="0"/>
+            <a:satOff val="0"/>
+            <a:lumOff val="0"/>
+            <a:alphaOff val="0"/>
+          </a:sysClr>
+        </a:solidFill>
+        <a:ln>
+          <a:noFill/>
+        </a:ln>
+        <a:effectLst/>
+        <a:scene3d>
+          <a:camera prst="orthographicFront">
+            <a:rot lat="0" lon="0" rev="0"/>
+          </a:camera>
+          <a:lightRig rig="contrasting" dir="t">
+            <a:rot lat="0" lon="0" rev="1200000"/>
+          </a:lightRig>
+        </a:scene3d>
+        <a:sp3d contourW="19050" prstMaterial="metal">
+          <a:bevelT w="88900" h="203200"/>
+          <a:bevelB w="165100" h="254000"/>
+        </a:sp3d>
+      </dgm:spPr>
+      <dgm:t>
+        <a:bodyPr/>
+        <a:lstStyle/>
+        <a:p>
+          <a:pPr algn="ctr"/>
+          <a:r>
+            <a:rPr lang="ru-RU" sz="2400" b="0" u="none" dirty="0" smtClean="0">
+              <a:solidFill>
+                <a:sysClr val="windowText" lastClr="000000">
+                  <a:hueOff val="0"/>
+                  <a:satOff val="0"/>
+                  <a:lumOff val="0"/>
+                  <a:alphaOff val="0"/>
+                </a:sysClr>
+              </a:solidFill>
+              <a:latin typeface="Calibri" panose="020F0502020204030204"/>
+              <a:ea typeface="+mn-ea"/>
+              <a:cs typeface="+mn-cs"/>
+            </a:rPr>
+            <a:t>Исследователь может неправильно получить знания об объекте исследования</a:t>
+          </a:r>
+          <a:endParaRPr lang="ru-RU" sz="2400" b="0" u="none" dirty="0">
+            <a:solidFill>
+              <a:sysClr val="windowText" lastClr="000000">
+                <a:hueOff val="0"/>
+                <a:satOff val="0"/>
+                <a:lumOff val="0"/>
+                <a:alphaOff val="0"/>
+              </a:sysClr>
+            </a:solidFill>
+            <a:latin typeface="Calibri" panose="020F0502020204030204"/>
+            <a:ea typeface="+mn-ea"/>
+            <a:cs typeface="+mn-cs"/>
+          </a:endParaRPr>
+        </a:p>
+      </dgm:t>
+    </dgm:pt>
+    <dgm:pt modelId="{B2413B52-2E46-466F-856A-14E9AE21883F}" type="parTrans" cxnId="{A601685B-8F66-480A-9E55-28D85E64A6B5}">
+      <dgm:prSet/>
+      <dgm:spPr>
+        <a:xfrm>
+          <a:off x="1785704" y="719219"/>
+          <a:ext cx="1121946" cy="1075797"/>
+        </a:xfrm>
+        <a:custGeom>
+          <a:avLst/>
+          <a:gdLst/>
+          <a:ahLst/>
+          <a:cxnLst/>
+          <a:rect l="0" t="0" r="0" b="0"/>
+          <a:pathLst>
+            <a:path>
+              <a:moveTo>
+                <a:pt x="0" y="0"/>
+              </a:moveTo>
+              <a:lnTo>
+                <a:pt x="0" y="1075797"/>
+              </a:lnTo>
+              <a:lnTo>
+                <a:pt x="1121946" y="1075797"/>
+              </a:lnTo>
+            </a:path>
+          </a:pathLst>
+        </a:custGeom>
+        <a:noFill/>
+        <a:ln w="12700" cap="flat" cmpd="sng" algn="ctr">
+          <a:solidFill>
+            <a:srgbClr val="5B9BD5">
+              <a:shade val="60000"/>
+              <a:hueOff val="0"/>
+              <a:satOff val="0"/>
+              <a:lumOff val="0"/>
+              <a:alphaOff val="0"/>
+            </a:srgbClr>
+          </a:solidFill>
+          <a:prstDash val="solid"/>
+          <a:miter lim="800000"/>
+        </a:ln>
+        <a:effectLst/>
+        <a:scene3d>
+          <a:camera prst="orthographicFront">
+            <a:rot lat="0" lon="0" rev="0"/>
+          </a:camera>
+          <a:lightRig rig="contrasting" dir="t">
+            <a:rot lat="0" lon="0" rev="1200000"/>
+          </a:lightRig>
+        </a:scene3d>
+        <a:sp3d z="-110000"/>
+      </dgm:spPr>
+      <dgm:t>
+        <a:bodyPr/>
+        <a:lstStyle/>
+        <a:p>
+          <a:endParaRPr lang="ru-RU"/>
+        </a:p>
+      </dgm:t>
+    </dgm:pt>
+    <dgm:pt modelId="{DDF68F27-F2FE-42F8-ADA9-1B0704B4FDCA}" type="sibTrans" cxnId="{A601685B-8F66-480A-9E55-28D85E64A6B5}">
+      <dgm:prSet/>
+      <dgm:spPr/>
+      <dgm:t>
+        <a:bodyPr/>
+        <a:lstStyle/>
+        <a:p>
+          <a:endParaRPr lang="ru-RU"/>
+        </a:p>
+      </dgm:t>
+    </dgm:pt>
+    <dgm:pt modelId="{E60BF8C8-53AB-4BCA-9C3E-655BA0A1C27B}">
+      <dgm:prSet phldrT="[Текст]" custT="1"/>
+      <dgm:spPr>
+        <a:xfrm>
+          <a:off x="2907706" y="2867696"/>
+          <a:ext cx="5310083" cy="987333"/>
+        </a:xfrm>
+        <a:prstGeom prst="rect">
+          <a:avLst/>
+        </a:prstGeom>
+        <a:solidFill>
+          <a:sysClr val="window" lastClr="FFFFFF">
+            <a:hueOff val="0"/>
+            <a:satOff val="0"/>
+            <a:lumOff val="0"/>
+            <a:alphaOff val="0"/>
+          </a:sysClr>
+        </a:solidFill>
+        <a:ln>
+          <a:noFill/>
+        </a:ln>
+        <a:effectLst/>
+        <a:scene3d>
+          <a:camera prst="orthographicFront">
+            <a:rot lat="0" lon="0" rev="0"/>
+          </a:camera>
+          <a:lightRig rig="contrasting" dir="t">
+            <a:rot lat="0" lon="0" rev="1200000"/>
+          </a:lightRig>
+        </a:scene3d>
+        <a:sp3d contourW="19050" prstMaterial="metal">
+          <a:bevelT w="88900" h="203200"/>
+          <a:bevelB w="165100" h="254000"/>
+        </a:sp3d>
+      </dgm:spPr>
+      <dgm:t>
+        <a:bodyPr/>
+        <a:lstStyle/>
+        <a:p>
+          <a:pPr algn="ctr"/>
+          <a:r>
+            <a:rPr lang="ru-RU" sz="2400" b="0" u="none" dirty="0" smtClean="0">
+              <a:solidFill>
+                <a:sysClr val="windowText" lastClr="000000">
+                  <a:hueOff val="0"/>
+                  <a:satOff val="0"/>
+                  <a:lumOff val="0"/>
+                  <a:alphaOff val="0"/>
+                </a:sysClr>
+              </a:solidFill>
+              <a:latin typeface="Calibri" panose="020F0502020204030204"/>
+              <a:ea typeface="+mn-ea"/>
+              <a:cs typeface="+mn-cs"/>
+            </a:rPr>
+            <a:t>На вопрос «Как получают знания» человек отвечает исходя из своих соображений, своей модели мира</a:t>
+          </a:r>
+          <a:endParaRPr lang="ru-RU" sz="2400" b="0" u="none" dirty="0">
+            <a:solidFill>
+              <a:sysClr val="windowText" lastClr="000000">
+                <a:hueOff val="0"/>
+                <a:satOff val="0"/>
+                <a:lumOff val="0"/>
+                <a:alphaOff val="0"/>
+              </a:sysClr>
+            </a:solidFill>
+            <a:latin typeface="Calibri" panose="020F0502020204030204"/>
+            <a:ea typeface="+mn-ea"/>
+            <a:cs typeface="+mn-cs"/>
+          </a:endParaRPr>
+        </a:p>
+      </dgm:t>
+    </dgm:pt>
+    <dgm:pt modelId="{36DF34E3-99C8-4D2E-BF3E-FE3596FA3ACA}" type="parTrans" cxnId="{C12C2207-957B-4613-8704-9C1049691FB8}">
+      <dgm:prSet/>
+      <dgm:spPr>
+        <a:xfrm>
+          <a:off x="1785704" y="719219"/>
+          <a:ext cx="1122001" cy="2642143"/>
+        </a:xfrm>
+        <a:custGeom>
+          <a:avLst/>
+          <a:gdLst/>
+          <a:ahLst/>
+          <a:cxnLst/>
+          <a:rect l="0" t="0" r="0" b="0"/>
+          <a:pathLst>
+            <a:path>
+              <a:moveTo>
+                <a:pt x="0" y="0"/>
+              </a:moveTo>
+              <a:lnTo>
+                <a:pt x="0" y="2642143"/>
+              </a:lnTo>
+              <a:lnTo>
+                <a:pt x="1122001" y="2642143"/>
+              </a:lnTo>
+            </a:path>
+          </a:pathLst>
+        </a:custGeom>
+        <a:noFill/>
+        <a:ln w="12700" cap="flat" cmpd="sng" algn="ctr">
+          <a:solidFill>
+            <a:srgbClr val="5B9BD5">
+              <a:shade val="60000"/>
+              <a:hueOff val="0"/>
+              <a:satOff val="0"/>
+              <a:lumOff val="0"/>
+              <a:alphaOff val="0"/>
+            </a:srgbClr>
+          </a:solidFill>
+          <a:prstDash val="solid"/>
+          <a:miter lim="800000"/>
+        </a:ln>
+        <a:effectLst/>
+        <a:scene3d>
+          <a:camera prst="orthographicFront">
+            <a:rot lat="0" lon="0" rev="0"/>
+          </a:camera>
+          <a:lightRig rig="contrasting" dir="t">
+            <a:rot lat="0" lon="0" rev="1200000"/>
+          </a:lightRig>
+        </a:scene3d>
+        <a:sp3d z="-110000"/>
+      </dgm:spPr>
+      <dgm:t>
+        <a:bodyPr/>
+        <a:lstStyle/>
+        <a:p>
+          <a:endParaRPr lang="ru-RU"/>
+        </a:p>
+      </dgm:t>
+    </dgm:pt>
+    <dgm:pt modelId="{517C7F2A-EB18-480A-8E55-F3EB297FB49F}" type="sibTrans" cxnId="{C12C2207-957B-4613-8704-9C1049691FB8}">
+      <dgm:prSet/>
+      <dgm:spPr/>
+      <dgm:t>
+        <a:bodyPr/>
+        <a:lstStyle/>
+        <a:p>
+          <a:endParaRPr lang="ru-RU"/>
+        </a:p>
+      </dgm:t>
+    </dgm:pt>
+    <dgm:pt modelId="{799A41DE-D7BE-4B68-A0FB-21908F81D915}" type="pres">
+      <dgm:prSet presAssocID="{8D2B79C5-AC2B-4363-8344-9AD7DD9A0839}" presName="hierChild1" presStyleCnt="0">
+        <dgm:presLayoutVars>
+          <dgm:orgChart val="1"/>
+          <dgm:chPref val="1"/>
+          <dgm:dir/>
+          <dgm:animOne val="branch"/>
+          <dgm:animLvl val="lvl"/>
+          <dgm:resizeHandles/>
+        </dgm:presLayoutVars>
+      </dgm:prSet>
+      <dgm:spPr/>
+      <dgm:t>
+        <a:bodyPr/>
+        <a:lstStyle/>
+        <a:p>
+          <a:endParaRPr lang="ru-RU"/>
+        </a:p>
+      </dgm:t>
+    </dgm:pt>
+    <dgm:pt modelId="{D36C28D5-0E2D-42A0-A894-BA5C4430B905}" type="pres">
+      <dgm:prSet presAssocID="{A1C00BFF-1352-478D-B509-CC0949435679}" presName="hierRoot1" presStyleCnt="0">
+        <dgm:presLayoutVars>
+          <dgm:hierBranch val="r"/>
+        </dgm:presLayoutVars>
+      </dgm:prSet>
+      <dgm:spPr/>
+      <dgm:t>
+        <a:bodyPr/>
+        <a:lstStyle/>
+        <a:p>
+          <a:endParaRPr lang="ru-RU"/>
+        </a:p>
+      </dgm:t>
+    </dgm:pt>
+    <dgm:pt modelId="{10FCF1A7-49BA-4E3D-BECB-28ED8875EC5B}" type="pres">
+      <dgm:prSet presAssocID="{A1C00BFF-1352-478D-B509-CC0949435679}" presName="rootComposite1" presStyleCnt="0"/>
+      <dgm:spPr/>
+      <dgm:t>
+        <a:bodyPr/>
+        <a:lstStyle/>
+        <a:p>
+          <a:endParaRPr lang="ru-RU"/>
+        </a:p>
+      </dgm:t>
+    </dgm:pt>
+    <dgm:pt modelId="{AE784486-8039-42B4-BC45-22E03339FFDB}" type="pres">
+      <dgm:prSet presAssocID="{A1C00BFF-1352-478D-B509-CC0949435679}" presName="rootText1" presStyleLbl="node0" presStyleIdx="0" presStyleCnt="1" custScaleX="253524" custScaleY="52046" custLinFactNeighborX="-2566" custLinFactNeighborY="-8448">
+        <dgm:presLayoutVars>
+          <dgm:chPref val="3"/>
+        </dgm:presLayoutVars>
+      </dgm:prSet>
+      <dgm:spPr/>
+      <dgm:t>
+        <a:bodyPr/>
+        <a:lstStyle/>
+        <a:p>
+          <a:endParaRPr lang="ru-RU"/>
+        </a:p>
+      </dgm:t>
+    </dgm:pt>
+    <dgm:pt modelId="{AEEA8846-CE0C-42A2-A956-3C2328B7B99E}" type="pres">
+      <dgm:prSet presAssocID="{A1C00BFF-1352-478D-B509-CC0949435679}" presName="rootConnector1" presStyleLbl="node1" presStyleIdx="0" presStyleCnt="0"/>
+      <dgm:spPr/>
+      <dgm:t>
+        <a:bodyPr/>
+        <a:lstStyle/>
+        <a:p>
+          <a:endParaRPr lang="ru-RU"/>
+        </a:p>
+      </dgm:t>
+    </dgm:pt>
+    <dgm:pt modelId="{1ABDDE0D-B519-45F5-89D1-682EB2FF2292}" type="pres">
+      <dgm:prSet presAssocID="{A1C00BFF-1352-478D-B509-CC0949435679}" presName="hierChild2" presStyleCnt="0"/>
+      <dgm:spPr/>
+      <dgm:t>
+        <a:bodyPr/>
+        <a:lstStyle/>
+        <a:p>
+          <a:endParaRPr lang="ru-RU"/>
+        </a:p>
+      </dgm:t>
+    </dgm:pt>
+    <dgm:pt modelId="{CF45D3CC-3AEC-4789-BEF4-EB9D246FA273}" type="pres">
+      <dgm:prSet presAssocID="{B2413B52-2E46-466F-856A-14E9AE21883F}" presName="Name50" presStyleLbl="parChTrans1D2" presStyleIdx="0" presStyleCnt="2"/>
+      <dgm:spPr/>
+      <dgm:t>
+        <a:bodyPr/>
+        <a:lstStyle/>
+        <a:p>
+          <a:endParaRPr lang="ru-RU"/>
+        </a:p>
+      </dgm:t>
+    </dgm:pt>
+    <dgm:pt modelId="{A882C86F-617D-4AD8-8A17-8FEF60BFBA15}" type="pres">
+      <dgm:prSet presAssocID="{6BFE3F00-C82F-4CBD-9FDE-434005F3E2DD}" presName="hierRoot2" presStyleCnt="0">
+        <dgm:presLayoutVars>
+          <dgm:hierBranch val="init"/>
+        </dgm:presLayoutVars>
+      </dgm:prSet>
+      <dgm:spPr/>
+      <dgm:t>
+        <a:bodyPr/>
+        <a:lstStyle/>
+        <a:p>
+          <a:endParaRPr lang="ru-RU"/>
+        </a:p>
+      </dgm:t>
+    </dgm:pt>
+    <dgm:pt modelId="{DA7B72F0-C9C4-474F-BD58-14C2004D0B53}" type="pres">
+      <dgm:prSet presAssocID="{6BFE3F00-C82F-4CBD-9FDE-434005F3E2DD}" presName="rootComposite" presStyleCnt="0"/>
+      <dgm:spPr/>
+      <dgm:t>
+        <a:bodyPr/>
+        <a:lstStyle/>
+        <a:p>
+          <a:endParaRPr lang="ru-RU"/>
+        </a:p>
+      </dgm:t>
+    </dgm:pt>
+    <dgm:pt modelId="{1B1944C1-3FF0-4D01-B526-32A4FF798027}" type="pres">
+      <dgm:prSet presAssocID="{6BFE3F00-C82F-4CBD-9FDE-434005F3E2DD}" presName="rootText" presStyleLbl="node2" presStyleIdx="0" presStyleCnt="2" custScaleX="193240" custScaleY="71448">
+        <dgm:presLayoutVars>
+          <dgm:chPref val="3"/>
+        </dgm:presLayoutVars>
+      </dgm:prSet>
+      <dgm:spPr/>
+      <dgm:t>
+        <a:bodyPr/>
+        <a:lstStyle/>
+        <a:p>
+          <a:endParaRPr lang="ru-RU"/>
+        </a:p>
+      </dgm:t>
+    </dgm:pt>
+    <dgm:pt modelId="{6A61AE12-36E1-4910-9B18-2476D7DC799F}" type="pres">
+      <dgm:prSet presAssocID="{6BFE3F00-C82F-4CBD-9FDE-434005F3E2DD}" presName="rootConnector" presStyleLbl="node2" presStyleIdx="0" presStyleCnt="2"/>
+      <dgm:spPr/>
+      <dgm:t>
+        <a:bodyPr/>
+        <a:lstStyle/>
+        <a:p>
+          <a:endParaRPr lang="ru-RU"/>
+        </a:p>
+      </dgm:t>
+    </dgm:pt>
+    <dgm:pt modelId="{F981B303-9CA7-4CF0-A705-D2AD71D6F2AA}" type="pres">
+      <dgm:prSet presAssocID="{6BFE3F00-C82F-4CBD-9FDE-434005F3E2DD}" presName="hierChild4" presStyleCnt="0"/>
+      <dgm:spPr/>
+      <dgm:t>
+        <a:bodyPr/>
+        <a:lstStyle/>
+        <a:p>
+          <a:endParaRPr lang="ru-RU"/>
+        </a:p>
+      </dgm:t>
+    </dgm:pt>
+    <dgm:pt modelId="{4FC589EF-300B-4F86-B312-12D92A7DBE1B}" type="pres">
+      <dgm:prSet presAssocID="{6BFE3F00-C82F-4CBD-9FDE-434005F3E2DD}" presName="hierChild5" presStyleCnt="0"/>
+      <dgm:spPr/>
+      <dgm:t>
+        <a:bodyPr/>
+        <a:lstStyle/>
+        <a:p>
+          <a:endParaRPr lang="ru-RU"/>
+        </a:p>
+      </dgm:t>
+    </dgm:pt>
+    <dgm:pt modelId="{AA685F8E-76DD-4023-B1BB-285FFE6ABEA1}" type="pres">
+      <dgm:prSet presAssocID="{36DF34E3-99C8-4D2E-BF3E-FE3596FA3ACA}" presName="Name50" presStyleLbl="parChTrans1D2" presStyleIdx="1" presStyleCnt="2"/>
+      <dgm:spPr/>
+      <dgm:t>
+        <a:bodyPr/>
+        <a:lstStyle/>
+        <a:p>
+          <a:endParaRPr lang="ru-RU"/>
+        </a:p>
+      </dgm:t>
+    </dgm:pt>
+    <dgm:pt modelId="{F5A5B5A2-CB20-4F89-9EF6-30AB00309AE2}" type="pres">
+      <dgm:prSet presAssocID="{E60BF8C8-53AB-4BCA-9C3E-655BA0A1C27B}" presName="hierRoot2" presStyleCnt="0">
+        <dgm:presLayoutVars>
+          <dgm:hierBranch val="init"/>
+        </dgm:presLayoutVars>
+      </dgm:prSet>
+      <dgm:spPr/>
+      <dgm:t>
+        <a:bodyPr/>
+        <a:lstStyle/>
+        <a:p>
+          <a:endParaRPr lang="ru-RU"/>
+        </a:p>
+      </dgm:t>
+    </dgm:pt>
+    <dgm:pt modelId="{307EA4E8-FEE7-4D35-A0A6-34984139D50C}" type="pres">
+      <dgm:prSet presAssocID="{E60BF8C8-53AB-4BCA-9C3E-655BA0A1C27B}" presName="rootComposite" presStyleCnt="0"/>
+      <dgm:spPr/>
+      <dgm:t>
+        <a:bodyPr/>
+        <a:lstStyle/>
+        <a:p>
+          <a:endParaRPr lang="ru-RU"/>
+        </a:p>
+      </dgm:t>
+    </dgm:pt>
+    <dgm:pt modelId="{D09C9784-5368-4095-81CC-749359514A84}" type="pres">
+      <dgm:prSet presAssocID="{E60BF8C8-53AB-4BCA-9C3E-655BA0A1C27B}" presName="rootText" presStyleLbl="node2" presStyleIdx="1" presStyleCnt="2" custScaleX="192131" custScaleY="71448" custLinFactNeighborX="2" custLinFactNeighborY="-100">
+        <dgm:presLayoutVars>
+          <dgm:chPref val="3"/>
+        </dgm:presLayoutVars>
+      </dgm:prSet>
+      <dgm:spPr/>
+      <dgm:t>
+        <a:bodyPr/>
+        <a:lstStyle/>
+        <a:p>
+          <a:endParaRPr lang="ru-RU"/>
+        </a:p>
+      </dgm:t>
+    </dgm:pt>
+    <dgm:pt modelId="{3429382A-AA9A-4E38-A025-902A1A7FD167}" type="pres">
+      <dgm:prSet presAssocID="{E60BF8C8-53AB-4BCA-9C3E-655BA0A1C27B}" presName="rootConnector" presStyleLbl="node2" presStyleIdx="1" presStyleCnt="2"/>
+      <dgm:spPr/>
+      <dgm:t>
+        <a:bodyPr/>
+        <a:lstStyle/>
+        <a:p>
+          <a:endParaRPr lang="ru-RU"/>
+        </a:p>
+      </dgm:t>
+    </dgm:pt>
+    <dgm:pt modelId="{D1D7E6BD-FBCD-45DD-B780-12F98579E07B}" type="pres">
+      <dgm:prSet presAssocID="{E60BF8C8-53AB-4BCA-9C3E-655BA0A1C27B}" presName="hierChild4" presStyleCnt="0"/>
+      <dgm:spPr/>
+      <dgm:t>
+        <a:bodyPr/>
+        <a:lstStyle/>
+        <a:p>
+          <a:endParaRPr lang="ru-RU"/>
+        </a:p>
+      </dgm:t>
+    </dgm:pt>
+    <dgm:pt modelId="{EF2696E2-6EDA-4066-83A1-1C8981A8F26C}" type="pres">
+      <dgm:prSet presAssocID="{E60BF8C8-53AB-4BCA-9C3E-655BA0A1C27B}" presName="hierChild5" presStyleCnt="0"/>
+      <dgm:spPr/>
+      <dgm:t>
+        <a:bodyPr/>
+        <a:lstStyle/>
+        <a:p>
+          <a:endParaRPr lang="ru-RU"/>
+        </a:p>
+      </dgm:t>
+    </dgm:pt>
+    <dgm:pt modelId="{F2E7787B-6BE1-4690-9223-10CD94F1D601}" type="pres">
+      <dgm:prSet presAssocID="{A1C00BFF-1352-478D-B509-CC0949435679}" presName="hierChild3" presStyleCnt="0"/>
+      <dgm:spPr/>
+      <dgm:t>
+        <a:bodyPr/>
+        <a:lstStyle/>
+        <a:p>
+          <a:endParaRPr lang="ru-RU"/>
+        </a:p>
+      </dgm:t>
+    </dgm:pt>
+  </dgm:ptLst>
+  <dgm:cxnLst>
+    <dgm:cxn modelId="{BE17DB67-7D73-4588-ACF9-37E563CB3AFD}" type="presOf" srcId="{E60BF8C8-53AB-4BCA-9C3E-655BA0A1C27B}" destId="{3429382A-AA9A-4E38-A025-902A1A7FD167}" srcOrd="1" destOrd="0" presId="urn:microsoft.com/office/officeart/2005/8/layout/orgChart1"/>
+    <dgm:cxn modelId="{060CA4CC-A0DF-44F8-99BD-5EC39CE48CC1}" type="presOf" srcId="{A1C00BFF-1352-478D-B509-CC0949435679}" destId="{AEEA8846-CE0C-42A2-A956-3C2328B7B99E}" srcOrd="1" destOrd="0" presId="urn:microsoft.com/office/officeart/2005/8/layout/orgChart1"/>
+    <dgm:cxn modelId="{D96BE566-A56F-40E1-BBAA-6F2D41D12219}" type="presOf" srcId="{36DF34E3-99C8-4D2E-BF3E-FE3596FA3ACA}" destId="{AA685F8E-76DD-4023-B1BB-285FFE6ABEA1}" srcOrd="0" destOrd="0" presId="urn:microsoft.com/office/officeart/2005/8/layout/orgChart1"/>
+    <dgm:cxn modelId="{0B17993E-EF5F-4ECA-A148-BF57E273D946}" srcId="{8D2B79C5-AC2B-4363-8344-9AD7DD9A0839}" destId="{A1C00BFF-1352-478D-B509-CC0949435679}" srcOrd="0" destOrd="0" parTransId="{255255AB-D2DF-4AA5-BD84-1B51106DC143}" sibTransId="{A70E84E5-50F8-4B79-A5A2-4D5533196866}"/>
+    <dgm:cxn modelId="{A601685B-8F66-480A-9E55-28D85E64A6B5}" srcId="{A1C00BFF-1352-478D-B509-CC0949435679}" destId="{6BFE3F00-C82F-4CBD-9FDE-434005F3E2DD}" srcOrd="0" destOrd="0" parTransId="{B2413B52-2E46-466F-856A-14E9AE21883F}" sibTransId="{DDF68F27-F2FE-42F8-ADA9-1B0704B4FDCA}"/>
+    <dgm:cxn modelId="{2A6F7CD0-1D60-477D-A43E-32D24BA9AE60}" type="presOf" srcId="{A1C00BFF-1352-478D-B509-CC0949435679}" destId="{AE784486-8039-42B4-BC45-22E03339FFDB}" srcOrd="0" destOrd="0" presId="urn:microsoft.com/office/officeart/2005/8/layout/orgChart1"/>
+    <dgm:cxn modelId="{EABEBBDE-9FAA-4A4C-8F0B-44F61EE463BF}" type="presOf" srcId="{B2413B52-2E46-466F-856A-14E9AE21883F}" destId="{CF45D3CC-3AEC-4789-BEF4-EB9D246FA273}" srcOrd="0" destOrd="0" presId="urn:microsoft.com/office/officeart/2005/8/layout/orgChart1"/>
+    <dgm:cxn modelId="{EECCE51B-773E-4C98-BD73-2254F2986D92}" type="presOf" srcId="{8D2B79C5-AC2B-4363-8344-9AD7DD9A0839}" destId="{799A41DE-D7BE-4B68-A0FB-21908F81D915}" srcOrd="0" destOrd="0" presId="urn:microsoft.com/office/officeart/2005/8/layout/orgChart1"/>
+    <dgm:cxn modelId="{166B8787-05E6-4D06-B53B-C588F2DEDF16}" type="presOf" srcId="{6BFE3F00-C82F-4CBD-9FDE-434005F3E2DD}" destId="{1B1944C1-3FF0-4D01-B526-32A4FF798027}" srcOrd="0" destOrd="0" presId="urn:microsoft.com/office/officeart/2005/8/layout/orgChart1"/>
+    <dgm:cxn modelId="{C12C2207-957B-4613-8704-9C1049691FB8}" srcId="{A1C00BFF-1352-478D-B509-CC0949435679}" destId="{E60BF8C8-53AB-4BCA-9C3E-655BA0A1C27B}" srcOrd="1" destOrd="0" parTransId="{36DF34E3-99C8-4D2E-BF3E-FE3596FA3ACA}" sibTransId="{517C7F2A-EB18-480A-8E55-F3EB297FB49F}"/>
+    <dgm:cxn modelId="{359348BD-B915-4848-9D8F-4A294E5AF2FC}" type="presOf" srcId="{6BFE3F00-C82F-4CBD-9FDE-434005F3E2DD}" destId="{6A61AE12-36E1-4910-9B18-2476D7DC799F}" srcOrd="1" destOrd="0" presId="urn:microsoft.com/office/officeart/2005/8/layout/orgChart1"/>
+    <dgm:cxn modelId="{109FB69C-E238-4EB9-A20D-828358081717}" type="presOf" srcId="{E60BF8C8-53AB-4BCA-9C3E-655BA0A1C27B}" destId="{D09C9784-5368-4095-81CC-749359514A84}" srcOrd="0" destOrd="0" presId="urn:microsoft.com/office/officeart/2005/8/layout/orgChart1"/>
+    <dgm:cxn modelId="{E3E66B2E-0537-4DFF-82A0-E5601AA7BF8C}" type="presParOf" srcId="{799A41DE-D7BE-4B68-A0FB-21908F81D915}" destId="{D36C28D5-0E2D-42A0-A894-BA5C4430B905}" srcOrd="0" destOrd="0" presId="urn:microsoft.com/office/officeart/2005/8/layout/orgChart1"/>
+    <dgm:cxn modelId="{A441E0E0-941C-43B4-98C6-4F93ABEB2EF3}" type="presParOf" srcId="{D36C28D5-0E2D-42A0-A894-BA5C4430B905}" destId="{10FCF1A7-49BA-4E3D-BECB-28ED8875EC5B}" srcOrd="0" destOrd="0" presId="urn:microsoft.com/office/officeart/2005/8/layout/orgChart1"/>
+    <dgm:cxn modelId="{D586DB5E-6301-4091-B00B-F6F27B26A592}" type="presParOf" srcId="{10FCF1A7-49BA-4E3D-BECB-28ED8875EC5B}" destId="{AE784486-8039-42B4-BC45-22E03339FFDB}" srcOrd="0" destOrd="0" presId="urn:microsoft.com/office/officeart/2005/8/layout/orgChart1"/>
+    <dgm:cxn modelId="{2E52FCC6-8DCF-4FDB-B883-66331CB4B697}" type="presParOf" srcId="{10FCF1A7-49BA-4E3D-BECB-28ED8875EC5B}" destId="{AEEA8846-CE0C-42A2-A956-3C2328B7B99E}" srcOrd="1" destOrd="0" presId="urn:microsoft.com/office/officeart/2005/8/layout/orgChart1"/>
+    <dgm:cxn modelId="{5313885E-A759-4EAF-A144-B2C9E8C2DB24}" type="presParOf" srcId="{D36C28D5-0E2D-42A0-A894-BA5C4430B905}" destId="{1ABDDE0D-B519-45F5-89D1-682EB2FF2292}" srcOrd="1" destOrd="0" presId="urn:microsoft.com/office/officeart/2005/8/layout/orgChart1"/>
+    <dgm:cxn modelId="{C5707D8E-3290-41EC-AA7C-81257F304B39}" type="presParOf" srcId="{1ABDDE0D-B519-45F5-89D1-682EB2FF2292}" destId="{CF45D3CC-3AEC-4789-BEF4-EB9D246FA273}" srcOrd="0" destOrd="0" presId="urn:microsoft.com/office/officeart/2005/8/layout/orgChart1"/>
+    <dgm:cxn modelId="{80A01592-A0A6-4813-B3B6-C530D27F10FC}" type="presParOf" srcId="{1ABDDE0D-B519-45F5-89D1-682EB2FF2292}" destId="{A882C86F-617D-4AD8-8A17-8FEF60BFBA15}" srcOrd="1" destOrd="0" presId="urn:microsoft.com/office/officeart/2005/8/layout/orgChart1"/>
+    <dgm:cxn modelId="{86612524-131F-421D-900E-5CB4214CBD7D}" type="presParOf" srcId="{A882C86F-617D-4AD8-8A17-8FEF60BFBA15}" destId="{DA7B72F0-C9C4-474F-BD58-14C2004D0B53}" srcOrd="0" destOrd="0" presId="urn:microsoft.com/office/officeart/2005/8/layout/orgChart1"/>
+    <dgm:cxn modelId="{B417A079-2D32-4E44-A43C-262A50CB4E49}" type="presParOf" srcId="{DA7B72F0-C9C4-474F-BD58-14C2004D0B53}" destId="{1B1944C1-3FF0-4D01-B526-32A4FF798027}" srcOrd="0" destOrd="0" presId="urn:microsoft.com/office/officeart/2005/8/layout/orgChart1"/>
+    <dgm:cxn modelId="{A4732D00-5D99-438E-BAEC-D9A52518C20F}" type="presParOf" srcId="{DA7B72F0-C9C4-474F-BD58-14C2004D0B53}" destId="{6A61AE12-36E1-4910-9B18-2476D7DC799F}" srcOrd="1" destOrd="0" presId="urn:microsoft.com/office/officeart/2005/8/layout/orgChart1"/>
+    <dgm:cxn modelId="{D22597A5-172A-4BE6-8AC7-E9F1702EDBB8}" type="presParOf" srcId="{A882C86F-617D-4AD8-8A17-8FEF60BFBA15}" destId="{F981B303-9CA7-4CF0-A705-D2AD71D6F2AA}" srcOrd="1" destOrd="0" presId="urn:microsoft.com/office/officeart/2005/8/layout/orgChart1"/>
+    <dgm:cxn modelId="{7EE0CE00-F437-45BA-AC5E-DFF240DC042B}" type="presParOf" srcId="{A882C86F-617D-4AD8-8A17-8FEF60BFBA15}" destId="{4FC589EF-300B-4F86-B312-12D92A7DBE1B}" srcOrd="2" destOrd="0" presId="urn:microsoft.com/office/officeart/2005/8/layout/orgChart1"/>
+    <dgm:cxn modelId="{968DB26C-C5AA-492D-8BD1-39561166063F}" type="presParOf" srcId="{1ABDDE0D-B519-45F5-89D1-682EB2FF2292}" destId="{AA685F8E-76DD-4023-B1BB-285FFE6ABEA1}" srcOrd="2" destOrd="0" presId="urn:microsoft.com/office/officeart/2005/8/layout/orgChart1"/>
+    <dgm:cxn modelId="{14AA8ACD-2318-401D-829E-722223B56336}" type="presParOf" srcId="{1ABDDE0D-B519-45F5-89D1-682EB2FF2292}" destId="{F5A5B5A2-CB20-4F89-9EF6-30AB00309AE2}" srcOrd="3" destOrd="0" presId="urn:microsoft.com/office/officeart/2005/8/layout/orgChart1"/>
+    <dgm:cxn modelId="{B51BD476-79FF-4A44-AA49-A73B12806E4D}" type="presParOf" srcId="{F5A5B5A2-CB20-4F89-9EF6-30AB00309AE2}" destId="{307EA4E8-FEE7-4D35-A0A6-34984139D50C}" srcOrd="0" destOrd="0" presId="urn:microsoft.com/office/officeart/2005/8/layout/orgChart1"/>
+    <dgm:cxn modelId="{942B4066-5062-4804-9A4D-97135DB84470}" type="presParOf" srcId="{307EA4E8-FEE7-4D35-A0A6-34984139D50C}" destId="{D09C9784-5368-4095-81CC-749359514A84}" srcOrd="0" destOrd="0" presId="urn:microsoft.com/office/officeart/2005/8/layout/orgChart1"/>
+    <dgm:cxn modelId="{74E8BAEA-F336-4459-BF02-235FAD61616B}" type="presParOf" srcId="{307EA4E8-FEE7-4D35-A0A6-34984139D50C}" destId="{3429382A-AA9A-4E38-A025-902A1A7FD167}" srcOrd="1" destOrd="0" presId="urn:microsoft.com/office/officeart/2005/8/layout/orgChart1"/>
+    <dgm:cxn modelId="{E3229B0A-2321-4819-A8B7-6E9BEECF9EF9}" type="presParOf" srcId="{F5A5B5A2-CB20-4F89-9EF6-30AB00309AE2}" destId="{D1D7E6BD-FBCD-45DD-B780-12F98579E07B}" srcOrd="1" destOrd="0" presId="urn:microsoft.com/office/officeart/2005/8/layout/orgChart1"/>
+    <dgm:cxn modelId="{D1F6BA36-E98C-4A4F-B611-4351B9E5F5AF}" type="presParOf" srcId="{F5A5B5A2-CB20-4F89-9EF6-30AB00309AE2}" destId="{EF2696E2-6EDA-4066-83A1-1C8981A8F26C}" srcOrd="2" destOrd="0" presId="urn:microsoft.com/office/officeart/2005/8/layout/orgChart1"/>
+    <dgm:cxn modelId="{41FE72F9-295E-49CE-982B-3C1EA89A48EB}" type="presParOf" srcId="{D36C28D5-0E2D-42A0-A894-BA5C4430B905}" destId="{F2E7787B-6BE1-4690-9223-10CD94F1D601}" srcOrd="2" destOrd="0" presId="urn:microsoft.com/office/officeart/2005/8/layout/orgChart1"/>
+  </dgm:cxnLst>
+  <dgm:bg/>
+  <dgm:whole/>
+  <dgm:extLst>
+    <a:ext uri="http://schemas.microsoft.com/office/drawing/2008/diagram">
+      <dsp:dataModelExt xmlns:dsp="http://schemas.microsoft.com/office/drawing/2008/diagram" relId="rId6" minVer="http://schemas.openxmlformats.org/drawingml/2006/diagram"/>
+    </a:ext>
+    <a:ext uri="{C62137D5-CB1D-491B-B009-E17868A290BF}">
+      <dgm14:recolorImg xmlns:dgm14="http://schemas.microsoft.com/office/drawing/2010/diagram" val="1"/>
+    </a:ext>
+  </dgm:extLst>
+</dgm:dataModel>
+</file>
+
+<file path=ppt/diagrams/drawing1.xml><?xml version="1.0" encoding="utf-8"?>
+<dsp:drawing xmlns:dgm="http://schemas.openxmlformats.org/drawingml/2006/diagram" xmlns:dsp="http://schemas.microsoft.com/office/drawing/2008/diagram" xmlns:a="http://schemas.openxmlformats.org/drawingml/2006/main">
+  <dsp:spTree>
+    <dsp:nvGrpSpPr>
+      <dsp:cNvPr id="0" name=""/>
+      <dsp:cNvGrpSpPr/>
+    </dsp:nvGrpSpPr>
+    <dsp:grpSpPr/>
+    <dsp:sp modelId="{AA685F8E-76DD-4023-B1BB-285FFE6ABEA1}">
+      <dsp:nvSpPr>
+        <dsp:cNvPr id="0" name=""/>
+        <dsp:cNvSpPr/>
+      </dsp:nvSpPr>
+      <dsp:spPr>
+        <a:xfrm>
+          <a:off x="1785704" y="719219"/>
+          <a:ext cx="1122001" cy="2642143"/>
+        </a:xfrm>
+        <a:custGeom>
+          <a:avLst/>
+          <a:gdLst/>
+          <a:ahLst/>
+          <a:cxnLst/>
+          <a:rect l="0" t="0" r="0" b="0"/>
+          <a:pathLst>
+            <a:path>
+              <a:moveTo>
+                <a:pt x="0" y="0"/>
+              </a:moveTo>
+              <a:lnTo>
+                <a:pt x="0" y="2642143"/>
+              </a:lnTo>
+              <a:lnTo>
+                <a:pt x="1122001" y="2642143"/>
+              </a:lnTo>
+            </a:path>
+          </a:pathLst>
+        </a:custGeom>
+        <a:noFill/>
+        <a:ln w="12700" cap="flat" cmpd="sng" algn="ctr">
+          <a:solidFill>
+            <a:srgbClr val="5B9BD5">
+              <a:shade val="60000"/>
+              <a:hueOff val="0"/>
+              <a:satOff val="0"/>
+              <a:lumOff val="0"/>
+              <a:alphaOff val="0"/>
+            </a:srgbClr>
+          </a:solidFill>
+          <a:prstDash val="solid"/>
+          <a:miter lim="800000"/>
+        </a:ln>
+        <a:effectLst/>
+        <a:scene3d>
+          <a:camera prst="orthographicFront">
+            <a:rot lat="0" lon="0" rev="0"/>
+          </a:camera>
+          <a:lightRig rig="contrasting" dir="t">
+            <a:rot lat="0" lon="0" rev="1200000"/>
+          </a:lightRig>
+        </a:scene3d>
+        <a:sp3d z="-110000"/>
+      </dsp:spPr>
+      <dsp:style>
+        <a:lnRef idx="2">
+          <a:scrgbClr r="0" g="0" b="0"/>
+        </a:lnRef>
+        <a:fillRef idx="0">
+          <a:scrgbClr r="0" g="0" b="0"/>
+        </a:fillRef>
+        <a:effectRef idx="0">
+          <a:scrgbClr r="0" g="0" b="0"/>
+        </a:effectRef>
+        <a:fontRef idx="minor"/>
+      </dsp:style>
+    </dsp:sp>
+    <dsp:sp modelId="{CF45D3CC-3AEC-4789-BEF4-EB9D246FA273}">
+      <dsp:nvSpPr>
+        <dsp:cNvPr id="0" name=""/>
+        <dsp:cNvSpPr/>
+      </dsp:nvSpPr>
+      <dsp:spPr>
+        <a:xfrm>
+          <a:off x="1785704" y="719219"/>
+          <a:ext cx="1121946" cy="1075797"/>
+        </a:xfrm>
+        <a:custGeom>
+          <a:avLst/>
+          <a:gdLst/>
+          <a:ahLst/>
+          <a:cxnLst/>
+          <a:rect l="0" t="0" r="0" b="0"/>
+          <a:pathLst>
+            <a:path>
+              <a:moveTo>
+                <a:pt x="0" y="0"/>
+              </a:moveTo>
+              <a:lnTo>
+                <a:pt x="0" y="1075797"/>
+              </a:lnTo>
+              <a:lnTo>
+                <a:pt x="1121946" y="1075797"/>
+              </a:lnTo>
+            </a:path>
+          </a:pathLst>
+        </a:custGeom>
+        <a:noFill/>
+        <a:ln w="12700" cap="flat" cmpd="sng" algn="ctr">
+          <a:solidFill>
+            <a:srgbClr val="5B9BD5">
+              <a:shade val="60000"/>
+              <a:hueOff val="0"/>
+              <a:satOff val="0"/>
+              <a:lumOff val="0"/>
+              <a:alphaOff val="0"/>
+            </a:srgbClr>
+          </a:solidFill>
+          <a:prstDash val="solid"/>
+          <a:miter lim="800000"/>
+        </a:ln>
+        <a:effectLst/>
+        <a:scene3d>
+          <a:camera prst="orthographicFront">
+            <a:rot lat="0" lon="0" rev="0"/>
+          </a:camera>
+          <a:lightRig rig="contrasting" dir="t">
+            <a:rot lat="0" lon="0" rev="1200000"/>
+          </a:lightRig>
+        </a:scene3d>
+        <a:sp3d z="-110000"/>
+      </dsp:spPr>
+      <dsp:style>
+        <a:lnRef idx="2">
+          <a:scrgbClr r="0" g="0" b="0"/>
+        </a:lnRef>
+        <a:fillRef idx="0">
+          <a:scrgbClr r="0" g="0" b="0"/>
+        </a:fillRef>
+        <a:effectRef idx="0">
+          <a:scrgbClr r="0" g="0" b="0"/>
+        </a:effectRef>
+        <a:fontRef idx="minor"/>
+      </dsp:style>
+    </dsp:sp>
+    <dsp:sp modelId="{AE784486-8039-42B4-BC45-22E03339FFDB}">
+      <dsp:nvSpPr>
+        <dsp:cNvPr id="0" name=""/>
+        <dsp:cNvSpPr/>
+      </dsp:nvSpPr>
+      <dsp:spPr>
+        <a:xfrm>
+          <a:off x="1085019" y="0"/>
+          <a:ext cx="7006852" cy="719219"/>
+        </a:xfrm>
+        <a:prstGeom prst="rect">
+          <a:avLst/>
+        </a:prstGeom>
+        <a:solidFill>
+          <a:sysClr val="window" lastClr="FFFFFF">
+            <a:hueOff val="0"/>
+            <a:satOff val="0"/>
+            <a:lumOff val="0"/>
+            <a:alphaOff val="0"/>
+          </a:sysClr>
+        </a:solidFill>
+        <a:ln>
+          <a:noFill/>
+        </a:ln>
+        <a:effectLst/>
+        <a:scene3d>
+          <a:camera prst="orthographicFront">
+            <a:rot lat="0" lon="0" rev="0"/>
+          </a:camera>
+          <a:lightRig rig="contrasting" dir="t">
+            <a:rot lat="0" lon="0" rev="1200000"/>
+          </a:lightRig>
+        </a:scene3d>
+        <a:sp3d contourW="19050" prstMaterial="metal">
+          <a:bevelT w="88900" h="203200"/>
+          <a:bevelB w="165100" h="254000"/>
+        </a:sp3d>
+      </dsp:spPr>
+      <dsp:style>
+        <a:lnRef idx="0">
+          <a:scrgbClr r="0" g="0" b="0"/>
+        </a:lnRef>
+        <a:fillRef idx="1">
+          <a:scrgbClr r="0" g="0" b="0"/>
+        </a:fillRef>
+        <a:effectRef idx="1">
+          <a:scrgbClr r="0" g="0" b="0"/>
+        </a:effectRef>
+        <a:fontRef idx="minor">
+          <a:schemeClr val="lt1"/>
+        </a:fontRef>
+      </dsp:style>
+      <dsp:txBody>
+        <a:bodyPr spcFirstLastPara="0" vert="horz" wrap="square" lIns="16510" tIns="16510" rIns="16510" bIns="16510" numCol="1" spcCol="1270" anchor="ctr" anchorCtr="0">
+          <a:noAutofit/>
+        </a:bodyPr>
+        <a:lstStyle/>
+        <a:p>
+          <a:pPr lvl="0" algn="ctr" defTabSz="1155700">
+            <a:lnSpc>
+              <a:spcPct val="90000"/>
+            </a:lnSpc>
+            <a:spcBef>
+              <a:spcPct val="0"/>
+            </a:spcBef>
+            <a:spcAft>
+              <a:spcPct val="35000"/>
+            </a:spcAft>
+          </a:pPr>
+          <a:r>
+            <a:rPr lang="ru-RU" sz="2600" b="1" kern="1200" dirty="0" smtClean="0">
+              <a:solidFill>
+                <a:sysClr val="windowText" lastClr="000000">
+                  <a:hueOff val="0"/>
+                  <a:satOff val="0"/>
+                  <a:lumOff val="0"/>
+                  <a:alphaOff val="0"/>
+                </a:sysClr>
+              </a:solidFill>
+              <a:latin typeface="Calibri" panose="020F0502020204030204"/>
+              <a:ea typeface="+mn-ea"/>
+              <a:cs typeface="+mn-cs"/>
+            </a:rPr>
+            <a:t>Почему ушли от исследования к научному исследованию?</a:t>
+          </a:r>
+          <a:endParaRPr lang="ru-RU" sz="2600" b="1" kern="1200" dirty="0">
+            <a:solidFill>
+              <a:sysClr val="windowText" lastClr="000000">
+                <a:hueOff val="0"/>
+                <a:satOff val="0"/>
+                <a:lumOff val="0"/>
+                <a:alphaOff val="0"/>
+              </a:sysClr>
+            </a:solidFill>
+            <a:latin typeface="Calibri" panose="020F0502020204030204"/>
+            <a:ea typeface="+mn-ea"/>
+            <a:cs typeface="+mn-cs"/>
+          </a:endParaRPr>
+        </a:p>
+      </dsp:txBody>
+      <dsp:txXfrm>
+        <a:off x="1085019" y="0"/>
+        <a:ext cx="7006852" cy="719219"/>
+      </dsp:txXfrm>
+    </dsp:sp>
+    <dsp:sp modelId="{1B1944C1-3FF0-4D01-B526-32A4FF798027}">
+      <dsp:nvSpPr>
+        <dsp:cNvPr id="0" name=""/>
+        <dsp:cNvSpPr/>
+      </dsp:nvSpPr>
+      <dsp:spPr>
+        <a:xfrm>
+          <a:off x="2907651" y="1301349"/>
+          <a:ext cx="5340733" cy="987333"/>
+        </a:xfrm>
+        <a:prstGeom prst="rect">
+          <a:avLst/>
+        </a:prstGeom>
+        <a:solidFill>
+          <a:sysClr val="window" lastClr="FFFFFF">
+            <a:hueOff val="0"/>
+            <a:satOff val="0"/>
+            <a:lumOff val="0"/>
+            <a:alphaOff val="0"/>
+          </a:sysClr>
+        </a:solidFill>
+        <a:ln>
+          <a:noFill/>
+        </a:ln>
+        <a:effectLst/>
+        <a:scene3d>
+          <a:camera prst="orthographicFront">
+            <a:rot lat="0" lon="0" rev="0"/>
+          </a:camera>
+          <a:lightRig rig="contrasting" dir="t">
+            <a:rot lat="0" lon="0" rev="1200000"/>
+          </a:lightRig>
+        </a:scene3d>
+        <a:sp3d contourW="19050" prstMaterial="metal">
+          <a:bevelT w="88900" h="203200"/>
+          <a:bevelB w="165100" h="254000"/>
+        </a:sp3d>
+      </dsp:spPr>
+      <dsp:style>
+        <a:lnRef idx="0">
+          <a:scrgbClr r="0" g="0" b="0"/>
+        </a:lnRef>
+        <a:fillRef idx="1">
+          <a:scrgbClr r="0" g="0" b="0"/>
+        </a:fillRef>
+        <a:effectRef idx="1">
+          <a:scrgbClr r="0" g="0" b="0"/>
+        </a:effectRef>
+        <a:fontRef idx="minor">
+          <a:schemeClr val="lt1"/>
+        </a:fontRef>
+      </dsp:style>
+      <dsp:txBody>
+        <a:bodyPr spcFirstLastPara="0" vert="horz" wrap="square" lIns="15240" tIns="15240" rIns="15240" bIns="15240" numCol="1" spcCol="1270" anchor="ctr" anchorCtr="0">
+          <a:noAutofit/>
+        </a:bodyPr>
+        <a:lstStyle/>
+        <a:p>
+          <a:pPr lvl="0" algn="ctr" defTabSz="1066800">
+            <a:lnSpc>
+              <a:spcPct val="90000"/>
+            </a:lnSpc>
+            <a:spcBef>
+              <a:spcPct val="0"/>
+            </a:spcBef>
+            <a:spcAft>
+              <a:spcPct val="35000"/>
+            </a:spcAft>
+          </a:pPr>
+          <a:r>
+            <a:rPr lang="ru-RU" sz="2400" b="0" u="none" kern="1200" dirty="0" smtClean="0">
+              <a:solidFill>
+                <a:sysClr val="windowText" lastClr="000000">
+                  <a:hueOff val="0"/>
+                  <a:satOff val="0"/>
+                  <a:lumOff val="0"/>
+                  <a:alphaOff val="0"/>
+                </a:sysClr>
+              </a:solidFill>
+              <a:latin typeface="Calibri" panose="020F0502020204030204"/>
+              <a:ea typeface="+mn-ea"/>
+              <a:cs typeface="+mn-cs"/>
+            </a:rPr>
+            <a:t>Исследователь может неправильно получить знания об объекте исследования</a:t>
+          </a:r>
+          <a:endParaRPr lang="ru-RU" sz="2400" b="0" u="none" kern="1200" dirty="0">
+            <a:solidFill>
+              <a:sysClr val="windowText" lastClr="000000">
+                <a:hueOff val="0"/>
+                <a:satOff val="0"/>
+                <a:lumOff val="0"/>
+                <a:alphaOff val="0"/>
+              </a:sysClr>
+            </a:solidFill>
+            <a:latin typeface="Calibri" panose="020F0502020204030204"/>
+            <a:ea typeface="+mn-ea"/>
+            <a:cs typeface="+mn-cs"/>
+          </a:endParaRPr>
+        </a:p>
+      </dsp:txBody>
+      <dsp:txXfrm>
+        <a:off x="2907651" y="1301349"/>
+        <a:ext cx="5340733" cy="987333"/>
+      </dsp:txXfrm>
+    </dsp:sp>
+    <dsp:sp modelId="{D09C9784-5368-4095-81CC-749359514A84}">
+      <dsp:nvSpPr>
+        <dsp:cNvPr id="0" name=""/>
+        <dsp:cNvSpPr/>
+      </dsp:nvSpPr>
+      <dsp:spPr>
+        <a:xfrm>
+          <a:off x="2907706" y="2867696"/>
+          <a:ext cx="5310083" cy="987333"/>
+        </a:xfrm>
+        <a:prstGeom prst="rect">
+          <a:avLst/>
+        </a:prstGeom>
+        <a:solidFill>
+          <a:sysClr val="window" lastClr="FFFFFF">
+            <a:hueOff val="0"/>
+            <a:satOff val="0"/>
+            <a:lumOff val="0"/>
+            <a:alphaOff val="0"/>
+          </a:sysClr>
+        </a:solidFill>
+        <a:ln>
+          <a:noFill/>
+        </a:ln>
+        <a:effectLst/>
+        <a:scene3d>
+          <a:camera prst="orthographicFront">
+            <a:rot lat="0" lon="0" rev="0"/>
+          </a:camera>
+          <a:lightRig rig="contrasting" dir="t">
+            <a:rot lat="0" lon="0" rev="1200000"/>
+          </a:lightRig>
+        </a:scene3d>
+        <a:sp3d contourW="19050" prstMaterial="metal">
+          <a:bevelT w="88900" h="203200"/>
+          <a:bevelB w="165100" h="254000"/>
+        </a:sp3d>
+      </dsp:spPr>
+      <dsp:style>
+        <a:lnRef idx="0">
+          <a:scrgbClr r="0" g="0" b="0"/>
+        </a:lnRef>
+        <a:fillRef idx="1">
+          <a:scrgbClr r="0" g="0" b="0"/>
+        </a:fillRef>
+        <a:effectRef idx="1">
+          <a:scrgbClr r="0" g="0" b="0"/>
+        </a:effectRef>
+        <a:fontRef idx="minor">
+          <a:schemeClr val="lt1"/>
+        </a:fontRef>
+      </dsp:style>
+      <dsp:txBody>
+        <a:bodyPr spcFirstLastPara="0" vert="horz" wrap="square" lIns="15240" tIns="15240" rIns="15240" bIns="15240" numCol="1" spcCol="1270" anchor="ctr" anchorCtr="0">
+          <a:noAutofit/>
+        </a:bodyPr>
+        <a:lstStyle/>
+        <a:p>
+          <a:pPr lvl="0" algn="ctr" defTabSz="1066800">
+            <a:lnSpc>
+              <a:spcPct val="90000"/>
+            </a:lnSpc>
+            <a:spcBef>
+              <a:spcPct val="0"/>
+            </a:spcBef>
+            <a:spcAft>
+              <a:spcPct val="35000"/>
+            </a:spcAft>
+          </a:pPr>
+          <a:r>
+            <a:rPr lang="ru-RU" sz="2400" b="0" u="none" kern="1200" dirty="0" smtClean="0">
+              <a:solidFill>
+                <a:sysClr val="windowText" lastClr="000000">
+                  <a:hueOff val="0"/>
+                  <a:satOff val="0"/>
+                  <a:lumOff val="0"/>
+                  <a:alphaOff val="0"/>
+                </a:sysClr>
+              </a:solidFill>
+              <a:latin typeface="Calibri" panose="020F0502020204030204"/>
+              <a:ea typeface="+mn-ea"/>
+              <a:cs typeface="+mn-cs"/>
+            </a:rPr>
+            <a:t>На вопрос «Как получают знания» человек отвечает исходя из своих соображений, своей модели мира</a:t>
+          </a:r>
+          <a:endParaRPr lang="ru-RU" sz="2400" b="0" u="none" kern="1200" dirty="0">
+            <a:solidFill>
+              <a:sysClr val="windowText" lastClr="000000">
+                <a:hueOff val="0"/>
+                <a:satOff val="0"/>
+                <a:lumOff val="0"/>
+                <a:alphaOff val="0"/>
+              </a:sysClr>
+            </a:solidFill>
+            <a:latin typeface="Calibri" panose="020F0502020204030204"/>
+            <a:ea typeface="+mn-ea"/>
+            <a:cs typeface="+mn-cs"/>
+          </a:endParaRPr>
+        </a:p>
+      </dsp:txBody>
+      <dsp:txXfrm>
+        <a:off x="2907706" y="2867696"/>
+        <a:ext cx="5310083" cy="987333"/>
+      </dsp:txXfrm>
+    </dsp:sp>
+  </dsp:spTree>
+</dsp:drawing>
+</file>
+
+<file path=ppt/diagrams/layout1.xml><?xml version="1.0" encoding="utf-8"?>
+<dgm:layoutDef xmlns:dgm="http://schemas.openxmlformats.org/drawingml/2006/diagram" xmlns:a="http://schemas.openxmlformats.org/drawingml/2006/main" uniqueId="urn:microsoft.com/office/officeart/2005/8/layout/orgChart1">
+  <dgm:title val=""/>
+  <dgm:desc val=""/>
+  <dgm:catLst>
+    <dgm:cat type="hierarchy" pri="1000"/>
+    <dgm:cat type="convert" pri="6000"/>
+  </dgm:catLst>
+  <dgm:sampData>
+    <dgm:dataModel>
+      <dgm:ptLst>
+        <dgm:pt modelId="0" type="doc"/>
+        <dgm:pt modelId="1">
+          <dgm:prSet phldr="1"/>
+        </dgm:pt>
+        <dgm:pt modelId="2" type="asst">
+          <dgm:prSet phldr="1"/>
+        </dgm:pt>
+        <dgm:pt modelId="3">
+          <dgm:prSet phldr="1"/>
+        </dgm:pt>
+        <dgm:pt modelId="4">
+          <dgm:prSet phldr="1"/>
+        </dgm:pt>
+        <dgm:pt modelId="5">
+          <dgm:prSet phldr="1"/>
+        </dgm:pt>
+      </dgm:ptLst>
+      <dgm:cxnLst>
+        <dgm:cxn modelId="5" srcId="0" destId="1" srcOrd="0" destOrd="0"/>
+        <dgm:cxn modelId="6" srcId="1" destId="2" srcOrd="0" destOrd="0"/>
+        <dgm:cxn modelId="7" srcId="1" destId="3" srcOrd="1" destOrd="0"/>
+        <dgm:cxn modelId="8" srcId="1" destId="4" srcOrd="2" destOrd="0"/>
+        <dgm:cxn modelId="9" srcId="1" destId="5" srcOrd="3" destOrd="0"/>
+      </dgm:cxnLst>
+      <dgm:bg/>
+      <dgm:whole/>
+    </dgm:dataModel>
+  </dgm:sampData>
+  <dgm:styleData>
+    <dgm:dataModel>
+      <dgm:ptLst>
+        <dgm:pt modelId="0" type="doc"/>
+        <dgm:pt modelId="1"/>
+        <dgm:pt modelId="12"/>
+        <dgm:pt modelId="13"/>
+      </dgm:ptLst>
+      <dgm:cxnLst>
+        <dgm:cxn modelId="2" srcId="0" destId="1" srcOrd="0" destOrd="0"/>
+        <dgm:cxn modelId="16" srcId="1" destId="12" srcOrd="1" destOrd="0"/>
+        <dgm:cxn modelId="17" srcId="1" destId="13" srcOrd="2" destOrd="0"/>
+      </dgm:cxnLst>
+      <dgm:bg/>
+      <dgm:whole/>
+    </dgm:dataModel>
+  </dgm:styleData>
+  <dgm:clrData>
+    <dgm:dataModel>
+      <dgm:ptLst>
+        <dgm:pt modelId="0" type="doc"/>
+        <dgm:pt modelId="1"/>
+        <dgm:pt modelId="11" type="asst"/>
+        <dgm:pt modelId="12"/>
+        <dgm:pt modelId="13"/>
+        <dgm:pt modelId="14"/>
+      </dgm:ptLst>
+      <dgm:cxnLst>
+        <dgm:cxn modelId="2" srcId="0" destId="1" srcOrd="0" destOrd="0"/>
+        <dgm:cxn modelId="15" srcId="1" destId="11" srcOrd="0" destOrd="0"/>
+        <dgm:cxn modelId="16" srcId="1" destId="12" srcOrd="1" destOrd="0"/>
+        <dgm:cxn modelId="17" srcId="1" destId="13" srcOrd="2" destOrd="0"/>
+        <dgm:cxn modelId="18" srcId="1" destId="14" srcOrd="2" destOrd="0"/>
+      </dgm:cxnLst>
+      <dgm:bg/>
+      <dgm:whole/>
+    </dgm:dataModel>
+  </dgm:clrData>
+  <dgm:layoutNode name="hierChild1">
+    <dgm:varLst>
+      <dgm:orgChart val="1"/>
+      <dgm:chPref val="1"/>
+      <dgm:dir/>
+      <dgm:animOne val="branch"/>
+      <dgm:animLvl val="lvl"/>
+      <dgm:resizeHandles/>
+    </dgm:varLst>
+    <dgm:choose name="Name0">
+      <dgm:if name="Name1" func="var" arg="dir" op="equ" val="norm">
+        <dgm:alg type="hierChild">
+          <dgm:param type="linDir" val="fromL"/>
+        </dgm:alg>
+      </dgm:if>
+      <dgm:else name="Name2">
+        <dgm:alg type="hierChild">
+          <dgm:param type="linDir" val="fromR"/>
+        </dgm:alg>
+      </dgm:else>
+    </dgm:choose>
+    <dgm:shape xmlns:r="http://schemas.openxmlformats.org/officeDocument/2006/relationships" r:blip="">
+      <dgm:adjLst/>
+    </dgm:shape>
+    <dgm:presOf/>
+    <dgm:constrLst>
+      <dgm:constr type="w" for="des" forName="rootComposite1" refType="w" fact="10"/>
+      <dgm:constr type="h" for="des" forName="rootComposite1" refType="w" refFor="des" refForName="rootComposite1" fact="0.5"/>
+      <dgm:constr type="w" for="des" forName="rootComposite" refType="w" fact="10"/>
+      <dgm:constr type="h" for="des" forName="rootComposite" refType="w" refFor="des" refForName="rootComposite1" fact="0.5"/>
+      <dgm:constr type="w" for="des" forName="rootComposite3" refType="w" fact="10"/>
+      <dgm:constr type="h" for="des" forName="rootComposite3" refType="w" refFor="des" refForName="rootComposite1" fact="0.5"/>
+      <dgm:constr type="primFontSz" for="des" ptType="node" op="equ"/>
+      <dgm:constr type="sp" for="des" op="equ"/>
+      <dgm:constr type="sp" for="des" forName="hierRoot1" refType="w" refFor="des" refForName="rootComposite1" fact="0.21"/>
+      <dgm:constr type="sp" for="des" forName="hierRoot2" refType="sp" refFor="des" refForName="hierRoot1"/>
+      <dgm:constr type="sp" for="des" forName="hierRoot3" refType="sp" refFor="des" refForName="hierRoot1"/>
+      <dgm:constr type="sibSp" refType="w" refFor="des" refForName="rootComposite1" fact="0.21"/>
+      <dgm:constr type="sibSp" for="des" forName="hierChild2" refType="sibSp"/>
+      <dgm:constr type="sibSp" for="des" forName="hierChild3" refType="sibSp"/>
+      <dgm:constr type="sibSp" for="des" forName="hierChild4" refType="sibSp"/>
+      <dgm:constr type="sibSp" for="des" forName="hierChild5" refType="sibSp"/>
+      <dgm:constr type="sibSp" for="des" forName="hierChild6" refType="sibSp"/>
+      <dgm:constr type="sibSp" for="des" forName="hierChild7" refType="sibSp"/>
+      <dgm:constr type="secSibSp" refType="w" refFor="des" refForName="rootComposite1" fact="0.21"/>
+      <dgm:constr type="secSibSp" for="des" forName="hierChild2" refType="secSibSp"/>
+      <dgm:constr type="secSibSp" for="des" forName="hierChild3" refType="secSibSp"/>
+      <dgm:constr type="secSibSp" for="des" forName="hierChild4" refType="secSibSp"/>
+      <dgm:constr type="secSibSp" for="des" forName="hierChild5" refType="secSibSp"/>
+      <dgm:constr type="secSibSp" for="des" forName="hierChild6" refType="secSibSp"/>
+      <dgm:constr type="secSibSp" for="des" forName="hierChild7" refType="secSibSp"/>
+    </dgm:constrLst>
+    <dgm:ruleLst/>
+    <dgm:forEach name="Name3" axis="ch">
+      <dgm:forEach name="Name4" axis="self" ptType="node">
+        <dgm:layoutNode name="hierRoot1">
+          <dgm:varLst>
+            <dgm:hierBranch val="init"/>
+          </dgm:varLst>
+          <dgm:choose name="Name5">
+            <dgm:if name="Name6" func="var" arg="hierBranch" op="equ" val="l">
+              <dgm:choose name="Name7">
+                <dgm:if name="Name8" axis="ch" ptType="asst" func="cnt" op="gte" val="1">
+                  <dgm:alg type="hierRoot">
+                    <dgm:param type="hierAlign" val="tR"/>
+                  </dgm:alg>
+                  <dgm:constrLst>
+                    <dgm:constr type="alignOff" val="0.65"/>
+                  </dgm:constrLst>
+                </dgm:if>
+                <dgm:else name="Name9">
+                  <dgm:alg type="hierRoot">
+                    <dgm:param type="hierAlign" val="tR"/>
+                  </dgm:alg>
+                  <dgm:constrLst>
+                    <dgm:constr type="alignOff" val="0.25"/>
+                  </dgm:constrLst>
+                </dgm:else>
+              </dgm:choose>
+            </dgm:if>
+            <dgm:if name="Name10" func="var" arg="hierBranch" op="equ" val="r">
+              <dgm:choose name="Name11">
+                <dgm:if name="Name12" axis="ch" ptType="asst" func="cnt" op="gte" val="1">
+                  <dgm:alg type="hierRoot">
+                    <dgm:param type="hierAlign" val="tL"/>
+                  </dgm:alg>
+                  <dgm:constrLst>
+                    <dgm:constr type="alignOff" val="0.65"/>
+                  </dgm:constrLst>
+                </dgm:if>
+                <dgm:else name="Name13">
+                  <dgm:alg type="hierRoot">
+                    <dgm:param type="hierAlign" val="tL"/>
+                  </dgm:alg>
+                  <dgm:constrLst>
+                    <dgm:constr type="alignOff" val="0.25"/>
+                  </dgm:constrLst>
+                </dgm:else>
+              </dgm:choose>
+            </dgm:if>
+            <dgm:if name="Name14" func="var" arg="hierBranch" op="equ" val="hang">
+              <dgm:alg type="hierRoot"/>
+              <dgm:constrLst>
+                <dgm:constr type="alignOff" val="0.65"/>
+              </dgm:constrLst>
+            </dgm:if>
+            <dgm:else name="Name15">
+              <dgm:alg type="hierRoot"/>
+              <dgm:constrLst>
+                <dgm:constr type="alignOff"/>
+                <dgm:constr type="bendDist" for="des" ptType="parTrans" refType="sp" fact="0.5"/>
+              </dgm:constrLst>
+            </dgm:else>
+          </dgm:choose>
+          <dgm:shape xmlns:r="http://schemas.openxmlformats.org/officeDocument/2006/relationships" r:blip="">
+            <dgm:adjLst/>
+          </dgm:shape>
+          <dgm:presOf/>
+          <dgm:ruleLst/>
+          <dgm:layoutNode name="rootComposite1">
+            <dgm:alg type="composite"/>
+            <dgm:shape xmlns:r="http://schemas.openxmlformats.org/officeDocument/2006/relationships" r:blip="">
+              <dgm:adjLst/>
+            </dgm:shape>
+            <dgm:presOf axis="self" ptType="node" cnt="1"/>
+            <dgm:choose name="Name16">
+              <dgm:if name="Name17" func="var" arg="hierBranch" op="equ" val="init">
+                <dgm:constrLst>
+                  <dgm:constr type="l" for="ch" forName="rootText1"/>
+                  <dgm:constr type="t" for="ch" forName="rootText1"/>
+                  <dgm:constr type="w" for="ch" forName="rootText1" refType="w"/>
+                  <dgm:constr type="h" for="ch" forName="rootText1" refType="h"/>
+                  <dgm:constr type="l" for="ch" forName="rootConnector1"/>
+                  <dgm:constr type="t" for="ch" forName="rootConnector1"/>
+                  <dgm:constr type="w" for="ch" forName="rootConnector1" refType="w" refFor="ch" refForName="rootText1" fact="0.2"/>
+                  <dgm:constr type="h" for="ch" forName="rootConnector1" refType="h" refFor="ch" refForName="rootText1"/>
+                </dgm:constrLst>
+              </dgm:if>
+              <dgm:if name="Name18" func="var" arg="hierBranch" op="equ" val="l">
+                <dgm:constrLst>
+                  <dgm:constr type="l" for="ch" forName="rootText1"/>
+                  <dgm:constr type="t" for="ch" forName="rootText1"/>
+                  <dgm:constr type="w" for="ch" forName="rootText1" refType="w"/>
+                  <dgm:constr type="h" for="ch" forName="rootText1" refType="h"/>
+                  <dgm:constr type="r" for="ch" forName="rootConnector1" refType="w"/>
+                  <dgm:constr type="t" for="ch" forName="rootConnector1"/>
+                  <dgm:constr type="w" for="ch" forName="rootConnector1" refType="w" refFor="ch" refForName="rootText1" fact="0.2"/>
+                  <dgm:constr type="h" for="ch" forName="rootConnector1" refType="h" refFor="ch" refForName="rootText1"/>
+                </dgm:constrLst>
+              </dgm:if>
+              <dgm:if name="Name19" func="var" arg="hierBranch" op="equ" val="r">
+                <dgm:constrLst>
+                  <dgm:constr type="l" for="ch" forName="rootText1"/>
+                  <dgm:constr type="t" for="ch" forName="rootText1"/>
+                  <dgm:constr type="w" for="ch" forName="rootText1" refType="w"/>
+                  <dgm:constr type="h" for="ch" forName="rootText1" refType="h"/>
+                  <dgm:constr type="l" for="ch" forName="rootConnector1"/>
+                  <dgm:constr type="t" for="ch" forName="rootConnector1"/>
+                  <dgm:constr type="w" for="ch" forName="rootConnector1" refType="w" refFor="ch" refForName="rootText1" fact="0.2"/>
+                  <dgm:constr type="h" for="ch" forName="rootConnector1" refType="h" refFor="ch" refForName="rootText1"/>
+                </dgm:constrLst>
+              </dgm:if>
+              <dgm:else name="Name20">
+                <dgm:constrLst>
+                  <dgm:constr type="l" for="ch" forName="rootText1"/>
+                  <dgm:constr type="t" for="ch" forName="rootText1"/>
+                  <dgm:constr type="w" for="ch" forName="rootText1" refType="w"/>
+                  <dgm:constr type="h" for="ch" forName="rootText1" refType="h"/>
+                  <dgm:constr type="r" for="ch" forName="rootConnector1" refType="w"/>
+                  <dgm:constr type="t" for="ch" forName="rootConnector1"/>
+                  <dgm:constr type="w" for="ch" forName="rootConnector1" refType="w" refFor="ch" refForName="rootText1" fact="0.2"/>
+                  <dgm:constr type="h" for="ch" forName="rootConnector1" refType="h" refFor="ch" refForName="rootText1"/>
+                </dgm:constrLst>
+              </dgm:else>
+            </dgm:choose>
+            <dgm:ruleLst/>
+            <dgm:layoutNode name="rootText1" styleLbl="node0">
+              <dgm:varLst>
+                <dgm:chPref val="3"/>
+              </dgm:varLst>
+              <dgm:alg type="tx"/>
+              <dgm:shape xmlns:r="http://schemas.openxmlformats.org/officeDocument/2006/relationships" type="rect" r:blip="">
+                <dgm:adjLst/>
+              </dgm:shape>
+              <dgm:presOf axis="self" ptType="node" cnt="1"/>
+              <dgm:constrLst>
+                <dgm:constr type="primFontSz" val="65"/>
+                <dgm:constr type="lMarg" refType="primFontSz" fact="0.05"/>
+                <dgm:constr type="rMarg" refType="primFontSz" fact="0.05"/>
+                <dgm:constr type="tMarg" refType="primFontSz" fact="0.05"/>
+                <dgm:constr type="bMarg" refType="primFontSz" fact="0.05"/>
+              </dgm:constrLst>
+              <dgm:ruleLst>
+                <dgm:rule type="primFontSz" val="5" fact="NaN" max="NaN"/>
+              </dgm:ruleLst>
+            </dgm:layoutNode>
+            <dgm:layoutNode name="rootConnector1" moveWith="rootText1">
+              <dgm:alg type="sp"/>
+              <dgm:shape xmlns:r="http://schemas.openxmlformats.org/officeDocument/2006/relationships" type="rect" r:blip="" hideGeom="1">
+                <dgm:adjLst/>
+              </dgm:shape>
+              <dgm:presOf axis="self" ptType="node" cnt="1"/>
+              <dgm:constrLst/>
+              <dgm:ruleLst/>
+            </dgm:layoutNode>
+          </dgm:layoutNode>
+          <dgm:layoutNode name="hierChild2">
+            <dgm:choose name="Name21">
+              <dgm:if name="Name22" func="var" arg="hierBranch" op="equ" val="l">
+                <dgm:alg type="hierChild">
+                  <dgm:param type="chAlign" val="r"/>
+                  <dgm:param type="linDir" val="fromT"/>
+                </dgm:alg>
+              </dgm:if>
+              <dgm:if name="Name23" func="var" arg="hierBranch" op="equ" val="r">
+                <dgm:alg type="hierChild">
+                  <dgm:param type="chAlign" val="l"/>
+                  <dgm:param type="linDir" val="fromT"/>
+                </dgm:alg>
+              </dgm:if>
+              <dgm:if name="Name24" func="var" arg="hierBranch" op="equ" val="hang">
+                <dgm:choose name="Name25">
+                  <dgm:if name="Name26" func="var" arg="dir" op="equ" val="norm">
+                    <dgm:alg type="hierChild">
+                      <dgm:param type="chAlign" val="l"/>
+                      <dgm:param type="linDir" val="fromL"/>
+                      <dgm:param type="secChAlign" val="t"/>
+                      <dgm:param type="secLinDir" val="fromT"/>
+                    </dgm:alg>
+                  </dgm:if>
+                  <dgm:else name="Name27">
+                    <dgm:alg type="hierChild">
+                      <dgm:param type="chAlign" val="l"/>
+                      <dgm:param type="linDir" val="fromR"/>
+                      <dgm:param type="secChAlign" val="t"/>
+                      <dgm:param type="secLinDir" val="fromT"/>
+                    </dgm:alg>
+                  </dgm:else>
+                </dgm:choose>
+              </dgm:if>
+              <dgm:else name="Name28">
+                <dgm:choose name="Name29">
+                  <dgm:if name="Name30" func="var" arg="dir" op="equ" val="norm">
+                    <dgm:alg type="hierChild"/>
+                  </dgm:if>
+                  <dgm:else name="Name31">
+                    <dgm:alg type="hierChild">
+                      <dgm:param type="linDir" val="fromR"/>
+                    </dgm:alg>
+                  </dgm:else>
+                </dgm:choose>
+              </dgm:else>
+            </dgm:choose>
+            <dgm:shape xmlns:r="http://schemas.openxmlformats.org/officeDocument/2006/relationships" r:blip="">
+              <dgm:adjLst/>
+            </dgm:shape>
+            <dgm:presOf/>
+            <dgm:constrLst/>
+            <dgm:ruleLst/>
+            <dgm:forEach name="rep2a" axis="ch" ptType="nonAsst">
+              <dgm:forEach name="Name32" axis="precedSib" ptType="parTrans" st="-1" cnt="1">
+                <dgm:choose name="Name33">
+                  <dgm:if name="Name34" func="var" arg="hierBranch" op="equ" val="std">
+                    <dgm:layoutNode name="Name35">
+                      <dgm:alg type="conn">
+                        <dgm:param type="connRout" val="bend"/>
+                        <dgm:param type="dim" val="1D"/>
+                        <dgm:param type="endSty" val="noArr"/>
+                        <dgm:param type="begPts" val="bCtr"/>
+                        <dgm:param type="endPts" val="tCtr"/>
+                        <dgm:param type="bendPt" val="end"/>
+                      </dgm:alg>
+                      <dgm:shape xmlns:r="http://schemas.openxmlformats.org/officeDocument/2006/relationships" type="conn" r:blip="" zOrderOff="-99999">
+                        <dgm:adjLst/>
+                      </dgm:shape>
+                      <dgm:presOf axis="self"/>
+                      <dgm:constrLst>
+                        <dgm:constr type="begPad"/>
+                        <dgm:constr type="endPad"/>
+                      </dgm:constrLst>
+                      <dgm:ruleLst/>
+                    </dgm:layoutNode>
+                  </dgm:if>
+                  <dgm:if name="Name36" func="var" arg="hierBranch" op="equ" val="init">
+                    <dgm:layoutNode name="Name37">
+                      <dgm:choose name="Name38">
+                        <dgm:if name="Name39" axis="self" func="depth" op="lte" val="2">
+                          <dgm:alg type="conn">
+                            <dgm:param type="connRout" val="bend"/>
+                            <dgm:param type="dim" val="1D"/>
+                            <dgm:param type="endSty" val="noArr"/>
+                            <dgm:param type="begPts" val="bCtr"/>
+                            <dgm:param type="endPts" val="tCtr"/>
+                            <dgm:param type="bendPt" val="end"/>
+                          </dgm:alg>
+                        </dgm:if>
+                        <dgm:else name="Name40">
+                          <dgm:choose name="Name41">
+                            <dgm:if name="Name42" axis="par des" func="maxDepth" op="lte" val="1">
+                              <dgm:choose name="Name43">
+                                <dgm:if name="Name44" axis="par ch" ptType="node asst" func="cnt" op="gte" val="1">
+                                  <dgm:alg type="conn">
+                                    <dgm:param type="connRout" val="bend"/>
+                                    <dgm:param type="dim" val="1D"/>
+                                    <dgm:param type="endSty" val="noArr"/>
+                                    <dgm:param type="begPts" val="bCtr"/>
+                                    <dgm:param type="endPts" val="midL midR"/>
+                                  </dgm:alg>
+                                </dgm:if>
+                                <dgm:else name="Name45">
+                                  <dgm:alg type="conn">
+                                    <dgm:param type="connRout" val="bend"/>
+                                    <dgm:param type="dim" val="1D"/>
+                                    <dgm:param type="endSty" val="noArr"/>
+                                    <dgm:param type="begPts" val="bCtr"/>
+                                    <dgm:param type="endPts" val="midL midR"/>
+                                    <dgm:param type="srcNode" val="rootConnector"/>
+                                  </dgm:alg>
+                                </dgm:else>
+                              </dgm:choose>
+                            </dgm:if>
+                            <dgm:else name="Name46">
+                              <dgm:alg type="conn">
+                                <dgm:param type="connRout" val="bend"/>
+                                <dgm:param type="dim" val="1D"/>
+                                <dgm:param type="endSty" val="noArr"/>
+                                <dgm:param type="begPts" val="bCtr"/>
+                                <dgm:param type="endPts" val="tCtr"/>
+                                <dgm:param type="bendPt" val="end"/>
+                              </dgm:alg>
+                            </dgm:else>
+                          </dgm:choose>
+                        </dgm:else>
+                      </dgm:choose>
+                      <dgm:shape xmlns:r="http://schemas.openxmlformats.org/officeDocument/2006/relationships" type="conn" r:blip="" zOrderOff="-99999">
+                        <dgm:adjLst/>
+                      </dgm:shape>
+                      <dgm:presOf axis="self"/>
+                      <dgm:constrLst>
+                        <dgm:constr type="begPad"/>
+                        <dgm:constr type="endPad"/>
+                      </dgm:constrLst>
+                      <dgm:ruleLst/>
+                    </dgm:layoutNode>
+                  </dgm:if>
+                  <dgm:if name="Name47" func="var" arg="hierBranch" op="equ" val="hang">
+                    <dgm:layoutNode name="Name48">
+                      <dgm:alg type="conn">
+                        <dgm:param type="connRout" val="bend"/>
+                        <dgm:param type="dim" val="1D"/>
+                        <dgm:param type="endSty" val="noArr"/>
+                        <dgm:param type="begPts" val="bCtr"/>
+                        <dgm:param type="endPts" val="midL midR"/>
+                      </dgm:alg>
+                      <dgm:shape xmlns:r="http://schemas.openxmlformats.org/officeDocument/2006/relationships" type="conn" r:blip="" zOrderOff="-99999">
+                        <dgm:adjLst/>
+                      </dgm:shape>
+                      <dgm:presOf axis="self"/>
+                      <dgm:constrLst>
+                        <dgm:constr type="begPad"/>
+                        <dgm:constr type="endPad"/>
+                      </dgm:constrLst>
+                      <dgm:ruleLst/>
+                    </dgm:layoutNode>
+                  </dgm:if>
+                  <dgm:else name="Name49">
+                    <dgm:layoutNode name="Name50">
+                      <dgm:choose name="Name51">
+                        <dgm:if name="Name52" axis="self" func="depth" op="lte" val="2">
+                          <dgm:choose name="Name53">
+                            <dgm:if name="Name54" axis="par ch" ptType="node asst" func="cnt" op="gte" val="1">
+                              <dgm:alg type="conn">
+                                <dgm:param type="connRout" val="bend"/>
+                                <dgm:param type="dim" val="1D"/>
+                                <dgm:param type="endSty" val="noArr"/>
+                                <dgm:param type="begPts" val="bCtr"/>
+                                <dgm:param type="endPts" val="midL midR"/>
+                              </dgm:alg>
+                            </dgm:if>
+                            <dgm:else name="Name55">
+                              <dgm:alg type="conn">
+                                <dgm:param type="connRout" val="bend"/>
+                                <dgm:param type="dim" val="1D"/>
+                                <dgm:param type="endSty" val="noArr"/>
+                                <dgm:param type="begPts" val="bCtr"/>
+                                <dgm:param type="endPts" val="midL midR"/>
+                                <dgm:param type="srcNode" val="rootConnector1"/>
+                              </dgm:alg>
+                            </dgm:else>
+                          </dgm:choose>
+                        </dgm:if>
+                        <dgm:else name="Name56">
+                          <dgm:choose name="Name57">
+                            <dgm:if name="Name58" axis="par ch" ptType="node asst" func="cnt" op="gte" val="1">
+                              <dgm:alg type="conn">
+                                <dgm:param type="connRout" val="bend"/>
+                                <dgm:param type="dim" val="1D"/>
+                                <dgm:param type="endSty" val="noArr"/>
+                                <dgm:param type="begPts" val="bCtr"/>
+                                <dgm:param type="endPts" val="midL midR"/>
+                              </dgm:alg>
+                            </dgm:if>
+                            <dgm:else name="Name59">
+                              <dgm:alg type="conn">
+                                <dgm:param type="connRout" val="bend"/>
+                                <dgm:param type="dim" val="1D"/>
+                                <dgm:param type="endSty" val="noArr"/>
+                                <dgm:param type="begPts" val="bCtr"/>
+                                <dgm:param type="endPts" val="midL midR"/>
+                                <dgm:param type="srcNode" val="rootConnector"/>
+                              </dgm:alg>
+                            </dgm:else>
+                          </dgm:choose>
+                        </dgm:else>
+                      </dgm:choose>
+                      <dgm:shape xmlns:r="http://schemas.openxmlformats.org/officeDocument/2006/relationships" type="conn" r:blip="" zOrderOff="-99999">
+                        <dgm:adjLst/>
+                      </dgm:shape>
+                      <dgm:presOf axis="self"/>
+                      <dgm:constrLst>
+                        <dgm:constr type="begPad"/>
+                        <dgm:constr type="endPad"/>
+                      </dgm:constrLst>
+                      <dgm:ruleLst/>
+                    </dgm:layoutNode>
+                  </dgm:else>
+                </dgm:choose>
+              </dgm:forEach>
+              <dgm:layoutNode name="hierRoot2">
+                <dgm:varLst>
+                  <dgm:hierBranch val="init"/>
+                </dgm:varLst>
+                <dgm:choose name="Name60">
+                  <dgm:if name="Name61" func="var" arg="hierBranch" op="equ" val="l">
+                    <dgm:choose name="Name62">
+                      <dgm:if name="Name63" axis="ch" ptType="asst" func="cnt" op="gte" val="1">
+                        <dgm:alg type="hierRoot">
+                          <dgm:param type="hierAlign" val="tR"/>
+                        </dgm:alg>
+                        <dgm:shape xmlns:r="http://schemas.openxmlformats.org/officeDocument/2006/relationships" r:blip="">
+                          <dgm:adjLst/>
+                        </dgm:shape>
+                        <dgm:presOf/>
+                        <dgm:constrLst>
+                          <dgm:constr type="alignOff" val="0.65"/>
+                        </dgm:constrLst>
+                      </dgm:if>
+                      <dgm:else name="Name64">
+                        <dgm:alg type="hierRoot">
+                          <dgm:param type="hierAlign" val="tR"/>
+                        </dgm:alg>
+                        <dgm:shape xmlns:r="http://schemas.openxmlformats.org/officeDocument/2006/relationships" r:blip="">
+                          <dgm:adjLst/>
+                        </dgm:shape>
+                        <dgm:presOf/>
+                        <dgm:constrLst>
+                          <dgm:constr type="alignOff" val="0.25"/>
+                        </dgm:constrLst>
+                      </dgm:else>
+                    </dgm:choose>
+                  </dgm:if>
+                  <dgm:if name="Name65" func="var" arg="hierBranch" op="equ" val="r">
+                    <dgm:choose name="Name66">
+                      <dgm:if name="Name67" axis="ch" ptType="asst" func="cnt" op="gte" val="1">
+                        <dgm:alg type="hierRoot">
+                          <dgm:param type="hierAlign" val="tL"/>
+                        </dgm:alg>
+                        <dgm:shape xmlns:r="http://schemas.openxmlformats.org/officeDocument/2006/relationships" r:blip="">
+                          <dgm:adjLst/>
+                        </dgm:shape>
+                        <dgm:presOf/>
+                        <dgm:constrLst>
+                          <dgm:constr type="alignOff" val="0.65"/>
+                        </dgm:constrLst>
+                      </dgm:if>
+                      <dgm:else name="Name68">
+                        <dgm:alg type="hierRoot">
+                          <dgm:param type="hierAlign" val="tL"/>
+                        </dgm:alg>
+                        <dgm:shape xmlns:r="http://schemas.openxmlformats.org/officeDocument/2006/relationships" r:blip="">
+                          <dgm:adjLst/>
+                        </dgm:shape>
+                        <dgm:presOf/>
+                        <dgm:constrLst>
+                          <dgm:constr type="alignOff" val="0.25"/>
+                        </dgm:constrLst>
+                      </dgm:else>
+                    </dgm:choose>
+                  </dgm:if>
+                  <dgm:if name="Name69" func="var" arg="hierBranch" op="equ" val="std">
+                    <dgm:alg type="hierRoot"/>
+                    <dgm:shape xmlns:r="http://schemas.openxmlformats.org/officeDocument/2006/relationships" r:blip="">
+                      <dgm:adjLst/>
+                    </dgm:shape>
+                    <dgm:presOf/>
+                    <dgm:constrLst>
+                      <dgm:constr type="alignOff"/>
+                      <dgm:constr type="bendDist" for="des" ptType="parTrans" refType="sp" fact="0.5"/>
+                    </dgm:constrLst>
+                  </dgm:if>
+                  <dgm:if name="Name70" func="var" arg="hierBranch" op="equ" val="init">
+                    <dgm:choose name="Name71">
+                      <dgm:if name="Name72" axis="des" func="maxDepth" op="lte" val="1">
+                        <dgm:choose name="Name73">
+                          <dgm:if name="Name74" axis="ch" ptType="asst" func="cnt" op="gte" val="1">
+                            <dgm:alg type="hierRoot">
+                              <dgm:param type="hierAlign" val="tL"/>
+                            </dgm:alg>
+                            <dgm:shape xmlns:r="http://schemas.openxmlformats.org/officeDocument/2006/relationships" r:blip="">
+                              <dgm:adjLst/>
+                            </dgm:shape>
+                            <dgm:presOf/>
+                            <dgm:constrLst>
+                              <dgm:constr type="alignOff" val="0.65"/>
+                            </dgm:constrLst>
+                          </dgm:if>
+                          <dgm:else name="Name75">
+                            <dgm:alg type="hierRoot">
+                              <dgm:param type="hierAlign" val="tL"/>
+                            </dgm:alg>
+                            <dgm:shape xmlns:r="http://schemas.openxmlformats.org/officeDocument/2006/relationships" r:blip="">
+                              <dgm:adjLst/>
+                            </dgm:shape>
+                            <dgm:presOf/>
+                            <dgm:constrLst>
+                              <dgm:constr type="alignOff" val="0.25"/>
+                            </dgm:constrLst>
+                          </dgm:else>
+                        </dgm:choose>
+                      </dgm:if>
+                      <dgm:else name="Name76">
+                        <dgm:alg type="hierRoot"/>
+                        <dgm:shape xmlns:r="http://schemas.openxmlformats.org/officeDocument/2006/relationships" r:blip="">
+                          <dgm:adjLst/>
+                        </dgm:shape>
+                        <dgm:presOf/>
+                        <dgm:constrLst>
+                          <dgm:constr type="alignOff"/>
+                          <dgm:constr type="bendDist" for="des" ptType="parTrans" refType="sp" fact="0.5"/>
+                        </dgm:constrLst>
+                      </dgm:else>
+                    </dgm:choose>
+                  </dgm:if>
+                  <dgm:else name="Name77">
+                    <dgm:alg type="hierRoot"/>
+                    <dgm:shape xmlns:r="http://schemas.openxmlformats.org/officeDocument/2006/relationships" r:blip="">
+                      <dgm:adjLst/>
+                    </dgm:shape>
+                    <dgm:presOf/>
+                    <dgm:constrLst>
+                      <dgm:constr type="alignOff" val="0.65"/>
+                    </dgm:constrLst>
+                  </dgm:else>
+                </dgm:choose>
+                <dgm:ruleLst/>
+                <dgm:layoutNode name="rootComposite">
+                  <dgm:alg type="composite"/>
+                  <dgm:shape xmlns:r="http://schemas.openxmlformats.org/officeDocument/2006/relationships" r:blip="">
+                    <dgm:adjLst/>
+                  </dgm:shape>
+                  <dgm:presOf axis="self" ptType="node" cnt="1"/>
+                  <dgm:choose name="Name78">
+                    <dgm:if name="Name79" func="var" arg="hierBranch" op="equ" val="init">
+                      <dgm:constrLst>
+                        <dgm:constr type="l" for="ch" forName="rootText"/>
+                        <dgm:constr type="t" for="ch" forName="rootText"/>
+                        <dgm:constr type="w" for="ch" forName="rootText" refType="w"/>
+                        <dgm:constr type="h" for="ch" forName="rootText" refType="h"/>
+                        <dgm:constr type="l" for="ch" forName="rootConnector"/>
+                        <dgm:constr type="t" for="ch" forName="rootConnector"/>
+                        <dgm:constr type="w" for="ch" forName="rootConnector" refType="w" refFor="ch" refForName="rootText" fact="0.2"/>
+                        <dgm:constr type="h" for="ch" forName="rootConnector" refType="h" refFor="ch" refForName="rootText"/>
+                      </dgm:constrLst>
+                    </dgm:if>
+                    <dgm:if name="Name80" func="var" arg="hierBranch" op="equ" val="l">
+                      <dgm:constrLst>
+                        <dgm:constr type="l" for="ch" forName="rootText"/>
+                        <dgm:constr type="t" for="ch" forName="rootText"/>
+                        <dgm:constr type="w" for="ch" forName="rootText" refType="w"/>
+                        <dgm:constr type="h" for="ch" forName="rootText" refType="h"/>
+                        <dgm:constr type="r" for="ch" forName="rootConnector" refType="w"/>
+                        <dgm:constr type="t" for="ch" forName="rootConnector"/>
+                        <dgm:constr type="w" for="ch" forName="rootConnector" refType="w" refFor="ch" refForName="rootText" fact="0.2"/>
+                        <dgm:constr type="h" for="ch" forName="rootConnector" refType="h" refFor="ch" refForName="rootText"/>
+                      </dgm:constrLst>
+                    </dgm:if>
+                    <dgm:if name="Name81" func="var" arg="hierBranch" op="equ" val="r">
+                      <dgm:constrLst>
+                        <dgm:constr type="l" for="ch" forName="rootText"/>
+                        <dgm:constr type="t" for="ch" forName="rootText"/>
+                        <dgm:constr type="w" for="ch" forName="rootText" refType="w"/>
+                        <dgm:constr type="h" for="ch" forName="rootText" refType="h"/>
+                        <dgm:constr type="l" for="ch" forName="rootConnector"/>
+                        <dgm:constr type="t" for="ch" forName="rootConnector"/>
+                        <dgm:constr type="w" for="ch" forName="rootConnector" refType="w" refFor="ch" refForName="rootText" fact="0.2"/>
+                        <dgm:constr type="h" for="ch" forName="rootConnector" refType="h" refFor="ch" refForName="rootText"/>
+                      </dgm:constrLst>
+                    </dgm:if>
+                    <dgm:else name="Name82">
+                      <dgm:constrLst>
+                        <dgm:constr type="l" for="ch" forName="rootText"/>
+                        <dgm:constr type="t" for="ch" forName="rootText"/>
+                        <dgm:constr type="w" for="ch" forName="rootText" refType="w"/>
+                        <dgm:constr type="h" for="ch" forName="rootText" refType="h"/>
+                        <dgm:constr type="r" for="ch" forName="rootConnector" refType="w"/>
+                        <dgm:constr type="t" for="ch" forName="rootConnector"/>
+                        <dgm:constr type="w" for="ch" forName="rootConnector" refType="w" refFor="ch" refForName="rootText" fact="0.2"/>
+                        <dgm:constr type="h" for="ch" forName="rootConnector" refType="h" refFor="ch" refForName="rootText"/>
+                      </dgm:constrLst>
+                    </dgm:else>
+                  </dgm:choose>
+                  <dgm:ruleLst/>
+                  <dgm:layoutNode name="rootText">
+                    <dgm:varLst>
+                      <dgm:chPref val="3"/>
+                    </dgm:varLst>
+                    <dgm:alg type="tx"/>
+                    <dgm:shape xmlns:r="http://schemas.openxmlformats.org/officeDocument/2006/relationships" type="rect" r:blip="">
+                      <dgm:adjLst/>
+                    </dgm:shape>
+                    <dgm:presOf axis="self" ptType="node" cnt="1"/>
+                    <dgm:constrLst>
+                      <dgm:constr type="primFontSz" val="65"/>
+                      <dgm:constr type="lMarg" refType="primFontSz" fact="0.05"/>
+                      <dgm:constr type="rMarg" refType="primFontSz" fact="0.05"/>
+                      <dgm:constr type="tMarg" refType="primFontSz" fact="0.05"/>
+                      <dgm:constr type="bMarg" refType="primFontSz" fact="0.05"/>
+                    </dgm:constrLst>
+                    <dgm:ruleLst>
+                      <dgm:rule type="primFontSz" val="5" fact="NaN" max="NaN"/>
+                    </dgm:ruleLst>
+                  </dgm:layoutNode>
+                  <dgm:layoutNode name="rootConnector" moveWith="rootText">
+                    <dgm:alg type="sp"/>
+                    <dgm:shape xmlns:r="http://schemas.openxmlformats.org/officeDocument/2006/relationships" type="rect" r:blip="" hideGeom="1">
+                      <dgm:adjLst/>
+                    </dgm:shape>
+                    <dgm:presOf axis="self" ptType="node" cnt="1"/>
+                    <dgm:constrLst/>
+                    <dgm:ruleLst/>
+                  </dgm:layoutNode>
+                </dgm:layoutNode>
+                <dgm:layoutNode name="hierChild4">
+                  <dgm:choose name="Name83">
+                    <dgm:if name="Name84" func="var" arg="hierBranch" op="equ" val="l">
+                      <dgm:alg type="hierChild">
+                        <dgm:param type="chAlign" val="r"/>
+                        <dgm:param type="linDir" val="fromT"/>
+                      </dgm:alg>
+                    </dgm:if>
+                    <dgm:if name="Name85" func="var" arg="hierBranch" op="equ" val="r">
+                      <dgm:alg type="hierChild">
+                        <dgm:param type="chAlign" val="l"/>
+                        <dgm:param type="linDir" val="fromT"/>
+                      </dgm:alg>
+                    </dgm:if>
+                    <dgm:if name="Name86" func="var" arg="hierBranch" op="equ" val="hang">
+                      <dgm:choose name="Name87">
+                        <dgm:if name="Name88" func="var" arg="dir" op="equ" val="norm">
+                          <dgm:alg type="hierChild">
+                            <dgm:param type="chAlign" val="l"/>
+                            <dgm:param type="linDir" val="fromL"/>
+                            <dgm:param type="secChAlign" val="t"/>
+                            <dgm:param type="secLinDir" val="fromT"/>
+                          </dgm:alg>
+                        </dgm:if>
+                        <dgm:else name="Name89">
+                          <dgm:alg type="hierChild">
+                            <dgm:param type="chAlign" val="l"/>
+                            <dgm:param type="linDir" val="fromR"/>
+                            <dgm:param type="secChAlign" val="t"/>
+                            <dgm:param type="secLinDir" val="fromT"/>
+                          </dgm:alg>
+                        </dgm:else>
+                      </dgm:choose>
+                    </dgm:if>
+                    <dgm:if name="Name90" func="var" arg="hierBranch" op="equ" val="std">
+                      <dgm:choose name="Name91">
+                        <dgm:if name="Name92" func="var" arg="dir" op="equ" val="norm">
+                          <dgm:alg type="hierChild"/>
+                        </dgm:if>
+                        <dgm:else name="Name93">
+                          <dgm:alg type="hierChild">
+                            <dgm:param type="linDir" val="fromR"/>
+                          </dgm:alg>
+                        </dgm:else>
+                      </dgm:choose>
+                    </dgm:if>
+                    <dgm:if name="Name94" func="var" arg="hierBranch" op="equ" val="init">
+                      <dgm:choose name="Name95">
+                        <dgm:if name="Name96" axis="des" func="maxDepth" op="lte" val="1">
+                          <dgm:alg type="hierChild">
+                            <dgm:param type="chAlign" val="l"/>
+                            <dgm:param type="linDir" val="fromT"/>
+                          </dgm:alg>
+                        </dgm:if>
+                        <dgm:else name="Name97">
+                          <dgm:choose name="Name98">
+                            <dgm:if name="Name99" func="var" arg="dir" op="equ" val="norm">
+                              <dgm:alg type="hierChild"/>
+                            </dgm:if>
+                            <dgm:else name="Name100">
+                              <dgm:alg type="hierChild">
+                                <dgm:param type="linDir" val="fromR"/>
+                              </dgm:alg>
+                            </dgm:else>
+                          </dgm:choose>
+                        </dgm:else>
+                      </dgm:choose>
+                    </dgm:if>
+                    <dgm:else name="Name101"/>
+                  </dgm:choose>
+                  <dgm:shape xmlns:r="http://schemas.openxmlformats.org/officeDocument/2006/relationships" r:blip="">
+                    <dgm:adjLst/>
+                  </dgm:shape>
+                  <dgm:presOf/>
+                  <dgm:constrLst/>
+                  <dgm:ruleLst/>
+                  <dgm:forEach name="Name102" ref="rep2a"/>
+                </dgm:layoutNode>
+                <dgm:layoutNode name="hierChild5">
+                  <dgm:choose name="Name103">
+                    <dgm:if name="Name104" func="var" arg="dir" op="equ" val="norm">
+                      <dgm:alg type="hierChild">
+                        <dgm:param type="chAlign" val="l"/>
+                        <dgm:param type="linDir" val="fromL"/>
+                        <dgm:param type="secChAlign" val="t"/>
+                        <dgm:param type="secLinDir" val="fromT"/>
+                      </dgm:alg>
+                    </dgm:if>
+                    <dgm:else name="Name105">
+                      <dgm:alg type="hierChild">
+                        <dgm:param type="chAlign" val="l"/>
+                        <dgm:param type="linDir" val="fromR"/>
+                        <dgm:param type="secChAlign" val="t"/>
+                        <dgm:param type="secLinDir" val="fromT"/>
+                      </dgm:alg>
+                    </dgm:else>
+                  </dgm:choose>
+                  <dgm:shape xmlns:r="http://schemas.openxmlformats.org/officeDocument/2006/relationships" r:blip="">
+                    <dgm:adjLst/>
+                  </dgm:shape>
+                  <dgm:presOf/>
+                  <dgm:constrLst/>
+                  <dgm:ruleLst/>
+                  <dgm:forEach name="Name106" ref="rep2b"/>
+                </dgm:layoutNode>
+              </dgm:layoutNode>
+            </dgm:forEach>
+          </dgm:layoutNode>
+          <dgm:layoutNode name="hierChild3">
+            <dgm:choose name="Name107">
+              <dgm:if name="Name108" func="var" arg="dir" op="equ" val="norm">
+                <dgm:alg type="hierChild">
+                  <dgm:param type="chAlign" val="l"/>
+                  <dgm:param type="linDir" val="fromL"/>
+                  <dgm:param type="secChAlign" val="t"/>
+                  <dgm:param type="secLinDir" val="fromT"/>
+                </dgm:alg>
+              </dgm:if>
+              <dgm:else name="Name109">
+                <dgm:alg type="hierChild">
+                  <dgm:param type="chAlign" val="l"/>
+                  <dgm:param type="linDir" val="fromR"/>
+                  <dgm:param type="secChAlign" val="t"/>
+                  <dgm:param type="secLinDir" val="fromT"/>
+                </dgm:alg>
+              </dgm:else>
+            </dgm:choose>
+            <dgm:shape xmlns:r="http://schemas.openxmlformats.org/officeDocument/2006/relationships" r:blip="">
+              <dgm:adjLst/>
+            </dgm:shape>
+            <dgm:presOf/>
+            <dgm:constrLst/>
+            <dgm:ruleLst/>
+            <dgm:forEach name="rep2b" axis="ch" ptType="asst">
+              <dgm:forEach name="Name110" axis="precedSib" ptType="parTrans" st="-1" cnt="1">
+                <dgm:layoutNode name="Name111">
+                  <dgm:alg type="conn">
+                    <dgm:param type="connRout" val="bend"/>
+                    <dgm:param type="dim" val="1D"/>
+                    <dgm:param type="endSty" val="noArr"/>
+                    <dgm:param type="begPts" val="bCtr"/>
+                    <dgm:param type="endPts" val="midL midR"/>
+                  </dgm:alg>
+                  <dgm:shape xmlns:r="http://schemas.openxmlformats.org/officeDocument/2006/relationships" type="conn" r:blip="" zOrderOff="-99999">
+                    <dgm:adjLst/>
+                  </dgm:shape>
+                  <dgm:presOf axis="self"/>
+                  <dgm:constrLst>
+                    <dgm:constr type="begPad"/>
+                    <dgm:constr type="endPad"/>
+                  </dgm:constrLst>
+                  <dgm:ruleLst/>
+                </dgm:layoutNode>
+              </dgm:forEach>
+              <dgm:layoutNode name="hierRoot3">
+                <dgm:varLst>
+                  <dgm:hierBranch val="init"/>
+                </dgm:varLst>
+                <dgm:choose name="Name112">
+                  <dgm:if name="Name113" func="var" arg="hierBranch" op="equ" val="l">
+                    <dgm:alg type="hierRoot">
+                      <dgm:param type="hierAlign" val="tR"/>
+                    </dgm:alg>
+                    <dgm:shape xmlns:r="http://schemas.openxmlformats.org/officeDocument/2006/relationships" r:blip="">
+                      <dgm:adjLst/>
+                    </dgm:shape>
+                    <dgm:presOf/>
+                    <dgm:constrLst>
+                      <dgm:constr type="alignOff" val="0.65"/>
+                    </dgm:constrLst>
+                  </dgm:if>
+                  <dgm:if name="Name114" func="var" arg="hierBranch" op="equ" val="r">
+                    <dgm:alg type="hierRoot">
+                      <dgm:param type="hierAlign" val="tL"/>
+                    </dgm:alg>
+                    <dgm:shape xmlns:r="http://schemas.openxmlformats.org/officeDocument/2006/relationships" r:blip="">
+                      <dgm:adjLst/>
+                    </dgm:shape>
+                    <dgm:presOf/>
+                    <dgm:constrLst>
+                      <dgm:constr type="alignOff" val="0.65"/>
+                    </dgm:constrLst>
+                  </dgm:if>
+                  <dgm:if name="Name115" func="var" arg="hierBranch" op="equ" val="hang">
+                    <dgm:alg type="hierRoot"/>
+                    <dgm:shape xmlns:r="http://schemas.openxmlformats.org/officeDocument/2006/relationships" r:blip="">
+                      <dgm:adjLst/>
+                    </dgm:shape>
+                    <dgm:presOf/>
+                    <dgm:constrLst>
+                      <dgm:constr type="alignOff" val="0.65"/>
+                    </dgm:constrLst>
+                  </dgm:if>
+                  <dgm:if name="Name116" func="var" arg="hierBranch" op="equ" val="std">
+                    <dgm:alg type="hierRoot"/>
+                    <dgm:shape xmlns:r="http://schemas.openxmlformats.org/officeDocument/2006/relationships" r:blip="">
+                      <dgm:adjLst/>
+                    </dgm:shape>
+                    <dgm:presOf/>
+                    <dgm:constrLst>
+                      <dgm:constr type="alignOff"/>
+                      <dgm:constr type="bendDist" for="des" ptType="parTrans" refType="sp" fact="0.5"/>
+                    </dgm:constrLst>
+                  </dgm:if>
+                  <dgm:if name="Name117" func="var" arg="hierBranch" op="equ" val="init">
+                    <dgm:choose name="Name118">
+                      <dgm:if name="Name119" axis="des" func="maxDepth" op="lte" val="1">
+                        <dgm:alg type="hierRoot">
+                          <dgm:param type="hierAlign" val="tL"/>
+                        </dgm:alg>
+                        <dgm:shape xmlns:r="http://schemas.openxmlformats.org/officeDocument/2006/relationships" r:blip="">
+                          <dgm:adjLst/>
+                        </dgm:shape>
+                        <dgm:presOf/>
+                        <dgm:constrLst>
+                          <dgm:constr type="alignOff" val="0.65"/>
+                        </dgm:constrLst>
+                      </dgm:if>
+                      <dgm:else name="Name120">
+                        <dgm:alg type="hierRoot"/>
+                        <dgm:shape xmlns:r="http://schemas.openxmlformats.org/officeDocument/2006/relationships" r:blip="">
+                          <dgm:adjLst/>
+                        </dgm:shape>
+                        <dgm:presOf/>
+                        <dgm:constrLst>
+                          <dgm:constr type="alignOff"/>
+                          <dgm:constr type="bendDist" for="des" ptType="parTrans" refType="sp" fact="0.5"/>
+                        </dgm:constrLst>
+                      </dgm:else>
+                    </dgm:choose>
+                  </dgm:if>
+                  <dgm:else name="Name121"/>
+                </dgm:choose>
+                <dgm:ruleLst/>
+                <dgm:layoutNode name="rootComposite3">
+                  <dgm:alg type="composite"/>
+                  <dgm:shape xmlns:r="http://schemas.openxmlformats.org/officeDocument/2006/relationships" r:blip="">
+                    <dgm:adjLst/>
+                  </dgm:shape>
+                  <dgm:presOf axis="self" ptType="node" cnt="1"/>
+                  <dgm:choose name="Name122">
+                    <dgm:if name="Name123" func="var" arg="hierBranch" op="equ" val="init">
+                      <dgm:constrLst>
+                        <dgm:constr type="l" for="ch" forName="rootText3"/>
+                        <dgm:constr type="t" for="ch" forName="rootText3"/>
+                        <dgm:constr type="w" for="ch" forName="rootText3" refType="w"/>
+                        <dgm:constr type="h" for="ch" forName="rootText3" refType="h"/>
+                        <dgm:constr type="l" for="ch" forName="rootConnector3"/>
+                        <dgm:constr type="t" for="ch" forName="rootConnector3"/>
+                        <dgm:constr type="w" for="ch" forName="rootConnector3" refType="w" refFor="ch" refForName="rootText3" fact="0.2"/>
+                        <dgm:constr type="h" for="ch" forName="rootConnector3" refType="h" refFor="ch" refForName="rootText3"/>
+                      </dgm:constrLst>
+                    </dgm:if>
+                    <dgm:if name="Name124" func="var" arg="hierBranch" op="equ" val="l">
+                      <dgm:constrLst>
+                        <dgm:constr type="l" for="ch" forName="rootText3"/>
+                        <dgm:constr type="t" for="ch" forName="rootText3"/>
+                        <dgm:constr type="w" for="ch" forName="rootText3" refType="w"/>
+                        <dgm:constr type="h" for="ch" forName="rootText3" refType="h"/>
+                        <dgm:constr type="r" for="ch" forName="rootConnector3" refType="w"/>
+                        <dgm:constr type="t" for="ch" forName="rootConnector3"/>
+                        <dgm:constr type="w" for="ch" forName="rootConnector3" refType="w" refFor="ch" refForName="rootText3" fact="0.2"/>
+                        <dgm:constr type="h" for="ch" forName="rootConnector3" refType="h" refFor="ch" refForName="rootText3"/>
+                      </dgm:constrLst>
+                    </dgm:if>
+                    <dgm:if name="Name125" func="var" arg="hierBranch" op="equ" val="r">
+                      <dgm:constrLst>
+                        <dgm:constr type="l" for="ch" forName="rootText3"/>
+                        <dgm:constr type="t" for="ch" forName="rootText3"/>
+                        <dgm:constr type="w" for="ch" forName="rootText3" refType="w"/>
+                        <dgm:constr type="h" for="ch" forName="rootText3" refType="h"/>
+                        <dgm:constr type="l" for="ch" forName="rootConnector3"/>
+                        <dgm:constr type="t" for="ch" forName="rootConnector3"/>
+                        <dgm:constr type="w" for="ch" forName="rootConnector3" refType="w" refFor="ch" refForName="rootText3" fact="0.2"/>
+                        <dgm:constr type="h" for="ch" forName="rootConnector3" refType="h" refFor="ch" refForName="rootText3"/>
+                      </dgm:constrLst>
+                    </dgm:if>
+                    <dgm:else name="Name126">
+                      <dgm:constrLst>
+                        <dgm:constr type="l" for="ch" forName="rootText3"/>
+                        <dgm:constr type="t" for="ch" forName="rootText3"/>
+                        <dgm:constr type="w" for="ch" forName="rootText3" refType="w"/>
+                        <dgm:constr type="h" for="ch" forName="rootText3" refType="h"/>
+                        <dgm:constr type="r" for="ch" forName="rootConnector3" refType="w"/>
+                        <dgm:constr type="t" for="ch" forName="rootConnector3"/>
+                        <dgm:constr type="w" for="ch" forName="rootConnector3" refType="w" refFor="ch" refForName="rootText3" fact="0.2"/>
+                        <dgm:constr type="h" for="ch" forName="rootConnector3" refType="h" refFor="ch" refForName="rootText3"/>
+                      </dgm:constrLst>
+                    </dgm:else>
+                  </dgm:choose>
+                  <dgm:ruleLst/>
+                  <dgm:layoutNode name="rootText3">
+                    <dgm:varLst>
+                      <dgm:chPref val="3"/>
+                    </dgm:varLst>
+                    <dgm:alg type="tx"/>
+                    <dgm:shape xmlns:r="http://schemas.openxmlformats.org/officeDocument/2006/relationships" type="rect" r:blip="">
+                      <dgm:adjLst/>
+                    </dgm:shape>
+                    <dgm:presOf axis="self" ptType="node" cnt="1"/>
+                    <dgm:constrLst>
+                      <dgm:constr type="primFontSz" val="65"/>
+                      <dgm:constr type="lMarg" refType="primFontSz" fact="0.05"/>
+                      <dgm:constr type="rMarg" refType="primFontSz" fact="0.05"/>
+                      <dgm:constr type="tMarg" refType="primFontSz" fact="0.05"/>
+                      <dgm:constr type="bMarg" refType="primFontSz" fact="0.05"/>
+                    </dgm:constrLst>
+                    <dgm:ruleLst>
+                      <dgm:rule type="primFontSz" val="5" fact="NaN" max="NaN"/>
+                    </dgm:ruleLst>
+                  </dgm:layoutNode>
+                  <dgm:layoutNode name="rootConnector3" moveWith="rootText1">
+                    <dgm:alg type="sp"/>
+                    <dgm:shape xmlns:r="http://schemas.openxmlformats.org/officeDocument/2006/relationships" type="rect" r:blip="" hideGeom="1">
+                      <dgm:adjLst/>
+                    </dgm:shape>
+                    <dgm:presOf axis="self" ptType="node" cnt="1"/>
+                    <dgm:constrLst/>
+                    <dgm:ruleLst/>
+                  </dgm:layoutNode>
+                </dgm:layoutNode>
+                <dgm:layoutNode name="hierChild6">
+                  <dgm:choose name="Name127">
+                    <dgm:if name="Name128" func="var" arg="hierBranch" op="equ" val="l">
+                      <dgm:alg type="hierChild">
+                        <dgm:param type="chAlign" val="r"/>
+                        <dgm:param type="linDir" val="fromT"/>
+                      </dgm:alg>
+                    </dgm:if>
+                    <dgm:if name="Name129" func="var" arg="hierBranch" op="equ" val="r">
+                      <dgm:alg type="hierChild">
+                        <dgm:param type="chAlign" val="l"/>
+                        <dgm:param type="linDir" val="fromT"/>
+                      </dgm:alg>
+                    </dgm:if>
+                    <dgm:if name="Name130" func="var" arg="hierBranch" op="equ" val="hang">
+                      <dgm:choose name="Name131">
+                        <dgm:if name="Name132" func="var" arg="dir" op="equ" val="norm">
+                          <dgm:alg type="hierChild">
+                            <dgm:param type="chAlign" val="l"/>
+                            <dgm:param type="linDir" val="fromL"/>
+                            <dgm:param type="secChAlign" val="t"/>
+                            <dgm:param type="secLinDir" val="fromT"/>
+                          </dgm:alg>
+                        </dgm:if>
+                        <dgm:else name="Name133">
+                          <dgm:alg type="hierChild">
+                            <dgm:param type="chAlign" val="l"/>
+                            <dgm:param type="linDir" val="fromR"/>
+                            <dgm:param type="secChAlign" val="t"/>
+                            <dgm:param type="secLinDir" val="fromT"/>
+                          </dgm:alg>
+                        </dgm:else>
+                      </dgm:choose>
+                    </dgm:if>
+                    <dgm:if name="Name134" func="var" arg="hierBranch" op="equ" val="std">
+                      <dgm:choose name="Name135">
+                        <dgm:if name="Name136" func="var" arg="dir" op="equ" val="norm">
+                          <dgm:alg type="hierChild"/>
+                        </dgm:if>
+                        <dgm:else name="Name137">
+                          <dgm:alg type="hierChild">
+                            <dgm:param type="linDir" val="fromR"/>
+                          </dgm:alg>
+                        </dgm:else>
+                      </dgm:choose>
+                    </dgm:if>
+                    <dgm:if name="Name138" func="var" arg="hierBranch" op="equ" val="init">
+                      <dgm:choose name="Name139">
+                        <dgm:if name="Name140" axis="des" func="maxDepth" op="lte" val="1">
+                          <dgm:alg type="hierChild">
+                            <dgm:param type="chAlign" val="l"/>
+                            <dgm:param type="linDir" val="fromT"/>
+                          </dgm:alg>
+                        </dgm:if>
+                        <dgm:else name="Name141">
+                          <dgm:alg type="hierChild"/>
+                        </dgm:else>
+                      </dgm:choose>
+                    </dgm:if>
+                    <dgm:else name="Name142"/>
+                  </dgm:choose>
+                  <dgm:shape xmlns:r="http://schemas.openxmlformats.org/officeDocument/2006/relationships" r:blip="">
+                    <dgm:adjLst/>
+                  </dgm:shape>
+                  <dgm:presOf/>
+                  <dgm:constrLst/>
+                  <dgm:ruleLst/>
+                  <dgm:forEach name="Name143" ref="rep2a"/>
+                </dgm:layoutNode>
+                <dgm:layoutNode name="hierChild7">
+                  <dgm:choose name="Name144">
+                    <dgm:if name="Name145" func="var" arg="dir" op="equ" val="norm">
+                      <dgm:alg type="hierChild">
+                        <dgm:param type="chAlign" val="l"/>
+                        <dgm:param type="linDir" val="fromL"/>
+                        <dgm:param type="secChAlign" val="t"/>
+                        <dgm:param type="secLinDir" val="fromT"/>
+                      </dgm:alg>
+                    </dgm:if>
+                    <dgm:else name="Name146">
+                      <dgm:alg type="hierChild">
+                        <dgm:param type="chAlign" val="l"/>
+                        <dgm:param type="linDir" val="fromR"/>
+                        <dgm:param type="secChAlign" val="t"/>
+                        <dgm:param type="secLinDir" val="fromT"/>
+                      </dgm:alg>
+                    </dgm:else>
+                  </dgm:choose>
+                  <dgm:shape xmlns:r="http://schemas.openxmlformats.org/officeDocument/2006/relationships" r:blip="">
+                    <dgm:adjLst/>
+                  </dgm:shape>
+                  <dgm:presOf/>
+                  <dgm:constrLst/>
+                  <dgm:ruleLst/>
+                  <dgm:forEach name="Name147" ref="rep2b"/>
+                </dgm:layoutNode>
+              </dgm:layoutNode>
+            </dgm:forEach>
+          </dgm:layoutNode>
+        </dgm:layoutNode>
+      </dgm:forEach>
+    </dgm:forEach>
+  </dgm:layoutNode>
+</dgm:layoutDef>
+</file>
+
+<file path=ppt/diagrams/quickStyle1.xml><?xml version="1.0" encoding="utf-8"?>
+<dgm:styleDef xmlns:dgm="http://schemas.openxmlformats.org/drawingml/2006/diagram" xmlns:a="http://schemas.openxmlformats.org/drawingml/2006/main" uniqueId="urn:microsoft.com/office/officeart/2005/8/quickstyle/3d3">
+  <dgm:title val=""/>
+  <dgm:desc val=""/>
+  <dgm:catLst>
+    <dgm:cat type="3D" pri="11300"/>
+  </dgm:catLst>
+  <dgm:scene3d>
+    <a:camera prst="orthographicFront"/>
+    <a:lightRig rig="threePt" dir="t"/>
+  </dgm:scene3d>
+  <dgm:styleLbl name="node0">
+    <dgm:scene3d>
+      <a:camera prst="orthographicFront">
+        <a:rot lat="0" lon="0" rev="0"/>
+      </a:camera>
+      <a:lightRig rig="contrasting" dir="t">
+        <a:rot lat="0" lon="0" rev="1200000"/>
+      </a:lightRig>
+    </dgm:scene3d>
+    <dgm:sp3d contourW="19050" prstMaterial="metal">
+      <a:bevelT w="88900" h="203200"/>
+      <a:bevelB w="165100" h="254000"/>
+    </dgm:sp3d>
+    <dgm:txPr/>
+    <dgm:style>
+      <a:lnRef idx="0">
+        <a:scrgbClr r="0" g="0" b="0"/>
+      </a:lnRef>
+      <a:fillRef idx="1">
+        <a:scrgbClr r="0" g="0" b="0"/>
+      </a:fillRef>
+      <a:effectRef idx="1">
+        <a:scrgbClr r="0" g="0" b="0"/>
+      </a:effectRef>
+      <a:fontRef idx="minor">
+        <a:schemeClr val="lt1"/>
+      </a:fontRef>
+    </dgm:style>
+  </dgm:styleLbl>
+  <dgm:styleLbl name="lnNode1">
+    <dgm:scene3d>
+      <a:camera prst="orthographicFront">
+        <a:rot lat="0" lon="0" rev="0"/>
+      </a:camera>
+      <a:lightRig rig="contrasting" dir="t">
+        <a:rot lat="0" lon="0" rev="1200000"/>
+      </a:lightRig>
+    </dgm:scene3d>
+    <dgm:sp3d contourW="19050" prstMaterial="metal">
+      <a:bevelT w="88900" h="203200"/>
+      <a:bevelB w="165100" h="254000"/>
+    </dgm:sp3d>
+    <dgm:txPr/>
+    <dgm:style>
+      <a:lnRef idx="0">
+        <a:scrgbClr r="0" g="0" b="0"/>
+      </a:lnRef>
+      <a:fillRef idx="1">
+        <a:scrgbClr r="0" g="0" b="0"/>
+      </a:fillRef>
+      <a:effectRef idx="1">
+        <a:scrgbClr r="0" g="0" b="0"/>
+      </a:effectRef>
+      <a:fontRef idx="minor">
+        <a:schemeClr val="lt1"/>
+      </a:fontRef>
+    </dgm:style>
+  </dgm:styleLbl>
+  <dgm:styleLbl name="vennNode1">
+    <dgm:scene3d>
+      <a:camera prst="orthographicFront">
+        <a:rot lat="0" lon="0" rev="0"/>
+      </a:camera>
+      <a:lightRig rig="contrasting" dir="t">
+        <a:rot lat="0" lon="0" rev="1200000"/>
+      </a:lightRig>
+    </dgm:scene3d>
+    <dgm:sp3d contourW="12700" prstMaterial="clear">
+      <a:bevelT w="177800" h="254000"/>
+      <a:bevelB w="152400"/>
+    </dgm:sp3d>
+    <dgm:txPr/>
+    <dgm:style>
+      <a:lnRef idx="0">
+        <a:scrgbClr r="0" g="0" b="0"/>
+      </a:lnRef>
+      <a:fillRef idx="1">
+        <a:scrgbClr r="0" g="0" b="0"/>
+      </a:fillRef>
+      <a:effectRef idx="0">
+        <a:scrgbClr r="0" g="0" b="0"/>
+      </a:effectRef>
+      <a:fontRef idx="minor">
+        <a:schemeClr val="tx1"/>
+      </a:fontRef>
+    </dgm:style>
+  </dgm:styleLbl>
+  <dgm:styleLbl name="alignNode1">
+    <dgm:scene3d>
+      <a:camera prst="orthographicFront">
+        <a:rot lat="0" lon="0" rev="0"/>
+      </a:camera>
+      <a:lightRig rig="contrasting" dir="t">
+        <a:rot lat="0" lon="0" rev="1200000"/>
+      </a:lightRig>
+    </dgm:scene3d>
+    <dgm:sp3d contourW="19050" prstMaterial="metal">
+      <a:bevelT w="88900" h="203200"/>
+      <a:bevelB w="165100" h="254000"/>
+    </dgm:sp3d>
+    <dgm:txPr/>
+    <dgm:style>
+      <a:lnRef idx="0">
+        <a:scrgbClr r="0" g="0" b="0"/>
+      </a:lnRef>
+      <a:fillRef idx="1">
+        <a:scrgbClr r="0" g="0" b="0"/>
+      </a:fillRef>
+      <a:effectRef idx="2">
+        <a:scrgbClr r="0" g="0" b="0"/>
+      </a:effectRef>
+      <a:fontRef idx="minor">
+        <a:schemeClr val="lt1"/>
+      </a:fontRef>
+    </dgm:style>
+  </dgm:styleLbl>
+  <dgm:styleLbl name="node1">
+    <dgm:scene3d>
+      <a:camera prst="orthographicFront">
+        <a:rot lat="0" lon="0" rev="0"/>
+      </a:camera>
+      <a:lightRig rig="contrasting" dir="t">
+        <a:rot lat="0" lon="0" rev="1200000"/>
+      </a:lightRig>
+    </dgm:scene3d>
+    <dgm:sp3d contourW="19050" prstMaterial="metal">
+      <a:bevelT w="88900" h="203200"/>
+      <a:bevelB w="165100" h="254000"/>
+    </dgm:sp3d>
+    <dgm:txPr/>
+    <dgm:style>
+      <a:lnRef idx="0">
+        <a:scrgbClr r="0" g="0" b="0"/>
+      </a:lnRef>
+      <a:fillRef idx="1">
+        <a:scrgbClr r="0" g="0" b="0"/>
+      </a:fillRef>
+      <a:effectRef idx="2">
+        <a:scrgbClr r="0" g="0" b="0"/>
+      </a:effectRef>
+      <a:fontRef idx="minor">
+        <a:schemeClr val="lt1"/>
+      </a:fontRef>
+    </dgm:style>
+  </dgm:styleLbl>
+  <dgm:styleLbl name="node2">
+    <dgm:scene3d>
+      <a:camera prst="orthographicFront">
+        <a:rot lat="0" lon="0" rev="0"/>
+      </a:camera>
+      <a:lightRig rig="contrasting" dir="t">
+        <a:rot lat="0" lon="0" rev="1200000"/>
+      </a:lightRig>
+    </dgm:scene3d>
+    <dgm:sp3d contourW="19050" prstMaterial="metal">
+      <a:bevelT w="88900" h="203200"/>
+      <a:bevelB w="165100" h="254000"/>
+    </dgm:sp3d>
+    <dgm:txPr/>
+    <dgm:style>
+      <a:lnRef idx="0">
+        <a:scrgbClr r="0" g="0" b="0"/>
+      </a:lnRef>
+      <a:fillRef idx="1">
+        <a:scrgbClr r="0" g="0" b="0"/>
+      </a:fillRef>
+      <a:effectRef idx="1">
+        <a:scrgbClr r="0" g="0" b="0"/>
+      </a:effectRef>
+      <a:fontRef idx="minor">
+        <a:schemeClr val="lt1"/>
+      </a:fontRef>
+    </dgm:style>
+  </dgm:styleLbl>
+  <dgm:styleLbl name="node3">
+    <dgm:scene3d>
+      <a:camera prst="orthographicFront">
+        <a:rot lat="0" lon="0" rev="0"/>
+      </a:camera>
+      <a:lightRig rig="contrasting" dir="t">
+        <a:rot lat="0" lon="0" rev="1200000"/>
+      </a:lightRig>
+    </dgm:scene3d>
+    <dgm:sp3d contourW="19050" prstMaterial="metal">
+      <a:bevelT w="88900" h="203200"/>
+      <a:bevelB w="165100" h="254000"/>
+    </dgm:sp3d>
+    <dgm:txPr/>
+    <dgm:style>
+      <a:lnRef idx="0">
+        <a:scrgbClr r="0" g="0" b="0"/>
+      </a:lnRef>
+      <a:fillRef idx="1">
+        <a:scrgbClr r="0" g="0" b="0"/>
+      </a:fillRef>
+      <a:effectRef idx="1">
+        <a:scrgbClr r="0" g="0" b="0"/>
+      </a:effectRef>
+      <a:fontRef idx="minor">
+        <a:schemeClr val="lt1"/>
+      </a:fontRef>
+    </dgm:style>
+  </dgm:styleLbl>
+  <dgm:styleLbl name="node4">
+    <dgm:scene3d>
+      <a:camera prst="orthographicFront">
+        <a:rot lat="0" lon="0" rev="0"/>
+      </a:camera>
+      <a:lightRig rig="contrasting" dir="t">
+        <a:rot lat="0" lon="0" rev="1200000"/>
+      </a:lightRig>
+    </dgm:scene3d>
+    <dgm:sp3d contourW="19050" prstMaterial="metal">
+      <a:bevelT w="88900" h="203200"/>
+      <a:bevelB w="165100" h="254000"/>
+    </dgm:sp3d>
+    <dgm:txPr/>
+    <dgm:style>
+      <a:lnRef idx="0">
+        <a:scrgbClr r="0" g="0" b="0"/>
+      </a:lnRef>
+      <a:fillRef idx="1">
+        <a:scrgbClr r="0" g="0" b="0"/>
+      </a:fillRef>
+      <a:effectRef idx="1">
+        <a:scrgbClr r="0" g="0" b="0"/>
+      </a:effectRef>
+      <a:fontRef idx="minor">
+        <a:schemeClr val="lt1"/>
+      </a:fontRef>
+    </dgm:style>
+  </dgm:styleLbl>
+  <dgm:styleLbl name="fgImgPlace1">
+    <dgm:scene3d>
+      <a:camera prst="orthographicFront">
+        <a:rot lat="0" lon="0" rev="0"/>
+      </a:camera>
+      <a:lightRig rig="contrasting" dir="t">
+        <a:rot lat="0" lon="0" rev="1200000"/>
+      </a:lightRig>
+    </dgm:scene3d>
+    <dgm:sp3d z="300000" contourW="19050" prstMaterial="metal">
+      <a:bevelT w="88900" h="203200"/>
+      <a:bevelB w="165100" h="254000"/>
+    </dgm:sp3d>
+    <dgm:txPr/>
+    <dgm:style>
+      <a:lnRef idx="0">
+        <a:scrgbClr r="0" g="0" b="0"/>
+      </a:lnRef>
+      <a:fillRef idx="1">
+        <a:scrgbClr r="0" g="0" b="0"/>
+      </a:fillRef>
+      <a:effectRef idx="1">
+        <a:scrgbClr r="0" g="0" b="0"/>
+      </a:effectRef>
+      <a:fontRef idx="minor"/>
+    </dgm:style>
+  </dgm:styleLbl>
+  <dgm:styleLbl name="alignImgPlace1">
+    <dgm:scene3d>
+      <a:camera prst="orthographicFront">
+        <a:rot lat="0" lon="0" rev="0"/>
+      </a:camera>
+      <a:lightRig rig="contrasting" dir="t">
+        <a:rot lat="0" lon="0" rev="1200000"/>
+      </a:lightRig>
+    </dgm:scene3d>
+    <dgm:sp3d contourW="12700" prstMaterial="flat">
+      <a:bevelT w="177800" h="254000"/>
+      <a:bevelB w="152400"/>
+    </dgm:sp3d>
+    <dgm:txPr/>
+    <dgm:style>
+      <a:lnRef idx="0">
+        <a:scrgbClr r="0" g="0" b="0"/>
+      </a:lnRef>
+      <a:fillRef idx="1">
+        <a:scrgbClr r="0" g="0" b="0"/>
+      </a:fillRef>
+      <a:effectRef idx="1">
+        <a:scrgbClr r="0" g="0" b="0"/>
+      </a:effectRef>
+      <a:fontRef idx="minor"/>
+    </dgm:style>
+  </dgm:styleLbl>
+  <dgm:styleLbl name="bgImgPlace1">
+    <dgm:scene3d>
+      <a:camera prst="orthographicFront">
+        <a:rot lat="0" lon="0" rev="0"/>
+      </a:camera>
+      <a:lightRig rig="contrasting" dir="t">
+        <a:rot lat="0" lon="0" rev="1200000"/>
+      </a:lightRig>
+    </dgm:scene3d>
+    <dgm:sp3d z="-300000" contourW="19050" prstMaterial="metal">
+      <a:bevelT w="88900" h="203200"/>
+      <a:bevelB w="165100" h="254000"/>
+    </dgm:sp3d>
+    <dgm:txPr/>
+    <dgm:style>
+      <a:lnRef idx="0">
+        <a:scrgbClr r="0" g="0" b="0"/>
+      </a:lnRef>
+      <a:fillRef idx="1">
+        <a:scrgbClr r="0" g="0" b="0"/>
+      </a:fillRef>
+      <a:effectRef idx="1">
+        <a:scrgbClr r="0" g="0" b="0"/>
+      </a:effectRef>
+      <a:fontRef idx="minor"/>
+    </dgm:style>
+  </dgm:styleLbl>
+  <dgm:styleLbl name="sibTrans2D1">
+    <dgm:scene3d>
+      <a:camera prst="orthographicFront">
+        <a:rot lat="0" lon="0" rev="0"/>
+      </a:camera>
+      <a:lightRig rig="contrasting" dir="t">
+        <a:rot lat="0" lon="0" rev="1200000"/>
+      </a:lightRig>
+    </dgm:scene3d>
+    <dgm:sp3d z="-182000" contourW="19050" prstMaterial="metal">
+      <a:bevelT w="88900" h="203200"/>
+      <a:bevelB w="165100" h="254000"/>
+    </dgm:sp3d>
+    <dgm:txPr/>
+    <dgm:style>
+      <a:lnRef idx="0">
+        <a:scrgbClr r="0" g="0" b="0"/>
+      </a:lnRef>
+      <a:fillRef idx="1">
+        <a:scrgbClr r="0" g="0" b="0"/>
+      </a:fillRef>
+      <a:effectRef idx="0">
+        <a:scrgbClr r="0" g="0" b="0"/>
+      </a:effectRef>
+      <a:fontRef idx="minor">
+        <a:schemeClr val="lt1"/>
+      </a:fontRef>
+    </dgm:style>
+  </dgm:styleLbl>
+  <dgm:styleLbl name="fgSibTrans2D1">
+    <dgm:scene3d>
+      <a:camera prst="orthographicFront">
+        <a:rot lat="0" lon="0" rev="0"/>
+      </a:camera>
+      <a:lightRig rig="contrasting" dir="t">
+        <a:rot lat="0" lon="0" rev="1200000"/>
+      </a:lightRig>
+    </dgm:scene3d>
+    <dgm:sp3d z="300000" contourW="19050" prstMaterial="metal">
+      <a:bevelT w="88900" h="203200"/>
+      <a:bevelB w="165100" h="254000"/>
+    </dgm:sp3d>
+    <dgm:txPr/>
+    <dgm:style>
+      <a:lnRef idx="0">
+        <a:scrgbClr r="0" g="0" b="0"/>
+      </a:lnRef>
+      <a:fillRef idx="1">
+        <a:scrgbClr r="0" g="0" b="0"/>
+      </a:fillRef>
+      <a:effectRef idx="0">
+        <a:scrgbClr r="0" g="0" b="0"/>
+      </a:effectRef>
+      <a:fontRef idx="minor"/>
+    </dgm:style>
+  </dgm:styleLbl>
+  <dgm:styleLbl name="bgSibTrans2D1">
+    <dgm:scene3d>
+      <a:camera prst="orthographicFront">
+        <a:rot lat="0" lon="0" rev="0"/>
+      </a:camera>
+      <a:lightRig rig="contrasting" dir="t">
+        <a:rot lat="0" lon="0" rev="1200000"/>
+      </a:lightRig>
+    </dgm:scene3d>
+    <dgm:sp3d z="-300000" contourW="19050" prstMaterial="metal">
+      <a:bevelT w="88900" h="203200"/>
+      <a:bevelB w="165100" h="254000"/>
+    </dgm:sp3d>
+    <dgm:txPr/>
+    <dgm:style>
+      <a:lnRef idx="0">
+        <a:scrgbClr r="0" g="0" b="0"/>
+      </a:lnRef>
+      <a:fillRef idx="1">
+        <a:scrgbClr r="0" g="0" b="0"/>
+      </a:fillRef>
+      <a:effectRef idx="0">
+        <a:scrgbClr r="0" g="0" b="0"/>
+      </a:effectRef>
+      <a:fontRef idx="minor"/>
+    </dgm:style>
+  </dgm:styleLbl>
+  <dgm:styleLbl name="sibTrans1D1">
+    <dgm:scene3d>
+      <a:camera prst="orthographicFront">
+        <a:rot lat="0" lon="0" rev="0"/>
+      </a:camera>
+      <a:lightRig rig="contrasting" dir="t">
+        <a:rot lat="0" lon="0" rev="1200000"/>
+      </a:lightRig>
+    </dgm:scene3d>
+    <dgm:sp3d z="-110000"/>
+    <dgm:txPr/>
+    <dgm:style>
+      <a:lnRef idx="1">
+        <a:scrgbClr r="0" g="0" b="0"/>
+      </a:lnRef>
+      <a:fillRef idx="0">
+        <a:scrgbClr r="0" g="0" b="0"/>
+      </a:fillRef>
+      <a:effectRef idx="0">
+        <a:scrgbClr r="0" g="0" b="0"/>
+      </a:effectRef>
+      <a:fontRef idx="minor"/>
+    </dgm:style>
+  </dgm:styleLbl>
+  <dgm:styleLbl name="callout">
+    <dgm:scene3d>
+      <a:camera prst="orthographicFront">
+        <a:rot lat="0" lon="0" rev="0"/>
+      </a:camera>
+      <a:lightRig rig="contrasting" dir="t">
+        <a:rot lat="0" lon="0" rev="1200000"/>
+      </a:lightRig>
+    </dgm:scene3d>
+    <dgm:sp3d z="10000"/>
+    <dgm:txPr/>
+    <dgm:style>
+      <a:lnRef idx="2">
+        <a:scrgbClr r="0" g="0" b="0"/>
+      </a:lnRef>
+      <a:fillRef idx="1">
+        <a:scrgbClr r="0" g="0" b="0"/>
+      </a:fillRef>
+      <a:effectRef idx="0">
+        <a:scrgbClr r="0" g="0" b="0"/>
+      </a:effectRef>
+      <a:fontRef idx="minor"/>
+    </dgm:style>
+  </dgm:styleLbl>
+  <dgm:styleLbl name="asst0">
+    <dgm:scene3d>
+      <a:camera prst="orthographicFront">
+        <a:rot lat="0" lon="0" rev="0"/>
+      </a:camera>
+      <a:lightRig rig="contrasting" dir="t">
+        <a:rot lat="0" lon="0" rev="1200000"/>
+      </a:lightRig>
+    </dgm:scene3d>
+    <dgm:sp3d contourW="19050" prstMaterial="metal">
+      <a:bevelT w="88900" h="203200"/>
+      <a:bevelB w="165100" h="254000"/>
+    </dgm:sp3d>
+    <dgm:txPr/>
+    <dgm:style>
+      <a:lnRef idx="0">
+        <a:scrgbClr r="0" g="0" b="0"/>
+      </a:lnRef>
+      <a:fillRef idx="1">
+        <a:scrgbClr r="0" g="0" b="0"/>
+      </a:fillRef>
+      <a:effectRef idx="1">
+        <a:scrgbClr r="0" g="0" b="0"/>
+      </a:effectRef>
+      <a:fontRef idx="minor">
+        <a:schemeClr val="lt1"/>
+      </a:fontRef>
+    </dgm:style>
+  </dgm:styleLbl>
+  <dgm:styleLbl name="asst1">
+    <dgm:scene3d>
+      <a:camera prst="orthographicFront">
+        <a:rot lat="0" lon="0" rev="0"/>
+      </a:camera>
+      <a:lightRig rig="contrasting" dir="t">
+        <a:rot lat="0" lon="0" rev="1200000"/>
+      </a:lightRig>
+    </dgm:scene3d>
+    <dgm:sp3d contourW="19050" prstMaterial="metal">
+      <a:bevelT w="88900" h="203200"/>
+      <a:bevelB w="165100" h="254000"/>
+    </dgm:sp3d>
+    <dgm:txPr/>
+    <dgm:style>
+      <a:lnRef idx="0">
+        <a:scrgbClr r="0" g="0" b="0"/>
+      </a:lnRef>
+      <a:fillRef idx="1">
+        <a:scrgbClr r="0" g="0" b="0"/>
+      </a:fillRef>
+      <a:effectRef idx="1">
+        <a:scrgbClr r="0" g="0" b="0"/>
+      </a:effectRef>
+      <a:fontRef idx="minor">
+        <a:schemeClr val="lt1"/>
+      </a:fontRef>
+    </dgm:style>
+  </dgm:styleLbl>
+  <dgm:styleLbl name="asst2">
+    <dgm:scene3d>
+      <a:camera prst="orthographicFront">
+        <a:rot lat="0" lon="0" rev="0"/>
+      </a:camera>
+      <a:lightRig rig="contrasting" dir="t">
+        <a:rot lat="0" lon="0" rev="1200000"/>
+      </a:lightRig>
+    </dgm:scene3d>
+    <dgm:sp3d contourW="19050" prstMaterial="metal">
+      <a:bevelT w="88900" h="203200"/>
+      <a:bevelB w="165100" h="254000"/>
+    </dgm:sp3d>
+    <dgm:txPr/>
+    <dgm:style>
+      <a:lnRef idx="0">
+        <a:scrgbClr r="0" g="0" b="0"/>
+      </a:lnRef>
+      <a:fillRef idx="1">
+        <a:scrgbClr r="0" g="0" b="0"/>
+      </a:fillRef>
+      <a:effectRef idx="1">
+        <a:scrgbClr r="0" g="0" b="0"/>
+      </a:effectRef>
+      <a:fontRef idx="minor">
+        <a:schemeClr val="lt1"/>
+      </a:fontRef>
+    </dgm:style>
+  </dgm:styleLbl>
+  <dgm:styleLbl name="asst3">
+    <dgm:scene3d>
+      <a:camera prst="orthographicFront">
+        <a:rot lat="0" lon="0" rev="0"/>
+      </a:camera>
+      <a:lightRig rig="contrasting" dir="t">
+        <a:rot lat="0" lon="0" rev="1200000"/>
+      </a:lightRig>
+    </dgm:scene3d>
+    <dgm:sp3d contourW="19050" prstMaterial="metal">
+      <a:bevelT w="88900" h="203200"/>
+      <a:bevelB w="165100" h="254000"/>
+    </dgm:sp3d>
+    <dgm:txPr/>
+    <dgm:style>
+      <a:lnRef idx="0">
+        <a:scrgbClr r="0" g="0" b="0"/>
+      </a:lnRef>
+      <a:fillRef idx="1">
+        <a:scrgbClr r="0" g="0" b="0"/>
+      </a:fillRef>
+      <a:effectRef idx="1">
+        <a:scrgbClr r="0" g="0" b="0"/>
+      </a:effectRef>
+      <a:fontRef idx="minor">
+        <a:schemeClr val="lt1"/>
+      </a:fontRef>
+    </dgm:style>
+  </dgm:styleLbl>
+  <dgm:styleLbl name="asst4">
+    <dgm:scene3d>
+      <a:camera prst="orthographicFront"/>
+      <a:lightRig rig="threePt" dir="t"/>
+    </dgm:scene3d>
+    <dgm:sp3d contourW="19050" prstMaterial="metal">
+      <a:bevelT w="88900" h="203200"/>
+      <a:bevelB w="165100" h="254000"/>
+    </dgm:sp3d>
+    <dgm:txPr/>
+    <dgm:style>
+      <a:lnRef idx="0">
+        <a:scrgbClr r="0" g="0" b="0"/>
+      </a:lnRef>
+      <a:fillRef idx="1">
+        <a:scrgbClr r="0" g="0" b="0"/>
+      </a:fillRef>
+      <a:effectRef idx="1">
+        <a:scrgbClr r="0" g="0" b="0"/>
+      </a:effectRef>
+      <a:fontRef idx="minor">
+        <a:schemeClr val="lt1"/>
+      </a:fontRef>
+    </dgm:style>
+  </dgm:styleLbl>
+  <dgm:styleLbl name="parChTrans2D1">
+    <dgm:scene3d>
+      <a:camera prst="orthographicFront">
+        <a:rot lat="0" lon="0" rev="0"/>
+      </a:camera>
+      <a:lightRig rig="contrasting" dir="t">
+        <a:rot lat="0" lon="0" rev="1200000"/>
+      </a:lightRig>
+    </dgm:scene3d>
+    <dgm:sp3d contourW="19050" prstMaterial="metal">
+      <a:bevelT w="88900" h="203200"/>
+      <a:bevelB w="165100" h="254000"/>
+    </dgm:sp3d>
+    <dgm:txPr/>
+    <dgm:style>
+      <a:lnRef idx="0">
+        <a:scrgbClr r="0" g="0" b="0"/>
+      </a:lnRef>
+      <a:fillRef idx="1">
+        <a:scrgbClr r="0" g="0" b="0"/>
+      </a:fillRef>
+      <a:effectRef idx="0">
+        <a:scrgbClr r="0" g="0" b="0"/>
+      </a:effectRef>
+      <a:fontRef idx="minor"/>
+    </dgm:style>
+  </dgm:styleLbl>
+  <dgm:styleLbl name="parChTrans2D2">
+    <dgm:scene3d>
+      <a:camera prst="orthographicFront">
+        <a:rot lat="0" lon="0" rev="0"/>
+      </a:camera>
+      <a:lightRig rig="contrasting" dir="t">
+        <a:rot lat="0" lon="0" rev="1200000"/>
+      </a:lightRig>
+    </dgm:scene3d>
+    <dgm:sp3d contourW="19050" prstMaterial="metal">
+      <a:bevelT w="88900" h="203200"/>
+      <a:bevelB w="165100" h="254000"/>
+    </dgm:sp3d>
+    <dgm:txPr/>
+    <dgm:style>
+      <a:lnRef idx="0">
+        <a:scrgbClr r="0" g="0" b="0"/>
+      </a:lnRef>
+      <a:fillRef idx="1">
+        <a:scrgbClr r="0" g="0" b="0"/>
+      </a:fillRef>
+      <a:effectRef idx="0">
+        <a:scrgbClr r="0" g="0" b="0"/>
+      </a:effectRef>
+      <a:fontRef idx="minor"/>
+    </dgm:style>
+  </dgm:styleLbl>
+  <dgm:styleLbl name="parChTrans2D3">
+    <dgm:scene3d>
+      <a:camera prst="orthographicFront">
+        <a:rot lat="0" lon="0" rev="0"/>
+      </a:camera>
+      <a:lightRig rig="contrasting" dir="t">
+        <a:rot lat="0" lon="0" rev="1200000"/>
+      </a:lightRig>
+    </dgm:scene3d>
+    <dgm:sp3d contourW="19050" prstMaterial="metal">
+      <a:bevelT w="88900" h="203200"/>
+      <a:bevelB w="165100" h="254000"/>
+    </dgm:sp3d>
+    <dgm:txPr/>
+    <dgm:style>
+      <a:lnRef idx="0">
+        <a:scrgbClr r="0" g="0" b="0"/>
+      </a:lnRef>
+      <a:fillRef idx="1">
+        <a:scrgbClr r="0" g="0" b="0"/>
+      </a:fillRef>
+      <a:effectRef idx="0">
+        <a:scrgbClr r="0" g="0" b="0"/>
+      </a:effectRef>
+      <a:fontRef idx="minor"/>
+    </dgm:style>
+  </dgm:styleLbl>
+  <dgm:styleLbl name="parChTrans2D4">
+    <dgm:scene3d>
+      <a:camera prst="orthographicFront">
+        <a:rot lat="0" lon="0" rev="0"/>
+      </a:camera>
+      <a:lightRig rig="contrasting" dir="t">
+        <a:rot lat="0" lon="0" rev="1200000"/>
+      </a:lightRig>
+    </dgm:scene3d>
+    <dgm:sp3d contourW="19050" prstMaterial="metal">
+      <a:bevelT w="88900" h="203200"/>
+      <a:bevelB w="165100" h="254000"/>
+    </dgm:sp3d>
+    <dgm:txPr/>
+    <dgm:style>
+      <a:lnRef idx="0">
+        <a:scrgbClr r="0" g="0" b="0"/>
+      </a:lnRef>
+      <a:fillRef idx="1">
+        <a:scrgbClr r="0" g="0" b="0"/>
+      </a:fillRef>
+      <a:effectRef idx="0">
+        <a:scrgbClr r="0" g="0" b="0"/>
+      </a:effectRef>
+      <a:fontRef idx="minor"/>
+    </dgm:style>
+  </dgm:styleLbl>
+  <dgm:styleLbl name="parChTrans1D1">
+    <dgm:scene3d>
+      <a:camera prst="orthographicFront">
+        <a:rot lat="0" lon="0" rev="0"/>
+      </a:camera>
+      <a:lightRig rig="contrasting" dir="t">
+        <a:rot lat="0" lon="0" rev="1200000"/>
+      </a:lightRig>
+    </dgm:scene3d>
+    <dgm:sp3d z="-110000"/>
+    <dgm:txPr/>
+    <dgm:style>
+      <a:lnRef idx="2">
+        <a:scrgbClr r="0" g="0" b="0"/>
+      </a:lnRef>
+      <a:fillRef idx="0">
+        <a:scrgbClr r="0" g="0" b="0"/>
+      </a:fillRef>
+      <a:effectRef idx="0">
+        <a:scrgbClr r="0" g="0" b="0"/>
+      </a:effectRef>
+      <a:fontRef idx="minor"/>
+    </dgm:style>
+  </dgm:styleLbl>
+  <dgm:styleLbl name="parChTrans1D2">
+    <dgm:scene3d>
+      <a:camera prst="orthographicFront">
+        <a:rot lat="0" lon="0" rev="0"/>
+      </a:camera>
+      <a:lightRig rig="contrasting" dir="t">
+        <a:rot lat="0" lon="0" rev="1200000"/>
+      </a:lightRig>
+    </dgm:scene3d>
+    <dgm:sp3d z="-110000"/>
+    <dgm:txPr/>
+    <dgm:style>
+      <a:lnRef idx="2">
+        <a:scrgbClr r="0" g="0" b="0"/>
+      </a:lnRef>
+      <a:fillRef idx="0">
+        <a:scrgbClr r="0" g="0" b="0"/>
+      </a:fillRef>
+      <a:effectRef idx="0">
+        <a:scrgbClr r="0" g="0" b="0"/>
+      </a:effectRef>
+      <a:fontRef idx="minor"/>
+    </dgm:style>
+  </dgm:styleLbl>
+  <dgm:styleLbl name="parChTrans1D3">
+    <dgm:scene3d>
+      <a:camera prst="orthographicFront">
+        <a:rot lat="0" lon="0" rev="0"/>
+      </a:camera>
+      <a:lightRig rig="contrasting" dir="t">
+        <a:rot lat="0" lon="0" rev="1200000"/>
+      </a:lightRig>
+    </dgm:scene3d>
+    <dgm:sp3d z="-110000"/>
+    <dgm:txPr/>
+    <dgm:style>
+      <a:lnRef idx="2">
+        <a:scrgbClr r="0" g="0" b="0"/>
+      </a:lnRef>
+      <a:fillRef idx="0">
+        <a:scrgbClr r="0" g="0" b="0"/>
+      </a:fillRef>
+      <a:effectRef idx="0">
+        <a:scrgbClr r="0" g="0" b="0"/>
+      </a:effectRef>
+      <a:fontRef idx="minor"/>
+    </dgm:style>
+  </dgm:styleLbl>
+  <dgm:styleLbl name="parChTrans1D4">
+    <dgm:scene3d>
+      <a:camera prst="orthographicFront">
+        <a:rot lat="0" lon="0" rev="0"/>
+      </a:camera>
+      <a:lightRig rig="contrasting" dir="t">
+        <a:rot lat="0" lon="0" rev="1200000"/>
+      </a:lightRig>
+    </dgm:scene3d>
+    <dgm:sp3d z="-110000"/>
+    <dgm:txPr/>
+    <dgm:style>
+      <a:lnRef idx="2">
+        <a:scrgbClr r="0" g="0" b="0"/>
+      </a:lnRef>
+      <a:fillRef idx="0">
+        <a:scrgbClr r="0" g="0" b="0"/>
+      </a:fillRef>
+      <a:effectRef idx="0">
+        <a:scrgbClr r="0" g="0" b="0"/>
+      </a:effectRef>
+      <a:fontRef idx="minor"/>
+    </dgm:style>
+  </dgm:styleLbl>
+  <dgm:styleLbl name="fgAcc1">
+    <dgm:scene3d>
+      <a:camera prst="orthographicFront">
+        <a:rot lat="0" lon="0" rev="0"/>
+      </a:camera>
+      <a:lightRig rig="contrasting" dir="t">
+        <a:rot lat="0" lon="0" rev="1200000"/>
+      </a:lightRig>
+    </dgm:scene3d>
+    <dgm:sp3d z="300000" contourW="19050" prstMaterial="metal">
+      <a:bevelT w="88900" h="203200"/>
+      <a:bevelB w="165100" h="254000"/>
+    </dgm:sp3d>
+    <dgm:txPr/>
+    <dgm:style>
+      <a:lnRef idx="0">
+        <a:scrgbClr r="0" g="0" b="0"/>
+      </a:lnRef>
+      <a:fillRef idx="1">
+        <a:scrgbClr r="0" g="0" b="0"/>
+      </a:fillRef>
+      <a:effectRef idx="0">
+        <a:scrgbClr r="0" g="0" b="0"/>
+      </a:effectRef>
+      <a:fontRef idx="minor"/>
+    </dgm:style>
+  </dgm:styleLbl>
+  <dgm:styleLbl name="conFgAcc1">
+    <dgm:scene3d>
+      <a:camera prst="orthographicFront">
+        <a:rot lat="0" lon="0" rev="0"/>
+      </a:camera>
+      <a:lightRig rig="contrasting" dir="t">
+        <a:rot lat="0" lon="0" rev="1200000"/>
+      </a:lightRig>
+    </dgm:scene3d>
+    <dgm:sp3d z="300000" contourW="19050" prstMaterial="metal">
+      <a:bevelT w="88900" h="203200"/>
+      <a:bevelB w="165100" h="254000"/>
+    </dgm:sp3d>
+    <dgm:txPr/>
+    <dgm:style>
+      <a:lnRef idx="0">
+        <a:scrgbClr r="0" g="0" b="0"/>
+      </a:lnRef>
+      <a:fillRef idx="1">
+        <a:scrgbClr r="0" g="0" b="0"/>
+      </a:fillRef>
+      <a:effectRef idx="0">
+        <a:scrgbClr r="0" g="0" b="0"/>
+      </a:effectRef>
+      <a:fontRef idx="minor"/>
+    </dgm:style>
+  </dgm:styleLbl>
+  <dgm:styleLbl name="alignAcc1">
+    <dgm:scene3d>
+      <a:camera prst="orthographicFront">
+        <a:rot lat="0" lon="0" rev="0"/>
+      </a:camera>
+      <a:lightRig rig="contrasting" dir="t">
+        <a:rot lat="0" lon="0" rev="1200000"/>
+      </a:lightRig>
+    </dgm:scene3d>
+    <dgm:sp3d contourW="19050" prstMaterial="metal">
+      <a:bevelT w="88900" h="203200"/>
+      <a:bevelB w="165100" h="254000"/>
+    </dgm:sp3d>
+    <dgm:txPr/>
+    <dgm:style>
+      <a:lnRef idx="0">
+        <a:scrgbClr r="0" g="0" b="0"/>
+      </a:lnRef>
+      <a:fillRef idx="1">
+        <a:scrgbClr r="0" g="0" b="0"/>
+      </a:fillRef>
+      <a:effectRef idx="0">
+        <a:scrgbClr r="0" g="0" b="0"/>
+      </a:effectRef>
+      <a:fontRef idx="minor"/>
+    </dgm:style>
+  </dgm:styleLbl>
+  <dgm:styleLbl name="trAlignAcc1">
+    <dgm:scene3d>
+      <a:camera prst="orthographicFront">
+        <a:rot lat="0" lon="0" rev="0"/>
+      </a:camera>
+      <a:lightRig rig="contrasting" dir="t">
+        <a:rot lat="0" lon="0" rev="1200000"/>
+      </a:lightRig>
+    </dgm:scene3d>
+    <dgm:sp3d contourW="19050" prstMaterial="metal">
+      <a:bevelT w="88900" h="203200"/>
+      <a:bevelB w="165100" h="254000"/>
+    </dgm:sp3d>
+    <dgm:txPr/>
+    <dgm:style>
+      <a:lnRef idx="0">
+        <a:scrgbClr r="0" g="0" b="0"/>
+      </a:lnRef>
+      <a:fillRef idx="1">
+        <a:scrgbClr r="0" g="0" b="0"/>
+      </a:fillRef>
+      <a:effectRef idx="1">
+        <a:scrgbClr r="0" g="0" b="0"/>
+      </a:effectRef>
+      <a:fontRef idx="minor"/>
+    </dgm:style>
+  </dgm:styleLbl>
+  <dgm:styleLbl name="bgAcc1">
+    <dgm:scene3d>
+      <a:camera prst="orthographicFront">
+        <a:rot lat="0" lon="0" rev="0"/>
+      </a:camera>
+      <a:lightRig rig="contrasting" dir="t">
+        <a:rot lat="0" lon="0" rev="1200000"/>
+      </a:lightRig>
+    </dgm:scene3d>
+    <dgm:sp3d z="-300000" contourW="19050" prstMaterial="metal">
+      <a:bevelT w="88900" h="203200"/>
+      <a:bevelB w="165100" h="254000"/>
+    </dgm:sp3d>
+    <dgm:txPr/>
+    <dgm:style>
+      <a:lnRef idx="0">
+        <a:scrgbClr r="0" g="0" b="0"/>
+      </a:lnRef>
+      <a:fillRef idx="1">
+        <a:scrgbClr r="0" g="0" b="0"/>
+      </a:fillRef>
+      <a:effectRef idx="0">
+        <a:scrgbClr r="0" g="0" b="0"/>
+      </a:effectRef>
+      <a:fontRef idx="minor"/>
+    </dgm:style>
+  </dgm:styleLbl>
+  <dgm:styleLbl name="solidFgAcc1">
+    <dgm:scene3d>
+      <a:camera prst="orthographicFront">
+        <a:rot lat="0" lon="0" rev="0"/>
+      </a:camera>
+      <a:lightRig rig="contrasting" dir="t">
+        <a:rot lat="0" lon="0" rev="1200000"/>
+      </a:lightRig>
+    </dgm:scene3d>
+    <dgm:sp3d z="300000" contourW="12700" prstMaterial="flat">
+      <a:bevelT w="177800" h="254000"/>
+      <a:bevelB w="152400"/>
+    </dgm:sp3d>
+    <dgm:txPr/>
+    <dgm:style>
+      <a:lnRef idx="0">
+        <a:scrgbClr r="0" g="0" b="0"/>
+      </a:lnRef>
+      <a:fillRef idx="1">
+        <a:scrgbClr r="0" g="0" b="0"/>
+      </a:fillRef>
+      <a:effectRef idx="0">
+        <a:scrgbClr r="0" g="0" b="0"/>
+      </a:effectRef>
+      <a:fontRef idx="minor"/>
+    </dgm:style>
+  </dgm:styleLbl>
+  <dgm:styleLbl name="solidAlignAcc1">
+    <dgm:scene3d>
+      <a:camera prst="orthographicFront">
+        <a:rot lat="0" lon="0" rev="0"/>
+      </a:camera>
+      <a:lightRig rig="contrasting" dir="t">
+        <a:rot lat="0" lon="0" rev="1200000"/>
+      </a:lightRig>
+    </dgm:scene3d>
+    <dgm:sp3d contourW="19050" prstMaterial="metal">
+      <a:bevelT w="88900" h="203200"/>
+      <a:bevelB w="165100" h="254000"/>
+    </dgm:sp3d>
+    <dgm:txPr/>
+    <dgm:style>
+      <a:lnRef idx="0">
+        <a:scrgbClr r="0" g="0" b="0"/>
+      </a:lnRef>
+      <a:fillRef idx="1">
+        <a:scrgbClr r="0" g="0" b="0"/>
+      </a:fillRef>
+      <a:effectRef idx="0">
+        <a:scrgbClr r="0" g="0" b="0"/>
+      </a:effectRef>
+      <a:fontRef idx="minor"/>
+    </dgm:style>
+  </dgm:styleLbl>
+  <dgm:styleLbl name="solidBgAcc1">
+    <dgm:scene3d>
+      <a:camera prst="orthographicFront">
+        <a:rot lat="0" lon="0" rev="0"/>
+      </a:camera>
+      <a:lightRig rig="contrasting" dir="t">
+        <a:rot lat="0" lon="0" rev="1200000"/>
+      </a:lightRig>
+    </dgm:scene3d>
+    <dgm:sp3d z="-300000" contourW="19050" prstMaterial="metal">
+      <a:bevelT w="88900" h="203200"/>
+      <a:bevelB w="165100" h="254000"/>
+    </dgm:sp3d>
+    <dgm:txPr/>
+    <dgm:style>
+      <a:lnRef idx="0">
+        <a:scrgbClr r="0" g="0" b="0"/>
+      </a:lnRef>
+      <a:fillRef idx="1">
+        <a:scrgbClr r="0" g="0" b="0"/>
+      </a:fillRef>
+      <a:effectRef idx="0">
+        <a:scrgbClr r="0" g="0" b="0"/>
+      </a:effectRef>
+      <a:fontRef idx="minor"/>
+    </dgm:style>
+  </dgm:styleLbl>
+  <dgm:styleLbl name="fgAccFollowNode1">
+    <dgm:scene3d>
+      <a:camera prst="orthographicFront">
+        <a:rot lat="0" lon="0" rev="0"/>
+      </a:camera>
+      <a:lightRig rig="contrasting" dir="t">
+        <a:rot lat="0" lon="0" rev="1200000"/>
+      </a:lightRig>
+    </dgm:scene3d>
+    <dgm:sp3d z="300000" contourW="19050" prstMaterial="metal">
+      <a:bevelT w="88900" h="203200"/>
+      <a:bevelB w="165100" h="254000"/>
+    </dgm:sp3d>
+    <dgm:txPr/>
+    <dgm:style>
+      <a:lnRef idx="0">
+        <a:scrgbClr r="0" g="0" b="0"/>
+      </a:lnRef>
+      <a:fillRef idx="1">
+        <a:scrgbClr r="0" g="0" b="0"/>
+      </a:fillRef>
+      <a:effectRef idx="0">
+        <a:scrgbClr r="0" g="0" b="0"/>
+      </a:effectRef>
+      <a:fontRef idx="minor"/>
+    </dgm:style>
+  </dgm:styleLbl>
+  <dgm:styleLbl name="alignAccFollowNode1">
+    <dgm:scene3d>
+      <a:camera prst="orthographicFront">
+        <a:rot lat="0" lon="0" rev="0"/>
+      </a:camera>
+      <a:lightRig rig="contrasting" dir="t">
+        <a:rot lat="0" lon="0" rev="1200000"/>
+      </a:lightRig>
+    </dgm:scene3d>
+    <dgm:sp3d contourW="19050" prstMaterial="metal">
+      <a:bevelT w="88900" h="203200"/>
+      <a:bevelB w="165100" h="254000"/>
+    </dgm:sp3d>
+    <dgm:txPr/>
+    <dgm:style>
+      <a:lnRef idx="0">
+        <a:scrgbClr r="0" g="0" b="0"/>
+      </a:lnRef>
+      <a:fillRef idx="1">
+        <a:scrgbClr r="0" g="0" b="0"/>
+      </a:fillRef>
+      <a:effectRef idx="0">
+        <a:scrgbClr r="0" g="0" b="0"/>
+      </a:effectRef>
+      <a:fontRef idx="minor"/>
+    </dgm:style>
+  </dgm:styleLbl>
+  <dgm:styleLbl name="bgAccFollowNode1">
+    <dgm:scene3d>
+      <a:camera prst="orthographicFront">
+        <a:rot lat="0" lon="0" rev="0"/>
+      </a:camera>
+      <a:lightRig rig="contrasting" dir="t">
+        <a:rot lat="0" lon="0" rev="1200000"/>
+      </a:lightRig>
+    </dgm:scene3d>
+    <dgm:sp3d z="-300000" contourW="19050" prstMaterial="metal">
+      <a:bevelT w="88900" h="203200"/>
+      <a:bevelB w="165100" h="254000"/>
+    </dgm:sp3d>
+    <dgm:txPr/>
+    <dgm:style>
+      <a:lnRef idx="0">
+        <a:scrgbClr r="0" g="0" b="0"/>
+      </a:lnRef>
+      <a:fillRef idx="1">
+        <a:scrgbClr r="0" g="0" b="0"/>
+      </a:fillRef>
+      <a:effectRef idx="0">
+        <a:scrgbClr r="0" g="0" b="0"/>
+      </a:effectRef>
+      <a:fontRef idx="minor"/>
+    </dgm:style>
+  </dgm:styleLbl>
+  <dgm:styleLbl name="fgAcc0">
+    <dgm:scene3d>
+      <a:camera prst="orthographicFront">
+        <a:rot lat="0" lon="0" rev="0"/>
+      </a:camera>
+      <a:lightRig rig="contrasting" dir="t">
+        <a:rot lat="0" lon="0" rev="1200000"/>
+      </a:lightRig>
+    </dgm:scene3d>
+    <dgm:sp3d z="300000" contourW="19050" prstMaterial="metal">
+      <a:bevelT w="88900" h="203200"/>
+      <a:bevelB w="165100" h="254000"/>
+    </dgm:sp3d>
+    <dgm:txPr/>
+    <dgm:style>
+      <a:lnRef idx="0">
+        <a:scrgbClr r="0" g="0" b="0"/>
+      </a:lnRef>
+      <a:fillRef idx="1">
+        <a:scrgbClr r="0" g="0" b="0"/>
+      </a:fillRef>
+      <a:effectRef idx="0">
+        <a:scrgbClr r="0" g="0" b="0"/>
+      </a:effectRef>
+      <a:fontRef idx="minor"/>
+    </dgm:style>
+  </dgm:styleLbl>
+  <dgm:styleLbl name="fgAcc2">
+    <dgm:scene3d>
+      <a:camera prst="orthographicFront">
+        <a:rot lat="0" lon="0" rev="0"/>
+      </a:camera>
+      <a:lightRig rig="contrasting" dir="t">
+        <a:rot lat="0" lon="0" rev="1200000"/>
+      </a:lightRig>
+    </dgm:scene3d>
+    <dgm:sp3d z="300000" contourW="19050" prstMaterial="metal">
+      <a:bevelT w="88900" h="203200"/>
+      <a:bevelB w="165100" h="254000"/>
+    </dgm:sp3d>
+    <dgm:txPr/>
+    <dgm:style>
+      <a:lnRef idx="0">
+        <a:scrgbClr r="0" g="0" b="0"/>
+      </a:lnRef>
+      <a:fillRef idx="1">
+        <a:scrgbClr r="0" g="0" b="0"/>
+      </a:fillRef>
+      <a:effectRef idx="0">
+        <a:scrgbClr r="0" g="0" b="0"/>
+      </a:effectRef>
+      <a:fontRef idx="minor"/>
+    </dgm:style>
+  </dgm:styleLbl>
+  <dgm:styleLbl name="fgAcc3">
+    <dgm:scene3d>
+      <a:camera prst="orthographicFront">
+        <a:rot lat="0" lon="0" rev="0"/>
+      </a:camera>
+      <a:lightRig rig="contrasting" dir="t">
+        <a:rot lat="0" lon="0" rev="1200000"/>
+      </a:lightRig>
+    </dgm:scene3d>
+    <dgm:sp3d z="300000" contourW="19050" prstMaterial="metal">
+      <a:bevelT w="88900" h="203200"/>
+      <a:bevelB w="165100" h="254000"/>
+    </dgm:sp3d>
+    <dgm:txPr/>
+    <dgm:style>
+      <a:lnRef idx="0">
+        <a:scrgbClr r="0" g="0" b="0"/>
+      </a:lnRef>
+      <a:fillRef idx="1">
+        <a:scrgbClr r="0" g="0" b="0"/>
+      </a:fillRef>
+      <a:effectRef idx="0">
+        <a:scrgbClr r="0" g="0" b="0"/>
+      </a:effectRef>
+      <a:fontRef idx="minor"/>
+    </dgm:style>
+  </dgm:styleLbl>
+  <dgm:styleLbl name="fgAcc4">
+    <dgm:scene3d>
+      <a:camera prst="orthographicFront">
+        <a:rot lat="0" lon="0" rev="0"/>
+      </a:camera>
+      <a:lightRig rig="contrasting" dir="t">
+        <a:rot lat="0" lon="0" rev="1200000"/>
+      </a:lightRig>
+    </dgm:scene3d>
+    <dgm:sp3d z="300000" contourW="19050" prstMaterial="metal">
+      <a:bevelT w="88900" h="203200"/>
+      <a:bevelB w="165100" h="254000"/>
+    </dgm:sp3d>
+    <dgm:txPr/>
+    <dgm:style>
+      <a:lnRef idx="0">
+        <a:scrgbClr r="0" g="0" b="0"/>
+      </a:lnRef>
+      <a:fillRef idx="1">
+        <a:scrgbClr r="0" g="0" b="0"/>
+      </a:fillRef>
+      <a:effectRef idx="0">
+        <a:scrgbClr r="0" g="0" b="0"/>
+      </a:effectRef>
+      <a:fontRef idx="minor"/>
+    </dgm:style>
+  </dgm:styleLbl>
+  <dgm:styleLbl name="bgShp">
+    <dgm:scene3d>
+      <a:camera prst="orthographicFront">
+        <a:rot lat="0" lon="0" rev="0"/>
+      </a:camera>
+      <a:lightRig rig="contrasting" dir="t">
+        <a:rot lat="0" lon="0" rev="1200000"/>
+      </a:lightRig>
+    </dgm:scene3d>
+    <dgm:sp3d z="-300000" prstMaterial="plastic"/>
+    <dgm:txPr/>
+    <dgm:style>
+      <a:lnRef idx="1">
+        <a:scrgbClr r="0" g="0" b="0"/>
+      </a:lnRef>
+      <a:fillRef idx="1">
+        <a:scrgbClr r="0" g="0" b="0"/>
+      </a:fillRef>
+      <a:effectRef idx="0">
+        <a:scrgbClr r="0" g="0" b="0"/>
+      </a:effectRef>
+      <a:fontRef idx="minor"/>
+    </dgm:style>
+  </dgm:styleLbl>
+  <dgm:styleLbl name="dkBgShp">
+    <dgm:scene3d>
+      <a:camera prst="orthographicFront">
+        <a:rot lat="0" lon="0" rev="0"/>
+      </a:camera>
+      <a:lightRig rig="contrasting" dir="t">
+        <a:rot lat="0" lon="0" rev="1200000"/>
+      </a:lightRig>
+    </dgm:scene3d>
+    <dgm:sp3d contourW="12700" prstMaterial="flat">
+      <a:bevelT w="100800" h="154000"/>
+      <a:bevelB w="152400"/>
+    </dgm:sp3d>
+    <dgm:txPr/>
+    <dgm:style>
+      <a:lnRef idx="0">
+        <a:scrgbClr r="0" g="0" b="0"/>
+      </a:lnRef>
+      <a:fillRef idx="1">
+        <a:scrgbClr r="0" g="0" b="0"/>
+      </a:fillRef>
+      <a:effectRef idx="0">
+        <a:scrgbClr r="0" g="0" b="0"/>
+      </a:effectRef>
+      <a:fontRef idx="minor"/>
+    </dgm:style>
+  </dgm:styleLbl>
+  <dgm:styleLbl name="trBgShp">
+    <dgm:scene3d>
+      <a:camera prst="orthographicFront">
+        <a:rot lat="0" lon="0" rev="0"/>
+      </a:camera>
+      <a:lightRig rig="contrasting" dir="t">
+        <a:rot lat="0" lon="0" rev="1200000"/>
+      </a:lightRig>
+    </dgm:scene3d>
+    <dgm:sp3d z="-152400" prstMaterial="matte"/>
+    <dgm:txPr/>
+    <dgm:style>
+      <a:lnRef idx="1">
+        <a:scrgbClr r="0" g="0" b="0"/>
+      </a:lnRef>
+      <a:fillRef idx="1">
+        <a:scrgbClr r="0" g="0" b="0"/>
+      </a:fillRef>
+      <a:effectRef idx="0">
+        <a:scrgbClr r="0" g="0" b="0"/>
+      </a:effectRef>
+      <a:fontRef idx="minor"/>
+    </dgm:style>
+  </dgm:styleLbl>
+  <dgm:styleLbl name="fgShp">
+    <dgm:scene3d>
+      <a:camera prst="orthographicFront">
+        <a:rot lat="0" lon="0" rev="0"/>
+      </a:camera>
+      <a:lightRig rig="contrasting" dir="t">
+        <a:rot lat="0" lon="0" rev="1200000"/>
+      </a:lightRig>
+    </dgm:scene3d>
+    <dgm:sp3d z="300000" contourW="19050" prstMaterial="metal">
+      <a:bevelT w="88900" h="203200"/>
+      <a:bevelB w="165100" h="254000"/>
+    </dgm:sp3d>
+    <dgm:txPr/>
+    <dgm:style>
+      <a:lnRef idx="0">
+        <a:scrgbClr r="0" g="0" b="0"/>
+      </a:lnRef>
+      <a:fillRef idx="1">
+        <a:scrgbClr r="0" g="0" b="0"/>
+      </a:fillRef>
+      <a:effectRef idx="0">
+        <a:scrgbClr r="0" g="0" b="0"/>
+      </a:effectRef>
+      <a:fontRef idx="minor"/>
+    </dgm:style>
+  </dgm:styleLbl>
+  <dgm:styleLbl name="revTx">
+    <dgm:scene3d>
+      <a:camera prst="orthographicFront"/>
+      <a:lightRig rig="threePt" dir="t"/>
+    </dgm:scene3d>
+    <dgm:sp3d/>
+    <dgm:txPr/>
+    <dgm:style>
+      <a:lnRef idx="1">
+        <a:scrgbClr r="0" g="0" b="0"/>
+      </a:lnRef>
+      <a:fillRef idx="0">
+        <a:scrgbClr r="0" g="0" b="0"/>
+      </a:fillRef>
+      <a:effectRef idx="0">
+        <a:scrgbClr r="0" g="0" b="0"/>
+      </a:effectRef>
+      <a:fontRef idx="minor"/>
+    </dgm:style>
+  </dgm:styleLbl>
+</dgm:styleDef>
+</file>
+
 <file path=ppt/notesMasters/notesMaster1.xml><?xml version="1.0" encoding="utf-8"?>
 <p:notesMaster xmlns:a="http://schemas.openxmlformats.org/drawingml/2006/main" xmlns:r="http://schemas.openxmlformats.org/officeDocument/2006/relationships" xmlns:p="http://schemas.openxmlformats.org/presentationml/2006/main">
   <p:cSld>
@@ -205,7 +4657,7 @@
           <a:p>
             <a:fld id="{D780223A-92FE-4A5B-BB5B-749048751019}" type="datetimeFigureOut">
               <a:rPr lang="ru-RU" smtClean="0"/>
-              <a:t>06.11.2025</a:t>
+              <a:t>20.11.2025</a:t>
             </a:fld>
             <a:endParaRPr lang="ru-RU"/>
           </a:p>
@@ -620,7 +5072,7 @@
           <a:p>
             <a:fld id="{6C3580BC-6B02-4DCF-B19F-0EB9C768A3FE}" type="datetime1">
               <a:rPr lang="ru-RU" smtClean="0"/>
-              <a:t>06.11.2025</a:t>
+              <a:t>20.11.2025</a:t>
             </a:fld>
             <a:endParaRPr lang="ru-RU"/>
           </a:p>
@@ -818,7 +5270,7 @@
           <a:p>
             <a:fld id="{7710571D-D699-4ACD-A1A7-5EC42B21ACC4}" type="datetime1">
               <a:rPr lang="ru-RU" smtClean="0"/>
-              <a:t>06.11.2025</a:t>
+              <a:t>20.11.2025</a:t>
             </a:fld>
             <a:endParaRPr lang="ru-RU"/>
           </a:p>
@@ -1026,7 +5478,7 @@
           <a:p>
             <a:fld id="{CC977B4C-FD90-4D07-A416-F62E908158A9}" type="datetime1">
               <a:rPr lang="ru-RU" smtClean="0"/>
-              <a:t>06.11.2025</a:t>
+              <a:t>20.11.2025</a:t>
             </a:fld>
             <a:endParaRPr lang="ru-RU"/>
           </a:p>
@@ -1224,7 +5676,7 @@
           <a:p>
             <a:fld id="{3F0262AB-E04E-4F06-9A10-68B74A6F831C}" type="datetime1">
               <a:rPr lang="ru-RU" smtClean="0"/>
-              <a:t>06.11.2025</a:t>
+              <a:t>20.11.2025</a:t>
             </a:fld>
             <a:endParaRPr lang="ru-RU"/>
           </a:p>
@@ -1499,7 +5951,7 @@
           <a:p>
             <a:fld id="{1460DE69-666D-4487-BC90-69FDB1137A48}" type="datetime1">
               <a:rPr lang="ru-RU" smtClean="0"/>
-              <a:t>06.11.2025</a:t>
+              <a:t>20.11.2025</a:t>
             </a:fld>
             <a:endParaRPr lang="ru-RU"/>
           </a:p>
@@ -1764,7 +6216,7 @@
           <a:p>
             <a:fld id="{8B37F689-C7D3-4FBE-8D92-FCDD4B001B08}" type="datetime1">
               <a:rPr lang="ru-RU" smtClean="0"/>
-              <a:t>06.11.2025</a:t>
+              <a:t>20.11.2025</a:t>
             </a:fld>
             <a:endParaRPr lang="ru-RU"/>
           </a:p>
@@ -2176,7 +6628,7 @@
           <a:p>
             <a:fld id="{AE88D557-C1B2-4FD9-BB0B-65B6B327D49D}" type="datetime1">
               <a:rPr lang="ru-RU" smtClean="0"/>
-              <a:t>06.11.2025</a:t>
+              <a:t>20.11.2025</a:t>
             </a:fld>
             <a:endParaRPr lang="ru-RU"/>
           </a:p>
@@ -2317,7 +6769,7 @@
           <a:p>
             <a:fld id="{2A0144E9-D005-4784-9BEA-CC60C2CCEA11}" type="datetime1">
               <a:rPr lang="ru-RU" smtClean="0"/>
-              <a:t>06.11.2025</a:t>
+              <a:t>20.11.2025</a:t>
             </a:fld>
             <a:endParaRPr lang="ru-RU"/>
           </a:p>
@@ -2430,7 +6882,7 @@
           <a:p>
             <a:fld id="{D5AEF033-C872-494D-8C8D-1135967C3271}" type="datetime1">
               <a:rPr lang="ru-RU" smtClean="0"/>
-              <a:t>06.11.2025</a:t>
+              <a:t>20.11.2025</a:t>
             </a:fld>
             <a:endParaRPr lang="ru-RU"/>
           </a:p>
@@ -2741,7 +7193,7 @@
           <a:p>
             <a:fld id="{842EC839-69BC-43B6-9B38-60AA6CCA39C5}" type="datetime1">
               <a:rPr lang="ru-RU" smtClean="0"/>
-              <a:t>06.11.2025</a:t>
+              <a:t>20.11.2025</a:t>
             </a:fld>
             <a:endParaRPr lang="ru-RU"/>
           </a:p>
@@ -3029,7 +7481,7 @@
           <a:p>
             <a:fld id="{3993203D-F460-4EED-95FB-15ABDABE335A}" type="datetime1">
               <a:rPr lang="ru-RU" smtClean="0"/>
-              <a:t>06.11.2025</a:t>
+              <a:t>20.11.2025</a:t>
             </a:fld>
             <a:endParaRPr lang="ru-RU"/>
           </a:p>
@@ -3270,7 +7722,7 @@
           <a:p>
             <a:fld id="{A71AF16D-7B67-40C7-A698-CD17E9078998}" type="datetime1">
               <a:rPr lang="ru-RU" smtClean="0"/>
-              <a:t>06.11.2025</a:t>
+              <a:t>20.11.2025</a:t>
             </a:fld>
             <a:endParaRPr lang="ru-RU"/>
           </a:p>
@@ -3690,48 +8142,1300 @@
       </p:grpSpPr>
       <p:sp>
         <p:nvSpPr>
-          <p:cNvPr id="2" name="Заголовок 1">
+          <p:cNvPr id="8" name="Заголовок 1"/>
+          <p:cNvSpPr txBox="1">
+            <a:spLocks/>
+          </p:cNvSpPr>
+          <p:nvPr/>
+        </p:nvSpPr>
+        <p:spPr>
+          <a:xfrm>
+            <a:off x="1652478" y="1786644"/>
+            <a:ext cx="8562512" cy="1745337"/>
+          </a:xfrm>
+          <a:prstGeom prst="rect">
+            <a:avLst/>
+          </a:prstGeom>
+        </p:spPr>
+        <p:txBody>
+          <a:bodyPr vert="horz" lIns="91440" tIns="45720" rIns="91440" bIns="45720" rtlCol="0" anchor="b">
+            <a:normAutofit fontScale="97500" lnSpcReduction="10000"/>
+          </a:bodyPr>
+          <a:lstStyle>
+            <a:lvl1pPr algn="ctr" defTabSz="1007943" rtl="0" eaLnBrk="1" latinLnBrk="0" hangingPunct="1">
+              <a:lnSpc>
+                <a:spcPct val="90000"/>
+              </a:lnSpc>
+              <a:spcBef>
+                <a:spcPct val="0"/>
+              </a:spcBef>
+              <a:buNone/>
+              <a:defRPr sz="6614" kern="1200">
+                <a:solidFill>
+                  <a:schemeClr val="tx1"/>
+                </a:solidFill>
+                <a:latin typeface="+mj-lt"/>
+                <a:ea typeface="+mj-ea"/>
+                <a:cs typeface="+mj-cs"/>
+              </a:defRPr>
+            </a:lvl1pPr>
+          </a:lstStyle>
+          <a:p>
+            <a:pPr marL="0" marR="0" lvl="0" indent="0" algn="ctr" defTabSz="1007943" rtl="0" eaLnBrk="1" fontAlgn="auto" latinLnBrk="0" hangingPunct="1">
+              <a:lnSpc>
+                <a:spcPct val="90000"/>
+              </a:lnSpc>
+              <a:spcBef>
+                <a:spcPct val="0"/>
+              </a:spcBef>
+              <a:spcAft>
+                <a:spcPts val="0"/>
+              </a:spcAft>
+              <a:buClrTx/>
+              <a:buSzTx/>
+              <a:buFontTx/>
+              <a:buNone/>
+              <a:tabLst/>
+              <a:defRPr/>
+            </a:pPr>
+            <a:r>
+              <a:rPr kumimoji="0" lang="ru-RU" sz="6614" b="0" i="0" u="none" strike="noStrike" kern="1200" cap="none" spc="0" normalizeH="0" baseline="0" noProof="0" smtClean="0">
+                <a:ln>
+                  <a:noFill/>
+                </a:ln>
+                <a:solidFill>
+                  <a:sysClr val="windowText" lastClr="000000"/>
+                </a:solidFill>
+                <a:effectLst/>
+                <a:uLnTx/>
+                <a:uFillTx/>
+                <a:latin typeface="Calibri Light" panose="020F0302020204030204"/>
+                <a:ea typeface="+mj-ea"/>
+                <a:cs typeface="+mj-cs"/>
+              </a:rPr>
+              <a:t>Основы системного анализа</a:t>
+            </a:r>
+            <a:endParaRPr kumimoji="0" lang="ru-RU" sz="2105" b="0" i="0" u="none" strike="noStrike" kern="1200" cap="none" spc="0" normalizeH="0" baseline="0" noProof="0" dirty="0">
+              <a:ln>
+                <a:noFill/>
+              </a:ln>
+              <a:solidFill>
+                <a:sysClr val="windowText" lastClr="000000"/>
+              </a:solidFill>
+              <a:effectLst/>
+              <a:uLnTx/>
+              <a:uFillTx/>
+              <a:latin typeface="Calibri Light" panose="020F0302020204030204"/>
+              <a:ea typeface="+mj-ea"/>
+              <a:cs typeface="+mj-cs"/>
+            </a:endParaRPr>
+          </a:p>
+        </p:txBody>
+      </p:sp>
+      <p:sp>
+        <p:nvSpPr>
+          <p:cNvPr id="9" name="Подзаголовок 2"/>
+          <p:cNvSpPr txBox="1">
+            <a:spLocks/>
+          </p:cNvSpPr>
+          <p:nvPr/>
+        </p:nvSpPr>
+        <p:spPr>
+          <a:xfrm>
+            <a:off x="5458932" y="4588761"/>
+            <a:ext cx="5209993" cy="836200"/>
+          </a:xfrm>
+          <a:prstGeom prst="rect">
+            <a:avLst/>
+          </a:prstGeom>
+        </p:spPr>
+        <p:txBody>
+          <a:bodyPr vert="horz" lIns="91440" tIns="45720" rIns="91440" bIns="45720" rtlCol="0">
+            <a:normAutofit fontScale="77500" lnSpcReduction="20000"/>
+          </a:bodyPr>
+          <a:lstStyle>
+            <a:lvl1pPr marL="0" indent="0" algn="ctr" defTabSz="1007943" rtl="0" eaLnBrk="1" latinLnBrk="0" hangingPunct="1">
+              <a:lnSpc>
+                <a:spcPct val="90000"/>
+              </a:lnSpc>
+              <a:spcBef>
+                <a:spcPts val="1102"/>
+              </a:spcBef>
+              <a:buFont typeface="Arial" panose="020B0604020202020204" pitchFamily="34" charset="0"/>
+              <a:buNone/>
+              <a:defRPr sz="2646" kern="1200">
+                <a:solidFill>
+                  <a:schemeClr val="tx1"/>
+                </a:solidFill>
+                <a:latin typeface="+mn-lt"/>
+                <a:ea typeface="+mn-ea"/>
+                <a:cs typeface="+mn-cs"/>
+              </a:defRPr>
+            </a:lvl1pPr>
+            <a:lvl2pPr marL="503972" indent="0" algn="ctr" defTabSz="1007943" rtl="0" eaLnBrk="1" latinLnBrk="0" hangingPunct="1">
+              <a:lnSpc>
+                <a:spcPct val="90000"/>
+              </a:lnSpc>
+              <a:spcBef>
+                <a:spcPts val="551"/>
+              </a:spcBef>
+              <a:buFont typeface="Arial" panose="020B0604020202020204" pitchFamily="34" charset="0"/>
+              <a:buNone/>
+              <a:defRPr sz="2205" kern="1200">
+                <a:solidFill>
+                  <a:schemeClr val="tx1"/>
+                </a:solidFill>
+                <a:latin typeface="+mn-lt"/>
+                <a:ea typeface="+mn-ea"/>
+                <a:cs typeface="+mn-cs"/>
+              </a:defRPr>
+            </a:lvl2pPr>
+            <a:lvl3pPr marL="1007943" indent="0" algn="ctr" defTabSz="1007943" rtl="0" eaLnBrk="1" latinLnBrk="0" hangingPunct="1">
+              <a:lnSpc>
+                <a:spcPct val="90000"/>
+              </a:lnSpc>
+              <a:spcBef>
+                <a:spcPts val="551"/>
+              </a:spcBef>
+              <a:buFont typeface="Arial" panose="020B0604020202020204" pitchFamily="34" charset="0"/>
+              <a:buNone/>
+              <a:defRPr sz="1984" kern="1200">
+                <a:solidFill>
+                  <a:schemeClr val="tx1"/>
+                </a:solidFill>
+                <a:latin typeface="+mn-lt"/>
+                <a:ea typeface="+mn-ea"/>
+                <a:cs typeface="+mn-cs"/>
+              </a:defRPr>
+            </a:lvl3pPr>
+            <a:lvl4pPr marL="1511915" indent="0" algn="ctr" defTabSz="1007943" rtl="0" eaLnBrk="1" latinLnBrk="0" hangingPunct="1">
+              <a:lnSpc>
+                <a:spcPct val="90000"/>
+              </a:lnSpc>
+              <a:spcBef>
+                <a:spcPts val="551"/>
+              </a:spcBef>
+              <a:buFont typeface="Arial" panose="020B0604020202020204" pitchFamily="34" charset="0"/>
+              <a:buNone/>
+              <a:defRPr sz="1764" kern="1200">
+                <a:solidFill>
+                  <a:schemeClr val="tx1"/>
+                </a:solidFill>
+                <a:latin typeface="+mn-lt"/>
+                <a:ea typeface="+mn-ea"/>
+                <a:cs typeface="+mn-cs"/>
+              </a:defRPr>
+            </a:lvl4pPr>
+            <a:lvl5pPr marL="2015886" indent="0" algn="ctr" defTabSz="1007943" rtl="0" eaLnBrk="1" latinLnBrk="0" hangingPunct="1">
+              <a:lnSpc>
+                <a:spcPct val="90000"/>
+              </a:lnSpc>
+              <a:spcBef>
+                <a:spcPts val="551"/>
+              </a:spcBef>
+              <a:buFont typeface="Arial" panose="020B0604020202020204" pitchFamily="34" charset="0"/>
+              <a:buNone/>
+              <a:defRPr sz="1764" kern="1200">
+                <a:solidFill>
+                  <a:schemeClr val="tx1"/>
+                </a:solidFill>
+                <a:latin typeface="+mn-lt"/>
+                <a:ea typeface="+mn-ea"/>
+                <a:cs typeface="+mn-cs"/>
+              </a:defRPr>
+            </a:lvl5pPr>
+            <a:lvl6pPr marL="2519858" indent="0" algn="ctr" defTabSz="1007943" rtl="0" eaLnBrk="1" latinLnBrk="0" hangingPunct="1">
+              <a:lnSpc>
+                <a:spcPct val="90000"/>
+              </a:lnSpc>
+              <a:spcBef>
+                <a:spcPts val="551"/>
+              </a:spcBef>
+              <a:buFont typeface="Arial" panose="020B0604020202020204" pitchFamily="34" charset="0"/>
+              <a:buNone/>
+              <a:defRPr sz="1764" kern="1200">
+                <a:solidFill>
+                  <a:schemeClr val="tx1"/>
+                </a:solidFill>
+                <a:latin typeface="+mn-lt"/>
+                <a:ea typeface="+mn-ea"/>
+                <a:cs typeface="+mn-cs"/>
+              </a:defRPr>
+            </a:lvl6pPr>
+            <a:lvl7pPr marL="3023829" indent="0" algn="ctr" defTabSz="1007943" rtl="0" eaLnBrk="1" latinLnBrk="0" hangingPunct="1">
+              <a:lnSpc>
+                <a:spcPct val="90000"/>
+              </a:lnSpc>
+              <a:spcBef>
+                <a:spcPts val="551"/>
+              </a:spcBef>
+              <a:buFont typeface="Arial" panose="020B0604020202020204" pitchFamily="34" charset="0"/>
+              <a:buNone/>
+              <a:defRPr sz="1764" kern="1200">
+                <a:solidFill>
+                  <a:schemeClr val="tx1"/>
+                </a:solidFill>
+                <a:latin typeface="+mn-lt"/>
+                <a:ea typeface="+mn-ea"/>
+                <a:cs typeface="+mn-cs"/>
+              </a:defRPr>
+            </a:lvl7pPr>
+            <a:lvl8pPr marL="3527801" indent="0" algn="ctr" defTabSz="1007943" rtl="0" eaLnBrk="1" latinLnBrk="0" hangingPunct="1">
+              <a:lnSpc>
+                <a:spcPct val="90000"/>
+              </a:lnSpc>
+              <a:spcBef>
+                <a:spcPts val="551"/>
+              </a:spcBef>
+              <a:buFont typeface="Arial" panose="020B0604020202020204" pitchFamily="34" charset="0"/>
+              <a:buNone/>
+              <a:defRPr sz="1764" kern="1200">
+                <a:solidFill>
+                  <a:schemeClr val="tx1"/>
+                </a:solidFill>
+                <a:latin typeface="+mn-lt"/>
+                <a:ea typeface="+mn-ea"/>
+                <a:cs typeface="+mn-cs"/>
+              </a:defRPr>
+            </a:lvl8pPr>
+            <a:lvl9pPr marL="4031772" indent="0" algn="ctr" defTabSz="1007943" rtl="0" eaLnBrk="1" latinLnBrk="0" hangingPunct="1">
+              <a:lnSpc>
+                <a:spcPct val="90000"/>
+              </a:lnSpc>
+              <a:spcBef>
+                <a:spcPts val="551"/>
+              </a:spcBef>
+              <a:buFont typeface="Arial" panose="020B0604020202020204" pitchFamily="34" charset="0"/>
+              <a:buNone/>
+              <a:defRPr sz="1764" kern="1200">
+                <a:solidFill>
+                  <a:schemeClr val="tx1"/>
+                </a:solidFill>
+                <a:latin typeface="+mn-lt"/>
+                <a:ea typeface="+mn-ea"/>
+                <a:cs typeface="+mn-cs"/>
+              </a:defRPr>
+            </a:lvl9pPr>
+          </a:lstStyle>
+          <a:p>
+            <a:pPr marL="0" marR="0" lvl="0" indent="0" algn="r" defTabSz="1007943" rtl="0" eaLnBrk="1" fontAlgn="auto" latinLnBrk="0" hangingPunct="1">
+              <a:lnSpc>
+                <a:spcPct val="90000"/>
+              </a:lnSpc>
+              <a:spcBef>
+                <a:spcPts val="1102"/>
+              </a:spcBef>
+              <a:spcAft>
+                <a:spcPts val="0"/>
+              </a:spcAft>
+              <a:buClrTx/>
+              <a:buSzTx/>
+              <a:buFont typeface="Arial" panose="020B0604020202020204" pitchFamily="34" charset="0"/>
+              <a:buNone/>
+              <a:tabLst/>
+              <a:defRPr/>
+            </a:pPr>
+            <a:r>
+              <a:rPr kumimoji="0" lang="ru-RU" sz="2646" b="0" i="0" u="none" strike="noStrike" kern="1200" cap="none" spc="0" normalizeH="0" baseline="0" noProof="0" dirty="0" smtClean="0">
+                <a:ln>
+                  <a:noFill/>
+                </a:ln>
+                <a:solidFill>
+                  <a:sysClr val="windowText" lastClr="000000"/>
+                </a:solidFill>
+                <a:effectLst/>
+                <a:uLnTx/>
+                <a:uFillTx/>
+                <a:latin typeface="Calibri" panose="020F0502020204030204"/>
+                <a:ea typeface="+mn-ea"/>
+                <a:cs typeface="+mn-cs"/>
+              </a:rPr>
+              <a:t>Студент: </a:t>
+            </a:r>
+            <a:r>
+              <a:rPr kumimoji="0" lang="ru-RU" sz="2646" b="0" i="0" u="none" strike="noStrike" kern="1200" cap="none" spc="0" normalizeH="0" baseline="0" noProof="0" dirty="0" err="1" smtClean="0">
+                <a:ln>
+                  <a:noFill/>
+                </a:ln>
+                <a:solidFill>
+                  <a:sysClr val="windowText" lastClr="000000"/>
+                </a:solidFill>
+                <a:effectLst/>
+                <a:uLnTx/>
+                <a:uFillTx/>
+                <a:latin typeface="Calibri" panose="020F0502020204030204"/>
+                <a:ea typeface="+mn-ea"/>
+                <a:cs typeface="+mn-cs"/>
+              </a:rPr>
+              <a:t>Василения</a:t>
+            </a:r>
+            <a:r>
+              <a:rPr kumimoji="0" lang="ru-RU" sz="2646" b="0" i="0" u="none" strike="noStrike" kern="1200" cap="none" spc="0" normalizeH="0" baseline="0" noProof="0" dirty="0" smtClean="0">
+                <a:ln>
+                  <a:noFill/>
+                </a:ln>
+                <a:solidFill>
+                  <a:sysClr val="windowText" lastClr="000000"/>
+                </a:solidFill>
+                <a:effectLst/>
+                <a:uLnTx/>
+                <a:uFillTx/>
+                <a:latin typeface="Calibri" panose="020F0502020204030204"/>
+                <a:ea typeface="+mn-ea"/>
+                <a:cs typeface="+mn-cs"/>
+              </a:rPr>
+              <a:t> Иван Валерьевич</a:t>
+            </a:r>
+          </a:p>
+          <a:p>
+            <a:pPr marL="0" marR="0" lvl="0" indent="0" algn="r" defTabSz="1007943" rtl="0" eaLnBrk="1" fontAlgn="auto" latinLnBrk="0" hangingPunct="1">
+              <a:lnSpc>
+                <a:spcPct val="90000"/>
+              </a:lnSpc>
+              <a:spcBef>
+                <a:spcPts val="1102"/>
+              </a:spcBef>
+              <a:spcAft>
+                <a:spcPts val="0"/>
+              </a:spcAft>
+              <a:buClrTx/>
+              <a:buSzTx/>
+              <a:buFont typeface="Arial" panose="020B0604020202020204" pitchFamily="34" charset="0"/>
+              <a:buNone/>
+              <a:tabLst/>
+              <a:defRPr/>
+            </a:pPr>
+            <a:r>
+              <a:rPr kumimoji="0" lang="ru-RU" sz="2646" b="0" i="0" u="none" strike="noStrike" kern="1200" cap="none" spc="0" normalizeH="0" baseline="0" noProof="0" dirty="0" smtClean="0">
+                <a:ln>
+                  <a:noFill/>
+                </a:ln>
+                <a:solidFill>
+                  <a:sysClr val="windowText" lastClr="000000"/>
+                </a:solidFill>
+                <a:effectLst/>
+                <a:uLnTx/>
+                <a:uFillTx/>
+                <a:latin typeface="Calibri" panose="020F0502020204030204"/>
+                <a:ea typeface="+mn-ea"/>
+                <a:cs typeface="+mn-cs"/>
+              </a:rPr>
+              <a:t>Преподаватель: Раков Владимир Иванович</a:t>
+            </a:r>
+            <a:endParaRPr kumimoji="0" lang="ru-RU" sz="2646" b="0" i="0" u="none" strike="noStrike" kern="1200" cap="none" spc="0" normalizeH="0" baseline="0" noProof="0" dirty="0">
+              <a:ln>
+                <a:noFill/>
+              </a:ln>
+              <a:solidFill>
+                <a:sysClr val="windowText" lastClr="000000"/>
+              </a:solidFill>
+              <a:effectLst/>
+              <a:uLnTx/>
+              <a:uFillTx/>
+              <a:latin typeface="Calibri" panose="020F0502020204030204"/>
+              <a:ea typeface="+mn-ea"/>
+              <a:cs typeface="+mn-cs"/>
+            </a:endParaRPr>
+          </a:p>
+        </p:txBody>
+      </p:sp>
+      <p:sp>
+        <p:nvSpPr>
+          <p:cNvPr id="10" name="Подзаголовок 2"/>
+          <p:cNvSpPr txBox="1">
+            <a:spLocks/>
+          </p:cNvSpPr>
+          <p:nvPr/>
+        </p:nvSpPr>
+        <p:spPr>
+          <a:xfrm>
+            <a:off x="4637464" y="6243492"/>
+            <a:ext cx="2592540" cy="476497"/>
+          </a:xfrm>
+          <a:prstGeom prst="rect">
+            <a:avLst/>
+          </a:prstGeom>
+        </p:spPr>
+        <p:txBody>
+          <a:bodyPr vert="horz" lIns="80189" tIns="40094" rIns="80189" bIns="40094" rtlCol="0">
+            <a:normAutofit/>
+          </a:bodyPr>
+          <a:lstStyle>
+            <a:lvl1pPr marL="0" indent="0" algn="ctr" defTabSz="914400" rtl="0" eaLnBrk="1" latinLnBrk="0" hangingPunct="1">
+              <a:lnSpc>
+                <a:spcPct val="90000"/>
+              </a:lnSpc>
+              <a:spcBef>
+                <a:spcPts val="1000"/>
+              </a:spcBef>
+              <a:buFont typeface="Arial" panose="020B0604020202020204" pitchFamily="34" charset="0"/>
+              <a:buNone/>
+              <a:defRPr sz="2400" kern="1200">
+                <a:solidFill>
+                  <a:schemeClr val="tx1"/>
+                </a:solidFill>
+                <a:latin typeface="+mn-lt"/>
+                <a:ea typeface="+mn-ea"/>
+                <a:cs typeface="+mn-cs"/>
+              </a:defRPr>
+            </a:lvl1pPr>
+            <a:lvl2pPr marL="457200" indent="0" algn="ctr" defTabSz="914400" rtl="0" eaLnBrk="1" latinLnBrk="0" hangingPunct="1">
+              <a:lnSpc>
+                <a:spcPct val="90000"/>
+              </a:lnSpc>
+              <a:spcBef>
+                <a:spcPts val="500"/>
+              </a:spcBef>
+              <a:buFont typeface="Arial" panose="020B0604020202020204" pitchFamily="34" charset="0"/>
+              <a:buNone/>
+              <a:defRPr sz="2000" kern="1200">
+                <a:solidFill>
+                  <a:schemeClr val="tx1"/>
+                </a:solidFill>
+                <a:latin typeface="+mn-lt"/>
+                <a:ea typeface="+mn-ea"/>
+                <a:cs typeface="+mn-cs"/>
+              </a:defRPr>
+            </a:lvl2pPr>
+            <a:lvl3pPr marL="914400" indent="0" algn="ctr" defTabSz="914400" rtl="0" eaLnBrk="1" latinLnBrk="0" hangingPunct="1">
+              <a:lnSpc>
+                <a:spcPct val="90000"/>
+              </a:lnSpc>
+              <a:spcBef>
+                <a:spcPts val="500"/>
+              </a:spcBef>
+              <a:buFont typeface="Arial" panose="020B0604020202020204" pitchFamily="34" charset="0"/>
+              <a:buNone/>
+              <a:defRPr sz="1800" kern="1200">
+                <a:solidFill>
+                  <a:schemeClr val="tx1"/>
+                </a:solidFill>
+                <a:latin typeface="+mn-lt"/>
+                <a:ea typeface="+mn-ea"/>
+                <a:cs typeface="+mn-cs"/>
+              </a:defRPr>
+            </a:lvl3pPr>
+            <a:lvl4pPr marL="1371600" indent="0" algn="ctr" defTabSz="914400" rtl="0" eaLnBrk="1" latinLnBrk="0" hangingPunct="1">
+              <a:lnSpc>
+                <a:spcPct val="90000"/>
+              </a:lnSpc>
+              <a:spcBef>
+                <a:spcPts val="500"/>
+              </a:spcBef>
+              <a:buFont typeface="Arial" panose="020B0604020202020204" pitchFamily="34" charset="0"/>
+              <a:buNone/>
+              <a:defRPr sz="1600" kern="1200">
+                <a:solidFill>
+                  <a:schemeClr val="tx1"/>
+                </a:solidFill>
+                <a:latin typeface="+mn-lt"/>
+                <a:ea typeface="+mn-ea"/>
+                <a:cs typeface="+mn-cs"/>
+              </a:defRPr>
+            </a:lvl4pPr>
+            <a:lvl5pPr marL="1828800" indent="0" algn="ctr" defTabSz="914400" rtl="0" eaLnBrk="1" latinLnBrk="0" hangingPunct="1">
+              <a:lnSpc>
+                <a:spcPct val="90000"/>
+              </a:lnSpc>
+              <a:spcBef>
+                <a:spcPts val="500"/>
+              </a:spcBef>
+              <a:buFont typeface="Arial" panose="020B0604020202020204" pitchFamily="34" charset="0"/>
+              <a:buNone/>
+              <a:defRPr sz="1600" kern="1200">
+                <a:solidFill>
+                  <a:schemeClr val="tx1"/>
+                </a:solidFill>
+                <a:latin typeface="+mn-lt"/>
+                <a:ea typeface="+mn-ea"/>
+                <a:cs typeface="+mn-cs"/>
+              </a:defRPr>
+            </a:lvl5pPr>
+            <a:lvl6pPr marL="2286000" indent="0" algn="ctr" defTabSz="914400" rtl="0" eaLnBrk="1" latinLnBrk="0" hangingPunct="1">
+              <a:lnSpc>
+                <a:spcPct val="90000"/>
+              </a:lnSpc>
+              <a:spcBef>
+                <a:spcPts val="500"/>
+              </a:spcBef>
+              <a:buFont typeface="Arial" panose="020B0604020202020204" pitchFamily="34" charset="0"/>
+              <a:buNone/>
+              <a:defRPr sz="1600" kern="1200">
+                <a:solidFill>
+                  <a:schemeClr val="tx1"/>
+                </a:solidFill>
+                <a:latin typeface="+mn-lt"/>
+                <a:ea typeface="+mn-ea"/>
+                <a:cs typeface="+mn-cs"/>
+              </a:defRPr>
+            </a:lvl6pPr>
+            <a:lvl7pPr marL="2743200" indent="0" algn="ctr" defTabSz="914400" rtl="0" eaLnBrk="1" latinLnBrk="0" hangingPunct="1">
+              <a:lnSpc>
+                <a:spcPct val="90000"/>
+              </a:lnSpc>
+              <a:spcBef>
+                <a:spcPts val="500"/>
+              </a:spcBef>
+              <a:buFont typeface="Arial" panose="020B0604020202020204" pitchFamily="34" charset="0"/>
+              <a:buNone/>
+              <a:defRPr sz="1600" kern="1200">
+                <a:solidFill>
+                  <a:schemeClr val="tx1"/>
+                </a:solidFill>
+                <a:latin typeface="+mn-lt"/>
+                <a:ea typeface="+mn-ea"/>
+                <a:cs typeface="+mn-cs"/>
+              </a:defRPr>
+            </a:lvl7pPr>
+            <a:lvl8pPr marL="3200400" indent="0" algn="ctr" defTabSz="914400" rtl="0" eaLnBrk="1" latinLnBrk="0" hangingPunct="1">
+              <a:lnSpc>
+                <a:spcPct val="90000"/>
+              </a:lnSpc>
+              <a:spcBef>
+                <a:spcPts val="500"/>
+              </a:spcBef>
+              <a:buFont typeface="Arial" panose="020B0604020202020204" pitchFamily="34" charset="0"/>
+              <a:buNone/>
+              <a:defRPr sz="1600" kern="1200">
+                <a:solidFill>
+                  <a:schemeClr val="tx1"/>
+                </a:solidFill>
+                <a:latin typeface="+mn-lt"/>
+                <a:ea typeface="+mn-ea"/>
+                <a:cs typeface="+mn-cs"/>
+              </a:defRPr>
+            </a:lvl8pPr>
+            <a:lvl9pPr marL="3657600" indent="0" algn="ctr" defTabSz="914400" rtl="0" eaLnBrk="1" latinLnBrk="0" hangingPunct="1">
+              <a:lnSpc>
+                <a:spcPct val="90000"/>
+              </a:lnSpc>
+              <a:spcBef>
+                <a:spcPts val="500"/>
+              </a:spcBef>
+              <a:buFont typeface="Arial" panose="020B0604020202020204" pitchFamily="34" charset="0"/>
+              <a:buNone/>
+              <a:defRPr sz="1600" kern="1200">
+                <a:solidFill>
+                  <a:schemeClr val="tx1"/>
+                </a:solidFill>
+                <a:latin typeface="+mn-lt"/>
+                <a:ea typeface="+mn-ea"/>
+                <a:cs typeface="+mn-cs"/>
+              </a:defRPr>
+            </a:lvl9pPr>
+          </a:lstStyle>
+          <a:p>
+            <a:r>
+              <a:rPr lang="ru-RU" sz="1754" dirty="0" smtClean="0">
+                <a:solidFill>
+                  <a:prstClr val="black"/>
+                </a:solidFill>
+                <a:latin typeface="Calibri" panose="020F0502020204030204"/>
+              </a:rPr>
+              <a:t>Орёл, 2025г</a:t>
+            </a:r>
+            <a:r>
+              <a:rPr lang="ru-RU" sz="1754" dirty="0">
+                <a:solidFill>
+                  <a:prstClr val="black"/>
+                </a:solidFill>
+                <a:latin typeface="Calibri" panose="020F0502020204030204"/>
+              </a:rPr>
+              <a:t>.</a:t>
+            </a:r>
+            <a:endParaRPr lang="ru-RU" sz="1403" dirty="0">
+              <a:solidFill>
+                <a:prstClr val="black"/>
+              </a:solidFill>
+              <a:latin typeface="Calibri" panose="020F0502020204030204"/>
+            </a:endParaRPr>
+          </a:p>
+        </p:txBody>
+      </p:sp>
+      <p:sp>
+        <p:nvSpPr>
+          <p:cNvPr id="11" name="Заголовок 1"/>
+          <p:cNvSpPr txBox="1">
+            <a:spLocks/>
+          </p:cNvSpPr>
+          <p:nvPr/>
+        </p:nvSpPr>
+        <p:spPr>
+          <a:xfrm>
+            <a:off x="1652478" y="3525675"/>
+            <a:ext cx="8562512" cy="394100"/>
+          </a:xfrm>
+          <a:prstGeom prst="rect">
+            <a:avLst/>
+          </a:prstGeom>
+        </p:spPr>
+        <p:txBody>
+          <a:bodyPr vert="horz" lIns="80189" tIns="40094" rIns="80189" bIns="40094" rtlCol="0" anchor="b">
+            <a:normAutofit/>
+          </a:bodyPr>
+          <a:lstStyle>
+            <a:lvl1pPr algn="ctr" defTabSz="914400" rtl="0" eaLnBrk="1" latinLnBrk="0" hangingPunct="1">
+              <a:lnSpc>
+                <a:spcPct val="90000"/>
+              </a:lnSpc>
+              <a:spcBef>
+                <a:spcPct val="0"/>
+              </a:spcBef>
+              <a:buNone/>
+              <a:defRPr sz="6000" kern="1200">
+                <a:solidFill>
+                  <a:schemeClr val="tx1"/>
+                </a:solidFill>
+                <a:latin typeface="+mj-lt"/>
+                <a:ea typeface="+mj-ea"/>
+                <a:cs typeface="+mj-cs"/>
+              </a:defRPr>
+            </a:lvl1pPr>
+          </a:lstStyle>
+          <a:p>
+            <a:r>
+              <a:rPr lang="ru-RU" sz="2105" dirty="0">
+                <a:solidFill>
+                  <a:prstClr val="black"/>
+                </a:solidFill>
+                <a:latin typeface="Calibri Light" panose="020F0302020204030204"/>
+              </a:rPr>
+              <a:t>Лабораторная работа №1</a:t>
+            </a:r>
+          </a:p>
+        </p:txBody>
+      </p:sp>
+      <p:sp>
+        <p:nvSpPr>
+          <p:cNvPr id="12" name="Подзаголовок 2"/>
+          <p:cNvSpPr txBox="1">
+            <a:spLocks/>
+          </p:cNvSpPr>
+          <p:nvPr/>
+        </p:nvSpPr>
+        <p:spPr>
+          <a:xfrm>
+            <a:off x="1652479" y="243196"/>
+            <a:ext cx="8562511" cy="932159"/>
+          </a:xfrm>
+          <a:prstGeom prst="rect">
+            <a:avLst/>
+          </a:prstGeom>
+        </p:spPr>
+        <p:txBody>
+          <a:bodyPr vert="horz" lIns="80189" tIns="40094" rIns="80189" bIns="40094" rtlCol="0">
+            <a:normAutofit lnSpcReduction="10000"/>
+          </a:bodyPr>
+          <a:lstStyle>
+            <a:lvl1pPr marL="0" indent="0" algn="ctr" defTabSz="914400" rtl="0" eaLnBrk="1" latinLnBrk="0" hangingPunct="1">
+              <a:lnSpc>
+                <a:spcPct val="90000"/>
+              </a:lnSpc>
+              <a:spcBef>
+                <a:spcPts val="1000"/>
+              </a:spcBef>
+              <a:buFont typeface="Arial" panose="020B0604020202020204" pitchFamily="34" charset="0"/>
+              <a:buNone/>
+              <a:defRPr sz="2400" kern="1200">
+                <a:solidFill>
+                  <a:schemeClr val="tx1"/>
+                </a:solidFill>
+                <a:latin typeface="+mn-lt"/>
+                <a:ea typeface="+mn-ea"/>
+                <a:cs typeface="+mn-cs"/>
+              </a:defRPr>
+            </a:lvl1pPr>
+            <a:lvl2pPr marL="457200" indent="0" algn="ctr" defTabSz="914400" rtl="0" eaLnBrk="1" latinLnBrk="0" hangingPunct="1">
+              <a:lnSpc>
+                <a:spcPct val="90000"/>
+              </a:lnSpc>
+              <a:spcBef>
+                <a:spcPts val="500"/>
+              </a:spcBef>
+              <a:buFont typeface="Arial" panose="020B0604020202020204" pitchFamily="34" charset="0"/>
+              <a:buNone/>
+              <a:defRPr sz="2000" kern="1200">
+                <a:solidFill>
+                  <a:schemeClr val="tx1"/>
+                </a:solidFill>
+                <a:latin typeface="+mn-lt"/>
+                <a:ea typeface="+mn-ea"/>
+                <a:cs typeface="+mn-cs"/>
+              </a:defRPr>
+            </a:lvl2pPr>
+            <a:lvl3pPr marL="914400" indent="0" algn="ctr" defTabSz="914400" rtl="0" eaLnBrk="1" latinLnBrk="0" hangingPunct="1">
+              <a:lnSpc>
+                <a:spcPct val="90000"/>
+              </a:lnSpc>
+              <a:spcBef>
+                <a:spcPts val="500"/>
+              </a:spcBef>
+              <a:buFont typeface="Arial" panose="020B0604020202020204" pitchFamily="34" charset="0"/>
+              <a:buNone/>
+              <a:defRPr sz="1800" kern="1200">
+                <a:solidFill>
+                  <a:schemeClr val="tx1"/>
+                </a:solidFill>
+                <a:latin typeface="+mn-lt"/>
+                <a:ea typeface="+mn-ea"/>
+                <a:cs typeface="+mn-cs"/>
+              </a:defRPr>
+            </a:lvl3pPr>
+            <a:lvl4pPr marL="1371600" indent="0" algn="ctr" defTabSz="914400" rtl="0" eaLnBrk="1" latinLnBrk="0" hangingPunct="1">
+              <a:lnSpc>
+                <a:spcPct val="90000"/>
+              </a:lnSpc>
+              <a:spcBef>
+                <a:spcPts val="500"/>
+              </a:spcBef>
+              <a:buFont typeface="Arial" panose="020B0604020202020204" pitchFamily="34" charset="0"/>
+              <a:buNone/>
+              <a:defRPr sz="1600" kern="1200">
+                <a:solidFill>
+                  <a:schemeClr val="tx1"/>
+                </a:solidFill>
+                <a:latin typeface="+mn-lt"/>
+                <a:ea typeface="+mn-ea"/>
+                <a:cs typeface="+mn-cs"/>
+              </a:defRPr>
+            </a:lvl4pPr>
+            <a:lvl5pPr marL="1828800" indent="0" algn="ctr" defTabSz="914400" rtl="0" eaLnBrk="1" latinLnBrk="0" hangingPunct="1">
+              <a:lnSpc>
+                <a:spcPct val="90000"/>
+              </a:lnSpc>
+              <a:spcBef>
+                <a:spcPts val="500"/>
+              </a:spcBef>
+              <a:buFont typeface="Arial" panose="020B0604020202020204" pitchFamily="34" charset="0"/>
+              <a:buNone/>
+              <a:defRPr sz="1600" kern="1200">
+                <a:solidFill>
+                  <a:schemeClr val="tx1"/>
+                </a:solidFill>
+                <a:latin typeface="+mn-lt"/>
+                <a:ea typeface="+mn-ea"/>
+                <a:cs typeface="+mn-cs"/>
+              </a:defRPr>
+            </a:lvl5pPr>
+            <a:lvl6pPr marL="2286000" indent="0" algn="ctr" defTabSz="914400" rtl="0" eaLnBrk="1" latinLnBrk="0" hangingPunct="1">
+              <a:lnSpc>
+                <a:spcPct val="90000"/>
+              </a:lnSpc>
+              <a:spcBef>
+                <a:spcPts val="500"/>
+              </a:spcBef>
+              <a:buFont typeface="Arial" panose="020B0604020202020204" pitchFamily="34" charset="0"/>
+              <a:buNone/>
+              <a:defRPr sz="1600" kern="1200">
+                <a:solidFill>
+                  <a:schemeClr val="tx1"/>
+                </a:solidFill>
+                <a:latin typeface="+mn-lt"/>
+                <a:ea typeface="+mn-ea"/>
+                <a:cs typeface="+mn-cs"/>
+              </a:defRPr>
+            </a:lvl6pPr>
+            <a:lvl7pPr marL="2743200" indent="0" algn="ctr" defTabSz="914400" rtl="0" eaLnBrk="1" latinLnBrk="0" hangingPunct="1">
+              <a:lnSpc>
+                <a:spcPct val="90000"/>
+              </a:lnSpc>
+              <a:spcBef>
+                <a:spcPts val="500"/>
+              </a:spcBef>
+              <a:buFont typeface="Arial" panose="020B0604020202020204" pitchFamily="34" charset="0"/>
+              <a:buNone/>
+              <a:defRPr sz="1600" kern="1200">
+                <a:solidFill>
+                  <a:schemeClr val="tx1"/>
+                </a:solidFill>
+                <a:latin typeface="+mn-lt"/>
+                <a:ea typeface="+mn-ea"/>
+                <a:cs typeface="+mn-cs"/>
+              </a:defRPr>
+            </a:lvl7pPr>
+            <a:lvl8pPr marL="3200400" indent="0" algn="ctr" defTabSz="914400" rtl="0" eaLnBrk="1" latinLnBrk="0" hangingPunct="1">
+              <a:lnSpc>
+                <a:spcPct val="90000"/>
+              </a:lnSpc>
+              <a:spcBef>
+                <a:spcPts val="500"/>
+              </a:spcBef>
+              <a:buFont typeface="Arial" panose="020B0604020202020204" pitchFamily="34" charset="0"/>
+              <a:buNone/>
+              <a:defRPr sz="1600" kern="1200">
+                <a:solidFill>
+                  <a:schemeClr val="tx1"/>
+                </a:solidFill>
+                <a:latin typeface="+mn-lt"/>
+                <a:ea typeface="+mn-ea"/>
+                <a:cs typeface="+mn-cs"/>
+              </a:defRPr>
+            </a:lvl8pPr>
+            <a:lvl9pPr marL="3657600" indent="0" algn="ctr" defTabSz="914400" rtl="0" eaLnBrk="1" latinLnBrk="0" hangingPunct="1">
+              <a:lnSpc>
+                <a:spcPct val="90000"/>
+              </a:lnSpc>
+              <a:spcBef>
+                <a:spcPts val="500"/>
+              </a:spcBef>
+              <a:buFont typeface="Arial" panose="020B0604020202020204" pitchFamily="34" charset="0"/>
+              <a:buNone/>
+              <a:defRPr sz="1600" kern="1200">
+                <a:solidFill>
+                  <a:schemeClr val="tx1"/>
+                </a:solidFill>
+                <a:latin typeface="+mn-lt"/>
+                <a:ea typeface="+mn-ea"/>
+                <a:cs typeface="+mn-cs"/>
+              </a:defRPr>
+            </a:lvl9pPr>
+          </a:lstStyle>
+          <a:p>
+            <a:r>
+              <a:rPr lang="ru-RU" sz="2800" dirty="0">
+                <a:solidFill>
+                  <a:prstClr val="black"/>
+                </a:solidFill>
+                <a:latin typeface="Calibri" panose="020F0502020204030204"/>
+              </a:rPr>
+              <a:t>Орловский государственный </a:t>
+            </a:r>
+            <a:r>
+              <a:rPr lang="ru-RU" sz="2800" dirty="0" smtClean="0">
+                <a:solidFill>
+                  <a:prstClr val="black"/>
+                </a:solidFill>
+                <a:latin typeface="Calibri" panose="020F0502020204030204"/>
+              </a:rPr>
+              <a:t>университет</a:t>
+            </a:r>
+          </a:p>
+          <a:p>
+            <a:r>
+              <a:rPr lang="ru-RU" sz="2800" dirty="0" smtClean="0">
+                <a:solidFill>
+                  <a:prstClr val="black"/>
+                </a:solidFill>
+                <a:latin typeface="Calibri" panose="020F0502020204030204"/>
+              </a:rPr>
+              <a:t>имени </a:t>
+            </a:r>
+            <a:r>
+              <a:rPr lang="ru-RU" sz="2800" dirty="0">
+                <a:solidFill>
+                  <a:prstClr val="black"/>
+                </a:solidFill>
+                <a:latin typeface="Calibri" panose="020F0502020204030204"/>
+              </a:rPr>
+              <a:t>И.С. Тургенева</a:t>
+            </a:r>
+          </a:p>
+        </p:txBody>
+      </p:sp>
+    </p:spTree>
+    <p:extLst>
+      <p:ext uri="{BB962C8B-B14F-4D97-AF65-F5344CB8AC3E}">
+        <p14:creationId xmlns:p14="http://schemas.microsoft.com/office/powerpoint/2010/main" val="359626406"/>
+      </p:ext>
+    </p:extLst>
+  </p:cSld>
+  <p:clrMapOvr>
+    <a:masterClrMapping/>
+  </p:clrMapOvr>
+</p:sld>
+</file>
+
+<file path=ppt/slides/slide10.xml><?xml version="1.0" encoding="utf-8"?>
+<p:sld xmlns:a="http://schemas.openxmlformats.org/drawingml/2006/main" xmlns:r="http://schemas.openxmlformats.org/officeDocument/2006/relationships" xmlns:p="http://schemas.openxmlformats.org/presentationml/2006/main">
+  <p:cSld>
+    <p:spTree>
+      <p:nvGrpSpPr>
+        <p:cNvPr id="1" name="">
+          <a:extLst>
+            <a:ext uri="{FF2B5EF4-FFF2-40B4-BE49-F238E27FC236}">
+              <a16:creationId xmlns:a16="http://schemas.microsoft.com/office/drawing/2014/main" id="{67C4C8B0-537D-E651-F25B-FDC4E034A157}"/>
+            </a:ext>
+          </a:extLst>
+        </p:cNvPr>
+        <p:cNvGrpSpPr/>
+        <p:nvPr/>
+      </p:nvGrpSpPr>
+      <p:grpSpPr>
+        <a:xfrm>
+          <a:off x="0" y="0"/>
+          <a:ext cx="0" cy="0"/>
+          <a:chOff x="0" y="0"/>
+          <a:chExt cx="0" cy="0"/>
+        </a:xfrm>
+      </p:grpSpPr>
+      <p:sp>
+        <p:nvSpPr>
+          <p:cNvPr id="12" name="Прямоугольник 11">
             <a:extLst>
               <a:ext uri="{FF2B5EF4-FFF2-40B4-BE49-F238E27FC236}">
-                <a16:creationId xmlns:a16="http://schemas.microsoft.com/office/drawing/2014/main" id="{4640747D-7AC8-7EFE-A95A-AF05562AD90B}"/>
+                <a16:creationId xmlns:a16="http://schemas.microsoft.com/office/drawing/2014/main" id="{A476D7F8-413A-9C99-5617-D0A7002811F3}"/>
               </a:ext>
             </a:extLst>
           </p:cNvPr>
+          <p:cNvSpPr/>
+          <p:nvPr/>
+        </p:nvSpPr>
+        <p:spPr>
+          <a:xfrm>
+            <a:off x="696656" y="3994947"/>
+            <a:ext cx="3288118" cy="991722"/>
+          </a:xfrm>
+          <a:prstGeom prst="rect">
+            <a:avLst/>
+          </a:prstGeom>
+        </p:spPr>
+        <p:style>
+          <a:lnRef idx="2">
+            <a:schemeClr val="dk1"/>
+          </a:lnRef>
+          <a:fillRef idx="1">
+            <a:schemeClr val="lt1"/>
+          </a:fillRef>
+          <a:effectRef idx="0">
+            <a:schemeClr val="dk1"/>
+          </a:effectRef>
+          <a:fontRef idx="minor">
+            <a:schemeClr val="dk1"/>
+          </a:fontRef>
+        </p:style>
+        <p:txBody>
+          <a:bodyPr rtlCol="0" anchor="ctr"/>
+          <a:lstStyle/>
+          <a:p>
+            <a:pPr marL="0" marR="0" lvl="0" indent="0" algn="ctr" defTabSz="914400" rtl="0" eaLnBrk="1" fontAlgn="auto" latinLnBrk="0" hangingPunct="1">
+              <a:lnSpc>
+                <a:spcPct val="100000"/>
+              </a:lnSpc>
+              <a:spcBef>
+                <a:spcPts val="0"/>
+              </a:spcBef>
+              <a:spcAft>
+                <a:spcPts val="0"/>
+              </a:spcAft>
+              <a:buClrTx/>
+              <a:buSzTx/>
+              <a:tabLst/>
+              <a:defRPr/>
+            </a:pPr>
+            <a:r>
+              <a:rPr lang="ru-RU" altLang="ru-RU" sz="2800" dirty="0">
+                <a:solidFill>
+                  <a:prstClr val="black"/>
+                </a:solidFill>
+                <a:latin typeface="Montserrat" panose="020F0502020204030204" pitchFamily="2" charset="-52"/>
+              </a:rPr>
+              <a:t>Системным</a:t>
+            </a:r>
+            <a:r>
+              <a:rPr kumimoji="0" lang="ru-RU" altLang="ru-RU" sz="2800" i="0" u="none" strike="noStrike" kern="1200" cap="none" spc="0" normalizeH="0" baseline="0" noProof="0" dirty="0">
+                <a:ln>
+                  <a:noFill/>
+                </a:ln>
+                <a:solidFill>
+                  <a:prstClr val="black"/>
+                </a:solidFill>
+                <a:effectLst/>
+                <a:uLnTx/>
+                <a:uFillTx/>
+                <a:latin typeface="Montserrat" panose="020F0502020204030204" pitchFamily="2" charset="-52"/>
+                <a:ea typeface="+mn-ea"/>
+                <a:cs typeface="+mn-cs"/>
+              </a:rPr>
+              <a:t> методом</a:t>
+            </a:r>
+            <a:endParaRPr lang="ru-RU" dirty="0"/>
+          </a:p>
+        </p:txBody>
+      </p:sp>
+      <p:sp>
+        <p:nvSpPr>
+          <p:cNvPr id="13" name="Прямоугольник 12">
+            <a:extLst>
+              <a:ext uri="{FF2B5EF4-FFF2-40B4-BE49-F238E27FC236}">
+                <a16:creationId xmlns:a16="http://schemas.microsoft.com/office/drawing/2014/main" id="{C707DE69-1907-7C33-EEB2-A12E9AC5A554}"/>
+              </a:ext>
+            </a:extLst>
+          </p:cNvPr>
+          <p:cNvSpPr/>
+          <p:nvPr/>
+        </p:nvSpPr>
+        <p:spPr>
+          <a:xfrm>
+            <a:off x="4688013" y="4028470"/>
+            <a:ext cx="3059193" cy="958199"/>
+          </a:xfrm>
+          <a:prstGeom prst="rect">
+            <a:avLst/>
+          </a:prstGeom>
+        </p:spPr>
+        <p:style>
+          <a:lnRef idx="2">
+            <a:schemeClr val="dk1"/>
+          </a:lnRef>
+          <a:fillRef idx="1">
+            <a:schemeClr val="lt1"/>
+          </a:fillRef>
+          <a:effectRef idx="0">
+            <a:schemeClr val="dk1"/>
+          </a:effectRef>
+          <a:fontRef idx="minor">
+            <a:schemeClr val="dk1"/>
+          </a:fontRef>
+        </p:style>
+        <p:txBody>
+          <a:bodyPr rtlCol="0" anchor="ctr"/>
+          <a:lstStyle/>
+          <a:p>
+            <a:pPr lvl="0" algn="ctr">
+              <a:defRPr/>
+            </a:pPr>
+            <a:r>
+              <a:rPr lang="ru-RU" altLang="ru-RU" sz="2800" dirty="0">
+                <a:solidFill>
+                  <a:prstClr val="black"/>
+                </a:solidFill>
+                <a:latin typeface="Montserrat" panose="020F0502020204030204" pitchFamily="2" charset="-52"/>
+              </a:rPr>
+              <a:t>Теорией систем</a:t>
+            </a:r>
+          </a:p>
+        </p:txBody>
+      </p:sp>
+      <p:sp>
+        <p:nvSpPr>
+          <p:cNvPr id="21" name="Прямоугольник 20">
+            <a:extLst>
+              <a:ext uri="{FF2B5EF4-FFF2-40B4-BE49-F238E27FC236}">
+                <a16:creationId xmlns:a16="http://schemas.microsoft.com/office/drawing/2014/main" id="{B00DFF7E-2A82-90A0-F7A7-4429FB5181E5}"/>
+              </a:ext>
+            </a:extLst>
+          </p:cNvPr>
+          <p:cNvSpPr/>
+          <p:nvPr/>
+        </p:nvSpPr>
+        <p:spPr>
+          <a:xfrm>
+            <a:off x="2002687" y="1586232"/>
+            <a:ext cx="8429847" cy="1488558"/>
+          </a:xfrm>
+          <a:prstGeom prst="rect">
+            <a:avLst/>
+          </a:prstGeom>
+        </p:spPr>
+        <p:style>
+          <a:lnRef idx="2">
+            <a:schemeClr val="dk1"/>
+          </a:lnRef>
+          <a:fillRef idx="1">
+            <a:schemeClr val="lt1"/>
+          </a:fillRef>
+          <a:effectRef idx="0">
+            <a:schemeClr val="dk1"/>
+          </a:effectRef>
+          <a:fontRef idx="minor">
+            <a:schemeClr val="dk1"/>
+          </a:fontRef>
+        </p:style>
+        <p:txBody>
+          <a:bodyPr rtlCol="0" anchor="ctr"/>
+          <a:lstStyle/>
+          <a:p>
+            <a:pPr algn="ctr"/>
+            <a:r>
+              <a:rPr lang="ru-RU" altLang="ru-RU" sz="2800" dirty="0">
+                <a:latin typeface="Montserrat" panose="020F0502020204030204" pitchFamily="2" charset="-52"/>
+              </a:rPr>
+              <a:t>Системный подход к организации требуемого функционирования объектов (как систем) (кратко – системный анализ</a:t>
+            </a:r>
+            <a:r>
+              <a:rPr lang="ru-RU" altLang="ru-RU" sz="2800" dirty="0" smtClean="0">
+                <a:latin typeface="Montserrat" panose="020F0502020204030204" pitchFamily="2" charset="-52"/>
+              </a:rPr>
+              <a:t>)</a:t>
+            </a:r>
+            <a:endParaRPr lang="ru-RU" altLang="ru-RU" sz="2800" dirty="0">
+              <a:latin typeface="Montserrat" panose="020F0502020204030204" pitchFamily="2" charset="-52"/>
+            </a:endParaRPr>
+          </a:p>
+        </p:txBody>
+      </p:sp>
+      <p:sp>
+        <p:nvSpPr>
+          <p:cNvPr id="2" name="Прямоугольник 1">
+            <a:extLst>
+              <a:ext uri="{FF2B5EF4-FFF2-40B4-BE49-F238E27FC236}">
+                <a16:creationId xmlns:a16="http://schemas.microsoft.com/office/drawing/2014/main" id="{CA664889-BE0D-56BF-9F5F-AA44C3349ED1}"/>
+              </a:ext>
+            </a:extLst>
+          </p:cNvPr>
+          <p:cNvSpPr/>
+          <p:nvPr/>
+        </p:nvSpPr>
+        <p:spPr>
+          <a:xfrm>
+            <a:off x="8450445" y="3994947"/>
+            <a:ext cx="3188561" cy="991722"/>
+          </a:xfrm>
+          <a:prstGeom prst="rect">
+            <a:avLst/>
+          </a:prstGeom>
+        </p:spPr>
+        <p:style>
+          <a:lnRef idx="2">
+            <a:schemeClr val="dk1"/>
+          </a:lnRef>
+          <a:fillRef idx="1">
+            <a:schemeClr val="lt1"/>
+          </a:fillRef>
+          <a:effectRef idx="0">
+            <a:schemeClr val="dk1"/>
+          </a:effectRef>
+          <a:fontRef idx="minor">
+            <a:schemeClr val="dk1"/>
+          </a:fontRef>
+        </p:style>
+        <p:txBody>
+          <a:bodyPr rtlCol="0" anchor="ctr"/>
+          <a:lstStyle/>
+          <a:p>
+            <a:pPr lvl="0" algn="ctr">
+              <a:defRPr/>
+            </a:pPr>
+            <a:r>
+              <a:rPr lang="ru-RU" altLang="ru-RU" sz="2800" dirty="0">
+                <a:solidFill>
+                  <a:prstClr val="black"/>
+                </a:solidFill>
+                <a:latin typeface="Montserrat" panose="020F0502020204030204" pitchFamily="2" charset="-52"/>
+              </a:rPr>
+              <a:t>Трансакционным анализом</a:t>
+            </a:r>
+          </a:p>
+        </p:txBody>
+      </p:sp>
+      <p:cxnSp>
+        <p:nvCxnSpPr>
+          <p:cNvPr id="5" name="Прямая соединительная линия 4">
+            <a:extLst>
+              <a:ext uri="{FF2B5EF4-FFF2-40B4-BE49-F238E27FC236}">
+                <a16:creationId xmlns:a16="http://schemas.microsoft.com/office/drawing/2014/main" id="{CDE88897-F9BE-A1C2-BB50-211F16D28271}"/>
+              </a:ext>
+            </a:extLst>
+          </p:cNvPr>
+          <p:cNvCxnSpPr>
+            <a:endCxn id="13" idx="0"/>
+          </p:cNvCxnSpPr>
+          <p:nvPr/>
+        </p:nvCxnSpPr>
+        <p:spPr>
+          <a:xfrm flipH="1">
+            <a:off x="6217610" y="3074790"/>
+            <a:ext cx="1" cy="953680"/>
+          </a:xfrm>
+          <a:prstGeom prst="line">
+            <a:avLst/>
+          </a:prstGeom>
+        </p:spPr>
+        <p:style>
+          <a:lnRef idx="2">
+            <a:schemeClr val="dk1"/>
+          </a:lnRef>
+          <a:fillRef idx="0">
+            <a:schemeClr val="dk1"/>
+          </a:fillRef>
+          <a:effectRef idx="1">
+            <a:schemeClr val="dk1"/>
+          </a:effectRef>
+          <a:fontRef idx="minor">
+            <a:schemeClr val="tx1"/>
+          </a:fontRef>
+        </p:style>
+      </p:cxnSp>
+      <p:cxnSp>
+        <p:nvCxnSpPr>
+          <p:cNvPr id="9" name="Прямая соединительная линия 8">
+            <a:extLst>
+              <a:ext uri="{FF2B5EF4-FFF2-40B4-BE49-F238E27FC236}">
+                <a16:creationId xmlns:a16="http://schemas.microsoft.com/office/drawing/2014/main" id="{CDE88897-F9BE-A1C2-BB50-211F16D28271}"/>
+              </a:ext>
+            </a:extLst>
+          </p:cNvPr>
+          <p:cNvCxnSpPr/>
+          <p:nvPr/>
+        </p:nvCxnSpPr>
+        <p:spPr>
+          <a:xfrm>
+            <a:off x="9544286" y="3074790"/>
+            <a:ext cx="4663" cy="920157"/>
+          </a:xfrm>
+          <a:prstGeom prst="line">
+            <a:avLst/>
+          </a:prstGeom>
+        </p:spPr>
+        <p:style>
+          <a:lnRef idx="2">
+            <a:schemeClr val="dk1"/>
+          </a:lnRef>
+          <a:fillRef idx="0">
+            <a:schemeClr val="dk1"/>
+          </a:fillRef>
+          <a:effectRef idx="1">
+            <a:schemeClr val="dk1"/>
+          </a:effectRef>
+          <a:fontRef idx="minor">
+            <a:schemeClr val="tx1"/>
+          </a:fontRef>
+        </p:style>
+      </p:cxnSp>
+      <p:cxnSp>
+        <p:nvCxnSpPr>
+          <p:cNvPr id="10" name="Прямая соединительная линия 9">
+            <a:extLst>
+              <a:ext uri="{FF2B5EF4-FFF2-40B4-BE49-F238E27FC236}">
+                <a16:creationId xmlns:a16="http://schemas.microsoft.com/office/drawing/2014/main" id="{CDE88897-F9BE-A1C2-BB50-211F16D28271}"/>
+              </a:ext>
+            </a:extLst>
+          </p:cNvPr>
+          <p:cNvCxnSpPr/>
+          <p:nvPr/>
+        </p:nvCxnSpPr>
+        <p:spPr>
+          <a:xfrm>
+            <a:off x="2869165" y="3074790"/>
+            <a:ext cx="4664" cy="920157"/>
+          </a:xfrm>
+          <a:prstGeom prst="line">
+            <a:avLst/>
+          </a:prstGeom>
+        </p:spPr>
+        <p:style>
+          <a:lnRef idx="2">
+            <a:schemeClr val="dk1"/>
+          </a:lnRef>
+          <a:fillRef idx="0">
+            <a:schemeClr val="dk1"/>
+          </a:fillRef>
+          <a:effectRef idx="1">
+            <a:schemeClr val="dk1"/>
+          </a:effectRef>
+          <a:fontRef idx="minor">
+            <a:schemeClr val="tx1"/>
+          </a:fontRef>
+        </p:style>
+      </p:cxnSp>
+      <p:sp>
+        <p:nvSpPr>
+          <p:cNvPr id="11" name="Номер слайда 10"/>
           <p:cNvSpPr>
             <a:spLocks noGrp="1"/>
           </p:cNvSpPr>
           <p:nvPr>
-            <p:ph type="ctrTitle"/>
-          </p:nvPr>
-        </p:nvSpPr>
-        <p:spPr/>
-        <p:txBody>
-          <a:bodyPr>
-            <a:normAutofit fontScale="90000"/>
-          </a:bodyPr>
-          <a:lstStyle/>
-          <a:p>
-            <a:r>
-              <a:rPr lang="ru-RU" dirty="0"/>
-              <a:t>Отчет по лабораторной работе №1</a:t>
-            </a:r>
-          </a:p>
-        </p:txBody>
-      </p:sp>
-      <p:sp>
-        <p:nvSpPr>
-          <p:cNvPr id="3" name="Подзаголовок 2">
-            <a:extLst>
-              <a:ext uri="{FF2B5EF4-FFF2-40B4-BE49-F238E27FC236}">
-                <a16:creationId xmlns:a16="http://schemas.microsoft.com/office/drawing/2014/main" id="{A0F23945-0BD4-7BF4-8A10-48668CE2921A}"/>
-              </a:ext>
-            </a:extLst>
-          </p:cNvPr>
-          <p:cNvSpPr>
-            <a:spLocks noGrp="1"/>
-          </p:cNvSpPr>
-          <p:nvPr>
-            <p:ph type="subTitle" idx="1"/>
+            <p:ph type="sldNum" sz="quarter" idx="12"/>
           </p:nvPr>
         </p:nvSpPr>
         <p:spPr/>
@@ -3739,28 +9443,18 @@
           <a:bodyPr/>
           <a:lstStyle/>
           <a:p>
-            <a:r>
-              <a:rPr lang="ru-RU" dirty="0"/>
-              <a:t>Выполнил студент группы 21ПГ</a:t>
-            </a:r>
-            <a:br>
-              <a:rPr lang="ru-RU" dirty="0"/>
-            </a:br>
-            <a:r>
-              <a:rPr lang="ru-RU" dirty="0" err="1"/>
-              <a:t>Василения</a:t>
-            </a:r>
-            <a:r>
-              <a:rPr lang="ru-RU" dirty="0"/>
-              <a:t> Иван</a:t>
-            </a:r>
+            <a:fld id="{3FF08AD6-07C1-4267-9B3C-85DF7FE192DE}" type="slidenum">
+              <a:rPr lang="ru-RU" smtClean="0"/>
+              <a:t>10</a:t>
+            </a:fld>
+            <a:endParaRPr lang="ru-RU"/>
           </a:p>
         </p:txBody>
       </p:sp>
     </p:spTree>
     <p:extLst>
       <p:ext uri="{BB962C8B-B14F-4D97-AF65-F5344CB8AC3E}">
-        <p14:creationId xmlns:p14="http://schemas.microsoft.com/office/powerpoint/2010/main" val="3051847348"/>
+        <p14:creationId xmlns:p14="http://schemas.microsoft.com/office/powerpoint/2010/main" val="1747430432"/>
       </p:ext>
     </p:extLst>
   </p:cSld>
@@ -3918,9 +9612,32 @@
           </a:p>
         </p:txBody>
       </p:sp>
+      <p:sp>
+        <p:nvSpPr>
+          <p:cNvPr id="9" name="Номер слайда 8"/>
+          <p:cNvSpPr>
+            <a:spLocks noGrp="1"/>
+          </p:cNvSpPr>
+          <p:nvPr>
+            <p:ph type="sldNum" sz="quarter" idx="12"/>
+          </p:nvPr>
+        </p:nvSpPr>
+        <p:spPr/>
+        <p:txBody>
+          <a:bodyPr/>
+          <a:lstStyle/>
+          <a:p>
+            <a:fld id="{3FF08AD6-07C1-4267-9B3C-85DF7FE192DE}" type="slidenum">
+              <a:rPr lang="ru-RU" smtClean="0"/>
+              <a:t>2</a:t>
+            </a:fld>
+            <a:endParaRPr lang="ru-RU"/>
+          </a:p>
+        </p:txBody>
+      </p:sp>
       <p:pic>
         <p:nvPicPr>
-          <p:cNvPr id="5" name="Рисунок 4"/>
+          <p:cNvPr id="2" name="Рисунок 1"/>
           <p:cNvPicPr>
             <a:picLocks noChangeAspect="1"/>
           </p:cNvPicPr>
@@ -3940,37 +9657,14 @@
         </p:blipFill>
         <p:spPr>
           <a:xfrm>
-            <a:off x="1124379" y="2430356"/>
-            <a:ext cx="10035092" cy="3787564"/>
+            <a:off x="592170" y="2953294"/>
+            <a:ext cx="11148335" cy="2206534"/>
           </a:xfrm>
           <a:prstGeom prst="rect">
             <a:avLst/>
           </a:prstGeom>
         </p:spPr>
       </p:pic>
-      <p:sp>
-        <p:nvSpPr>
-          <p:cNvPr id="9" name="Номер слайда 8"/>
-          <p:cNvSpPr>
-            <a:spLocks noGrp="1"/>
-          </p:cNvSpPr>
-          <p:nvPr>
-            <p:ph type="sldNum" sz="quarter" idx="12"/>
-          </p:nvPr>
-        </p:nvSpPr>
-        <p:spPr/>
-        <p:txBody>
-          <a:bodyPr/>
-          <a:lstStyle/>
-          <a:p>
-            <a:fld id="{3FF08AD6-07C1-4267-9B3C-85DF7FE192DE}" type="slidenum">
-              <a:rPr lang="ru-RU" smtClean="0"/>
-              <a:t>2</a:t>
-            </a:fld>
-            <a:endParaRPr lang="ru-RU"/>
-          </a:p>
-        </p:txBody>
-      </p:sp>
     </p:spTree>
     <p:extLst>
       <p:ext uri="{BB962C8B-B14F-4D97-AF65-F5344CB8AC3E}">
@@ -4581,9 +10275,32 @@
           </a:p>
         </p:txBody>
       </p:sp>
+      <p:sp>
+        <p:nvSpPr>
+          <p:cNvPr id="14" name="Номер слайда 13"/>
+          <p:cNvSpPr>
+            <a:spLocks noGrp="1"/>
+          </p:cNvSpPr>
+          <p:nvPr>
+            <p:ph type="sldNum" sz="quarter" idx="12"/>
+          </p:nvPr>
+        </p:nvSpPr>
+        <p:spPr/>
+        <p:txBody>
+          <a:bodyPr/>
+          <a:lstStyle/>
+          <a:p>
+            <a:fld id="{3FF08AD6-07C1-4267-9B3C-85DF7FE192DE}" type="slidenum">
+              <a:rPr lang="ru-RU" smtClean="0"/>
+              <a:t>4</a:t>
+            </a:fld>
+            <a:endParaRPr lang="ru-RU"/>
+          </a:p>
+        </p:txBody>
+      </p:sp>
       <p:pic>
         <p:nvPicPr>
-          <p:cNvPr id="12" name="Рисунок 11"/>
+          <p:cNvPr id="2" name="Рисунок 1"/>
           <p:cNvPicPr>
             <a:picLocks noChangeAspect="1"/>
           </p:cNvPicPr>
@@ -4603,37 +10320,14 @@
         </p:blipFill>
         <p:spPr>
           <a:xfrm>
-            <a:off x="3670664" y="2089824"/>
-            <a:ext cx="5264331" cy="2689565"/>
+            <a:off x="4153052" y="2406014"/>
+            <a:ext cx="4026565" cy="2057186"/>
           </a:xfrm>
           <a:prstGeom prst="rect">
             <a:avLst/>
           </a:prstGeom>
         </p:spPr>
       </p:pic>
-      <p:sp>
-        <p:nvSpPr>
-          <p:cNvPr id="14" name="Номер слайда 13"/>
-          <p:cNvSpPr>
-            <a:spLocks noGrp="1"/>
-          </p:cNvSpPr>
-          <p:nvPr>
-            <p:ph type="sldNum" sz="quarter" idx="12"/>
-          </p:nvPr>
-        </p:nvSpPr>
-        <p:spPr/>
-        <p:txBody>
-          <a:bodyPr/>
-          <a:lstStyle/>
-          <a:p>
-            <a:fld id="{3FF08AD6-07C1-4267-9B3C-85DF7FE192DE}" type="slidenum">
-              <a:rPr lang="ru-RU" smtClean="0"/>
-              <a:t>4</a:t>
-            </a:fld>
-            <a:endParaRPr lang="ru-RU"/>
-          </a:p>
-        </p:txBody>
-      </p:sp>
     </p:spTree>
     <p:extLst>
       <p:ext uri="{BB962C8B-B14F-4D97-AF65-F5344CB8AC3E}">
@@ -4671,9 +10365,32 @@
           <a:chExt cx="0" cy="0"/>
         </a:xfrm>
       </p:grpSpPr>
+      <p:sp>
+        <p:nvSpPr>
+          <p:cNvPr id="4" name="Номер слайда 3"/>
+          <p:cNvSpPr>
+            <a:spLocks noGrp="1"/>
+          </p:cNvSpPr>
+          <p:nvPr>
+            <p:ph type="sldNum" sz="quarter" idx="12"/>
+          </p:nvPr>
+        </p:nvSpPr>
+        <p:spPr/>
+        <p:txBody>
+          <a:bodyPr/>
+          <a:lstStyle/>
+          <a:p>
+            <a:fld id="{3FF08AD6-07C1-4267-9B3C-85DF7FE192DE}" type="slidenum">
+              <a:rPr lang="ru-RU" smtClean="0"/>
+              <a:t>5</a:t>
+            </a:fld>
+            <a:endParaRPr lang="ru-RU"/>
+          </a:p>
+        </p:txBody>
+      </p:sp>
       <p:pic>
         <p:nvPicPr>
-          <p:cNvPr id="2" name="Рисунок 1"/>
+          <p:cNvPr id="3" name="Рисунок 2"/>
           <p:cNvPicPr>
             <a:picLocks noChangeAspect="1"/>
           </p:cNvPicPr>
@@ -4693,8 +10410,8 @@
         </p:blipFill>
         <p:spPr>
           <a:xfrm>
-            <a:off x="1130188" y="1155031"/>
-            <a:ext cx="10017799" cy="4219073"/>
+            <a:off x="2703492" y="671241"/>
+            <a:ext cx="6909866" cy="2085022"/>
           </a:xfrm>
           <a:prstGeom prst="rect">
             <a:avLst/>
@@ -4703,27 +10420,90 @@
       </p:pic>
       <p:sp>
         <p:nvSpPr>
-          <p:cNvPr id="4" name="Номер слайда 3"/>
-          <p:cNvSpPr>
-            <a:spLocks noGrp="1"/>
-          </p:cNvSpPr>
-          <p:nvPr>
-            <p:ph type="sldNum" sz="quarter" idx="12"/>
-          </p:nvPr>
+          <p:cNvPr id="5" name="Прямоугольник: скругленные углы 4">
+            <a:extLst>
+              <a:ext uri="{FF2B5EF4-FFF2-40B4-BE49-F238E27FC236}">
+                <a16:creationId xmlns:a16="http://schemas.microsoft.com/office/drawing/2014/main" id="{CF313A24-2286-F889-0862-6A9E2D828213}"/>
+              </a:ext>
+            </a:extLst>
+          </p:cNvPr>
+          <p:cNvSpPr/>
+          <p:nvPr/>
         </p:nvSpPr>
-        <p:spPr/>
+        <p:spPr>
+          <a:xfrm>
+            <a:off x="842146" y="2998352"/>
+            <a:ext cx="10632558" cy="1241434"/>
+          </a:xfrm>
+          <a:prstGeom prst="roundRect">
+            <a:avLst/>
+          </a:prstGeom>
+        </p:spPr>
+        <p:style>
+          <a:lnRef idx="2">
+            <a:schemeClr val="accent6"/>
+          </a:lnRef>
+          <a:fillRef idx="1">
+            <a:schemeClr val="lt1"/>
+          </a:fillRef>
+          <a:effectRef idx="0">
+            <a:schemeClr val="accent6"/>
+          </a:effectRef>
+          <a:fontRef idx="minor">
+            <a:schemeClr val="dk1"/>
+          </a:fontRef>
+        </p:style>
         <p:txBody>
-          <a:bodyPr/>
+          <a:bodyPr rtlCol="0" anchor="ctr"/>
           <a:lstStyle/>
           <a:p>
-            <a:fld id="{3FF08AD6-07C1-4267-9B3C-85DF7FE192DE}" type="slidenum">
-              <a:rPr lang="ru-RU" smtClean="0"/>
-              <a:t>5</a:t>
-            </a:fld>
-            <a:endParaRPr lang="ru-RU"/>
+            <a:pPr>
+              <a:spcBef>
+                <a:spcPct val="50000"/>
+              </a:spcBef>
+            </a:pPr>
+            <a:r>
+              <a:rPr lang="ru-RU" altLang="ru-RU" sz="2000" dirty="0" smtClean="0">
+                <a:latin typeface="Montserrat" panose="020F0502020204030204" pitchFamily="2" charset="-52"/>
+              </a:rPr>
+              <a:t>В схеме исследования не определено, как получать знания. Поэтому исследователи получали знания исходя из своих моделей мира и сразу применяли их на практике, что приводило к катастрофическим результатам.</a:t>
+            </a:r>
+            <a:endParaRPr lang="ru-RU" altLang="ru-RU" sz="2000" dirty="0">
+              <a:latin typeface="Montserrat" panose="020F0502020204030204" pitchFamily="2" charset="-52"/>
+            </a:endParaRPr>
           </a:p>
         </p:txBody>
       </p:sp>
+      <p:pic>
+        <p:nvPicPr>
+          <p:cNvPr id="7" name="Рисунок 6"/>
+          <p:cNvPicPr>
+            <a:picLocks noChangeAspect="1"/>
+          </p:cNvPicPr>
+          <p:nvPr/>
+        </p:nvPicPr>
+        <p:blipFill>
+          <a:blip r:embed="rId3">
+            <a:extLst>
+              <a:ext uri="{28A0092B-C50C-407E-A947-70E740481C1C}">
+                <a14:useLocalDpi xmlns:a14="http://schemas.microsoft.com/office/drawing/2010/main" val="0"/>
+              </a:ext>
+            </a:extLst>
+          </a:blip>
+          <a:stretch>
+            <a:fillRect/>
+          </a:stretch>
+        </p:blipFill>
+        <p:spPr>
+          <a:xfrm>
+            <a:off x="925548" y="4702628"/>
+            <a:ext cx="10465753" cy="1457779"/>
+          </a:xfrm>
+          <a:prstGeom prst="rect">
+            <a:avLst/>
+          </a:prstGeom>
+        </p:spPr>
+      </p:pic>
     </p:spTree>
     <p:extLst>
       <p:ext uri="{BB962C8B-B14F-4D97-AF65-F5344CB8AC3E}">
@@ -4749,13 +10529,7 @@
   <p:cSld>
     <p:spTree>
       <p:nvGrpSpPr>
-        <p:cNvPr id="1" name="">
-          <a:extLst>
-            <a:ext uri="{FF2B5EF4-FFF2-40B4-BE49-F238E27FC236}">
-              <a16:creationId xmlns:a16="http://schemas.microsoft.com/office/drawing/2014/main" id="{2EF0A05C-78EC-CC52-05A3-6CCEB5B3E46E}"/>
-            </a:ext>
-          </a:extLst>
-        </p:cNvPr>
+        <p:cNvPr id="1" name=""/>
         <p:cNvGrpSpPr/>
         <p:nvPr/>
       </p:nvGrpSpPr>
@@ -4769,137 +10543,283 @@
       </p:grpSpPr>
       <p:sp>
         <p:nvSpPr>
-          <p:cNvPr id="5" name="Прямоугольник: скругленные углы 4">
-            <a:extLst>
-              <a:ext uri="{FF2B5EF4-FFF2-40B4-BE49-F238E27FC236}">
-                <a16:creationId xmlns:a16="http://schemas.microsoft.com/office/drawing/2014/main" id="{C22B179D-EA5F-4A76-9945-D61C9FA94B98}"/>
-              </a:ext>
-            </a:extLst>
-          </p:cNvPr>
+          <p:cNvPr id="2" name="Номер слайда 1"/>
+          <p:cNvSpPr>
+            <a:spLocks noGrp="1"/>
+          </p:cNvSpPr>
+          <p:nvPr>
+            <p:ph type="sldNum" sz="quarter" idx="12"/>
+          </p:nvPr>
+        </p:nvSpPr>
+        <p:spPr/>
+        <p:txBody>
+          <a:bodyPr/>
+          <a:lstStyle/>
+          <a:p>
+            <a:fld id="{3FF08AD6-07C1-4267-9B3C-85DF7FE192DE}" type="slidenum">
+              <a:rPr lang="ru-RU" smtClean="0"/>
+              <a:t>6</a:t>
+            </a:fld>
+            <a:endParaRPr lang="ru-RU"/>
+          </a:p>
+        </p:txBody>
+      </p:sp>
+      <p:sp>
+        <p:nvSpPr>
+          <p:cNvPr id="9" name="Заголовок 3"/>
+          <p:cNvSpPr txBox="1">
+            <a:spLocks/>
+          </p:cNvSpPr>
+          <p:nvPr/>
+        </p:nvSpPr>
+        <p:spPr>
+          <a:xfrm>
+            <a:off x="1447949" y="68199"/>
+            <a:ext cx="9221689" cy="660400"/>
+          </a:xfrm>
+          <a:prstGeom prst="rect">
+            <a:avLst/>
+          </a:prstGeom>
+        </p:spPr>
+        <p:txBody>
+          <a:bodyPr vert="horz" lIns="91440" tIns="45720" rIns="91440" bIns="45720" rtlCol="0" anchor="b">
+            <a:normAutofit/>
+          </a:bodyPr>
+          <a:lstStyle>
+            <a:lvl1pPr algn="l" defTabSz="1007943" rtl="0" eaLnBrk="1" latinLnBrk="0" hangingPunct="1">
+              <a:lnSpc>
+                <a:spcPct val="90000"/>
+              </a:lnSpc>
+              <a:spcBef>
+                <a:spcPct val="0"/>
+              </a:spcBef>
+              <a:buNone/>
+              <a:defRPr sz="6614" kern="1200">
+                <a:solidFill>
+                  <a:schemeClr val="tx1"/>
+                </a:solidFill>
+                <a:latin typeface="+mj-lt"/>
+                <a:ea typeface="+mj-ea"/>
+                <a:cs typeface="+mj-cs"/>
+              </a:defRPr>
+            </a:lvl1pPr>
+          </a:lstStyle>
+          <a:p>
+            <a:pPr algn="ctr"/>
+            <a:r>
+              <a:rPr lang="ru-RU" sz="3200" b="1" dirty="0" smtClean="0">
+                <a:solidFill>
+                  <a:prstClr val="black"/>
+                </a:solidFill>
+                <a:latin typeface="Calibri Light" panose="020F0302020204030204"/>
+              </a:rPr>
+              <a:t>Научное исследование</a:t>
+            </a:r>
+            <a:endParaRPr lang="ru-RU" sz="3200" b="1" dirty="0">
+              <a:solidFill>
+                <a:prstClr val="black"/>
+              </a:solidFill>
+              <a:latin typeface="Calibri Light" panose="020F0302020204030204"/>
+            </a:endParaRPr>
+          </a:p>
+        </p:txBody>
+      </p:sp>
+      <p:sp>
+        <p:nvSpPr>
+          <p:cNvPr id="10" name="Прямоугольник 9"/>
           <p:cNvSpPr/>
           <p:nvPr/>
         </p:nvSpPr>
         <p:spPr>
           <a:xfrm>
-            <a:off x="784349" y="2887284"/>
-            <a:ext cx="10632558" cy="987192"/>
+            <a:off x="1447947" y="5151815"/>
+            <a:ext cx="9221689" cy="1569660"/>
           </a:xfrm>
-          <a:prstGeom prst="roundRect">
+          <a:prstGeom prst="rect">
             <a:avLst/>
           </a:prstGeom>
         </p:spPr>
-        <p:style>
-          <a:lnRef idx="2">
-            <a:schemeClr val="accent6"/>
-          </a:lnRef>
-          <a:fillRef idx="1">
-            <a:schemeClr val="lt1"/>
-          </a:fillRef>
-          <a:effectRef idx="0">
-            <a:schemeClr val="accent6"/>
-          </a:effectRef>
-          <a:fontRef idx="minor">
-            <a:schemeClr val="dk1"/>
-          </a:fontRef>
-        </p:style>
         <p:txBody>
-          <a:bodyPr rtlCol="0" anchor="ctr"/>
+          <a:bodyPr wrap="square">
+            <a:spAutoFit/>
+          </a:bodyPr>
           <a:lstStyle/>
           <a:p>
-            <a:pPr>
-              <a:spcBef>
-                <a:spcPct val="50000"/>
-              </a:spcBef>
-            </a:pPr>
+            <a:pPr algn="just"/>
             <a:r>
-              <a:rPr lang="ru-RU" altLang="ru-RU" sz="2000" b="1" dirty="0">
-                <a:latin typeface="Montserrat" panose="020F0502020204030204" pitchFamily="2" charset="-52"/>
+              <a:rPr lang="ru-RU" sz="2400" dirty="0" smtClean="0">
+                <a:solidFill>
+                  <a:prstClr val="black"/>
+                </a:solidFill>
+                <a:latin typeface="Calibri Light" panose="020F0302020204030204"/>
               </a:rPr>
-              <a:t>Эмпирический анализ</a:t>
+              <a:t>Поэтому сложный вопрос «Как получают знания» декомпозировали на 2 группы вопросов. При этом под декомпозицией понимается представление более сложного понятия совокупностью более простых понятий.</a:t>
             </a:r>
-            <a:r>
-              <a:rPr lang="ru-RU" altLang="ru-RU" sz="2000" dirty="0">
-                <a:latin typeface="Montserrat" panose="020F0502020204030204" pitchFamily="2" charset="-52"/>
-              </a:rPr>
-              <a:t> – это </a:t>
-            </a:r>
-            <a:r>
-              <a:rPr lang="ru-RU" altLang="ru-RU" sz="2000" dirty="0" smtClean="0">
-                <a:latin typeface="Montserrat" panose="020F0502020204030204" pitchFamily="2" charset="-52"/>
-              </a:rPr>
-              <a:t>наполнение той компоненты исследования, которая отвечает на вопрос «как получают знания?»</a:t>
-            </a:r>
-            <a:endParaRPr lang="ru-RU" altLang="ru-RU" sz="2000" dirty="0">
-              <a:latin typeface="Montserrat" panose="020F0502020204030204" pitchFamily="2" charset="-52"/>
-            </a:endParaRPr>
+          </a:p>
+        </p:txBody>
+      </p:sp>
+      <p:graphicFrame>
+        <p:nvGraphicFramePr>
+          <p:cNvPr id="11" name="Схема 10"/>
+          <p:cNvGraphicFramePr/>
+          <p:nvPr>
+            <p:extLst>
+              <p:ext uri="{D42A27DB-BD31-4B8C-83A1-F6EECF244321}">
+                <p14:modId xmlns:p14="http://schemas.microsoft.com/office/powerpoint/2010/main" val="2076727684"/>
+              </p:ext>
+            </p:extLst>
+          </p:nvPr>
+        </p:nvGraphicFramePr>
+        <p:xfrm>
+          <a:off x="1356629" y="1011133"/>
+          <a:ext cx="9404323" cy="3858148"/>
+        </p:xfrm>
+        <a:graphic>
+          <a:graphicData uri="http://schemas.openxmlformats.org/drawingml/2006/diagram">
+            <dgm:relIds xmlns:dgm="http://schemas.openxmlformats.org/drawingml/2006/diagram" xmlns:r="http://schemas.openxmlformats.org/officeDocument/2006/relationships" r:dm="rId2" r:lo="rId3" r:qs="rId4" r:cs="rId5"/>
+          </a:graphicData>
+        </a:graphic>
+      </p:graphicFrame>
+    </p:spTree>
+    <p:extLst>
+      <p:ext uri="{BB962C8B-B14F-4D97-AF65-F5344CB8AC3E}">
+        <p14:creationId xmlns:p14="http://schemas.microsoft.com/office/powerpoint/2010/main" val="4193801799"/>
+      </p:ext>
+    </p:extLst>
+  </p:cSld>
+  <p:clrMapOvr>
+    <a:masterClrMapping/>
+  </p:clrMapOvr>
+</p:sld>
+</file>
+
+<file path=ppt/slides/slide7.xml><?xml version="1.0" encoding="utf-8"?>
+<p:sld xmlns:a="http://schemas.openxmlformats.org/drawingml/2006/main" xmlns:r="http://schemas.openxmlformats.org/officeDocument/2006/relationships" xmlns:p="http://schemas.openxmlformats.org/presentationml/2006/main">
+  <p:cSld>
+    <p:spTree>
+      <p:nvGrpSpPr>
+        <p:cNvPr id="1" name=""/>
+        <p:cNvGrpSpPr/>
+        <p:nvPr/>
+      </p:nvGrpSpPr>
+      <p:grpSpPr>
+        <a:xfrm>
+          <a:off x="0" y="0"/>
+          <a:ext cx="0" cy="0"/>
+          <a:chOff x="0" y="0"/>
+          <a:chExt cx="0" cy="0"/>
+        </a:xfrm>
+      </p:grpSpPr>
+      <p:sp>
+        <p:nvSpPr>
+          <p:cNvPr id="2" name="Номер слайда 1"/>
+          <p:cNvSpPr>
+            <a:spLocks noGrp="1"/>
+          </p:cNvSpPr>
+          <p:nvPr>
+            <p:ph type="sldNum" sz="quarter" idx="12"/>
+          </p:nvPr>
+        </p:nvSpPr>
+        <p:spPr/>
+        <p:txBody>
+          <a:bodyPr/>
+          <a:lstStyle/>
+          <a:p>
+            <a:fld id="{3FF08AD6-07C1-4267-9B3C-85DF7FE192DE}" type="slidenum">
+              <a:rPr lang="ru-RU" smtClean="0"/>
+              <a:t>7</a:t>
+            </a:fld>
+            <a:endParaRPr lang="ru-RU"/>
           </a:p>
         </p:txBody>
       </p:sp>
       <p:sp>
         <p:nvSpPr>
-          <p:cNvPr id="2" name="Прямоугольник: скругленные углы 1">
-            <a:extLst>
-              <a:ext uri="{FF2B5EF4-FFF2-40B4-BE49-F238E27FC236}">
-                <a16:creationId xmlns:a16="http://schemas.microsoft.com/office/drawing/2014/main" id="{64D7874C-AF18-AAF4-BD7F-4089C9CBC6DD}"/>
-              </a:ext>
-            </a:extLst>
-          </p:cNvPr>
-          <p:cNvSpPr/>
+          <p:cNvPr id="5" name="Заголовок 3"/>
+          <p:cNvSpPr txBox="1">
+            <a:spLocks/>
+          </p:cNvSpPr>
           <p:nvPr/>
         </p:nvSpPr>
         <p:spPr>
           <a:xfrm>
-            <a:off x="784349" y="4412699"/>
-            <a:ext cx="10632558" cy="995987"/>
+            <a:off x="1769519" y="218044"/>
+            <a:ext cx="9221689" cy="613536"/>
           </a:xfrm>
-          <a:prstGeom prst="roundRect">
+          <a:prstGeom prst="rect">
             <a:avLst/>
           </a:prstGeom>
         </p:spPr>
-        <p:style>
-          <a:lnRef idx="2">
-            <a:schemeClr val="accent6"/>
-          </a:lnRef>
-          <a:fillRef idx="1">
-            <a:schemeClr val="lt1"/>
-          </a:fillRef>
-          <a:effectRef idx="0">
-            <a:schemeClr val="accent6"/>
-          </a:effectRef>
-          <a:fontRef idx="minor">
-            <a:schemeClr val="dk1"/>
-          </a:fontRef>
-        </p:style>
         <p:txBody>
-          <a:bodyPr rtlCol="0" anchor="ctr"/>
-          <a:lstStyle/>
-          <a:p>
-            <a:pPr>
+          <a:bodyPr vert="horz" lIns="91440" tIns="45720" rIns="91440" bIns="45720" rtlCol="0" anchor="b">
+            <a:noAutofit/>
+          </a:bodyPr>
+          <a:lstStyle>
+            <a:lvl1pPr algn="l" defTabSz="1007943" rtl="0" eaLnBrk="1" latinLnBrk="0" hangingPunct="1">
+              <a:lnSpc>
+                <a:spcPct val="90000"/>
+              </a:lnSpc>
               <a:spcBef>
-                <a:spcPct val="50000"/>
+                <a:spcPct val="0"/>
               </a:spcBef>
-            </a:pPr>
+              <a:buNone/>
+              <a:defRPr sz="6614" kern="1200">
+                <a:solidFill>
+                  <a:schemeClr val="tx1"/>
+                </a:solidFill>
+                <a:latin typeface="+mj-lt"/>
+                <a:ea typeface="+mj-ea"/>
+                <a:cs typeface="+mj-cs"/>
+              </a:defRPr>
+            </a:lvl1pPr>
+          </a:lstStyle>
+          <a:p>
+            <a:pPr algn="ctr"/>
             <a:r>
-              <a:rPr lang="ru-RU" altLang="ru-RU" sz="2000" b="1" dirty="0" smtClean="0">
-                <a:latin typeface="Montserrat" panose="020F0502020204030204" pitchFamily="2" charset="-52"/>
+              <a:rPr lang="ru-RU" sz="3200" b="1" dirty="0" smtClean="0">
+                <a:solidFill>
+                  <a:prstClr val="black"/>
+                </a:solidFill>
+                <a:latin typeface="Calibri Light" panose="020F0302020204030204"/>
               </a:rPr>
-              <a:t>Результатом эмпирического анализа </a:t>
+              <a:t>Научное исследование</a:t>
             </a:r>
-            <a:r>
-              <a:rPr lang="ru-RU" altLang="ru-RU" sz="2000" dirty="0" smtClean="0">
-                <a:latin typeface="Montserrat" panose="020F0502020204030204" pitchFamily="2" charset="-52"/>
-              </a:rPr>
-              <a:t>является разработанный метод получения знаний об объекте исследования</a:t>
-            </a:r>
-            <a:endParaRPr lang="ru-RU" altLang="ru-RU" sz="2000" dirty="0">
-              <a:latin typeface="Montserrat" panose="020F0502020204030204" pitchFamily="2" charset="-52"/>
+            <a:endParaRPr lang="ru-RU" sz="3200" b="1" dirty="0">
+              <a:solidFill>
+                <a:prstClr val="black"/>
+              </a:solidFill>
+              <a:latin typeface="Calibri Light" panose="020F0302020204030204"/>
             </a:endParaRPr>
           </a:p>
         </p:txBody>
       </p:sp>
+      <p:pic>
+        <p:nvPicPr>
+          <p:cNvPr id="6" name="Рисунок 5"/>
+          <p:cNvPicPr>
+            <a:picLocks noChangeAspect="1"/>
+          </p:cNvPicPr>
+          <p:nvPr/>
+        </p:nvPicPr>
+        <p:blipFill>
+          <a:blip r:embed="rId2"/>
+          <a:stretch>
+            <a:fillRect/>
+          </a:stretch>
+        </p:blipFill>
+        <p:spPr>
+          <a:xfrm>
+            <a:off x="1276657" y="1114384"/>
+            <a:ext cx="10077143" cy="5344997"/>
+          </a:xfrm>
+          <a:prstGeom prst="rect">
+            <a:avLst/>
+          </a:prstGeom>
+        </p:spPr>
+      </p:pic>
       <p:sp>
         <p:nvSpPr>
-          <p:cNvPr id="6" name="Прямоугольник: скругленные углы 3">
+          <p:cNvPr id="7" name="Прямоугольник: скругленные углы 3">
             <a:extLst>
               <a:ext uri="{FF2B5EF4-FFF2-40B4-BE49-F238E27FC236}">
                 <a16:creationId xmlns:a16="http://schemas.microsoft.com/office/drawing/2014/main" id="{FA42E480-F299-E4AD-60F0-409BD57E1999}"/>
@@ -4911,8 +10831,8 @@
         </p:nvSpPr>
         <p:spPr>
           <a:xfrm>
-            <a:off x="784349" y="1104436"/>
-            <a:ext cx="10632558" cy="1244625"/>
+            <a:off x="646033" y="5417045"/>
+            <a:ext cx="5571887" cy="1042336"/>
           </a:xfrm>
           <a:prstGeom prst="roundRect">
             <a:avLst/>
@@ -4980,50 +10900,20 @@
           </a:p>
         </p:txBody>
       </p:sp>
-      <p:sp>
-        <p:nvSpPr>
-          <p:cNvPr id="4" name="Номер слайда 3"/>
-          <p:cNvSpPr>
-            <a:spLocks noGrp="1"/>
-          </p:cNvSpPr>
-          <p:nvPr>
-            <p:ph type="sldNum" sz="quarter" idx="12"/>
-          </p:nvPr>
-        </p:nvSpPr>
-        <p:spPr/>
-        <p:txBody>
-          <a:bodyPr/>
-          <a:lstStyle/>
-          <a:p>
-            <a:fld id="{3FF08AD6-07C1-4267-9B3C-85DF7FE192DE}" type="slidenum">
-              <a:rPr lang="ru-RU" smtClean="0"/>
-              <a:t>6</a:t>
-            </a:fld>
-            <a:endParaRPr lang="ru-RU"/>
-          </a:p>
-        </p:txBody>
-      </p:sp>
     </p:spTree>
     <p:extLst>
       <p:ext uri="{BB962C8B-B14F-4D97-AF65-F5344CB8AC3E}">
-        <p14:creationId xmlns:p14="http://schemas.microsoft.com/office/powerpoint/2010/main" val="1106042985"/>
+        <p14:creationId xmlns:p14="http://schemas.microsoft.com/office/powerpoint/2010/main" val="844141011"/>
       </p:ext>
     </p:extLst>
   </p:cSld>
   <p:clrMapOvr>
     <a:masterClrMapping/>
   </p:clrMapOvr>
-  <p:timing>
-    <p:tnLst>
-      <p:par>
-        <p:cTn id="1" dur="indefinite" restart="never" nodeType="tmRoot"/>
-      </p:par>
-    </p:tnLst>
-  </p:timing>
 </p:sld>
 </file>
 
-<file path=ppt/slides/slide7.xml><?xml version="1.0" encoding="utf-8"?>
+<file path=ppt/slides/slide8.xml><?xml version="1.0" encoding="utf-8"?>
 <p:sld xmlns:a="http://schemas.openxmlformats.org/drawingml/2006/main" xmlns:r="http://schemas.openxmlformats.org/officeDocument/2006/relationships" xmlns:p="http://schemas.openxmlformats.org/presentationml/2006/main">
   <p:cSld>
     <p:spTree>
@@ -5042,10 +10932,117 @@
       </p:grpSpPr>
       <p:sp>
         <p:nvSpPr>
-          <p:cNvPr id="2" name="Прямоугольник 1">
+          <p:cNvPr id="2" name="Номер слайда 1"/>
+          <p:cNvSpPr>
+            <a:spLocks noGrp="1"/>
+          </p:cNvSpPr>
+          <p:nvPr>
+            <p:ph type="sldNum" sz="quarter" idx="12"/>
+          </p:nvPr>
+        </p:nvSpPr>
+        <p:spPr/>
+        <p:txBody>
+          <a:bodyPr/>
+          <a:lstStyle/>
+          <a:p>
+            <a:fld id="{3FF08AD6-07C1-4267-9B3C-85DF7FE192DE}" type="slidenum">
+              <a:rPr lang="ru-RU" smtClean="0"/>
+              <a:t>8</a:t>
+            </a:fld>
+            <a:endParaRPr lang="ru-RU"/>
+          </a:p>
+        </p:txBody>
+      </p:sp>
+      <p:sp>
+        <p:nvSpPr>
+          <p:cNvPr id="6" name="Заголовок 3"/>
+          <p:cNvSpPr txBox="1">
+            <a:spLocks/>
+          </p:cNvSpPr>
+          <p:nvPr/>
+        </p:nvSpPr>
+        <p:spPr>
+          <a:xfrm>
+            <a:off x="1369571" y="0"/>
+            <a:ext cx="9221689" cy="660400"/>
+          </a:xfrm>
+          <a:prstGeom prst="rect">
+            <a:avLst/>
+          </a:prstGeom>
+        </p:spPr>
+        <p:txBody>
+          <a:bodyPr vert="horz" lIns="91440" tIns="45720" rIns="91440" bIns="45720" rtlCol="0" anchor="b">
+            <a:normAutofit/>
+          </a:bodyPr>
+          <a:lstStyle>
+            <a:lvl1pPr algn="l" defTabSz="1007943" rtl="0" eaLnBrk="1" latinLnBrk="0" hangingPunct="1">
+              <a:lnSpc>
+                <a:spcPct val="90000"/>
+              </a:lnSpc>
+              <a:spcBef>
+                <a:spcPct val="0"/>
+              </a:spcBef>
+              <a:buNone/>
+              <a:defRPr sz="6614" kern="1200">
+                <a:solidFill>
+                  <a:schemeClr val="tx1"/>
+                </a:solidFill>
+                <a:latin typeface="+mj-lt"/>
+                <a:ea typeface="+mj-ea"/>
+                <a:cs typeface="+mj-cs"/>
+              </a:defRPr>
+            </a:lvl1pPr>
+          </a:lstStyle>
+          <a:p>
+            <a:pPr algn="ctr"/>
+            <a:r>
+              <a:rPr lang="ru-RU" sz="3200" b="1" dirty="0" smtClean="0">
+                <a:solidFill>
+                  <a:prstClr val="black"/>
+                </a:solidFill>
+                <a:latin typeface="Calibri Light" panose="020F0302020204030204"/>
+              </a:rPr>
+              <a:t>Эмпирический анализ</a:t>
+            </a:r>
+            <a:endParaRPr lang="ru-RU" sz="3200" b="1" dirty="0">
+              <a:solidFill>
+                <a:prstClr val="black"/>
+              </a:solidFill>
+              <a:latin typeface="Calibri Light" panose="020F0302020204030204"/>
+            </a:endParaRPr>
+          </a:p>
+        </p:txBody>
+      </p:sp>
+      <p:pic>
+        <p:nvPicPr>
+          <p:cNvPr id="8" name="Рисунок 7"/>
+          <p:cNvPicPr>
+            <a:picLocks noChangeAspect="1"/>
+          </p:cNvPicPr>
+          <p:nvPr/>
+        </p:nvPicPr>
+        <p:blipFill>
+          <a:blip r:embed="rId2"/>
+          <a:stretch>
+            <a:fillRect/>
+          </a:stretch>
+        </p:blipFill>
+        <p:spPr>
+          <a:xfrm>
+            <a:off x="1369571" y="2161416"/>
+            <a:ext cx="9221689" cy="4335513"/>
+          </a:xfrm>
+          <a:prstGeom prst="rect">
+            <a:avLst/>
+          </a:prstGeom>
+        </p:spPr>
+      </p:pic>
+      <p:sp>
+        <p:nvSpPr>
+          <p:cNvPr id="9" name="Прямоугольник: скругленные углы 4">
             <a:extLst>
               <a:ext uri="{FF2B5EF4-FFF2-40B4-BE49-F238E27FC236}">
-                <a16:creationId xmlns:a16="http://schemas.microsoft.com/office/drawing/2014/main" id="{E1DA07ED-AF20-445D-E835-3C6C5C8DCDC4}"/>
+                <a16:creationId xmlns:a16="http://schemas.microsoft.com/office/drawing/2014/main" id="{C22B179D-EA5F-4A76-9945-D61C9FA94B98}"/>
               </a:ext>
             </a:extLst>
           </p:cNvPr>
@@ -5054,387 +11051,8 @@
         </p:nvSpPr>
         <p:spPr>
           <a:xfrm>
-            <a:off x="530060" y="438734"/>
-            <a:ext cx="3769378" cy="1603535"/>
-          </a:xfrm>
-          <a:prstGeom prst="rect">
-            <a:avLst/>
-          </a:prstGeom>
-        </p:spPr>
-        <p:style>
-          <a:lnRef idx="2">
-            <a:schemeClr val="dk1"/>
-          </a:lnRef>
-          <a:fillRef idx="1">
-            <a:schemeClr val="lt1"/>
-          </a:fillRef>
-          <a:effectRef idx="0">
-            <a:schemeClr val="dk1"/>
-          </a:effectRef>
-          <a:fontRef idx="minor">
-            <a:schemeClr val="dk1"/>
-          </a:fontRef>
-        </p:style>
-        <p:txBody>
-          <a:bodyPr rtlCol="0" anchor="ctr"/>
-          <a:lstStyle/>
-          <a:p>
-            <a:pPr algn="ctr"/>
-            <a:r>
-              <a:rPr lang="ru-RU" altLang="ru-RU" sz="2800" dirty="0" smtClean="0">
-                <a:latin typeface="Montserrat" panose="020F0502020204030204" pitchFamily="2" charset="-52"/>
-              </a:rPr>
-              <a:t>Эмпирический анализ</a:t>
-            </a:r>
-            <a:endParaRPr lang="ru-RU" altLang="ru-RU" sz="2800" dirty="0">
-              <a:latin typeface="Montserrat" panose="020F0502020204030204" pitchFamily="2" charset="-52"/>
-            </a:endParaRPr>
-          </a:p>
-        </p:txBody>
-      </p:sp>
-      <p:sp>
-        <p:nvSpPr>
-          <p:cNvPr id="3" name="Прямоугольник 2">
-            <a:extLst>
-              <a:ext uri="{FF2B5EF4-FFF2-40B4-BE49-F238E27FC236}">
-                <a16:creationId xmlns:a16="http://schemas.microsoft.com/office/drawing/2014/main" id="{924B15BA-CBEA-C0BF-F788-7221E2A13567}"/>
-              </a:ext>
-            </a:extLst>
-          </p:cNvPr>
-          <p:cNvSpPr/>
-          <p:nvPr/>
-        </p:nvSpPr>
-        <p:spPr>
-          <a:xfrm>
-            <a:off x="777539" y="3921366"/>
-            <a:ext cx="2428859" cy="1603535"/>
-          </a:xfrm>
-          <a:prstGeom prst="rect">
-            <a:avLst/>
-          </a:prstGeom>
-        </p:spPr>
-        <p:style>
-          <a:lnRef idx="2">
-            <a:schemeClr val="dk1"/>
-          </a:lnRef>
-          <a:fillRef idx="1">
-            <a:schemeClr val="lt1"/>
-          </a:fillRef>
-          <a:effectRef idx="0">
-            <a:schemeClr val="dk1"/>
-          </a:effectRef>
-          <a:fontRef idx="minor">
-            <a:schemeClr val="dk1"/>
-          </a:fontRef>
-        </p:style>
-        <p:txBody>
-          <a:bodyPr rtlCol="0" anchor="ctr"/>
-          <a:lstStyle/>
-          <a:p>
-            <a:pPr algn="ctr"/>
-            <a:r>
-              <a:rPr lang="ru-RU" altLang="ru-RU" sz="2800" dirty="0" smtClean="0">
-                <a:latin typeface="Montserrat" panose="020F0502020204030204" pitchFamily="2" charset="-52"/>
-              </a:rPr>
-              <a:t>Классический анализ</a:t>
-            </a:r>
-            <a:endParaRPr lang="ru-RU" altLang="ru-RU" sz="2800" dirty="0">
-              <a:latin typeface="Montserrat" panose="020F0502020204030204" pitchFamily="2" charset="-52"/>
-            </a:endParaRPr>
-          </a:p>
-        </p:txBody>
-      </p:sp>
-      <p:sp>
-        <p:nvSpPr>
-          <p:cNvPr id="4" name="Прямоугольник 3">
-            <a:extLst>
-              <a:ext uri="{FF2B5EF4-FFF2-40B4-BE49-F238E27FC236}">
-                <a16:creationId xmlns:a16="http://schemas.microsoft.com/office/drawing/2014/main" id="{A70013D0-B207-E91E-A117-BB407A8BBEC1}"/>
-              </a:ext>
-            </a:extLst>
-          </p:cNvPr>
-          <p:cNvSpPr/>
-          <p:nvPr/>
-        </p:nvSpPr>
-        <p:spPr>
-          <a:xfrm>
-            <a:off x="3725144" y="3921367"/>
-            <a:ext cx="3677093" cy="1603535"/>
-          </a:xfrm>
-          <a:prstGeom prst="rect">
-            <a:avLst/>
-          </a:prstGeom>
-        </p:spPr>
-        <p:style>
-          <a:lnRef idx="2">
-            <a:schemeClr val="dk1"/>
-          </a:lnRef>
-          <a:fillRef idx="1">
-            <a:schemeClr val="lt1"/>
-          </a:fillRef>
-          <a:effectRef idx="0">
-            <a:schemeClr val="dk1"/>
-          </a:effectRef>
-          <a:fontRef idx="minor">
-            <a:schemeClr val="dk1"/>
-          </a:fontRef>
-        </p:style>
-        <p:txBody>
-          <a:bodyPr rtlCol="0" anchor="ctr"/>
-          <a:lstStyle/>
-          <a:p>
-            <a:pPr algn="ctr"/>
-            <a:r>
-              <a:rPr lang="ru-RU" altLang="ru-RU" sz="2800" dirty="0" smtClean="0">
-                <a:latin typeface="Montserrat" panose="020F0502020204030204" pitchFamily="2" charset="-52"/>
-              </a:rPr>
-              <a:t>Традиционный подход к организации исследования</a:t>
-            </a:r>
-            <a:endParaRPr lang="ru-RU" altLang="ru-RU" sz="2800" dirty="0">
-              <a:latin typeface="Montserrat" panose="020F0502020204030204" pitchFamily="2" charset="-52"/>
-            </a:endParaRPr>
-          </a:p>
-        </p:txBody>
-      </p:sp>
-      <p:cxnSp>
-        <p:nvCxnSpPr>
-          <p:cNvPr id="8" name="Прямая соединительная линия 7">
-            <a:extLst>
-              <a:ext uri="{FF2B5EF4-FFF2-40B4-BE49-F238E27FC236}">
-                <a16:creationId xmlns:a16="http://schemas.microsoft.com/office/drawing/2014/main" id="{C1071F69-8059-F32B-873B-F8C2548AE56A}"/>
-              </a:ext>
-            </a:extLst>
-          </p:cNvPr>
-          <p:cNvCxnSpPr>
-            <a:stCxn id="3" idx="0"/>
-            <a:endCxn id="2" idx="2"/>
-          </p:cNvCxnSpPr>
-          <p:nvPr/>
-        </p:nvCxnSpPr>
-        <p:spPr>
-          <a:xfrm flipV="1">
-            <a:off x="1991969" y="2042269"/>
-            <a:ext cx="422780" cy="1879097"/>
-          </a:xfrm>
-          <a:prstGeom prst="line">
-            <a:avLst/>
-          </a:prstGeom>
-        </p:spPr>
-        <p:style>
-          <a:lnRef idx="2">
-            <a:schemeClr val="dk1"/>
-          </a:lnRef>
-          <a:fillRef idx="0">
-            <a:schemeClr val="dk1"/>
-          </a:fillRef>
-          <a:effectRef idx="1">
-            <a:schemeClr val="dk1"/>
-          </a:effectRef>
-          <a:fontRef idx="minor">
-            <a:schemeClr val="tx1"/>
-          </a:fontRef>
-        </p:style>
-      </p:cxnSp>
-      <p:cxnSp>
-        <p:nvCxnSpPr>
-          <p:cNvPr id="9" name="Прямая соединительная линия 8">
-            <a:extLst>
-              <a:ext uri="{FF2B5EF4-FFF2-40B4-BE49-F238E27FC236}">
-                <a16:creationId xmlns:a16="http://schemas.microsoft.com/office/drawing/2014/main" id="{ECD4F06A-5ECC-A9DB-30F9-FE6C9739EFF8}"/>
-              </a:ext>
-            </a:extLst>
-          </p:cNvPr>
-          <p:cNvCxnSpPr>
-            <a:cxnSpLocks/>
-            <a:stCxn id="10" idx="0"/>
-            <a:endCxn id="2" idx="2"/>
-          </p:cNvCxnSpPr>
-          <p:nvPr/>
-        </p:nvCxnSpPr>
-        <p:spPr>
-          <a:xfrm flipH="1" flipV="1">
-            <a:off x="2414749" y="2042269"/>
-            <a:ext cx="7493228" cy="1870303"/>
-          </a:xfrm>
-          <a:prstGeom prst="line">
-            <a:avLst/>
-          </a:prstGeom>
-        </p:spPr>
-        <p:style>
-          <a:lnRef idx="2">
-            <a:schemeClr val="dk1"/>
-          </a:lnRef>
-          <a:fillRef idx="0">
-            <a:schemeClr val="dk1"/>
-          </a:fillRef>
-          <a:effectRef idx="1">
-            <a:schemeClr val="dk1"/>
-          </a:effectRef>
-          <a:fontRef idx="minor">
-            <a:schemeClr val="tx1"/>
-          </a:fontRef>
-        </p:style>
-      </p:cxnSp>
-      <p:sp>
-        <p:nvSpPr>
-          <p:cNvPr id="10" name="Прямоугольник 9">
-            <a:extLst>
-              <a:ext uri="{FF2B5EF4-FFF2-40B4-BE49-F238E27FC236}">
-                <a16:creationId xmlns:a16="http://schemas.microsoft.com/office/drawing/2014/main" id="{A70013D0-B207-E91E-A117-BB407A8BBEC1}"/>
-              </a:ext>
-            </a:extLst>
-          </p:cNvPr>
-          <p:cNvSpPr/>
-          <p:nvPr/>
-        </p:nvSpPr>
-        <p:spPr>
-          <a:xfrm>
-            <a:off x="8228714" y="3912572"/>
-            <a:ext cx="3358525" cy="1603535"/>
-          </a:xfrm>
-          <a:prstGeom prst="rect">
-            <a:avLst/>
-          </a:prstGeom>
-        </p:spPr>
-        <p:style>
-          <a:lnRef idx="2">
-            <a:schemeClr val="dk1"/>
-          </a:lnRef>
-          <a:fillRef idx="1">
-            <a:schemeClr val="lt1"/>
-          </a:fillRef>
-          <a:effectRef idx="0">
-            <a:schemeClr val="dk1"/>
-          </a:effectRef>
-          <a:fontRef idx="minor">
-            <a:schemeClr val="dk1"/>
-          </a:fontRef>
-        </p:style>
-        <p:txBody>
-          <a:bodyPr rtlCol="0" anchor="ctr"/>
-          <a:lstStyle/>
-          <a:p>
-            <a:pPr algn="ctr"/>
-            <a:r>
-              <a:rPr lang="ru-RU" altLang="ru-RU" sz="2800" dirty="0">
-                <a:latin typeface="Montserrat" panose="020F0502020204030204" pitchFamily="2" charset="-52"/>
-              </a:rPr>
-              <a:t>системный подход к </a:t>
-            </a:r>
-            <a:r>
-              <a:rPr lang="ru-RU" altLang="ru-RU" sz="2800" dirty="0" smtClean="0">
-                <a:latin typeface="Montserrat" panose="020F0502020204030204" pitchFamily="2" charset="-52"/>
-              </a:rPr>
-              <a:t>организации </a:t>
-            </a:r>
-            <a:r>
-              <a:rPr lang="ru-RU" altLang="ru-RU" sz="2800" dirty="0">
-                <a:latin typeface="Montserrat" panose="020F0502020204030204" pitchFamily="2" charset="-52"/>
-              </a:rPr>
-              <a:t>функционирования </a:t>
-            </a:r>
-            <a:r>
-              <a:rPr lang="ru-RU" altLang="ru-RU" sz="2800" dirty="0" smtClean="0">
-                <a:latin typeface="Montserrat" panose="020F0502020204030204" pitchFamily="2" charset="-52"/>
-              </a:rPr>
-              <a:t>объектов как систем</a:t>
-            </a:r>
-            <a:endParaRPr lang="ru-RU" altLang="ru-RU" sz="2800" dirty="0">
-              <a:latin typeface="Montserrat" panose="020F0502020204030204" pitchFamily="2" charset="-52"/>
-            </a:endParaRPr>
-          </a:p>
-        </p:txBody>
-      </p:sp>
-      <p:cxnSp>
-        <p:nvCxnSpPr>
-          <p:cNvPr id="13" name="Прямая соединительная линия 12">
-            <a:extLst>
-              <a:ext uri="{FF2B5EF4-FFF2-40B4-BE49-F238E27FC236}">
-                <a16:creationId xmlns:a16="http://schemas.microsoft.com/office/drawing/2014/main" id="{C1071F69-8059-F32B-873B-F8C2548AE56A}"/>
-              </a:ext>
-            </a:extLst>
-          </p:cNvPr>
-          <p:cNvCxnSpPr>
-            <a:stCxn id="4" idx="0"/>
-            <a:endCxn id="2" idx="2"/>
-          </p:cNvCxnSpPr>
-          <p:nvPr/>
-        </p:nvCxnSpPr>
-        <p:spPr>
-          <a:xfrm flipH="1" flipV="1">
-            <a:off x="2414749" y="2042269"/>
-            <a:ext cx="3148942" cy="1879098"/>
-          </a:xfrm>
-          <a:prstGeom prst="line">
-            <a:avLst/>
-          </a:prstGeom>
-        </p:spPr>
-        <p:style>
-          <a:lnRef idx="2">
-            <a:schemeClr val="dk1"/>
-          </a:lnRef>
-          <a:fillRef idx="0">
-            <a:schemeClr val="dk1"/>
-          </a:fillRef>
-          <a:effectRef idx="1">
-            <a:schemeClr val="dk1"/>
-          </a:effectRef>
-          <a:fontRef idx="minor">
-            <a:schemeClr val="tx1"/>
-          </a:fontRef>
-        </p:style>
-      </p:cxnSp>
-      <p:sp>
-        <p:nvSpPr>
-          <p:cNvPr id="20" name="TextBox 19">
-            <a:extLst>
-              <a:ext uri="{FF2B5EF4-FFF2-40B4-BE49-F238E27FC236}">
-                <a16:creationId xmlns:a16="http://schemas.microsoft.com/office/drawing/2014/main" id="{68E797D5-1F20-F127-D57B-1BDF6C0BC1AC}"/>
-              </a:ext>
-            </a:extLst>
-          </p:cNvPr>
-          <p:cNvSpPr txBox="1"/>
-          <p:nvPr/>
-        </p:nvSpPr>
-        <p:spPr>
-          <a:xfrm>
-            <a:off x="988828" y="5656521"/>
-            <a:ext cx="10207256" cy="477054"/>
-          </a:xfrm>
-          <a:prstGeom prst="rect">
-            <a:avLst/>
-          </a:prstGeom>
-          <a:noFill/>
-        </p:spPr>
-        <p:txBody>
-          <a:bodyPr wrap="square" rtlCol="0">
-            <a:spAutoFit/>
-          </a:bodyPr>
-          <a:lstStyle/>
-          <a:p>
-            <a:r>
-              <a:rPr lang="ru-RU" sz="2500" dirty="0"/>
-              <a:t>(Их три по применимости)</a:t>
-            </a:r>
-          </a:p>
-        </p:txBody>
-      </p:sp>
-      <p:sp>
-        <p:nvSpPr>
-          <p:cNvPr id="27" name="Прямоугольник: скругленные углы 1">
-            <a:extLst>
-              <a:ext uri="{FF2B5EF4-FFF2-40B4-BE49-F238E27FC236}">
-                <a16:creationId xmlns:a16="http://schemas.microsoft.com/office/drawing/2014/main" id="{809E9F01-2BAA-7991-3CBD-40A2499DCA3C}"/>
-              </a:ext>
-            </a:extLst>
-          </p:cNvPr>
-          <p:cNvSpPr/>
-          <p:nvPr/>
-        </p:nvSpPr>
-        <p:spPr>
-          <a:xfrm>
-            <a:off x="5073161" y="307114"/>
-            <a:ext cx="6655641" cy="897432"/>
+            <a:off x="810653" y="917312"/>
+            <a:ext cx="10632558" cy="987192"/>
           </a:xfrm>
           <a:prstGeom prst="roundRect">
             <a:avLst/>
@@ -5458,129 +11076,63 @@
           <a:bodyPr rtlCol="0" anchor="ctr"/>
           <a:lstStyle/>
           <a:p>
-            <a:pPr>
-              <a:spcBef>
-                <a:spcPct val="50000"/>
-              </a:spcBef>
-            </a:pPr>
+            <a:pPr lvl="0" algn="ctr"/>
             <a:r>
-              <a:rPr lang="ru-RU" altLang="ru-RU" sz="2000" dirty="0" smtClean="0">
-                <a:latin typeface="Montserrat" panose="020F0502020204030204" pitchFamily="2" charset="-52"/>
+              <a:rPr lang="ru-RU" sz="2000" b="1" dirty="0">
+                <a:solidFill>
+                  <a:sysClr val="windowText" lastClr="000000">
+                    <a:hueOff val="0"/>
+                    <a:satOff val="0"/>
+                    <a:lumOff val="0"/>
+                    <a:alphaOff val="0"/>
+                  </a:sysClr>
+                </a:solidFill>
+                <a:latin typeface="Calibri Light" panose="020F0302020204030204"/>
               </a:rPr>
-              <a:t>Цель – </a:t>
+              <a:t>Эмпирический анализ </a:t>
             </a:r>
             <a:r>
-              <a:rPr lang="ru-RU" altLang="ru-RU" sz="2000" dirty="0">
-                <a:latin typeface="Montserrat" panose="020F0502020204030204" pitchFamily="2" charset="-52"/>
+              <a:rPr lang="ru-RU" sz="2000" dirty="0">
+                <a:solidFill>
+                  <a:sysClr val="windowText" lastClr="000000">
+                    <a:hueOff val="0"/>
+                    <a:satOff val="0"/>
+                    <a:lumOff val="0"/>
+                    <a:alphaOff val="0"/>
+                  </a:sysClr>
+                </a:solidFill>
+                <a:latin typeface="Calibri Light" panose="020F0302020204030204"/>
               </a:rPr>
-              <a:t>узнать, как функционирует объект</a:t>
+              <a:t>– это компонент, отвечающий на вопросы «как систематизировать известные знания об объекте исследования» и «как разработать метод получения знаний об объекте исследования».</a:t>
             </a:r>
-          </a:p>
-        </p:txBody>
-      </p:sp>
-      <p:sp>
-        <p:nvSpPr>
-          <p:cNvPr id="28" name="Прямоугольник: скругленные углы 1">
-            <a:extLst>
-              <a:ext uri="{FF2B5EF4-FFF2-40B4-BE49-F238E27FC236}">
-                <a16:creationId xmlns:a16="http://schemas.microsoft.com/office/drawing/2014/main" id="{809E9F01-2BAA-7991-3CBD-40A2499DCA3C}"/>
-              </a:ext>
-            </a:extLst>
-          </p:cNvPr>
-          <p:cNvSpPr/>
-          <p:nvPr/>
-        </p:nvSpPr>
-        <p:spPr>
-          <a:xfrm>
-            <a:off x="5073160" y="1411605"/>
-            <a:ext cx="6655641" cy="897432"/>
-          </a:xfrm>
-          <a:prstGeom prst="roundRect">
-            <a:avLst/>
-          </a:prstGeom>
-        </p:spPr>
-        <p:style>
-          <a:lnRef idx="2">
-            <a:schemeClr val="accent6"/>
-          </a:lnRef>
-          <a:fillRef idx="1">
-            <a:schemeClr val="lt1"/>
-          </a:fillRef>
-          <a:effectRef idx="0">
-            <a:schemeClr val="accent6"/>
-          </a:effectRef>
-          <a:fontRef idx="minor">
-            <a:schemeClr val="dk1"/>
-          </a:fontRef>
-        </p:style>
-        <p:txBody>
-          <a:bodyPr rtlCol="0" anchor="ctr"/>
-          <a:lstStyle/>
-          <a:p>
-            <a:pPr>
-              <a:spcBef>
-                <a:spcPct val="50000"/>
-              </a:spcBef>
-            </a:pPr>
-            <a:r>
-              <a:rPr lang="ru-RU" altLang="ru-RU" sz="2000" dirty="0" smtClean="0">
-                <a:latin typeface="Montserrat" panose="020F0502020204030204" pitchFamily="2" charset="-52"/>
-              </a:rPr>
-              <a:t>Результат – </a:t>
-            </a:r>
-            <a:r>
-              <a:rPr lang="ru-RU" altLang="ru-RU" sz="2000" dirty="0">
-                <a:latin typeface="Montserrat" panose="020F0502020204030204" pitchFamily="2" charset="-52"/>
-              </a:rPr>
-              <a:t>разработанный метод получения знания об объекте исследования</a:t>
-            </a:r>
-          </a:p>
-        </p:txBody>
-      </p:sp>
-      <p:sp>
-        <p:nvSpPr>
-          <p:cNvPr id="6" name="Номер слайда 5"/>
-          <p:cNvSpPr>
-            <a:spLocks noGrp="1"/>
-          </p:cNvSpPr>
-          <p:nvPr>
-            <p:ph type="sldNum" sz="quarter" idx="12"/>
-          </p:nvPr>
-        </p:nvSpPr>
-        <p:spPr/>
-        <p:txBody>
-          <a:bodyPr/>
-          <a:lstStyle/>
-          <a:p>
-            <a:fld id="{3FF08AD6-07C1-4267-9B3C-85DF7FE192DE}" type="slidenum">
-              <a:rPr lang="ru-RU" smtClean="0"/>
-              <a:t>7</a:t>
-            </a:fld>
-            <a:endParaRPr lang="ru-RU"/>
+            <a:endParaRPr lang="ru-RU" sz="2000" dirty="0">
+              <a:solidFill>
+                <a:sysClr val="windowText" lastClr="000000">
+                  <a:hueOff val="0"/>
+                  <a:satOff val="0"/>
+                  <a:lumOff val="0"/>
+                  <a:alphaOff val="0"/>
+                </a:sysClr>
+              </a:solidFill>
+              <a:latin typeface="Calibri Light" panose="020F0302020204030204"/>
+            </a:endParaRPr>
           </a:p>
         </p:txBody>
       </p:sp>
     </p:spTree>
     <p:extLst>
       <p:ext uri="{BB962C8B-B14F-4D97-AF65-F5344CB8AC3E}">
-        <p14:creationId xmlns:p14="http://schemas.microsoft.com/office/powerpoint/2010/main" val="1216039589"/>
+        <p14:creationId xmlns:p14="http://schemas.microsoft.com/office/powerpoint/2010/main" val="3074033642"/>
       </p:ext>
     </p:extLst>
   </p:cSld>
   <p:clrMapOvr>
     <a:masterClrMapping/>
   </p:clrMapOvr>
-  <p:timing>
-    <p:tnLst>
-      <p:par>
-        <p:cTn id="1" dur="indefinite" restart="never" nodeType="tmRoot"/>
-      </p:par>
-    </p:tnLst>
-  </p:timing>
 </p:sld>
 </file>
 
-<file path=ppt/slides/slide8.xml><?xml version="1.0" encoding="utf-8"?>
+<file path=ppt/slides/slide9.xml><?xml version="1.0" encoding="utf-8"?>
 <p:sld xmlns:a="http://schemas.openxmlformats.org/drawingml/2006/main" xmlns:r="http://schemas.openxmlformats.org/officeDocument/2006/relationships" xmlns:p="http://schemas.openxmlformats.org/presentationml/2006/main">
   <p:cSld>
     <p:spTree>
@@ -5681,7 +11233,7 @@
           <a:p>
             <a:fld id="{3FF08AD6-07C1-4267-9B3C-85DF7FE192DE}" type="slidenum">
               <a:rPr lang="ru-RU" smtClean="0"/>
-              <a:t>8</a:t>
+              <a:t>9</a:t>
             </a:fld>
             <a:endParaRPr lang="ru-RU"/>
           </a:p>
@@ -5691,432 +11243,6 @@
     <p:extLst>
       <p:ext uri="{BB962C8B-B14F-4D97-AF65-F5344CB8AC3E}">
         <p14:creationId xmlns:p14="http://schemas.microsoft.com/office/powerpoint/2010/main" val="2064620587"/>
-      </p:ext>
-    </p:extLst>
-  </p:cSld>
-  <p:clrMapOvr>
-    <a:masterClrMapping/>
-  </p:clrMapOvr>
-  <p:timing>
-    <p:tnLst>
-      <p:par>
-        <p:cTn id="1" dur="indefinite" restart="never" nodeType="tmRoot"/>
-      </p:par>
-    </p:tnLst>
-  </p:timing>
-</p:sld>
-</file>
-
-<file path=ppt/slides/slide9.xml><?xml version="1.0" encoding="utf-8"?>
-<p:sld xmlns:a="http://schemas.openxmlformats.org/drawingml/2006/main" xmlns:r="http://schemas.openxmlformats.org/officeDocument/2006/relationships" xmlns:p="http://schemas.openxmlformats.org/presentationml/2006/main">
-  <p:cSld>
-    <p:spTree>
-      <p:nvGrpSpPr>
-        <p:cNvPr id="1" name="">
-          <a:extLst>
-            <a:ext uri="{FF2B5EF4-FFF2-40B4-BE49-F238E27FC236}">
-              <a16:creationId xmlns:a16="http://schemas.microsoft.com/office/drawing/2014/main" id="{67C4C8B0-537D-E651-F25B-FDC4E034A157}"/>
-            </a:ext>
-          </a:extLst>
-        </p:cNvPr>
-        <p:cNvGrpSpPr/>
-        <p:nvPr/>
-      </p:nvGrpSpPr>
-      <p:grpSpPr>
-        <a:xfrm>
-          <a:off x="0" y="0"/>
-          <a:ext cx="0" cy="0"/>
-          <a:chOff x="0" y="0"/>
-          <a:chExt cx="0" cy="0"/>
-        </a:xfrm>
-      </p:grpSpPr>
-      <p:sp>
-        <p:nvSpPr>
-          <p:cNvPr id="12" name="Прямоугольник 11">
-            <a:extLst>
-              <a:ext uri="{FF2B5EF4-FFF2-40B4-BE49-F238E27FC236}">
-                <a16:creationId xmlns:a16="http://schemas.microsoft.com/office/drawing/2014/main" id="{A476D7F8-413A-9C99-5617-D0A7002811F3}"/>
-              </a:ext>
-            </a:extLst>
-          </p:cNvPr>
-          <p:cNvSpPr/>
-          <p:nvPr/>
-        </p:nvSpPr>
-        <p:spPr>
-          <a:xfrm>
-            <a:off x="696656" y="3994947"/>
-            <a:ext cx="3288118" cy="991722"/>
-          </a:xfrm>
-          <a:prstGeom prst="rect">
-            <a:avLst/>
-          </a:prstGeom>
-        </p:spPr>
-        <p:style>
-          <a:lnRef idx="2">
-            <a:schemeClr val="dk1"/>
-          </a:lnRef>
-          <a:fillRef idx="1">
-            <a:schemeClr val="lt1"/>
-          </a:fillRef>
-          <a:effectRef idx="0">
-            <a:schemeClr val="dk1"/>
-          </a:effectRef>
-          <a:fontRef idx="minor">
-            <a:schemeClr val="dk1"/>
-          </a:fontRef>
-        </p:style>
-        <p:txBody>
-          <a:bodyPr rtlCol="0" anchor="ctr"/>
-          <a:lstStyle/>
-          <a:p>
-            <a:pPr marL="0" marR="0" lvl="0" indent="0" algn="ctr" defTabSz="914400" rtl="0" eaLnBrk="1" fontAlgn="auto" latinLnBrk="0" hangingPunct="1">
-              <a:lnSpc>
-                <a:spcPct val="100000"/>
-              </a:lnSpc>
-              <a:spcBef>
-                <a:spcPts val="0"/>
-              </a:spcBef>
-              <a:spcAft>
-                <a:spcPts val="0"/>
-              </a:spcAft>
-              <a:buClrTx/>
-              <a:buSzTx/>
-              <a:tabLst/>
-              <a:defRPr/>
-            </a:pPr>
-            <a:r>
-              <a:rPr lang="ru-RU" altLang="ru-RU" sz="2800" dirty="0">
-                <a:solidFill>
-                  <a:prstClr val="black"/>
-                </a:solidFill>
-                <a:latin typeface="Montserrat" panose="020F0502020204030204" pitchFamily="2" charset="-52"/>
-              </a:rPr>
-              <a:t>Системным</a:t>
-            </a:r>
-            <a:r>
-              <a:rPr kumimoji="0" lang="ru-RU" altLang="ru-RU" sz="2800" i="0" u="none" strike="noStrike" kern="1200" cap="none" spc="0" normalizeH="0" baseline="0" noProof="0" dirty="0">
-                <a:ln>
-                  <a:noFill/>
-                </a:ln>
-                <a:solidFill>
-                  <a:prstClr val="black"/>
-                </a:solidFill>
-                <a:effectLst/>
-                <a:uLnTx/>
-                <a:uFillTx/>
-                <a:latin typeface="Montserrat" panose="020F0502020204030204" pitchFamily="2" charset="-52"/>
-                <a:ea typeface="+mn-ea"/>
-                <a:cs typeface="+mn-cs"/>
-              </a:rPr>
-              <a:t> методом</a:t>
-            </a:r>
-            <a:endParaRPr lang="ru-RU" dirty="0"/>
-          </a:p>
-        </p:txBody>
-      </p:sp>
-      <p:sp>
-        <p:nvSpPr>
-          <p:cNvPr id="13" name="Прямоугольник 12">
-            <a:extLst>
-              <a:ext uri="{FF2B5EF4-FFF2-40B4-BE49-F238E27FC236}">
-                <a16:creationId xmlns:a16="http://schemas.microsoft.com/office/drawing/2014/main" id="{C707DE69-1907-7C33-EEB2-A12E9AC5A554}"/>
-              </a:ext>
-            </a:extLst>
-          </p:cNvPr>
-          <p:cNvSpPr/>
-          <p:nvPr/>
-        </p:nvSpPr>
-        <p:spPr>
-          <a:xfrm>
-            <a:off x="4688013" y="4028470"/>
-            <a:ext cx="3059193" cy="958199"/>
-          </a:xfrm>
-          <a:prstGeom prst="rect">
-            <a:avLst/>
-          </a:prstGeom>
-        </p:spPr>
-        <p:style>
-          <a:lnRef idx="2">
-            <a:schemeClr val="dk1"/>
-          </a:lnRef>
-          <a:fillRef idx="1">
-            <a:schemeClr val="lt1"/>
-          </a:fillRef>
-          <a:effectRef idx="0">
-            <a:schemeClr val="dk1"/>
-          </a:effectRef>
-          <a:fontRef idx="minor">
-            <a:schemeClr val="dk1"/>
-          </a:fontRef>
-        </p:style>
-        <p:txBody>
-          <a:bodyPr rtlCol="0" anchor="ctr"/>
-          <a:lstStyle/>
-          <a:p>
-            <a:pPr lvl="0" algn="ctr">
-              <a:defRPr/>
-            </a:pPr>
-            <a:r>
-              <a:rPr lang="ru-RU" altLang="ru-RU" sz="2800" dirty="0">
-                <a:solidFill>
-                  <a:prstClr val="black"/>
-                </a:solidFill>
-                <a:latin typeface="Montserrat" panose="020F0502020204030204" pitchFamily="2" charset="-52"/>
-              </a:rPr>
-              <a:t>Теорией систем</a:t>
-            </a:r>
-          </a:p>
-        </p:txBody>
-      </p:sp>
-      <p:sp>
-        <p:nvSpPr>
-          <p:cNvPr id="21" name="Прямоугольник 20">
-            <a:extLst>
-              <a:ext uri="{FF2B5EF4-FFF2-40B4-BE49-F238E27FC236}">
-                <a16:creationId xmlns:a16="http://schemas.microsoft.com/office/drawing/2014/main" id="{B00DFF7E-2A82-90A0-F7A7-4429FB5181E5}"/>
-              </a:ext>
-            </a:extLst>
-          </p:cNvPr>
-          <p:cNvSpPr/>
-          <p:nvPr/>
-        </p:nvSpPr>
-        <p:spPr>
-          <a:xfrm>
-            <a:off x="2002687" y="1586232"/>
-            <a:ext cx="8429847" cy="1488558"/>
-          </a:xfrm>
-          <a:prstGeom prst="rect">
-            <a:avLst/>
-          </a:prstGeom>
-        </p:spPr>
-        <p:style>
-          <a:lnRef idx="2">
-            <a:schemeClr val="dk1"/>
-          </a:lnRef>
-          <a:fillRef idx="1">
-            <a:schemeClr val="lt1"/>
-          </a:fillRef>
-          <a:effectRef idx="0">
-            <a:schemeClr val="dk1"/>
-          </a:effectRef>
-          <a:fontRef idx="minor">
-            <a:schemeClr val="dk1"/>
-          </a:fontRef>
-        </p:style>
-        <p:txBody>
-          <a:bodyPr rtlCol="0" anchor="ctr"/>
-          <a:lstStyle/>
-          <a:p>
-            <a:pPr algn="ctr"/>
-            <a:r>
-              <a:rPr lang="ru-RU" altLang="ru-RU" sz="2800" dirty="0">
-                <a:latin typeface="Montserrat" panose="020F0502020204030204" pitchFamily="2" charset="-52"/>
-              </a:rPr>
-              <a:t>Системный подход к организации требуемого функционирования объектов (как систем) (кратко – системный анализ</a:t>
-            </a:r>
-            <a:r>
-              <a:rPr lang="ru-RU" altLang="ru-RU" sz="2800" dirty="0" smtClean="0">
-                <a:latin typeface="Montserrat" panose="020F0502020204030204" pitchFamily="2" charset="-52"/>
-              </a:rPr>
-              <a:t>)</a:t>
-            </a:r>
-            <a:endParaRPr lang="ru-RU" altLang="ru-RU" sz="2800" dirty="0">
-              <a:latin typeface="Montserrat" panose="020F0502020204030204" pitchFamily="2" charset="-52"/>
-            </a:endParaRPr>
-          </a:p>
-        </p:txBody>
-      </p:sp>
-      <p:sp>
-        <p:nvSpPr>
-          <p:cNvPr id="2" name="Прямоугольник 1">
-            <a:extLst>
-              <a:ext uri="{FF2B5EF4-FFF2-40B4-BE49-F238E27FC236}">
-                <a16:creationId xmlns:a16="http://schemas.microsoft.com/office/drawing/2014/main" id="{CA664889-BE0D-56BF-9F5F-AA44C3349ED1}"/>
-              </a:ext>
-            </a:extLst>
-          </p:cNvPr>
-          <p:cNvSpPr/>
-          <p:nvPr/>
-        </p:nvSpPr>
-        <p:spPr>
-          <a:xfrm>
-            <a:off x="8450445" y="3994947"/>
-            <a:ext cx="3188561" cy="991722"/>
-          </a:xfrm>
-          <a:prstGeom prst="rect">
-            <a:avLst/>
-          </a:prstGeom>
-        </p:spPr>
-        <p:style>
-          <a:lnRef idx="2">
-            <a:schemeClr val="dk1"/>
-          </a:lnRef>
-          <a:fillRef idx="1">
-            <a:schemeClr val="lt1"/>
-          </a:fillRef>
-          <a:effectRef idx="0">
-            <a:schemeClr val="dk1"/>
-          </a:effectRef>
-          <a:fontRef idx="minor">
-            <a:schemeClr val="dk1"/>
-          </a:fontRef>
-        </p:style>
-        <p:txBody>
-          <a:bodyPr rtlCol="0" anchor="ctr"/>
-          <a:lstStyle/>
-          <a:p>
-            <a:pPr lvl="0" algn="ctr">
-              <a:defRPr/>
-            </a:pPr>
-            <a:r>
-              <a:rPr lang="ru-RU" altLang="ru-RU" sz="2800" dirty="0">
-                <a:solidFill>
-                  <a:prstClr val="black"/>
-                </a:solidFill>
-                <a:latin typeface="Montserrat" panose="020F0502020204030204" pitchFamily="2" charset="-52"/>
-              </a:rPr>
-              <a:t>Трансакционным анализом</a:t>
-            </a:r>
-          </a:p>
-        </p:txBody>
-      </p:sp>
-      <p:cxnSp>
-        <p:nvCxnSpPr>
-          <p:cNvPr id="5" name="Прямая соединительная линия 4">
-            <a:extLst>
-              <a:ext uri="{FF2B5EF4-FFF2-40B4-BE49-F238E27FC236}">
-                <a16:creationId xmlns:a16="http://schemas.microsoft.com/office/drawing/2014/main" id="{CDE88897-F9BE-A1C2-BB50-211F16D28271}"/>
-              </a:ext>
-            </a:extLst>
-          </p:cNvPr>
-          <p:cNvCxnSpPr>
-            <a:endCxn id="13" idx="0"/>
-          </p:cNvCxnSpPr>
-          <p:nvPr/>
-        </p:nvCxnSpPr>
-        <p:spPr>
-          <a:xfrm flipH="1">
-            <a:off x="6217610" y="3074790"/>
-            <a:ext cx="1" cy="953680"/>
-          </a:xfrm>
-          <a:prstGeom prst="line">
-            <a:avLst/>
-          </a:prstGeom>
-        </p:spPr>
-        <p:style>
-          <a:lnRef idx="2">
-            <a:schemeClr val="dk1"/>
-          </a:lnRef>
-          <a:fillRef idx="0">
-            <a:schemeClr val="dk1"/>
-          </a:fillRef>
-          <a:effectRef idx="1">
-            <a:schemeClr val="dk1"/>
-          </a:effectRef>
-          <a:fontRef idx="minor">
-            <a:schemeClr val="tx1"/>
-          </a:fontRef>
-        </p:style>
-      </p:cxnSp>
-      <p:cxnSp>
-        <p:nvCxnSpPr>
-          <p:cNvPr id="9" name="Прямая соединительная линия 8">
-            <a:extLst>
-              <a:ext uri="{FF2B5EF4-FFF2-40B4-BE49-F238E27FC236}">
-                <a16:creationId xmlns:a16="http://schemas.microsoft.com/office/drawing/2014/main" id="{CDE88897-F9BE-A1C2-BB50-211F16D28271}"/>
-              </a:ext>
-            </a:extLst>
-          </p:cNvPr>
-          <p:cNvCxnSpPr/>
-          <p:nvPr/>
-        </p:nvCxnSpPr>
-        <p:spPr>
-          <a:xfrm>
-            <a:off x="9544286" y="3074790"/>
-            <a:ext cx="4663" cy="920157"/>
-          </a:xfrm>
-          <a:prstGeom prst="line">
-            <a:avLst/>
-          </a:prstGeom>
-        </p:spPr>
-        <p:style>
-          <a:lnRef idx="2">
-            <a:schemeClr val="dk1"/>
-          </a:lnRef>
-          <a:fillRef idx="0">
-            <a:schemeClr val="dk1"/>
-          </a:fillRef>
-          <a:effectRef idx="1">
-            <a:schemeClr val="dk1"/>
-          </a:effectRef>
-          <a:fontRef idx="minor">
-            <a:schemeClr val="tx1"/>
-          </a:fontRef>
-        </p:style>
-      </p:cxnSp>
-      <p:cxnSp>
-        <p:nvCxnSpPr>
-          <p:cNvPr id="10" name="Прямая соединительная линия 9">
-            <a:extLst>
-              <a:ext uri="{FF2B5EF4-FFF2-40B4-BE49-F238E27FC236}">
-                <a16:creationId xmlns:a16="http://schemas.microsoft.com/office/drawing/2014/main" id="{CDE88897-F9BE-A1C2-BB50-211F16D28271}"/>
-              </a:ext>
-            </a:extLst>
-          </p:cNvPr>
-          <p:cNvCxnSpPr/>
-          <p:nvPr/>
-        </p:nvCxnSpPr>
-        <p:spPr>
-          <a:xfrm>
-            <a:off x="2869165" y="3074790"/>
-            <a:ext cx="4664" cy="920157"/>
-          </a:xfrm>
-          <a:prstGeom prst="line">
-            <a:avLst/>
-          </a:prstGeom>
-        </p:spPr>
-        <p:style>
-          <a:lnRef idx="2">
-            <a:schemeClr val="dk1"/>
-          </a:lnRef>
-          <a:fillRef idx="0">
-            <a:schemeClr val="dk1"/>
-          </a:fillRef>
-          <a:effectRef idx="1">
-            <a:schemeClr val="dk1"/>
-          </a:effectRef>
-          <a:fontRef idx="minor">
-            <a:schemeClr val="tx1"/>
-          </a:fontRef>
-        </p:style>
-      </p:cxnSp>
-      <p:sp>
-        <p:nvSpPr>
-          <p:cNvPr id="11" name="Номер слайда 10"/>
-          <p:cNvSpPr>
-            <a:spLocks noGrp="1"/>
-          </p:cNvSpPr>
-          <p:nvPr>
-            <p:ph type="sldNum" sz="quarter" idx="12"/>
-          </p:nvPr>
-        </p:nvSpPr>
-        <p:spPr/>
-        <p:txBody>
-          <a:bodyPr/>
-          <a:lstStyle/>
-          <a:p>
-            <a:fld id="{3FF08AD6-07C1-4267-9B3C-85DF7FE192DE}" type="slidenum">
-              <a:rPr lang="ru-RU" smtClean="0"/>
-              <a:t>9</a:t>
-            </a:fld>
-            <a:endParaRPr lang="ru-RU"/>
-          </a:p>
-        </p:txBody>
-      </p:sp>
-    </p:spTree>
-    <p:extLst>
-      <p:ext uri="{BB962C8B-B14F-4D97-AF65-F5344CB8AC3E}">
-        <p14:creationId xmlns:p14="http://schemas.microsoft.com/office/powerpoint/2010/main" val="1747430432"/>
       </p:ext>
     </p:extLst>
   </p:cSld>

--- a/Основы системного анализа/lab1/lab1.pptx
+++ b/Основы системного анализа/lab1/lab1.pptx
@@ -5,7 +5,7 @@
     <p:sldMasterId id="2147483648" r:id="rId1"/>
   </p:sldMasterIdLst>
   <p:notesMasterIdLst>
-    <p:notesMasterId r:id="rId12"/>
+    <p:notesMasterId r:id="rId11"/>
   </p:notesMasterIdLst>
   <p:sldIdLst>
     <p:sldId id="283" r:id="rId2"/>
@@ -17,7 +17,6 @@
     <p:sldId id="284" r:id="rId8"/>
     <p:sldId id="285" r:id="rId9"/>
     <p:sldId id="270" r:id="rId10"/>
-    <p:sldId id="274" r:id="rId11"/>
   </p:sldIdLst>
   <p:sldSz cx="12192000" cy="6858000"/>
   <p:notesSz cx="6858000" cy="9945688"/>
@@ -1235,7 +1234,7 @@
               <a:ea typeface="+mn-ea"/>
               <a:cs typeface="+mn-cs"/>
             </a:rPr>
-            <a:t>На вопрос «Как получают знания» человек отвечает исходя из своих соображений, своей модели мира</a:t>
+            <a:t>На вопрос «Как получают знания» человек отвечает исходя из своей модели мира</a:t>
           </a:r>
           <a:endParaRPr lang="ru-RU" sz="2400" b="0" u="none" dirty="0">
             <a:solidFill>
@@ -2073,7 +2072,7 @@
               <a:ea typeface="+mn-ea"/>
               <a:cs typeface="+mn-cs"/>
             </a:rPr>
-            <a:t>На вопрос «Как получают знания» человек отвечает исходя из своих соображений, своей модели мира</a:t>
+            <a:t>На вопрос «Как получают знания» человек отвечает исходя из своей модели мира</a:t>
           </a:r>
           <a:endParaRPr lang="ru-RU" sz="2400" b="0" u="none" kern="1200" dirty="0">
             <a:solidFill>
@@ -4657,7 +4656,7 @@
           <a:p>
             <a:fld id="{D780223A-92FE-4A5B-BB5B-749048751019}" type="datetimeFigureOut">
               <a:rPr lang="ru-RU" smtClean="0"/>
-              <a:t>20.11.2025</a:t>
+              <a:t>25.12.2025</a:t>
             </a:fld>
             <a:endParaRPr lang="ru-RU"/>
           </a:p>
@@ -5072,7 +5071,7 @@
           <a:p>
             <a:fld id="{6C3580BC-6B02-4DCF-B19F-0EB9C768A3FE}" type="datetime1">
               <a:rPr lang="ru-RU" smtClean="0"/>
-              <a:t>20.11.2025</a:t>
+              <a:t>25.12.2025</a:t>
             </a:fld>
             <a:endParaRPr lang="ru-RU"/>
           </a:p>
@@ -5270,7 +5269,7 @@
           <a:p>
             <a:fld id="{7710571D-D699-4ACD-A1A7-5EC42B21ACC4}" type="datetime1">
               <a:rPr lang="ru-RU" smtClean="0"/>
-              <a:t>20.11.2025</a:t>
+              <a:t>25.12.2025</a:t>
             </a:fld>
             <a:endParaRPr lang="ru-RU"/>
           </a:p>
@@ -5478,7 +5477,7 @@
           <a:p>
             <a:fld id="{CC977B4C-FD90-4D07-A416-F62E908158A9}" type="datetime1">
               <a:rPr lang="ru-RU" smtClean="0"/>
-              <a:t>20.11.2025</a:t>
+              <a:t>25.12.2025</a:t>
             </a:fld>
             <a:endParaRPr lang="ru-RU"/>
           </a:p>
@@ -5676,7 +5675,7 @@
           <a:p>
             <a:fld id="{3F0262AB-E04E-4F06-9A10-68B74A6F831C}" type="datetime1">
               <a:rPr lang="ru-RU" smtClean="0"/>
-              <a:t>20.11.2025</a:t>
+              <a:t>25.12.2025</a:t>
             </a:fld>
             <a:endParaRPr lang="ru-RU"/>
           </a:p>
@@ -5951,7 +5950,7 @@
           <a:p>
             <a:fld id="{1460DE69-666D-4487-BC90-69FDB1137A48}" type="datetime1">
               <a:rPr lang="ru-RU" smtClean="0"/>
-              <a:t>20.11.2025</a:t>
+              <a:t>25.12.2025</a:t>
             </a:fld>
             <a:endParaRPr lang="ru-RU"/>
           </a:p>
@@ -6216,7 +6215,7 @@
           <a:p>
             <a:fld id="{8B37F689-C7D3-4FBE-8D92-FCDD4B001B08}" type="datetime1">
               <a:rPr lang="ru-RU" smtClean="0"/>
-              <a:t>20.11.2025</a:t>
+              <a:t>25.12.2025</a:t>
             </a:fld>
             <a:endParaRPr lang="ru-RU"/>
           </a:p>
@@ -6628,7 +6627,7 @@
           <a:p>
             <a:fld id="{AE88D557-C1B2-4FD9-BB0B-65B6B327D49D}" type="datetime1">
               <a:rPr lang="ru-RU" smtClean="0"/>
-              <a:t>20.11.2025</a:t>
+              <a:t>25.12.2025</a:t>
             </a:fld>
             <a:endParaRPr lang="ru-RU"/>
           </a:p>
@@ -6769,7 +6768,7 @@
           <a:p>
             <a:fld id="{2A0144E9-D005-4784-9BEA-CC60C2CCEA11}" type="datetime1">
               <a:rPr lang="ru-RU" smtClean="0"/>
-              <a:t>20.11.2025</a:t>
+              <a:t>25.12.2025</a:t>
             </a:fld>
             <a:endParaRPr lang="ru-RU"/>
           </a:p>
@@ -6882,7 +6881,7 @@
           <a:p>
             <a:fld id="{D5AEF033-C872-494D-8C8D-1135967C3271}" type="datetime1">
               <a:rPr lang="ru-RU" smtClean="0"/>
-              <a:t>20.11.2025</a:t>
+              <a:t>25.12.2025</a:t>
             </a:fld>
             <a:endParaRPr lang="ru-RU"/>
           </a:p>
@@ -7193,7 +7192,7 @@
           <a:p>
             <a:fld id="{842EC839-69BC-43B6-9B38-60AA6CCA39C5}" type="datetime1">
               <a:rPr lang="ru-RU" smtClean="0"/>
-              <a:t>20.11.2025</a:t>
+              <a:t>25.12.2025</a:t>
             </a:fld>
             <a:endParaRPr lang="ru-RU"/>
           </a:p>
@@ -7481,7 +7480,7 @@
           <a:p>
             <a:fld id="{3993203D-F460-4EED-95FB-15ABDABE335A}" type="datetime1">
               <a:rPr lang="ru-RU" smtClean="0"/>
-              <a:t>20.11.2025</a:t>
+              <a:t>25.12.2025</a:t>
             </a:fld>
             <a:endParaRPr lang="ru-RU"/>
           </a:p>
@@ -7722,7 +7721,7 @@
           <a:p>
             <a:fld id="{A71AF16D-7B67-40C7-A698-CD17E9078998}" type="datetime1">
               <a:rPr lang="ru-RU" smtClean="0"/>
-              <a:t>20.11.2025</a:t>
+              <a:t>25.12.2025</a:t>
             </a:fld>
             <a:endParaRPr lang="ru-RU"/>
           </a:p>
@@ -9045,432 +9044,6 @@
 </p:sld>
 </file>
 
-<file path=ppt/slides/slide10.xml><?xml version="1.0" encoding="utf-8"?>
-<p:sld xmlns:a="http://schemas.openxmlformats.org/drawingml/2006/main" xmlns:r="http://schemas.openxmlformats.org/officeDocument/2006/relationships" xmlns:p="http://schemas.openxmlformats.org/presentationml/2006/main">
-  <p:cSld>
-    <p:spTree>
-      <p:nvGrpSpPr>
-        <p:cNvPr id="1" name="">
-          <a:extLst>
-            <a:ext uri="{FF2B5EF4-FFF2-40B4-BE49-F238E27FC236}">
-              <a16:creationId xmlns:a16="http://schemas.microsoft.com/office/drawing/2014/main" id="{67C4C8B0-537D-E651-F25B-FDC4E034A157}"/>
-            </a:ext>
-          </a:extLst>
-        </p:cNvPr>
-        <p:cNvGrpSpPr/>
-        <p:nvPr/>
-      </p:nvGrpSpPr>
-      <p:grpSpPr>
-        <a:xfrm>
-          <a:off x="0" y="0"/>
-          <a:ext cx="0" cy="0"/>
-          <a:chOff x="0" y="0"/>
-          <a:chExt cx="0" cy="0"/>
-        </a:xfrm>
-      </p:grpSpPr>
-      <p:sp>
-        <p:nvSpPr>
-          <p:cNvPr id="12" name="Прямоугольник 11">
-            <a:extLst>
-              <a:ext uri="{FF2B5EF4-FFF2-40B4-BE49-F238E27FC236}">
-                <a16:creationId xmlns:a16="http://schemas.microsoft.com/office/drawing/2014/main" id="{A476D7F8-413A-9C99-5617-D0A7002811F3}"/>
-              </a:ext>
-            </a:extLst>
-          </p:cNvPr>
-          <p:cNvSpPr/>
-          <p:nvPr/>
-        </p:nvSpPr>
-        <p:spPr>
-          <a:xfrm>
-            <a:off x="696656" y="3994947"/>
-            <a:ext cx="3288118" cy="991722"/>
-          </a:xfrm>
-          <a:prstGeom prst="rect">
-            <a:avLst/>
-          </a:prstGeom>
-        </p:spPr>
-        <p:style>
-          <a:lnRef idx="2">
-            <a:schemeClr val="dk1"/>
-          </a:lnRef>
-          <a:fillRef idx="1">
-            <a:schemeClr val="lt1"/>
-          </a:fillRef>
-          <a:effectRef idx="0">
-            <a:schemeClr val="dk1"/>
-          </a:effectRef>
-          <a:fontRef idx="minor">
-            <a:schemeClr val="dk1"/>
-          </a:fontRef>
-        </p:style>
-        <p:txBody>
-          <a:bodyPr rtlCol="0" anchor="ctr"/>
-          <a:lstStyle/>
-          <a:p>
-            <a:pPr marL="0" marR="0" lvl="0" indent="0" algn="ctr" defTabSz="914400" rtl="0" eaLnBrk="1" fontAlgn="auto" latinLnBrk="0" hangingPunct="1">
-              <a:lnSpc>
-                <a:spcPct val="100000"/>
-              </a:lnSpc>
-              <a:spcBef>
-                <a:spcPts val="0"/>
-              </a:spcBef>
-              <a:spcAft>
-                <a:spcPts val="0"/>
-              </a:spcAft>
-              <a:buClrTx/>
-              <a:buSzTx/>
-              <a:tabLst/>
-              <a:defRPr/>
-            </a:pPr>
-            <a:r>
-              <a:rPr lang="ru-RU" altLang="ru-RU" sz="2800" dirty="0">
-                <a:solidFill>
-                  <a:prstClr val="black"/>
-                </a:solidFill>
-                <a:latin typeface="Montserrat" panose="020F0502020204030204" pitchFamily="2" charset="-52"/>
-              </a:rPr>
-              <a:t>Системным</a:t>
-            </a:r>
-            <a:r>
-              <a:rPr kumimoji="0" lang="ru-RU" altLang="ru-RU" sz="2800" i="0" u="none" strike="noStrike" kern="1200" cap="none" spc="0" normalizeH="0" baseline="0" noProof="0" dirty="0">
-                <a:ln>
-                  <a:noFill/>
-                </a:ln>
-                <a:solidFill>
-                  <a:prstClr val="black"/>
-                </a:solidFill>
-                <a:effectLst/>
-                <a:uLnTx/>
-                <a:uFillTx/>
-                <a:latin typeface="Montserrat" panose="020F0502020204030204" pitchFamily="2" charset="-52"/>
-                <a:ea typeface="+mn-ea"/>
-                <a:cs typeface="+mn-cs"/>
-              </a:rPr>
-              <a:t> методом</a:t>
-            </a:r>
-            <a:endParaRPr lang="ru-RU" dirty="0"/>
-          </a:p>
-        </p:txBody>
-      </p:sp>
-      <p:sp>
-        <p:nvSpPr>
-          <p:cNvPr id="13" name="Прямоугольник 12">
-            <a:extLst>
-              <a:ext uri="{FF2B5EF4-FFF2-40B4-BE49-F238E27FC236}">
-                <a16:creationId xmlns:a16="http://schemas.microsoft.com/office/drawing/2014/main" id="{C707DE69-1907-7C33-EEB2-A12E9AC5A554}"/>
-              </a:ext>
-            </a:extLst>
-          </p:cNvPr>
-          <p:cNvSpPr/>
-          <p:nvPr/>
-        </p:nvSpPr>
-        <p:spPr>
-          <a:xfrm>
-            <a:off x="4688013" y="4028470"/>
-            <a:ext cx="3059193" cy="958199"/>
-          </a:xfrm>
-          <a:prstGeom prst="rect">
-            <a:avLst/>
-          </a:prstGeom>
-        </p:spPr>
-        <p:style>
-          <a:lnRef idx="2">
-            <a:schemeClr val="dk1"/>
-          </a:lnRef>
-          <a:fillRef idx="1">
-            <a:schemeClr val="lt1"/>
-          </a:fillRef>
-          <a:effectRef idx="0">
-            <a:schemeClr val="dk1"/>
-          </a:effectRef>
-          <a:fontRef idx="minor">
-            <a:schemeClr val="dk1"/>
-          </a:fontRef>
-        </p:style>
-        <p:txBody>
-          <a:bodyPr rtlCol="0" anchor="ctr"/>
-          <a:lstStyle/>
-          <a:p>
-            <a:pPr lvl="0" algn="ctr">
-              <a:defRPr/>
-            </a:pPr>
-            <a:r>
-              <a:rPr lang="ru-RU" altLang="ru-RU" sz="2800" dirty="0">
-                <a:solidFill>
-                  <a:prstClr val="black"/>
-                </a:solidFill>
-                <a:latin typeface="Montserrat" panose="020F0502020204030204" pitchFamily="2" charset="-52"/>
-              </a:rPr>
-              <a:t>Теорией систем</a:t>
-            </a:r>
-          </a:p>
-        </p:txBody>
-      </p:sp>
-      <p:sp>
-        <p:nvSpPr>
-          <p:cNvPr id="21" name="Прямоугольник 20">
-            <a:extLst>
-              <a:ext uri="{FF2B5EF4-FFF2-40B4-BE49-F238E27FC236}">
-                <a16:creationId xmlns:a16="http://schemas.microsoft.com/office/drawing/2014/main" id="{B00DFF7E-2A82-90A0-F7A7-4429FB5181E5}"/>
-              </a:ext>
-            </a:extLst>
-          </p:cNvPr>
-          <p:cNvSpPr/>
-          <p:nvPr/>
-        </p:nvSpPr>
-        <p:spPr>
-          <a:xfrm>
-            <a:off x="2002687" y="1586232"/>
-            <a:ext cx="8429847" cy="1488558"/>
-          </a:xfrm>
-          <a:prstGeom prst="rect">
-            <a:avLst/>
-          </a:prstGeom>
-        </p:spPr>
-        <p:style>
-          <a:lnRef idx="2">
-            <a:schemeClr val="dk1"/>
-          </a:lnRef>
-          <a:fillRef idx="1">
-            <a:schemeClr val="lt1"/>
-          </a:fillRef>
-          <a:effectRef idx="0">
-            <a:schemeClr val="dk1"/>
-          </a:effectRef>
-          <a:fontRef idx="minor">
-            <a:schemeClr val="dk1"/>
-          </a:fontRef>
-        </p:style>
-        <p:txBody>
-          <a:bodyPr rtlCol="0" anchor="ctr"/>
-          <a:lstStyle/>
-          <a:p>
-            <a:pPr algn="ctr"/>
-            <a:r>
-              <a:rPr lang="ru-RU" altLang="ru-RU" sz="2800" dirty="0">
-                <a:latin typeface="Montserrat" panose="020F0502020204030204" pitchFamily="2" charset="-52"/>
-              </a:rPr>
-              <a:t>Системный подход к организации требуемого функционирования объектов (как систем) (кратко – системный анализ</a:t>
-            </a:r>
-            <a:r>
-              <a:rPr lang="ru-RU" altLang="ru-RU" sz="2800" dirty="0" smtClean="0">
-                <a:latin typeface="Montserrat" panose="020F0502020204030204" pitchFamily="2" charset="-52"/>
-              </a:rPr>
-              <a:t>)</a:t>
-            </a:r>
-            <a:endParaRPr lang="ru-RU" altLang="ru-RU" sz="2800" dirty="0">
-              <a:latin typeface="Montserrat" panose="020F0502020204030204" pitchFamily="2" charset="-52"/>
-            </a:endParaRPr>
-          </a:p>
-        </p:txBody>
-      </p:sp>
-      <p:sp>
-        <p:nvSpPr>
-          <p:cNvPr id="2" name="Прямоугольник 1">
-            <a:extLst>
-              <a:ext uri="{FF2B5EF4-FFF2-40B4-BE49-F238E27FC236}">
-                <a16:creationId xmlns:a16="http://schemas.microsoft.com/office/drawing/2014/main" id="{CA664889-BE0D-56BF-9F5F-AA44C3349ED1}"/>
-              </a:ext>
-            </a:extLst>
-          </p:cNvPr>
-          <p:cNvSpPr/>
-          <p:nvPr/>
-        </p:nvSpPr>
-        <p:spPr>
-          <a:xfrm>
-            <a:off x="8450445" y="3994947"/>
-            <a:ext cx="3188561" cy="991722"/>
-          </a:xfrm>
-          <a:prstGeom prst="rect">
-            <a:avLst/>
-          </a:prstGeom>
-        </p:spPr>
-        <p:style>
-          <a:lnRef idx="2">
-            <a:schemeClr val="dk1"/>
-          </a:lnRef>
-          <a:fillRef idx="1">
-            <a:schemeClr val="lt1"/>
-          </a:fillRef>
-          <a:effectRef idx="0">
-            <a:schemeClr val="dk1"/>
-          </a:effectRef>
-          <a:fontRef idx="minor">
-            <a:schemeClr val="dk1"/>
-          </a:fontRef>
-        </p:style>
-        <p:txBody>
-          <a:bodyPr rtlCol="0" anchor="ctr"/>
-          <a:lstStyle/>
-          <a:p>
-            <a:pPr lvl="0" algn="ctr">
-              <a:defRPr/>
-            </a:pPr>
-            <a:r>
-              <a:rPr lang="ru-RU" altLang="ru-RU" sz="2800" dirty="0">
-                <a:solidFill>
-                  <a:prstClr val="black"/>
-                </a:solidFill>
-                <a:latin typeface="Montserrat" panose="020F0502020204030204" pitchFamily="2" charset="-52"/>
-              </a:rPr>
-              <a:t>Трансакционным анализом</a:t>
-            </a:r>
-          </a:p>
-        </p:txBody>
-      </p:sp>
-      <p:cxnSp>
-        <p:nvCxnSpPr>
-          <p:cNvPr id="5" name="Прямая соединительная линия 4">
-            <a:extLst>
-              <a:ext uri="{FF2B5EF4-FFF2-40B4-BE49-F238E27FC236}">
-                <a16:creationId xmlns:a16="http://schemas.microsoft.com/office/drawing/2014/main" id="{CDE88897-F9BE-A1C2-BB50-211F16D28271}"/>
-              </a:ext>
-            </a:extLst>
-          </p:cNvPr>
-          <p:cNvCxnSpPr>
-            <a:endCxn id="13" idx="0"/>
-          </p:cNvCxnSpPr>
-          <p:nvPr/>
-        </p:nvCxnSpPr>
-        <p:spPr>
-          <a:xfrm flipH="1">
-            <a:off x="6217610" y="3074790"/>
-            <a:ext cx="1" cy="953680"/>
-          </a:xfrm>
-          <a:prstGeom prst="line">
-            <a:avLst/>
-          </a:prstGeom>
-        </p:spPr>
-        <p:style>
-          <a:lnRef idx="2">
-            <a:schemeClr val="dk1"/>
-          </a:lnRef>
-          <a:fillRef idx="0">
-            <a:schemeClr val="dk1"/>
-          </a:fillRef>
-          <a:effectRef idx="1">
-            <a:schemeClr val="dk1"/>
-          </a:effectRef>
-          <a:fontRef idx="minor">
-            <a:schemeClr val="tx1"/>
-          </a:fontRef>
-        </p:style>
-      </p:cxnSp>
-      <p:cxnSp>
-        <p:nvCxnSpPr>
-          <p:cNvPr id="9" name="Прямая соединительная линия 8">
-            <a:extLst>
-              <a:ext uri="{FF2B5EF4-FFF2-40B4-BE49-F238E27FC236}">
-                <a16:creationId xmlns:a16="http://schemas.microsoft.com/office/drawing/2014/main" id="{CDE88897-F9BE-A1C2-BB50-211F16D28271}"/>
-              </a:ext>
-            </a:extLst>
-          </p:cNvPr>
-          <p:cNvCxnSpPr/>
-          <p:nvPr/>
-        </p:nvCxnSpPr>
-        <p:spPr>
-          <a:xfrm>
-            <a:off x="9544286" y="3074790"/>
-            <a:ext cx="4663" cy="920157"/>
-          </a:xfrm>
-          <a:prstGeom prst="line">
-            <a:avLst/>
-          </a:prstGeom>
-        </p:spPr>
-        <p:style>
-          <a:lnRef idx="2">
-            <a:schemeClr val="dk1"/>
-          </a:lnRef>
-          <a:fillRef idx="0">
-            <a:schemeClr val="dk1"/>
-          </a:fillRef>
-          <a:effectRef idx="1">
-            <a:schemeClr val="dk1"/>
-          </a:effectRef>
-          <a:fontRef idx="minor">
-            <a:schemeClr val="tx1"/>
-          </a:fontRef>
-        </p:style>
-      </p:cxnSp>
-      <p:cxnSp>
-        <p:nvCxnSpPr>
-          <p:cNvPr id="10" name="Прямая соединительная линия 9">
-            <a:extLst>
-              <a:ext uri="{FF2B5EF4-FFF2-40B4-BE49-F238E27FC236}">
-                <a16:creationId xmlns:a16="http://schemas.microsoft.com/office/drawing/2014/main" id="{CDE88897-F9BE-A1C2-BB50-211F16D28271}"/>
-              </a:ext>
-            </a:extLst>
-          </p:cNvPr>
-          <p:cNvCxnSpPr/>
-          <p:nvPr/>
-        </p:nvCxnSpPr>
-        <p:spPr>
-          <a:xfrm>
-            <a:off x="2869165" y="3074790"/>
-            <a:ext cx="4664" cy="920157"/>
-          </a:xfrm>
-          <a:prstGeom prst="line">
-            <a:avLst/>
-          </a:prstGeom>
-        </p:spPr>
-        <p:style>
-          <a:lnRef idx="2">
-            <a:schemeClr val="dk1"/>
-          </a:lnRef>
-          <a:fillRef idx="0">
-            <a:schemeClr val="dk1"/>
-          </a:fillRef>
-          <a:effectRef idx="1">
-            <a:schemeClr val="dk1"/>
-          </a:effectRef>
-          <a:fontRef idx="minor">
-            <a:schemeClr val="tx1"/>
-          </a:fontRef>
-        </p:style>
-      </p:cxnSp>
-      <p:sp>
-        <p:nvSpPr>
-          <p:cNvPr id="11" name="Номер слайда 10"/>
-          <p:cNvSpPr>
-            <a:spLocks noGrp="1"/>
-          </p:cNvSpPr>
-          <p:nvPr>
-            <p:ph type="sldNum" sz="quarter" idx="12"/>
-          </p:nvPr>
-        </p:nvSpPr>
-        <p:spPr/>
-        <p:txBody>
-          <a:bodyPr/>
-          <a:lstStyle/>
-          <a:p>
-            <a:fld id="{3FF08AD6-07C1-4267-9B3C-85DF7FE192DE}" type="slidenum">
-              <a:rPr lang="ru-RU" smtClean="0"/>
-              <a:t>10</a:t>
-            </a:fld>
-            <a:endParaRPr lang="ru-RU"/>
-          </a:p>
-        </p:txBody>
-      </p:sp>
-    </p:spTree>
-    <p:extLst>
-      <p:ext uri="{BB962C8B-B14F-4D97-AF65-F5344CB8AC3E}">
-        <p14:creationId xmlns:p14="http://schemas.microsoft.com/office/powerpoint/2010/main" val="1747430432"/>
-      </p:ext>
-    </p:extLst>
-  </p:cSld>
-  <p:clrMapOvr>
-    <a:masterClrMapping/>
-  </p:clrMapOvr>
-  <p:timing>
-    <p:tnLst>
-      <p:par>
-        <p:cTn id="1" dur="indefinite" restart="never" nodeType="tmRoot"/>
-      </p:par>
-    </p:tnLst>
-  </p:timing>
-</p:sld>
-</file>
-
 <file path=ppt/slides/slide2.xml><?xml version="1.0" encoding="utf-8"?>
 <p:sld xmlns:a="http://schemas.openxmlformats.org/drawingml/2006/main" xmlns:r="http://schemas.openxmlformats.org/officeDocument/2006/relationships" xmlns:p="http://schemas.openxmlformats.org/presentationml/2006/main">
   <p:cSld>
@@ -10432,7 +10005,7 @@
         </p:nvSpPr>
         <p:spPr>
           <a:xfrm>
-            <a:off x="842146" y="2998352"/>
+            <a:off x="842146" y="2932289"/>
             <a:ext cx="10632558" cy="1241434"/>
           </a:xfrm>
           <a:prstGeom prst="roundRect">
@@ -10476,7 +10049,7 @@
       </p:sp>
       <p:pic>
         <p:nvPicPr>
-          <p:cNvPr id="7" name="Рисунок 6"/>
+          <p:cNvPr id="2" name="Рисунок 1"/>
           <p:cNvPicPr>
             <a:picLocks noChangeAspect="1"/>
           </p:cNvPicPr>
@@ -10496,8 +10069,8 @@
         </p:blipFill>
         <p:spPr>
           <a:xfrm>
-            <a:off x="925548" y="4702628"/>
-            <a:ext cx="10465753" cy="1457779"/>
+            <a:off x="2331023" y="4349749"/>
+            <a:ext cx="7654804" cy="2103316"/>
           </a:xfrm>
           <a:prstGeom prst="rect">
             <a:avLst/>
@@ -10665,7 +10238,7 @@
           <p:nvPr>
             <p:extLst>
               <p:ext uri="{D42A27DB-BD31-4B8C-83A1-F6EECF244321}">
-                <p14:modId xmlns:p14="http://schemas.microsoft.com/office/powerpoint/2010/main" val="2076727684"/>
+                <p14:modId xmlns:p14="http://schemas.microsoft.com/office/powerpoint/2010/main" val="1847974293"/>
               </p:ext>
             </p:extLst>
           </p:nvPr>
@@ -11013,30 +10586,6 @@
           </a:p>
         </p:txBody>
       </p:sp>
-      <p:pic>
-        <p:nvPicPr>
-          <p:cNvPr id="8" name="Рисунок 7"/>
-          <p:cNvPicPr>
-            <a:picLocks noChangeAspect="1"/>
-          </p:cNvPicPr>
-          <p:nvPr/>
-        </p:nvPicPr>
-        <p:blipFill>
-          <a:blip r:embed="rId2"/>
-          <a:stretch>
-            <a:fillRect/>
-          </a:stretch>
-        </p:blipFill>
-        <p:spPr>
-          <a:xfrm>
-            <a:off x="1369571" y="2161416"/>
-            <a:ext cx="9221689" cy="4335513"/>
-          </a:xfrm>
-          <a:prstGeom prst="rect">
-            <a:avLst/>
-          </a:prstGeom>
-        </p:spPr>
-      </p:pic>
       <p:sp>
         <p:nvSpPr>
           <p:cNvPr id="9" name="Прямоугольник: скругленные углы 4">
@@ -11105,20 +10654,69 @@
               </a:rPr>
               <a:t>– это компонент, отвечающий на вопросы «как систематизировать известные знания об объекте исследования» и «как разработать метод получения знаний об объекте исследования».</a:t>
             </a:r>
-            <a:endParaRPr lang="ru-RU" sz="2000" dirty="0">
-              <a:solidFill>
-                <a:sysClr val="windowText" lastClr="000000">
-                  <a:hueOff val="0"/>
-                  <a:satOff val="0"/>
-                  <a:lumOff val="0"/>
-                  <a:alphaOff val="0"/>
-                </a:sysClr>
-              </a:solidFill>
-              <a:latin typeface="Calibri Light" panose="020F0302020204030204"/>
-            </a:endParaRPr>
           </a:p>
         </p:txBody>
       </p:sp>
+      <p:pic>
+        <p:nvPicPr>
+          <p:cNvPr id="4" name="Рисунок 3"/>
+          <p:cNvPicPr>
+            <a:picLocks noChangeAspect="1"/>
+          </p:cNvPicPr>
+          <p:nvPr/>
+        </p:nvPicPr>
+        <p:blipFill>
+          <a:blip r:embed="rId2">
+            <a:extLst>
+              <a:ext uri="{28A0092B-C50C-407E-A947-70E740481C1C}">
+                <a14:useLocalDpi xmlns:a14="http://schemas.microsoft.com/office/drawing/2010/main" val="0"/>
+              </a:ext>
+            </a:extLst>
+          </a:blip>
+          <a:stretch>
+            <a:fillRect/>
+          </a:stretch>
+        </p:blipFill>
+        <p:spPr>
+          <a:xfrm>
+            <a:off x="4956686" y="2328413"/>
+            <a:ext cx="6486525" cy="3295650"/>
+          </a:xfrm>
+          <a:prstGeom prst="rect">
+            <a:avLst/>
+          </a:prstGeom>
+        </p:spPr>
+      </p:pic>
+      <p:pic>
+        <p:nvPicPr>
+          <p:cNvPr id="5" name="Рисунок 4"/>
+          <p:cNvPicPr>
+            <a:picLocks noChangeAspect="1"/>
+          </p:cNvPicPr>
+          <p:nvPr/>
+        </p:nvPicPr>
+        <p:blipFill>
+          <a:blip r:embed="rId3">
+            <a:extLst>
+              <a:ext uri="{28A0092B-C50C-407E-A947-70E740481C1C}">
+                <a14:useLocalDpi xmlns:a14="http://schemas.microsoft.com/office/drawing/2010/main" val="0"/>
+              </a:ext>
+            </a:extLst>
+          </a:blip>
+          <a:stretch>
+            <a:fillRect/>
+          </a:stretch>
+        </p:blipFill>
+        <p:spPr>
+          <a:xfrm>
+            <a:off x="583978" y="2328413"/>
+            <a:ext cx="4372708" cy="4027937"/>
+          </a:xfrm>
+          <a:prstGeom prst="rect">
+            <a:avLst/>
+          </a:prstGeom>
+        </p:spPr>
+      </p:pic>
     </p:spTree>
     <p:extLst>
       <p:ext uri="{BB962C8B-B14F-4D97-AF65-F5344CB8AC3E}">
@@ -11155,36 +10753,6 @@
           <a:chExt cx="0" cy="0"/>
         </a:xfrm>
       </p:grpSpPr>
-      <p:pic>
-        <p:nvPicPr>
-          <p:cNvPr id="5" name="Рисунок 4"/>
-          <p:cNvPicPr>
-            <a:picLocks noChangeAspect="1"/>
-          </p:cNvPicPr>
-          <p:nvPr/>
-        </p:nvPicPr>
-        <p:blipFill>
-          <a:blip r:embed="rId2">
-            <a:extLst>
-              <a:ext uri="{28A0092B-C50C-407E-A947-70E740481C1C}">
-                <a14:useLocalDpi xmlns:a14="http://schemas.microsoft.com/office/drawing/2010/main" val="0"/>
-              </a:ext>
-            </a:extLst>
-          </a:blip>
-          <a:stretch>
-            <a:fillRect/>
-          </a:stretch>
-        </p:blipFill>
-        <p:spPr>
-          <a:xfrm>
-            <a:off x="7668126" y="467120"/>
-            <a:ext cx="2835693" cy="5820633"/>
-          </a:xfrm>
-          <a:prstGeom prst="rect">
-            <a:avLst/>
-          </a:prstGeom>
-        </p:spPr>
-      </p:pic>
       <p:sp>
         <p:nvSpPr>
           <p:cNvPr id="12" name="Прямоугольник 11"/>
@@ -11239,6 +10807,36 @@
           </a:p>
         </p:txBody>
       </p:sp>
+      <p:pic>
+        <p:nvPicPr>
+          <p:cNvPr id="2" name="Рисунок 1"/>
+          <p:cNvPicPr>
+            <a:picLocks noChangeAspect="1"/>
+          </p:cNvPicPr>
+          <p:nvPr/>
+        </p:nvPicPr>
+        <p:blipFill>
+          <a:blip r:embed="rId2">
+            <a:extLst>
+              <a:ext uri="{28A0092B-C50C-407E-A947-70E740481C1C}">
+                <a14:useLocalDpi xmlns:a14="http://schemas.microsoft.com/office/drawing/2010/main" val="0"/>
+              </a:ext>
+            </a:extLst>
+          </a:blip>
+          <a:stretch>
+            <a:fillRect/>
+          </a:stretch>
+        </p:blipFill>
+        <p:spPr>
+          <a:xfrm>
+            <a:off x="7796212" y="830123"/>
+            <a:ext cx="2481996" cy="5094623"/>
+          </a:xfrm>
+          <a:prstGeom prst="rect">
+            <a:avLst/>
+          </a:prstGeom>
+        </p:spPr>
+      </p:pic>
     </p:spTree>
     <p:extLst>
       <p:ext uri="{BB962C8B-B14F-4D97-AF65-F5344CB8AC3E}">
